--- a/ufc.pptx
+++ b/ufc.pptx
@@ -5,16 +5,22 @@
     <p:sldMasterId id="2147483648" r:id="rId1"/>
   </p:sldMasterIdLst>
   <p:notesMasterIdLst>
-    <p:notesMasterId r:id="rId9"/>
+    <p:notesMasterId r:id="rId15"/>
   </p:notesMasterIdLst>
   <p:sldIdLst>
-    <p:sldId id="256" r:id="rId2"/>
-    <p:sldId id="258" r:id="rId3"/>
-    <p:sldId id="262" r:id="rId4"/>
-    <p:sldId id="257" r:id="rId5"/>
-    <p:sldId id="259" r:id="rId6"/>
-    <p:sldId id="260" r:id="rId7"/>
-    <p:sldId id="261" r:id="rId8"/>
+    <p:sldId id="258" r:id="rId2"/>
+    <p:sldId id="263" r:id="rId3"/>
+    <p:sldId id="264" r:id="rId4"/>
+    <p:sldId id="265" r:id="rId5"/>
+    <p:sldId id="266" r:id="rId6"/>
+    <p:sldId id="267" r:id="rId7"/>
+    <p:sldId id="257" r:id="rId8"/>
+    <p:sldId id="268" r:id="rId9"/>
+    <p:sldId id="269" r:id="rId10"/>
+    <p:sldId id="270" r:id="rId11"/>
+    <p:sldId id="271" r:id="rId12"/>
+    <p:sldId id="272" r:id="rId13"/>
+    <p:sldId id="261" r:id="rId14"/>
   </p:sldIdLst>
   <p:sldSz cx="12192000" cy="6858000"/>
   <p:notesSz cx="6858000" cy="9144000"/>
@@ -113,6 +119,11 @@
       </a:defRPr>
     </a:lvl9pPr>
   </p:defaultTextStyle>
+  <p:extLst>
+    <p:ext uri="{EFAFB233-063F-42B5-8137-9DF3F51BA10A}">
+      <p15:sldGuideLst xmlns:p15="http://schemas.microsoft.com/office/powerpoint/2012/main"/>
+    </p:ext>
+  </p:extLst>
 </p:presentation>
 </file>
 
@@ -198,7 +209,7 @@
           <a:p>
             <a:fld id="{D486035D-20A4-0D44-9361-E2F29387BE10}" type="datetimeFigureOut">
               <a:rPr lang="en-US" smtClean="0"/>
-              <a:t>4/24/21</a:t>
+              <a:t>4/24/2021</a:t>
             </a:fld>
             <a:endParaRPr lang="en-US"/>
           </a:p>
@@ -509,6 +520,14 @@
           <a:bodyPr/>
           <a:lstStyle/>
           <a:p>
+            <a:r>
+              <a:rPr lang="en-US" dirty="0" smtClean="0"/>
+              <a:t>Why</a:t>
+            </a:r>
+            <a:r>
+              <a:rPr lang="en-US" baseline="0" dirty="0" smtClean="0"/>
+              <a:t> we chose the dataset</a:t>
+            </a:r>
             <a:endParaRPr lang="en-US" dirty="0"/>
           </a:p>
         </p:txBody>
@@ -520,7 +539,399 @@
             <a:spLocks noGrp="1"/>
           </p:cNvSpPr>
           <p:nvPr>
+            <p:ph type="sldNum" sz="quarter" idx="10"/>
+          </p:nvPr>
+        </p:nvSpPr>
+        <p:spPr/>
+        <p:txBody>
+          <a:bodyPr/>
+          <a:lstStyle/>
+          <a:p>
+            <a:fld id="{4B6E503A-4C47-9042-A9ED-0302F2EAC8AD}" type="slidenum">
+              <a:rPr lang="en-US" smtClean="0"/>
+              <a:t>4</a:t>
+            </a:fld>
+            <a:endParaRPr lang="en-US"/>
+          </a:p>
+        </p:txBody>
+      </p:sp>
+    </p:spTree>
+    <p:extLst>
+      <p:ext uri="{BB962C8B-B14F-4D97-AF65-F5344CB8AC3E}">
+        <p14:creationId xmlns:p14="http://schemas.microsoft.com/office/powerpoint/2010/main" val="4045022"/>
+      </p:ext>
+    </p:extLst>
+  </p:cSld>
+  <p:clrMapOvr>
+    <a:masterClrMapping/>
+  </p:clrMapOvr>
+</p:notes>
+</file>
+
+<file path=ppt/notesSlides/notesSlide10.xml><?xml version="1.0" encoding="utf-8"?>
+<p:notes xmlns:a="http://schemas.openxmlformats.org/drawingml/2006/main" xmlns:r="http://schemas.openxmlformats.org/officeDocument/2006/relationships" xmlns:p="http://schemas.openxmlformats.org/presentationml/2006/main">
+  <p:cSld>
+    <p:spTree>
+      <p:nvGrpSpPr>
+        <p:cNvPr id="1" name=""/>
+        <p:cNvGrpSpPr/>
+        <p:nvPr/>
+      </p:nvGrpSpPr>
+      <p:grpSpPr>
+        <a:xfrm>
+          <a:off x="0" y="0"/>
+          <a:ext cx="0" cy="0"/>
+          <a:chOff x="0" y="0"/>
+          <a:chExt cx="0" cy="0"/>
+        </a:xfrm>
+      </p:grpSpPr>
+      <p:sp>
+        <p:nvSpPr>
+          <p:cNvPr id="2" name="Slide Image Placeholder 1"/>
+          <p:cNvSpPr>
+            <a:spLocks noGrp="1" noRot="1" noChangeAspect="1"/>
+          </p:cNvSpPr>
+          <p:nvPr>
+            <p:ph type="sldImg"/>
+          </p:nvPr>
+        </p:nvSpPr>
+        <p:spPr/>
+      </p:sp>
+      <p:sp>
+        <p:nvSpPr>
+          <p:cNvPr id="3" name="Notes Placeholder 2"/>
+          <p:cNvSpPr>
+            <a:spLocks noGrp="1"/>
+          </p:cNvSpPr>
+          <p:nvPr>
+            <p:ph type="body" idx="1"/>
+          </p:nvPr>
+        </p:nvSpPr>
+        <p:spPr/>
+        <p:txBody>
+          <a:bodyPr/>
+          <a:lstStyle/>
+          <a:p>
+            <a:endParaRPr lang="en-US" dirty="0"/>
+          </a:p>
+        </p:txBody>
+      </p:sp>
+      <p:sp>
+        <p:nvSpPr>
+          <p:cNvPr id="4" name="Slide Number Placeholder 3"/>
+          <p:cNvSpPr>
+            <a:spLocks noGrp="1"/>
+          </p:cNvSpPr>
+          <p:nvPr>
             <p:ph type="sldNum" sz="quarter" idx="5"/>
+          </p:nvPr>
+        </p:nvSpPr>
+        <p:spPr/>
+        <p:txBody>
+          <a:bodyPr/>
+          <a:lstStyle/>
+          <a:p>
+            <a:fld id="{4B6E503A-4C47-9042-A9ED-0302F2EAC8AD}" type="slidenum">
+              <a:rPr lang="en-US" smtClean="0"/>
+              <a:t>13</a:t>
+            </a:fld>
+            <a:endParaRPr lang="en-US"/>
+          </a:p>
+        </p:txBody>
+      </p:sp>
+    </p:spTree>
+    <p:extLst>
+      <p:ext uri="{BB962C8B-B14F-4D97-AF65-F5344CB8AC3E}">
+        <p14:creationId xmlns:p14="http://schemas.microsoft.com/office/powerpoint/2010/main" val="2766012626"/>
+      </p:ext>
+    </p:extLst>
+  </p:cSld>
+  <p:clrMapOvr>
+    <a:masterClrMapping/>
+  </p:clrMapOvr>
+</p:notes>
+</file>
+
+<file path=ppt/notesSlides/notesSlide2.xml><?xml version="1.0" encoding="utf-8"?>
+<p:notes xmlns:a="http://schemas.openxmlformats.org/drawingml/2006/main" xmlns:r="http://schemas.openxmlformats.org/officeDocument/2006/relationships" xmlns:p="http://schemas.openxmlformats.org/presentationml/2006/main">
+  <p:cSld>
+    <p:spTree>
+      <p:nvGrpSpPr>
+        <p:cNvPr id="1" name=""/>
+        <p:cNvGrpSpPr/>
+        <p:nvPr/>
+      </p:nvGrpSpPr>
+      <p:grpSpPr>
+        <a:xfrm>
+          <a:off x="0" y="0"/>
+          <a:ext cx="0" cy="0"/>
+          <a:chOff x="0" y="0"/>
+          <a:chExt cx="0" cy="0"/>
+        </a:xfrm>
+      </p:grpSpPr>
+      <p:sp>
+        <p:nvSpPr>
+          <p:cNvPr id="2" name="Slide Image Placeholder 1"/>
+          <p:cNvSpPr>
+            <a:spLocks noGrp="1" noRot="1" noChangeAspect="1"/>
+          </p:cNvSpPr>
+          <p:nvPr>
+            <p:ph type="sldImg"/>
+          </p:nvPr>
+        </p:nvSpPr>
+        <p:spPr/>
+      </p:sp>
+      <p:sp>
+        <p:nvSpPr>
+          <p:cNvPr id="3" name="Notes Placeholder 2"/>
+          <p:cNvSpPr>
+            <a:spLocks noGrp="1"/>
+          </p:cNvSpPr>
+          <p:nvPr>
+            <p:ph type="body" idx="1"/>
+          </p:nvPr>
+        </p:nvSpPr>
+        <p:spPr/>
+        <p:txBody>
+          <a:bodyPr/>
+          <a:lstStyle/>
+          <a:p>
+            <a:r>
+              <a:rPr lang="en-US" dirty="0" smtClean="0"/>
+              <a:t>What we are trying to accomplish</a:t>
+            </a:r>
+            <a:r>
+              <a:rPr lang="en-US" baseline="0" dirty="0" smtClean="0"/>
+              <a:t> with this project</a:t>
+            </a:r>
+            <a:endParaRPr lang="en-US" dirty="0"/>
+          </a:p>
+        </p:txBody>
+      </p:sp>
+      <p:sp>
+        <p:nvSpPr>
+          <p:cNvPr id="4" name="Slide Number Placeholder 3"/>
+          <p:cNvSpPr>
+            <a:spLocks noGrp="1"/>
+          </p:cNvSpPr>
+          <p:nvPr>
+            <p:ph type="sldNum" sz="quarter" idx="10"/>
+          </p:nvPr>
+        </p:nvSpPr>
+        <p:spPr/>
+        <p:txBody>
+          <a:bodyPr/>
+          <a:lstStyle/>
+          <a:p>
+            <a:fld id="{4B6E503A-4C47-9042-A9ED-0302F2EAC8AD}" type="slidenum">
+              <a:rPr lang="en-US" smtClean="0"/>
+              <a:t>5</a:t>
+            </a:fld>
+            <a:endParaRPr lang="en-US"/>
+          </a:p>
+        </p:txBody>
+      </p:sp>
+    </p:spTree>
+    <p:extLst>
+      <p:ext uri="{BB962C8B-B14F-4D97-AF65-F5344CB8AC3E}">
+        <p14:creationId xmlns:p14="http://schemas.microsoft.com/office/powerpoint/2010/main" val="723728190"/>
+      </p:ext>
+    </p:extLst>
+  </p:cSld>
+  <p:clrMapOvr>
+    <a:masterClrMapping/>
+  </p:clrMapOvr>
+</p:notes>
+</file>
+
+<file path=ppt/notesSlides/notesSlide3.xml><?xml version="1.0" encoding="utf-8"?>
+<p:notes xmlns:a="http://schemas.openxmlformats.org/drawingml/2006/main" xmlns:r="http://schemas.openxmlformats.org/officeDocument/2006/relationships" xmlns:p="http://schemas.openxmlformats.org/presentationml/2006/main">
+  <p:cSld>
+    <p:spTree>
+      <p:nvGrpSpPr>
+        <p:cNvPr id="1" name=""/>
+        <p:cNvGrpSpPr/>
+        <p:nvPr/>
+      </p:nvGrpSpPr>
+      <p:grpSpPr>
+        <a:xfrm>
+          <a:off x="0" y="0"/>
+          <a:ext cx="0" cy="0"/>
+          <a:chOff x="0" y="0"/>
+          <a:chExt cx="0" cy="0"/>
+        </a:xfrm>
+      </p:grpSpPr>
+      <p:sp>
+        <p:nvSpPr>
+          <p:cNvPr id="2" name="Slide Image Placeholder 1"/>
+          <p:cNvSpPr>
+            <a:spLocks noGrp="1" noRot="1" noChangeAspect="1"/>
+          </p:cNvSpPr>
+          <p:nvPr>
+            <p:ph type="sldImg"/>
+          </p:nvPr>
+        </p:nvSpPr>
+        <p:spPr/>
+      </p:sp>
+      <p:sp>
+        <p:nvSpPr>
+          <p:cNvPr id="3" name="Notes Placeholder 2"/>
+          <p:cNvSpPr>
+            <a:spLocks noGrp="1"/>
+          </p:cNvSpPr>
+          <p:nvPr>
+            <p:ph type="body" idx="1"/>
+          </p:nvPr>
+        </p:nvSpPr>
+        <p:spPr/>
+        <p:txBody>
+          <a:bodyPr/>
+          <a:lstStyle/>
+          <a:p>
+            <a:r>
+              <a:rPr lang="en-US" dirty="0" smtClean="0"/>
+              <a:t>We</a:t>
+            </a:r>
+            <a:r>
+              <a:rPr lang="en-US" baseline="0" dirty="0" smtClean="0"/>
+              <a:t> are building two sets a features</a:t>
+            </a:r>
+          </a:p>
+          <a:p>
+            <a:pPr marL="171450" indent="-171450">
+              <a:buFont typeface="Arial" panose="020B0604020202020204" pitchFamily="34" charset="0"/>
+              <a:buChar char="•"/>
+            </a:pPr>
+            <a:r>
+              <a:rPr lang="en-US" baseline="0" dirty="0" smtClean="0"/>
+              <a:t>One based on we thought be a good set looking at the Data</a:t>
+            </a:r>
+          </a:p>
+          <a:p>
+            <a:pPr marL="171450" indent="-171450">
+              <a:buFont typeface="Arial" panose="020B0604020202020204" pitchFamily="34" charset="0"/>
+              <a:buChar char="•"/>
+            </a:pPr>
+            <a:r>
+              <a:rPr lang="en-US" baseline="0" dirty="0" smtClean="0"/>
+              <a:t>One based on features of importance from random forest</a:t>
+            </a:r>
+          </a:p>
+          <a:p>
+            <a:pPr marL="171450" indent="-171450">
+              <a:buFont typeface="Arial" panose="020B0604020202020204" pitchFamily="34" charset="0"/>
+              <a:buChar char="•"/>
+            </a:pPr>
+            <a:r>
+              <a:rPr lang="en-US" baseline="0" dirty="0" smtClean="0"/>
+              <a:t>Run them through the models</a:t>
+            </a:r>
+          </a:p>
+          <a:p>
+            <a:pPr marL="171450" indent="-171450">
+              <a:buFont typeface="Arial" panose="020B0604020202020204" pitchFamily="34" charset="0"/>
+              <a:buChar char="•"/>
+            </a:pPr>
+            <a:r>
+              <a:rPr lang="en-US" baseline="0" dirty="0" smtClean="0"/>
+              <a:t>Determine which features and model show us the best accuracy</a:t>
+            </a:r>
+            <a:endParaRPr lang="en-US" dirty="0"/>
+          </a:p>
+        </p:txBody>
+      </p:sp>
+      <p:sp>
+        <p:nvSpPr>
+          <p:cNvPr id="4" name="Slide Number Placeholder 3"/>
+          <p:cNvSpPr>
+            <a:spLocks noGrp="1"/>
+          </p:cNvSpPr>
+          <p:nvPr>
+            <p:ph type="sldNum" sz="quarter" idx="10"/>
+          </p:nvPr>
+        </p:nvSpPr>
+        <p:spPr/>
+        <p:txBody>
+          <a:bodyPr/>
+          <a:lstStyle/>
+          <a:p>
+            <a:fld id="{4B6E503A-4C47-9042-A9ED-0302F2EAC8AD}" type="slidenum">
+              <a:rPr lang="en-US" smtClean="0"/>
+              <a:t>6</a:t>
+            </a:fld>
+            <a:endParaRPr lang="en-US"/>
+          </a:p>
+        </p:txBody>
+      </p:sp>
+    </p:spTree>
+    <p:extLst>
+      <p:ext uri="{BB962C8B-B14F-4D97-AF65-F5344CB8AC3E}">
+        <p14:creationId xmlns:p14="http://schemas.microsoft.com/office/powerpoint/2010/main" val="4010392866"/>
+      </p:ext>
+    </p:extLst>
+  </p:cSld>
+  <p:clrMapOvr>
+    <a:masterClrMapping/>
+  </p:clrMapOvr>
+</p:notes>
+</file>
+
+<file path=ppt/notesSlides/notesSlide4.xml><?xml version="1.0" encoding="utf-8"?>
+<p:notes xmlns:a="http://schemas.openxmlformats.org/drawingml/2006/main" xmlns:r="http://schemas.openxmlformats.org/officeDocument/2006/relationships" xmlns:p="http://schemas.openxmlformats.org/presentationml/2006/main">
+  <p:cSld>
+    <p:spTree>
+      <p:nvGrpSpPr>
+        <p:cNvPr id="1" name=""/>
+        <p:cNvGrpSpPr/>
+        <p:nvPr/>
+      </p:nvGrpSpPr>
+      <p:grpSpPr>
+        <a:xfrm>
+          <a:off x="0" y="0"/>
+          <a:ext cx="0" cy="0"/>
+          <a:chOff x="0" y="0"/>
+          <a:chExt cx="0" cy="0"/>
+        </a:xfrm>
+      </p:grpSpPr>
+      <p:sp>
+        <p:nvSpPr>
+          <p:cNvPr id="2" name="Slide Image Placeholder 1"/>
+          <p:cNvSpPr>
+            <a:spLocks noGrp="1" noRot="1" noChangeAspect="1"/>
+          </p:cNvSpPr>
+          <p:nvPr>
+            <p:ph type="sldImg"/>
+          </p:nvPr>
+        </p:nvSpPr>
+        <p:spPr/>
+      </p:sp>
+      <p:sp>
+        <p:nvSpPr>
+          <p:cNvPr id="3" name="Notes Placeholder 2"/>
+          <p:cNvSpPr>
+            <a:spLocks noGrp="1"/>
+          </p:cNvSpPr>
+          <p:nvPr>
+            <p:ph type="body" idx="1"/>
+          </p:nvPr>
+        </p:nvSpPr>
+        <p:spPr/>
+        <p:txBody>
+          <a:bodyPr/>
+          <a:lstStyle/>
+          <a:p>
+            <a:endParaRPr lang="en-US" dirty="0"/>
+          </a:p>
+        </p:txBody>
+      </p:sp>
+      <p:sp>
+        <p:nvSpPr>
+          <p:cNvPr id="4" name="Slide Number Placeholder 3"/>
+          <p:cNvSpPr>
+            <a:spLocks noGrp="1"/>
+          </p:cNvSpPr>
+          <p:nvPr>
+            <p:ph type="sldNum" sz="quarter" idx="10"/>
           </p:nvPr>
         </p:nvSpPr>
         <p:spPr/>
@@ -539,7 +950,512 @@
     </p:spTree>
     <p:extLst>
       <p:ext uri="{BB962C8B-B14F-4D97-AF65-F5344CB8AC3E}">
-        <p14:creationId xmlns:p14="http://schemas.microsoft.com/office/powerpoint/2010/main" val="2766012626"/>
+        <p14:creationId xmlns:p14="http://schemas.microsoft.com/office/powerpoint/2010/main" val="3951460976"/>
+      </p:ext>
+    </p:extLst>
+  </p:cSld>
+  <p:clrMapOvr>
+    <a:masterClrMapping/>
+  </p:clrMapOvr>
+</p:notes>
+</file>
+
+<file path=ppt/notesSlides/notesSlide5.xml><?xml version="1.0" encoding="utf-8"?>
+<p:notes xmlns:a="http://schemas.openxmlformats.org/drawingml/2006/main" xmlns:r="http://schemas.openxmlformats.org/officeDocument/2006/relationships" xmlns:p="http://schemas.openxmlformats.org/presentationml/2006/main">
+  <p:cSld>
+    <p:spTree>
+      <p:nvGrpSpPr>
+        <p:cNvPr id="1" name=""/>
+        <p:cNvGrpSpPr/>
+        <p:nvPr/>
+      </p:nvGrpSpPr>
+      <p:grpSpPr>
+        <a:xfrm>
+          <a:off x="0" y="0"/>
+          <a:ext cx="0" cy="0"/>
+          <a:chOff x="0" y="0"/>
+          <a:chExt cx="0" cy="0"/>
+        </a:xfrm>
+      </p:grpSpPr>
+      <p:sp>
+        <p:nvSpPr>
+          <p:cNvPr id="2" name="Slide Image Placeholder 1"/>
+          <p:cNvSpPr>
+            <a:spLocks noGrp="1" noRot="1" noChangeAspect="1"/>
+          </p:cNvSpPr>
+          <p:nvPr>
+            <p:ph type="sldImg"/>
+          </p:nvPr>
+        </p:nvSpPr>
+        <p:spPr/>
+      </p:sp>
+      <p:sp>
+        <p:nvSpPr>
+          <p:cNvPr id="3" name="Notes Placeholder 2"/>
+          <p:cNvSpPr>
+            <a:spLocks noGrp="1"/>
+          </p:cNvSpPr>
+          <p:nvPr>
+            <p:ph type="body" idx="1"/>
+          </p:nvPr>
+        </p:nvSpPr>
+        <p:spPr/>
+        <p:txBody>
+          <a:bodyPr/>
+          <a:lstStyle/>
+          <a:p>
+            <a:r>
+              <a:rPr lang="en-US" dirty="0" smtClean="0"/>
+              <a:t>Go to the website to discuss some of the graphs and data</a:t>
+            </a:r>
+          </a:p>
+          <a:p>
+            <a:r>
+              <a:rPr lang="en-US" dirty="0" smtClean="0"/>
+              <a:t>Look at some of the features we decided to choose</a:t>
+            </a:r>
+            <a:endParaRPr lang="en-US" dirty="0"/>
+          </a:p>
+        </p:txBody>
+      </p:sp>
+      <p:sp>
+        <p:nvSpPr>
+          <p:cNvPr id="4" name="Slide Number Placeholder 3"/>
+          <p:cNvSpPr>
+            <a:spLocks noGrp="1"/>
+          </p:cNvSpPr>
+          <p:nvPr>
+            <p:ph type="sldNum" sz="quarter" idx="10"/>
+          </p:nvPr>
+        </p:nvSpPr>
+        <p:spPr/>
+        <p:txBody>
+          <a:bodyPr/>
+          <a:lstStyle/>
+          <a:p>
+            <a:fld id="{4B6E503A-4C47-9042-A9ED-0302F2EAC8AD}" type="slidenum">
+              <a:rPr lang="en-US" smtClean="0"/>
+              <a:t>8</a:t>
+            </a:fld>
+            <a:endParaRPr lang="en-US"/>
+          </a:p>
+        </p:txBody>
+      </p:sp>
+    </p:spTree>
+    <p:extLst>
+      <p:ext uri="{BB962C8B-B14F-4D97-AF65-F5344CB8AC3E}">
+        <p14:creationId xmlns:p14="http://schemas.microsoft.com/office/powerpoint/2010/main" val="539367225"/>
+      </p:ext>
+    </p:extLst>
+  </p:cSld>
+  <p:clrMapOvr>
+    <a:masterClrMapping/>
+  </p:clrMapOvr>
+</p:notes>
+</file>
+
+<file path=ppt/notesSlides/notesSlide6.xml><?xml version="1.0" encoding="utf-8"?>
+<p:notes xmlns:a="http://schemas.openxmlformats.org/drawingml/2006/main" xmlns:r="http://schemas.openxmlformats.org/officeDocument/2006/relationships" xmlns:p="http://schemas.openxmlformats.org/presentationml/2006/main">
+  <p:cSld>
+    <p:spTree>
+      <p:nvGrpSpPr>
+        <p:cNvPr id="1" name=""/>
+        <p:cNvGrpSpPr/>
+        <p:nvPr/>
+      </p:nvGrpSpPr>
+      <p:grpSpPr>
+        <a:xfrm>
+          <a:off x="0" y="0"/>
+          <a:ext cx="0" cy="0"/>
+          <a:chOff x="0" y="0"/>
+          <a:chExt cx="0" cy="0"/>
+        </a:xfrm>
+      </p:grpSpPr>
+      <p:sp>
+        <p:nvSpPr>
+          <p:cNvPr id="2" name="Slide Image Placeholder 1"/>
+          <p:cNvSpPr>
+            <a:spLocks noGrp="1" noRot="1" noChangeAspect="1"/>
+          </p:cNvSpPr>
+          <p:nvPr>
+            <p:ph type="sldImg"/>
+          </p:nvPr>
+        </p:nvSpPr>
+        <p:spPr/>
+      </p:sp>
+      <p:sp>
+        <p:nvSpPr>
+          <p:cNvPr id="3" name="Notes Placeholder 2"/>
+          <p:cNvSpPr>
+            <a:spLocks noGrp="1"/>
+          </p:cNvSpPr>
+          <p:nvPr>
+            <p:ph type="body" idx="1"/>
+          </p:nvPr>
+        </p:nvSpPr>
+        <p:spPr/>
+        <p:txBody>
+          <a:bodyPr/>
+          <a:lstStyle/>
+          <a:p>
+            <a:r>
+              <a:rPr lang="en-US" dirty="0" smtClean="0"/>
+              <a:t>Go to the </a:t>
+            </a:r>
+            <a:r>
+              <a:rPr lang="en-US" dirty="0" err="1" smtClean="0"/>
+              <a:t>Jupyter</a:t>
+            </a:r>
+            <a:r>
+              <a:rPr lang="en-US" baseline="0" dirty="0" smtClean="0"/>
+              <a:t> Notebook</a:t>
+            </a:r>
+          </a:p>
+          <a:p>
+            <a:pPr marL="171450" indent="-171450">
+              <a:buFont typeface="Arial" panose="020B0604020202020204" pitchFamily="34" charset="0"/>
+              <a:buChar char="•"/>
+            </a:pPr>
+            <a:r>
+              <a:rPr lang="en-US" baseline="0" dirty="0" smtClean="0"/>
+              <a:t>Discuss the decision to use random forest and filling in Nulls with the mean during the cleanup rather than 0</a:t>
+            </a:r>
+          </a:p>
+          <a:p>
+            <a:pPr marL="171450" indent="-171450">
+              <a:buFont typeface="Arial" panose="020B0604020202020204" pitchFamily="34" charset="0"/>
+              <a:buChar char="•"/>
+            </a:pPr>
+            <a:endParaRPr lang="en-US" dirty="0"/>
+          </a:p>
+        </p:txBody>
+      </p:sp>
+      <p:sp>
+        <p:nvSpPr>
+          <p:cNvPr id="4" name="Slide Number Placeholder 3"/>
+          <p:cNvSpPr>
+            <a:spLocks noGrp="1"/>
+          </p:cNvSpPr>
+          <p:nvPr>
+            <p:ph type="sldNum" sz="quarter" idx="10"/>
+          </p:nvPr>
+        </p:nvSpPr>
+        <p:spPr/>
+        <p:txBody>
+          <a:bodyPr/>
+          <a:lstStyle/>
+          <a:p>
+            <a:fld id="{4B6E503A-4C47-9042-A9ED-0302F2EAC8AD}" type="slidenum">
+              <a:rPr lang="en-US" smtClean="0"/>
+              <a:t>9</a:t>
+            </a:fld>
+            <a:endParaRPr lang="en-US"/>
+          </a:p>
+        </p:txBody>
+      </p:sp>
+    </p:spTree>
+    <p:extLst>
+      <p:ext uri="{BB962C8B-B14F-4D97-AF65-F5344CB8AC3E}">
+        <p14:creationId xmlns:p14="http://schemas.microsoft.com/office/powerpoint/2010/main" val="223857605"/>
+      </p:ext>
+    </p:extLst>
+  </p:cSld>
+  <p:clrMapOvr>
+    <a:masterClrMapping/>
+  </p:clrMapOvr>
+</p:notes>
+</file>
+
+<file path=ppt/notesSlides/notesSlide7.xml><?xml version="1.0" encoding="utf-8"?>
+<p:notes xmlns:a="http://schemas.openxmlformats.org/drawingml/2006/main" xmlns:r="http://schemas.openxmlformats.org/officeDocument/2006/relationships" xmlns:p="http://schemas.openxmlformats.org/presentationml/2006/main">
+  <p:cSld>
+    <p:spTree>
+      <p:nvGrpSpPr>
+        <p:cNvPr id="1" name=""/>
+        <p:cNvGrpSpPr/>
+        <p:nvPr/>
+      </p:nvGrpSpPr>
+      <p:grpSpPr>
+        <a:xfrm>
+          <a:off x="0" y="0"/>
+          <a:ext cx="0" cy="0"/>
+          <a:chOff x="0" y="0"/>
+          <a:chExt cx="0" cy="0"/>
+        </a:xfrm>
+      </p:grpSpPr>
+      <p:sp>
+        <p:nvSpPr>
+          <p:cNvPr id="2" name="Slide Image Placeholder 1"/>
+          <p:cNvSpPr>
+            <a:spLocks noGrp="1" noRot="1" noChangeAspect="1"/>
+          </p:cNvSpPr>
+          <p:nvPr>
+            <p:ph type="sldImg"/>
+          </p:nvPr>
+        </p:nvSpPr>
+        <p:spPr/>
+      </p:sp>
+      <p:sp>
+        <p:nvSpPr>
+          <p:cNvPr id="3" name="Notes Placeholder 2"/>
+          <p:cNvSpPr>
+            <a:spLocks noGrp="1"/>
+          </p:cNvSpPr>
+          <p:nvPr>
+            <p:ph type="body" idx="1"/>
+          </p:nvPr>
+        </p:nvSpPr>
+        <p:spPr/>
+        <p:txBody>
+          <a:bodyPr/>
+          <a:lstStyle/>
+          <a:p>
+            <a:r>
+              <a:rPr lang="en-US" dirty="0" smtClean="0"/>
+              <a:t>The features</a:t>
+            </a:r>
+            <a:r>
+              <a:rPr lang="en-US" baseline="0" dirty="0" smtClean="0"/>
+              <a:t> we chose based on the data and knowledge of the dataset</a:t>
+            </a:r>
+            <a:endParaRPr lang="en-US" dirty="0"/>
+          </a:p>
+        </p:txBody>
+      </p:sp>
+      <p:sp>
+        <p:nvSpPr>
+          <p:cNvPr id="4" name="Slide Number Placeholder 3"/>
+          <p:cNvSpPr>
+            <a:spLocks noGrp="1"/>
+          </p:cNvSpPr>
+          <p:nvPr>
+            <p:ph type="sldNum" sz="quarter" idx="10"/>
+          </p:nvPr>
+        </p:nvSpPr>
+        <p:spPr/>
+        <p:txBody>
+          <a:bodyPr/>
+          <a:lstStyle/>
+          <a:p>
+            <a:fld id="{4B6E503A-4C47-9042-A9ED-0302F2EAC8AD}" type="slidenum">
+              <a:rPr lang="en-US" smtClean="0"/>
+              <a:t>10</a:t>
+            </a:fld>
+            <a:endParaRPr lang="en-US"/>
+          </a:p>
+        </p:txBody>
+      </p:sp>
+    </p:spTree>
+    <p:extLst>
+      <p:ext uri="{BB962C8B-B14F-4D97-AF65-F5344CB8AC3E}">
+        <p14:creationId xmlns:p14="http://schemas.microsoft.com/office/powerpoint/2010/main" val="3780113541"/>
+      </p:ext>
+    </p:extLst>
+  </p:cSld>
+  <p:clrMapOvr>
+    <a:masterClrMapping/>
+  </p:clrMapOvr>
+</p:notes>
+</file>
+
+<file path=ppt/notesSlides/notesSlide8.xml><?xml version="1.0" encoding="utf-8"?>
+<p:notes xmlns:a="http://schemas.openxmlformats.org/drawingml/2006/main" xmlns:r="http://schemas.openxmlformats.org/officeDocument/2006/relationships" xmlns:p="http://schemas.openxmlformats.org/presentationml/2006/main">
+  <p:cSld>
+    <p:spTree>
+      <p:nvGrpSpPr>
+        <p:cNvPr id="1" name=""/>
+        <p:cNvGrpSpPr/>
+        <p:nvPr/>
+      </p:nvGrpSpPr>
+      <p:grpSpPr>
+        <a:xfrm>
+          <a:off x="0" y="0"/>
+          <a:ext cx="0" cy="0"/>
+          <a:chOff x="0" y="0"/>
+          <a:chExt cx="0" cy="0"/>
+        </a:xfrm>
+      </p:grpSpPr>
+      <p:sp>
+        <p:nvSpPr>
+          <p:cNvPr id="2" name="Slide Image Placeholder 1"/>
+          <p:cNvSpPr>
+            <a:spLocks noGrp="1" noRot="1" noChangeAspect="1"/>
+          </p:cNvSpPr>
+          <p:nvPr>
+            <p:ph type="sldImg"/>
+          </p:nvPr>
+        </p:nvSpPr>
+        <p:spPr/>
+      </p:sp>
+      <p:sp>
+        <p:nvSpPr>
+          <p:cNvPr id="3" name="Notes Placeholder 2"/>
+          <p:cNvSpPr>
+            <a:spLocks noGrp="1"/>
+          </p:cNvSpPr>
+          <p:nvPr>
+            <p:ph type="body" idx="1"/>
+          </p:nvPr>
+        </p:nvSpPr>
+        <p:spPr/>
+        <p:txBody>
+          <a:bodyPr/>
+          <a:lstStyle/>
+          <a:p>
+            <a:r>
+              <a:rPr lang="en-US" dirty="0" smtClean="0"/>
+              <a:t>The</a:t>
+            </a:r>
+            <a:r>
+              <a:rPr lang="en-US" baseline="0" dirty="0" smtClean="0"/>
+              <a:t> Feature Set chosen by random </a:t>
+            </a:r>
+            <a:r>
+              <a:rPr lang="en-US" baseline="0" dirty="0" err="1" smtClean="0"/>
+              <a:t>forrest</a:t>
+            </a:r>
+            <a:endParaRPr lang="en-US" dirty="0"/>
+          </a:p>
+        </p:txBody>
+      </p:sp>
+      <p:sp>
+        <p:nvSpPr>
+          <p:cNvPr id="4" name="Slide Number Placeholder 3"/>
+          <p:cNvSpPr>
+            <a:spLocks noGrp="1"/>
+          </p:cNvSpPr>
+          <p:nvPr>
+            <p:ph type="sldNum" sz="quarter" idx="10"/>
+          </p:nvPr>
+        </p:nvSpPr>
+        <p:spPr/>
+        <p:txBody>
+          <a:bodyPr/>
+          <a:lstStyle/>
+          <a:p>
+            <a:fld id="{4B6E503A-4C47-9042-A9ED-0302F2EAC8AD}" type="slidenum">
+              <a:rPr lang="en-US" smtClean="0"/>
+              <a:t>11</a:t>
+            </a:fld>
+            <a:endParaRPr lang="en-US"/>
+          </a:p>
+        </p:txBody>
+      </p:sp>
+    </p:spTree>
+    <p:extLst>
+      <p:ext uri="{BB962C8B-B14F-4D97-AF65-F5344CB8AC3E}">
+        <p14:creationId xmlns:p14="http://schemas.microsoft.com/office/powerpoint/2010/main" val="2136926032"/>
+      </p:ext>
+    </p:extLst>
+  </p:cSld>
+  <p:clrMapOvr>
+    <a:masterClrMapping/>
+  </p:clrMapOvr>
+</p:notes>
+</file>
+
+<file path=ppt/notesSlides/notesSlide9.xml><?xml version="1.0" encoding="utf-8"?>
+<p:notes xmlns:a="http://schemas.openxmlformats.org/drawingml/2006/main" xmlns:r="http://schemas.openxmlformats.org/officeDocument/2006/relationships" xmlns:p="http://schemas.openxmlformats.org/presentationml/2006/main">
+  <p:cSld>
+    <p:spTree>
+      <p:nvGrpSpPr>
+        <p:cNvPr id="1" name=""/>
+        <p:cNvGrpSpPr/>
+        <p:nvPr/>
+      </p:nvGrpSpPr>
+      <p:grpSpPr>
+        <a:xfrm>
+          <a:off x="0" y="0"/>
+          <a:ext cx="0" cy="0"/>
+          <a:chOff x="0" y="0"/>
+          <a:chExt cx="0" cy="0"/>
+        </a:xfrm>
+      </p:grpSpPr>
+      <p:sp>
+        <p:nvSpPr>
+          <p:cNvPr id="2" name="Slide Image Placeholder 1"/>
+          <p:cNvSpPr>
+            <a:spLocks noGrp="1" noRot="1" noChangeAspect="1"/>
+          </p:cNvSpPr>
+          <p:nvPr>
+            <p:ph type="sldImg"/>
+          </p:nvPr>
+        </p:nvSpPr>
+        <p:spPr/>
+      </p:sp>
+      <p:sp>
+        <p:nvSpPr>
+          <p:cNvPr id="3" name="Notes Placeholder 2"/>
+          <p:cNvSpPr>
+            <a:spLocks noGrp="1"/>
+          </p:cNvSpPr>
+          <p:nvPr>
+            <p:ph type="body" idx="1"/>
+          </p:nvPr>
+        </p:nvSpPr>
+        <p:spPr/>
+        <p:txBody>
+          <a:bodyPr/>
+          <a:lstStyle/>
+          <a:p>
+            <a:pPr marL="171450" indent="-171450">
+              <a:buFont typeface="Arial" panose="020B0604020202020204" pitchFamily="34" charset="0"/>
+              <a:buChar char="•"/>
+            </a:pPr>
+            <a:r>
+              <a:rPr lang="en-US" baseline="0" dirty="0" smtClean="0"/>
+              <a:t>Discuss the models we chose</a:t>
+            </a:r>
+          </a:p>
+          <a:p>
+            <a:pPr marL="171450" indent="-171450">
+              <a:buFont typeface="Arial" panose="020B0604020202020204" pitchFamily="34" charset="0"/>
+              <a:buChar char="•"/>
+            </a:pPr>
+            <a:r>
+              <a:rPr lang="en-US" baseline="0" dirty="0" smtClean="0"/>
+              <a:t>Why we chose these models</a:t>
+            </a:r>
+          </a:p>
+          <a:p>
+            <a:pPr marL="171450" indent="-171450">
+              <a:buFont typeface="Arial" panose="020B0604020202020204" pitchFamily="34" charset="0"/>
+              <a:buChar char="•"/>
+            </a:pPr>
+            <a:r>
+              <a:rPr lang="en-US" baseline="0" dirty="0" smtClean="0"/>
+              <a:t>What we did</a:t>
+            </a:r>
+          </a:p>
+        </p:txBody>
+      </p:sp>
+      <p:sp>
+        <p:nvSpPr>
+          <p:cNvPr id="4" name="Slide Number Placeholder 3"/>
+          <p:cNvSpPr>
+            <a:spLocks noGrp="1"/>
+          </p:cNvSpPr>
+          <p:nvPr>
+            <p:ph type="sldNum" sz="quarter" idx="10"/>
+          </p:nvPr>
+        </p:nvSpPr>
+        <p:spPr/>
+        <p:txBody>
+          <a:bodyPr/>
+          <a:lstStyle/>
+          <a:p>
+            <a:fld id="{4B6E503A-4C47-9042-A9ED-0302F2EAC8AD}" type="slidenum">
+              <a:rPr lang="en-US" smtClean="0"/>
+              <a:t>12</a:t>
+            </a:fld>
+            <a:endParaRPr lang="en-US"/>
+          </a:p>
+        </p:txBody>
+      </p:sp>
+    </p:spTree>
+    <p:extLst>
+      <p:ext uri="{BB962C8B-B14F-4D97-AF65-F5344CB8AC3E}">
+        <p14:creationId xmlns:p14="http://schemas.microsoft.com/office/powerpoint/2010/main" val="3900542700"/>
       </p:ext>
     </p:extLst>
   </p:cSld>
@@ -696,7 +1612,7 @@
           <a:p>
             <a:fld id="{606BA9FF-F087-5E4E-8AD9-D0111DCFFBDD}" type="datetimeFigureOut">
               <a:rPr lang="en-US" smtClean="0"/>
-              <a:t>4/24/21</a:t>
+              <a:t>4/24/2021</a:t>
             </a:fld>
             <a:endParaRPr lang="en-US"/>
           </a:p>
@@ -894,7 +1810,7 @@
           <a:p>
             <a:fld id="{606BA9FF-F087-5E4E-8AD9-D0111DCFFBDD}" type="datetimeFigureOut">
               <a:rPr lang="en-US" smtClean="0"/>
-              <a:t>4/24/21</a:t>
+              <a:t>4/24/2021</a:t>
             </a:fld>
             <a:endParaRPr lang="en-US"/>
           </a:p>
@@ -1102,7 +2018,7 @@
           <a:p>
             <a:fld id="{606BA9FF-F087-5E4E-8AD9-D0111DCFFBDD}" type="datetimeFigureOut">
               <a:rPr lang="en-US" smtClean="0"/>
-              <a:t>4/24/21</a:t>
+              <a:t>4/24/2021</a:t>
             </a:fld>
             <a:endParaRPr lang="en-US"/>
           </a:p>
@@ -1300,7 +2216,7 @@
           <a:p>
             <a:fld id="{606BA9FF-F087-5E4E-8AD9-D0111DCFFBDD}" type="datetimeFigureOut">
               <a:rPr lang="en-US" smtClean="0"/>
-              <a:t>4/24/21</a:t>
+              <a:t>4/24/2021</a:t>
             </a:fld>
             <a:endParaRPr lang="en-US"/>
           </a:p>
@@ -1575,7 +2491,7 @@
           <a:p>
             <a:fld id="{606BA9FF-F087-5E4E-8AD9-D0111DCFFBDD}" type="datetimeFigureOut">
               <a:rPr lang="en-US" smtClean="0"/>
-              <a:t>4/24/21</a:t>
+              <a:t>4/24/2021</a:t>
             </a:fld>
             <a:endParaRPr lang="en-US"/>
           </a:p>
@@ -1840,7 +2756,7 @@
           <a:p>
             <a:fld id="{606BA9FF-F087-5E4E-8AD9-D0111DCFFBDD}" type="datetimeFigureOut">
               <a:rPr lang="en-US" smtClean="0"/>
-              <a:t>4/24/21</a:t>
+              <a:t>4/24/2021</a:t>
             </a:fld>
             <a:endParaRPr lang="en-US"/>
           </a:p>
@@ -2252,7 +3168,7 @@
           <a:p>
             <a:fld id="{606BA9FF-F087-5E4E-8AD9-D0111DCFFBDD}" type="datetimeFigureOut">
               <a:rPr lang="en-US" smtClean="0"/>
-              <a:t>4/24/21</a:t>
+              <a:t>4/24/2021</a:t>
             </a:fld>
             <a:endParaRPr lang="en-US"/>
           </a:p>
@@ -2393,7 +3309,7 @@
           <a:p>
             <a:fld id="{606BA9FF-F087-5E4E-8AD9-D0111DCFFBDD}" type="datetimeFigureOut">
               <a:rPr lang="en-US" smtClean="0"/>
-              <a:t>4/24/21</a:t>
+              <a:t>4/24/2021</a:t>
             </a:fld>
             <a:endParaRPr lang="en-US"/>
           </a:p>
@@ -2506,7 +3422,7 @@
           <a:p>
             <a:fld id="{606BA9FF-F087-5E4E-8AD9-D0111DCFFBDD}" type="datetimeFigureOut">
               <a:rPr lang="en-US" smtClean="0"/>
-              <a:t>4/24/21</a:t>
+              <a:t>4/24/2021</a:t>
             </a:fld>
             <a:endParaRPr lang="en-US"/>
           </a:p>
@@ -2817,7 +3733,7 @@
           <a:p>
             <a:fld id="{606BA9FF-F087-5E4E-8AD9-D0111DCFFBDD}" type="datetimeFigureOut">
               <a:rPr lang="en-US" smtClean="0"/>
-              <a:t>4/24/21</a:t>
+              <a:t>4/24/2021</a:t>
             </a:fld>
             <a:endParaRPr lang="en-US"/>
           </a:p>
@@ -3105,7 +4021,7 @@
           <a:p>
             <a:fld id="{606BA9FF-F087-5E4E-8AD9-D0111DCFFBDD}" type="datetimeFigureOut">
               <a:rPr lang="en-US" smtClean="0"/>
-              <a:t>4/24/21</a:t>
+              <a:t>4/24/2021</a:t>
             </a:fld>
             <a:endParaRPr lang="en-US"/>
           </a:p>
@@ -3346,7 +4262,7 @@
           <a:p>
             <a:fld id="{606BA9FF-F087-5E4E-8AD9-D0111DCFFBDD}" type="datetimeFigureOut">
               <a:rPr lang="en-US" smtClean="0"/>
-              <a:t>4/24/21</a:t>
+              <a:t>4/24/2021</a:t>
             </a:fld>
             <a:endParaRPr lang="en-US"/>
           </a:p>
@@ -3749,86 +4665,6 @@
 <file path=ppt/slides/slide1.xml><?xml version="1.0" encoding="utf-8"?>
 <p:sld xmlns:a="http://schemas.openxmlformats.org/drawingml/2006/main" xmlns:r="http://schemas.openxmlformats.org/officeDocument/2006/relationships" xmlns:p="http://schemas.openxmlformats.org/presentationml/2006/main">
   <p:cSld>
-    <p:spTree>
-      <p:nvGrpSpPr>
-        <p:cNvPr id="1" name=""/>
-        <p:cNvGrpSpPr/>
-        <p:nvPr/>
-      </p:nvGrpSpPr>
-      <p:grpSpPr>
-        <a:xfrm>
-          <a:off x="0" y="0"/>
-          <a:ext cx="0" cy="0"/>
-          <a:chOff x="0" y="0"/>
-          <a:chExt cx="0" cy="0"/>
-        </a:xfrm>
-      </p:grpSpPr>
-      <p:sp>
-        <p:nvSpPr>
-          <p:cNvPr id="2" name="Title 1">
-            <a:extLst>
-              <a:ext uri="{FF2B5EF4-FFF2-40B4-BE49-F238E27FC236}">
-                <a16:creationId xmlns:a16="http://schemas.microsoft.com/office/drawing/2014/main" id="{F0EC18BC-633D-C748-A567-BC8BB56E0ED1}"/>
-              </a:ext>
-            </a:extLst>
-          </p:cNvPr>
-          <p:cNvSpPr>
-            <a:spLocks noGrp="1"/>
-          </p:cNvSpPr>
-          <p:nvPr>
-            <p:ph type="ctrTitle"/>
-          </p:nvPr>
-        </p:nvSpPr>
-        <p:spPr/>
-        <p:txBody>
-          <a:bodyPr/>
-          <a:lstStyle/>
-          <a:p>
-            <a:endParaRPr lang="en-US" dirty="0"/>
-          </a:p>
-        </p:txBody>
-      </p:sp>
-      <p:sp>
-        <p:nvSpPr>
-          <p:cNvPr id="3" name="Subtitle 2">
-            <a:extLst>
-              <a:ext uri="{FF2B5EF4-FFF2-40B4-BE49-F238E27FC236}">
-                <a16:creationId xmlns:a16="http://schemas.microsoft.com/office/drawing/2014/main" id="{CFF9C529-6586-2F40-A48C-A238B94FFA89}"/>
-              </a:ext>
-            </a:extLst>
-          </p:cNvPr>
-          <p:cNvSpPr>
-            <a:spLocks noGrp="1"/>
-          </p:cNvSpPr>
-          <p:nvPr>
-            <p:ph type="subTitle" idx="1"/>
-          </p:nvPr>
-        </p:nvSpPr>
-        <p:spPr/>
-        <p:txBody>
-          <a:bodyPr/>
-          <a:lstStyle/>
-          <a:p>
-            <a:endParaRPr lang="en-US"/>
-          </a:p>
-        </p:txBody>
-      </p:sp>
-    </p:spTree>
-    <p:extLst>
-      <p:ext uri="{BB962C8B-B14F-4D97-AF65-F5344CB8AC3E}">
-        <p14:creationId xmlns:p14="http://schemas.microsoft.com/office/powerpoint/2010/main" val="1675962325"/>
-      </p:ext>
-    </p:extLst>
-  </p:cSld>
-  <p:clrMapOvr>
-    <a:masterClrMapping/>
-  </p:clrMapOvr>
-</p:sld>
-</file>
-
-<file path=ppt/slides/slide2.xml><?xml version="1.0" encoding="utf-8"?>
-<p:sld xmlns:a="http://schemas.openxmlformats.org/drawingml/2006/main" xmlns:r="http://schemas.openxmlformats.org/officeDocument/2006/relationships" xmlns:p="http://schemas.openxmlformats.org/presentationml/2006/main">
-  <p:cSld>
     <p:bg>
       <p:bgPr>
         <a:solidFill>
@@ -3851,69 +4687,6 @@
           <a:chExt cx="0" cy="0"/>
         </a:xfrm>
       </p:grpSpPr>
-      <p:sp>
-        <p:nvSpPr>
-          <p:cNvPr id="10" name="Rectangle 9">
-            <a:extLst>
-              <a:ext uri="{FF2B5EF4-FFF2-40B4-BE49-F238E27FC236}">
-                <a16:creationId xmlns:a16="http://schemas.microsoft.com/office/drawing/2014/main" id="{C5E6CFF1-2F42-4E10-9A97-F116F46F53FE}"/>
-              </a:ext>
-              <a:ext uri="{C183D7F6-B498-43B3-948B-1728B52AA6E4}">
-                <adec:decorative xmlns:adec="http://schemas.microsoft.com/office/drawing/2017/decorative" val="1"/>
-              </a:ext>
-            </a:extLst>
-          </p:cNvPr>
-          <p:cNvSpPr>
-            <a:spLocks noGrp="1" noRot="1" noChangeAspect="1" noMove="1" noResize="1" noEditPoints="1" noAdjustHandles="1" noChangeArrowheads="1" noChangeShapeType="1" noTextEdit="1"/>
-          </p:cNvSpPr>
-          <p:nvPr>
-            <p:extLst>
-              <p:ext uri="{386F3935-93C4-4BCD-93E2-E3B085C9AB24}">
-                <p16:designElem xmlns:p16="http://schemas.microsoft.com/office/powerpoint/2015/main" val="1"/>
-              </p:ext>
-            </p:extLst>
-          </p:nvPr>
-        </p:nvSpPr>
-        <p:spPr>
-          <a:xfrm>
-            <a:off x="0" y="0"/>
-            <a:ext cx="12192000" cy="6858000"/>
-          </a:xfrm>
-          <a:prstGeom prst="rect">
-            <a:avLst/>
-          </a:prstGeom>
-          <a:solidFill>
-            <a:srgbClr val="000000"/>
-          </a:solidFill>
-          <a:ln>
-            <a:noFill/>
-          </a:ln>
-        </p:spPr>
-        <p:style>
-          <a:lnRef idx="2">
-            <a:schemeClr val="accent1">
-              <a:shade val="50000"/>
-            </a:schemeClr>
-          </a:lnRef>
-          <a:fillRef idx="1">
-            <a:schemeClr val="accent1"/>
-          </a:fillRef>
-          <a:effectRef idx="0">
-            <a:schemeClr val="accent1"/>
-          </a:effectRef>
-          <a:fontRef idx="minor">
-            <a:schemeClr val="lt1"/>
-          </a:fontRef>
-        </p:style>
-        <p:txBody>
-          <a:bodyPr rtlCol="0" anchor="ctr"/>
-          <a:lstStyle/>
-          <a:p>
-            <a:pPr algn="ctr"/>
-            <a:endParaRPr lang="en-US"/>
-          </a:p>
-        </p:txBody>
-      </p:sp>
       <p:pic>
         <p:nvPicPr>
           <p:cNvPr id="5" name="Picture 4" descr="A group of people posing for a photo&#10;&#10;Description automatically generated with medium confidence">
@@ -3958,85 +4731,34 @@
             <a:spLocks noGrp="1"/>
           </p:cNvSpPr>
           <p:nvPr>
-            <p:ph type="title"/>
-          </p:nvPr>
-        </p:nvSpPr>
-        <p:spPr>
-          <a:xfrm>
-            <a:off x="838201" y="1065862"/>
-            <a:ext cx="3313164" cy="4726276"/>
-          </a:xfrm>
-        </p:spPr>
+            <p:ph type="ctrTitle"/>
+          </p:nvPr>
+        </p:nvSpPr>
+        <p:spPr/>
         <p:txBody>
           <a:bodyPr>
             <a:normAutofit/>
           </a:bodyPr>
           <a:lstStyle/>
           <a:p>
-            <a:pPr algn="r"/>
-            <a:r>
-              <a:rPr lang="en-US" sz="4000">
+            <a:r>
+              <a:rPr lang="en-US" sz="8000" dirty="0" smtClean="0">
                 <a:solidFill>
                   <a:srgbClr val="FFFFFF"/>
                 </a:solidFill>
+                <a:latin typeface="Sternbach" panose="02000500000000000000" pitchFamily="2" charset="0"/>
               </a:rPr>
-              <a:t>Data collection</a:t>
-            </a:r>
-          </a:p>
-        </p:txBody>
-      </p:sp>
-      <p:cxnSp>
-        <p:nvCxnSpPr>
-          <p:cNvPr id="12" name="Straight Connector 11">
-            <a:extLst>
-              <a:ext uri="{FF2B5EF4-FFF2-40B4-BE49-F238E27FC236}">
-                <a16:creationId xmlns:a16="http://schemas.microsoft.com/office/drawing/2014/main" id="{67182200-4859-4C8D-BCBB-55B245C28BA3}"/>
-              </a:ext>
-              <a:ext uri="{C183D7F6-B498-43B3-948B-1728B52AA6E4}">
-                <adec:decorative xmlns:adec="http://schemas.microsoft.com/office/drawing/2017/decorative" val="1"/>
-              </a:ext>
-            </a:extLst>
-          </p:cNvPr>
-          <p:cNvCxnSpPr>
-            <a:cxnSpLocks noGrp="1" noRot="1" noChangeAspect="1" noMove="1" noResize="1" noEditPoints="1" noAdjustHandles="1" noChangeArrowheads="1" noChangeShapeType="1"/>
-          </p:cNvCxnSpPr>
-          <p:nvPr>
-            <p:extLst>
-              <p:ext uri="{386F3935-93C4-4BCD-93E2-E3B085C9AB24}">
-                <p16:designElem xmlns:p16="http://schemas.microsoft.com/office/powerpoint/2015/main" val="1"/>
-              </p:ext>
-            </p:extLst>
-          </p:nvPr>
-        </p:nvCxnSpPr>
-        <p:spPr>
-          <a:xfrm>
-            <a:off x="4653372" y="2286000"/>
-            <a:ext cx="0" cy="2286000"/>
-          </a:xfrm>
-          <a:prstGeom prst="line">
-            <a:avLst/>
-          </a:prstGeom>
-          <a:ln w="15875">
-            <a:solidFill>
-              <a:srgbClr val="FFFFFF"/>
-            </a:solidFill>
-          </a:ln>
-        </p:spPr>
-        <p:style>
-          <a:lnRef idx="1">
-            <a:schemeClr val="accent1"/>
-          </a:lnRef>
-          <a:fillRef idx="0">
-            <a:schemeClr val="accent1"/>
-          </a:fillRef>
-          <a:effectRef idx="0">
-            <a:schemeClr val="accent1"/>
-          </a:effectRef>
-          <a:fontRef idx="minor">
-            <a:schemeClr val="tx1"/>
-          </a:fontRef>
-        </p:style>
-      </p:cxnSp>
+              <a:t>UFC Fight Club</a:t>
+            </a:r>
+            <a:endParaRPr lang="en-US" sz="8000" dirty="0">
+              <a:solidFill>
+                <a:srgbClr val="FFFFFF"/>
+              </a:solidFill>
+              <a:latin typeface="Sternbach" panose="02000500000000000000" pitchFamily="2" charset="0"/>
+            </a:endParaRPr>
+          </a:p>
+        </p:txBody>
+      </p:sp>
       <p:sp>
         <p:nvSpPr>
           <p:cNvPr id="3" name="Content Placeholder 2">
@@ -4050,15 +4772,10 @@
             <a:spLocks noGrp="1"/>
           </p:cNvSpPr>
           <p:nvPr>
-            <p:ph idx="1"/>
-          </p:nvPr>
-        </p:nvSpPr>
-        <p:spPr>
-          <a:xfrm>
-            <a:off x="5155379" y="1065862"/>
-            <a:ext cx="5744685" cy="4726276"/>
-          </a:xfrm>
-        </p:spPr>
+            <p:ph type="subTitle" idx="1"/>
+          </p:nvPr>
+        </p:nvSpPr>
+        <p:spPr/>
         <p:txBody>
           <a:bodyPr anchor="ctr">
             <a:normAutofit/>
@@ -4066,33 +4783,20 @@
           <a:lstStyle/>
           <a:p>
             <a:r>
-              <a:rPr lang="en-US" sz="2000" dirty="0">
+              <a:rPr lang="en-US" sz="4000" dirty="0" smtClean="0">
                 <a:solidFill>
-                  <a:srgbClr val="FFFFFF"/>
+                  <a:srgbClr val="FF0000"/>
                 </a:solidFill>
+                <a:latin typeface="Sternbach" panose="02000500000000000000" pitchFamily="2" charset="0"/>
               </a:rPr>
-              <a:t>Ultimate UFC Dataset from Kaggle</a:t>
-            </a:r>
-          </a:p>
-          <a:p>
-            <a:pPr lvl="1"/>
-            <a:r>
-              <a:rPr lang="en-US" sz="2000" dirty="0">
-                <a:solidFill>
-                  <a:srgbClr val="FFFFFF"/>
-                </a:solidFill>
-                <a:hlinkClick r:id="rId3"/>
-              </a:rPr>
-              <a:t>https://www.kaggle.com/mdabbert/ultimate-ufc-dataset</a:t>
-            </a:r>
-            <a:r>
-              <a:rPr lang="en-US" sz="2000" dirty="0">
-                <a:solidFill>
-                  <a:srgbClr val="FFFFFF"/>
-                </a:solidFill>
-              </a:rPr>
-              <a:t> </a:t>
-            </a:r>
+              <a:t>Winning Predictions</a:t>
+            </a:r>
+            <a:endParaRPr lang="en-US" sz="4000" dirty="0">
+              <a:solidFill>
+                <a:srgbClr val="FF0000"/>
+              </a:solidFill>
+              <a:latin typeface="Sternbach" panose="02000500000000000000" pitchFamily="2" charset="0"/>
+            </a:endParaRPr>
           </a:p>
         </p:txBody>
       </p:sp>
@@ -4106,12 +4810,33 @@
   <p:clrMapOvr>
     <a:overrideClrMapping bg1="dk1" tx1="lt1" bg2="dk2" tx2="lt2" accent1="accent1" accent2="accent2" accent3="accent3" accent4="accent4" accent5="accent5" accent6="accent6" hlink="hlink" folHlink="folHlink"/>
   </p:clrMapOvr>
+  <p:timing>
+    <p:tnLst>
+      <p:par>
+        <p:cTn id="1" dur="indefinite" restart="never" nodeType="tmRoot"/>
+      </p:par>
+    </p:tnLst>
+  </p:timing>
 </p:sld>
 </file>
 
-<file path=ppt/slides/slide3.xml><?xml version="1.0" encoding="utf-8"?>
+<file path=ppt/slides/slide10.xml><?xml version="1.0" encoding="utf-8"?>
 <p:sld xmlns:a="http://schemas.openxmlformats.org/drawingml/2006/main" xmlns:r="http://schemas.openxmlformats.org/officeDocument/2006/relationships" xmlns:p="http://schemas.openxmlformats.org/presentationml/2006/main">
   <p:cSld>
+    <p:bg>
+      <p:bgPr>
+        <a:blipFill dpi="0" rotWithShape="1">
+          <a:blip r:embed="rId3">
+            <a:lum/>
+          </a:blip>
+          <a:srcRect/>
+          <a:stretch>
+            <a:fillRect/>
+          </a:stretch>
+        </a:blipFill>
+        <a:effectLst/>
+      </p:bgPr>
+    </p:bg>
     <p:spTree>
       <p:nvGrpSpPr>
         <p:cNvPr id="1" name=""/>
@@ -4128,82 +4853,1270 @@
       </p:grpSpPr>
       <p:sp>
         <p:nvSpPr>
-          <p:cNvPr id="2" name="Title 1">
-            <a:extLst>
-              <a:ext uri="{FF2B5EF4-FFF2-40B4-BE49-F238E27FC236}">
-                <a16:creationId xmlns:a16="http://schemas.microsoft.com/office/drawing/2014/main" id="{624E4DE6-A204-1E40-8D0E-E7160AF76F4E}"/>
-              </a:ext>
-            </a:extLst>
-          </p:cNvPr>
-          <p:cNvSpPr>
-            <a:spLocks noGrp="1"/>
-          </p:cNvSpPr>
-          <p:nvPr>
-            <p:ph type="title"/>
-          </p:nvPr>
-        </p:nvSpPr>
-        <p:spPr/>
-        <p:txBody>
-          <a:bodyPr/>
-          <a:lstStyle/>
-          <a:p>
-            <a:r>
-              <a:rPr lang="en-US" dirty="0"/>
-              <a:t>Aim</a:t>
-            </a:r>
-          </a:p>
-        </p:txBody>
-      </p:sp>
-      <p:sp>
-        <p:nvSpPr>
-          <p:cNvPr id="3" name="Content Placeholder 2">
-            <a:extLst>
-              <a:ext uri="{FF2B5EF4-FFF2-40B4-BE49-F238E27FC236}">
-                <a16:creationId xmlns:a16="http://schemas.microsoft.com/office/drawing/2014/main" id="{16BEE34B-F693-164A-BC3E-E8B2AD61C812}"/>
-              </a:ext>
-            </a:extLst>
-          </p:cNvPr>
-          <p:cNvSpPr>
-            <a:spLocks noGrp="1"/>
-          </p:cNvSpPr>
-          <p:nvPr>
-            <p:ph idx="1"/>
-          </p:nvPr>
-        </p:nvSpPr>
-        <p:spPr/>
-        <p:txBody>
-          <a:bodyPr/>
-          <a:lstStyle/>
-          <a:p>
-            <a:r>
-              <a:rPr lang="en-US" dirty="0"/>
-              <a:t>Predict winner between red and blue</a:t>
-            </a:r>
-          </a:p>
-          <a:p>
-            <a:r>
-              <a:rPr lang="en-US" dirty="0"/>
-              <a:t>Binary classification</a:t>
-            </a:r>
-          </a:p>
-        </p:txBody>
-      </p:sp>
+          <p:cNvPr id="22" name="Title 1"/>
+          <p:cNvSpPr txBox="1">
+            <a:spLocks/>
+          </p:cNvSpPr>
+          <p:nvPr/>
+        </p:nvSpPr>
+        <p:spPr>
+          <a:xfrm>
+            <a:off x="742950" y="1472134"/>
+            <a:ext cx="10515600" cy="1325563"/>
+          </a:xfrm>
+          <a:prstGeom prst="rect">
+            <a:avLst/>
+          </a:prstGeom>
+        </p:spPr>
+        <p:txBody>
+          <a:bodyPr>
+            <a:normAutofit/>
+          </a:bodyPr>
+          <a:lstStyle>
+            <a:lvl1pPr algn="l" defTabSz="914400" rtl="0" eaLnBrk="1" latinLnBrk="0" hangingPunct="1">
+              <a:lnSpc>
+                <a:spcPct val="90000"/>
+              </a:lnSpc>
+              <a:spcBef>
+                <a:spcPct val="0"/>
+              </a:spcBef>
+              <a:buNone/>
+              <a:defRPr sz="4400" kern="1200">
+                <a:solidFill>
+                  <a:schemeClr val="tx1"/>
+                </a:solidFill>
+                <a:latin typeface="+mj-lt"/>
+                <a:ea typeface="+mj-ea"/>
+                <a:cs typeface="+mj-cs"/>
+              </a:defRPr>
+            </a:lvl1pPr>
+          </a:lstStyle>
+          <a:p>
+            <a:pPr algn="ctr"/>
+            <a:r>
+              <a:rPr lang="en-US" sz="4800" dirty="0" smtClean="0">
+                <a:solidFill>
+                  <a:schemeClr val="bg1"/>
+                </a:solidFill>
+                <a:latin typeface="Sternbach" panose="02000500000000000000" pitchFamily="2" charset="0"/>
+              </a:rPr>
+              <a:t>Feature Sets</a:t>
+            </a:r>
+            <a:endParaRPr lang="en-US" sz="4800" dirty="0">
+              <a:solidFill>
+                <a:schemeClr val="bg1"/>
+              </a:solidFill>
+              <a:latin typeface="Sternbach" panose="02000500000000000000" pitchFamily="2" charset="0"/>
+            </a:endParaRPr>
+          </a:p>
+        </p:txBody>
+      </p:sp>
+      <p:graphicFrame>
+        <p:nvGraphicFramePr>
+          <p:cNvPr id="3" name="Table 2"/>
+          <p:cNvGraphicFramePr>
+            <a:graphicFrameLocks noGrp="1"/>
+          </p:cNvGraphicFramePr>
+          <p:nvPr>
+            <p:extLst>
+              <p:ext uri="{D42A27DB-BD31-4B8C-83A1-F6EECF244321}">
+                <p14:modId xmlns:p14="http://schemas.microsoft.com/office/powerpoint/2010/main" val="349688667"/>
+              </p:ext>
+            </p:extLst>
+          </p:nvPr>
+        </p:nvGraphicFramePr>
+        <p:xfrm>
+          <a:off x="1409896" y="2516956"/>
+          <a:ext cx="9181707" cy="4023592"/>
+        </p:xfrm>
+        <a:graphic>
+          <a:graphicData uri="http://schemas.openxmlformats.org/drawingml/2006/table">
+            <a:tbl>
+              <a:tblPr firstRow="1" bandRow="1">
+                <a:tableStyleId>{D27102A9-8310-4765-A935-A1911B00CA55}</a:tableStyleId>
+              </a:tblPr>
+              <a:tblGrid>
+                <a:gridCol w="3060569">
+                  <a:extLst>
+                    <a:ext uri="{9D8B030D-6E8A-4147-A177-3AD203B41FA5}">
+                      <a16:colId xmlns:a16="http://schemas.microsoft.com/office/drawing/2014/main" val="3205323068"/>
+                    </a:ext>
+                  </a:extLst>
+                </a:gridCol>
+                <a:gridCol w="3060569">
+                  <a:extLst>
+                    <a:ext uri="{9D8B030D-6E8A-4147-A177-3AD203B41FA5}">
+                      <a16:colId xmlns:a16="http://schemas.microsoft.com/office/drawing/2014/main" val="3232417134"/>
+                    </a:ext>
+                  </a:extLst>
+                </a:gridCol>
+                <a:gridCol w="3060569">
+                  <a:extLst>
+                    <a:ext uri="{9D8B030D-6E8A-4147-A177-3AD203B41FA5}">
+                      <a16:colId xmlns:a16="http://schemas.microsoft.com/office/drawing/2014/main" val="1346230329"/>
+                    </a:ext>
+                  </a:extLst>
+                </a:gridCol>
+              </a:tblGrid>
+              <a:tr h="257667">
+                <a:tc gridSpan="3">
+                  <a:txBody>
+                    <a:bodyPr/>
+                    <a:lstStyle/>
+                    <a:p>
+                      <a:pPr algn="ctr"/>
+                      <a:r>
+                        <a:rPr lang="en-US" sz="1600" dirty="0" smtClean="0">
+                          <a:solidFill>
+                            <a:schemeClr val="bg1"/>
+                          </a:solidFill>
+                        </a:rPr>
+                        <a:t>Feature Set Chosen</a:t>
+                      </a:r>
+                      <a:endParaRPr lang="en-US" sz="1600" dirty="0">
+                        <a:solidFill>
+                          <a:schemeClr val="bg1"/>
+                        </a:solidFill>
+                      </a:endParaRPr>
+                    </a:p>
+                  </a:txBody>
+                  <a:tcPr/>
+                </a:tc>
+                <a:tc hMerge="1">
+                  <a:txBody>
+                    <a:bodyPr/>
+                    <a:lstStyle/>
+                    <a:p>
+                      <a:endParaRPr lang="en-US" dirty="0"/>
+                    </a:p>
+                  </a:txBody>
+                  <a:tcPr/>
+                </a:tc>
+                <a:tc hMerge="1">
+                  <a:txBody>
+                    <a:bodyPr/>
+                    <a:lstStyle/>
+                    <a:p>
+                      <a:pPr algn="ctr"/>
+                      <a:endParaRPr lang="en-US" sz="700" dirty="0"/>
+                    </a:p>
+                  </a:txBody>
+                  <a:tcPr/>
+                </a:tc>
+                <a:extLst>
+                  <a:ext uri="{0D108BD9-81ED-4DB2-BD59-A6C34878D82A}">
+                    <a16:rowId xmlns:a16="http://schemas.microsoft.com/office/drawing/2014/main" val="2005032407"/>
+                  </a:ext>
+                </a:extLst>
+              </a:tr>
+              <a:tr h="285249">
+                <a:tc>
+                  <a:txBody>
+                    <a:bodyPr/>
+                    <a:lstStyle/>
+                    <a:p>
+                      <a:r>
+                        <a:rPr lang="en-US" sz="1400" dirty="0" smtClean="0">
+                          <a:solidFill>
+                            <a:schemeClr val="bg1"/>
+                          </a:solidFill>
+                        </a:rPr>
+                        <a:t>Fighter</a:t>
+                      </a:r>
+                      <a:r>
+                        <a:rPr lang="en-US" sz="1400" baseline="0" dirty="0" smtClean="0">
+                          <a:solidFill>
+                            <a:schemeClr val="bg1"/>
+                          </a:solidFill>
+                        </a:rPr>
+                        <a:t> – R</a:t>
+                      </a:r>
+                      <a:endParaRPr lang="en-US" sz="1400" dirty="0">
+                        <a:solidFill>
+                          <a:schemeClr val="bg1"/>
+                        </a:solidFill>
+                      </a:endParaRPr>
+                    </a:p>
+                  </a:txBody>
+                  <a:tcPr/>
+                </a:tc>
+                <a:tc>
+                  <a:txBody>
+                    <a:bodyPr/>
+                    <a:lstStyle/>
+                    <a:p>
+                      <a:pPr marL="0" marR="0" lvl="0" indent="0" algn="l" defTabSz="914400" rtl="0" eaLnBrk="1" fontAlgn="auto" latinLnBrk="0" hangingPunct="1">
+                        <a:lnSpc>
+                          <a:spcPct val="100000"/>
+                        </a:lnSpc>
+                        <a:spcBef>
+                          <a:spcPts val="0"/>
+                        </a:spcBef>
+                        <a:spcAft>
+                          <a:spcPts val="0"/>
+                        </a:spcAft>
+                        <a:buClrTx/>
+                        <a:buSzTx/>
+                        <a:buFontTx/>
+                        <a:buNone/>
+                        <a:tabLst/>
+                        <a:defRPr/>
+                      </a:pPr>
+                      <a:r>
+                        <a:rPr lang="en-US" sz="1400" dirty="0" smtClean="0">
+                          <a:solidFill>
+                            <a:schemeClr val="bg1"/>
+                          </a:solidFill>
+                        </a:rPr>
+                        <a:t>Reach Difference</a:t>
+                      </a:r>
+                    </a:p>
+                  </a:txBody>
+                  <a:tcPr/>
+                </a:tc>
+                <a:tc>
+                  <a:txBody>
+                    <a:bodyPr/>
+                    <a:lstStyle/>
+                    <a:p>
+                      <a:r>
+                        <a:rPr lang="en-US" sz="1400" dirty="0" smtClean="0">
+                          <a:solidFill>
+                            <a:schemeClr val="bg1"/>
+                          </a:solidFill>
+                        </a:rPr>
+                        <a:t>Takedowns </a:t>
+                      </a:r>
+                      <a:r>
+                        <a:rPr lang="en-US" sz="1400" baseline="0" dirty="0" smtClean="0">
+                          <a:solidFill>
+                            <a:schemeClr val="bg1"/>
+                          </a:solidFill>
+                        </a:rPr>
+                        <a:t>Landed – R </a:t>
+                      </a:r>
+                      <a:endParaRPr lang="en-US" sz="1400" dirty="0">
+                        <a:solidFill>
+                          <a:schemeClr val="bg1"/>
+                        </a:solidFill>
+                      </a:endParaRPr>
+                    </a:p>
+                  </a:txBody>
+                  <a:tcPr/>
+                </a:tc>
+                <a:extLst>
+                  <a:ext uri="{0D108BD9-81ED-4DB2-BD59-A6C34878D82A}">
+                    <a16:rowId xmlns:a16="http://schemas.microsoft.com/office/drawing/2014/main" val="100663766"/>
+                  </a:ext>
+                </a:extLst>
+              </a:tr>
+              <a:tr h="285249">
+                <a:tc>
+                  <a:txBody>
+                    <a:bodyPr/>
+                    <a:lstStyle/>
+                    <a:p>
+                      <a:r>
+                        <a:rPr lang="en-US" sz="1400" dirty="0" smtClean="0">
+                          <a:solidFill>
+                            <a:schemeClr val="bg1"/>
+                          </a:solidFill>
+                        </a:rPr>
+                        <a:t>Fighter -</a:t>
+                      </a:r>
+                      <a:r>
+                        <a:rPr lang="en-US" sz="1400" baseline="0" dirty="0" smtClean="0">
+                          <a:solidFill>
+                            <a:schemeClr val="bg1"/>
+                          </a:solidFill>
+                        </a:rPr>
+                        <a:t> B</a:t>
+                      </a:r>
+                      <a:endParaRPr lang="en-US" sz="1400" dirty="0">
+                        <a:solidFill>
+                          <a:schemeClr val="bg1"/>
+                        </a:solidFill>
+                      </a:endParaRPr>
+                    </a:p>
+                  </a:txBody>
+                  <a:tcPr/>
+                </a:tc>
+                <a:tc>
+                  <a:txBody>
+                    <a:bodyPr/>
+                    <a:lstStyle/>
+                    <a:p>
+                      <a:r>
+                        <a:rPr lang="en-US" sz="1400" dirty="0" smtClean="0">
+                          <a:solidFill>
+                            <a:schemeClr val="bg1"/>
+                          </a:solidFill>
+                        </a:rPr>
+                        <a:t>Significant</a:t>
+                      </a:r>
+                      <a:r>
+                        <a:rPr lang="en-US" sz="1400" baseline="0" dirty="0" smtClean="0">
+                          <a:solidFill>
+                            <a:schemeClr val="bg1"/>
+                          </a:solidFill>
+                        </a:rPr>
+                        <a:t> Strikes Attempted – R </a:t>
+                      </a:r>
+                      <a:endParaRPr lang="en-US" sz="1400" dirty="0">
+                        <a:solidFill>
+                          <a:schemeClr val="bg1"/>
+                        </a:solidFill>
+                      </a:endParaRPr>
+                    </a:p>
+                  </a:txBody>
+                  <a:tcPr/>
+                </a:tc>
+                <a:tc>
+                  <a:txBody>
+                    <a:bodyPr/>
+                    <a:lstStyle/>
+                    <a:p>
+                      <a:pPr marL="0" marR="0" lvl="0" indent="0" algn="l" defTabSz="914400" rtl="0" eaLnBrk="1" fontAlgn="auto" latinLnBrk="0" hangingPunct="1">
+                        <a:lnSpc>
+                          <a:spcPct val="100000"/>
+                        </a:lnSpc>
+                        <a:spcBef>
+                          <a:spcPts val="0"/>
+                        </a:spcBef>
+                        <a:spcAft>
+                          <a:spcPts val="0"/>
+                        </a:spcAft>
+                        <a:buClrTx/>
+                        <a:buSzTx/>
+                        <a:buFontTx/>
+                        <a:buNone/>
+                        <a:tabLst/>
+                        <a:defRPr/>
+                      </a:pPr>
+                      <a:r>
+                        <a:rPr lang="en-US" sz="1400" dirty="0" smtClean="0">
+                          <a:solidFill>
+                            <a:schemeClr val="bg1"/>
+                          </a:solidFill>
+                        </a:rPr>
+                        <a:t>Takedowns</a:t>
+                      </a:r>
+                      <a:r>
+                        <a:rPr lang="en-US" sz="1400" baseline="0" dirty="0" smtClean="0">
+                          <a:solidFill>
+                            <a:schemeClr val="bg1"/>
+                          </a:solidFill>
+                        </a:rPr>
+                        <a:t> Landed – B </a:t>
+                      </a:r>
+                      <a:endParaRPr lang="en-US" sz="1400" dirty="0" smtClean="0">
+                        <a:solidFill>
+                          <a:schemeClr val="bg1"/>
+                        </a:solidFill>
+                      </a:endParaRPr>
+                    </a:p>
+                  </a:txBody>
+                  <a:tcPr/>
+                </a:tc>
+                <a:extLst>
+                  <a:ext uri="{0D108BD9-81ED-4DB2-BD59-A6C34878D82A}">
+                    <a16:rowId xmlns:a16="http://schemas.microsoft.com/office/drawing/2014/main" val="254010923"/>
+                  </a:ext>
+                </a:extLst>
+              </a:tr>
+              <a:tr h="285249">
+                <a:tc>
+                  <a:txBody>
+                    <a:bodyPr/>
+                    <a:lstStyle/>
+                    <a:p>
+                      <a:r>
+                        <a:rPr lang="en-US" sz="1400" dirty="0" smtClean="0">
+                          <a:solidFill>
+                            <a:schemeClr val="bg1"/>
+                          </a:solidFill>
+                        </a:rPr>
+                        <a:t>Age</a:t>
+                      </a:r>
+                      <a:r>
+                        <a:rPr lang="en-US" sz="1400" baseline="0" dirty="0" smtClean="0">
+                          <a:solidFill>
+                            <a:schemeClr val="bg1"/>
+                          </a:solidFill>
+                        </a:rPr>
+                        <a:t> – R</a:t>
+                      </a:r>
+                      <a:endParaRPr lang="en-US" sz="1400" dirty="0">
+                        <a:solidFill>
+                          <a:schemeClr val="bg1"/>
+                        </a:solidFill>
+                      </a:endParaRPr>
+                    </a:p>
+                  </a:txBody>
+                  <a:tcPr/>
+                </a:tc>
+                <a:tc>
+                  <a:txBody>
+                    <a:bodyPr/>
+                    <a:lstStyle/>
+                    <a:p>
+                      <a:pPr marL="0" marR="0" lvl="0" indent="0" algn="l" defTabSz="914400" rtl="0" eaLnBrk="1" fontAlgn="auto" latinLnBrk="0" hangingPunct="1">
+                        <a:lnSpc>
+                          <a:spcPct val="100000"/>
+                        </a:lnSpc>
+                        <a:spcBef>
+                          <a:spcPts val="0"/>
+                        </a:spcBef>
+                        <a:spcAft>
+                          <a:spcPts val="0"/>
+                        </a:spcAft>
+                        <a:buClrTx/>
+                        <a:buSzTx/>
+                        <a:buFontTx/>
+                        <a:buNone/>
+                        <a:tabLst/>
+                        <a:defRPr/>
+                      </a:pPr>
+                      <a:r>
+                        <a:rPr lang="en-US" sz="1400" dirty="0" smtClean="0">
+                          <a:solidFill>
+                            <a:schemeClr val="bg1"/>
+                          </a:solidFill>
+                        </a:rPr>
+                        <a:t>Significant</a:t>
+                      </a:r>
+                      <a:r>
+                        <a:rPr lang="en-US" sz="1400" baseline="0" dirty="0" smtClean="0">
+                          <a:solidFill>
+                            <a:schemeClr val="bg1"/>
+                          </a:solidFill>
+                        </a:rPr>
+                        <a:t> Strikes Attempted – B </a:t>
+                      </a:r>
+                      <a:endParaRPr lang="en-US" sz="1400" dirty="0" smtClean="0">
+                        <a:solidFill>
+                          <a:schemeClr val="bg1"/>
+                        </a:solidFill>
+                      </a:endParaRPr>
+                    </a:p>
+                  </a:txBody>
+                  <a:tcPr/>
+                </a:tc>
+                <a:tc>
+                  <a:txBody>
+                    <a:bodyPr/>
+                    <a:lstStyle/>
+                    <a:p>
+                      <a:r>
+                        <a:rPr lang="en-US" sz="1400" dirty="0" smtClean="0">
+                          <a:solidFill>
+                            <a:schemeClr val="bg1"/>
+                          </a:solidFill>
+                        </a:rPr>
+                        <a:t>Total Strikes </a:t>
+                      </a:r>
+                      <a:r>
+                        <a:rPr lang="en-US" sz="1400" baseline="0" dirty="0" smtClean="0">
+                          <a:solidFill>
+                            <a:schemeClr val="bg1"/>
+                          </a:solidFill>
+                        </a:rPr>
+                        <a:t>Attempted – R </a:t>
+                      </a:r>
+                      <a:endParaRPr lang="en-US" sz="1400" dirty="0">
+                        <a:solidFill>
+                          <a:schemeClr val="bg1"/>
+                        </a:solidFill>
+                      </a:endParaRPr>
+                    </a:p>
+                  </a:txBody>
+                  <a:tcPr/>
+                </a:tc>
+                <a:extLst>
+                  <a:ext uri="{0D108BD9-81ED-4DB2-BD59-A6C34878D82A}">
+                    <a16:rowId xmlns:a16="http://schemas.microsoft.com/office/drawing/2014/main" val="1322739295"/>
+                  </a:ext>
+                </a:extLst>
+              </a:tr>
+              <a:tr h="285249">
+                <a:tc>
+                  <a:txBody>
+                    <a:bodyPr/>
+                    <a:lstStyle/>
+                    <a:p>
+                      <a:r>
+                        <a:rPr lang="en-US" sz="1400" dirty="0" smtClean="0">
+                          <a:solidFill>
+                            <a:schemeClr val="bg1"/>
+                          </a:solidFill>
+                        </a:rPr>
+                        <a:t>Age – B</a:t>
+                      </a:r>
+                    </a:p>
+                  </a:txBody>
+                  <a:tcPr/>
+                </a:tc>
+                <a:tc>
+                  <a:txBody>
+                    <a:bodyPr/>
+                    <a:lstStyle/>
+                    <a:p>
+                      <a:pPr marL="0" marR="0" lvl="0" indent="0" algn="l" defTabSz="914400" rtl="0" eaLnBrk="1" fontAlgn="auto" latinLnBrk="0" hangingPunct="1">
+                        <a:lnSpc>
+                          <a:spcPct val="100000"/>
+                        </a:lnSpc>
+                        <a:spcBef>
+                          <a:spcPts val="0"/>
+                        </a:spcBef>
+                        <a:spcAft>
+                          <a:spcPts val="0"/>
+                        </a:spcAft>
+                        <a:buClrTx/>
+                        <a:buSzTx/>
+                        <a:buFontTx/>
+                        <a:buNone/>
+                        <a:tabLst/>
+                        <a:defRPr/>
+                      </a:pPr>
+                      <a:r>
+                        <a:rPr lang="en-US" sz="1400" dirty="0" smtClean="0">
+                          <a:solidFill>
+                            <a:schemeClr val="bg1"/>
+                          </a:solidFill>
+                        </a:rPr>
+                        <a:t>Significant</a:t>
+                      </a:r>
+                      <a:r>
+                        <a:rPr lang="en-US" sz="1400" baseline="0" dirty="0" smtClean="0">
+                          <a:solidFill>
+                            <a:schemeClr val="bg1"/>
+                          </a:solidFill>
+                        </a:rPr>
+                        <a:t> Strike Difference</a:t>
+                      </a:r>
+                      <a:endParaRPr lang="en-US" sz="1400" dirty="0" smtClean="0">
+                        <a:solidFill>
+                          <a:schemeClr val="bg1"/>
+                        </a:solidFill>
+                      </a:endParaRPr>
+                    </a:p>
+                  </a:txBody>
+                  <a:tcPr/>
+                </a:tc>
+                <a:tc>
+                  <a:txBody>
+                    <a:bodyPr/>
+                    <a:lstStyle/>
+                    <a:p>
+                      <a:pPr marL="0" marR="0" lvl="0" indent="0" algn="l" defTabSz="914400" rtl="0" eaLnBrk="1" fontAlgn="auto" latinLnBrk="0" hangingPunct="1">
+                        <a:lnSpc>
+                          <a:spcPct val="100000"/>
+                        </a:lnSpc>
+                        <a:spcBef>
+                          <a:spcPts val="0"/>
+                        </a:spcBef>
+                        <a:spcAft>
+                          <a:spcPts val="0"/>
+                        </a:spcAft>
+                        <a:buClrTx/>
+                        <a:buSzTx/>
+                        <a:buFontTx/>
+                        <a:buNone/>
+                        <a:tabLst/>
+                        <a:defRPr/>
+                      </a:pPr>
+                      <a:r>
+                        <a:rPr lang="en-US" sz="1400" dirty="0" smtClean="0">
+                          <a:solidFill>
+                            <a:schemeClr val="bg1"/>
+                          </a:solidFill>
+                        </a:rPr>
+                        <a:t>Total Strikes</a:t>
+                      </a:r>
+                      <a:r>
+                        <a:rPr lang="en-US" sz="1400" baseline="0" dirty="0" smtClean="0">
+                          <a:solidFill>
+                            <a:schemeClr val="bg1"/>
+                          </a:solidFill>
+                        </a:rPr>
+                        <a:t> Attempted – B </a:t>
+                      </a:r>
+                      <a:endParaRPr lang="en-US" sz="1400" dirty="0" smtClean="0">
+                        <a:solidFill>
+                          <a:schemeClr val="bg1"/>
+                        </a:solidFill>
+                      </a:endParaRPr>
+                    </a:p>
+                  </a:txBody>
+                  <a:tcPr/>
+                </a:tc>
+                <a:extLst>
+                  <a:ext uri="{0D108BD9-81ED-4DB2-BD59-A6C34878D82A}">
+                    <a16:rowId xmlns:a16="http://schemas.microsoft.com/office/drawing/2014/main" val="1640929365"/>
+                  </a:ext>
+                </a:extLst>
+              </a:tr>
+              <a:tr h="285249">
+                <a:tc>
+                  <a:txBody>
+                    <a:bodyPr/>
+                    <a:lstStyle/>
+                    <a:p>
+                      <a:r>
+                        <a:rPr lang="en-US" sz="1400" dirty="0" smtClean="0">
+                          <a:solidFill>
+                            <a:schemeClr val="bg1"/>
+                          </a:solidFill>
+                        </a:rPr>
+                        <a:t>Age Difference</a:t>
+                      </a:r>
+                      <a:endParaRPr lang="en-US" sz="1400" dirty="0">
+                        <a:solidFill>
+                          <a:schemeClr val="bg1"/>
+                        </a:solidFill>
+                      </a:endParaRPr>
+                    </a:p>
+                  </a:txBody>
+                  <a:tcPr/>
+                </a:tc>
+                <a:tc>
+                  <a:txBody>
+                    <a:bodyPr/>
+                    <a:lstStyle/>
+                    <a:p>
+                      <a:r>
+                        <a:rPr lang="en-US" sz="1400" dirty="0" smtClean="0">
+                          <a:solidFill>
+                            <a:schemeClr val="bg1"/>
+                          </a:solidFill>
+                        </a:rPr>
+                        <a:t>Submissions </a:t>
+                      </a:r>
+                      <a:r>
+                        <a:rPr lang="en-US" sz="1400" baseline="0" dirty="0" smtClean="0">
+                          <a:solidFill>
+                            <a:schemeClr val="bg1"/>
+                          </a:solidFill>
+                        </a:rPr>
+                        <a:t>Attempted – R </a:t>
+                      </a:r>
+                      <a:endParaRPr lang="en-US" sz="1400" dirty="0">
+                        <a:solidFill>
+                          <a:schemeClr val="bg1"/>
+                        </a:solidFill>
+                      </a:endParaRPr>
+                    </a:p>
+                  </a:txBody>
+                  <a:tcPr/>
+                </a:tc>
+                <a:tc>
+                  <a:txBody>
+                    <a:bodyPr/>
+                    <a:lstStyle/>
+                    <a:p>
+                      <a:r>
+                        <a:rPr lang="en-US" sz="1400" dirty="0" smtClean="0">
+                          <a:solidFill>
+                            <a:schemeClr val="bg1"/>
+                          </a:solidFill>
+                        </a:rPr>
+                        <a:t>Knockdowns </a:t>
+                      </a:r>
+                      <a:r>
+                        <a:rPr lang="en-US" sz="1400" baseline="0" dirty="0" smtClean="0">
+                          <a:solidFill>
+                            <a:schemeClr val="bg1"/>
+                          </a:solidFill>
+                        </a:rPr>
+                        <a:t>– R </a:t>
+                      </a:r>
+                      <a:endParaRPr lang="en-US" sz="1400" dirty="0">
+                        <a:solidFill>
+                          <a:schemeClr val="bg1"/>
+                        </a:solidFill>
+                      </a:endParaRPr>
+                    </a:p>
+                  </a:txBody>
+                  <a:tcPr/>
+                </a:tc>
+                <a:extLst>
+                  <a:ext uri="{0D108BD9-81ED-4DB2-BD59-A6C34878D82A}">
+                    <a16:rowId xmlns:a16="http://schemas.microsoft.com/office/drawing/2014/main" val="337600543"/>
+                  </a:ext>
+                </a:extLst>
+              </a:tr>
+              <a:tr h="285249">
+                <a:tc>
+                  <a:txBody>
+                    <a:bodyPr/>
+                    <a:lstStyle/>
+                    <a:p>
+                      <a:r>
+                        <a:rPr lang="en-US" sz="1400" dirty="0" smtClean="0">
+                          <a:solidFill>
+                            <a:schemeClr val="bg1"/>
+                          </a:solidFill>
+                        </a:rPr>
+                        <a:t>Height</a:t>
+                      </a:r>
+                      <a:r>
+                        <a:rPr lang="en-US" sz="1400" baseline="0" dirty="0" smtClean="0">
+                          <a:solidFill>
+                            <a:schemeClr val="bg1"/>
+                          </a:solidFill>
+                        </a:rPr>
+                        <a:t> - R</a:t>
+                      </a:r>
+                      <a:endParaRPr lang="en-US" sz="1400" dirty="0">
+                        <a:solidFill>
+                          <a:schemeClr val="bg1"/>
+                        </a:solidFill>
+                      </a:endParaRPr>
+                    </a:p>
+                  </a:txBody>
+                  <a:tcPr/>
+                </a:tc>
+                <a:tc>
+                  <a:txBody>
+                    <a:bodyPr/>
+                    <a:lstStyle/>
+                    <a:p>
+                      <a:pPr marL="0" marR="0" lvl="0" indent="0" algn="l" defTabSz="914400" rtl="0" eaLnBrk="1" fontAlgn="auto" latinLnBrk="0" hangingPunct="1">
+                        <a:lnSpc>
+                          <a:spcPct val="100000"/>
+                        </a:lnSpc>
+                        <a:spcBef>
+                          <a:spcPts val="0"/>
+                        </a:spcBef>
+                        <a:spcAft>
+                          <a:spcPts val="0"/>
+                        </a:spcAft>
+                        <a:buClrTx/>
+                        <a:buSzTx/>
+                        <a:buFontTx/>
+                        <a:buNone/>
+                        <a:tabLst/>
+                        <a:defRPr/>
+                      </a:pPr>
+                      <a:r>
+                        <a:rPr lang="en-US" sz="1400" dirty="0" smtClean="0">
+                          <a:solidFill>
+                            <a:schemeClr val="bg1"/>
+                          </a:solidFill>
+                        </a:rPr>
+                        <a:t>Submissions</a:t>
+                      </a:r>
+                      <a:r>
+                        <a:rPr lang="en-US" sz="1400" baseline="0" dirty="0" smtClean="0">
+                          <a:solidFill>
+                            <a:schemeClr val="bg1"/>
+                          </a:solidFill>
+                        </a:rPr>
+                        <a:t> Attempted – B </a:t>
+                      </a:r>
+                      <a:endParaRPr lang="en-US" sz="1400" dirty="0" smtClean="0">
+                        <a:solidFill>
+                          <a:schemeClr val="bg1"/>
+                        </a:solidFill>
+                      </a:endParaRPr>
+                    </a:p>
+                  </a:txBody>
+                  <a:tcPr/>
+                </a:tc>
+                <a:tc>
+                  <a:txBody>
+                    <a:bodyPr/>
+                    <a:lstStyle/>
+                    <a:p>
+                      <a:pPr marL="0" marR="0" lvl="0" indent="0" algn="l" defTabSz="914400" rtl="0" eaLnBrk="1" fontAlgn="auto" latinLnBrk="0" hangingPunct="1">
+                        <a:lnSpc>
+                          <a:spcPct val="100000"/>
+                        </a:lnSpc>
+                        <a:spcBef>
+                          <a:spcPts val="0"/>
+                        </a:spcBef>
+                        <a:spcAft>
+                          <a:spcPts val="0"/>
+                        </a:spcAft>
+                        <a:buClrTx/>
+                        <a:buSzTx/>
+                        <a:buFontTx/>
+                        <a:buNone/>
+                        <a:tabLst/>
+                        <a:defRPr/>
+                      </a:pPr>
+                      <a:r>
+                        <a:rPr lang="en-US" sz="1400" dirty="0" smtClean="0">
+                          <a:solidFill>
+                            <a:schemeClr val="bg1"/>
+                          </a:solidFill>
+                        </a:rPr>
+                        <a:t>Knockdowns</a:t>
+                      </a:r>
+                      <a:r>
+                        <a:rPr lang="en-US" sz="1400" baseline="0" dirty="0" smtClean="0">
+                          <a:solidFill>
+                            <a:schemeClr val="bg1"/>
+                          </a:solidFill>
+                        </a:rPr>
+                        <a:t>– B </a:t>
+                      </a:r>
+                      <a:endParaRPr lang="en-US" sz="1400" dirty="0" smtClean="0">
+                        <a:solidFill>
+                          <a:schemeClr val="bg1"/>
+                        </a:solidFill>
+                      </a:endParaRPr>
+                    </a:p>
+                  </a:txBody>
+                  <a:tcPr/>
+                </a:tc>
+                <a:extLst>
+                  <a:ext uri="{0D108BD9-81ED-4DB2-BD59-A6C34878D82A}">
+                    <a16:rowId xmlns:a16="http://schemas.microsoft.com/office/drawing/2014/main" val="1722239895"/>
+                  </a:ext>
+                </a:extLst>
+              </a:tr>
+              <a:tr h="449597">
+                <a:tc>
+                  <a:txBody>
+                    <a:bodyPr/>
+                    <a:lstStyle/>
+                    <a:p>
+                      <a:pPr marL="0" marR="0" lvl="0" indent="0" algn="l" defTabSz="914400" rtl="0" eaLnBrk="1" fontAlgn="auto" latinLnBrk="0" hangingPunct="1">
+                        <a:lnSpc>
+                          <a:spcPct val="100000"/>
+                        </a:lnSpc>
+                        <a:spcBef>
+                          <a:spcPts val="0"/>
+                        </a:spcBef>
+                        <a:spcAft>
+                          <a:spcPts val="0"/>
+                        </a:spcAft>
+                        <a:buClrTx/>
+                        <a:buSzTx/>
+                        <a:buFontTx/>
+                        <a:buNone/>
+                        <a:tabLst/>
+                        <a:defRPr/>
+                      </a:pPr>
+                      <a:r>
+                        <a:rPr lang="en-US" sz="1400" dirty="0" smtClean="0">
+                          <a:solidFill>
+                            <a:schemeClr val="bg1"/>
+                          </a:solidFill>
+                        </a:rPr>
+                        <a:t>Height</a:t>
+                      </a:r>
+                      <a:r>
+                        <a:rPr lang="en-US" sz="1400" baseline="0" dirty="0" smtClean="0">
+                          <a:solidFill>
+                            <a:schemeClr val="bg1"/>
+                          </a:solidFill>
+                        </a:rPr>
+                        <a:t> - B</a:t>
+                      </a:r>
+                      <a:endParaRPr lang="en-US" sz="1400" dirty="0" smtClean="0">
+                        <a:solidFill>
+                          <a:schemeClr val="bg1"/>
+                        </a:solidFill>
+                      </a:endParaRPr>
+                    </a:p>
+                  </a:txBody>
+                  <a:tcPr/>
+                </a:tc>
+                <a:tc>
+                  <a:txBody>
+                    <a:bodyPr/>
+                    <a:lstStyle/>
+                    <a:p>
+                      <a:pPr marL="0" marR="0" lvl="0" indent="0" algn="l" defTabSz="914400" rtl="0" eaLnBrk="1" fontAlgn="auto" latinLnBrk="0" hangingPunct="1">
+                        <a:lnSpc>
+                          <a:spcPct val="100000"/>
+                        </a:lnSpc>
+                        <a:spcBef>
+                          <a:spcPts val="0"/>
+                        </a:spcBef>
+                        <a:spcAft>
+                          <a:spcPts val="0"/>
+                        </a:spcAft>
+                        <a:buClrTx/>
+                        <a:buSzTx/>
+                        <a:buFontTx/>
+                        <a:buNone/>
+                        <a:tabLst/>
+                        <a:defRPr/>
+                      </a:pPr>
+                      <a:r>
+                        <a:rPr lang="en-US" sz="1400" dirty="0" smtClean="0">
+                          <a:solidFill>
+                            <a:schemeClr val="bg1"/>
+                          </a:solidFill>
+                        </a:rPr>
+                        <a:t>Submission</a:t>
+                      </a:r>
+                      <a:r>
+                        <a:rPr lang="en-US" sz="1400" baseline="0" dirty="0" smtClean="0">
+                          <a:solidFill>
+                            <a:schemeClr val="bg1"/>
+                          </a:solidFill>
+                        </a:rPr>
+                        <a:t> Difference</a:t>
+                      </a:r>
+                      <a:endParaRPr lang="en-US" sz="1400" dirty="0" smtClean="0">
+                        <a:solidFill>
+                          <a:schemeClr val="bg1"/>
+                        </a:solidFill>
+                      </a:endParaRPr>
+                    </a:p>
+                  </a:txBody>
+                  <a:tcPr/>
+                </a:tc>
+                <a:tc>
+                  <a:txBody>
+                    <a:bodyPr/>
+                    <a:lstStyle/>
+                    <a:p>
+                      <a:r>
+                        <a:rPr lang="en-US" sz="1400" dirty="0" smtClean="0">
+                          <a:solidFill>
+                            <a:schemeClr val="bg1"/>
+                          </a:solidFill>
+                        </a:rPr>
+                        <a:t>Average Significant Strikes Landed – R </a:t>
+                      </a:r>
+                      <a:endParaRPr lang="en-US" sz="1400" dirty="0">
+                        <a:solidFill>
+                          <a:schemeClr val="bg1"/>
+                        </a:solidFill>
+                      </a:endParaRPr>
+                    </a:p>
+                  </a:txBody>
+                  <a:tcPr/>
+                </a:tc>
+                <a:extLst>
+                  <a:ext uri="{0D108BD9-81ED-4DB2-BD59-A6C34878D82A}">
+                    <a16:rowId xmlns:a16="http://schemas.microsoft.com/office/drawing/2014/main" val="2708861928"/>
+                  </a:ext>
+                </a:extLst>
+              </a:tr>
+              <a:tr h="449597">
+                <a:tc>
+                  <a:txBody>
+                    <a:bodyPr/>
+                    <a:lstStyle/>
+                    <a:p>
+                      <a:r>
+                        <a:rPr lang="en-US" sz="1400" dirty="0" smtClean="0">
+                          <a:solidFill>
+                            <a:schemeClr val="bg1"/>
+                          </a:solidFill>
+                        </a:rPr>
+                        <a:t>Height Difference</a:t>
+                      </a:r>
+                      <a:endParaRPr lang="en-US" sz="1400" dirty="0">
+                        <a:solidFill>
+                          <a:schemeClr val="bg1"/>
+                        </a:solidFill>
+                      </a:endParaRPr>
+                    </a:p>
+                  </a:txBody>
+                  <a:tcPr/>
+                </a:tc>
+                <a:tc>
+                  <a:txBody>
+                    <a:bodyPr/>
+                    <a:lstStyle/>
+                    <a:p>
+                      <a:r>
+                        <a:rPr lang="en-US" sz="1400" dirty="0" smtClean="0">
+                          <a:solidFill>
+                            <a:schemeClr val="bg1"/>
+                          </a:solidFill>
+                        </a:rPr>
+                        <a:t>Takedowns </a:t>
+                      </a:r>
+                      <a:r>
+                        <a:rPr lang="en-US" sz="1400" baseline="0" dirty="0" smtClean="0">
+                          <a:solidFill>
+                            <a:schemeClr val="bg1"/>
+                          </a:solidFill>
+                        </a:rPr>
+                        <a:t>Attempted – R </a:t>
+                      </a:r>
+                      <a:endParaRPr lang="en-US" sz="1400" dirty="0">
+                        <a:solidFill>
+                          <a:schemeClr val="bg1"/>
+                        </a:solidFill>
+                      </a:endParaRPr>
+                    </a:p>
+                  </a:txBody>
+                  <a:tcPr/>
+                </a:tc>
+                <a:tc>
+                  <a:txBody>
+                    <a:bodyPr/>
+                    <a:lstStyle/>
+                    <a:p>
+                      <a:r>
+                        <a:rPr lang="en-US" sz="1400" dirty="0" smtClean="0">
+                          <a:solidFill>
+                            <a:schemeClr val="bg1"/>
+                          </a:solidFill>
+                        </a:rPr>
+                        <a:t>Average Significant Strikes Landed – B </a:t>
+                      </a:r>
+                      <a:endParaRPr lang="en-US" sz="1400" dirty="0">
+                        <a:solidFill>
+                          <a:schemeClr val="bg1"/>
+                        </a:solidFill>
+                      </a:endParaRPr>
+                    </a:p>
+                  </a:txBody>
+                  <a:tcPr/>
+                </a:tc>
+                <a:extLst>
+                  <a:ext uri="{0D108BD9-81ED-4DB2-BD59-A6C34878D82A}">
+                    <a16:rowId xmlns:a16="http://schemas.microsoft.com/office/drawing/2014/main" val="2458276828"/>
+                  </a:ext>
+                </a:extLst>
+              </a:tr>
+              <a:tr h="285249">
+                <a:tc>
+                  <a:txBody>
+                    <a:bodyPr/>
+                    <a:lstStyle/>
+                    <a:p>
+                      <a:pPr marL="0" marR="0" lvl="0" indent="0" algn="l" defTabSz="914400" rtl="0" eaLnBrk="1" fontAlgn="auto" latinLnBrk="0" hangingPunct="1">
+                        <a:lnSpc>
+                          <a:spcPct val="100000"/>
+                        </a:lnSpc>
+                        <a:spcBef>
+                          <a:spcPts val="0"/>
+                        </a:spcBef>
+                        <a:spcAft>
+                          <a:spcPts val="0"/>
+                        </a:spcAft>
+                        <a:buClrTx/>
+                        <a:buSzTx/>
+                        <a:buFontTx/>
+                        <a:buNone/>
+                        <a:tabLst/>
+                        <a:defRPr/>
+                      </a:pPr>
+                      <a:r>
+                        <a:rPr lang="en-US" sz="1400" dirty="0" smtClean="0">
+                          <a:solidFill>
+                            <a:schemeClr val="bg1"/>
+                          </a:solidFill>
+                        </a:rPr>
+                        <a:t>Reach - R</a:t>
+                      </a:r>
+                      <a:endParaRPr lang="en-US" sz="1400" dirty="0" smtClean="0">
+                        <a:solidFill>
+                          <a:schemeClr val="bg1"/>
+                        </a:solidFill>
+                      </a:endParaRPr>
+                    </a:p>
+                  </a:txBody>
+                  <a:tcPr/>
+                </a:tc>
+                <a:tc>
+                  <a:txBody>
+                    <a:bodyPr/>
+                    <a:lstStyle/>
+                    <a:p>
+                      <a:pPr marL="0" marR="0" lvl="0" indent="0" algn="l" defTabSz="914400" rtl="0" eaLnBrk="1" fontAlgn="auto" latinLnBrk="0" hangingPunct="1">
+                        <a:lnSpc>
+                          <a:spcPct val="100000"/>
+                        </a:lnSpc>
+                        <a:spcBef>
+                          <a:spcPts val="0"/>
+                        </a:spcBef>
+                        <a:spcAft>
+                          <a:spcPts val="0"/>
+                        </a:spcAft>
+                        <a:buClrTx/>
+                        <a:buSzTx/>
+                        <a:buFontTx/>
+                        <a:buNone/>
+                        <a:tabLst/>
+                        <a:defRPr/>
+                      </a:pPr>
+                      <a:r>
+                        <a:rPr lang="en-US" sz="1400" dirty="0" smtClean="0">
+                          <a:solidFill>
+                            <a:schemeClr val="bg1"/>
+                          </a:solidFill>
+                        </a:rPr>
+                        <a:t>Takedowns</a:t>
+                      </a:r>
+                      <a:r>
+                        <a:rPr lang="en-US" sz="1400" baseline="0" dirty="0" smtClean="0">
+                          <a:solidFill>
+                            <a:schemeClr val="bg1"/>
+                          </a:solidFill>
+                        </a:rPr>
+                        <a:t> Attempted – B </a:t>
+                      </a:r>
+                      <a:endParaRPr lang="en-US" sz="1400" dirty="0" smtClean="0">
+                        <a:solidFill>
+                          <a:schemeClr val="bg1"/>
+                        </a:solidFill>
+                      </a:endParaRPr>
+                    </a:p>
+                  </a:txBody>
+                  <a:tcPr/>
+                </a:tc>
+                <a:tc>
+                  <a:txBody>
+                    <a:bodyPr/>
+                    <a:lstStyle/>
+                    <a:p>
+                      <a:r>
+                        <a:rPr lang="en-US" sz="1400" dirty="0" smtClean="0">
+                          <a:solidFill>
+                            <a:schemeClr val="bg1"/>
+                          </a:solidFill>
+                        </a:rPr>
+                        <a:t>Average Takedowns Landed – R </a:t>
+                      </a:r>
+                      <a:endParaRPr lang="en-US" sz="1400" dirty="0">
+                        <a:solidFill>
+                          <a:schemeClr val="bg1"/>
+                        </a:solidFill>
+                      </a:endParaRPr>
+                    </a:p>
+                  </a:txBody>
+                  <a:tcPr/>
+                </a:tc>
+                <a:extLst>
+                  <a:ext uri="{0D108BD9-81ED-4DB2-BD59-A6C34878D82A}">
+                    <a16:rowId xmlns:a16="http://schemas.microsoft.com/office/drawing/2014/main" val="1004100003"/>
+                  </a:ext>
+                </a:extLst>
+              </a:tr>
+              <a:tr h="655518">
+                <a:tc>
+                  <a:txBody>
+                    <a:bodyPr/>
+                    <a:lstStyle/>
+                    <a:p>
+                      <a:r>
+                        <a:rPr lang="en-US" sz="1400" dirty="0" smtClean="0">
+                          <a:solidFill>
+                            <a:schemeClr val="bg1"/>
+                          </a:solidFill>
+                        </a:rPr>
+                        <a:t>Reach </a:t>
+                      </a:r>
+                      <a:r>
+                        <a:rPr lang="en-US" sz="1400" baseline="0" dirty="0" smtClean="0">
+                          <a:solidFill>
+                            <a:schemeClr val="bg1"/>
+                          </a:solidFill>
+                        </a:rPr>
+                        <a:t>– B</a:t>
+                      </a:r>
+                      <a:endParaRPr lang="en-US" sz="1400" dirty="0">
+                        <a:solidFill>
+                          <a:schemeClr val="bg1"/>
+                        </a:solidFill>
+                      </a:endParaRPr>
+                    </a:p>
+                  </a:txBody>
+                  <a:tcPr/>
+                </a:tc>
+                <a:tc>
+                  <a:txBody>
+                    <a:bodyPr/>
+                    <a:lstStyle/>
+                    <a:p>
+                      <a:endParaRPr lang="en-US" sz="1400" dirty="0">
+                        <a:solidFill>
+                          <a:schemeClr val="bg1"/>
+                        </a:solidFill>
+                      </a:endParaRPr>
+                    </a:p>
+                  </a:txBody>
+                  <a:tcPr/>
+                </a:tc>
+                <a:tc>
+                  <a:txBody>
+                    <a:bodyPr/>
+                    <a:lstStyle/>
+                    <a:p>
+                      <a:r>
+                        <a:rPr lang="en-US" sz="1400" dirty="0" smtClean="0">
+                          <a:solidFill>
+                            <a:schemeClr val="bg1"/>
+                          </a:solidFill>
+                        </a:rPr>
+                        <a:t>Average Takedowns Landed – </a:t>
+                      </a:r>
+                      <a:r>
+                        <a:rPr lang="en-US" sz="1400" dirty="0" smtClean="0">
+                          <a:solidFill>
+                            <a:schemeClr val="bg1"/>
+                          </a:solidFill>
+                        </a:rPr>
+                        <a:t>B</a:t>
+                      </a:r>
+                      <a:endParaRPr lang="en-US" sz="1400" dirty="0">
+                        <a:solidFill>
+                          <a:schemeClr val="bg1"/>
+                        </a:solidFill>
+                      </a:endParaRPr>
+                    </a:p>
+                  </a:txBody>
+                  <a:tcPr/>
+                </a:tc>
+                <a:extLst>
+                  <a:ext uri="{0D108BD9-81ED-4DB2-BD59-A6C34878D82A}">
+                    <a16:rowId xmlns:a16="http://schemas.microsoft.com/office/drawing/2014/main" val="584308701"/>
+                  </a:ext>
+                </a:extLst>
+              </a:tr>
+            </a:tbl>
+          </a:graphicData>
+        </a:graphic>
+      </p:graphicFrame>
     </p:spTree>
     <p:extLst>
       <p:ext uri="{BB962C8B-B14F-4D97-AF65-F5344CB8AC3E}">
-        <p14:creationId xmlns:p14="http://schemas.microsoft.com/office/powerpoint/2010/main" val="1588187652"/>
+        <p14:creationId xmlns:p14="http://schemas.microsoft.com/office/powerpoint/2010/main" val="1760202184"/>
       </p:ext>
     </p:extLst>
   </p:cSld>
   <p:clrMapOvr>
     <a:masterClrMapping/>
   </p:clrMapOvr>
+  <p:timing>
+    <p:tnLst>
+      <p:par>
+        <p:cTn id="1" dur="indefinite" restart="never" nodeType="tmRoot"/>
+      </p:par>
+    </p:tnLst>
+  </p:timing>
 </p:sld>
 </file>
 
-<file path=ppt/slides/slide4.xml><?xml version="1.0" encoding="utf-8"?>
+<file path=ppt/slides/slide11.xml><?xml version="1.0" encoding="utf-8"?>
 <p:sld xmlns:a="http://schemas.openxmlformats.org/drawingml/2006/main" xmlns:r="http://schemas.openxmlformats.org/officeDocument/2006/relationships" xmlns:p="http://schemas.openxmlformats.org/presentationml/2006/main">
   <p:cSld>
+    <p:bg>
+      <p:bgPr>
+        <a:blipFill dpi="0" rotWithShape="1">
+          <a:blip r:embed="rId3">
+            <a:lum/>
+          </a:blip>
+          <a:srcRect/>
+          <a:stretch>
+            <a:fillRect/>
+          </a:stretch>
+        </a:blipFill>
+        <a:effectLst/>
+      </p:bgPr>
+    </p:bg>
     <p:spTree>
       <p:nvGrpSpPr>
         <p:cNvPr id="1" name=""/>
@@ -4220,860 +6133,1575 @@
       </p:grpSpPr>
       <p:sp>
         <p:nvSpPr>
-          <p:cNvPr id="5" name="Rounded Rectangle 4">
-            <a:extLst>
-              <a:ext uri="{FF2B5EF4-FFF2-40B4-BE49-F238E27FC236}">
-                <a16:creationId xmlns:a16="http://schemas.microsoft.com/office/drawing/2014/main" id="{37080FF3-7C31-C747-A238-AA624C651510}"/>
-              </a:ext>
-            </a:extLst>
-          </p:cNvPr>
-          <p:cNvSpPr/>
+          <p:cNvPr id="22" name="Title 1"/>
+          <p:cNvSpPr txBox="1">
+            <a:spLocks/>
+          </p:cNvSpPr>
           <p:nvPr/>
         </p:nvSpPr>
         <p:spPr>
           <a:xfrm>
-            <a:off x="1342482" y="1256344"/>
-            <a:ext cx="2236573" cy="642552"/>
+            <a:off x="742950" y="1472134"/>
+            <a:ext cx="10515600" cy="1325563"/>
           </a:xfrm>
-          <a:prstGeom prst="roundRect">
+          <a:prstGeom prst="rect">
             <a:avLst/>
           </a:prstGeom>
-          <a:solidFill>
-            <a:schemeClr val="tx1"/>
-          </a:solidFill>
-          <a:ln>
-            <a:noFill/>
-          </a:ln>
         </p:spPr>
-        <p:style>
-          <a:lnRef idx="2">
-            <a:schemeClr val="accent1">
-              <a:shade val="50000"/>
-            </a:schemeClr>
-          </a:lnRef>
-          <a:fillRef idx="1">
-            <a:schemeClr val="accent1"/>
-          </a:fillRef>
-          <a:effectRef idx="0">
-            <a:schemeClr val="accent1"/>
-          </a:effectRef>
-          <a:fontRef idx="minor">
-            <a:schemeClr val="lt1"/>
-          </a:fontRef>
-        </p:style>
-        <p:txBody>
-          <a:bodyPr rtlCol="0" anchor="ctr"/>
-          <a:lstStyle/>
+        <p:txBody>
+          <a:bodyPr>
+            <a:normAutofit/>
+          </a:bodyPr>
+          <a:lstStyle>
+            <a:lvl1pPr algn="l" defTabSz="914400" rtl="0" eaLnBrk="1" latinLnBrk="0" hangingPunct="1">
+              <a:lnSpc>
+                <a:spcPct val="90000"/>
+              </a:lnSpc>
+              <a:spcBef>
+                <a:spcPct val="0"/>
+              </a:spcBef>
+              <a:buNone/>
+              <a:defRPr sz="4400" kern="1200">
+                <a:solidFill>
+                  <a:schemeClr val="tx1"/>
+                </a:solidFill>
+                <a:latin typeface="+mj-lt"/>
+                <a:ea typeface="+mj-ea"/>
+                <a:cs typeface="+mj-cs"/>
+              </a:defRPr>
+            </a:lvl1pPr>
+          </a:lstStyle>
           <a:p>
             <a:pPr algn="ctr"/>
             <a:r>
-              <a:rPr lang="en-US" b="1" dirty="0"/>
-              <a:t>Data Collection</a:t>
-            </a:r>
-          </a:p>
-        </p:txBody>
-      </p:sp>
-      <p:sp>
-        <p:nvSpPr>
-          <p:cNvPr id="9" name="Rounded Rectangle 8">
-            <a:extLst>
-              <a:ext uri="{FF2B5EF4-FFF2-40B4-BE49-F238E27FC236}">
-                <a16:creationId xmlns:a16="http://schemas.microsoft.com/office/drawing/2014/main" id="{03CB063A-36CC-6C46-8178-1B5EFA8CB342}"/>
-              </a:ext>
-            </a:extLst>
-          </p:cNvPr>
-          <p:cNvSpPr/>
-          <p:nvPr/>
-        </p:nvSpPr>
-        <p:spPr>
-          <a:xfrm>
-            <a:off x="1342481" y="2446712"/>
-            <a:ext cx="2236573" cy="642552"/>
-          </a:xfrm>
-          <a:prstGeom prst="roundRect">
-            <a:avLst/>
-          </a:prstGeom>
-          <a:solidFill>
-            <a:schemeClr val="tx1"/>
-          </a:solidFill>
-          <a:ln>
-            <a:noFill/>
-          </a:ln>
-        </p:spPr>
-        <p:style>
-          <a:lnRef idx="2">
-            <a:schemeClr val="accent1">
-              <a:shade val="50000"/>
-            </a:schemeClr>
-          </a:lnRef>
-          <a:fillRef idx="1">
-            <a:schemeClr val="accent1"/>
-          </a:fillRef>
-          <a:effectRef idx="0">
-            <a:schemeClr val="accent1"/>
-          </a:effectRef>
-          <a:fontRef idx="minor">
-            <a:schemeClr val="lt1"/>
-          </a:fontRef>
-        </p:style>
-        <p:txBody>
-          <a:bodyPr rtlCol="0" anchor="ctr"/>
-          <a:lstStyle/>
-          <a:p>
-            <a:pPr algn="ctr"/>
-            <a:r>
-              <a:rPr lang="en-US" b="1" dirty="0"/>
-              <a:t>Data Understanding</a:t>
-            </a:r>
-          </a:p>
-        </p:txBody>
-      </p:sp>
-      <p:sp>
-        <p:nvSpPr>
-          <p:cNvPr id="10" name="Rounded Rectangle 9">
-            <a:extLst>
-              <a:ext uri="{FF2B5EF4-FFF2-40B4-BE49-F238E27FC236}">
-                <a16:creationId xmlns:a16="http://schemas.microsoft.com/office/drawing/2014/main" id="{5854C05A-DE86-1E4D-BEE4-253094B1C063}"/>
-              </a:ext>
-            </a:extLst>
-          </p:cNvPr>
-          <p:cNvSpPr/>
-          <p:nvPr/>
-        </p:nvSpPr>
-        <p:spPr>
-          <a:xfrm>
-            <a:off x="951697" y="3637080"/>
-            <a:ext cx="3018140" cy="2314833"/>
-          </a:xfrm>
-          <a:prstGeom prst="roundRect">
-            <a:avLst/>
-          </a:prstGeom>
-          <a:solidFill>
-            <a:schemeClr val="tx1"/>
-          </a:solidFill>
-          <a:ln>
-            <a:noFill/>
-          </a:ln>
-        </p:spPr>
-        <p:style>
-          <a:lnRef idx="2">
-            <a:schemeClr val="accent1">
-              <a:shade val="50000"/>
-            </a:schemeClr>
-          </a:lnRef>
-          <a:fillRef idx="1">
-            <a:schemeClr val="accent1"/>
-          </a:fillRef>
-          <a:effectRef idx="0">
-            <a:schemeClr val="accent1"/>
-          </a:effectRef>
-          <a:fontRef idx="minor">
-            <a:schemeClr val="lt1"/>
-          </a:fontRef>
-        </p:style>
-        <p:txBody>
-          <a:bodyPr rtlCol="0" anchor="ctr"/>
-          <a:lstStyle/>
-          <a:p>
-            <a:pPr algn="ctr"/>
-            <a:r>
-              <a:rPr lang="en-US" b="1" dirty="0"/>
-              <a:t>Data cleaning </a:t>
-            </a:r>
-          </a:p>
-          <a:p>
-            <a:pPr algn="ctr"/>
-            <a:r>
-              <a:rPr lang="en-US" b="1" dirty="0"/>
-              <a:t>&amp; Feature Extraction</a:t>
-            </a:r>
-          </a:p>
-          <a:p>
-            <a:pPr algn="ctr"/>
-            <a:endParaRPr lang="en-US" sz="1600" b="1" dirty="0"/>
-          </a:p>
-          <a:p>
-            <a:pPr marL="182880" indent="-274320">
-              <a:buFont typeface="Courier New" panose="02070309020205020404" pitchFamily="49" charset="0"/>
-              <a:buChar char="o"/>
-            </a:pPr>
-            <a:r>
-              <a:rPr lang="en-US" sz="1600" dirty="0"/>
-              <a:t>Player related features</a:t>
-            </a:r>
-          </a:p>
-          <a:p>
-            <a:pPr lvl="1" indent="-182880">
-              <a:buFont typeface="Arial" panose="020B0604020202020204" pitchFamily="34" charset="0"/>
-              <a:buChar char="•"/>
-            </a:pPr>
-            <a:r>
-              <a:rPr lang="en-US" sz="1600" dirty="0"/>
-              <a:t>height, weight, reach, age… </a:t>
-            </a:r>
-          </a:p>
-          <a:p>
-            <a:pPr lvl="1" indent="-182880">
-              <a:buFont typeface="Arial" panose="020B0604020202020204" pitchFamily="34" charset="0"/>
-              <a:buChar char="•"/>
-            </a:pPr>
-            <a:endParaRPr lang="en-US" sz="1200" dirty="0"/>
-          </a:p>
-          <a:p>
-            <a:pPr marL="182880" indent="-274320">
-              <a:buFont typeface="Courier New" panose="02070309020205020404" pitchFamily="49" charset="0"/>
-              <a:buChar char="o"/>
-            </a:pPr>
-            <a:r>
-              <a:rPr lang="en-US" sz="1600" dirty="0"/>
-              <a:t>External features</a:t>
-            </a:r>
-          </a:p>
-          <a:p>
-            <a:pPr lvl="1" indent="-182880">
-              <a:buFont typeface="Arial" panose="020B0604020202020204" pitchFamily="34" charset="0"/>
-              <a:buChar char="•"/>
-            </a:pPr>
-            <a:r>
-              <a:rPr lang="en-US" sz="1600" dirty="0"/>
-              <a:t>date, location…</a:t>
-            </a:r>
-          </a:p>
-        </p:txBody>
-      </p:sp>
-      <p:sp>
-        <p:nvSpPr>
-          <p:cNvPr id="11" name="Can 10">
-            <a:extLst>
-              <a:ext uri="{FF2B5EF4-FFF2-40B4-BE49-F238E27FC236}">
-                <a16:creationId xmlns:a16="http://schemas.microsoft.com/office/drawing/2014/main" id="{AF4AD2FC-FFC4-9B44-AC3A-F05B1F1B4F20}"/>
-              </a:ext>
-            </a:extLst>
-          </p:cNvPr>
-          <p:cNvSpPr/>
-          <p:nvPr/>
-        </p:nvSpPr>
-        <p:spPr>
-          <a:xfrm>
-            <a:off x="4959822" y="3973555"/>
-            <a:ext cx="2178908" cy="2128021"/>
-          </a:xfrm>
-          <a:prstGeom prst="can">
-            <a:avLst/>
-          </a:prstGeom>
-          <a:solidFill>
-            <a:srgbClr val="FFC000"/>
-          </a:solidFill>
-          <a:ln>
-            <a:noFill/>
-          </a:ln>
-        </p:spPr>
-        <p:style>
-          <a:lnRef idx="2">
-            <a:schemeClr val="accent1">
-              <a:shade val="50000"/>
-            </a:schemeClr>
-          </a:lnRef>
-          <a:fillRef idx="1">
-            <a:schemeClr val="accent1"/>
-          </a:fillRef>
-          <a:effectRef idx="0">
-            <a:schemeClr val="accent1"/>
-          </a:effectRef>
-          <a:fontRef idx="minor">
-            <a:schemeClr val="lt1"/>
-          </a:fontRef>
-        </p:style>
-        <p:txBody>
-          <a:bodyPr rtlCol="0" anchor="ctr"/>
-          <a:lstStyle/>
-          <a:p>
-            <a:pPr algn="ctr"/>
-            <a:r>
-              <a:rPr lang="en-US" b="1" dirty="0"/>
-              <a:t>Data Preprocessing</a:t>
-            </a:r>
-          </a:p>
-          <a:p>
-            <a:pPr marL="274320"/>
-            <a:endParaRPr lang="en-US" sz="1600" dirty="0"/>
-          </a:p>
-          <a:p>
-            <a:pPr marL="457200" indent="-182880">
-              <a:buFont typeface="Arial" panose="020B0604020202020204" pitchFamily="34" charset="0"/>
-              <a:buChar char="•"/>
-            </a:pPr>
-            <a:r>
-              <a:rPr lang="en-US" sz="1600" dirty="0"/>
-              <a:t>label encoding</a:t>
-            </a:r>
-          </a:p>
-          <a:p>
-            <a:pPr marL="457200" indent="-182880">
-              <a:buFont typeface="Arial" panose="020B0604020202020204" pitchFamily="34" charset="0"/>
-              <a:buChar char="•"/>
-            </a:pPr>
-            <a:r>
-              <a:rPr lang="en-US" sz="1600" dirty="0"/>
-              <a:t>scaling</a:t>
-            </a:r>
-          </a:p>
-        </p:txBody>
-      </p:sp>
-      <p:sp>
-        <p:nvSpPr>
-          <p:cNvPr id="12" name="Rounded Rectangle 11">
-            <a:extLst>
-              <a:ext uri="{FF2B5EF4-FFF2-40B4-BE49-F238E27FC236}">
-                <a16:creationId xmlns:a16="http://schemas.microsoft.com/office/drawing/2014/main" id="{19F6790A-7AEA-F243-8C60-01A6FB468FD1}"/>
-              </a:ext>
-            </a:extLst>
-          </p:cNvPr>
-          <p:cNvSpPr/>
-          <p:nvPr/>
-        </p:nvSpPr>
-        <p:spPr>
-          <a:xfrm>
-            <a:off x="8168043" y="3328784"/>
-            <a:ext cx="3018140" cy="2314833"/>
-          </a:xfrm>
-          <a:prstGeom prst="roundRect">
-            <a:avLst/>
-          </a:prstGeom>
-          <a:solidFill>
-            <a:schemeClr val="accent5"/>
-          </a:solidFill>
-          <a:ln>
-            <a:noFill/>
-          </a:ln>
-        </p:spPr>
-        <p:style>
-          <a:lnRef idx="2">
-            <a:schemeClr val="accent1">
-              <a:shade val="50000"/>
-            </a:schemeClr>
-          </a:lnRef>
-          <a:fillRef idx="1">
-            <a:schemeClr val="accent1"/>
-          </a:fillRef>
-          <a:effectRef idx="0">
-            <a:schemeClr val="accent1"/>
-          </a:effectRef>
-          <a:fontRef idx="minor">
-            <a:schemeClr val="lt1"/>
-          </a:fontRef>
-        </p:style>
-        <p:txBody>
-          <a:bodyPr rtlCol="0" anchor="ctr"/>
-          <a:lstStyle/>
-          <a:p>
-            <a:pPr algn="ctr"/>
-            <a:r>
-              <a:rPr lang="en-US" b="1" dirty="0"/>
-              <a:t>Modelling</a:t>
-            </a:r>
-          </a:p>
-          <a:p>
-            <a:pPr algn="ctr"/>
-            <a:endParaRPr lang="en-US" sz="1600" b="1" dirty="0"/>
-          </a:p>
-          <a:p>
-            <a:pPr marL="285750" indent="-285750">
-              <a:buFontTx/>
-              <a:buChar char="-"/>
-            </a:pPr>
-            <a:r>
-              <a:rPr lang="en-US" sz="1600" dirty="0"/>
-              <a:t>Logistic Regression</a:t>
-            </a:r>
-          </a:p>
-          <a:p>
-            <a:pPr marL="285750" indent="-285750">
-              <a:buFontTx/>
-              <a:buChar char="-"/>
-            </a:pPr>
-            <a:r>
-              <a:rPr lang="en-US" sz="1600" dirty="0"/>
-              <a:t>K-Nearest Neighbors</a:t>
-            </a:r>
-          </a:p>
-          <a:p>
-            <a:pPr marL="285750" indent="-285750">
-              <a:buFontTx/>
-              <a:buChar char="-"/>
-            </a:pPr>
-            <a:r>
-              <a:rPr lang="en-US" sz="1600" dirty="0"/>
-              <a:t>Random Forests</a:t>
-            </a:r>
-          </a:p>
-          <a:p>
-            <a:pPr marL="285750" indent="-285750">
-              <a:buFontTx/>
-              <a:buChar char="-"/>
-            </a:pPr>
-            <a:r>
-              <a:rPr lang="en-US" sz="1600" dirty="0"/>
-              <a:t>Support Vector Machines</a:t>
-            </a:r>
-          </a:p>
-          <a:p>
-            <a:pPr marL="285750" indent="-285750">
-              <a:buFontTx/>
-              <a:buChar char="-"/>
-            </a:pPr>
-            <a:r>
-              <a:rPr lang="en-US" sz="1600" dirty="0"/>
-              <a:t>Neural Networks</a:t>
-            </a:r>
-          </a:p>
-          <a:p>
-            <a:pPr marL="285750" indent="-285750">
-              <a:buFontTx/>
-              <a:buChar char="-"/>
-            </a:pPr>
-            <a:r>
-              <a:rPr lang="en-US" sz="1600" dirty="0"/>
-              <a:t>Deep Learning</a:t>
-            </a:r>
-          </a:p>
-        </p:txBody>
-      </p:sp>
-      <p:sp>
-        <p:nvSpPr>
-          <p:cNvPr id="13" name="Rounded Rectangle 12">
-            <a:extLst>
-              <a:ext uri="{FF2B5EF4-FFF2-40B4-BE49-F238E27FC236}">
-                <a16:creationId xmlns:a16="http://schemas.microsoft.com/office/drawing/2014/main" id="{1774330C-4C53-5244-98D3-24C98C531108}"/>
-              </a:ext>
-            </a:extLst>
-          </p:cNvPr>
-          <p:cNvSpPr/>
-          <p:nvPr/>
-        </p:nvSpPr>
-        <p:spPr>
-          <a:xfrm>
-            <a:off x="8558825" y="880985"/>
-            <a:ext cx="2236573" cy="1887003"/>
-          </a:xfrm>
-          <a:prstGeom prst="roundRect">
-            <a:avLst/>
-          </a:prstGeom>
-          <a:solidFill>
-            <a:schemeClr val="accent5"/>
-          </a:solidFill>
-          <a:ln>
-            <a:noFill/>
-          </a:ln>
-        </p:spPr>
-        <p:style>
-          <a:lnRef idx="2">
-            <a:schemeClr val="accent1">
-              <a:shade val="50000"/>
-            </a:schemeClr>
-          </a:lnRef>
-          <a:fillRef idx="1">
-            <a:schemeClr val="accent1"/>
-          </a:fillRef>
-          <a:effectRef idx="0">
-            <a:schemeClr val="accent1"/>
-          </a:effectRef>
-          <a:fontRef idx="minor">
-            <a:schemeClr val="lt1"/>
-          </a:fontRef>
-        </p:style>
-        <p:txBody>
-          <a:bodyPr rtlCol="0" anchor="ctr"/>
-          <a:lstStyle/>
-          <a:p>
-            <a:pPr algn="ctr"/>
-            <a:r>
-              <a:rPr lang="en-US" b="1" dirty="0"/>
-              <a:t>Model Evaluation</a:t>
-            </a:r>
-          </a:p>
-          <a:p>
-            <a:pPr algn="ctr"/>
-            <a:endParaRPr lang="en-US" sz="1600" dirty="0"/>
-          </a:p>
-          <a:p>
-            <a:pPr marL="560070" indent="-285750">
-              <a:buFont typeface="Wingdings" pitchFamily="2" charset="2"/>
-              <a:buChar char="v"/>
-            </a:pPr>
-            <a:r>
-              <a:rPr lang="en-US" sz="1600" dirty="0"/>
-              <a:t>Accuracy</a:t>
-            </a:r>
-          </a:p>
-          <a:p>
-            <a:pPr marL="560070" indent="-285750">
-              <a:buFont typeface="Wingdings" pitchFamily="2" charset="2"/>
-              <a:buChar char="v"/>
-            </a:pPr>
-            <a:r>
-              <a:rPr lang="en-US" sz="1600" dirty="0"/>
-              <a:t>Precision</a:t>
-            </a:r>
-          </a:p>
-          <a:p>
-            <a:pPr marL="560070" indent="-285750">
-              <a:buFont typeface="Wingdings" pitchFamily="2" charset="2"/>
-              <a:buChar char="v"/>
-            </a:pPr>
-            <a:r>
-              <a:rPr lang="en-US" sz="1600" dirty="0"/>
-              <a:t>Recall</a:t>
-            </a:r>
-          </a:p>
-          <a:p>
-            <a:pPr marL="560070" indent="-285750">
-              <a:buFont typeface="Wingdings" pitchFamily="2" charset="2"/>
-              <a:buChar char="v"/>
-            </a:pPr>
-            <a:r>
-              <a:rPr lang="en-US" sz="1600" dirty="0"/>
-              <a:t>F1 score</a:t>
-            </a:r>
-          </a:p>
-        </p:txBody>
-      </p:sp>
-      <p:sp>
-        <p:nvSpPr>
-          <p:cNvPr id="14" name="Diamond 13">
-            <a:extLst>
-              <a:ext uri="{FF2B5EF4-FFF2-40B4-BE49-F238E27FC236}">
-                <a16:creationId xmlns:a16="http://schemas.microsoft.com/office/drawing/2014/main" id="{F1EDB7D0-B2DE-9245-8F3B-F51E6D5E2F6F}"/>
-              </a:ext>
-            </a:extLst>
-          </p:cNvPr>
-          <p:cNvSpPr/>
-          <p:nvPr/>
-        </p:nvSpPr>
-        <p:spPr>
-          <a:xfrm>
-            <a:off x="4577892" y="707253"/>
-            <a:ext cx="3105664" cy="1791730"/>
-          </a:xfrm>
-          <a:prstGeom prst="diamond">
-            <a:avLst/>
-          </a:prstGeom>
-          <a:solidFill>
-            <a:srgbClr val="00B050"/>
-          </a:solidFill>
-          <a:ln>
-            <a:noFill/>
-          </a:ln>
-        </p:spPr>
-        <p:style>
-          <a:lnRef idx="2">
-            <a:schemeClr val="accent1">
-              <a:shade val="50000"/>
-            </a:schemeClr>
-          </a:lnRef>
-          <a:fillRef idx="1">
-            <a:schemeClr val="accent1"/>
-          </a:fillRef>
-          <a:effectRef idx="0">
-            <a:schemeClr val="accent1"/>
-          </a:effectRef>
-          <a:fontRef idx="minor">
-            <a:schemeClr val="lt1"/>
-          </a:fontRef>
-        </p:style>
-        <p:txBody>
-          <a:bodyPr rtlCol="0" anchor="ctr"/>
-          <a:lstStyle/>
-          <a:p>
-            <a:pPr algn="ctr"/>
-            <a:r>
-              <a:rPr lang="en-US" dirty="0"/>
-              <a:t>Select the </a:t>
-            </a:r>
-          </a:p>
-          <a:p>
-            <a:pPr algn="ctr"/>
-            <a:r>
-              <a:rPr lang="en-US" b="1" dirty="0"/>
-              <a:t>BEST</a:t>
-            </a:r>
-            <a:r>
-              <a:rPr lang="en-US" dirty="0"/>
-              <a:t> performing model</a:t>
-            </a:r>
-          </a:p>
-        </p:txBody>
-      </p:sp>
-      <p:cxnSp>
-        <p:nvCxnSpPr>
-          <p:cNvPr id="16" name="Straight Arrow Connector 15">
-            <a:extLst>
-              <a:ext uri="{FF2B5EF4-FFF2-40B4-BE49-F238E27FC236}">
-                <a16:creationId xmlns:a16="http://schemas.microsoft.com/office/drawing/2014/main" id="{04DE77BC-82A8-3049-A82B-4BF02380143E}"/>
-              </a:ext>
-            </a:extLst>
-          </p:cNvPr>
-          <p:cNvCxnSpPr>
-            <a:cxnSpLocks/>
-          </p:cNvCxnSpPr>
-          <p:nvPr/>
-        </p:nvCxnSpPr>
-        <p:spPr>
-          <a:xfrm>
-            <a:off x="2481362" y="1898896"/>
-            <a:ext cx="0" cy="547816"/>
-          </a:xfrm>
-          <a:prstGeom prst="straightConnector1">
-            <a:avLst/>
-          </a:prstGeom>
-          <a:ln>
-            <a:tailEnd type="triangle" w="med" len="lg"/>
-          </a:ln>
-        </p:spPr>
-        <p:style>
-          <a:lnRef idx="1">
-            <a:schemeClr val="dk1"/>
-          </a:lnRef>
-          <a:fillRef idx="0">
-            <a:schemeClr val="dk1"/>
-          </a:fillRef>
-          <a:effectRef idx="0">
-            <a:schemeClr val="dk1"/>
-          </a:effectRef>
-          <a:fontRef idx="minor">
-            <a:schemeClr val="tx1"/>
-          </a:fontRef>
-        </p:style>
-      </p:cxnSp>
-      <p:cxnSp>
-        <p:nvCxnSpPr>
-          <p:cNvPr id="18" name="Straight Arrow Connector 17">
-            <a:extLst>
-              <a:ext uri="{FF2B5EF4-FFF2-40B4-BE49-F238E27FC236}">
-                <a16:creationId xmlns:a16="http://schemas.microsoft.com/office/drawing/2014/main" id="{7D697871-B50B-1D44-973C-35091084B8F7}"/>
-              </a:ext>
-            </a:extLst>
-          </p:cNvPr>
-          <p:cNvCxnSpPr>
-            <a:cxnSpLocks/>
-          </p:cNvCxnSpPr>
-          <p:nvPr/>
-        </p:nvCxnSpPr>
-        <p:spPr>
-          <a:xfrm>
-            <a:off x="2484684" y="3089264"/>
-            <a:ext cx="0" cy="547816"/>
-          </a:xfrm>
-          <a:prstGeom prst="straightConnector1">
-            <a:avLst/>
-          </a:prstGeom>
-          <a:ln>
-            <a:tailEnd type="triangle" w="med" len="lg"/>
-          </a:ln>
-        </p:spPr>
-        <p:style>
-          <a:lnRef idx="1">
-            <a:schemeClr val="dk1"/>
-          </a:lnRef>
-          <a:fillRef idx="0">
-            <a:schemeClr val="dk1"/>
-          </a:fillRef>
-          <a:effectRef idx="0">
-            <a:schemeClr val="dk1"/>
-          </a:effectRef>
-          <a:fontRef idx="minor">
-            <a:schemeClr val="tx1"/>
-          </a:fontRef>
-        </p:style>
-      </p:cxnSp>
-      <p:cxnSp>
-        <p:nvCxnSpPr>
-          <p:cNvPr id="20" name="Straight Arrow Connector 19">
-            <a:extLst>
-              <a:ext uri="{FF2B5EF4-FFF2-40B4-BE49-F238E27FC236}">
-                <a16:creationId xmlns:a16="http://schemas.microsoft.com/office/drawing/2014/main" id="{65F7E56C-9B56-7A47-B969-E8D2BB95FB35}"/>
-              </a:ext>
-            </a:extLst>
-          </p:cNvPr>
-          <p:cNvCxnSpPr>
-            <a:cxnSpLocks/>
-            <a:stCxn id="10" idx="3"/>
-            <a:endCxn id="11" idx="2"/>
-          </p:cNvCxnSpPr>
-          <p:nvPr/>
-        </p:nvCxnSpPr>
-        <p:spPr>
-          <a:xfrm>
-            <a:off x="3969837" y="4794497"/>
-            <a:ext cx="989985" cy="243069"/>
-          </a:xfrm>
-          <a:prstGeom prst="straightConnector1">
-            <a:avLst/>
-          </a:prstGeom>
-          <a:ln>
-            <a:solidFill>
-              <a:schemeClr val="tx1"/>
-            </a:solidFill>
-            <a:tailEnd type="triangle" w="med" len="lg"/>
-          </a:ln>
-        </p:spPr>
-        <p:style>
-          <a:lnRef idx="1">
-            <a:schemeClr val="accent1"/>
-          </a:lnRef>
-          <a:fillRef idx="0">
-            <a:schemeClr val="accent1"/>
-          </a:fillRef>
-          <a:effectRef idx="0">
-            <a:schemeClr val="accent1"/>
-          </a:effectRef>
-          <a:fontRef idx="minor">
-            <a:schemeClr val="tx1"/>
-          </a:fontRef>
-        </p:style>
-      </p:cxnSp>
-      <p:cxnSp>
-        <p:nvCxnSpPr>
-          <p:cNvPr id="21" name="Straight Arrow Connector 20">
-            <a:extLst>
-              <a:ext uri="{FF2B5EF4-FFF2-40B4-BE49-F238E27FC236}">
-                <a16:creationId xmlns:a16="http://schemas.microsoft.com/office/drawing/2014/main" id="{DC24908B-10EF-6D42-8B72-524BAD97F056}"/>
-              </a:ext>
-            </a:extLst>
-          </p:cNvPr>
-          <p:cNvCxnSpPr/>
-          <p:nvPr/>
-        </p:nvCxnSpPr>
-        <p:spPr>
-          <a:xfrm flipV="1">
-            <a:off x="7158394" y="5037566"/>
-            <a:ext cx="1009649" cy="1"/>
-          </a:xfrm>
-          <a:prstGeom prst="straightConnector1">
-            <a:avLst/>
-          </a:prstGeom>
-          <a:ln>
-            <a:solidFill>
-              <a:schemeClr val="tx1"/>
-            </a:solidFill>
-            <a:tailEnd type="triangle" w="med" len="lg"/>
-          </a:ln>
-        </p:spPr>
-        <p:style>
-          <a:lnRef idx="1">
-            <a:schemeClr val="accent1"/>
-          </a:lnRef>
-          <a:fillRef idx="0">
-            <a:schemeClr val="accent1"/>
-          </a:fillRef>
-          <a:effectRef idx="0">
-            <a:schemeClr val="accent1"/>
-          </a:effectRef>
-          <a:fontRef idx="minor">
-            <a:schemeClr val="tx1"/>
-          </a:fontRef>
-        </p:style>
-      </p:cxnSp>
-      <p:cxnSp>
-        <p:nvCxnSpPr>
-          <p:cNvPr id="22" name="Straight Arrow Connector 21">
-            <a:extLst>
-              <a:ext uri="{FF2B5EF4-FFF2-40B4-BE49-F238E27FC236}">
-                <a16:creationId xmlns:a16="http://schemas.microsoft.com/office/drawing/2014/main" id="{A65EAC8E-016D-904A-9CC0-F126FC15C949}"/>
-              </a:ext>
-            </a:extLst>
-          </p:cNvPr>
-          <p:cNvCxnSpPr>
-            <a:cxnSpLocks/>
-          </p:cNvCxnSpPr>
-          <p:nvPr/>
-        </p:nvCxnSpPr>
-        <p:spPr>
-          <a:xfrm flipV="1">
-            <a:off x="9677112" y="2743200"/>
-            <a:ext cx="0" cy="562084"/>
-          </a:xfrm>
-          <a:prstGeom prst="straightConnector1">
-            <a:avLst/>
-          </a:prstGeom>
-          <a:ln>
-            <a:tailEnd type="triangle" w="med" len="lg"/>
-          </a:ln>
-        </p:spPr>
-        <p:style>
-          <a:lnRef idx="1">
-            <a:schemeClr val="dk1"/>
-          </a:lnRef>
-          <a:fillRef idx="0">
-            <a:schemeClr val="dk1"/>
-          </a:fillRef>
-          <a:effectRef idx="0">
-            <a:schemeClr val="dk1"/>
-          </a:effectRef>
-          <a:fontRef idx="minor">
-            <a:schemeClr val="tx1"/>
-          </a:fontRef>
-        </p:style>
-      </p:cxnSp>
-      <p:cxnSp>
-        <p:nvCxnSpPr>
-          <p:cNvPr id="23" name="Straight Arrow Connector 22">
-            <a:extLst>
-              <a:ext uri="{FF2B5EF4-FFF2-40B4-BE49-F238E27FC236}">
-                <a16:creationId xmlns:a16="http://schemas.microsoft.com/office/drawing/2014/main" id="{DFD98599-7CF7-754B-B9A6-890AF5E2CA78}"/>
-              </a:ext>
-            </a:extLst>
-          </p:cNvPr>
-          <p:cNvCxnSpPr>
-            <a:cxnSpLocks/>
-            <a:stCxn id="13" idx="1"/>
-            <a:endCxn id="14" idx="3"/>
-          </p:cNvCxnSpPr>
-          <p:nvPr/>
-        </p:nvCxnSpPr>
-        <p:spPr>
-          <a:xfrm flipH="1" flipV="1">
-            <a:off x="7683556" y="1603118"/>
-            <a:ext cx="875269" cy="221369"/>
-          </a:xfrm>
-          <a:prstGeom prst="straightConnector1">
-            <a:avLst/>
-          </a:prstGeom>
-          <a:ln>
-            <a:tailEnd type="triangle" w="med" len="lg"/>
-          </a:ln>
-        </p:spPr>
-        <p:style>
-          <a:lnRef idx="1">
-            <a:schemeClr val="dk1"/>
-          </a:lnRef>
-          <a:fillRef idx="0">
-            <a:schemeClr val="dk1"/>
-          </a:fillRef>
-          <a:effectRef idx="0">
-            <a:schemeClr val="dk1"/>
-          </a:effectRef>
-          <a:fontRef idx="minor">
-            <a:schemeClr val="tx1"/>
-          </a:fontRef>
-        </p:style>
-      </p:cxnSp>
+              <a:rPr lang="en-US" sz="4800" dirty="0" smtClean="0">
+                <a:solidFill>
+                  <a:schemeClr val="bg1"/>
+                </a:solidFill>
+                <a:latin typeface="Sternbach" panose="02000500000000000000" pitchFamily="2" charset="0"/>
+              </a:rPr>
+              <a:t>Feature Sets</a:t>
+            </a:r>
+            <a:endParaRPr lang="en-US" sz="4800" dirty="0">
+              <a:solidFill>
+                <a:schemeClr val="bg1"/>
+              </a:solidFill>
+              <a:latin typeface="Sternbach" panose="02000500000000000000" pitchFamily="2" charset="0"/>
+            </a:endParaRPr>
+          </a:p>
+        </p:txBody>
+      </p:sp>
+      <p:graphicFrame>
+        <p:nvGraphicFramePr>
+          <p:cNvPr id="3" name="Table 2"/>
+          <p:cNvGraphicFramePr>
+            <a:graphicFrameLocks noGrp="1"/>
+          </p:cNvGraphicFramePr>
+          <p:nvPr>
+            <p:extLst>
+              <p:ext uri="{D42A27DB-BD31-4B8C-83A1-F6EECF244321}">
+                <p14:modId xmlns:p14="http://schemas.microsoft.com/office/powerpoint/2010/main" val="1826615342"/>
+              </p:ext>
+            </p:extLst>
+          </p:nvPr>
+        </p:nvGraphicFramePr>
+        <p:xfrm>
+          <a:off x="1013970" y="2238531"/>
+          <a:ext cx="10373610" cy="4430579"/>
+        </p:xfrm>
+        <a:graphic>
+          <a:graphicData uri="http://schemas.openxmlformats.org/drawingml/2006/table">
+            <a:tbl>
+              <a:tblPr firstRow="1" bandRow="1">
+                <a:tableStyleId>{D27102A9-8310-4765-A935-A1911B00CA55}</a:tableStyleId>
+              </a:tblPr>
+              <a:tblGrid>
+                <a:gridCol w="3457870">
+                  <a:extLst>
+                    <a:ext uri="{9D8B030D-6E8A-4147-A177-3AD203B41FA5}">
+                      <a16:colId xmlns:a16="http://schemas.microsoft.com/office/drawing/2014/main" val="3205323068"/>
+                    </a:ext>
+                  </a:extLst>
+                </a:gridCol>
+                <a:gridCol w="3457870">
+                  <a:extLst>
+                    <a:ext uri="{9D8B030D-6E8A-4147-A177-3AD203B41FA5}">
+                      <a16:colId xmlns:a16="http://schemas.microsoft.com/office/drawing/2014/main" val="3232417134"/>
+                    </a:ext>
+                  </a:extLst>
+                </a:gridCol>
+                <a:gridCol w="3457870">
+                  <a:extLst>
+                    <a:ext uri="{9D8B030D-6E8A-4147-A177-3AD203B41FA5}">
+                      <a16:colId xmlns:a16="http://schemas.microsoft.com/office/drawing/2014/main" val="1346230329"/>
+                    </a:ext>
+                  </a:extLst>
+                </a:gridCol>
+              </a:tblGrid>
+              <a:tr h="271968">
+                <a:tc gridSpan="3">
+                  <a:txBody>
+                    <a:bodyPr/>
+                    <a:lstStyle/>
+                    <a:p>
+                      <a:pPr algn="ctr"/>
+                      <a:r>
+                        <a:rPr lang="en-US" sz="1600" dirty="0" smtClean="0">
+                          <a:solidFill>
+                            <a:schemeClr val="bg1"/>
+                          </a:solidFill>
+                        </a:rPr>
+                        <a:t>Feature Set Random</a:t>
+                      </a:r>
+                      <a:r>
+                        <a:rPr lang="en-US" sz="1600" baseline="0" dirty="0" smtClean="0">
+                          <a:solidFill>
+                            <a:schemeClr val="bg1"/>
+                          </a:solidFill>
+                        </a:rPr>
+                        <a:t> Forest</a:t>
+                      </a:r>
+                      <a:endParaRPr lang="en-US" sz="1600" dirty="0">
+                        <a:solidFill>
+                          <a:schemeClr val="bg1"/>
+                        </a:solidFill>
+                      </a:endParaRPr>
+                    </a:p>
+                  </a:txBody>
+                  <a:tcPr/>
+                </a:tc>
+                <a:tc hMerge="1">
+                  <a:txBody>
+                    <a:bodyPr/>
+                    <a:lstStyle/>
+                    <a:p>
+                      <a:endParaRPr lang="en-US" dirty="0"/>
+                    </a:p>
+                  </a:txBody>
+                  <a:tcPr/>
+                </a:tc>
+                <a:tc hMerge="1">
+                  <a:txBody>
+                    <a:bodyPr/>
+                    <a:lstStyle/>
+                    <a:p>
+                      <a:pPr algn="ctr"/>
+                      <a:endParaRPr lang="en-US" sz="700" dirty="0"/>
+                    </a:p>
+                  </a:txBody>
+                  <a:tcPr/>
+                </a:tc>
+                <a:extLst>
+                  <a:ext uri="{0D108BD9-81ED-4DB2-BD59-A6C34878D82A}">
+                    <a16:rowId xmlns:a16="http://schemas.microsoft.com/office/drawing/2014/main" val="2005032407"/>
+                  </a:ext>
+                </a:extLst>
+              </a:tr>
+              <a:tr h="271968">
+                <a:tc>
+                  <a:txBody>
+                    <a:bodyPr/>
+                    <a:lstStyle/>
+                    <a:p>
+                      <a:r>
+                        <a:rPr lang="en-US" sz="1200" dirty="0" smtClean="0">
+                          <a:solidFill>
+                            <a:schemeClr val="bg1"/>
+                          </a:solidFill>
+                        </a:rPr>
+                        <a:t>Credit Winning Bet - R</a:t>
+                      </a:r>
+                      <a:endParaRPr lang="en-US" sz="1200" dirty="0">
+                        <a:solidFill>
+                          <a:schemeClr val="bg1"/>
+                        </a:solidFill>
+                      </a:endParaRPr>
+                    </a:p>
+                  </a:txBody>
+                  <a:tcPr/>
+                </a:tc>
+                <a:tc>
+                  <a:txBody>
+                    <a:bodyPr/>
+                    <a:lstStyle/>
+                    <a:p>
+                      <a:pPr marL="0" marR="0" lvl="0" indent="0" algn="l" defTabSz="914400" rtl="0" eaLnBrk="1" fontAlgn="auto" latinLnBrk="0" hangingPunct="1">
+                        <a:lnSpc>
+                          <a:spcPct val="100000"/>
+                        </a:lnSpc>
+                        <a:spcBef>
+                          <a:spcPts val="0"/>
+                        </a:spcBef>
+                        <a:spcAft>
+                          <a:spcPts val="0"/>
+                        </a:spcAft>
+                        <a:buClrTx/>
+                        <a:buSzTx/>
+                        <a:buFontTx/>
+                        <a:buNone/>
+                        <a:tabLst/>
+                        <a:defRPr/>
+                      </a:pPr>
+                      <a:r>
+                        <a:rPr lang="en-US" sz="1200" dirty="0" smtClean="0">
+                          <a:solidFill>
+                            <a:schemeClr val="bg1"/>
+                          </a:solidFill>
+                        </a:rPr>
+                        <a:t>Pass – R</a:t>
+                      </a:r>
+                      <a:endParaRPr lang="en-US" sz="1200" dirty="0" smtClean="0">
+                        <a:solidFill>
+                          <a:schemeClr val="bg1"/>
+                        </a:solidFill>
+                      </a:endParaRPr>
+                    </a:p>
+                  </a:txBody>
+                  <a:tcPr/>
+                </a:tc>
+                <a:tc>
+                  <a:txBody>
+                    <a:bodyPr/>
+                    <a:lstStyle/>
+                    <a:p>
+                      <a:r>
+                        <a:rPr lang="en-US" sz="1200" dirty="0" smtClean="0">
+                          <a:solidFill>
+                            <a:schemeClr val="bg1"/>
+                          </a:solidFill>
+                        </a:rPr>
+                        <a:t>Takedowns </a:t>
+                      </a:r>
+                      <a:r>
+                        <a:rPr lang="en-US" sz="1200" baseline="0" dirty="0" smtClean="0">
+                          <a:solidFill>
+                            <a:schemeClr val="bg1"/>
+                          </a:solidFill>
+                        </a:rPr>
+                        <a:t>Percentage </a:t>
+                      </a:r>
+                      <a:r>
+                        <a:rPr lang="en-US" sz="1200" baseline="0" dirty="0" smtClean="0">
+                          <a:solidFill>
+                            <a:schemeClr val="bg1"/>
+                          </a:solidFill>
+                        </a:rPr>
+                        <a:t>– </a:t>
+                      </a:r>
+                      <a:r>
+                        <a:rPr lang="en-US" sz="1200" baseline="0" dirty="0" smtClean="0">
+                          <a:solidFill>
+                            <a:schemeClr val="bg1"/>
+                          </a:solidFill>
+                        </a:rPr>
+                        <a:t>B </a:t>
+                      </a:r>
+                      <a:endParaRPr lang="en-US" sz="1200" dirty="0">
+                        <a:solidFill>
+                          <a:schemeClr val="bg1"/>
+                        </a:solidFill>
+                      </a:endParaRPr>
+                    </a:p>
+                  </a:txBody>
+                  <a:tcPr/>
+                </a:tc>
+                <a:extLst>
+                  <a:ext uri="{0D108BD9-81ED-4DB2-BD59-A6C34878D82A}">
+                    <a16:rowId xmlns:a16="http://schemas.microsoft.com/office/drawing/2014/main" val="100663766"/>
+                  </a:ext>
+                </a:extLst>
+              </a:tr>
+              <a:tr h="271968">
+                <a:tc>
+                  <a:txBody>
+                    <a:bodyPr/>
+                    <a:lstStyle/>
+                    <a:p>
+                      <a:r>
+                        <a:rPr lang="en-US" sz="1200" dirty="0" smtClean="0">
+                          <a:solidFill>
+                            <a:schemeClr val="bg1"/>
+                          </a:solidFill>
+                        </a:rPr>
+                        <a:t>Credit Winning Bet - B</a:t>
+                      </a:r>
+                      <a:endParaRPr lang="en-US" sz="1200" dirty="0">
+                        <a:solidFill>
+                          <a:schemeClr val="bg1"/>
+                        </a:solidFill>
+                      </a:endParaRPr>
+                    </a:p>
+                  </a:txBody>
+                  <a:tcPr/>
+                </a:tc>
+                <a:tc>
+                  <a:txBody>
+                    <a:bodyPr/>
+                    <a:lstStyle/>
+                    <a:p>
+                      <a:pPr marL="0" marR="0" lvl="0" indent="0" algn="l" defTabSz="914400" rtl="0" eaLnBrk="1" fontAlgn="auto" latinLnBrk="0" hangingPunct="1">
+                        <a:lnSpc>
+                          <a:spcPct val="100000"/>
+                        </a:lnSpc>
+                        <a:spcBef>
+                          <a:spcPts val="0"/>
+                        </a:spcBef>
+                        <a:spcAft>
+                          <a:spcPts val="0"/>
+                        </a:spcAft>
+                        <a:buClrTx/>
+                        <a:buSzTx/>
+                        <a:buFontTx/>
+                        <a:buNone/>
+                        <a:tabLst/>
+                        <a:defRPr/>
+                      </a:pPr>
+                      <a:r>
+                        <a:rPr lang="en-US" sz="1200" dirty="0" smtClean="0">
+                          <a:solidFill>
+                            <a:schemeClr val="bg1"/>
+                          </a:solidFill>
+                        </a:rPr>
+                        <a:t>Pass – B</a:t>
+                      </a:r>
+                      <a:endParaRPr lang="en-US" sz="1200" dirty="0" smtClean="0">
+                        <a:solidFill>
+                          <a:schemeClr val="bg1"/>
+                        </a:solidFill>
+                      </a:endParaRPr>
+                    </a:p>
+                  </a:txBody>
+                  <a:tcPr/>
+                </a:tc>
+                <a:tc>
+                  <a:txBody>
+                    <a:bodyPr/>
+                    <a:lstStyle/>
+                    <a:p>
+                      <a:pPr marL="0" marR="0" lvl="0" indent="0" algn="l" defTabSz="914400" rtl="0" eaLnBrk="1" fontAlgn="auto" latinLnBrk="0" hangingPunct="1">
+                        <a:lnSpc>
+                          <a:spcPct val="100000"/>
+                        </a:lnSpc>
+                        <a:spcBef>
+                          <a:spcPts val="0"/>
+                        </a:spcBef>
+                        <a:spcAft>
+                          <a:spcPts val="0"/>
+                        </a:spcAft>
+                        <a:buClrTx/>
+                        <a:buSzTx/>
+                        <a:buFontTx/>
+                        <a:buNone/>
+                        <a:tabLst/>
+                        <a:defRPr/>
+                      </a:pPr>
+                      <a:r>
+                        <a:rPr lang="en-US" sz="1200" dirty="0" smtClean="0">
+                          <a:solidFill>
+                            <a:schemeClr val="bg1"/>
+                          </a:solidFill>
+                        </a:rPr>
+                        <a:t>Average Takedowns</a:t>
+                      </a:r>
+                      <a:r>
+                        <a:rPr lang="en-US" sz="1200" baseline="0" dirty="0" smtClean="0">
+                          <a:solidFill>
+                            <a:schemeClr val="bg1"/>
+                          </a:solidFill>
+                        </a:rPr>
+                        <a:t> Percentage </a:t>
+                      </a:r>
+                      <a:r>
+                        <a:rPr lang="en-US" sz="1200" baseline="0" dirty="0" smtClean="0">
+                          <a:solidFill>
+                            <a:schemeClr val="bg1"/>
+                          </a:solidFill>
+                        </a:rPr>
+                        <a:t>– </a:t>
+                      </a:r>
+                      <a:r>
+                        <a:rPr lang="en-US" sz="1200" baseline="0" dirty="0" smtClean="0">
+                          <a:solidFill>
+                            <a:schemeClr val="bg1"/>
+                          </a:solidFill>
+                        </a:rPr>
+                        <a:t>R </a:t>
+                      </a:r>
+                      <a:endParaRPr lang="en-US" sz="1200" dirty="0" smtClean="0">
+                        <a:solidFill>
+                          <a:schemeClr val="bg1"/>
+                        </a:solidFill>
+                      </a:endParaRPr>
+                    </a:p>
+                  </a:txBody>
+                  <a:tcPr/>
+                </a:tc>
+                <a:extLst>
+                  <a:ext uri="{0D108BD9-81ED-4DB2-BD59-A6C34878D82A}">
+                    <a16:rowId xmlns:a16="http://schemas.microsoft.com/office/drawing/2014/main" val="254010923"/>
+                  </a:ext>
+                </a:extLst>
+              </a:tr>
+              <a:tr h="271968">
+                <a:tc>
+                  <a:txBody>
+                    <a:bodyPr/>
+                    <a:lstStyle/>
+                    <a:p>
+                      <a:r>
+                        <a:rPr lang="en-US" sz="1200" dirty="0" smtClean="0">
+                          <a:solidFill>
+                            <a:schemeClr val="bg1"/>
+                          </a:solidFill>
+                        </a:rPr>
+                        <a:t>Odds of Winning</a:t>
+                      </a:r>
+                      <a:r>
+                        <a:rPr lang="en-US" sz="1200" baseline="0" dirty="0" smtClean="0">
+                          <a:solidFill>
+                            <a:schemeClr val="bg1"/>
+                          </a:solidFill>
+                        </a:rPr>
+                        <a:t> </a:t>
+                      </a:r>
+                      <a:r>
+                        <a:rPr lang="en-US" sz="1200" baseline="0" dirty="0" smtClean="0">
+                          <a:solidFill>
+                            <a:schemeClr val="bg1"/>
+                          </a:solidFill>
+                        </a:rPr>
+                        <a:t>– R</a:t>
+                      </a:r>
+                      <a:endParaRPr lang="en-US" sz="1200" dirty="0">
+                        <a:solidFill>
+                          <a:schemeClr val="bg1"/>
+                        </a:solidFill>
+                      </a:endParaRPr>
+                    </a:p>
+                  </a:txBody>
+                  <a:tcPr/>
+                </a:tc>
+                <a:tc>
+                  <a:txBody>
+                    <a:bodyPr/>
+                    <a:lstStyle/>
+                    <a:p>
+                      <a:pPr marL="0" marR="0" lvl="0" indent="0" algn="l" defTabSz="914400" rtl="0" eaLnBrk="1" fontAlgn="auto" latinLnBrk="0" hangingPunct="1">
+                        <a:lnSpc>
+                          <a:spcPct val="100000"/>
+                        </a:lnSpc>
+                        <a:spcBef>
+                          <a:spcPts val="0"/>
+                        </a:spcBef>
+                        <a:spcAft>
+                          <a:spcPts val="0"/>
+                        </a:spcAft>
+                        <a:buClrTx/>
+                        <a:buSzTx/>
+                        <a:buFontTx/>
+                        <a:buNone/>
+                        <a:tabLst/>
+                        <a:defRPr/>
+                      </a:pPr>
+                      <a:r>
+                        <a:rPr lang="en-US" sz="1200" dirty="0" smtClean="0">
+                          <a:solidFill>
+                            <a:schemeClr val="bg1"/>
+                          </a:solidFill>
+                        </a:rPr>
+                        <a:t>Fighter</a:t>
+                      </a:r>
+                      <a:r>
+                        <a:rPr lang="en-US" sz="1200" baseline="0" dirty="0" smtClean="0">
+                          <a:solidFill>
+                            <a:schemeClr val="bg1"/>
+                          </a:solidFill>
+                        </a:rPr>
+                        <a:t>– R </a:t>
+                      </a:r>
+                      <a:endParaRPr lang="en-US" sz="1200" dirty="0" smtClean="0">
+                        <a:solidFill>
+                          <a:schemeClr val="bg1"/>
+                        </a:solidFill>
+                      </a:endParaRPr>
+                    </a:p>
+                  </a:txBody>
+                  <a:tcPr/>
+                </a:tc>
+                <a:tc>
+                  <a:txBody>
+                    <a:bodyPr/>
+                    <a:lstStyle/>
+                    <a:p>
+                      <a:r>
+                        <a:rPr lang="en-US" sz="1200" dirty="0" smtClean="0">
+                          <a:solidFill>
+                            <a:schemeClr val="bg1"/>
+                          </a:solidFill>
+                        </a:rPr>
+                        <a:t>Average Takedowns Landed – R </a:t>
+                      </a:r>
+                      <a:endParaRPr lang="en-US" sz="1200" dirty="0">
+                        <a:solidFill>
+                          <a:schemeClr val="bg1"/>
+                        </a:solidFill>
+                      </a:endParaRPr>
+                    </a:p>
+                  </a:txBody>
+                  <a:tcPr/>
+                </a:tc>
+                <a:extLst>
+                  <a:ext uri="{0D108BD9-81ED-4DB2-BD59-A6C34878D82A}">
+                    <a16:rowId xmlns:a16="http://schemas.microsoft.com/office/drawing/2014/main" val="1322739295"/>
+                  </a:ext>
+                </a:extLst>
+              </a:tr>
+              <a:tr h="271968">
+                <a:tc>
+                  <a:txBody>
+                    <a:bodyPr/>
+                    <a:lstStyle/>
+                    <a:p>
+                      <a:r>
+                        <a:rPr lang="en-US" sz="1200" dirty="0" smtClean="0">
+                          <a:solidFill>
+                            <a:schemeClr val="bg1"/>
+                          </a:solidFill>
+                        </a:rPr>
+                        <a:t>Odds</a:t>
+                      </a:r>
+                      <a:r>
+                        <a:rPr lang="en-US" sz="1200" baseline="0" dirty="0" smtClean="0">
+                          <a:solidFill>
+                            <a:schemeClr val="bg1"/>
+                          </a:solidFill>
+                        </a:rPr>
+                        <a:t> of Winning</a:t>
+                      </a:r>
+                      <a:r>
+                        <a:rPr lang="en-US" sz="1200" dirty="0" smtClean="0">
+                          <a:solidFill>
+                            <a:schemeClr val="bg1"/>
+                          </a:solidFill>
+                        </a:rPr>
+                        <a:t> </a:t>
+                      </a:r>
+                      <a:r>
+                        <a:rPr lang="en-US" sz="1200" dirty="0" smtClean="0">
+                          <a:solidFill>
+                            <a:schemeClr val="bg1"/>
+                          </a:solidFill>
+                        </a:rPr>
+                        <a:t>– B</a:t>
+                      </a:r>
+                    </a:p>
+                  </a:txBody>
+                  <a:tcPr/>
+                </a:tc>
+                <a:tc>
+                  <a:txBody>
+                    <a:bodyPr/>
+                    <a:lstStyle/>
+                    <a:p>
+                      <a:pPr marL="0" marR="0" lvl="0" indent="0" algn="l" defTabSz="914400" rtl="0" eaLnBrk="1" fontAlgn="auto" latinLnBrk="0" hangingPunct="1">
+                        <a:lnSpc>
+                          <a:spcPct val="100000"/>
+                        </a:lnSpc>
+                        <a:spcBef>
+                          <a:spcPts val="0"/>
+                        </a:spcBef>
+                        <a:spcAft>
+                          <a:spcPts val="0"/>
+                        </a:spcAft>
+                        <a:buClrTx/>
+                        <a:buSzTx/>
+                        <a:buFontTx/>
+                        <a:buNone/>
+                        <a:tabLst/>
+                        <a:defRPr/>
+                      </a:pPr>
+                      <a:r>
+                        <a:rPr lang="en-US" sz="1200" dirty="0" smtClean="0">
+                          <a:solidFill>
+                            <a:schemeClr val="bg1"/>
+                          </a:solidFill>
+                        </a:rPr>
+                        <a:t>Fighter</a:t>
+                      </a:r>
+                      <a:r>
+                        <a:rPr lang="en-US" sz="1200" baseline="0" dirty="0" smtClean="0">
+                          <a:solidFill>
+                            <a:schemeClr val="bg1"/>
+                          </a:solidFill>
+                        </a:rPr>
+                        <a:t>– B</a:t>
+                      </a:r>
+                      <a:endParaRPr lang="en-US" sz="1200" dirty="0" smtClean="0">
+                        <a:solidFill>
+                          <a:schemeClr val="bg1"/>
+                        </a:solidFill>
+                      </a:endParaRPr>
+                    </a:p>
+                  </a:txBody>
+                  <a:tcPr/>
+                </a:tc>
+                <a:tc>
+                  <a:txBody>
+                    <a:bodyPr/>
+                    <a:lstStyle/>
+                    <a:p>
+                      <a:r>
+                        <a:rPr lang="en-US" sz="1200" dirty="0" smtClean="0">
+                          <a:solidFill>
+                            <a:schemeClr val="bg1"/>
+                          </a:solidFill>
+                        </a:rPr>
+                        <a:t>Average Takedowns Landed – B</a:t>
+                      </a:r>
+                      <a:endParaRPr lang="en-US" sz="1200" dirty="0">
+                        <a:solidFill>
+                          <a:schemeClr val="bg1"/>
+                        </a:solidFill>
+                      </a:endParaRPr>
+                    </a:p>
+                  </a:txBody>
+                  <a:tcPr/>
+                </a:tc>
+                <a:extLst>
+                  <a:ext uri="{0D108BD9-81ED-4DB2-BD59-A6C34878D82A}">
+                    <a16:rowId xmlns:a16="http://schemas.microsoft.com/office/drawing/2014/main" val="1640929365"/>
+                  </a:ext>
+                </a:extLst>
+              </a:tr>
+              <a:tr h="271968">
+                <a:tc>
+                  <a:txBody>
+                    <a:bodyPr/>
+                    <a:lstStyle/>
+                    <a:p>
+                      <a:r>
+                        <a:rPr lang="en-US" sz="1200" dirty="0" smtClean="0">
+                          <a:solidFill>
+                            <a:schemeClr val="bg1"/>
+                          </a:solidFill>
+                        </a:rPr>
+                        <a:t>Knockdowns </a:t>
+                      </a:r>
+                      <a:r>
+                        <a:rPr lang="en-US" sz="1200" baseline="0" dirty="0" smtClean="0">
+                          <a:solidFill>
+                            <a:schemeClr val="bg1"/>
+                          </a:solidFill>
+                        </a:rPr>
+                        <a:t>– R </a:t>
+                      </a:r>
+                      <a:endParaRPr lang="en-US" sz="1200" dirty="0">
+                        <a:solidFill>
+                          <a:schemeClr val="bg1"/>
+                        </a:solidFill>
+                      </a:endParaRPr>
+                    </a:p>
+                  </a:txBody>
+                  <a:tcPr/>
+                </a:tc>
+                <a:tc>
+                  <a:txBody>
+                    <a:bodyPr/>
+                    <a:lstStyle/>
+                    <a:p>
+                      <a:r>
+                        <a:rPr lang="en-US" sz="1200" dirty="0" smtClean="0">
+                          <a:solidFill>
+                            <a:schemeClr val="bg1"/>
+                          </a:solidFill>
+                        </a:rPr>
+                        <a:t>Date</a:t>
+                      </a:r>
+                      <a:endParaRPr lang="en-US" sz="1200" dirty="0">
+                        <a:solidFill>
+                          <a:schemeClr val="bg1"/>
+                        </a:solidFill>
+                      </a:endParaRPr>
+                    </a:p>
+                  </a:txBody>
+                  <a:tcPr/>
+                </a:tc>
+                <a:tc>
+                  <a:txBody>
+                    <a:bodyPr/>
+                    <a:lstStyle/>
+                    <a:p>
+                      <a:r>
+                        <a:rPr lang="en-US" sz="1200" dirty="0" smtClean="0">
+                          <a:solidFill>
+                            <a:schemeClr val="bg1"/>
+                          </a:solidFill>
+                        </a:rPr>
+                        <a:t>Average Significant Strikes Landed – R </a:t>
+                      </a:r>
+                      <a:endParaRPr lang="en-US" sz="1200" dirty="0">
+                        <a:solidFill>
+                          <a:schemeClr val="bg1"/>
+                        </a:solidFill>
+                      </a:endParaRPr>
+                    </a:p>
+                  </a:txBody>
+                  <a:tcPr/>
+                </a:tc>
+                <a:extLst>
+                  <a:ext uri="{0D108BD9-81ED-4DB2-BD59-A6C34878D82A}">
+                    <a16:rowId xmlns:a16="http://schemas.microsoft.com/office/drawing/2014/main" val="337600543"/>
+                  </a:ext>
+                </a:extLst>
+              </a:tr>
+              <a:tr h="271968">
+                <a:tc>
+                  <a:txBody>
+                    <a:bodyPr/>
+                    <a:lstStyle/>
+                    <a:p>
+                      <a:pPr marL="0" marR="0" lvl="0" indent="0" algn="l" defTabSz="914400" rtl="0" eaLnBrk="1" fontAlgn="auto" latinLnBrk="0" hangingPunct="1">
+                        <a:lnSpc>
+                          <a:spcPct val="100000"/>
+                        </a:lnSpc>
+                        <a:spcBef>
+                          <a:spcPts val="0"/>
+                        </a:spcBef>
+                        <a:spcAft>
+                          <a:spcPts val="0"/>
+                        </a:spcAft>
+                        <a:buClrTx/>
+                        <a:buSzTx/>
+                        <a:buFontTx/>
+                        <a:buNone/>
+                        <a:tabLst/>
+                        <a:defRPr/>
+                      </a:pPr>
+                      <a:r>
+                        <a:rPr lang="en-US" sz="1200" dirty="0" smtClean="0">
+                          <a:solidFill>
+                            <a:schemeClr val="bg1"/>
+                          </a:solidFill>
+                        </a:rPr>
+                        <a:t>Knockdowns</a:t>
+                      </a:r>
+                      <a:r>
+                        <a:rPr lang="en-US" sz="1200" baseline="0" dirty="0" smtClean="0">
+                          <a:solidFill>
+                            <a:schemeClr val="bg1"/>
+                          </a:solidFill>
+                        </a:rPr>
+                        <a:t>– B </a:t>
+                      </a:r>
+                      <a:endParaRPr lang="en-US" sz="1200" dirty="0" smtClean="0">
+                        <a:solidFill>
+                          <a:schemeClr val="bg1"/>
+                        </a:solidFill>
+                      </a:endParaRPr>
+                    </a:p>
+                  </a:txBody>
+                  <a:tcPr/>
+                </a:tc>
+                <a:tc>
+                  <a:txBody>
+                    <a:bodyPr/>
+                    <a:lstStyle/>
+                    <a:p>
+                      <a:r>
+                        <a:rPr lang="en-US" sz="1200" dirty="0" smtClean="0">
+                          <a:solidFill>
+                            <a:schemeClr val="bg1"/>
+                          </a:solidFill>
+                        </a:rPr>
+                        <a:t>Total Strikes </a:t>
+                      </a:r>
+                      <a:r>
+                        <a:rPr lang="en-US" sz="1200" baseline="0" dirty="0" smtClean="0">
+                          <a:solidFill>
+                            <a:schemeClr val="bg1"/>
+                          </a:solidFill>
+                        </a:rPr>
+                        <a:t>Attempted </a:t>
+                      </a:r>
+                      <a:r>
+                        <a:rPr lang="en-US" sz="1200" baseline="0" dirty="0" smtClean="0">
+                          <a:solidFill>
+                            <a:schemeClr val="bg1"/>
+                          </a:solidFill>
+                        </a:rPr>
+                        <a:t>– R </a:t>
+                      </a:r>
+                      <a:endParaRPr lang="en-US" sz="1200" dirty="0">
+                        <a:solidFill>
+                          <a:schemeClr val="bg1"/>
+                        </a:solidFill>
+                      </a:endParaRPr>
+                    </a:p>
+                  </a:txBody>
+                  <a:tcPr/>
+                </a:tc>
+                <a:tc>
+                  <a:txBody>
+                    <a:bodyPr/>
+                    <a:lstStyle/>
+                    <a:p>
+                      <a:r>
+                        <a:rPr lang="en-US" sz="1200" dirty="0" smtClean="0">
+                          <a:solidFill>
+                            <a:schemeClr val="bg1"/>
+                          </a:solidFill>
+                        </a:rPr>
+                        <a:t>Average Significant Strikes Landed – B </a:t>
+                      </a:r>
+                      <a:endParaRPr lang="en-US" sz="1200" dirty="0">
+                        <a:solidFill>
+                          <a:schemeClr val="bg1"/>
+                        </a:solidFill>
+                      </a:endParaRPr>
+                    </a:p>
+                  </a:txBody>
+                  <a:tcPr/>
+                </a:tc>
+                <a:extLst>
+                  <a:ext uri="{0D108BD9-81ED-4DB2-BD59-A6C34878D82A}">
+                    <a16:rowId xmlns:a16="http://schemas.microsoft.com/office/drawing/2014/main" val="1722239895"/>
+                  </a:ext>
+                </a:extLst>
+              </a:tr>
+              <a:tr h="365987">
+                <a:tc>
+                  <a:txBody>
+                    <a:bodyPr/>
+                    <a:lstStyle/>
+                    <a:p>
+                      <a:r>
+                        <a:rPr lang="en-US" sz="1200" dirty="0" smtClean="0">
+                          <a:solidFill>
+                            <a:schemeClr val="bg1"/>
+                          </a:solidFill>
+                        </a:rPr>
+                        <a:t>Total Strikes </a:t>
+                      </a:r>
+                      <a:r>
+                        <a:rPr lang="en-US" sz="1200" baseline="0" dirty="0" smtClean="0">
+                          <a:solidFill>
+                            <a:schemeClr val="bg1"/>
+                          </a:solidFill>
+                        </a:rPr>
+                        <a:t>Landed </a:t>
+                      </a:r>
+                      <a:r>
+                        <a:rPr lang="en-US" sz="1200" baseline="0" dirty="0" smtClean="0">
+                          <a:solidFill>
+                            <a:schemeClr val="bg1"/>
+                          </a:solidFill>
+                        </a:rPr>
+                        <a:t>– R </a:t>
+                      </a:r>
+                      <a:endParaRPr lang="en-US" sz="1200" dirty="0">
+                        <a:solidFill>
+                          <a:schemeClr val="bg1"/>
+                        </a:solidFill>
+                      </a:endParaRPr>
+                    </a:p>
+                  </a:txBody>
+                  <a:tcPr/>
+                </a:tc>
+                <a:tc>
+                  <a:txBody>
+                    <a:bodyPr/>
+                    <a:lstStyle/>
+                    <a:p>
+                      <a:pPr marL="0" marR="0" lvl="0" indent="0" algn="l" defTabSz="914400" rtl="0" eaLnBrk="1" fontAlgn="auto" latinLnBrk="0" hangingPunct="1">
+                        <a:lnSpc>
+                          <a:spcPct val="100000"/>
+                        </a:lnSpc>
+                        <a:spcBef>
+                          <a:spcPts val="0"/>
+                        </a:spcBef>
+                        <a:spcAft>
+                          <a:spcPts val="0"/>
+                        </a:spcAft>
+                        <a:buClrTx/>
+                        <a:buSzTx/>
+                        <a:buFontTx/>
+                        <a:buNone/>
+                        <a:tabLst/>
+                        <a:defRPr/>
+                      </a:pPr>
+                      <a:r>
+                        <a:rPr lang="en-US" sz="1200" dirty="0" smtClean="0">
+                          <a:solidFill>
+                            <a:schemeClr val="bg1"/>
+                          </a:solidFill>
+                        </a:rPr>
+                        <a:t>Total Strikes</a:t>
+                      </a:r>
+                      <a:r>
+                        <a:rPr lang="en-US" sz="1200" baseline="0" dirty="0" smtClean="0">
+                          <a:solidFill>
+                            <a:schemeClr val="bg1"/>
+                          </a:solidFill>
+                        </a:rPr>
+                        <a:t> </a:t>
+                      </a:r>
+                      <a:r>
+                        <a:rPr lang="en-US" sz="1200" baseline="0" dirty="0" smtClean="0">
+                          <a:solidFill>
+                            <a:schemeClr val="bg1"/>
+                          </a:solidFill>
+                        </a:rPr>
+                        <a:t>Attempted </a:t>
+                      </a:r>
+                      <a:r>
+                        <a:rPr lang="en-US" sz="1200" baseline="0" dirty="0" smtClean="0">
+                          <a:solidFill>
+                            <a:schemeClr val="bg1"/>
+                          </a:solidFill>
+                        </a:rPr>
+                        <a:t>– B </a:t>
+                      </a:r>
+                      <a:endParaRPr lang="en-US" sz="1200" dirty="0" smtClean="0">
+                        <a:solidFill>
+                          <a:schemeClr val="bg1"/>
+                        </a:solidFill>
+                      </a:endParaRPr>
+                    </a:p>
+                  </a:txBody>
+                  <a:tcPr/>
+                </a:tc>
+                <a:tc>
+                  <a:txBody>
+                    <a:bodyPr/>
+                    <a:lstStyle/>
+                    <a:p>
+                      <a:r>
+                        <a:rPr lang="en-US" sz="1200" dirty="0" smtClean="0">
+                          <a:solidFill>
+                            <a:schemeClr val="bg1"/>
+                          </a:solidFill>
+                        </a:rPr>
+                        <a:t>Average Takedown Difference</a:t>
+                      </a:r>
+                      <a:endParaRPr lang="en-US" sz="1200" dirty="0">
+                        <a:solidFill>
+                          <a:schemeClr val="bg1"/>
+                        </a:solidFill>
+                      </a:endParaRPr>
+                    </a:p>
+                  </a:txBody>
+                  <a:tcPr/>
+                </a:tc>
+                <a:extLst>
+                  <a:ext uri="{0D108BD9-81ED-4DB2-BD59-A6C34878D82A}">
+                    <a16:rowId xmlns:a16="http://schemas.microsoft.com/office/drawing/2014/main" val="2708861928"/>
+                  </a:ext>
+                </a:extLst>
+              </a:tr>
+              <a:tr h="428665">
+                <a:tc>
+                  <a:txBody>
+                    <a:bodyPr/>
+                    <a:lstStyle/>
+                    <a:p>
+                      <a:pPr marL="0" marR="0" lvl="0" indent="0" algn="l" defTabSz="914400" rtl="0" eaLnBrk="1" fontAlgn="auto" latinLnBrk="0" hangingPunct="1">
+                        <a:lnSpc>
+                          <a:spcPct val="100000"/>
+                        </a:lnSpc>
+                        <a:spcBef>
+                          <a:spcPts val="0"/>
+                        </a:spcBef>
+                        <a:spcAft>
+                          <a:spcPts val="0"/>
+                        </a:spcAft>
+                        <a:buClrTx/>
+                        <a:buSzTx/>
+                        <a:buFontTx/>
+                        <a:buNone/>
+                        <a:tabLst/>
+                        <a:defRPr/>
+                      </a:pPr>
+                      <a:r>
+                        <a:rPr lang="en-US" sz="1200" dirty="0" smtClean="0">
+                          <a:solidFill>
+                            <a:schemeClr val="bg1"/>
+                          </a:solidFill>
+                        </a:rPr>
+                        <a:t>Total Strikes</a:t>
+                      </a:r>
+                      <a:r>
+                        <a:rPr lang="en-US" sz="1200" baseline="0" dirty="0" smtClean="0">
+                          <a:solidFill>
+                            <a:schemeClr val="bg1"/>
+                          </a:solidFill>
+                        </a:rPr>
+                        <a:t> </a:t>
+                      </a:r>
+                      <a:r>
+                        <a:rPr lang="en-US" sz="1200" baseline="0" dirty="0" smtClean="0">
+                          <a:solidFill>
+                            <a:schemeClr val="bg1"/>
+                          </a:solidFill>
+                        </a:rPr>
+                        <a:t>Landed </a:t>
+                      </a:r>
+                      <a:r>
+                        <a:rPr lang="en-US" sz="1200" baseline="0" dirty="0" smtClean="0">
+                          <a:solidFill>
+                            <a:schemeClr val="bg1"/>
+                          </a:solidFill>
+                        </a:rPr>
+                        <a:t>– B </a:t>
+                      </a:r>
+                      <a:endParaRPr lang="en-US" sz="1200" dirty="0" smtClean="0">
+                        <a:solidFill>
+                          <a:schemeClr val="bg1"/>
+                        </a:solidFill>
+                      </a:endParaRPr>
+                    </a:p>
+                  </a:txBody>
+                  <a:tcPr/>
+                </a:tc>
+                <a:tc>
+                  <a:txBody>
+                    <a:bodyPr/>
+                    <a:lstStyle/>
+                    <a:p>
+                      <a:r>
+                        <a:rPr lang="en-US" sz="1200" dirty="0" smtClean="0">
+                          <a:solidFill>
+                            <a:schemeClr val="bg1"/>
+                          </a:solidFill>
+                        </a:rPr>
+                        <a:t>Average Significant Strikes </a:t>
+                      </a:r>
+                      <a:r>
+                        <a:rPr lang="en-US" sz="1200" dirty="0" smtClean="0">
+                          <a:solidFill>
+                            <a:schemeClr val="bg1"/>
+                          </a:solidFill>
+                        </a:rPr>
+                        <a:t>Percentage </a:t>
+                      </a:r>
+                      <a:r>
+                        <a:rPr lang="en-US" sz="1200" dirty="0" smtClean="0">
+                          <a:solidFill>
+                            <a:schemeClr val="bg1"/>
+                          </a:solidFill>
+                        </a:rPr>
+                        <a:t>– R </a:t>
+                      </a:r>
+                      <a:endParaRPr lang="en-US" sz="1200" dirty="0">
+                        <a:solidFill>
+                          <a:schemeClr val="bg1"/>
+                        </a:solidFill>
+                      </a:endParaRPr>
+                    </a:p>
+                  </a:txBody>
+                  <a:tcPr/>
+                </a:tc>
+                <a:tc>
+                  <a:txBody>
+                    <a:bodyPr/>
+                    <a:lstStyle/>
+                    <a:p>
+                      <a:r>
+                        <a:rPr lang="en-US" sz="1200" kern="1200" dirty="0" smtClean="0">
+                          <a:solidFill>
+                            <a:schemeClr val="bg1"/>
+                          </a:solidFill>
+                          <a:latin typeface="+mn-lt"/>
+                          <a:ea typeface="+mn-ea"/>
+                          <a:cs typeface="+mn-cs"/>
+                        </a:rPr>
+                        <a:t>Location</a:t>
+                      </a:r>
+                      <a:endParaRPr lang="en-US" sz="1200" kern="1200" dirty="0">
+                        <a:solidFill>
+                          <a:schemeClr val="bg1"/>
+                        </a:solidFill>
+                        <a:latin typeface="+mn-lt"/>
+                        <a:ea typeface="+mn-ea"/>
+                        <a:cs typeface="+mn-cs"/>
+                      </a:endParaRPr>
+                    </a:p>
+                  </a:txBody>
+                  <a:tcPr/>
+                </a:tc>
+                <a:extLst>
+                  <a:ext uri="{0D108BD9-81ED-4DB2-BD59-A6C34878D82A}">
+                    <a16:rowId xmlns:a16="http://schemas.microsoft.com/office/drawing/2014/main" val="2458276828"/>
+                  </a:ext>
+                </a:extLst>
+              </a:tr>
+              <a:tr h="271968">
+                <a:tc>
+                  <a:txBody>
+                    <a:bodyPr/>
+                    <a:lstStyle/>
+                    <a:p>
+                      <a:r>
+                        <a:rPr lang="en-US" sz="1200" dirty="0" smtClean="0">
+                          <a:solidFill>
+                            <a:schemeClr val="bg1"/>
+                          </a:solidFill>
+                        </a:rPr>
+                        <a:t>Significant </a:t>
+                      </a:r>
+                      <a:r>
+                        <a:rPr lang="en-US" sz="1200" dirty="0" smtClean="0">
+                          <a:solidFill>
+                            <a:schemeClr val="bg1"/>
+                          </a:solidFill>
+                        </a:rPr>
+                        <a:t>Strikes </a:t>
+                      </a:r>
+                      <a:r>
+                        <a:rPr lang="en-US" sz="1200" baseline="0" dirty="0" smtClean="0">
+                          <a:solidFill>
+                            <a:schemeClr val="bg1"/>
+                          </a:solidFill>
+                        </a:rPr>
+                        <a:t>Percentage </a:t>
+                      </a:r>
+                      <a:r>
+                        <a:rPr lang="en-US" sz="1200" baseline="0" dirty="0" smtClean="0">
+                          <a:solidFill>
+                            <a:schemeClr val="bg1"/>
+                          </a:solidFill>
+                        </a:rPr>
+                        <a:t>– R </a:t>
+                      </a:r>
+                      <a:endParaRPr lang="en-US" sz="1200" dirty="0">
+                        <a:solidFill>
+                          <a:schemeClr val="bg1"/>
+                        </a:solidFill>
+                      </a:endParaRPr>
+                    </a:p>
+                  </a:txBody>
+                  <a:tcPr/>
+                </a:tc>
+                <a:tc>
+                  <a:txBody>
+                    <a:bodyPr/>
+                    <a:lstStyle/>
+                    <a:p>
+                      <a:r>
+                        <a:rPr lang="en-US" sz="1200" dirty="0" smtClean="0">
+                          <a:solidFill>
+                            <a:schemeClr val="bg1"/>
+                          </a:solidFill>
+                        </a:rPr>
+                        <a:t>Average Significant Strikes </a:t>
+                      </a:r>
+                      <a:r>
+                        <a:rPr lang="en-US" sz="1200" dirty="0" smtClean="0">
+                          <a:solidFill>
+                            <a:schemeClr val="bg1"/>
+                          </a:solidFill>
+                        </a:rPr>
+                        <a:t>Percentage </a:t>
+                      </a:r>
+                      <a:r>
+                        <a:rPr lang="en-US" sz="1200" dirty="0" smtClean="0">
+                          <a:solidFill>
+                            <a:schemeClr val="bg1"/>
+                          </a:solidFill>
+                        </a:rPr>
+                        <a:t>– B </a:t>
+                      </a:r>
+                      <a:endParaRPr lang="en-US" sz="1200" dirty="0">
+                        <a:solidFill>
+                          <a:schemeClr val="bg1"/>
+                        </a:solidFill>
+                      </a:endParaRPr>
+                    </a:p>
+                  </a:txBody>
+                  <a:tcPr/>
+                </a:tc>
+                <a:tc>
+                  <a:txBody>
+                    <a:bodyPr/>
+                    <a:lstStyle/>
+                    <a:p>
+                      <a:r>
+                        <a:rPr lang="en-US" sz="1200" dirty="0" smtClean="0">
+                          <a:solidFill>
+                            <a:schemeClr val="bg1"/>
+                          </a:solidFill>
+                        </a:rPr>
+                        <a:t>Age - R</a:t>
+                      </a:r>
+                      <a:endParaRPr lang="en-US" sz="1200" dirty="0">
+                        <a:solidFill>
+                          <a:schemeClr val="bg1"/>
+                        </a:solidFill>
+                      </a:endParaRPr>
+                    </a:p>
+                  </a:txBody>
+                  <a:tcPr/>
+                </a:tc>
+                <a:extLst>
+                  <a:ext uri="{0D108BD9-81ED-4DB2-BD59-A6C34878D82A}">
+                    <a16:rowId xmlns:a16="http://schemas.microsoft.com/office/drawing/2014/main" val="1004100003"/>
+                  </a:ext>
+                </a:extLst>
+              </a:tr>
+              <a:tr h="369167">
+                <a:tc>
+                  <a:txBody>
+                    <a:bodyPr/>
+                    <a:lstStyle/>
+                    <a:p>
+                      <a:pPr marL="0" marR="0" lvl="0" indent="0" algn="l" defTabSz="914400" rtl="0" eaLnBrk="1" fontAlgn="auto" latinLnBrk="0" hangingPunct="1">
+                        <a:lnSpc>
+                          <a:spcPct val="100000"/>
+                        </a:lnSpc>
+                        <a:spcBef>
+                          <a:spcPts val="0"/>
+                        </a:spcBef>
+                        <a:spcAft>
+                          <a:spcPts val="0"/>
+                        </a:spcAft>
+                        <a:buClrTx/>
+                        <a:buSzTx/>
+                        <a:buFontTx/>
+                        <a:buNone/>
+                        <a:tabLst/>
+                        <a:defRPr/>
+                      </a:pPr>
+                      <a:r>
+                        <a:rPr lang="en-US" sz="1200" dirty="0" smtClean="0">
+                          <a:solidFill>
+                            <a:schemeClr val="bg1"/>
+                          </a:solidFill>
+                        </a:rPr>
+                        <a:t>Significant Strikes </a:t>
+                      </a:r>
+                      <a:r>
+                        <a:rPr lang="en-US" sz="1200" baseline="0" dirty="0" smtClean="0">
+                          <a:solidFill>
+                            <a:schemeClr val="bg1"/>
+                          </a:solidFill>
+                        </a:rPr>
+                        <a:t>Percentage – </a:t>
+                      </a:r>
+                      <a:r>
+                        <a:rPr lang="en-US" sz="1200" baseline="0" dirty="0" smtClean="0">
+                          <a:solidFill>
+                            <a:schemeClr val="bg1"/>
+                          </a:solidFill>
+                        </a:rPr>
+                        <a:t>B </a:t>
+                      </a:r>
+                      <a:endParaRPr lang="en-US" sz="1200" dirty="0" smtClean="0">
+                        <a:solidFill>
+                          <a:schemeClr val="bg1"/>
+                        </a:solidFill>
+                      </a:endParaRPr>
+                    </a:p>
+                  </a:txBody>
+                  <a:tcPr/>
+                </a:tc>
+                <a:tc>
+                  <a:txBody>
+                    <a:bodyPr/>
+                    <a:lstStyle/>
+                    <a:p>
+                      <a:r>
+                        <a:rPr lang="en-US" sz="1200" dirty="0" smtClean="0">
+                          <a:solidFill>
+                            <a:schemeClr val="bg1"/>
+                          </a:solidFill>
+                        </a:rPr>
+                        <a:t>Significant</a:t>
+                      </a:r>
+                      <a:r>
+                        <a:rPr lang="en-US" sz="1200" baseline="0" dirty="0" smtClean="0">
+                          <a:solidFill>
+                            <a:schemeClr val="bg1"/>
+                          </a:solidFill>
+                        </a:rPr>
+                        <a:t> Strike Difference</a:t>
+                      </a:r>
+                      <a:endParaRPr lang="en-US" sz="1200" dirty="0">
+                        <a:solidFill>
+                          <a:schemeClr val="bg1"/>
+                        </a:solidFill>
+                      </a:endParaRPr>
+                    </a:p>
+                  </a:txBody>
+                  <a:tcPr/>
+                </a:tc>
+                <a:tc>
+                  <a:txBody>
+                    <a:bodyPr/>
+                    <a:lstStyle/>
+                    <a:p>
+                      <a:r>
+                        <a:rPr lang="en-US" sz="1200" dirty="0" smtClean="0">
+                          <a:solidFill>
+                            <a:schemeClr val="bg1"/>
+                          </a:solidFill>
+                        </a:rPr>
+                        <a:t>Age </a:t>
+                      </a:r>
+                      <a:r>
+                        <a:rPr lang="en-US" sz="1200" dirty="0" smtClean="0">
+                          <a:solidFill>
+                            <a:schemeClr val="bg1"/>
+                          </a:solidFill>
+                        </a:rPr>
+                        <a:t>– </a:t>
+                      </a:r>
+                      <a:r>
+                        <a:rPr lang="en-US" sz="1200" dirty="0" smtClean="0">
+                          <a:solidFill>
+                            <a:schemeClr val="bg1"/>
+                          </a:solidFill>
+                        </a:rPr>
+                        <a:t>B</a:t>
+                      </a:r>
+                      <a:endParaRPr lang="en-US" sz="1200" dirty="0">
+                        <a:solidFill>
+                          <a:schemeClr val="bg1"/>
+                        </a:solidFill>
+                      </a:endParaRPr>
+                    </a:p>
+                  </a:txBody>
+                  <a:tcPr/>
+                </a:tc>
+                <a:extLst>
+                  <a:ext uri="{0D108BD9-81ED-4DB2-BD59-A6C34878D82A}">
+                    <a16:rowId xmlns:a16="http://schemas.microsoft.com/office/drawing/2014/main" val="584308701"/>
+                  </a:ext>
+                </a:extLst>
+              </a:tr>
+              <a:tr h="386242">
+                <a:tc>
+                  <a:txBody>
+                    <a:bodyPr/>
+                    <a:lstStyle/>
+                    <a:p>
+                      <a:pPr marL="0" marR="0" lvl="0" indent="0" algn="l" defTabSz="914400" rtl="0" eaLnBrk="1" fontAlgn="auto" latinLnBrk="0" hangingPunct="1">
+                        <a:lnSpc>
+                          <a:spcPct val="100000"/>
+                        </a:lnSpc>
+                        <a:spcBef>
+                          <a:spcPts val="0"/>
+                        </a:spcBef>
+                        <a:spcAft>
+                          <a:spcPts val="0"/>
+                        </a:spcAft>
+                        <a:buClrTx/>
+                        <a:buSzTx/>
+                        <a:buFontTx/>
+                        <a:buNone/>
+                        <a:tabLst/>
+                        <a:defRPr/>
+                      </a:pPr>
+                      <a:r>
+                        <a:rPr lang="en-US" sz="1200" dirty="0" smtClean="0">
+                          <a:solidFill>
+                            <a:schemeClr val="bg1"/>
+                          </a:solidFill>
+                        </a:rPr>
+                        <a:t>Takedowns Landed – B</a:t>
+                      </a:r>
+                      <a:endParaRPr lang="en-US" sz="1200" dirty="0" smtClean="0">
+                        <a:solidFill>
+                          <a:schemeClr val="bg1"/>
+                        </a:solidFill>
+                      </a:endParaRPr>
+                    </a:p>
+                  </a:txBody>
+                  <a:tcPr/>
+                </a:tc>
+                <a:tc>
+                  <a:txBody>
+                    <a:bodyPr/>
+                    <a:lstStyle/>
+                    <a:p>
+                      <a:r>
+                        <a:rPr lang="en-US" sz="1200" dirty="0" smtClean="0">
+                          <a:solidFill>
+                            <a:schemeClr val="bg1"/>
+                          </a:solidFill>
+                        </a:rPr>
+                        <a:t>Reach Difference</a:t>
+                      </a:r>
+                      <a:endParaRPr lang="en-US" sz="1200" dirty="0">
+                        <a:solidFill>
+                          <a:schemeClr val="bg1"/>
+                        </a:solidFill>
+                      </a:endParaRPr>
+                    </a:p>
+                  </a:txBody>
+                  <a:tcPr/>
+                </a:tc>
+                <a:tc>
+                  <a:txBody>
+                    <a:bodyPr/>
+                    <a:lstStyle/>
+                    <a:p>
+                      <a:r>
+                        <a:rPr lang="en-US" sz="1200" dirty="0" smtClean="0">
+                          <a:solidFill>
+                            <a:schemeClr val="bg1"/>
+                          </a:solidFill>
+                        </a:rPr>
+                        <a:t>Total Round Difference</a:t>
+                      </a:r>
+                      <a:endParaRPr lang="en-US" sz="1200" dirty="0">
+                        <a:solidFill>
+                          <a:schemeClr val="bg1"/>
+                        </a:solidFill>
+                      </a:endParaRPr>
+                    </a:p>
+                  </a:txBody>
+                  <a:tcPr/>
+                </a:tc>
+                <a:extLst>
+                  <a:ext uri="{0D108BD9-81ED-4DB2-BD59-A6C34878D82A}">
+                    <a16:rowId xmlns:a16="http://schemas.microsoft.com/office/drawing/2014/main" val="2290578965"/>
+                  </a:ext>
+                </a:extLst>
+              </a:tr>
+              <a:tr h="624998">
+                <a:tc>
+                  <a:txBody>
+                    <a:bodyPr/>
+                    <a:lstStyle/>
+                    <a:p>
+                      <a:pPr marL="0" marR="0" lvl="0" indent="0" algn="l" defTabSz="914400" rtl="0" eaLnBrk="1" fontAlgn="auto" latinLnBrk="0" hangingPunct="1">
+                        <a:lnSpc>
+                          <a:spcPct val="100000"/>
+                        </a:lnSpc>
+                        <a:spcBef>
+                          <a:spcPts val="0"/>
+                        </a:spcBef>
+                        <a:spcAft>
+                          <a:spcPts val="0"/>
+                        </a:spcAft>
+                        <a:buClrTx/>
+                        <a:buSzTx/>
+                        <a:buFontTx/>
+                        <a:buNone/>
+                        <a:tabLst/>
+                        <a:defRPr/>
+                      </a:pPr>
+                      <a:r>
+                        <a:rPr lang="en-US" sz="1200" dirty="0" smtClean="0">
+                          <a:solidFill>
+                            <a:schemeClr val="bg1"/>
+                          </a:solidFill>
+                        </a:rPr>
+                        <a:t>Significant Strikes Attempted – R</a:t>
+                      </a:r>
+                      <a:endParaRPr lang="en-US" sz="1200" dirty="0" smtClean="0">
+                        <a:solidFill>
+                          <a:schemeClr val="bg1"/>
+                        </a:solidFill>
+                      </a:endParaRPr>
+                    </a:p>
+                  </a:txBody>
+                  <a:tcPr/>
+                </a:tc>
+                <a:tc>
+                  <a:txBody>
+                    <a:bodyPr/>
+                    <a:lstStyle/>
+                    <a:p>
+                      <a:pPr marL="0" marR="0" lvl="0" indent="0" algn="l" defTabSz="914400" rtl="0" eaLnBrk="1" fontAlgn="auto" latinLnBrk="0" hangingPunct="1">
+                        <a:lnSpc>
+                          <a:spcPct val="100000"/>
+                        </a:lnSpc>
+                        <a:spcBef>
+                          <a:spcPts val="0"/>
+                        </a:spcBef>
+                        <a:spcAft>
+                          <a:spcPts val="0"/>
+                        </a:spcAft>
+                        <a:buClrTx/>
+                        <a:buSzTx/>
+                        <a:buFontTx/>
+                        <a:buNone/>
+                        <a:tabLst/>
+                        <a:defRPr/>
+                      </a:pPr>
+                      <a:r>
+                        <a:rPr lang="en-US" sz="1200" dirty="0" smtClean="0">
+                          <a:solidFill>
+                            <a:schemeClr val="bg1"/>
+                          </a:solidFill>
+                        </a:rPr>
+                        <a:t>Significant Strikes Attempted – B</a:t>
+                      </a:r>
+                    </a:p>
+                  </a:txBody>
+                  <a:tcPr/>
+                </a:tc>
+                <a:tc>
+                  <a:txBody>
+                    <a:bodyPr/>
+                    <a:lstStyle/>
+                    <a:p>
+                      <a:endParaRPr lang="en-US" sz="1200" dirty="0">
+                        <a:solidFill>
+                          <a:schemeClr val="bg1"/>
+                        </a:solidFill>
+                      </a:endParaRPr>
+                    </a:p>
+                  </a:txBody>
+                  <a:tcPr/>
+                </a:tc>
+                <a:extLst>
+                  <a:ext uri="{0D108BD9-81ED-4DB2-BD59-A6C34878D82A}">
+                    <a16:rowId xmlns:a16="http://schemas.microsoft.com/office/drawing/2014/main" val="3931348261"/>
+                  </a:ext>
+                </a:extLst>
+              </a:tr>
+            </a:tbl>
+          </a:graphicData>
+        </a:graphic>
+      </p:graphicFrame>
     </p:spTree>
     <p:extLst>
       <p:ext uri="{BB962C8B-B14F-4D97-AF65-F5344CB8AC3E}">
-        <p14:creationId xmlns:p14="http://schemas.microsoft.com/office/powerpoint/2010/main" val="3878912726"/>
+        <p14:creationId xmlns:p14="http://schemas.microsoft.com/office/powerpoint/2010/main" val="2992388861"/>
       </p:ext>
     </p:extLst>
   </p:cSld>
   <p:clrMapOvr>
     <a:masterClrMapping/>
   </p:clrMapOvr>
+  <p:timing>
+    <p:tnLst>
+      <p:par>
+        <p:cTn id="1" dur="indefinite" restart="never" nodeType="tmRoot"/>
+      </p:par>
+    </p:tnLst>
+  </p:timing>
 </p:sld>
 </file>
 
-<file path=ppt/slides/slide5.xml><?xml version="1.0" encoding="utf-8"?>
+<file path=ppt/slides/slide12.xml><?xml version="1.0" encoding="utf-8"?>
 <p:sld xmlns:a="http://schemas.openxmlformats.org/drawingml/2006/main" xmlns:r="http://schemas.openxmlformats.org/officeDocument/2006/relationships" xmlns:p="http://schemas.openxmlformats.org/presentationml/2006/main">
   <p:cSld>
+    <p:bg>
+      <p:bgPr>
+        <a:blipFill dpi="0" rotWithShape="1">
+          <a:blip r:embed="rId3">
+            <a:lum/>
+          </a:blip>
+          <a:srcRect/>
+          <a:stretch>
+            <a:fillRect/>
+          </a:stretch>
+        </a:blipFill>
+        <a:effectLst/>
+      </p:bgPr>
+    </p:bg>
     <p:spTree>
       <p:nvGrpSpPr>
         <p:cNvPr id="1" name=""/>
@@ -5090,13 +7718,7 @@
       </p:grpSpPr>
       <p:sp>
         <p:nvSpPr>
-          <p:cNvPr id="2" name="Title 1">
-            <a:extLst>
-              <a:ext uri="{FF2B5EF4-FFF2-40B4-BE49-F238E27FC236}">
-                <a16:creationId xmlns:a16="http://schemas.microsoft.com/office/drawing/2014/main" id="{144738F1-866D-0A41-B3BC-52AE2AC82E93}"/>
-              </a:ext>
-            </a:extLst>
-          </p:cNvPr>
+          <p:cNvPr id="2" name="Title 1"/>
           <p:cNvSpPr>
             <a:spLocks noGrp="1"/>
           </p:cNvSpPr>
@@ -5104,27 +7726,40 @@
             <p:ph type="title"/>
           </p:nvPr>
         </p:nvSpPr>
-        <p:spPr/>
-        <p:txBody>
-          <a:bodyPr/>
+        <p:spPr>
+          <a:xfrm>
+            <a:off x="838199" y="1565275"/>
+            <a:ext cx="10515600" cy="1325563"/>
+          </a:xfrm>
+        </p:spPr>
+        <p:txBody>
+          <a:bodyPr>
+            <a:normAutofit/>
+          </a:bodyPr>
           <a:lstStyle/>
           <a:p>
-            <a:r>
-              <a:rPr lang="en-US" dirty="0"/>
-              <a:t>Data understanding</a:t>
-            </a:r>
-          </a:p>
-        </p:txBody>
-      </p:sp>
-      <p:sp>
-        <p:nvSpPr>
-          <p:cNvPr id="3" name="Content Placeholder 2">
-            <a:extLst>
-              <a:ext uri="{FF2B5EF4-FFF2-40B4-BE49-F238E27FC236}">
-                <a16:creationId xmlns:a16="http://schemas.microsoft.com/office/drawing/2014/main" id="{35C8D51E-6224-0B4D-80A2-E6DB88B0F3DA}"/>
-              </a:ext>
-            </a:extLst>
-          </p:cNvPr>
+            <a:pPr algn="ctr"/>
+            <a:r>
+              <a:rPr lang="en-US" b="1" dirty="0" smtClean="0">
+                <a:solidFill>
+                  <a:schemeClr val="bg1"/>
+                </a:solidFill>
+                <a:latin typeface="Sternbach" panose="02000500000000000000" pitchFamily="2" charset="0"/>
+              </a:rPr>
+              <a:t>Model Review</a:t>
+            </a:r>
+            <a:endParaRPr lang="en-US" b="1" dirty="0">
+              <a:solidFill>
+                <a:schemeClr val="bg1"/>
+              </a:solidFill>
+              <a:latin typeface="Sternbach" panose="02000500000000000000" pitchFamily="2" charset="0"/>
+            </a:endParaRPr>
+          </a:p>
+        </p:txBody>
+      </p:sp>
+      <p:sp>
+        <p:nvSpPr>
+          <p:cNvPr id="3" name="Content Placeholder 2"/>
           <p:cNvSpPr>
             <a:spLocks noGrp="1"/>
           </p:cNvSpPr>
@@ -5132,650 +7767,61 @@
             <p:ph idx="1"/>
           </p:nvPr>
         </p:nvSpPr>
-        <p:spPr/>
-        <p:txBody>
-          <a:bodyPr/>
+        <p:spPr>
+          <a:xfrm>
+            <a:off x="3062287" y="3219450"/>
+            <a:ext cx="6067425" cy="847726"/>
+          </a:xfrm>
+        </p:spPr>
+        <p:txBody>
+          <a:bodyPr>
+            <a:normAutofit/>
+          </a:bodyPr>
           <a:lstStyle/>
           <a:p>
-            <a:r>
-              <a:rPr lang="en-US" dirty="0"/>
-              <a:t>Jordan’s website</a:t>
-            </a:r>
-          </a:p>
-          <a:p>
-            <a:endParaRPr lang="en-US" dirty="0"/>
+            <a:pPr marL="0" indent="0" algn="ctr">
+              <a:buNone/>
+            </a:pPr>
+            <a:r>
+              <a:rPr lang="en-US" dirty="0" err="1" smtClean="0">
+                <a:solidFill>
+                  <a:schemeClr val="bg1"/>
+                </a:solidFill>
+              </a:rPr>
+              <a:t>Jupyter</a:t>
+            </a:r>
+            <a:r>
+              <a:rPr lang="en-US" dirty="0" smtClean="0">
+                <a:solidFill>
+                  <a:schemeClr val="bg1"/>
+                </a:solidFill>
+              </a:rPr>
+              <a:t> Notebook</a:t>
+            </a:r>
           </a:p>
         </p:txBody>
       </p:sp>
     </p:spTree>
     <p:extLst>
       <p:ext uri="{BB962C8B-B14F-4D97-AF65-F5344CB8AC3E}">
-        <p14:creationId xmlns:p14="http://schemas.microsoft.com/office/powerpoint/2010/main" val="129682126"/>
+        <p14:creationId xmlns:p14="http://schemas.microsoft.com/office/powerpoint/2010/main" val="649363727"/>
       </p:ext>
     </p:extLst>
   </p:cSld>
   <p:clrMapOvr>
     <a:masterClrMapping/>
   </p:clrMapOvr>
+  <p:timing>
+    <p:tnLst>
+      <p:par>
+        <p:cTn id="1" dur="indefinite" restart="never" nodeType="tmRoot"/>
+      </p:par>
+    </p:tnLst>
+  </p:timing>
 </p:sld>
 </file>
 
-<file path=ppt/slides/slide6.xml><?xml version="1.0" encoding="utf-8"?>
-<p:sld xmlns:a="http://schemas.openxmlformats.org/drawingml/2006/main" xmlns:r="http://schemas.openxmlformats.org/officeDocument/2006/relationships" xmlns:p="http://schemas.openxmlformats.org/presentationml/2006/main">
-  <p:cSld>
-    <p:spTree>
-      <p:nvGrpSpPr>
-        <p:cNvPr id="1" name=""/>
-        <p:cNvGrpSpPr/>
-        <p:nvPr/>
-      </p:nvGrpSpPr>
-      <p:grpSpPr>
-        <a:xfrm>
-          <a:off x="0" y="0"/>
-          <a:ext cx="0" cy="0"/>
-          <a:chOff x="0" y="0"/>
-          <a:chExt cx="0" cy="0"/>
-        </a:xfrm>
-      </p:grpSpPr>
-      <p:sp>
-        <p:nvSpPr>
-          <p:cNvPr id="2" name="Title 1">
-            <a:extLst>
-              <a:ext uri="{FF2B5EF4-FFF2-40B4-BE49-F238E27FC236}">
-                <a16:creationId xmlns:a16="http://schemas.microsoft.com/office/drawing/2014/main" id="{70BF792C-D226-4942-9D23-08044E23428B}"/>
-              </a:ext>
-            </a:extLst>
-          </p:cNvPr>
-          <p:cNvSpPr>
-            <a:spLocks noGrp="1"/>
-          </p:cNvSpPr>
-          <p:nvPr>
-            <p:ph type="title"/>
-          </p:nvPr>
-        </p:nvSpPr>
-        <p:spPr>
-          <a:xfrm>
-            <a:off x="839788" y="457200"/>
-            <a:ext cx="8790349" cy="908613"/>
-          </a:xfrm>
-        </p:spPr>
-        <p:txBody>
-          <a:bodyPr>
-            <a:normAutofit/>
-          </a:bodyPr>
-          <a:lstStyle/>
-          <a:p>
-            <a:r>
-              <a:rPr lang="en-US" sz="4400" dirty="0"/>
-              <a:t>Data cleaning &amp; Feature extraction</a:t>
-            </a:r>
-          </a:p>
-        </p:txBody>
-      </p:sp>
-      <p:graphicFrame>
-        <p:nvGraphicFramePr>
-          <p:cNvPr id="8" name="Table 8">
-            <a:extLst>
-              <a:ext uri="{FF2B5EF4-FFF2-40B4-BE49-F238E27FC236}">
-                <a16:creationId xmlns:a16="http://schemas.microsoft.com/office/drawing/2014/main" id="{B3014AA7-F3B4-2540-AFFB-1CCDF56CE4F2}"/>
-              </a:ext>
-            </a:extLst>
-          </p:cNvPr>
-          <p:cNvGraphicFramePr>
-            <a:graphicFrameLocks noGrp="1"/>
-          </p:cNvGraphicFramePr>
-          <p:nvPr>
-            <p:ph idx="1"/>
-            <p:extLst>
-              <p:ext uri="{D42A27DB-BD31-4B8C-83A1-F6EECF244321}">
-                <p14:modId xmlns:p14="http://schemas.microsoft.com/office/powerpoint/2010/main" val="254734768"/>
-              </p:ext>
-            </p:extLst>
-          </p:nvPr>
-        </p:nvGraphicFramePr>
-        <p:xfrm>
-          <a:off x="5484131" y="1798320"/>
-          <a:ext cx="6172199" cy="4602480"/>
-        </p:xfrm>
-        <a:graphic>
-          <a:graphicData uri="http://schemas.openxmlformats.org/drawingml/2006/table">
-            <a:tbl>
-              <a:tblPr firstRow="1" bandRow="1">
-                <a:tableStyleId>{5C22544A-7EE6-4342-B048-85BDC9FD1C3A}</a:tableStyleId>
-              </a:tblPr>
-              <a:tblGrid>
-                <a:gridCol w="1084871">
-                  <a:extLst>
-                    <a:ext uri="{9D8B030D-6E8A-4147-A177-3AD203B41FA5}">
-                      <a16:colId xmlns:a16="http://schemas.microsoft.com/office/drawing/2014/main" val="4218162839"/>
-                    </a:ext>
-                  </a:extLst>
-                </a:gridCol>
-                <a:gridCol w="3469003">
-                  <a:extLst>
-                    <a:ext uri="{9D8B030D-6E8A-4147-A177-3AD203B41FA5}">
-                      <a16:colId xmlns:a16="http://schemas.microsoft.com/office/drawing/2014/main" val="3667021548"/>
-                    </a:ext>
-                  </a:extLst>
-                </a:gridCol>
-                <a:gridCol w="1618325">
-                  <a:extLst>
-                    <a:ext uri="{9D8B030D-6E8A-4147-A177-3AD203B41FA5}">
-                      <a16:colId xmlns:a16="http://schemas.microsoft.com/office/drawing/2014/main" val="3073927440"/>
-                    </a:ext>
-                  </a:extLst>
-                </a:gridCol>
-              </a:tblGrid>
-              <a:tr h="370840">
-                <a:tc gridSpan="2">
-                  <a:txBody>
-                    <a:bodyPr/>
-                    <a:lstStyle/>
-                    <a:p>
-                      <a:pPr algn="ctr"/>
-                      <a:r>
-                        <a:rPr lang="en-US" dirty="0"/>
-                        <a:t>36 Player related features</a:t>
-                      </a:r>
-                    </a:p>
-                  </a:txBody>
-                  <a:tcPr/>
-                </a:tc>
-                <a:tc hMerge="1">
-                  <a:txBody>
-                    <a:bodyPr/>
-                    <a:lstStyle/>
-                    <a:p>
-                      <a:endParaRPr lang="en-US" dirty="0"/>
-                    </a:p>
-                  </a:txBody>
-                  <a:tcPr/>
-                </a:tc>
-                <a:tc>
-                  <a:txBody>
-                    <a:bodyPr/>
-                    <a:lstStyle/>
-                    <a:p>
-                      <a:pPr algn="ctr"/>
-                      <a:r>
-                        <a:rPr lang="en-US" dirty="0"/>
-                        <a:t>2 External features</a:t>
-                      </a:r>
-                    </a:p>
-                  </a:txBody>
-                  <a:tcPr/>
-                </a:tc>
-                <a:extLst>
-                  <a:ext uri="{0D108BD9-81ED-4DB2-BD59-A6C34878D82A}">
-                    <a16:rowId xmlns:a16="http://schemas.microsoft.com/office/drawing/2014/main" val="1535300478"/>
-                  </a:ext>
-                </a:extLst>
-              </a:tr>
-              <a:tr h="370840">
-                <a:tc gridSpan="2">
-                  <a:txBody>
-                    <a:bodyPr/>
-                    <a:lstStyle/>
-                    <a:p>
-                      <a:r>
-                        <a:rPr lang="en-US" dirty="0"/>
-                        <a:t>Name 2</a:t>
-                      </a:r>
-                    </a:p>
-                  </a:txBody>
-                  <a:tcPr/>
-                </a:tc>
-                <a:tc hMerge="1">
-                  <a:txBody>
-                    <a:bodyPr/>
-                    <a:lstStyle/>
-                    <a:p>
-                      <a:endParaRPr lang="en-US" dirty="0"/>
-                    </a:p>
-                  </a:txBody>
-                  <a:tcPr/>
-                </a:tc>
-                <a:tc>
-                  <a:txBody>
-                    <a:bodyPr/>
-                    <a:lstStyle/>
-                    <a:p>
-                      <a:r>
-                        <a:rPr lang="en-US" dirty="0"/>
-                        <a:t>Date 1</a:t>
-                      </a:r>
-                    </a:p>
-                  </a:txBody>
-                  <a:tcPr/>
-                </a:tc>
-                <a:extLst>
-                  <a:ext uri="{0D108BD9-81ED-4DB2-BD59-A6C34878D82A}">
-                    <a16:rowId xmlns:a16="http://schemas.microsoft.com/office/drawing/2014/main" val="3816308585"/>
-                  </a:ext>
-                </a:extLst>
-              </a:tr>
-              <a:tr h="370840">
-                <a:tc gridSpan="2">
-                  <a:txBody>
-                    <a:bodyPr/>
-                    <a:lstStyle/>
-                    <a:p>
-                      <a:r>
-                        <a:rPr lang="en-US" dirty="0"/>
-                        <a:t>Age 3</a:t>
-                      </a:r>
-                    </a:p>
-                  </a:txBody>
-                  <a:tcPr/>
-                </a:tc>
-                <a:tc hMerge="1">
-                  <a:txBody>
-                    <a:bodyPr/>
-                    <a:lstStyle/>
-                    <a:p>
-                      <a:endParaRPr lang="en-US" dirty="0"/>
-                    </a:p>
-                  </a:txBody>
-                  <a:tcPr/>
-                </a:tc>
-                <a:tc>
-                  <a:txBody>
-                    <a:bodyPr/>
-                    <a:lstStyle/>
-                    <a:p>
-                      <a:r>
-                        <a:rPr lang="en-US" dirty="0"/>
-                        <a:t>Location 1</a:t>
-                      </a:r>
-                    </a:p>
-                  </a:txBody>
-                  <a:tcPr/>
-                </a:tc>
-                <a:extLst>
-                  <a:ext uri="{0D108BD9-81ED-4DB2-BD59-A6C34878D82A}">
-                    <a16:rowId xmlns:a16="http://schemas.microsoft.com/office/drawing/2014/main" val="4072071335"/>
-                  </a:ext>
-                </a:extLst>
-              </a:tr>
-              <a:tr h="370840">
-                <a:tc gridSpan="2">
-                  <a:txBody>
-                    <a:bodyPr/>
-                    <a:lstStyle/>
-                    <a:p>
-                      <a:r>
-                        <a:rPr lang="en-US" dirty="0"/>
-                        <a:t>Reach 1</a:t>
-                      </a:r>
-                    </a:p>
-                  </a:txBody>
-                  <a:tcPr/>
-                </a:tc>
-                <a:tc hMerge="1">
-                  <a:txBody>
-                    <a:bodyPr/>
-                    <a:lstStyle/>
-                    <a:p>
-                      <a:endParaRPr lang="en-US" dirty="0"/>
-                    </a:p>
-                  </a:txBody>
-                  <a:tcPr/>
-                </a:tc>
-                <a:tc>
-                  <a:txBody>
-                    <a:bodyPr/>
-                    <a:lstStyle/>
-                    <a:p>
-                      <a:endParaRPr lang="en-US" dirty="0"/>
-                    </a:p>
-                  </a:txBody>
-                  <a:tcPr>
-                    <a:noFill/>
-                  </a:tcPr>
-                </a:tc>
-                <a:extLst>
-                  <a:ext uri="{0D108BD9-81ED-4DB2-BD59-A6C34878D82A}">
-                    <a16:rowId xmlns:a16="http://schemas.microsoft.com/office/drawing/2014/main" val="1586621468"/>
-                  </a:ext>
-                </a:extLst>
-              </a:tr>
-              <a:tr h="370840">
-                <a:tc gridSpan="2">
-                  <a:txBody>
-                    <a:bodyPr/>
-                    <a:lstStyle/>
-                    <a:p>
-                      <a:r>
-                        <a:rPr lang="en-US" dirty="0"/>
-                        <a:t>Experiences 1</a:t>
-                      </a:r>
-                    </a:p>
-                  </a:txBody>
-                  <a:tcPr/>
-                </a:tc>
-                <a:tc hMerge="1">
-                  <a:txBody>
-                    <a:bodyPr/>
-                    <a:lstStyle/>
-                    <a:p>
-                      <a:endParaRPr lang="en-US" dirty="0"/>
-                    </a:p>
-                  </a:txBody>
-                  <a:tcPr/>
-                </a:tc>
-                <a:tc>
-                  <a:txBody>
-                    <a:bodyPr/>
-                    <a:lstStyle/>
-                    <a:p>
-                      <a:endParaRPr lang="en-US" dirty="0"/>
-                    </a:p>
-                  </a:txBody>
-                  <a:tcPr>
-                    <a:noFill/>
-                  </a:tcPr>
-                </a:tc>
-                <a:extLst>
-                  <a:ext uri="{0D108BD9-81ED-4DB2-BD59-A6C34878D82A}">
-                    <a16:rowId xmlns:a16="http://schemas.microsoft.com/office/drawing/2014/main" val="2549914339"/>
-                  </a:ext>
-                </a:extLst>
-              </a:tr>
-              <a:tr h="370840">
-                <a:tc gridSpan="2">
-                  <a:txBody>
-                    <a:bodyPr/>
-                    <a:lstStyle/>
-                    <a:p>
-                      <a:r>
-                        <a:rPr lang="en-US" dirty="0"/>
-                        <a:t>Odds 2</a:t>
-                      </a:r>
-                    </a:p>
-                  </a:txBody>
-                  <a:tcPr/>
-                </a:tc>
-                <a:tc hMerge="1">
-                  <a:txBody>
-                    <a:bodyPr/>
-                    <a:lstStyle/>
-                    <a:p>
-                      <a:endParaRPr lang="en-US" dirty="0"/>
-                    </a:p>
-                  </a:txBody>
-                  <a:tcPr/>
-                </a:tc>
-                <a:tc>
-                  <a:txBody>
-                    <a:bodyPr/>
-                    <a:lstStyle/>
-                    <a:p>
-                      <a:endParaRPr lang="en-US" dirty="0"/>
-                    </a:p>
-                  </a:txBody>
-                  <a:tcPr>
-                    <a:noFill/>
-                  </a:tcPr>
-                </a:tc>
-                <a:extLst>
-                  <a:ext uri="{0D108BD9-81ED-4DB2-BD59-A6C34878D82A}">
-                    <a16:rowId xmlns:a16="http://schemas.microsoft.com/office/drawing/2014/main" val="1014681830"/>
-                  </a:ext>
-                </a:extLst>
-              </a:tr>
-              <a:tr h="370840">
-                <a:tc gridSpan="2">
-                  <a:txBody>
-                    <a:bodyPr/>
-                    <a:lstStyle/>
-                    <a:p>
-                      <a:r>
-                        <a:rPr lang="en-US" dirty="0"/>
-                        <a:t>Winning bet profit 2</a:t>
-                      </a:r>
-                    </a:p>
-                  </a:txBody>
-                  <a:tcPr/>
-                </a:tc>
-                <a:tc hMerge="1">
-                  <a:txBody>
-                    <a:bodyPr/>
-                    <a:lstStyle/>
-                    <a:p>
-                      <a:endParaRPr lang="en-US" dirty="0"/>
-                    </a:p>
-                  </a:txBody>
-                  <a:tcPr/>
-                </a:tc>
-                <a:tc>
-                  <a:txBody>
-                    <a:bodyPr/>
-                    <a:lstStyle/>
-                    <a:p>
-                      <a:endParaRPr lang="en-US" dirty="0"/>
-                    </a:p>
-                  </a:txBody>
-                  <a:tcPr>
-                    <a:noFill/>
-                  </a:tcPr>
-                </a:tc>
-                <a:extLst>
-                  <a:ext uri="{0D108BD9-81ED-4DB2-BD59-A6C34878D82A}">
-                    <a16:rowId xmlns:a16="http://schemas.microsoft.com/office/drawing/2014/main" val="1103961401"/>
-                  </a:ext>
-                </a:extLst>
-              </a:tr>
-              <a:tr h="0">
-                <a:tc rowSpan="4">
-                  <a:txBody>
-                    <a:bodyPr/>
-                    <a:lstStyle/>
-                    <a:p>
-                      <a:r>
-                        <a:rPr lang="en-US" dirty="0"/>
-                        <a:t>Skills 25</a:t>
-                      </a:r>
-                    </a:p>
-                  </a:txBody>
-                  <a:tcPr/>
-                </a:tc>
-                <a:tc>
-                  <a:txBody>
-                    <a:bodyPr/>
-                    <a:lstStyle/>
-                    <a:p>
-                      <a:r>
-                        <a:rPr lang="en-US" dirty="0"/>
-                        <a:t>Strikes (attempts, lands, accuracy) 15</a:t>
-                      </a:r>
-                    </a:p>
-                  </a:txBody>
-                  <a:tcPr/>
-                </a:tc>
-                <a:tc rowSpan="4">
-                  <a:txBody>
-                    <a:bodyPr/>
-                    <a:lstStyle/>
-                    <a:p>
-                      <a:endParaRPr lang="en-US" dirty="0"/>
-                    </a:p>
-                  </a:txBody>
-                  <a:tcPr>
-                    <a:noFill/>
-                  </a:tcPr>
-                </a:tc>
-                <a:extLst>
-                  <a:ext uri="{0D108BD9-81ED-4DB2-BD59-A6C34878D82A}">
-                    <a16:rowId xmlns:a16="http://schemas.microsoft.com/office/drawing/2014/main" val="3359034095"/>
-                  </a:ext>
-                </a:extLst>
-              </a:tr>
-              <a:tr h="312783">
-                <a:tc vMerge="1">
-                  <a:txBody>
-                    <a:bodyPr/>
-                    <a:lstStyle/>
-                    <a:p>
-                      <a:endParaRPr lang="en-US"/>
-                    </a:p>
-                  </a:txBody>
-                  <a:tcPr/>
-                </a:tc>
-                <a:tc>
-                  <a:txBody>
-                    <a:bodyPr/>
-                    <a:lstStyle/>
-                    <a:p>
-                      <a:r>
-                        <a:rPr lang="en-US" dirty="0"/>
-                        <a:t>Takedowns (landed, accuracy) 6</a:t>
-                      </a:r>
-                    </a:p>
-                  </a:txBody>
-                  <a:tcPr/>
-                </a:tc>
-                <a:tc vMerge="1">
-                  <a:txBody>
-                    <a:bodyPr/>
-                    <a:lstStyle/>
-                    <a:p>
-                      <a:endParaRPr lang="en-US"/>
-                    </a:p>
-                  </a:txBody>
-                  <a:tcPr/>
-                </a:tc>
-                <a:extLst>
-                  <a:ext uri="{0D108BD9-81ED-4DB2-BD59-A6C34878D82A}">
-                    <a16:rowId xmlns:a16="http://schemas.microsoft.com/office/drawing/2014/main" val="732257143"/>
-                  </a:ext>
-                </a:extLst>
-              </a:tr>
-              <a:tr h="259806">
-                <a:tc vMerge="1">
-                  <a:txBody>
-                    <a:bodyPr/>
-                    <a:lstStyle/>
-                    <a:p>
-                      <a:endParaRPr lang="en-US"/>
-                    </a:p>
-                  </a:txBody>
-                  <a:tcPr/>
-                </a:tc>
-                <a:tc>
-                  <a:txBody>
-                    <a:bodyPr/>
-                    <a:lstStyle/>
-                    <a:p>
-                      <a:r>
-                        <a:rPr lang="en-US" dirty="0"/>
-                        <a:t>Knockdown 2</a:t>
-                      </a:r>
-                    </a:p>
-                  </a:txBody>
-                  <a:tcPr/>
-                </a:tc>
-                <a:tc vMerge="1">
-                  <a:txBody>
-                    <a:bodyPr/>
-                    <a:lstStyle/>
-                    <a:p>
-                      <a:endParaRPr lang="en-US"/>
-                    </a:p>
-                  </a:txBody>
-                  <a:tcPr/>
-                </a:tc>
-                <a:extLst>
-                  <a:ext uri="{0D108BD9-81ED-4DB2-BD59-A6C34878D82A}">
-                    <a16:rowId xmlns:a16="http://schemas.microsoft.com/office/drawing/2014/main" val="946537401"/>
-                  </a:ext>
-                </a:extLst>
-              </a:tr>
-              <a:tr h="206829">
-                <a:tc vMerge="1">
-                  <a:txBody>
-                    <a:bodyPr/>
-                    <a:lstStyle/>
-                    <a:p>
-                      <a:endParaRPr lang="en-US"/>
-                    </a:p>
-                  </a:txBody>
-                  <a:tcPr/>
-                </a:tc>
-                <a:tc>
-                  <a:txBody>
-                    <a:bodyPr/>
-                    <a:lstStyle/>
-                    <a:p>
-                      <a:r>
-                        <a:rPr lang="en-US" dirty="0"/>
-                        <a:t>Pass 2</a:t>
-                      </a:r>
-                    </a:p>
-                  </a:txBody>
-                  <a:tcPr/>
-                </a:tc>
-                <a:tc vMerge="1">
-                  <a:txBody>
-                    <a:bodyPr/>
-                    <a:lstStyle/>
-                    <a:p>
-                      <a:endParaRPr lang="en-US"/>
-                    </a:p>
-                  </a:txBody>
-                  <a:tcPr/>
-                </a:tc>
-                <a:extLst>
-                  <a:ext uri="{0D108BD9-81ED-4DB2-BD59-A6C34878D82A}">
-                    <a16:rowId xmlns:a16="http://schemas.microsoft.com/office/drawing/2014/main" val="3133632097"/>
-                  </a:ext>
-                </a:extLst>
-              </a:tr>
-            </a:tbl>
-          </a:graphicData>
-        </a:graphic>
-      </p:graphicFrame>
-      <p:sp>
-        <p:nvSpPr>
-          <p:cNvPr id="9" name="Text Placeholder 8">
-            <a:extLst>
-              <a:ext uri="{FF2B5EF4-FFF2-40B4-BE49-F238E27FC236}">
-                <a16:creationId xmlns:a16="http://schemas.microsoft.com/office/drawing/2014/main" id="{4A48803D-2812-574A-8E2C-61DFDAD80965}"/>
-              </a:ext>
-            </a:extLst>
-          </p:cNvPr>
-          <p:cNvSpPr>
-            <a:spLocks noGrp="1"/>
-          </p:cNvSpPr>
-          <p:nvPr>
-            <p:ph type="body" sz="half" idx="2"/>
-          </p:nvPr>
-        </p:nvSpPr>
-        <p:spPr/>
-        <p:txBody>
-          <a:bodyPr/>
-          <a:lstStyle/>
-          <a:p>
-            <a:r>
-              <a:rPr lang="en-US" dirty="0"/>
-              <a:t>Fill with 0 or mean ?</a:t>
-            </a:r>
-          </a:p>
-        </p:txBody>
-      </p:sp>
-    </p:spTree>
-    <p:extLst>
-      <p:ext uri="{BB962C8B-B14F-4D97-AF65-F5344CB8AC3E}">
-        <p14:creationId xmlns:p14="http://schemas.microsoft.com/office/powerpoint/2010/main" val="2686361735"/>
-      </p:ext>
-    </p:extLst>
-  </p:cSld>
-  <p:clrMapOvr>
-    <a:masterClrMapping/>
-  </p:clrMapOvr>
-</p:sld>
-</file>
-
-<file path=ppt/slides/slide7.xml><?xml version="1.0" encoding="utf-8"?>
+<file path=ppt/slides/slide13.xml><?xml version="1.0" encoding="utf-8"?>
 <p:sld xmlns:a="http://schemas.openxmlformats.org/drawingml/2006/main" xmlns:r="http://schemas.openxmlformats.org/officeDocument/2006/relationships" xmlns:p="http://schemas.openxmlformats.org/presentationml/2006/main">
   <p:cSld>
     <p:spTree>
@@ -6685,6 +8731,2372 @@
   <p:clrMapOvr>
     <a:masterClrMapping/>
   </p:clrMapOvr>
+</p:sld>
+</file>
+
+<file path=ppt/slides/slide2.xml><?xml version="1.0" encoding="utf-8"?>
+<p:sld xmlns:a="http://schemas.openxmlformats.org/drawingml/2006/main" xmlns:r="http://schemas.openxmlformats.org/officeDocument/2006/relationships" xmlns:p="http://schemas.openxmlformats.org/presentationml/2006/main">
+  <p:cSld>
+    <p:bg>
+      <p:bgPr>
+        <a:blipFill dpi="0" rotWithShape="1">
+          <a:blip r:embed="rId2">
+            <a:lum/>
+          </a:blip>
+          <a:srcRect/>
+          <a:stretch>
+            <a:fillRect/>
+          </a:stretch>
+        </a:blipFill>
+        <a:effectLst/>
+      </p:bgPr>
+    </p:bg>
+    <p:spTree>
+      <p:nvGrpSpPr>
+        <p:cNvPr id="1" name=""/>
+        <p:cNvGrpSpPr/>
+        <p:nvPr/>
+      </p:nvGrpSpPr>
+      <p:grpSpPr>
+        <a:xfrm>
+          <a:off x="0" y="0"/>
+          <a:ext cx="0" cy="0"/>
+          <a:chOff x="0" y="0"/>
+          <a:chExt cx="0" cy="0"/>
+        </a:xfrm>
+      </p:grpSpPr>
+      <p:sp>
+        <p:nvSpPr>
+          <p:cNvPr id="2" name="Title 1"/>
+          <p:cNvSpPr>
+            <a:spLocks noGrp="1"/>
+          </p:cNvSpPr>
+          <p:nvPr>
+            <p:ph type="title"/>
+          </p:nvPr>
+        </p:nvSpPr>
+        <p:spPr>
+          <a:xfrm>
+            <a:off x="838200" y="1212850"/>
+            <a:ext cx="10515600" cy="1325563"/>
+          </a:xfrm>
+        </p:spPr>
+        <p:txBody>
+          <a:bodyPr>
+            <a:normAutofit/>
+          </a:bodyPr>
+          <a:lstStyle/>
+          <a:p>
+            <a:pPr algn="ctr"/>
+            <a:r>
+              <a:rPr lang="en-US" sz="4800" dirty="0" smtClean="0">
+                <a:solidFill>
+                  <a:schemeClr val="bg1"/>
+                </a:solidFill>
+                <a:latin typeface="Sternbach" panose="02000500000000000000" pitchFamily="2" charset="0"/>
+              </a:rPr>
+              <a:t>Project Team</a:t>
+            </a:r>
+            <a:endParaRPr lang="en-US" sz="4800" dirty="0">
+              <a:solidFill>
+                <a:schemeClr val="bg1"/>
+              </a:solidFill>
+              <a:latin typeface="Sternbach" panose="02000500000000000000" pitchFamily="2" charset="0"/>
+            </a:endParaRPr>
+          </a:p>
+        </p:txBody>
+      </p:sp>
+      <p:sp>
+        <p:nvSpPr>
+          <p:cNvPr id="3" name="Content Placeholder 2"/>
+          <p:cNvSpPr>
+            <a:spLocks noGrp="1"/>
+          </p:cNvSpPr>
+          <p:nvPr>
+            <p:ph idx="1"/>
+          </p:nvPr>
+        </p:nvSpPr>
+        <p:spPr>
+          <a:xfrm>
+            <a:off x="838200" y="2762249"/>
+            <a:ext cx="10515600" cy="3414713"/>
+          </a:xfrm>
+        </p:spPr>
+        <p:txBody>
+          <a:bodyPr/>
+          <a:lstStyle/>
+          <a:p>
+            <a:pPr marL="0" indent="0" algn="ctr">
+              <a:buNone/>
+            </a:pPr>
+            <a:r>
+              <a:rPr lang="en-US" dirty="0">
+                <a:solidFill>
+                  <a:schemeClr val="bg1"/>
+                </a:solidFill>
+              </a:rPr>
+              <a:t>Christina Hawkins</a:t>
+            </a:r>
+          </a:p>
+          <a:p>
+            <a:pPr marL="0" indent="0" algn="ctr">
+              <a:buNone/>
+            </a:pPr>
+            <a:r>
+              <a:rPr lang="sv-SE" dirty="0">
+                <a:solidFill>
+                  <a:schemeClr val="bg1"/>
+                </a:solidFill>
+              </a:rPr>
+              <a:t>Jordan Gilmartin</a:t>
+            </a:r>
+          </a:p>
+          <a:p>
+            <a:pPr marL="0" indent="0" algn="ctr">
+              <a:buNone/>
+            </a:pPr>
+            <a:r>
+              <a:rPr lang="sv-SE" dirty="0">
+                <a:solidFill>
+                  <a:schemeClr val="bg1"/>
+                </a:solidFill>
+              </a:rPr>
+              <a:t>Lynell Robinson</a:t>
+            </a:r>
+          </a:p>
+          <a:p>
+            <a:pPr marL="0" indent="0" algn="ctr">
+              <a:buNone/>
+            </a:pPr>
+            <a:r>
+              <a:rPr lang="sv-SE" dirty="0">
+                <a:solidFill>
+                  <a:schemeClr val="bg1"/>
+                </a:solidFill>
+              </a:rPr>
+              <a:t>Min Xie</a:t>
+            </a:r>
+          </a:p>
+          <a:p>
+            <a:pPr marL="0" indent="0" algn="ctr">
+              <a:buNone/>
+            </a:pPr>
+            <a:r>
+              <a:rPr lang="sv-SE" dirty="0">
+                <a:solidFill>
+                  <a:schemeClr val="bg1"/>
+                </a:solidFill>
+              </a:rPr>
+              <a:t>Nick Mangarella</a:t>
+            </a:r>
+          </a:p>
+          <a:p>
+            <a:endParaRPr lang="en-US" dirty="0"/>
+          </a:p>
+        </p:txBody>
+      </p:sp>
+    </p:spTree>
+    <p:extLst>
+      <p:ext uri="{BB962C8B-B14F-4D97-AF65-F5344CB8AC3E}">
+        <p14:creationId xmlns:p14="http://schemas.microsoft.com/office/powerpoint/2010/main" val="3887076783"/>
+      </p:ext>
+    </p:extLst>
+  </p:cSld>
+  <p:clrMapOvr>
+    <a:masterClrMapping/>
+  </p:clrMapOvr>
+  <p:timing>
+    <p:tnLst>
+      <p:par>
+        <p:cTn id="1" dur="indefinite" restart="never" nodeType="tmRoot"/>
+      </p:par>
+    </p:tnLst>
+  </p:timing>
+</p:sld>
+</file>
+
+<file path=ppt/slides/slide3.xml><?xml version="1.0" encoding="utf-8"?>
+<p:sld xmlns:a="http://schemas.openxmlformats.org/drawingml/2006/main" xmlns:r="http://schemas.openxmlformats.org/officeDocument/2006/relationships" xmlns:p="http://schemas.openxmlformats.org/presentationml/2006/main">
+  <p:cSld>
+    <p:bg>
+      <p:bgPr>
+        <a:blipFill dpi="0" rotWithShape="1">
+          <a:blip r:embed="rId2">
+            <a:lum/>
+          </a:blip>
+          <a:srcRect/>
+          <a:stretch>
+            <a:fillRect/>
+          </a:stretch>
+        </a:blipFill>
+        <a:effectLst/>
+      </p:bgPr>
+    </p:bg>
+    <p:spTree>
+      <p:nvGrpSpPr>
+        <p:cNvPr id="1" name=""/>
+        <p:cNvGrpSpPr/>
+        <p:nvPr/>
+      </p:nvGrpSpPr>
+      <p:grpSpPr>
+        <a:xfrm>
+          <a:off x="0" y="0"/>
+          <a:ext cx="0" cy="0"/>
+          <a:chOff x="0" y="0"/>
+          <a:chExt cx="0" cy="0"/>
+        </a:xfrm>
+      </p:grpSpPr>
+      <p:sp>
+        <p:nvSpPr>
+          <p:cNvPr id="2" name="Title 1"/>
+          <p:cNvSpPr>
+            <a:spLocks noGrp="1"/>
+          </p:cNvSpPr>
+          <p:nvPr>
+            <p:ph type="title"/>
+          </p:nvPr>
+        </p:nvSpPr>
+        <p:spPr>
+          <a:xfrm>
+            <a:off x="838200" y="1212850"/>
+            <a:ext cx="10515600" cy="1325563"/>
+          </a:xfrm>
+        </p:spPr>
+        <p:txBody>
+          <a:bodyPr>
+            <a:normAutofit/>
+          </a:bodyPr>
+          <a:lstStyle/>
+          <a:p>
+            <a:pPr algn="ctr"/>
+            <a:r>
+              <a:rPr lang="en-US" sz="4800" dirty="0" smtClean="0">
+                <a:solidFill>
+                  <a:schemeClr val="bg1"/>
+                </a:solidFill>
+                <a:latin typeface="Sternbach" panose="02000500000000000000" pitchFamily="2" charset="0"/>
+              </a:rPr>
+              <a:t>Introduction</a:t>
+            </a:r>
+            <a:endParaRPr lang="en-US" sz="4800" dirty="0">
+              <a:solidFill>
+                <a:schemeClr val="bg1"/>
+              </a:solidFill>
+              <a:latin typeface="Sternbach" panose="02000500000000000000" pitchFamily="2" charset="0"/>
+            </a:endParaRPr>
+          </a:p>
+        </p:txBody>
+      </p:sp>
+      <p:sp>
+        <p:nvSpPr>
+          <p:cNvPr id="3" name="Content Placeholder 2"/>
+          <p:cNvSpPr>
+            <a:spLocks noGrp="1"/>
+          </p:cNvSpPr>
+          <p:nvPr>
+            <p:ph idx="1"/>
+          </p:nvPr>
+        </p:nvSpPr>
+        <p:spPr>
+          <a:xfrm>
+            <a:off x="3057525" y="2638424"/>
+            <a:ext cx="6067425" cy="3414713"/>
+          </a:xfrm>
+        </p:spPr>
+        <p:txBody>
+          <a:bodyPr/>
+          <a:lstStyle/>
+          <a:p>
+            <a:pPr algn="ctr"/>
+            <a:r>
+              <a:rPr lang="en-US" dirty="0" smtClean="0">
+                <a:solidFill>
+                  <a:schemeClr val="bg1"/>
+                </a:solidFill>
+              </a:rPr>
+              <a:t>One field of industry that is expanding in predictive accuracy is sports </a:t>
+            </a:r>
+          </a:p>
+          <a:p>
+            <a:pPr algn="ctr"/>
+            <a:r>
+              <a:rPr lang="en-US" dirty="0" smtClean="0">
+                <a:solidFill>
+                  <a:schemeClr val="bg1"/>
+                </a:solidFill>
+              </a:rPr>
+              <a:t>This is due </a:t>
+            </a:r>
+            <a:r>
+              <a:rPr lang="en-US" dirty="0">
+                <a:solidFill>
+                  <a:schemeClr val="bg1"/>
+                </a:solidFill>
+              </a:rPr>
+              <a:t>to the large monetary amounts involved in </a:t>
+            </a:r>
+            <a:r>
+              <a:rPr lang="en-US" dirty="0" smtClean="0">
+                <a:solidFill>
+                  <a:schemeClr val="bg1"/>
+                </a:solidFill>
+              </a:rPr>
+              <a:t>betting</a:t>
+            </a:r>
+          </a:p>
+        </p:txBody>
+      </p:sp>
+    </p:spTree>
+    <p:extLst>
+      <p:ext uri="{BB962C8B-B14F-4D97-AF65-F5344CB8AC3E}">
+        <p14:creationId xmlns:p14="http://schemas.microsoft.com/office/powerpoint/2010/main" val="521006470"/>
+      </p:ext>
+    </p:extLst>
+  </p:cSld>
+  <p:clrMapOvr>
+    <a:masterClrMapping/>
+  </p:clrMapOvr>
+  <p:timing>
+    <p:tnLst>
+      <p:par>
+        <p:cTn id="1" dur="indefinite" restart="never" nodeType="tmRoot"/>
+      </p:par>
+    </p:tnLst>
+  </p:timing>
+</p:sld>
+</file>
+
+<file path=ppt/slides/slide4.xml><?xml version="1.0" encoding="utf-8"?>
+<p:sld xmlns:a="http://schemas.openxmlformats.org/drawingml/2006/main" xmlns:r="http://schemas.openxmlformats.org/officeDocument/2006/relationships" xmlns:p="http://schemas.openxmlformats.org/presentationml/2006/main">
+  <p:cSld>
+    <p:bg>
+      <p:bgPr>
+        <a:blipFill dpi="0" rotWithShape="1">
+          <a:blip r:embed="rId3">
+            <a:lum/>
+          </a:blip>
+          <a:srcRect/>
+          <a:stretch>
+            <a:fillRect/>
+          </a:stretch>
+        </a:blipFill>
+        <a:effectLst/>
+      </p:bgPr>
+    </p:bg>
+    <p:spTree>
+      <p:nvGrpSpPr>
+        <p:cNvPr id="1" name=""/>
+        <p:cNvGrpSpPr/>
+        <p:nvPr/>
+      </p:nvGrpSpPr>
+      <p:grpSpPr>
+        <a:xfrm>
+          <a:off x="0" y="0"/>
+          <a:ext cx="0" cy="0"/>
+          <a:chOff x="0" y="0"/>
+          <a:chExt cx="0" cy="0"/>
+        </a:xfrm>
+      </p:grpSpPr>
+      <p:sp>
+        <p:nvSpPr>
+          <p:cNvPr id="2" name="Title 1"/>
+          <p:cNvSpPr>
+            <a:spLocks noGrp="1"/>
+          </p:cNvSpPr>
+          <p:nvPr>
+            <p:ph type="title"/>
+          </p:nvPr>
+        </p:nvSpPr>
+        <p:spPr>
+          <a:xfrm>
+            <a:off x="838200" y="1212850"/>
+            <a:ext cx="10515600" cy="1325563"/>
+          </a:xfrm>
+        </p:spPr>
+        <p:txBody>
+          <a:bodyPr>
+            <a:normAutofit/>
+          </a:bodyPr>
+          <a:lstStyle/>
+          <a:p>
+            <a:pPr algn="r"/>
+            <a:r>
+              <a:rPr lang="en-US" sz="4800" dirty="0" smtClean="0">
+                <a:solidFill>
+                  <a:schemeClr val="bg1"/>
+                </a:solidFill>
+                <a:latin typeface="Sternbach" panose="02000500000000000000" pitchFamily="2" charset="0"/>
+              </a:rPr>
+              <a:t>Dataset</a:t>
+            </a:r>
+            <a:endParaRPr lang="en-US" sz="4800" dirty="0">
+              <a:solidFill>
+                <a:schemeClr val="bg1"/>
+              </a:solidFill>
+              <a:latin typeface="Sternbach" panose="02000500000000000000" pitchFamily="2" charset="0"/>
+            </a:endParaRPr>
+          </a:p>
+        </p:txBody>
+      </p:sp>
+      <p:sp>
+        <p:nvSpPr>
+          <p:cNvPr id="3" name="Content Placeholder 2"/>
+          <p:cNvSpPr>
+            <a:spLocks noGrp="1"/>
+          </p:cNvSpPr>
+          <p:nvPr>
+            <p:ph idx="1"/>
+          </p:nvPr>
+        </p:nvSpPr>
+        <p:spPr>
+          <a:xfrm>
+            <a:off x="5657850" y="2538413"/>
+            <a:ext cx="6067425" cy="3733799"/>
+          </a:xfrm>
+        </p:spPr>
+        <p:txBody>
+          <a:bodyPr>
+            <a:normAutofit lnSpcReduction="10000"/>
+          </a:bodyPr>
+          <a:lstStyle/>
+          <a:p>
+            <a:pPr algn="r"/>
+            <a:r>
+              <a:rPr lang="en-US" dirty="0" smtClean="0">
+                <a:solidFill>
+                  <a:schemeClr val="bg1"/>
+                </a:solidFill>
+              </a:rPr>
+              <a:t>Mixed Martial Arts (MMA) is growing in popularity, particularly in the area of betting</a:t>
+            </a:r>
+          </a:p>
+          <a:p>
+            <a:pPr algn="r"/>
+            <a:r>
+              <a:rPr lang="en-US" dirty="0" smtClean="0">
+                <a:solidFill>
+                  <a:schemeClr val="bg1"/>
+                </a:solidFill>
+              </a:rPr>
+              <a:t>We chose the Ultimate Fighting Championship (UFC) as it is the most popular of MMA</a:t>
+            </a:r>
+          </a:p>
+          <a:p>
+            <a:pPr algn="r"/>
+            <a:r>
+              <a:rPr lang="en-US" dirty="0" err="1" smtClean="0">
+                <a:solidFill>
+                  <a:schemeClr val="bg1"/>
+                </a:solidFill>
+              </a:rPr>
+              <a:t>Kaggle</a:t>
+            </a:r>
+            <a:endParaRPr lang="en-US" dirty="0" smtClean="0">
+              <a:solidFill>
+                <a:schemeClr val="bg1"/>
+              </a:solidFill>
+            </a:endParaRPr>
+          </a:p>
+          <a:p>
+            <a:pPr lvl="1" algn="r"/>
+            <a:r>
+              <a:rPr lang="en-US" dirty="0">
+                <a:solidFill>
+                  <a:schemeClr val="bg1"/>
+                </a:solidFill>
+                <a:hlinkClick r:id="rId4"/>
+              </a:rPr>
+              <a:t>https://</a:t>
+            </a:r>
+            <a:r>
+              <a:rPr lang="en-US" dirty="0" smtClean="0">
+                <a:solidFill>
+                  <a:schemeClr val="bg1"/>
+                </a:solidFill>
+                <a:hlinkClick r:id="rId4"/>
+              </a:rPr>
+              <a:t>www.kaggle.com/mdabbert/ultimate-ufc-dataset</a:t>
+            </a:r>
+            <a:r>
+              <a:rPr lang="en-US" dirty="0" smtClean="0">
+                <a:solidFill>
+                  <a:schemeClr val="bg1"/>
+                </a:solidFill>
+              </a:rPr>
+              <a:t> </a:t>
+            </a:r>
+            <a:endParaRPr lang="en-US" dirty="0">
+              <a:solidFill>
+                <a:schemeClr val="bg1"/>
+              </a:solidFill>
+            </a:endParaRPr>
+          </a:p>
+        </p:txBody>
+      </p:sp>
+    </p:spTree>
+    <p:extLst>
+      <p:ext uri="{BB962C8B-B14F-4D97-AF65-F5344CB8AC3E}">
+        <p14:creationId xmlns:p14="http://schemas.microsoft.com/office/powerpoint/2010/main" val="3207485691"/>
+      </p:ext>
+    </p:extLst>
+  </p:cSld>
+  <p:clrMapOvr>
+    <a:masterClrMapping/>
+  </p:clrMapOvr>
+  <p:timing>
+    <p:tnLst>
+      <p:par>
+        <p:cTn id="1" dur="indefinite" restart="never" nodeType="tmRoot"/>
+      </p:par>
+    </p:tnLst>
+  </p:timing>
+</p:sld>
+</file>
+
+<file path=ppt/slides/slide5.xml><?xml version="1.0" encoding="utf-8"?>
+<p:sld xmlns:a="http://schemas.openxmlformats.org/drawingml/2006/main" xmlns:r="http://schemas.openxmlformats.org/officeDocument/2006/relationships" xmlns:p="http://schemas.openxmlformats.org/presentationml/2006/main">
+  <p:cSld>
+    <p:bg>
+      <p:bgPr>
+        <a:blipFill dpi="0" rotWithShape="1">
+          <a:blip r:embed="rId3">
+            <a:lum/>
+          </a:blip>
+          <a:srcRect/>
+          <a:stretch>
+            <a:fillRect/>
+          </a:stretch>
+        </a:blipFill>
+        <a:effectLst/>
+      </p:bgPr>
+    </p:bg>
+    <p:spTree>
+      <p:nvGrpSpPr>
+        <p:cNvPr id="1" name=""/>
+        <p:cNvGrpSpPr/>
+        <p:nvPr/>
+      </p:nvGrpSpPr>
+      <p:grpSpPr>
+        <a:xfrm>
+          <a:off x="0" y="0"/>
+          <a:ext cx="0" cy="0"/>
+          <a:chOff x="0" y="0"/>
+          <a:chExt cx="0" cy="0"/>
+        </a:xfrm>
+      </p:grpSpPr>
+      <p:sp>
+        <p:nvSpPr>
+          <p:cNvPr id="2" name="Title 1"/>
+          <p:cNvSpPr>
+            <a:spLocks noGrp="1"/>
+          </p:cNvSpPr>
+          <p:nvPr>
+            <p:ph type="title"/>
+          </p:nvPr>
+        </p:nvSpPr>
+        <p:spPr>
+          <a:xfrm>
+            <a:off x="838200" y="1212850"/>
+            <a:ext cx="10515600" cy="1325563"/>
+          </a:xfrm>
+        </p:spPr>
+        <p:txBody>
+          <a:bodyPr>
+            <a:normAutofit/>
+          </a:bodyPr>
+          <a:lstStyle/>
+          <a:p>
+            <a:pPr algn="ctr"/>
+            <a:r>
+              <a:rPr lang="en-US" sz="4800" dirty="0" smtClean="0">
+                <a:solidFill>
+                  <a:schemeClr val="bg1"/>
+                </a:solidFill>
+                <a:latin typeface="Sternbach" panose="02000500000000000000" pitchFamily="2" charset="0"/>
+              </a:rPr>
+              <a:t>Goal</a:t>
+            </a:r>
+            <a:endParaRPr lang="en-US" sz="4800" dirty="0">
+              <a:solidFill>
+                <a:schemeClr val="bg1"/>
+              </a:solidFill>
+              <a:latin typeface="Sternbach" panose="02000500000000000000" pitchFamily="2" charset="0"/>
+            </a:endParaRPr>
+          </a:p>
+        </p:txBody>
+      </p:sp>
+      <p:sp>
+        <p:nvSpPr>
+          <p:cNvPr id="3" name="Content Placeholder 2"/>
+          <p:cNvSpPr>
+            <a:spLocks noGrp="1"/>
+          </p:cNvSpPr>
+          <p:nvPr>
+            <p:ph idx="1"/>
+          </p:nvPr>
+        </p:nvSpPr>
+        <p:spPr>
+          <a:xfrm>
+            <a:off x="3057525" y="2638424"/>
+            <a:ext cx="6067425" cy="3414713"/>
+          </a:xfrm>
+        </p:spPr>
+        <p:txBody>
+          <a:bodyPr/>
+          <a:lstStyle/>
+          <a:p>
+            <a:pPr marL="0" indent="0" algn="ctr">
+              <a:buNone/>
+            </a:pPr>
+            <a:r>
+              <a:rPr lang="en-US" dirty="0" smtClean="0">
+                <a:solidFill>
+                  <a:schemeClr val="bg1"/>
+                </a:solidFill>
+              </a:rPr>
+              <a:t>Based on a set of features, determine which fighter will win</a:t>
+            </a:r>
+          </a:p>
+          <a:p>
+            <a:pPr marL="0" indent="0" algn="ctr">
+              <a:buNone/>
+            </a:pPr>
+            <a:r>
+              <a:rPr lang="en-US" dirty="0" smtClean="0">
+                <a:solidFill>
+                  <a:schemeClr val="bg1"/>
+                </a:solidFill>
+              </a:rPr>
+              <a:t>Red or Blue</a:t>
+            </a:r>
+          </a:p>
+        </p:txBody>
+      </p:sp>
+    </p:spTree>
+    <p:extLst>
+      <p:ext uri="{BB962C8B-B14F-4D97-AF65-F5344CB8AC3E}">
+        <p14:creationId xmlns:p14="http://schemas.microsoft.com/office/powerpoint/2010/main" val="1033217269"/>
+      </p:ext>
+    </p:extLst>
+  </p:cSld>
+  <p:clrMapOvr>
+    <a:masterClrMapping/>
+  </p:clrMapOvr>
+  <p:timing>
+    <p:tnLst>
+      <p:par>
+        <p:cTn id="1" dur="indefinite" restart="never" nodeType="tmRoot"/>
+      </p:par>
+    </p:tnLst>
+  </p:timing>
+</p:sld>
+</file>
+
+<file path=ppt/slides/slide6.xml><?xml version="1.0" encoding="utf-8"?>
+<p:sld xmlns:a="http://schemas.openxmlformats.org/drawingml/2006/main" xmlns:r="http://schemas.openxmlformats.org/officeDocument/2006/relationships" xmlns:p="http://schemas.openxmlformats.org/presentationml/2006/main">
+  <p:cSld>
+    <p:bg>
+      <p:bgPr>
+        <a:blipFill dpi="0" rotWithShape="1">
+          <a:blip r:embed="rId3">
+            <a:lum/>
+          </a:blip>
+          <a:srcRect/>
+          <a:stretch>
+            <a:fillRect/>
+          </a:stretch>
+        </a:blipFill>
+        <a:effectLst/>
+      </p:bgPr>
+    </p:bg>
+    <p:spTree>
+      <p:nvGrpSpPr>
+        <p:cNvPr id="1" name=""/>
+        <p:cNvGrpSpPr/>
+        <p:nvPr/>
+      </p:nvGrpSpPr>
+      <p:grpSpPr>
+        <a:xfrm>
+          <a:off x="0" y="0"/>
+          <a:ext cx="0" cy="0"/>
+          <a:chOff x="0" y="0"/>
+          <a:chExt cx="0" cy="0"/>
+        </a:xfrm>
+      </p:grpSpPr>
+      <p:sp>
+        <p:nvSpPr>
+          <p:cNvPr id="2" name="Title 1"/>
+          <p:cNvSpPr>
+            <a:spLocks noGrp="1"/>
+          </p:cNvSpPr>
+          <p:nvPr>
+            <p:ph type="title"/>
+          </p:nvPr>
+        </p:nvSpPr>
+        <p:spPr>
+          <a:xfrm>
+            <a:off x="838200" y="1212850"/>
+            <a:ext cx="10515600" cy="1325563"/>
+          </a:xfrm>
+        </p:spPr>
+        <p:txBody>
+          <a:bodyPr>
+            <a:normAutofit/>
+          </a:bodyPr>
+          <a:lstStyle/>
+          <a:p>
+            <a:r>
+              <a:rPr lang="en-US" sz="4800" dirty="0" smtClean="0">
+                <a:solidFill>
+                  <a:schemeClr val="bg1"/>
+                </a:solidFill>
+                <a:latin typeface="Sternbach" panose="02000500000000000000" pitchFamily="2" charset="0"/>
+              </a:rPr>
+              <a:t>Method</a:t>
+            </a:r>
+            <a:endParaRPr lang="en-US" sz="4800" dirty="0">
+              <a:solidFill>
+                <a:schemeClr val="bg1"/>
+              </a:solidFill>
+              <a:latin typeface="Sternbach" panose="02000500000000000000" pitchFamily="2" charset="0"/>
+            </a:endParaRPr>
+          </a:p>
+        </p:txBody>
+      </p:sp>
+      <p:sp>
+        <p:nvSpPr>
+          <p:cNvPr id="3" name="Content Placeholder 2"/>
+          <p:cNvSpPr>
+            <a:spLocks noGrp="1"/>
+          </p:cNvSpPr>
+          <p:nvPr>
+            <p:ph idx="1"/>
+          </p:nvPr>
+        </p:nvSpPr>
+        <p:spPr>
+          <a:xfrm>
+            <a:off x="647700" y="2538413"/>
+            <a:ext cx="6067425" cy="3733799"/>
+          </a:xfrm>
+        </p:spPr>
+        <p:txBody>
+          <a:bodyPr>
+            <a:normAutofit/>
+          </a:bodyPr>
+          <a:lstStyle/>
+          <a:p>
+            <a:r>
+              <a:rPr lang="en-US" dirty="0" smtClean="0">
+                <a:solidFill>
+                  <a:schemeClr val="bg1"/>
+                </a:solidFill>
+              </a:rPr>
+              <a:t>Based of the historical data </a:t>
+            </a:r>
+            <a:r>
+              <a:rPr lang="en-US" dirty="0">
+                <a:solidFill>
+                  <a:schemeClr val="bg1"/>
+                </a:solidFill>
+              </a:rPr>
+              <a:t>we </a:t>
+            </a:r>
+            <a:r>
+              <a:rPr lang="en-US" dirty="0" smtClean="0">
+                <a:solidFill>
+                  <a:schemeClr val="bg1"/>
+                </a:solidFill>
+              </a:rPr>
+              <a:t>determined to Supervised </a:t>
+            </a:r>
+            <a:r>
+              <a:rPr lang="en-US" dirty="0">
+                <a:solidFill>
+                  <a:schemeClr val="bg1"/>
+                </a:solidFill>
+              </a:rPr>
+              <a:t>Machine </a:t>
+            </a:r>
+            <a:r>
+              <a:rPr lang="en-US" dirty="0" smtClean="0">
+                <a:solidFill>
+                  <a:schemeClr val="bg1"/>
+                </a:solidFill>
+              </a:rPr>
+              <a:t>Learning Models</a:t>
+            </a:r>
+          </a:p>
+          <a:p>
+            <a:r>
+              <a:rPr lang="en-US" dirty="0" smtClean="0">
+                <a:solidFill>
+                  <a:schemeClr val="bg1"/>
+                </a:solidFill>
+              </a:rPr>
+              <a:t>Take two sets of Features</a:t>
+            </a:r>
+          </a:p>
+          <a:p>
+            <a:r>
+              <a:rPr lang="en-US" dirty="0" smtClean="0">
+                <a:solidFill>
+                  <a:schemeClr val="bg1"/>
+                </a:solidFill>
+              </a:rPr>
+              <a:t>Run same models on each Feature Set</a:t>
+            </a:r>
+          </a:p>
+          <a:p>
+            <a:r>
+              <a:rPr lang="en-US" dirty="0" smtClean="0">
+                <a:solidFill>
+                  <a:schemeClr val="bg1"/>
+                </a:solidFill>
+              </a:rPr>
+              <a:t>Chose the best Feature Set and Model</a:t>
+            </a:r>
+            <a:endParaRPr lang="en-US" dirty="0">
+              <a:solidFill>
+                <a:schemeClr val="bg1"/>
+              </a:solidFill>
+            </a:endParaRPr>
+          </a:p>
+        </p:txBody>
+      </p:sp>
+    </p:spTree>
+    <p:extLst>
+      <p:ext uri="{BB962C8B-B14F-4D97-AF65-F5344CB8AC3E}">
+        <p14:creationId xmlns:p14="http://schemas.microsoft.com/office/powerpoint/2010/main" val="1206531957"/>
+      </p:ext>
+    </p:extLst>
+  </p:cSld>
+  <p:clrMapOvr>
+    <a:masterClrMapping/>
+  </p:clrMapOvr>
+  <p:timing>
+    <p:tnLst>
+      <p:par>
+        <p:cTn id="1" dur="indefinite" restart="never" nodeType="tmRoot"/>
+      </p:par>
+    </p:tnLst>
+  </p:timing>
+</p:sld>
+</file>
+
+<file path=ppt/slides/slide7.xml><?xml version="1.0" encoding="utf-8"?>
+<p:sld xmlns:a="http://schemas.openxmlformats.org/drawingml/2006/main" xmlns:r="http://schemas.openxmlformats.org/officeDocument/2006/relationships" xmlns:p="http://schemas.openxmlformats.org/presentationml/2006/main">
+  <p:cSld>
+    <p:bg>
+      <p:bgPr>
+        <a:blipFill dpi="0" rotWithShape="1">
+          <a:blip r:embed="rId3">
+            <a:lum/>
+          </a:blip>
+          <a:srcRect/>
+          <a:stretch>
+            <a:fillRect/>
+          </a:stretch>
+        </a:blipFill>
+        <a:effectLst/>
+      </p:bgPr>
+    </p:bg>
+    <p:spTree>
+      <p:nvGrpSpPr>
+        <p:cNvPr id="1" name=""/>
+        <p:cNvGrpSpPr/>
+        <p:nvPr/>
+      </p:nvGrpSpPr>
+      <p:grpSpPr>
+        <a:xfrm>
+          <a:off x="0" y="0"/>
+          <a:ext cx="0" cy="0"/>
+          <a:chOff x="0" y="0"/>
+          <a:chExt cx="0" cy="0"/>
+        </a:xfrm>
+      </p:grpSpPr>
+      <p:sp>
+        <p:nvSpPr>
+          <p:cNvPr id="5" name="Rounded Rectangle 4">
+            <a:extLst>
+              <a:ext uri="{FF2B5EF4-FFF2-40B4-BE49-F238E27FC236}">
+                <a16:creationId xmlns:a16="http://schemas.microsoft.com/office/drawing/2014/main" id="{37080FF3-7C31-C747-A238-AA624C651510}"/>
+              </a:ext>
+            </a:extLst>
+          </p:cNvPr>
+          <p:cNvSpPr/>
+          <p:nvPr/>
+        </p:nvSpPr>
+        <p:spPr>
+          <a:xfrm>
+            <a:off x="1535442" y="2474652"/>
+            <a:ext cx="2177266" cy="511699"/>
+          </a:xfrm>
+          <a:prstGeom prst="roundRect">
+            <a:avLst/>
+          </a:prstGeom>
+          <a:solidFill>
+            <a:schemeClr val="accent2">
+              <a:lumMod val="60000"/>
+              <a:lumOff val="40000"/>
+            </a:schemeClr>
+          </a:solidFill>
+          <a:ln>
+            <a:noFill/>
+          </a:ln>
+          <a:scene3d>
+            <a:camera prst="orthographicFront"/>
+            <a:lightRig rig="threePt" dir="t"/>
+          </a:scene3d>
+          <a:sp3d>
+            <a:bevelT/>
+          </a:sp3d>
+        </p:spPr>
+        <p:style>
+          <a:lnRef idx="2">
+            <a:schemeClr val="accent1">
+              <a:shade val="50000"/>
+            </a:schemeClr>
+          </a:lnRef>
+          <a:fillRef idx="1">
+            <a:schemeClr val="accent1"/>
+          </a:fillRef>
+          <a:effectRef idx="0">
+            <a:schemeClr val="accent1"/>
+          </a:effectRef>
+          <a:fontRef idx="minor">
+            <a:schemeClr val="lt1"/>
+          </a:fontRef>
+        </p:style>
+        <p:txBody>
+          <a:bodyPr rtlCol="0" anchor="ctr"/>
+          <a:lstStyle/>
+          <a:p>
+            <a:pPr algn="ctr"/>
+            <a:r>
+              <a:rPr lang="en-US" sz="1600" b="1" dirty="0">
+                <a:solidFill>
+                  <a:schemeClr val="tx1"/>
+                </a:solidFill>
+              </a:rPr>
+              <a:t>Data Collection</a:t>
+            </a:r>
+          </a:p>
+        </p:txBody>
+      </p:sp>
+      <p:sp>
+        <p:nvSpPr>
+          <p:cNvPr id="9" name="Rounded Rectangle 8">
+            <a:extLst>
+              <a:ext uri="{FF2B5EF4-FFF2-40B4-BE49-F238E27FC236}">
+                <a16:creationId xmlns:a16="http://schemas.microsoft.com/office/drawing/2014/main" id="{03CB063A-36CC-6C46-8178-1B5EFA8CB342}"/>
+              </a:ext>
+            </a:extLst>
+          </p:cNvPr>
+          <p:cNvSpPr/>
+          <p:nvPr/>
+        </p:nvSpPr>
+        <p:spPr>
+          <a:xfrm>
+            <a:off x="1535442" y="3460646"/>
+            <a:ext cx="2177266" cy="511699"/>
+          </a:xfrm>
+          <a:prstGeom prst="roundRect">
+            <a:avLst/>
+          </a:prstGeom>
+          <a:solidFill>
+            <a:schemeClr val="accent2">
+              <a:lumMod val="60000"/>
+              <a:lumOff val="40000"/>
+            </a:schemeClr>
+          </a:solidFill>
+          <a:ln>
+            <a:noFill/>
+          </a:ln>
+          <a:scene3d>
+            <a:camera prst="orthographicFront"/>
+            <a:lightRig rig="threePt" dir="t"/>
+          </a:scene3d>
+          <a:sp3d>
+            <a:bevelT/>
+          </a:sp3d>
+        </p:spPr>
+        <p:style>
+          <a:lnRef idx="2">
+            <a:schemeClr val="accent1">
+              <a:shade val="50000"/>
+            </a:schemeClr>
+          </a:lnRef>
+          <a:fillRef idx="1">
+            <a:schemeClr val="accent1"/>
+          </a:fillRef>
+          <a:effectRef idx="0">
+            <a:schemeClr val="accent1"/>
+          </a:effectRef>
+          <a:fontRef idx="minor">
+            <a:schemeClr val="lt1"/>
+          </a:fontRef>
+        </p:style>
+        <p:txBody>
+          <a:bodyPr rtlCol="0" anchor="ctr"/>
+          <a:lstStyle/>
+          <a:p>
+            <a:pPr algn="ctr"/>
+            <a:r>
+              <a:rPr lang="en-US" sz="1600" b="1" dirty="0">
+                <a:solidFill>
+                  <a:schemeClr val="tx1"/>
+                </a:solidFill>
+              </a:rPr>
+              <a:t>Data Understanding</a:t>
+            </a:r>
+          </a:p>
+        </p:txBody>
+      </p:sp>
+      <p:sp>
+        <p:nvSpPr>
+          <p:cNvPr id="10" name="Rounded Rectangle 9">
+            <a:extLst>
+              <a:ext uri="{FF2B5EF4-FFF2-40B4-BE49-F238E27FC236}">
+                <a16:creationId xmlns:a16="http://schemas.microsoft.com/office/drawing/2014/main" id="{5854C05A-DE86-1E4D-BEE4-253094B1C063}"/>
+              </a:ext>
+            </a:extLst>
+          </p:cNvPr>
+          <p:cNvSpPr/>
+          <p:nvPr/>
+        </p:nvSpPr>
+        <p:spPr>
+          <a:xfrm>
+            <a:off x="1342480" y="4484679"/>
+            <a:ext cx="2593051" cy="1843428"/>
+          </a:xfrm>
+          <a:prstGeom prst="roundRect">
+            <a:avLst/>
+          </a:prstGeom>
+          <a:solidFill>
+            <a:schemeClr val="accent2">
+              <a:lumMod val="60000"/>
+              <a:lumOff val="40000"/>
+            </a:schemeClr>
+          </a:solidFill>
+          <a:ln>
+            <a:noFill/>
+          </a:ln>
+          <a:scene3d>
+            <a:camera prst="orthographicFront"/>
+            <a:lightRig rig="threePt" dir="t"/>
+          </a:scene3d>
+          <a:sp3d>
+            <a:bevelT/>
+          </a:sp3d>
+        </p:spPr>
+        <p:style>
+          <a:lnRef idx="2">
+            <a:schemeClr val="accent1">
+              <a:shade val="50000"/>
+            </a:schemeClr>
+          </a:lnRef>
+          <a:fillRef idx="1">
+            <a:schemeClr val="accent1"/>
+          </a:fillRef>
+          <a:effectRef idx="0">
+            <a:schemeClr val="accent1"/>
+          </a:effectRef>
+          <a:fontRef idx="minor">
+            <a:schemeClr val="lt1"/>
+          </a:fontRef>
+        </p:style>
+        <p:txBody>
+          <a:bodyPr rtlCol="0" anchor="ctr"/>
+          <a:lstStyle/>
+          <a:p>
+            <a:pPr algn="ctr"/>
+            <a:r>
+              <a:rPr lang="en-US" sz="1400" b="1" dirty="0">
+                <a:solidFill>
+                  <a:schemeClr val="tx1"/>
+                </a:solidFill>
+              </a:rPr>
+              <a:t>Data cleaning </a:t>
+            </a:r>
+          </a:p>
+          <a:p>
+            <a:pPr algn="ctr"/>
+            <a:r>
+              <a:rPr lang="en-US" sz="1400" b="1" dirty="0">
+                <a:solidFill>
+                  <a:schemeClr val="tx1"/>
+                </a:solidFill>
+              </a:rPr>
+              <a:t>&amp; Feature Extraction</a:t>
+            </a:r>
+          </a:p>
+          <a:p>
+            <a:pPr algn="ctr"/>
+            <a:endParaRPr lang="en-US" sz="1200" b="1" dirty="0">
+              <a:solidFill>
+                <a:schemeClr val="tx1"/>
+              </a:solidFill>
+            </a:endParaRPr>
+          </a:p>
+          <a:p>
+            <a:pPr marL="182880" indent="-274320">
+              <a:buFont typeface="Courier New" panose="02070309020205020404" pitchFamily="49" charset="0"/>
+              <a:buChar char="o"/>
+            </a:pPr>
+            <a:r>
+              <a:rPr lang="en-US" sz="1200" dirty="0">
+                <a:solidFill>
+                  <a:schemeClr val="tx1"/>
+                </a:solidFill>
+              </a:rPr>
+              <a:t>Player related features</a:t>
+            </a:r>
+          </a:p>
+          <a:p>
+            <a:pPr lvl="1" indent="-182880">
+              <a:buFont typeface="Arial" panose="020B0604020202020204" pitchFamily="34" charset="0"/>
+              <a:buChar char="•"/>
+            </a:pPr>
+            <a:r>
+              <a:rPr lang="en-US" sz="1200" dirty="0">
+                <a:solidFill>
+                  <a:schemeClr val="tx1"/>
+                </a:solidFill>
+              </a:rPr>
+              <a:t>height, weight, reach, age… </a:t>
+            </a:r>
+          </a:p>
+          <a:p>
+            <a:pPr lvl="1" indent="-182880">
+              <a:buFont typeface="Arial" panose="020B0604020202020204" pitchFamily="34" charset="0"/>
+              <a:buChar char="•"/>
+            </a:pPr>
+            <a:endParaRPr lang="en-US" sz="1050" dirty="0">
+              <a:solidFill>
+                <a:schemeClr val="tx1"/>
+              </a:solidFill>
+            </a:endParaRPr>
+          </a:p>
+          <a:p>
+            <a:pPr marL="182880" indent="-274320">
+              <a:buFont typeface="Courier New" panose="02070309020205020404" pitchFamily="49" charset="0"/>
+              <a:buChar char="o"/>
+            </a:pPr>
+            <a:r>
+              <a:rPr lang="en-US" sz="1200" dirty="0">
+                <a:solidFill>
+                  <a:schemeClr val="tx1"/>
+                </a:solidFill>
+              </a:rPr>
+              <a:t>External features</a:t>
+            </a:r>
+          </a:p>
+          <a:p>
+            <a:pPr lvl="1" indent="-182880">
+              <a:buFont typeface="Arial" panose="020B0604020202020204" pitchFamily="34" charset="0"/>
+              <a:buChar char="•"/>
+            </a:pPr>
+            <a:r>
+              <a:rPr lang="en-US" sz="1200" dirty="0">
+                <a:solidFill>
+                  <a:schemeClr val="tx1"/>
+                </a:solidFill>
+              </a:rPr>
+              <a:t>date, location…</a:t>
+            </a:r>
+          </a:p>
+        </p:txBody>
+      </p:sp>
+      <p:sp>
+        <p:nvSpPr>
+          <p:cNvPr id="11" name="Can 10">
+            <a:extLst>
+              <a:ext uri="{FF2B5EF4-FFF2-40B4-BE49-F238E27FC236}">
+                <a16:creationId xmlns:a16="http://schemas.microsoft.com/office/drawing/2014/main" id="{AF4AD2FC-FFC4-9B44-AC3A-F05B1F1B4F20}"/>
+              </a:ext>
+            </a:extLst>
+          </p:cNvPr>
+          <p:cNvSpPr/>
+          <p:nvPr/>
+        </p:nvSpPr>
+        <p:spPr>
+          <a:xfrm>
+            <a:off x="5152783" y="4547348"/>
+            <a:ext cx="2121130" cy="1694659"/>
+          </a:xfrm>
+          <a:prstGeom prst="can">
+            <a:avLst/>
+          </a:prstGeom>
+          <a:solidFill>
+            <a:srgbClr val="FFC000"/>
+          </a:solidFill>
+          <a:ln>
+            <a:noFill/>
+          </a:ln>
+          <a:scene3d>
+            <a:camera prst="orthographicFront"/>
+            <a:lightRig rig="threePt" dir="t"/>
+          </a:scene3d>
+          <a:sp3d/>
+        </p:spPr>
+        <p:style>
+          <a:lnRef idx="2">
+            <a:schemeClr val="accent1">
+              <a:shade val="50000"/>
+            </a:schemeClr>
+          </a:lnRef>
+          <a:fillRef idx="1">
+            <a:schemeClr val="accent1"/>
+          </a:fillRef>
+          <a:effectRef idx="0">
+            <a:schemeClr val="accent1"/>
+          </a:effectRef>
+          <a:fontRef idx="minor">
+            <a:schemeClr val="lt1"/>
+          </a:fontRef>
+        </p:style>
+        <p:txBody>
+          <a:bodyPr rtlCol="0" anchor="ctr"/>
+          <a:lstStyle/>
+          <a:p>
+            <a:pPr algn="ctr"/>
+            <a:r>
+              <a:rPr lang="en-US" sz="1600" b="1" dirty="0">
+                <a:solidFill>
+                  <a:schemeClr val="tx1"/>
+                </a:solidFill>
+              </a:rPr>
+              <a:t>Data Preprocessing</a:t>
+            </a:r>
+          </a:p>
+          <a:p>
+            <a:pPr marL="274320"/>
+            <a:endParaRPr lang="en-US" sz="1400" dirty="0">
+              <a:solidFill>
+                <a:schemeClr val="tx1"/>
+              </a:solidFill>
+            </a:endParaRPr>
+          </a:p>
+          <a:p>
+            <a:pPr marL="457200" indent="-182880">
+              <a:buFont typeface="Arial" panose="020B0604020202020204" pitchFamily="34" charset="0"/>
+              <a:buChar char="•"/>
+            </a:pPr>
+            <a:r>
+              <a:rPr lang="en-US" sz="1400" dirty="0">
+                <a:solidFill>
+                  <a:schemeClr val="tx1"/>
+                </a:solidFill>
+              </a:rPr>
+              <a:t>label encoding</a:t>
+            </a:r>
+          </a:p>
+          <a:p>
+            <a:pPr marL="457200" indent="-182880">
+              <a:buFont typeface="Arial" panose="020B0604020202020204" pitchFamily="34" charset="0"/>
+              <a:buChar char="•"/>
+            </a:pPr>
+            <a:r>
+              <a:rPr lang="en-US" sz="1400" dirty="0">
+                <a:solidFill>
+                  <a:schemeClr val="tx1"/>
+                </a:solidFill>
+              </a:rPr>
+              <a:t>scaling</a:t>
+            </a:r>
+          </a:p>
+        </p:txBody>
+      </p:sp>
+      <p:sp>
+        <p:nvSpPr>
+          <p:cNvPr id="12" name="Rounded Rectangle 11">
+            <a:extLst>
+              <a:ext uri="{FF2B5EF4-FFF2-40B4-BE49-F238E27FC236}">
+                <a16:creationId xmlns:a16="http://schemas.microsoft.com/office/drawing/2014/main" id="{19F6790A-7AEA-F243-8C60-01A6FB468FD1}"/>
+              </a:ext>
+            </a:extLst>
+          </p:cNvPr>
+          <p:cNvSpPr/>
+          <p:nvPr/>
+        </p:nvSpPr>
+        <p:spPr>
+          <a:xfrm>
+            <a:off x="8256787" y="4429436"/>
+            <a:ext cx="2840397" cy="1843428"/>
+          </a:xfrm>
+          <a:prstGeom prst="roundRect">
+            <a:avLst/>
+          </a:prstGeom>
+          <a:solidFill>
+            <a:schemeClr val="accent5"/>
+          </a:solidFill>
+          <a:ln>
+            <a:noFill/>
+          </a:ln>
+          <a:scene3d>
+            <a:camera prst="orthographicFront"/>
+            <a:lightRig rig="threePt" dir="t"/>
+          </a:scene3d>
+          <a:sp3d>
+            <a:bevelT/>
+          </a:sp3d>
+        </p:spPr>
+        <p:style>
+          <a:lnRef idx="2">
+            <a:schemeClr val="accent1">
+              <a:shade val="50000"/>
+            </a:schemeClr>
+          </a:lnRef>
+          <a:fillRef idx="1">
+            <a:schemeClr val="accent1"/>
+          </a:fillRef>
+          <a:effectRef idx="0">
+            <a:schemeClr val="accent1"/>
+          </a:effectRef>
+          <a:fontRef idx="minor">
+            <a:schemeClr val="lt1"/>
+          </a:fontRef>
+        </p:style>
+        <p:txBody>
+          <a:bodyPr rtlCol="0" anchor="ctr"/>
+          <a:lstStyle/>
+          <a:p>
+            <a:pPr algn="ctr"/>
+            <a:r>
+              <a:rPr lang="en-US" sz="1600" b="1" dirty="0">
+                <a:solidFill>
+                  <a:schemeClr val="tx1"/>
+                </a:solidFill>
+              </a:rPr>
+              <a:t>Modelling</a:t>
+            </a:r>
+          </a:p>
+          <a:p>
+            <a:pPr algn="ctr"/>
+            <a:endParaRPr lang="en-US" sz="1400" b="1" dirty="0">
+              <a:solidFill>
+                <a:schemeClr val="tx1"/>
+              </a:solidFill>
+            </a:endParaRPr>
+          </a:p>
+          <a:p>
+            <a:pPr marL="285750" indent="-285750">
+              <a:buFontTx/>
+              <a:buChar char="-"/>
+            </a:pPr>
+            <a:r>
+              <a:rPr lang="en-US" sz="1400" dirty="0">
+                <a:solidFill>
+                  <a:schemeClr val="tx1"/>
+                </a:solidFill>
+              </a:rPr>
+              <a:t>Logistic Regression</a:t>
+            </a:r>
+          </a:p>
+          <a:p>
+            <a:pPr marL="285750" indent="-285750">
+              <a:buFontTx/>
+              <a:buChar char="-"/>
+            </a:pPr>
+            <a:r>
+              <a:rPr lang="en-US" sz="1400" dirty="0">
+                <a:solidFill>
+                  <a:schemeClr val="tx1"/>
+                </a:solidFill>
+              </a:rPr>
+              <a:t>K-Nearest Neighbors</a:t>
+            </a:r>
+          </a:p>
+          <a:p>
+            <a:pPr marL="285750" indent="-285750">
+              <a:buFontTx/>
+              <a:buChar char="-"/>
+            </a:pPr>
+            <a:r>
+              <a:rPr lang="en-US" sz="1400" dirty="0">
+                <a:solidFill>
+                  <a:schemeClr val="tx1"/>
+                </a:solidFill>
+              </a:rPr>
+              <a:t>Random Forests</a:t>
+            </a:r>
+          </a:p>
+          <a:p>
+            <a:pPr marL="285750" indent="-285750">
+              <a:buFontTx/>
+              <a:buChar char="-"/>
+            </a:pPr>
+            <a:r>
+              <a:rPr lang="en-US" sz="1400" dirty="0">
+                <a:solidFill>
+                  <a:schemeClr val="tx1"/>
+                </a:solidFill>
+              </a:rPr>
+              <a:t>Support Vector Machines</a:t>
+            </a:r>
+          </a:p>
+          <a:p>
+            <a:pPr marL="285750" indent="-285750">
+              <a:buFontTx/>
+              <a:buChar char="-"/>
+            </a:pPr>
+            <a:r>
+              <a:rPr lang="en-US" sz="1400" dirty="0">
+                <a:solidFill>
+                  <a:schemeClr val="tx1"/>
+                </a:solidFill>
+              </a:rPr>
+              <a:t>Neural Networks</a:t>
+            </a:r>
+          </a:p>
+          <a:p>
+            <a:pPr marL="285750" indent="-285750">
+              <a:buFontTx/>
+              <a:buChar char="-"/>
+            </a:pPr>
+            <a:r>
+              <a:rPr lang="en-US" sz="1400" dirty="0">
+                <a:solidFill>
+                  <a:schemeClr val="tx1"/>
+                </a:solidFill>
+              </a:rPr>
+              <a:t>Deep Learning</a:t>
+            </a:r>
+          </a:p>
+        </p:txBody>
+      </p:sp>
+      <p:sp>
+        <p:nvSpPr>
+          <p:cNvPr id="13" name="Rounded Rectangle 12">
+            <a:extLst>
+              <a:ext uri="{FF2B5EF4-FFF2-40B4-BE49-F238E27FC236}">
+                <a16:creationId xmlns:a16="http://schemas.microsoft.com/office/drawing/2014/main" id="{1774330C-4C53-5244-98D3-24C98C531108}"/>
+              </a:ext>
+            </a:extLst>
+          </p:cNvPr>
+          <p:cNvSpPr/>
+          <p:nvPr/>
+        </p:nvSpPr>
+        <p:spPr>
+          <a:xfrm>
+            <a:off x="8446986" y="2216687"/>
+            <a:ext cx="2177266" cy="1502724"/>
+          </a:xfrm>
+          <a:prstGeom prst="roundRect">
+            <a:avLst/>
+          </a:prstGeom>
+          <a:solidFill>
+            <a:schemeClr val="accent5"/>
+          </a:solidFill>
+          <a:ln>
+            <a:noFill/>
+          </a:ln>
+          <a:scene3d>
+            <a:camera prst="orthographicFront"/>
+            <a:lightRig rig="threePt" dir="t"/>
+          </a:scene3d>
+          <a:sp3d>
+            <a:bevelT/>
+          </a:sp3d>
+        </p:spPr>
+        <p:style>
+          <a:lnRef idx="2">
+            <a:schemeClr val="accent1">
+              <a:shade val="50000"/>
+            </a:schemeClr>
+          </a:lnRef>
+          <a:fillRef idx="1">
+            <a:schemeClr val="accent1"/>
+          </a:fillRef>
+          <a:effectRef idx="0">
+            <a:schemeClr val="accent1"/>
+          </a:effectRef>
+          <a:fontRef idx="minor">
+            <a:schemeClr val="lt1"/>
+          </a:fontRef>
+        </p:style>
+        <p:txBody>
+          <a:bodyPr rtlCol="0" anchor="ctr"/>
+          <a:lstStyle/>
+          <a:p>
+            <a:pPr algn="ctr"/>
+            <a:r>
+              <a:rPr lang="en-US" sz="1600" b="1" dirty="0">
+                <a:solidFill>
+                  <a:schemeClr val="tx1"/>
+                </a:solidFill>
+              </a:rPr>
+              <a:t>Model Evaluation</a:t>
+            </a:r>
+          </a:p>
+          <a:p>
+            <a:pPr algn="ctr"/>
+            <a:endParaRPr lang="en-US" sz="1400" dirty="0">
+              <a:solidFill>
+                <a:schemeClr val="tx1"/>
+              </a:solidFill>
+            </a:endParaRPr>
+          </a:p>
+          <a:p>
+            <a:pPr marL="560070" indent="-285750">
+              <a:buFont typeface="Wingdings" pitchFamily="2" charset="2"/>
+              <a:buChar char="v"/>
+            </a:pPr>
+            <a:r>
+              <a:rPr lang="en-US" sz="1400" dirty="0">
+                <a:solidFill>
+                  <a:schemeClr val="tx1"/>
+                </a:solidFill>
+              </a:rPr>
+              <a:t>Accuracy</a:t>
+            </a:r>
+          </a:p>
+          <a:p>
+            <a:pPr marL="560070" indent="-285750">
+              <a:buFont typeface="Wingdings" pitchFamily="2" charset="2"/>
+              <a:buChar char="v"/>
+            </a:pPr>
+            <a:r>
+              <a:rPr lang="en-US" sz="1400" dirty="0">
+                <a:solidFill>
+                  <a:schemeClr val="tx1"/>
+                </a:solidFill>
+              </a:rPr>
+              <a:t>Precision</a:t>
+            </a:r>
+          </a:p>
+          <a:p>
+            <a:pPr marL="560070" indent="-285750">
+              <a:buFont typeface="Wingdings" pitchFamily="2" charset="2"/>
+              <a:buChar char="v"/>
+            </a:pPr>
+            <a:r>
+              <a:rPr lang="en-US" sz="1400" dirty="0">
+                <a:solidFill>
+                  <a:schemeClr val="tx1"/>
+                </a:solidFill>
+              </a:rPr>
+              <a:t>Recall</a:t>
+            </a:r>
+          </a:p>
+          <a:p>
+            <a:pPr marL="560070" indent="-285750">
+              <a:buFont typeface="Wingdings" pitchFamily="2" charset="2"/>
+              <a:buChar char="v"/>
+            </a:pPr>
+            <a:r>
+              <a:rPr lang="en-US" sz="1400" dirty="0">
+                <a:solidFill>
+                  <a:schemeClr val="tx1"/>
+                </a:solidFill>
+              </a:rPr>
+              <a:t>F1 score</a:t>
+            </a:r>
+          </a:p>
+        </p:txBody>
+      </p:sp>
+      <p:sp>
+        <p:nvSpPr>
+          <p:cNvPr id="14" name="Diamond 13">
+            <a:extLst>
+              <a:ext uri="{FF2B5EF4-FFF2-40B4-BE49-F238E27FC236}">
+                <a16:creationId xmlns:a16="http://schemas.microsoft.com/office/drawing/2014/main" id="{F1EDB7D0-B2DE-9245-8F3B-F51E6D5E2F6F}"/>
+              </a:ext>
+            </a:extLst>
+          </p:cNvPr>
+          <p:cNvSpPr/>
+          <p:nvPr/>
+        </p:nvSpPr>
+        <p:spPr>
+          <a:xfrm>
+            <a:off x="4705349" y="2248648"/>
+            <a:ext cx="2866391" cy="1426853"/>
+          </a:xfrm>
+          <a:prstGeom prst="diamond">
+            <a:avLst/>
+          </a:prstGeom>
+          <a:solidFill>
+            <a:srgbClr val="00B050"/>
+          </a:solidFill>
+          <a:ln>
+            <a:noFill/>
+          </a:ln>
+          <a:scene3d>
+            <a:camera prst="orthographicFront"/>
+            <a:lightRig rig="threePt" dir="t"/>
+          </a:scene3d>
+          <a:sp3d>
+            <a:bevelT/>
+          </a:sp3d>
+        </p:spPr>
+        <p:style>
+          <a:lnRef idx="2">
+            <a:schemeClr val="accent1">
+              <a:shade val="50000"/>
+            </a:schemeClr>
+          </a:lnRef>
+          <a:fillRef idx="1">
+            <a:schemeClr val="accent1"/>
+          </a:fillRef>
+          <a:effectRef idx="0">
+            <a:schemeClr val="accent1"/>
+          </a:effectRef>
+          <a:fontRef idx="minor">
+            <a:schemeClr val="lt1"/>
+          </a:fontRef>
+        </p:style>
+        <p:txBody>
+          <a:bodyPr rtlCol="0" anchor="ctr"/>
+          <a:lstStyle/>
+          <a:p>
+            <a:pPr algn="ctr"/>
+            <a:r>
+              <a:rPr lang="en-US" sz="1600" dirty="0">
+                <a:solidFill>
+                  <a:schemeClr val="tx1"/>
+                </a:solidFill>
+              </a:rPr>
+              <a:t>Select the </a:t>
+            </a:r>
+          </a:p>
+          <a:p>
+            <a:pPr algn="ctr"/>
+            <a:r>
+              <a:rPr lang="en-US" sz="1600" b="1" dirty="0">
+                <a:solidFill>
+                  <a:schemeClr val="tx1"/>
+                </a:solidFill>
+              </a:rPr>
+              <a:t>BEST</a:t>
+            </a:r>
+            <a:r>
+              <a:rPr lang="en-US" sz="1600" dirty="0">
+                <a:solidFill>
+                  <a:schemeClr val="tx1"/>
+                </a:solidFill>
+              </a:rPr>
+              <a:t> performing model</a:t>
+            </a:r>
+          </a:p>
+        </p:txBody>
+      </p:sp>
+      <p:cxnSp>
+        <p:nvCxnSpPr>
+          <p:cNvPr id="16" name="Straight Arrow Connector 15">
+            <a:extLst>
+              <a:ext uri="{FF2B5EF4-FFF2-40B4-BE49-F238E27FC236}">
+                <a16:creationId xmlns:a16="http://schemas.microsoft.com/office/drawing/2014/main" id="{04DE77BC-82A8-3049-A82B-4BF02380143E}"/>
+              </a:ext>
+            </a:extLst>
+          </p:cNvPr>
+          <p:cNvCxnSpPr>
+            <a:cxnSpLocks/>
+          </p:cNvCxnSpPr>
+          <p:nvPr/>
+        </p:nvCxnSpPr>
+        <p:spPr>
+          <a:xfrm>
+            <a:off x="2624075" y="3024390"/>
+            <a:ext cx="0" cy="436256"/>
+          </a:xfrm>
+          <a:prstGeom prst="straightConnector1">
+            <a:avLst/>
+          </a:prstGeom>
+          <a:ln w="15875">
+            <a:solidFill>
+              <a:schemeClr val="accent6">
+                <a:lumMod val="20000"/>
+                <a:lumOff val="80000"/>
+              </a:schemeClr>
+            </a:solidFill>
+            <a:tailEnd type="triangle" w="med" len="lg"/>
+          </a:ln>
+          <a:scene3d>
+            <a:camera prst="orthographicFront"/>
+            <a:lightRig rig="threePt" dir="t"/>
+          </a:scene3d>
+          <a:sp3d>
+            <a:bevelT/>
+          </a:sp3d>
+        </p:spPr>
+        <p:style>
+          <a:lnRef idx="1">
+            <a:schemeClr val="dk1"/>
+          </a:lnRef>
+          <a:fillRef idx="0">
+            <a:schemeClr val="dk1"/>
+          </a:fillRef>
+          <a:effectRef idx="0">
+            <a:schemeClr val="dk1"/>
+          </a:effectRef>
+          <a:fontRef idx="minor">
+            <a:schemeClr val="tx1"/>
+          </a:fontRef>
+        </p:style>
+      </p:cxnSp>
+      <p:cxnSp>
+        <p:nvCxnSpPr>
+          <p:cNvPr id="18" name="Straight Arrow Connector 17">
+            <a:extLst>
+              <a:ext uri="{FF2B5EF4-FFF2-40B4-BE49-F238E27FC236}">
+                <a16:creationId xmlns:a16="http://schemas.microsoft.com/office/drawing/2014/main" id="{7D697871-B50B-1D44-973C-35091084B8F7}"/>
+              </a:ext>
+            </a:extLst>
+          </p:cNvPr>
+          <p:cNvCxnSpPr>
+            <a:cxnSpLocks/>
+          </p:cNvCxnSpPr>
+          <p:nvPr/>
+        </p:nvCxnSpPr>
+        <p:spPr>
+          <a:xfrm>
+            <a:off x="2624075" y="4048423"/>
+            <a:ext cx="0" cy="436256"/>
+          </a:xfrm>
+          <a:prstGeom prst="straightConnector1">
+            <a:avLst/>
+          </a:prstGeom>
+          <a:ln w="15875">
+            <a:solidFill>
+              <a:schemeClr val="accent6">
+                <a:lumMod val="20000"/>
+                <a:lumOff val="80000"/>
+              </a:schemeClr>
+            </a:solidFill>
+            <a:tailEnd type="triangle" w="med" len="lg"/>
+          </a:ln>
+          <a:scene3d>
+            <a:camera prst="orthographicFront"/>
+            <a:lightRig rig="threePt" dir="t"/>
+          </a:scene3d>
+          <a:sp3d>
+            <a:bevelT/>
+          </a:sp3d>
+        </p:spPr>
+        <p:style>
+          <a:lnRef idx="1">
+            <a:schemeClr val="dk1"/>
+          </a:lnRef>
+          <a:fillRef idx="0">
+            <a:schemeClr val="dk1"/>
+          </a:fillRef>
+          <a:effectRef idx="0">
+            <a:schemeClr val="dk1"/>
+          </a:effectRef>
+          <a:fontRef idx="minor">
+            <a:schemeClr val="tx1"/>
+          </a:fontRef>
+        </p:style>
+      </p:cxnSp>
+      <p:cxnSp>
+        <p:nvCxnSpPr>
+          <p:cNvPr id="20" name="Straight Arrow Connector 19">
+            <a:extLst>
+              <a:ext uri="{FF2B5EF4-FFF2-40B4-BE49-F238E27FC236}">
+                <a16:creationId xmlns:a16="http://schemas.microsoft.com/office/drawing/2014/main" id="{65F7E56C-9B56-7A47-B969-E8D2BB95FB35}"/>
+              </a:ext>
+            </a:extLst>
+          </p:cNvPr>
+          <p:cNvCxnSpPr>
+            <a:cxnSpLocks/>
+            <a:stCxn id="10" idx="3"/>
+            <a:endCxn id="11" idx="2"/>
+          </p:cNvCxnSpPr>
+          <p:nvPr/>
+        </p:nvCxnSpPr>
+        <p:spPr>
+          <a:xfrm flipV="1">
+            <a:off x="3935531" y="5394678"/>
+            <a:ext cx="1217252" cy="11715"/>
+          </a:xfrm>
+          <a:prstGeom prst="straightConnector1">
+            <a:avLst/>
+          </a:prstGeom>
+          <a:ln w="15875">
+            <a:solidFill>
+              <a:schemeClr val="accent6">
+                <a:lumMod val="20000"/>
+                <a:lumOff val="80000"/>
+              </a:schemeClr>
+            </a:solidFill>
+            <a:tailEnd type="triangle" w="med" len="lg"/>
+          </a:ln>
+          <a:scene3d>
+            <a:camera prst="orthographicFront"/>
+            <a:lightRig rig="threePt" dir="t"/>
+          </a:scene3d>
+          <a:sp3d>
+            <a:bevelT/>
+          </a:sp3d>
+        </p:spPr>
+        <p:style>
+          <a:lnRef idx="1">
+            <a:schemeClr val="dk1"/>
+          </a:lnRef>
+          <a:fillRef idx="0">
+            <a:schemeClr val="dk1"/>
+          </a:fillRef>
+          <a:effectRef idx="0">
+            <a:schemeClr val="dk1"/>
+          </a:effectRef>
+          <a:fontRef idx="minor">
+            <a:schemeClr val="tx1"/>
+          </a:fontRef>
+        </p:style>
+      </p:cxnSp>
+      <p:cxnSp>
+        <p:nvCxnSpPr>
+          <p:cNvPr id="21" name="Straight Arrow Connector 20">
+            <a:extLst>
+              <a:ext uri="{FF2B5EF4-FFF2-40B4-BE49-F238E27FC236}">
+                <a16:creationId xmlns:a16="http://schemas.microsoft.com/office/drawing/2014/main" id="{DC24908B-10EF-6D42-8B72-524BAD97F056}"/>
+              </a:ext>
+            </a:extLst>
+          </p:cNvPr>
+          <p:cNvCxnSpPr/>
+          <p:nvPr/>
+        </p:nvCxnSpPr>
+        <p:spPr>
+          <a:xfrm>
+            <a:off x="7273912" y="5215960"/>
+            <a:ext cx="982876" cy="1"/>
+          </a:xfrm>
+          <a:prstGeom prst="straightConnector1">
+            <a:avLst/>
+          </a:prstGeom>
+          <a:ln w="15875">
+            <a:solidFill>
+              <a:schemeClr val="accent6">
+                <a:lumMod val="20000"/>
+                <a:lumOff val="80000"/>
+              </a:schemeClr>
+            </a:solidFill>
+            <a:tailEnd type="triangle" w="med" len="lg"/>
+          </a:ln>
+          <a:scene3d>
+            <a:camera prst="orthographicFront"/>
+            <a:lightRig rig="threePt" dir="t"/>
+          </a:scene3d>
+          <a:sp3d>
+            <a:bevelT/>
+          </a:sp3d>
+        </p:spPr>
+        <p:style>
+          <a:lnRef idx="1">
+            <a:schemeClr val="dk1"/>
+          </a:lnRef>
+          <a:fillRef idx="0">
+            <a:schemeClr val="dk1"/>
+          </a:fillRef>
+          <a:effectRef idx="0">
+            <a:schemeClr val="dk1"/>
+          </a:effectRef>
+          <a:fontRef idx="minor">
+            <a:schemeClr val="tx1"/>
+          </a:fontRef>
+        </p:style>
+      </p:cxnSp>
+      <p:cxnSp>
+        <p:nvCxnSpPr>
+          <p:cNvPr id="23" name="Straight Arrow Connector 22">
+            <a:extLst>
+              <a:ext uri="{FF2B5EF4-FFF2-40B4-BE49-F238E27FC236}">
+                <a16:creationId xmlns:a16="http://schemas.microsoft.com/office/drawing/2014/main" id="{DFD98599-7CF7-754B-B9A6-890AF5E2CA78}"/>
+              </a:ext>
+            </a:extLst>
+          </p:cNvPr>
+          <p:cNvCxnSpPr>
+            <a:cxnSpLocks/>
+            <a:stCxn id="13" idx="1"/>
+            <a:endCxn id="14" idx="3"/>
+          </p:cNvCxnSpPr>
+          <p:nvPr/>
+        </p:nvCxnSpPr>
+        <p:spPr>
+          <a:xfrm flipH="1" flipV="1">
+            <a:off x="7571740" y="2962075"/>
+            <a:ext cx="875246" cy="5974"/>
+          </a:xfrm>
+          <a:prstGeom prst="straightConnector1">
+            <a:avLst/>
+          </a:prstGeom>
+          <a:ln w="15875">
+            <a:solidFill>
+              <a:schemeClr val="accent6">
+                <a:lumMod val="20000"/>
+                <a:lumOff val="80000"/>
+              </a:schemeClr>
+            </a:solidFill>
+            <a:tailEnd type="triangle" w="med" len="lg"/>
+          </a:ln>
+          <a:scene3d>
+            <a:camera prst="orthographicFront"/>
+            <a:lightRig rig="threePt" dir="t"/>
+          </a:scene3d>
+          <a:sp3d>
+            <a:bevelT/>
+          </a:sp3d>
+        </p:spPr>
+        <p:style>
+          <a:lnRef idx="1">
+            <a:schemeClr val="dk1"/>
+          </a:lnRef>
+          <a:fillRef idx="0">
+            <a:schemeClr val="dk1"/>
+          </a:fillRef>
+          <a:effectRef idx="0">
+            <a:schemeClr val="dk1"/>
+          </a:effectRef>
+          <a:fontRef idx="minor">
+            <a:schemeClr val="tx1"/>
+          </a:fontRef>
+        </p:style>
+      </p:cxnSp>
+      <p:cxnSp>
+        <p:nvCxnSpPr>
+          <p:cNvPr id="17" name="Straight Arrow Connector 16">
+            <a:extLst>
+              <a:ext uri="{FF2B5EF4-FFF2-40B4-BE49-F238E27FC236}">
+                <a16:creationId xmlns:a16="http://schemas.microsoft.com/office/drawing/2014/main" id="{DC24908B-10EF-6D42-8B72-524BAD97F056}"/>
+              </a:ext>
+            </a:extLst>
+          </p:cNvPr>
+          <p:cNvCxnSpPr>
+            <a:endCxn id="13" idx="2"/>
+          </p:cNvCxnSpPr>
+          <p:nvPr/>
+        </p:nvCxnSpPr>
+        <p:spPr>
+          <a:xfrm flipV="1">
+            <a:off x="9535619" y="3719411"/>
+            <a:ext cx="0" cy="643039"/>
+          </a:xfrm>
+          <a:prstGeom prst="straightConnector1">
+            <a:avLst/>
+          </a:prstGeom>
+          <a:ln w="15875">
+            <a:solidFill>
+              <a:schemeClr val="accent6">
+                <a:lumMod val="20000"/>
+                <a:lumOff val="80000"/>
+              </a:schemeClr>
+            </a:solidFill>
+            <a:tailEnd type="triangle" w="med" len="lg"/>
+          </a:ln>
+          <a:scene3d>
+            <a:camera prst="orthographicFront"/>
+            <a:lightRig rig="threePt" dir="t"/>
+          </a:scene3d>
+          <a:sp3d>
+            <a:bevelT/>
+          </a:sp3d>
+        </p:spPr>
+        <p:style>
+          <a:lnRef idx="1">
+            <a:schemeClr val="dk1"/>
+          </a:lnRef>
+          <a:fillRef idx="0">
+            <a:schemeClr val="dk1"/>
+          </a:fillRef>
+          <a:effectRef idx="0">
+            <a:schemeClr val="dk1"/>
+          </a:effectRef>
+          <a:fontRef idx="minor">
+            <a:schemeClr val="tx1"/>
+          </a:fontRef>
+        </p:style>
+      </p:cxnSp>
+      <p:sp>
+        <p:nvSpPr>
+          <p:cNvPr id="22" name="Title 1"/>
+          <p:cNvSpPr txBox="1">
+            <a:spLocks/>
+          </p:cNvSpPr>
+          <p:nvPr/>
+        </p:nvSpPr>
+        <p:spPr>
+          <a:xfrm>
+            <a:off x="742950" y="1472134"/>
+            <a:ext cx="10515600" cy="1325563"/>
+          </a:xfrm>
+          <a:prstGeom prst="rect">
+            <a:avLst/>
+          </a:prstGeom>
+        </p:spPr>
+        <p:txBody>
+          <a:bodyPr>
+            <a:normAutofit/>
+          </a:bodyPr>
+          <a:lstStyle>
+            <a:lvl1pPr algn="l" defTabSz="914400" rtl="0" eaLnBrk="1" latinLnBrk="0" hangingPunct="1">
+              <a:lnSpc>
+                <a:spcPct val="90000"/>
+              </a:lnSpc>
+              <a:spcBef>
+                <a:spcPct val="0"/>
+              </a:spcBef>
+              <a:buNone/>
+              <a:defRPr sz="4400" kern="1200">
+                <a:solidFill>
+                  <a:schemeClr val="tx1"/>
+                </a:solidFill>
+                <a:latin typeface="+mj-lt"/>
+                <a:ea typeface="+mj-ea"/>
+                <a:cs typeface="+mj-cs"/>
+              </a:defRPr>
+            </a:lvl1pPr>
+          </a:lstStyle>
+          <a:p>
+            <a:pPr algn="ctr"/>
+            <a:r>
+              <a:rPr lang="en-US" sz="4800" dirty="0" smtClean="0">
+                <a:solidFill>
+                  <a:schemeClr val="bg1"/>
+                </a:solidFill>
+                <a:latin typeface="Sternbach" panose="02000500000000000000" pitchFamily="2" charset="0"/>
+              </a:rPr>
+              <a:t>Approach</a:t>
+            </a:r>
+            <a:endParaRPr lang="en-US" sz="4800" dirty="0">
+              <a:solidFill>
+                <a:schemeClr val="bg1"/>
+              </a:solidFill>
+              <a:latin typeface="Sternbach" panose="02000500000000000000" pitchFamily="2" charset="0"/>
+            </a:endParaRPr>
+          </a:p>
+        </p:txBody>
+      </p:sp>
+    </p:spTree>
+    <p:extLst>
+      <p:ext uri="{BB962C8B-B14F-4D97-AF65-F5344CB8AC3E}">
+        <p14:creationId xmlns:p14="http://schemas.microsoft.com/office/powerpoint/2010/main" val="3878912726"/>
+      </p:ext>
+    </p:extLst>
+  </p:cSld>
+  <p:clrMapOvr>
+    <a:masterClrMapping/>
+  </p:clrMapOvr>
+  <p:timing>
+    <p:tnLst>
+      <p:par>
+        <p:cTn id="1" dur="indefinite" restart="never" nodeType="tmRoot"/>
+      </p:par>
+    </p:tnLst>
+  </p:timing>
+</p:sld>
+</file>
+
+<file path=ppt/slides/slide8.xml><?xml version="1.0" encoding="utf-8"?>
+<p:sld xmlns:a="http://schemas.openxmlformats.org/drawingml/2006/main" xmlns:r="http://schemas.openxmlformats.org/officeDocument/2006/relationships" xmlns:p="http://schemas.openxmlformats.org/presentationml/2006/main">
+  <p:cSld>
+    <p:bg>
+      <p:bgPr>
+        <a:blipFill dpi="0" rotWithShape="1">
+          <a:blip r:embed="rId3">
+            <a:lum/>
+          </a:blip>
+          <a:srcRect/>
+          <a:stretch>
+            <a:fillRect/>
+          </a:stretch>
+        </a:blipFill>
+        <a:effectLst/>
+      </p:bgPr>
+    </p:bg>
+    <p:spTree>
+      <p:nvGrpSpPr>
+        <p:cNvPr id="1" name=""/>
+        <p:cNvGrpSpPr/>
+        <p:nvPr/>
+      </p:nvGrpSpPr>
+      <p:grpSpPr>
+        <a:xfrm>
+          <a:off x="0" y="0"/>
+          <a:ext cx="0" cy="0"/>
+          <a:chOff x="0" y="0"/>
+          <a:chExt cx="0" cy="0"/>
+        </a:xfrm>
+      </p:grpSpPr>
+      <p:sp>
+        <p:nvSpPr>
+          <p:cNvPr id="2" name="Title 1"/>
+          <p:cNvSpPr>
+            <a:spLocks noGrp="1"/>
+          </p:cNvSpPr>
+          <p:nvPr>
+            <p:ph type="title"/>
+          </p:nvPr>
+        </p:nvSpPr>
+        <p:spPr>
+          <a:xfrm>
+            <a:off x="838199" y="1565275"/>
+            <a:ext cx="10515600" cy="1325563"/>
+          </a:xfrm>
+        </p:spPr>
+        <p:txBody>
+          <a:bodyPr>
+            <a:normAutofit fontScale="90000"/>
+          </a:bodyPr>
+          <a:lstStyle/>
+          <a:p>
+            <a:pPr algn="ctr"/>
+            <a:r>
+              <a:rPr lang="en-US" sz="4800" dirty="0" smtClean="0">
+                <a:solidFill>
+                  <a:schemeClr val="bg1"/>
+                </a:solidFill>
+                <a:latin typeface="Sternbach" panose="02000500000000000000" pitchFamily="2" charset="0"/>
+              </a:rPr>
+              <a:t>Exploratory</a:t>
+            </a:r>
+            <a:br>
+              <a:rPr lang="en-US" sz="4800" dirty="0" smtClean="0">
+                <a:solidFill>
+                  <a:schemeClr val="bg1"/>
+                </a:solidFill>
+                <a:latin typeface="Sternbach" panose="02000500000000000000" pitchFamily="2" charset="0"/>
+              </a:rPr>
+            </a:br>
+            <a:r>
+              <a:rPr lang="en-US" sz="4800" dirty="0" smtClean="0">
+                <a:solidFill>
+                  <a:schemeClr val="bg1"/>
+                </a:solidFill>
+                <a:latin typeface="Sternbach" panose="02000500000000000000" pitchFamily="2" charset="0"/>
+              </a:rPr>
+              <a:t>Data Analysis</a:t>
+            </a:r>
+            <a:endParaRPr lang="en-US" sz="4800" dirty="0">
+              <a:solidFill>
+                <a:schemeClr val="bg1"/>
+              </a:solidFill>
+              <a:latin typeface="Sternbach" panose="02000500000000000000" pitchFamily="2" charset="0"/>
+            </a:endParaRPr>
+          </a:p>
+        </p:txBody>
+      </p:sp>
+      <p:sp>
+        <p:nvSpPr>
+          <p:cNvPr id="3" name="Content Placeholder 2"/>
+          <p:cNvSpPr>
+            <a:spLocks noGrp="1"/>
+          </p:cNvSpPr>
+          <p:nvPr>
+            <p:ph idx="1"/>
+          </p:nvPr>
+        </p:nvSpPr>
+        <p:spPr>
+          <a:xfrm>
+            <a:off x="3062287" y="3219450"/>
+            <a:ext cx="6067425" cy="847726"/>
+          </a:xfrm>
+        </p:spPr>
+        <p:txBody>
+          <a:bodyPr/>
+          <a:lstStyle/>
+          <a:p>
+            <a:pPr marL="0" indent="0" algn="ctr">
+              <a:buNone/>
+            </a:pPr>
+            <a:r>
+              <a:rPr lang="en-US" dirty="0" smtClean="0">
+                <a:solidFill>
+                  <a:schemeClr val="bg1"/>
+                </a:solidFill>
+              </a:rPr>
+              <a:t>Link to website</a:t>
+            </a:r>
+          </a:p>
+        </p:txBody>
+      </p:sp>
+    </p:spTree>
+    <p:extLst>
+      <p:ext uri="{BB962C8B-B14F-4D97-AF65-F5344CB8AC3E}">
+        <p14:creationId xmlns:p14="http://schemas.microsoft.com/office/powerpoint/2010/main" val="1889142469"/>
+      </p:ext>
+    </p:extLst>
+  </p:cSld>
+  <p:clrMapOvr>
+    <a:masterClrMapping/>
+  </p:clrMapOvr>
+  <p:timing>
+    <p:tnLst>
+      <p:par>
+        <p:cTn id="1" dur="indefinite" restart="never" nodeType="tmRoot"/>
+      </p:par>
+    </p:tnLst>
+  </p:timing>
+</p:sld>
+</file>
+
+<file path=ppt/slides/slide9.xml><?xml version="1.0" encoding="utf-8"?>
+<p:sld xmlns:a="http://schemas.openxmlformats.org/drawingml/2006/main" xmlns:r="http://schemas.openxmlformats.org/officeDocument/2006/relationships" xmlns:p="http://schemas.openxmlformats.org/presentationml/2006/main">
+  <p:cSld>
+    <p:bg>
+      <p:bgPr>
+        <a:blipFill dpi="0" rotWithShape="1">
+          <a:blip r:embed="rId3">
+            <a:lum/>
+          </a:blip>
+          <a:srcRect/>
+          <a:stretch>
+            <a:fillRect/>
+          </a:stretch>
+        </a:blipFill>
+        <a:effectLst/>
+      </p:bgPr>
+    </p:bg>
+    <p:spTree>
+      <p:nvGrpSpPr>
+        <p:cNvPr id="1" name=""/>
+        <p:cNvGrpSpPr/>
+        <p:nvPr/>
+      </p:nvGrpSpPr>
+      <p:grpSpPr>
+        <a:xfrm>
+          <a:off x="0" y="0"/>
+          <a:ext cx="0" cy="0"/>
+          <a:chOff x="0" y="0"/>
+          <a:chExt cx="0" cy="0"/>
+        </a:xfrm>
+      </p:grpSpPr>
+      <p:sp>
+        <p:nvSpPr>
+          <p:cNvPr id="2" name="Title 1"/>
+          <p:cNvSpPr>
+            <a:spLocks noGrp="1"/>
+          </p:cNvSpPr>
+          <p:nvPr>
+            <p:ph type="title"/>
+          </p:nvPr>
+        </p:nvSpPr>
+        <p:spPr>
+          <a:xfrm>
+            <a:off x="838199" y="1565275"/>
+            <a:ext cx="10515600" cy="1325563"/>
+          </a:xfrm>
+        </p:spPr>
+        <p:txBody>
+          <a:bodyPr>
+            <a:normAutofit/>
+          </a:bodyPr>
+          <a:lstStyle/>
+          <a:p>
+            <a:pPr algn="ctr"/>
+            <a:r>
+              <a:rPr lang="en-US" b="1" dirty="0">
+                <a:solidFill>
+                  <a:schemeClr val="bg1"/>
+                </a:solidFill>
+                <a:latin typeface="Sternbach" panose="02000500000000000000" pitchFamily="2" charset="0"/>
+              </a:rPr>
+              <a:t>Data </a:t>
+            </a:r>
+            <a:r>
+              <a:rPr lang="en-US" b="1" dirty="0" smtClean="0">
+                <a:solidFill>
+                  <a:schemeClr val="bg1"/>
+                </a:solidFill>
+                <a:latin typeface="Sternbach" panose="02000500000000000000" pitchFamily="2" charset="0"/>
+              </a:rPr>
+              <a:t>Cleaning </a:t>
+            </a:r>
+            <a:r>
+              <a:rPr lang="en-US" b="1" dirty="0">
+                <a:solidFill>
+                  <a:schemeClr val="bg1"/>
+                </a:solidFill>
+                <a:latin typeface="Sternbach" panose="02000500000000000000" pitchFamily="2" charset="0"/>
+              </a:rPr>
+              <a:t/>
+            </a:r>
+            <a:br>
+              <a:rPr lang="en-US" b="1" dirty="0">
+                <a:solidFill>
+                  <a:schemeClr val="bg1"/>
+                </a:solidFill>
+                <a:latin typeface="Sternbach" panose="02000500000000000000" pitchFamily="2" charset="0"/>
+              </a:rPr>
+            </a:br>
+            <a:r>
+              <a:rPr lang="en-US" b="1" dirty="0">
+                <a:solidFill>
+                  <a:schemeClr val="bg1"/>
+                </a:solidFill>
+                <a:latin typeface="Sternbach" panose="02000500000000000000" pitchFamily="2" charset="0"/>
+              </a:rPr>
+              <a:t>&amp; Feature Extraction</a:t>
+            </a:r>
+            <a:endParaRPr lang="en-US" b="1" dirty="0">
+              <a:solidFill>
+                <a:schemeClr val="bg1"/>
+              </a:solidFill>
+              <a:latin typeface="Sternbach" panose="02000500000000000000" pitchFamily="2" charset="0"/>
+            </a:endParaRPr>
+          </a:p>
+        </p:txBody>
+      </p:sp>
+      <p:sp>
+        <p:nvSpPr>
+          <p:cNvPr id="3" name="Content Placeholder 2"/>
+          <p:cNvSpPr>
+            <a:spLocks noGrp="1"/>
+          </p:cNvSpPr>
+          <p:nvPr>
+            <p:ph idx="1"/>
+          </p:nvPr>
+        </p:nvSpPr>
+        <p:spPr>
+          <a:xfrm>
+            <a:off x="3062287" y="3219450"/>
+            <a:ext cx="6067425" cy="847726"/>
+          </a:xfrm>
+        </p:spPr>
+        <p:txBody>
+          <a:bodyPr>
+            <a:normAutofit/>
+          </a:bodyPr>
+          <a:lstStyle/>
+          <a:p>
+            <a:pPr marL="0" indent="0" algn="ctr">
+              <a:buNone/>
+            </a:pPr>
+            <a:r>
+              <a:rPr lang="en-US" dirty="0" err="1" smtClean="0">
+                <a:solidFill>
+                  <a:schemeClr val="bg1"/>
+                </a:solidFill>
+              </a:rPr>
+              <a:t>Jupyter</a:t>
+            </a:r>
+            <a:r>
+              <a:rPr lang="en-US" dirty="0" smtClean="0">
+                <a:solidFill>
+                  <a:schemeClr val="bg1"/>
+                </a:solidFill>
+              </a:rPr>
+              <a:t> Notebook</a:t>
+            </a:r>
+          </a:p>
+        </p:txBody>
+      </p:sp>
+    </p:spTree>
+    <p:extLst>
+      <p:ext uri="{BB962C8B-B14F-4D97-AF65-F5344CB8AC3E}">
+        <p14:creationId xmlns:p14="http://schemas.microsoft.com/office/powerpoint/2010/main" val="3622782637"/>
+      </p:ext>
+    </p:extLst>
+  </p:cSld>
+  <p:clrMapOvr>
+    <a:masterClrMapping/>
+  </p:clrMapOvr>
+  <p:timing>
+    <p:tnLst>
+      <p:par>
+        <p:cTn id="1" dur="indefinite" restart="never" nodeType="tmRoot"/>
+      </p:par>
+    </p:tnLst>
+  </p:timing>
 </p:sld>
 </file>
 

--- a/ufc.pptx
+++ b/ufc.pptx
@@ -5,7 +5,7 @@
     <p:sldMasterId id="2147483648" r:id="rId1"/>
   </p:sldMasterIdLst>
   <p:notesMasterIdLst>
-    <p:notesMasterId r:id="rId15"/>
+    <p:notesMasterId r:id="rId18"/>
   </p:notesMasterIdLst>
   <p:sldIdLst>
     <p:sldId id="258" r:id="rId2"/>
@@ -20,7 +20,10 @@
     <p:sldId id="270" r:id="rId11"/>
     <p:sldId id="271" r:id="rId12"/>
     <p:sldId id="272" r:id="rId13"/>
-    <p:sldId id="261" r:id="rId14"/>
+    <p:sldId id="273" r:id="rId14"/>
+    <p:sldId id="274" r:id="rId15"/>
+    <p:sldId id="275" r:id="rId16"/>
+    <p:sldId id="276" r:id="rId17"/>
   </p:sldIdLst>
   <p:sldSz cx="12192000" cy="6858000"/>
   <p:notesSz cx="6858000" cy="9144000"/>
@@ -612,6 +615,477 @@
           <a:bodyPr/>
           <a:lstStyle/>
           <a:p>
+            <a:pPr fontAlgn="base"/>
+            <a:r>
+              <a:rPr lang="en-US" sz="1200" b="0" i="0" kern="1200" dirty="0" smtClean="0">
+                <a:solidFill>
+                  <a:schemeClr val="tx1"/>
+                </a:solidFill>
+                <a:effectLst/>
+                <a:latin typeface="+mn-lt"/>
+                <a:ea typeface="+mn-ea"/>
+                <a:cs typeface="+mn-cs"/>
+              </a:rPr>
+              <a:t>There are four ways to check if the predictions are right or wrong:</a:t>
+            </a:r>
+          </a:p>
+          <a:p>
+            <a:pPr fontAlgn="base"/>
+            <a:r>
+              <a:rPr lang="en-US" sz="1200" b="1" i="0" kern="1200" dirty="0" smtClean="0">
+                <a:solidFill>
+                  <a:schemeClr val="tx1"/>
+                </a:solidFill>
+                <a:effectLst/>
+                <a:latin typeface="+mn-lt"/>
+                <a:ea typeface="+mn-ea"/>
+                <a:cs typeface="+mn-cs"/>
+              </a:rPr>
+              <a:t>TN / True Negative: </a:t>
+            </a:r>
+            <a:r>
+              <a:rPr lang="en-US" sz="1200" b="0" i="0" kern="1200" dirty="0" smtClean="0">
+                <a:solidFill>
+                  <a:schemeClr val="tx1"/>
+                </a:solidFill>
+                <a:effectLst/>
+                <a:latin typeface="+mn-lt"/>
+                <a:ea typeface="+mn-ea"/>
+                <a:cs typeface="+mn-cs"/>
+              </a:rPr>
+              <a:t>when a case was negative and predicted negative</a:t>
+            </a:r>
+          </a:p>
+          <a:p>
+            <a:pPr fontAlgn="base"/>
+            <a:r>
+              <a:rPr lang="en-US" sz="1200" b="1" i="0" kern="1200" dirty="0" smtClean="0">
+                <a:solidFill>
+                  <a:schemeClr val="tx1"/>
+                </a:solidFill>
+                <a:effectLst/>
+                <a:latin typeface="+mn-lt"/>
+                <a:ea typeface="+mn-ea"/>
+                <a:cs typeface="+mn-cs"/>
+              </a:rPr>
+              <a:t>TP / True Positive: </a:t>
+            </a:r>
+            <a:r>
+              <a:rPr lang="en-US" sz="1200" b="0" i="0" kern="1200" dirty="0" smtClean="0">
+                <a:solidFill>
+                  <a:schemeClr val="tx1"/>
+                </a:solidFill>
+                <a:effectLst/>
+                <a:latin typeface="+mn-lt"/>
+                <a:ea typeface="+mn-ea"/>
+                <a:cs typeface="+mn-cs"/>
+              </a:rPr>
+              <a:t>when a case was positive and predicted positive</a:t>
+            </a:r>
+          </a:p>
+          <a:p>
+            <a:pPr fontAlgn="base"/>
+            <a:r>
+              <a:rPr lang="en-US" sz="1200" b="1" i="0" kern="1200" dirty="0" smtClean="0">
+                <a:solidFill>
+                  <a:schemeClr val="tx1"/>
+                </a:solidFill>
+                <a:effectLst/>
+                <a:latin typeface="+mn-lt"/>
+                <a:ea typeface="+mn-ea"/>
+                <a:cs typeface="+mn-cs"/>
+              </a:rPr>
+              <a:t>FN / False Negative: </a:t>
+            </a:r>
+            <a:r>
+              <a:rPr lang="en-US" sz="1200" b="0" i="0" kern="1200" dirty="0" smtClean="0">
+                <a:solidFill>
+                  <a:schemeClr val="tx1"/>
+                </a:solidFill>
+                <a:effectLst/>
+                <a:latin typeface="+mn-lt"/>
+                <a:ea typeface="+mn-ea"/>
+                <a:cs typeface="+mn-cs"/>
+              </a:rPr>
+              <a:t>when a case was positive but predicted negative</a:t>
+            </a:r>
+          </a:p>
+          <a:p>
+            <a:pPr fontAlgn="base"/>
+            <a:r>
+              <a:rPr lang="en-US" sz="1200" b="1" i="0" kern="1200" dirty="0" smtClean="0">
+                <a:solidFill>
+                  <a:schemeClr val="tx1"/>
+                </a:solidFill>
+                <a:effectLst/>
+                <a:latin typeface="+mn-lt"/>
+                <a:ea typeface="+mn-ea"/>
+                <a:cs typeface="+mn-cs"/>
+              </a:rPr>
+              <a:t>FP / False Positive: </a:t>
+            </a:r>
+            <a:r>
+              <a:rPr lang="en-US" sz="1200" b="0" i="0" kern="1200" dirty="0" smtClean="0">
+                <a:solidFill>
+                  <a:schemeClr val="tx1"/>
+                </a:solidFill>
+                <a:effectLst/>
+                <a:latin typeface="+mn-lt"/>
+                <a:ea typeface="+mn-ea"/>
+                <a:cs typeface="+mn-cs"/>
+              </a:rPr>
+              <a:t>when a case was negative but predicted positive</a:t>
+            </a:r>
+          </a:p>
+          <a:p>
+            <a:endParaRPr lang="en-US" dirty="0" smtClean="0"/>
+          </a:p>
+          <a:p>
+            <a:endParaRPr lang="en-US" dirty="0" smtClean="0"/>
+          </a:p>
+          <a:p>
+            <a:pPr fontAlgn="base"/>
+            <a:r>
+              <a:rPr lang="en-US" sz="1200" b="1" i="0" kern="1200" dirty="0" smtClean="0">
+                <a:solidFill>
+                  <a:schemeClr val="tx1"/>
+                </a:solidFill>
+                <a:effectLst/>
+                <a:latin typeface="+mn-lt"/>
+                <a:ea typeface="+mn-ea"/>
+                <a:cs typeface="+mn-cs"/>
+              </a:rPr>
+              <a:t>Precision – What percent of your predictions were correct?</a:t>
+            </a:r>
+          </a:p>
+          <a:p>
+            <a:pPr fontAlgn="base"/>
+            <a:r>
+              <a:rPr lang="en-US" sz="1200" b="0" i="0" kern="1200" dirty="0" smtClean="0">
+                <a:solidFill>
+                  <a:schemeClr val="tx1"/>
+                </a:solidFill>
+                <a:effectLst/>
+                <a:latin typeface="+mn-lt"/>
+                <a:ea typeface="+mn-ea"/>
+                <a:cs typeface="+mn-cs"/>
+              </a:rPr>
+              <a:t>Precision is the ability of a classifier not to label an instance positive that is actually negative. For each class it is defined as the ratio of true positives to the sum of true and false positives.</a:t>
+            </a:r>
+          </a:p>
+          <a:p>
+            <a:pPr fontAlgn="base"/>
+            <a:r>
+              <a:rPr lang="en-US" sz="1200" b="1" i="0" kern="1200" dirty="0" smtClean="0">
+                <a:solidFill>
+                  <a:schemeClr val="tx1"/>
+                </a:solidFill>
+                <a:effectLst/>
+                <a:latin typeface="+mn-lt"/>
+                <a:ea typeface="+mn-ea"/>
+                <a:cs typeface="+mn-cs"/>
+              </a:rPr>
+              <a:t>TP – True Positives</a:t>
+            </a:r>
+            <a:r>
+              <a:rPr lang="en-US" sz="1200" b="0" i="0" kern="1200" dirty="0" smtClean="0">
+                <a:solidFill>
+                  <a:schemeClr val="tx1"/>
+                </a:solidFill>
+                <a:effectLst/>
+                <a:latin typeface="+mn-lt"/>
+                <a:ea typeface="+mn-ea"/>
+                <a:cs typeface="+mn-cs"/>
+              </a:rPr>
+              <a:t/>
+            </a:r>
+            <a:br>
+              <a:rPr lang="en-US" sz="1200" b="0" i="0" kern="1200" dirty="0" smtClean="0">
+                <a:solidFill>
+                  <a:schemeClr val="tx1"/>
+                </a:solidFill>
+                <a:effectLst/>
+                <a:latin typeface="+mn-lt"/>
+                <a:ea typeface="+mn-ea"/>
+                <a:cs typeface="+mn-cs"/>
+              </a:rPr>
+            </a:br>
+            <a:r>
+              <a:rPr lang="en-US" sz="1200" b="1" i="0" kern="1200" dirty="0" smtClean="0">
+                <a:solidFill>
+                  <a:schemeClr val="tx1"/>
+                </a:solidFill>
+                <a:effectLst/>
+                <a:latin typeface="+mn-lt"/>
+                <a:ea typeface="+mn-ea"/>
+                <a:cs typeface="+mn-cs"/>
+              </a:rPr>
+              <a:t>FP – False Positives</a:t>
+            </a:r>
+            <a:endParaRPr lang="en-US" sz="1200" b="0" i="0" kern="1200" dirty="0" smtClean="0">
+              <a:solidFill>
+                <a:schemeClr val="tx1"/>
+              </a:solidFill>
+              <a:effectLst/>
+              <a:latin typeface="+mn-lt"/>
+              <a:ea typeface="+mn-ea"/>
+              <a:cs typeface="+mn-cs"/>
+            </a:endParaRPr>
+          </a:p>
+          <a:p>
+            <a:pPr fontAlgn="base"/>
+            <a:r>
+              <a:rPr lang="en-US" sz="1200" b="0" i="0" kern="1200" dirty="0" smtClean="0">
+                <a:solidFill>
+                  <a:schemeClr val="tx1"/>
+                </a:solidFill>
+                <a:effectLst/>
+                <a:latin typeface="+mn-lt"/>
+                <a:ea typeface="+mn-ea"/>
+                <a:cs typeface="+mn-cs"/>
+              </a:rPr>
+              <a:t>Precision – Accuracy of positive predictions.</a:t>
+            </a:r>
+            <a:br>
+              <a:rPr lang="en-US" sz="1200" b="0" i="0" kern="1200" dirty="0" smtClean="0">
+                <a:solidFill>
+                  <a:schemeClr val="tx1"/>
+                </a:solidFill>
+                <a:effectLst/>
+                <a:latin typeface="+mn-lt"/>
+                <a:ea typeface="+mn-ea"/>
+                <a:cs typeface="+mn-cs"/>
+              </a:rPr>
+            </a:br>
+            <a:r>
+              <a:rPr lang="en-US" sz="1200" b="0" i="0" kern="1200" dirty="0" smtClean="0">
+                <a:solidFill>
+                  <a:schemeClr val="tx1"/>
+                </a:solidFill>
+                <a:effectLst/>
+                <a:latin typeface="+mn-lt"/>
+                <a:ea typeface="+mn-ea"/>
+                <a:cs typeface="+mn-cs"/>
+              </a:rPr>
+              <a:t>Precision = TP/(TP + FP)</a:t>
+            </a:r>
+          </a:p>
+          <a:p>
+            <a:endParaRPr lang="en-US" dirty="0" smtClean="0"/>
+          </a:p>
+          <a:p>
+            <a:pPr fontAlgn="base"/>
+            <a:r>
+              <a:rPr lang="en-US" sz="1200" b="1" i="0" kern="1200" dirty="0" smtClean="0">
+                <a:solidFill>
+                  <a:schemeClr val="tx1"/>
+                </a:solidFill>
+                <a:effectLst/>
+                <a:latin typeface="+mn-lt"/>
+                <a:ea typeface="+mn-ea"/>
+                <a:cs typeface="+mn-cs"/>
+              </a:rPr>
+              <a:t>Recall – What percent of the positive cases did you catch? </a:t>
+            </a:r>
+          </a:p>
+          <a:p>
+            <a:pPr fontAlgn="base"/>
+            <a:r>
+              <a:rPr lang="en-US" sz="1200" b="0" i="0" kern="1200" dirty="0" smtClean="0">
+                <a:solidFill>
+                  <a:schemeClr val="tx1"/>
+                </a:solidFill>
+                <a:effectLst/>
+                <a:latin typeface="+mn-lt"/>
+                <a:ea typeface="+mn-ea"/>
+                <a:cs typeface="+mn-cs"/>
+              </a:rPr>
+              <a:t>Recall is the ability of a classifier to find all positive instances. For each class it is defined as the ratio of true positives to the sum of true positives and false negatives.</a:t>
+            </a:r>
+          </a:p>
+          <a:p>
+            <a:pPr fontAlgn="base"/>
+            <a:r>
+              <a:rPr lang="en-US" sz="1200" b="1" i="0" kern="1200" dirty="0" smtClean="0">
+                <a:solidFill>
+                  <a:schemeClr val="tx1"/>
+                </a:solidFill>
+                <a:effectLst/>
+                <a:latin typeface="+mn-lt"/>
+                <a:ea typeface="+mn-ea"/>
+                <a:cs typeface="+mn-cs"/>
+              </a:rPr>
+              <a:t>FN – False Negatives</a:t>
+            </a:r>
+            <a:endParaRPr lang="en-US" sz="1200" b="0" i="0" kern="1200" dirty="0" smtClean="0">
+              <a:solidFill>
+                <a:schemeClr val="tx1"/>
+              </a:solidFill>
+              <a:effectLst/>
+              <a:latin typeface="+mn-lt"/>
+              <a:ea typeface="+mn-ea"/>
+              <a:cs typeface="+mn-cs"/>
+            </a:endParaRPr>
+          </a:p>
+          <a:p>
+            <a:pPr fontAlgn="base"/>
+            <a:r>
+              <a:rPr lang="en-US" sz="1200" b="0" i="0" kern="1200" dirty="0" smtClean="0">
+                <a:solidFill>
+                  <a:schemeClr val="tx1"/>
+                </a:solidFill>
+                <a:effectLst/>
+                <a:latin typeface="+mn-lt"/>
+                <a:ea typeface="+mn-ea"/>
+                <a:cs typeface="+mn-cs"/>
+              </a:rPr>
+              <a:t>Recall: Fraction of positives that were correctly identified.</a:t>
+            </a:r>
+            <a:br>
+              <a:rPr lang="en-US" sz="1200" b="0" i="0" kern="1200" dirty="0" smtClean="0">
+                <a:solidFill>
+                  <a:schemeClr val="tx1"/>
+                </a:solidFill>
+                <a:effectLst/>
+                <a:latin typeface="+mn-lt"/>
+                <a:ea typeface="+mn-ea"/>
+                <a:cs typeface="+mn-cs"/>
+              </a:rPr>
+            </a:br>
+            <a:r>
+              <a:rPr lang="en-US" sz="1200" b="0" i="0" kern="1200" dirty="0" smtClean="0">
+                <a:solidFill>
+                  <a:schemeClr val="tx1"/>
+                </a:solidFill>
+                <a:effectLst/>
+                <a:latin typeface="+mn-lt"/>
+                <a:ea typeface="+mn-ea"/>
+                <a:cs typeface="+mn-cs"/>
+              </a:rPr>
+              <a:t>Recall = TP/(TP+FN)</a:t>
+            </a:r>
+          </a:p>
+          <a:p>
+            <a:endParaRPr lang="en-US" dirty="0" smtClean="0"/>
+          </a:p>
+          <a:p>
+            <a:pPr fontAlgn="base"/>
+            <a:r>
+              <a:rPr lang="en-US" sz="1200" b="1" i="0" kern="1200" dirty="0" smtClean="0">
+                <a:solidFill>
+                  <a:schemeClr val="tx1"/>
+                </a:solidFill>
+                <a:effectLst/>
+                <a:latin typeface="+mn-lt"/>
+                <a:ea typeface="+mn-ea"/>
+                <a:cs typeface="+mn-cs"/>
+              </a:rPr>
+              <a:t>F1 score – What percent of positive predictions were correct? </a:t>
+            </a:r>
+          </a:p>
+          <a:p>
+            <a:pPr fontAlgn="base"/>
+            <a:r>
+              <a:rPr lang="en-US" sz="1200" b="0" i="0" kern="1200" dirty="0" smtClean="0">
+                <a:solidFill>
+                  <a:schemeClr val="tx1"/>
+                </a:solidFill>
+                <a:effectLst/>
+                <a:latin typeface="+mn-lt"/>
+                <a:ea typeface="+mn-ea"/>
+                <a:cs typeface="+mn-cs"/>
+              </a:rPr>
+              <a:t>The F</a:t>
+            </a:r>
+            <a:r>
+              <a:rPr lang="en-US" sz="1200" b="0" i="0" kern="1200" baseline="-25000" dirty="0" smtClean="0">
+                <a:solidFill>
+                  <a:schemeClr val="tx1"/>
+                </a:solidFill>
+                <a:effectLst/>
+                <a:latin typeface="+mn-lt"/>
+                <a:ea typeface="+mn-ea"/>
+                <a:cs typeface="+mn-cs"/>
+              </a:rPr>
+              <a:t>1</a:t>
+            </a:r>
+            <a:r>
+              <a:rPr lang="en-US" sz="1200" b="0" i="0" kern="1200" dirty="0" smtClean="0">
+                <a:solidFill>
+                  <a:schemeClr val="tx1"/>
+                </a:solidFill>
+                <a:effectLst/>
+                <a:latin typeface="+mn-lt"/>
+                <a:ea typeface="+mn-ea"/>
+                <a:cs typeface="+mn-cs"/>
+              </a:rPr>
+              <a:t> score is a weighted harmonic mean of precision and recall such that the best score is 1.0 and the worst is 0.0. Generally speaking, F</a:t>
+            </a:r>
+            <a:r>
+              <a:rPr lang="en-US" sz="1200" b="0" i="0" kern="1200" baseline="-25000" dirty="0" smtClean="0">
+                <a:solidFill>
+                  <a:schemeClr val="tx1"/>
+                </a:solidFill>
+                <a:effectLst/>
+                <a:latin typeface="+mn-lt"/>
+                <a:ea typeface="+mn-ea"/>
+                <a:cs typeface="+mn-cs"/>
+              </a:rPr>
+              <a:t>1</a:t>
+            </a:r>
+            <a:r>
+              <a:rPr lang="en-US" sz="1200" b="0" i="0" kern="1200" dirty="0" smtClean="0">
+                <a:solidFill>
+                  <a:schemeClr val="tx1"/>
+                </a:solidFill>
+                <a:effectLst/>
+                <a:latin typeface="+mn-lt"/>
+                <a:ea typeface="+mn-ea"/>
+                <a:cs typeface="+mn-cs"/>
+              </a:rPr>
+              <a:t> scores are lower than accuracy measures as they embed precision and recall into their computation. As a rule of thumb, the weighted average of F</a:t>
+            </a:r>
+            <a:r>
+              <a:rPr lang="en-US" sz="1200" b="0" i="0" kern="1200" baseline="-25000" dirty="0" smtClean="0">
+                <a:solidFill>
+                  <a:schemeClr val="tx1"/>
+                </a:solidFill>
+                <a:effectLst/>
+                <a:latin typeface="+mn-lt"/>
+                <a:ea typeface="+mn-ea"/>
+                <a:cs typeface="+mn-cs"/>
+              </a:rPr>
+              <a:t>1</a:t>
+            </a:r>
+            <a:r>
+              <a:rPr lang="en-US" sz="1200" b="0" i="0" kern="1200" dirty="0" smtClean="0">
+                <a:solidFill>
+                  <a:schemeClr val="tx1"/>
+                </a:solidFill>
+                <a:effectLst/>
+                <a:latin typeface="+mn-lt"/>
+                <a:ea typeface="+mn-ea"/>
+                <a:cs typeface="+mn-cs"/>
+              </a:rPr>
+              <a:t> should be used to compare classifier models, not global accuracy.</a:t>
+            </a:r>
+          </a:p>
+          <a:p>
+            <a:pPr fontAlgn="base"/>
+            <a:r>
+              <a:rPr lang="en-US" sz="1200" b="0" i="0" kern="1200" dirty="0" smtClean="0">
+                <a:solidFill>
+                  <a:schemeClr val="tx1"/>
+                </a:solidFill>
+                <a:effectLst/>
+                <a:latin typeface="+mn-lt"/>
+                <a:ea typeface="+mn-ea"/>
+                <a:cs typeface="+mn-cs"/>
+              </a:rPr>
+              <a:t>F1 Score = 2*(Recall * Precision) / (Recall + Precision)</a:t>
+            </a:r>
+          </a:p>
+          <a:p>
             <a:endParaRPr lang="en-US" dirty="0"/>
           </a:p>
         </p:txBody>
@@ -623,7 +1097,7 @@
             <a:spLocks noGrp="1"/>
           </p:cNvSpPr>
           <p:nvPr>
-            <p:ph type="sldNum" sz="quarter" idx="5"/>
+            <p:ph type="sldNum" sz="quarter" idx="10"/>
           </p:nvPr>
         </p:nvSpPr>
         <p:spPr/>
@@ -642,7 +1116,267 @@
     </p:spTree>
     <p:extLst>
       <p:ext uri="{BB962C8B-B14F-4D97-AF65-F5344CB8AC3E}">
-        <p14:creationId xmlns:p14="http://schemas.microsoft.com/office/powerpoint/2010/main" val="2766012626"/>
+        <p14:creationId xmlns:p14="http://schemas.microsoft.com/office/powerpoint/2010/main" val="159293616"/>
+      </p:ext>
+    </p:extLst>
+  </p:cSld>
+  <p:clrMapOvr>
+    <a:masterClrMapping/>
+  </p:clrMapOvr>
+</p:notes>
+</file>
+
+<file path=ppt/notesSlides/notesSlide11.xml><?xml version="1.0" encoding="utf-8"?>
+<p:notes xmlns:a="http://schemas.openxmlformats.org/drawingml/2006/main" xmlns:r="http://schemas.openxmlformats.org/officeDocument/2006/relationships" xmlns:p="http://schemas.openxmlformats.org/presentationml/2006/main">
+  <p:cSld>
+    <p:spTree>
+      <p:nvGrpSpPr>
+        <p:cNvPr id="1" name=""/>
+        <p:cNvGrpSpPr/>
+        <p:nvPr/>
+      </p:nvGrpSpPr>
+      <p:grpSpPr>
+        <a:xfrm>
+          <a:off x="0" y="0"/>
+          <a:ext cx="0" cy="0"/>
+          <a:chOff x="0" y="0"/>
+          <a:chExt cx="0" cy="0"/>
+        </a:xfrm>
+      </p:grpSpPr>
+      <p:sp>
+        <p:nvSpPr>
+          <p:cNvPr id="2" name="Slide Image Placeholder 1"/>
+          <p:cNvSpPr>
+            <a:spLocks noGrp="1" noRot="1" noChangeAspect="1"/>
+          </p:cNvSpPr>
+          <p:nvPr>
+            <p:ph type="sldImg"/>
+          </p:nvPr>
+        </p:nvSpPr>
+        <p:spPr/>
+      </p:sp>
+      <p:sp>
+        <p:nvSpPr>
+          <p:cNvPr id="3" name="Notes Placeholder 2"/>
+          <p:cNvSpPr>
+            <a:spLocks noGrp="1"/>
+          </p:cNvSpPr>
+          <p:nvPr>
+            <p:ph type="body" idx="1"/>
+          </p:nvPr>
+        </p:nvSpPr>
+        <p:spPr/>
+        <p:txBody>
+          <a:bodyPr/>
+          <a:lstStyle/>
+          <a:p>
+            <a:endParaRPr lang="en-US" dirty="0"/>
+          </a:p>
+        </p:txBody>
+      </p:sp>
+      <p:sp>
+        <p:nvSpPr>
+          <p:cNvPr id="4" name="Slide Number Placeholder 3"/>
+          <p:cNvSpPr>
+            <a:spLocks noGrp="1"/>
+          </p:cNvSpPr>
+          <p:nvPr>
+            <p:ph type="sldNum" sz="quarter" idx="10"/>
+          </p:nvPr>
+        </p:nvSpPr>
+        <p:spPr/>
+        <p:txBody>
+          <a:bodyPr/>
+          <a:lstStyle/>
+          <a:p>
+            <a:fld id="{4B6E503A-4C47-9042-A9ED-0302F2EAC8AD}" type="slidenum">
+              <a:rPr lang="en-US" smtClean="0"/>
+              <a:t>14</a:t>
+            </a:fld>
+            <a:endParaRPr lang="en-US"/>
+          </a:p>
+        </p:txBody>
+      </p:sp>
+    </p:spTree>
+    <p:extLst>
+      <p:ext uri="{BB962C8B-B14F-4D97-AF65-F5344CB8AC3E}">
+        <p14:creationId xmlns:p14="http://schemas.microsoft.com/office/powerpoint/2010/main" val="2740513832"/>
+      </p:ext>
+    </p:extLst>
+  </p:cSld>
+  <p:clrMapOvr>
+    <a:masterClrMapping/>
+  </p:clrMapOvr>
+</p:notes>
+</file>
+
+<file path=ppt/notesSlides/notesSlide12.xml><?xml version="1.0" encoding="utf-8"?>
+<p:notes xmlns:a="http://schemas.openxmlformats.org/drawingml/2006/main" xmlns:r="http://schemas.openxmlformats.org/officeDocument/2006/relationships" xmlns:p="http://schemas.openxmlformats.org/presentationml/2006/main">
+  <p:cSld>
+    <p:spTree>
+      <p:nvGrpSpPr>
+        <p:cNvPr id="1" name=""/>
+        <p:cNvGrpSpPr/>
+        <p:nvPr/>
+      </p:nvGrpSpPr>
+      <p:grpSpPr>
+        <a:xfrm>
+          <a:off x="0" y="0"/>
+          <a:ext cx="0" cy="0"/>
+          <a:chOff x="0" y="0"/>
+          <a:chExt cx="0" cy="0"/>
+        </a:xfrm>
+      </p:grpSpPr>
+      <p:sp>
+        <p:nvSpPr>
+          <p:cNvPr id="2" name="Slide Image Placeholder 1"/>
+          <p:cNvSpPr>
+            <a:spLocks noGrp="1" noRot="1" noChangeAspect="1"/>
+          </p:cNvSpPr>
+          <p:nvPr>
+            <p:ph type="sldImg"/>
+          </p:nvPr>
+        </p:nvSpPr>
+        <p:spPr/>
+      </p:sp>
+      <p:sp>
+        <p:nvSpPr>
+          <p:cNvPr id="3" name="Notes Placeholder 2"/>
+          <p:cNvSpPr>
+            <a:spLocks noGrp="1"/>
+          </p:cNvSpPr>
+          <p:nvPr>
+            <p:ph type="body" idx="1"/>
+          </p:nvPr>
+        </p:nvSpPr>
+        <p:spPr/>
+        <p:txBody>
+          <a:bodyPr/>
+          <a:lstStyle/>
+          <a:p>
+            <a:pPr marL="171450" indent="-171450">
+              <a:buFont typeface="Arial" panose="020B0604020202020204" pitchFamily="34" charset="0"/>
+              <a:buChar char="•"/>
+            </a:pPr>
+            <a:endParaRPr lang="en-US" baseline="0" dirty="0" smtClean="0"/>
+          </a:p>
+        </p:txBody>
+      </p:sp>
+      <p:sp>
+        <p:nvSpPr>
+          <p:cNvPr id="4" name="Slide Number Placeholder 3"/>
+          <p:cNvSpPr>
+            <a:spLocks noGrp="1"/>
+          </p:cNvSpPr>
+          <p:nvPr>
+            <p:ph type="sldNum" sz="quarter" idx="10"/>
+          </p:nvPr>
+        </p:nvSpPr>
+        <p:spPr/>
+        <p:txBody>
+          <a:bodyPr/>
+          <a:lstStyle/>
+          <a:p>
+            <a:fld id="{4B6E503A-4C47-9042-A9ED-0302F2EAC8AD}" type="slidenum">
+              <a:rPr lang="en-US" smtClean="0"/>
+              <a:t>15</a:t>
+            </a:fld>
+            <a:endParaRPr lang="en-US"/>
+          </a:p>
+        </p:txBody>
+      </p:sp>
+    </p:spTree>
+    <p:extLst>
+      <p:ext uri="{BB962C8B-B14F-4D97-AF65-F5344CB8AC3E}">
+        <p14:creationId xmlns:p14="http://schemas.microsoft.com/office/powerpoint/2010/main" val="1512619474"/>
+      </p:ext>
+    </p:extLst>
+  </p:cSld>
+  <p:clrMapOvr>
+    <a:masterClrMapping/>
+  </p:clrMapOvr>
+</p:notes>
+</file>
+
+<file path=ppt/notesSlides/notesSlide13.xml><?xml version="1.0" encoding="utf-8"?>
+<p:notes xmlns:a="http://schemas.openxmlformats.org/drawingml/2006/main" xmlns:r="http://schemas.openxmlformats.org/officeDocument/2006/relationships" xmlns:p="http://schemas.openxmlformats.org/presentationml/2006/main">
+  <p:cSld>
+    <p:spTree>
+      <p:nvGrpSpPr>
+        <p:cNvPr id="1" name=""/>
+        <p:cNvGrpSpPr/>
+        <p:nvPr/>
+      </p:nvGrpSpPr>
+      <p:grpSpPr>
+        <a:xfrm>
+          <a:off x="0" y="0"/>
+          <a:ext cx="0" cy="0"/>
+          <a:chOff x="0" y="0"/>
+          <a:chExt cx="0" cy="0"/>
+        </a:xfrm>
+      </p:grpSpPr>
+      <p:sp>
+        <p:nvSpPr>
+          <p:cNvPr id="2" name="Slide Image Placeholder 1"/>
+          <p:cNvSpPr>
+            <a:spLocks noGrp="1" noRot="1" noChangeAspect="1"/>
+          </p:cNvSpPr>
+          <p:nvPr>
+            <p:ph type="sldImg"/>
+          </p:nvPr>
+        </p:nvSpPr>
+        <p:spPr/>
+      </p:sp>
+      <p:sp>
+        <p:nvSpPr>
+          <p:cNvPr id="3" name="Notes Placeholder 2"/>
+          <p:cNvSpPr>
+            <a:spLocks noGrp="1"/>
+          </p:cNvSpPr>
+          <p:nvPr>
+            <p:ph type="body" idx="1"/>
+          </p:nvPr>
+        </p:nvSpPr>
+        <p:spPr/>
+        <p:txBody>
+          <a:bodyPr/>
+          <a:lstStyle/>
+          <a:p>
+            <a:pPr marL="171450" indent="-171450">
+              <a:buFont typeface="Arial" panose="020B0604020202020204" pitchFamily="34" charset="0"/>
+              <a:buChar char="•"/>
+            </a:pPr>
+            <a:endParaRPr lang="en-US" baseline="0" dirty="0" smtClean="0"/>
+          </a:p>
+        </p:txBody>
+      </p:sp>
+      <p:sp>
+        <p:nvSpPr>
+          <p:cNvPr id="4" name="Slide Number Placeholder 3"/>
+          <p:cNvSpPr>
+            <a:spLocks noGrp="1"/>
+          </p:cNvSpPr>
+          <p:nvPr>
+            <p:ph type="sldNum" sz="quarter" idx="10"/>
+          </p:nvPr>
+        </p:nvSpPr>
+        <p:spPr/>
+        <p:txBody>
+          <a:bodyPr/>
+          <a:lstStyle/>
+          <a:p>
+            <a:fld id="{4B6E503A-4C47-9042-A9ED-0302F2EAC8AD}" type="slidenum">
+              <a:rPr lang="en-US" smtClean="0"/>
+              <a:t>16</a:t>
+            </a:fld>
+            <a:endParaRPr lang="en-US"/>
+          </a:p>
+        </p:txBody>
+      </p:sp>
+    </p:spTree>
+    <p:extLst>
+      <p:ext uri="{BB962C8B-B14F-4D97-AF65-F5344CB8AC3E}">
+        <p14:creationId xmlns:p14="http://schemas.microsoft.com/office/powerpoint/2010/main" val="1469482474"/>
       </p:ext>
     </p:extLst>
   </p:cSld>
@@ -7824,6 +8558,20 @@
 <file path=ppt/slides/slide13.xml><?xml version="1.0" encoding="utf-8"?>
 <p:sld xmlns:a="http://schemas.openxmlformats.org/drawingml/2006/main" xmlns:r="http://schemas.openxmlformats.org/officeDocument/2006/relationships" xmlns:p="http://schemas.openxmlformats.org/presentationml/2006/main">
   <p:cSld>
+    <p:bg>
+      <p:bgPr>
+        <a:blipFill dpi="0" rotWithShape="1">
+          <a:blip r:embed="rId3">
+            <a:lum/>
+          </a:blip>
+          <a:srcRect/>
+          <a:stretch>
+            <a:fillRect/>
+          </a:stretch>
+        </a:blipFill>
+        <a:effectLst/>
+      </p:bgPr>
+    </p:bg>
     <p:spTree>
       <p:nvGrpSpPr>
         <p:cNvPr id="1" name=""/>
@@ -7840,35 +8588,67 @@
       </p:grpSpPr>
       <p:sp>
         <p:nvSpPr>
-          <p:cNvPr id="2" name="Title 1">
-            <a:extLst>
-              <a:ext uri="{FF2B5EF4-FFF2-40B4-BE49-F238E27FC236}">
-                <a16:creationId xmlns:a16="http://schemas.microsoft.com/office/drawing/2014/main" id="{55A3BBD6-800E-DE41-8FBF-BED27492A5B4}"/>
-              </a:ext>
-            </a:extLst>
-          </p:cNvPr>
-          <p:cNvSpPr>
-            <a:spLocks noGrp="1"/>
+          <p:cNvPr id="22" name="Title 1"/>
+          <p:cNvSpPr txBox="1">
+            <a:spLocks/>
           </p:cNvSpPr>
-          <p:nvPr>
-            <p:ph type="title"/>
-          </p:nvPr>
+          <p:nvPr/>
         </p:nvSpPr>
-        <p:spPr/>
+        <p:spPr>
+          <a:xfrm>
+            <a:off x="742950" y="1472134"/>
+            <a:ext cx="10515600" cy="1325563"/>
+          </a:xfrm>
+          <a:prstGeom prst="rect">
+            <a:avLst/>
+          </a:prstGeom>
+        </p:spPr>
         <p:txBody>
-          <a:bodyPr/>
-          <a:lstStyle/>
-          <a:p>
-            <a:r>
-              <a:rPr lang="en-US" dirty="0"/>
-              <a:t>Preprocessing, Modelling, Evaluation</a:t>
-            </a:r>
+          <a:bodyPr>
+            <a:normAutofit/>
+          </a:bodyPr>
+          <a:lstStyle>
+            <a:lvl1pPr algn="l" defTabSz="914400" rtl="0" eaLnBrk="1" latinLnBrk="0" hangingPunct="1">
+              <a:lnSpc>
+                <a:spcPct val="90000"/>
+              </a:lnSpc>
+              <a:spcBef>
+                <a:spcPct val="0"/>
+              </a:spcBef>
+              <a:buNone/>
+              <a:defRPr sz="4400" kern="1200">
+                <a:solidFill>
+                  <a:schemeClr val="tx1"/>
+                </a:solidFill>
+                <a:latin typeface="+mj-lt"/>
+                <a:ea typeface="+mj-ea"/>
+                <a:cs typeface="+mj-cs"/>
+              </a:defRPr>
+            </a:lvl1pPr>
+          </a:lstStyle>
+          <a:p>
+            <a:pPr algn="ctr"/>
+            <a:r>
+              <a:rPr lang="en-US" sz="4800" dirty="0" smtClean="0">
+                <a:solidFill>
+                  <a:schemeClr val="bg1"/>
+                </a:solidFill>
+                <a:latin typeface="Sternbach" panose="02000500000000000000" pitchFamily="2" charset="0"/>
+              </a:rPr>
+              <a:t>Results</a:t>
+            </a:r>
+            <a:endParaRPr lang="en-US" sz="4800" dirty="0">
+              <a:solidFill>
+                <a:schemeClr val="bg1"/>
+              </a:solidFill>
+              <a:latin typeface="Sternbach" panose="02000500000000000000" pitchFamily="2" charset="0"/>
+            </a:endParaRPr>
           </a:p>
         </p:txBody>
       </p:sp>
       <p:graphicFrame>
         <p:nvGraphicFramePr>
-          <p:cNvPr id="5" name="Table 5">
+          <p:cNvPr id="4" name="Table 5">
             <a:extLst>
               <a:ext uri="{FF2B5EF4-FFF2-40B4-BE49-F238E27FC236}">
                 <a16:creationId xmlns:a16="http://schemas.microsoft.com/office/drawing/2014/main" id="{8D33B745-DADF-3040-B21E-1364179175B3}"/>
@@ -7876,26 +8656,25 @@
             </a:extLst>
           </p:cNvPr>
           <p:cNvGraphicFramePr>
-            <a:graphicFrameLocks noGrp="1"/>
+            <a:graphicFrameLocks/>
           </p:cNvGraphicFramePr>
           <p:nvPr>
-            <p:ph idx="1"/>
             <p:extLst>
               <p:ext uri="{D42A27DB-BD31-4B8C-83A1-F6EECF244321}">
-                <p14:modId xmlns:p14="http://schemas.microsoft.com/office/powerpoint/2010/main" val="3884584610"/>
+                <p14:modId xmlns:p14="http://schemas.microsoft.com/office/powerpoint/2010/main" val="657696867"/>
               </p:ext>
             </p:extLst>
           </p:nvPr>
         </p:nvGraphicFramePr>
         <p:xfrm>
-          <a:off x="838200" y="1825625"/>
-          <a:ext cx="10997946" cy="4211320"/>
+          <a:off x="742950" y="2278112"/>
+          <a:ext cx="10997946" cy="4312920"/>
         </p:xfrm>
         <a:graphic>
           <a:graphicData uri="http://schemas.openxmlformats.org/drawingml/2006/table">
             <a:tbl>
               <a:tblPr firstRow="1" bandRow="1">
-                <a:tableStyleId>{5C22544A-7EE6-4342-B048-85BDC9FD1C3A}</a:tableStyleId>
+                <a:tableStyleId>{D27102A9-8310-4765-A935-A1911B00CA55}</a:tableStyleId>
               </a:tblPr>
               <a:tblGrid>
                 <a:gridCol w="2585466">
@@ -7935,21 +8714,30 @@
                 </a:gridCol>
               </a:tblGrid>
               <a:tr h="370840">
-                <a:tc>
+                <a:tc gridSpan="5">
                   <a:txBody>
                     <a:bodyPr/>
                     <a:lstStyle/>
                     <a:p>
                       <a:pPr algn="ctr"/>
                       <a:r>
-                        <a:rPr lang="en-US" dirty="0"/>
-                        <a:t>Models</a:t>
-                      </a:r>
-                    </a:p>
-                  </a:txBody>
-                  <a:tcPr/>
-                </a:tc>
-                <a:tc>
+                        <a:rPr lang="en-US" sz="1800" dirty="0" smtClean="0">
+                          <a:solidFill>
+                            <a:schemeClr val="bg1"/>
+                          </a:solidFill>
+                        </a:rPr>
+                        <a:t>Feature Set Chosen</a:t>
+                      </a:r>
+                      <a:endParaRPr lang="en-US" sz="1800" dirty="0">
+                        <a:solidFill>
+                          <a:schemeClr val="bg1"/>
+                        </a:solidFill>
+                      </a:endParaRPr>
+                    </a:p>
+                  </a:txBody>
+                  <a:tcPr/>
+                </a:tc>
+                <a:tc hMerge="1">
                   <a:txBody>
                     <a:bodyPr/>
                     <a:lstStyle/>
@@ -7971,15 +8759,16 @@
                         <a:tabLst/>
                         <a:defRPr/>
                       </a:pPr>
-                      <a:r>
-                        <a:rPr lang="en-US" sz="1800" dirty="0"/>
-                        <a:t>Test Accuracy</a:t>
-                      </a:r>
-                    </a:p>
-                  </a:txBody>
-                  <a:tcPr/>
-                </a:tc>
-                <a:tc>
+                      <a:endParaRPr lang="en-US" sz="1800" dirty="0">
+                        <a:solidFill>
+                          <a:schemeClr val="bg1"/>
+                        </a:solidFill>
+                      </a:endParaRPr>
+                    </a:p>
+                  </a:txBody>
+                  <a:tcPr/>
+                </a:tc>
+                <a:tc hMerge="1">
                   <a:txBody>
                     <a:bodyPr/>
                     <a:lstStyle/>
@@ -8001,15 +8790,16 @@
                         <a:tabLst/>
                         <a:defRPr/>
                       </a:pPr>
-                      <a:r>
-                        <a:rPr lang="en-US" sz="1800" dirty="0"/>
-                        <a:t>Test Precision</a:t>
-                      </a:r>
-                    </a:p>
-                  </a:txBody>
-                  <a:tcPr/>
-                </a:tc>
-                <a:tc>
+                      <a:endParaRPr lang="en-US" sz="1800" dirty="0">
+                        <a:solidFill>
+                          <a:schemeClr val="bg1"/>
+                        </a:solidFill>
+                      </a:endParaRPr>
+                    </a:p>
+                  </a:txBody>
+                  <a:tcPr/>
+                </a:tc>
+                <a:tc hMerge="1">
                   <a:txBody>
                     <a:bodyPr/>
                     <a:lstStyle/>
@@ -8031,15 +8821,16 @@
                         <a:tabLst/>
                         <a:defRPr/>
                       </a:pPr>
-                      <a:r>
-                        <a:rPr lang="en-US" sz="1800" dirty="0"/>
-                        <a:t>Test Recall</a:t>
-                      </a:r>
-                    </a:p>
-                  </a:txBody>
-                  <a:tcPr/>
-                </a:tc>
-                <a:tc>
+                      <a:endParaRPr lang="en-US" sz="1800" dirty="0">
+                        <a:solidFill>
+                          <a:schemeClr val="bg1"/>
+                        </a:solidFill>
+                      </a:endParaRPr>
+                    </a:p>
+                  </a:txBody>
+                  <a:tcPr/>
+                </a:tc>
+                <a:tc hMerge="1">
                   <a:txBody>
                     <a:bodyPr/>
                     <a:lstStyle/>
@@ -8061,8 +8852,170 @@
                         <a:tabLst/>
                         <a:defRPr/>
                       </a:pPr>
-                      <a:r>
-                        <a:rPr lang="en-US" sz="1800" dirty="0"/>
+                      <a:endParaRPr lang="en-US" sz="1800" dirty="0">
+                        <a:solidFill>
+                          <a:schemeClr val="bg1"/>
+                        </a:solidFill>
+                      </a:endParaRPr>
+                    </a:p>
+                  </a:txBody>
+                  <a:tcPr/>
+                </a:tc>
+                <a:extLst>
+                  <a:ext uri="{0D108BD9-81ED-4DB2-BD59-A6C34878D82A}">
+                    <a16:rowId xmlns:a16="http://schemas.microsoft.com/office/drawing/2014/main" val="3636761358"/>
+                  </a:ext>
+                </a:extLst>
+              </a:tr>
+              <a:tr h="370840">
+                <a:tc>
+                  <a:txBody>
+                    <a:bodyPr/>
+                    <a:lstStyle/>
+                    <a:p>
+                      <a:pPr algn="ctr"/>
+                      <a:r>
+                        <a:rPr lang="en-US" dirty="0">
+                          <a:solidFill>
+                            <a:schemeClr val="bg1"/>
+                          </a:solidFill>
+                        </a:rPr>
+                        <a:t>Models</a:t>
+                      </a:r>
+                    </a:p>
+                  </a:txBody>
+                  <a:tcPr/>
+                </a:tc>
+                <a:tc>
+                  <a:txBody>
+                    <a:bodyPr/>
+                    <a:lstStyle/>
+                    <a:p>
+                      <a:pPr marL="0" marR="0" lvl="0" indent="0" algn="ctr" defTabSz="914400" rtl="0" eaLnBrk="1" fontAlgn="auto" latinLnBrk="0" hangingPunct="1">
+                        <a:lnSpc>
+                          <a:spcPct val="100000"/>
+                        </a:lnSpc>
+                        <a:spcBef>
+                          <a:spcPts val="0"/>
+                        </a:spcBef>
+                        <a:spcAft>
+                          <a:spcPts val="0"/>
+                        </a:spcAft>
+                        <a:buClrTx/>
+                        <a:buSzTx/>
+                        <a:buFontTx/>
+                        <a:buNone/>
+                        <a:tabLst/>
+                        <a:defRPr/>
+                      </a:pPr>
+                      <a:r>
+                        <a:rPr lang="en-US" sz="1800" dirty="0">
+                          <a:solidFill>
+                            <a:schemeClr val="bg1"/>
+                          </a:solidFill>
+                        </a:rPr>
+                        <a:t>Test Accuracy</a:t>
+                      </a:r>
+                    </a:p>
+                  </a:txBody>
+                  <a:tcPr/>
+                </a:tc>
+                <a:tc>
+                  <a:txBody>
+                    <a:bodyPr/>
+                    <a:lstStyle/>
+                    <a:p>
+                      <a:pPr marL="0" marR="0" lvl="0" indent="0" algn="ctr" defTabSz="914400" rtl="0" eaLnBrk="1" fontAlgn="auto" latinLnBrk="0" hangingPunct="1">
+                        <a:lnSpc>
+                          <a:spcPct val="100000"/>
+                        </a:lnSpc>
+                        <a:spcBef>
+                          <a:spcPts val="0"/>
+                        </a:spcBef>
+                        <a:spcAft>
+                          <a:spcPts val="0"/>
+                        </a:spcAft>
+                        <a:buClrTx/>
+                        <a:buSzTx/>
+                        <a:buFontTx/>
+                        <a:buNone/>
+                        <a:tabLst/>
+                        <a:defRPr/>
+                      </a:pPr>
+                      <a:r>
+                        <a:rPr lang="en-US" sz="1800" dirty="0">
+                          <a:solidFill>
+                            <a:schemeClr val="bg1"/>
+                          </a:solidFill>
+                        </a:rPr>
+                        <a:t>Test Precision</a:t>
+                      </a:r>
+                    </a:p>
+                  </a:txBody>
+                  <a:tcPr/>
+                </a:tc>
+                <a:tc>
+                  <a:txBody>
+                    <a:bodyPr/>
+                    <a:lstStyle/>
+                    <a:p>
+                      <a:pPr marL="0" marR="0" lvl="0" indent="0" algn="ctr" defTabSz="914400" rtl="0" eaLnBrk="1" fontAlgn="auto" latinLnBrk="0" hangingPunct="1">
+                        <a:lnSpc>
+                          <a:spcPct val="100000"/>
+                        </a:lnSpc>
+                        <a:spcBef>
+                          <a:spcPts val="0"/>
+                        </a:spcBef>
+                        <a:spcAft>
+                          <a:spcPts val="0"/>
+                        </a:spcAft>
+                        <a:buClrTx/>
+                        <a:buSzTx/>
+                        <a:buFontTx/>
+                        <a:buNone/>
+                        <a:tabLst/>
+                        <a:defRPr/>
+                      </a:pPr>
+                      <a:r>
+                        <a:rPr lang="en-US" sz="1800" dirty="0">
+                          <a:solidFill>
+                            <a:schemeClr val="bg1"/>
+                          </a:solidFill>
+                        </a:rPr>
+                        <a:t>Test Recall</a:t>
+                      </a:r>
+                    </a:p>
+                  </a:txBody>
+                  <a:tcPr/>
+                </a:tc>
+                <a:tc>
+                  <a:txBody>
+                    <a:bodyPr/>
+                    <a:lstStyle/>
+                    <a:p>
+                      <a:pPr marL="0" marR="0" lvl="0" indent="0" algn="ctr" defTabSz="914400" rtl="0" eaLnBrk="1" fontAlgn="auto" latinLnBrk="0" hangingPunct="1">
+                        <a:lnSpc>
+                          <a:spcPct val="100000"/>
+                        </a:lnSpc>
+                        <a:spcBef>
+                          <a:spcPts val="0"/>
+                        </a:spcBef>
+                        <a:spcAft>
+                          <a:spcPts val="0"/>
+                        </a:spcAft>
+                        <a:buClrTx/>
+                        <a:buSzTx/>
+                        <a:buFontTx/>
+                        <a:buNone/>
+                        <a:tabLst/>
+                        <a:defRPr/>
+                      </a:pPr>
+                      <a:r>
+                        <a:rPr lang="en-US" sz="1800" dirty="0">
+                          <a:solidFill>
+                            <a:schemeClr val="bg1"/>
+                          </a:solidFill>
+                        </a:rPr>
                         <a:t>Test F1 score</a:t>
                       </a:r>
                     </a:p>
@@ -8099,9 +9052,26 @@
                         <a:defRPr/>
                       </a:pPr>
                       <a:r>
-                        <a:rPr lang="en-US" sz="1800" dirty="0"/>
-                        <a:t>Logistic Regression</a:t>
-                      </a:r>
+                        <a:rPr lang="en-US" sz="1800" dirty="0">
+                          <a:solidFill>
+                            <a:schemeClr val="bg1"/>
+                          </a:solidFill>
+                        </a:rPr>
+                        <a:t>Support Vector </a:t>
+                      </a:r>
+                      <a:r>
+                        <a:rPr lang="en-US" sz="1800" dirty="0" smtClean="0">
+                          <a:solidFill>
+                            <a:schemeClr val="bg1"/>
+                          </a:solidFill>
+                        </a:rPr>
+                        <a:t>Machines (Scaled)</a:t>
+                      </a:r>
+                      <a:endParaRPr lang="en-US" sz="1800" dirty="0">
+                        <a:solidFill>
+                          <a:schemeClr val="bg1"/>
+                        </a:solidFill>
+                      </a:endParaRPr>
                     </a:p>
                   </a:txBody>
                   <a:tcPr/>
@@ -8112,9 +9082,18 @@
                     <a:lstStyle/>
                     <a:p>
                       <a:r>
-                        <a:rPr lang="en-US" dirty="0"/>
-                        <a:t>0.77</a:t>
-                      </a:r>
+                        <a:rPr lang="en-US" dirty="0" smtClean="0">
+                          <a:solidFill>
+                            <a:schemeClr val="bg1"/>
+                          </a:solidFill>
+                        </a:rPr>
+                        <a:t>0.76</a:t>
+                      </a:r>
+                      <a:endParaRPr lang="en-US" dirty="0">
+                        <a:solidFill>
+                          <a:schemeClr val="bg1"/>
+                        </a:solidFill>
+                      </a:endParaRPr>
                     </a:p>
                   </a:txBody>
                   <a:tcPr/>
@@ -8125,15 +9104,49 @@
                     <a:lstStyle/>
                     <a:p>
                       <a:r>
-                        <a:rPr lang="en-US" dirty="0"/>
-                        <a:t>Blue: 0.77</a:t>
-                      </a:r>
-                    </a:p>
-                    <a:p>
-                      <a:r>
-                        <a:rPr lang="en-US" dirty="0"/>
-                        <a:t>Red: 0.77</a:t>
-                      </a:r>
+                        <a:rPr lang="en-US" dirty="0">
+                          <a:solidFill>
+                            <a:schemeClr val="bg1"/>
+                          </a:solidFill>
+                        </a:rPr>
+                        <a:t>Blue: </a:t>
+                      </a:r>
+                      <a:r>
+                        <a:rPr lang="en-US" dirty="0" smtClean="0">
+                          <a:solidFill>
+                            <a:schemeClr val="bg1"/>
+                          </a:solidFill>
+                        </a:rPr>
+                        <a:t>0.86</a:t>
+                      </a:r>
+                      <a:endParaRPr lang="en-US" dirty="0">
+                        <a:solidFill>
+                          <a:schemeClr val="bg1"/>
+                        </a:solidFill>
+                      </a:endParaRPr>
+                    </a:p>
+                    <a:p>
+                      <a:r>
+                        <a:rPr lang="en-US" dirty="0">
+                          <a:solidFill>
+                            <a:schemeClr val="bg1"/>
+                          </a:solidFill>
+                        </a:rPr>
+                        <a:t>Red: </a:t>
+                      </a:r>
+                      <a:r>
+                        <a:rPr lang="en-US" dirty="0" smtClean="0">
+                          <a:solidFill>
+                            <a:schemeClr val="bg1"/>
+                          </a:solidFill>
+                        </a:rPr>
+                        <a:t>0.73</a:t>
+                      </a:r>
+                      <a:endParaRPr lang="en-US" dirty="0">
+                        <a:solidFill>
+                          <a:schemeClr val="bg1"/>
+                        </a:solidFill>
+                      </a:endParaRPr>
                     </a:p>
                   </a:txBody>
                   <a:tcPr/>
@@ -8144,15 +9157,49 @@
                     <a:lstStyle/>
                     <a:p>
                       <a:r>
-                        <a:rPr lang="en-US" dirty="0"/>
-                        <a:t>Blue: 0.64</a:t>
-                      </a:r>
-                    </a:p>
-                    <a:p>
-                      <a:r>
-                        <a:rPr lang="en-US" dirty="0"/>
-                        <a:t>Red: 0.87</a:t>
-                      </a:r>
+                        <a:rPr lang="en-US" dirty="0">
+                          <a:solidFill>
+                            <a:schemeClr val="bg1"/>
+                          </a:solidFill>
+                        </a:rPr>
+                        <a:t>Blue: </a:t>
+                      </a:r>
+                      <a:r>
+                        <a:rPr lang="en-US" dirty="0" smtClean="0">
+                          <a:solidFill>
+                            <a:schemeClr val="bg1"/>
+                          </a:solidFill>
+                        </a:rPr>
+                        <a:t>0.51</a:t>
+                      </a:r>
+                      <a:endParaRPr lang="en-US" dirty="0">
+                        <a:solidFill>
+                          <a:schemeClr val="bg1"/>
+                        </a:solidFill>
+                      </a:endParaRPr>
+                    </a:p>
+                    <a:p>
+                      <a:r>
+                        <a:rPr lang="en-US" dirty="0">
+                          <a:solidFill>
+                            <a:schemeClr val="bg1"/>
+                          </a:solidFill>
+                        </a:rPr>
+                        <a:t>Red: </a:t>
+                      </a:r>
+                      <a:r>
+                        <a:rPr lang="en-US" dirty="0" smtClean="0">
+                          <a:solidFill>
+                            <a:schemeClr val="bg1"/>
+                          </a:solidFill>
+                        </a:rPr>
+                        <a:t>0.94</a:t>
+                      </a:r>
+                      <a:endParaRPr lang="en-US" dirty="0">
+                        <a:solidFill>
+                          <a:schemeClr val="bg1"/>
+                        </a:solidFill>
+                      </a:endParaRPr>
                     </a:p>
                   </a:txBody>
                   <a:tcPr/>
@@ -8163,22 +9210,56 @@
                     <a:lstStyle/>
                     <a:p>
                       <a:r>
-                        <a:rPr lang="en-US" dirty="0"/>
-                        <a:t>Blue: 0.70</a:t>
-                      </a:r>
-                    </a:p>
-                    <a:p>
-                      <a:r>
-                        <a:rPr lang="en-US" dirty="0"/>
-                        <a:t>Red: 0.82</a:t>
-                      </a:r>
+                        <a:rPr lang="en-US" dirty="0">
+                          <a:solidFill>
+                            <a:schemeClr val="bg1"/>
+                          </a:solidFill>
+                        </a:rPr>
+                        <a:t>Blue: </a:t>
+                      </a:r>
+                      <a:r>
+                        <a:rPr lang="en-US" dirty="0" smtClean="0">
+                          <a:solidFill>
+                            <a:schemeClr val="bg1"/>
+                          </a:solidFill>
+                        </a:rPr>
+                        <a:t>0.64 </a:t>
+                      </a:r>
+                      <a:endParaRPr lang="en-US" dirty="0">
+                        <a:solidFill>
+                          <a:schemeClr val="bg1"/>
+                        </a:solidFill>
+                      </a:endParaRPr>
+                    </a:p>
+                    <a:p>
+                      <a:r>
+                        <a:rPr lang="en-US" dirty="0">
+                          <a:solidFill>
+                            <a:schemeClr val="bg1"/>
+                          </a:solidFill>
+                        </a:rPr>
+                        <a:t>Red: </a:t>
+                      </a:r>
+                      <a:r>
+                        <a:rPr lang="en-US" dirty="0" smtClean="0">
+                          <a:solidFill>
+                            <a:schemeClr val="bg1"/>
+                          </a:solidFill>
+                        </a:rPr>
+                        <a:t>0.82</a:t>
+                      </a:r>
+                      <a:endParaRPr lang="en-US" dirty="0">
+                        <a:solidFill>
+                          <a:schemeClr val="bg1"/>
+                        </a:solidFill>
+                      </a:endParaRPr>
                     </a:p>
                   </a:txBody>
                   <a:tcPr/>
                 </a:tc>
                 <a:extLst>
                   <a:ext uri="{0D108BD9-81ED-4DB2-BD59-A6C34878D82A}">
-                    <a16:rowId xmlns:a16="http://schemas.microsoft.com/office/drawing/2014/main" val="2473706855"/>
+                    <a16:rowId xmlns:a16="http://schemas.microsoft.com/office/drawing/2014/main" val="1194264582"/>
                   </a:ext>
                 </a:extLst>
               </a:tr>
@@ -8206,8 +9287,12 @@
                         <a:defRPr/>
                       </a:pPr>
                       <a:r>
-                        <a:rPr lang="en-US" sz="1800" dirty="0"/>
-                        <a:t>K-Nearest Neighbors</a:t>
+                        <a:rPr lang="en-US" sz="1800" dirty="0">
+                          <a:solidFill>
+                            <a:schemeClr val="bg1"/>
+                          </a:solidFill>
+                        </a:rPr>
+                        <a:t>Logistic Regression</a:t>
                       </a:r>
                     </a:p>
                   </a:txBody>
@@ -8219,9 +9304,18 @@
                     <a:lstStyle/>
                     <a:p>
                       <a:r>
-                        <a:rPr lang="en-US" dirty="0"/>
-                        <a:t>0.63</a:t>
-                      </a:r>
+                        <a:rPr lang="en-US" dirty="0" smtClean="0">
+                          <a:solidFill>
+                            <a:schemeClr val="bg1"/>
+                          </a:solidFill>
+                        </a:rPr>
+                        <a:t>0.76</a:t>
+                      </a:r>
+                      <a:endParaRPr lang="en-US" dirty="0">
+                        <a:solidFill>
+                          <a:schemeClr val="bg1"/>
+                        </a:solidFill>
+                      </a:endParaRPr>
                     </a:p>
                   </a:txBody>
                   <a:tcPr/>
@@ -8232,15 +9326,49 @@
                     <a:lstStyle/>
                     <a:p>
                       <a:r>
-                        <a:rPr lang="en-US" dirty="0"/>
-                        <a:t>Blue: 0.56</a:t>
-                      </a:r>
-                    </a:p>
-                    <a:p>
-                      <a:r>
-                        <a:rPr lang="en-US" dirty="0"/>
-                        <a:t>Red: 0.67</a:t>
-                      </a:r>
+                        <a:rPr lang="en-US" dirty="0">
+                          <a:solidFill>
+                            <a:schemeClr val="bg1"/>
+                          </a:solidFill>
+                        </a:rPr>
+                        <a:t>Blue: </a:t>
+                      </a:r>
+                      <a:r>
+                        <a:rPr lang="en-US" dirty="0" smtClean="0">
+                          <a:solidFill>
+                            <a:schemeClr val="bg1"/>
+                          </a:solidFill>
+                        </a:rPr>
+                        <a:t>0.80</a:t>
+                      </a:r>
+                      <a:endParaRPr lang="en-US" dirty="0">
+                        <a:solidFill>
+                          <a:schemeClr val="bg1"/>
+                        </a:solidFill>
+                      </a:endParaRPr>
+                    </a:p>
+                    <a:p>
+                      <a:r>
+                        <a:rPr lang="en-US" dirty="0">
+                          <a:solidFill>
+                            <a:schemeClr val="bg1"/>
+                          </a:solidFill>
+                        </a:rPr>
+                        <a:t>Red: </a:t>
+                      </a:r>
+                      <a:r>
+                        <a:rPr lang="en-US" dirty="0" smtClean="0">
+                          <a:solidFill>
+                            <a:schemeClr val="bg1"/>
+                          </a:solidFill>
+                        </a:rPr>
+                        <a:t>0.75</a:t>
+                      </a:r>
+                      <a:endParaRPr lang="en-US" dirty="0">
+                        <a:solidFill>
+                          <a:schemeClr val="bg1"/>
+                        </a:solidFill>
+                      </a:endParaRPr>
                     </a:p>
                   </a:txBody>
                   <a:tcPr/>
@@ -8251,15 +9379,49 @@
                     <a:lstStyle/>
                     <a:p>
                       <a:r>
-                        <a:rPr lang="en-US" dirty="0"/>
-                        <a:t>Blue: 0.49</a:t>
-                      </a:r>
-                    </a:p>
-                    <a:p>
-                      <a:r>
-                        <a:rPr lang="en-US" dirty="0"/>
-                        <a:t>Red: 0.73</a:t>
-                      </a:r>
+                        <a:rPr lang="en-US" dirty="0">
+                          <a:solidFill>
+                            <a:schemeClr val="bg1"/>
+                          </a:solidFill>
+                        </a:rPr>
+                        <a:t>Blue: </a:t>
+                      </a:r>
+                      <a:r>
+                        <a:rPr lang="en-US" dirty="0" smtClean="0">
+                          <a:solidFill>
+                            <a:schemeClr val="bg1"/>
+                          </a:solidFill>
+                        </a:rPr>
+                        <a:t>0.56</a:t>
+                      </a:r>
+                      <a:endParaRPr lang="en-US" dirty="0">
+                        <a:solidFill>
+                          <a:schemeClr val="bg1"/>
+                        </a:solidFill>
+                      </a:endParaRPr>
+                    </a:p>
+                    <a:p>
+                      <a:r>
+                        <a:rPr lang="en-US" dirty="0">
+                          <a:solidFill>
+                            <a:schemeClr val="bg1"/>
+                          </a:solidFill>
+                        </a:rPr>
+                        <a:t>Red: </a:t>
+                      </a:r>
+                      <a:r>
+                        <a:rPr lang="en-US" dirty="0" smtClean="0">
+                          <a:solidFill>
+                            <a:schemeClr val="bg1"/>
+                          </a:solidFill>
+                        </a:rPr>
+                        <a:t>0.90</a:t>
+                      </a:r>
+                      <a:endParaRPr lang="en-US" dirty="0">
+                        <a:solidFill>
+                          <a:schemeClr val="bg1"/>
+                        </a:solidFill>
+                      </a:endParaRPr>
                     </a:p>
                   </a:txBody>
                   <a:tcPr/>
@@ -8270,14 +9432,35 @@
                     <a:lstStyle/>
                     <a:p>
                       <a:r>
-                        <a:rPr lang="en-US" dirty="0"/>
-                        <a:t>Blue: 0.52</a:t>
-                      </a:r>
-                    </a:p>
-                    <a:p>
-                      <a:r>
-                        <a:rPr lang="en-US" dirty="0"/>
-                        <a:t>Red: 0.70</a:t>
+                        <a:rPr lang="en-US" dirty="0">
+                          <a:solidFill>
+                            <a:schemeClr val="bg1"/>
+                          </a:solidFill>
+                        </a:rPr>
+                        <a:t>Blue: </a:t>
+                      </a:r>
+                      <a:r>
+                        <a:rPr lang="en-US" dirty="0" smtClean="0">
+                          <a:solidFill>
+                            <a:schemeClr val="bg1"/>
+                          </a:solidFill>
+                        </a:rPr>
+                        <a:t>0.66</a:t>
+                      </a:r>
+                      <a:endParaRPr lang="en-US" dirty="0">
+                        <a:solidFill>
+                          <a:schemeClr val="bg1"/>
+                        </a:solidFill>
+                      </a:endParaRPr>
+                    </a:p>
+                    <a:p>
+                      <a:r>
+                        <a:rPr lang="en-US" dirty="0">
+                          <a:solidFill>
+                            <a:schemeClr val="bg1"/>
+                          </a:solidFill>
+                        </a:rPr>
+                        <a:t>Red: 0.82</a:t>
                       </a:r>
                     </a:p>
                   </a:txBody>
@@ -8285,7 +9468,7 @@
                 </a:tc>
                 <a:extLst>
                   <a:ext uri="{0D108BD9-81ED-4DB2-BD59-A6C34878D82A}">
-                    <a16:rowId xmlns:a16="http://schemas.microsoft.com/office/drawing/2014/main" val="890253783"/>
+                    <a16:rowId xmlns:a16="http://schemas.microsoft.com/office/drawing/2014/main" val="2473706855"/>
                   </a:ext>
                 </a:extLst>
               </a:tr>
@@ -8313,7 +9496,11 @@
                         <a:defRPr/>
                       </a:pPr>
                       <a:r>
-                        <a:rPr lang="en-US" sz="1800" dirty="0"/>
+                        <a:rPr lang="en-US" sz="1800" dirty="0">
+                          <a:solidFill>
+                            <a:schemeClr val="bg1"/>
+                          </a:solidFill>
+                        </a:rPr>
                         <a:t>Random Forests</a:t>
                       </a:r>
                     </a:p>
@@ -8326,9 +9513,18 @@
                     <a:lstStyle/>
                     <a:p>
                       <a:r>
-                        <a:rPr lang="en-US" dirty="0"/>
-                        <a:t>0.77</a:t>
-                      </a:r>
+                        <a:rPr lang="en-US" dirty="0" smtClean="0">
+                          <a:solidFill>
+                            <a:schemeClr val="bg1"/>
+                          </a:solidFill>
+                        </a:rPr>
+                        <a:t>0.76</a:t>
+                      </a:r>
+                      <a:endParaRPr lang="en-US" dirty="0">
+                        <a:solidFill>
+                          <a:schemeClr val="bg1"/>
+                        </a:solidFill>
+                      </a:endParaRPr>
                     </a:p>
                   </a:txBody>
                   <a:tcPr/>
@@ -8339,15 +9535,36 @@
                     <a:lstStyle/>
                     <a:p>
                       <a:r>
-                        <a:rPr lang="en-US" dirty="0"/>
+                        <a:rPr lang="en-US" dirty="0">
+                          <a:solidFill>
+                            <a:schemeClr val="bg1"/>
+                          </a:solidFill>
+                        </a:rPr>
                         <a:t>Blue: 0.75</a:t>
                       </a:r>
                     </a:p>
                     <a:p>
                       <a:r>
-                        <a:rPr lang="en-US" dirty="0"/>
-                        <a:t>Red: 0.78</a:t>
-                      </a:r>
+                        <a:rPr lang="en-US" dirty="0">
+                          <a:solidFill>
+                            <a:schemeClr val="bg1"/>
+                          </a:solidFill>
+                        </a:rPr>
+                        <a:t>Red: </a:t>
+                      </a:r>
+                      <a:r>
+                        <a:rPr lang="en-US" dirty="0" smtClean="0">
+                          <a:solidFill>
+                            <a:schemeClr val="bg1"/>
+                          </a:solidFill>
+                        </a:rPr>
+                        <a:t>0.76</a:t>
+                      </a:r>
+                      <a:endParaRPr lang="en-US" dirty="0">
+                        <a:solidFill>
+                          <a:schemeClr val="bg1"/>
+                        </a:solidFill>
+                      </a:endParaRPr>
                     </a:p>
                   </a:txBody>
                   <a:tcPr/>
@@ -8358,15 +9575,49 @@
                     <a:lstStyle/>
                     <a:p>
                       <a:r>
-                        <a:rPr lang="en-US" dirty="0"/>
-                        <a:t>Blue: 0.67</a:t>
-                      </a:r>
-                    </a:p>
-                    <a:p>
-                      <a:r>
-                        <a:rPr lang="en-US" dirty="0"/>
-                        <a:t>Red: 0.84</a:t>
-                      </a:r>
+                        <a:rPr lang="en-US" dirty="0">
+                          <a:solidFill>
+                            <a:schemeClr val="bg1"/>
+                          </a:solidFill>
+                        </a:rPr>
+                        <a:t>Blue: </a:t>
+                      </a:r>
+                      <a:r>
+                        <a:rPr lang="en-US" dirty="0" smtClean="0">
+                          <a:solidFill>
+                            <a:schemeClr val="bg1"/>
+                          </a:solidFill>
+                        </a:rPr>
+                        <a:t>0.62</a:t>
+                      </a:r>
+                      <a:endParaRPr lang="en-US" dirty="0">
+                        <a:solidFill>
+                          <a:schemeClr val="bg1"/>
+                        </a:solidFill>
+                      </a:endParaRPr>
+                    </a:p>
+                    <a:p>
+                      <a:r>
+                        <a:rPr lang="en-US" dirty="0">
+                          <a:solidFill>
+                            <a:schemeClr val="bg1"/>
+                          </a:solidFill>
+                        </a:rPr>
+                        <a:t>Red: </a:t>
+                      </a:r>
+                      <a:r>
+                        <a:rPr lang="en-US" dirty="0" smtClean="0">
+                          <a:solidFill>
+                            <a:schemeClr val="bg1"/>
+                          </a:solidFill>
+                        </a:rPr>
+                        <a:t>0.85</a:t>
+                      </a:r>
+                      <a:endParaRPr lang="en-US" dirty="0">
+                        <a:solidFill>
+                          <a:schemeClr val="bg1"/>
+                        </a:solidFill>
+                      </a:endParaRPr>
                     </a:p>
                   </a:txBody>
                   <a:tcPr/>
@@ -8377,15 +9628,49 @@
                     <a:lstStyle/>
                     <a:p>
                       <a:r>
-                        <a:rPr lang="en-US" dirty="0"/>
-                        <a:t>Blue: 0.70</a:t>
-                      </a:r>
-                    </a:p>
-                    <a:p>
-                      <a:r>
-                        <a:rPr lang="en-US" dirty="0"/>
-                        <a:t>Red: 0.81</a:t>
-                      </a:r>
+                        <a:rPr lang="en-US" dirty="0">
+                          <a:solidFill>
+                            <a:schemeClr val="bg1"/>
+                          </a:solidFill>
+                        </a:rPr>
+                        <a:t>Blue: </a:t>
+                      </a:r>
+                      <a:r>
+                        <a:rPr lang="en-US" dirty="0" smtClean="0">
+                          <a:solidFill>
+                            <a:schemeClr val="bg1"/>
+                          </a:solidFill>
+                        </a:rPr>
+                        <a:t>0.68</a:t>
+                      </a:r>
+                      <a:endParaRPr lang="en-US" dirty="0">
+                        <a:solidFill>
+                          <a:schemeClr val="bg1"/>
+                        </a:solidFill>
+                      </a:endParaRPr>
+                    </a:p>
+                    <a:p>
+                      <a:r>
+                        <a:rPr lang="en-US" dirty="0">
+                          <a:solidFill>
+                            <a:schemeClr val="bg1"/>
+                          </a:solidFill>
+                        </a:rPr>
+                        <a:t>Red: </a:t>
+                      </a:r>
+                      <a:r>
+                        <a:rPr lang="en-US" dirty="0" smtClean="0">
+                          <a:solidFill>
+                            <a:schemeClr val="bg1"/>
+                          </a:solidFill>
+                        </a:rPr>
+                        <a:t>0.80</a:t>
+                      </a:r>
+                      <a:endParaRPr lang="en-US" dirty="0">
+                        <a:solidFill>
+                          <a:schemeClr val="bg1"/>
+                        </a:solidFill>
+                      </a:endParaRPr>
                     </a:p>
                   </a:txBody>
                   <a:tcPr/>
@@ -8420,8 +9705,12 @@
                         <a:defRPr/>
                       </a:pPr>
                       <a:r>
-                        <a:rPr lang="en-US" sz="1800" dirty="0"/>
-                        <a:t>Support Vector Machines</a:t>
+                        <a:rPr lang="en-US" sz="1800" dirty="0">
+                          <a:solidFill>
+                            <a:schemeClr val="bg1"/>
+                          </a:solidFill>
+                        </a:rPr>
+                        <a:t>Deep Learning</a:t>
                       </a:r>
                     </a:p>
                   </a:txBody>
@@ -8433,8 +9722,12 @@
                     <a:lstStyle/>
                     <a:p>
                       <a:r>
-                        <a:rPr lang="en-US" dirty="0"/>
-                        <a:t>0.78</a:t>
+                        <a:rPr lang="en-US" dirty="0">
+                          <a:solidFill>
+                            <a:schemeClr val="bg1"/>
+                          </a:solidFill>
+                        </a:rPr>
+                        <a:t>0.76</a:t>
                       </a:r>
                     </a:p>
                   </a:txBody>
@@ -8446,15 +9739,18 @@
                     <a:lstStyle/>
                     <a:p>
                       <a:r>
-                        <a:rPr lang="en-US" dirty="0"/>
-                        <a:t>Blue: 0.81</a:t>
-                      </a:r>
-                    </a:p>
-                    <a:p>
-                      <a:r>
-                        <a:rPr lang="en-US" dirty="0"/>
-                        <a:t>Red: 0.77</a:t>
-                      </a:r>
+                        <a:rPr lang="en-US" dirty="0" smtClean="0">
+                          <a:solidFill>
+                            <a:schemeClr val="bg1"/>
+                          </a:solidFill>
+                        </a:rPr>
+                        <a:t>NA</a:t>
+                      </a:r>
+                      <a:endParaRPr lang="en-US" dirty="0">
+                        <a:solidFill>
+                          <a:schemeClr val="bg1"/>
+                        </a:solidFill>
+                      </a:endParaRPr>
                     </a:p>
                   </a:txBody>
                   <a:tcPr/>
@@ -8465,15 +9761,18 @@
                     <a:lstStyle/>
                     <a:p>
                       <a:r>
-                        <a:rPr lang="en-US" dirty="0"/>
-                        <a:t>Blue: 0.61</a:t>
-                      </a:r>
-                    </a:p>
-                    <a:p>
-                      <a:r>
-                        <a:rPr lang="en-US" dirty="0"/>
-                        <a:t>Red: 0.90</a:t>
-                      </a:r>
+                        <a:rPr lang="en-US" dirty="0" smtClean="0">
+                          <a:solidFill>
+                            <a:schemeClr val="bg1"/>
+                          </a:solidFill>
+                        </a:rPr>
+                        <a:t>NA</a:t>
+                      </a:r>
+                      <a:endParaRPr lang="en-US" dirty="0">
+                        <a:solidFill>
+                          <a:schemeClr val="bg1"/>
+                        </a:solidFill>
+                      </a:endParaRPr>
                     </a:p>
                   </a:txBody>
                   <a:tcPr/>
@@ -8484,22 +9783,25 @@
                     <a:lstStyle/>
                     <a:p>
                       <a:r>
-                        <a:rPr lang="en-US" dirty="0"/>
-                        <a:t>Blue: 0.69 </a:t>
-                      </a:r>
-                    </a:p>
-                    <a:p>
-                      <a:r>
-                        <a:rPr lang="en-US" dirty="0"/>
-                        <a:t>Red: 0.83</a:t>
-                      </a:r>
+                        <a:rPr lang="en-US" dirty="0" smtClean="0">
+                          <a:solidFill>
+                            <a:schemeClr val="bg1"/>
+                          </a:solidFill>
+                        </a:rPr>
+                        <a:t>NA</a:t>
+                      </a:r>
+                      <a:endParaRPr lang="en-US" dirty="0">
+                        <a:solidFill>
+                          <a:schemeClr val="bg1"/>
+                        </a:solidFill>
+                      </a:endParaRPr>
                     </a:p>
                   </a:txBody>
                   <a:tcPr/>
                 </a:tc>
                 <a:extLst>
                   <a:ext uri="{0D108BD9-81ED-4DB2-BD59-A6C34878D82A}">
-                    <a16:rowId xmlns:a16="http://schemas.microsoft.com/office/drawing/2014/main" val="1141889823"/>
+                    <a16:rowId xmlns:a16="http://schemas.microsoft.com/office/drawing/2014/main" val="1605119501"/>
                   </a:ext>
                 </a:extLst>
               </a:tr>
@@ -8527,9 +9829,26 @@
                         <a:defRPr/>
                       </a:pPr>
                       <a:r>
-                        <a:rPr lang="en-US" sz="1800" dirty="0"/>
-                        <a:t>Neural Networks</a:t>
-                      </a:r>
+                        <a:rPr lang="en-US" sz="1800" dirty="0">
+                          <a:solidFill>
+                            <a:schemeClr val="bg1"/>
+                          </a:solidFill>
+                        </a:rPr>
+                        <a:t>K-Nearest </a:t>
+                      </a:r>
+                      <a:r>
+                        <a:rPr lang="en-US" sz="1800" dirty="0" smtClean="0">
+                          <a:solidFill>
+                            <a:schemeClr val="bg1"/>
+                          </a:solidFill>
+                        </a:rPr>
+                        <a:t>Neighbors (Scaled)</a:t>
+                      </a:r>
+                      <a:endParaRPr lang="en-US" sz="1800" dirty="0">
+                        <a:solidFill>
+                          <a:schemeClr val="bg1"/>
+                        </a:solidFill>
+                      </a:endParaRPr>
                     </a:p>
                   </a:txBody>
                   <a:tcPr/>
@@ -8540,9 +9859,18 @@
                     <a:lstStyle/>
                     <a:p>
                       <a:r>
-                        <a:rPr lang="en-US" dirty="0"/>
-                        <a:t>0.61</a:t>
-                      </a:r>
+                        <a:rPr lang="en-US" dirty="0" smtClean="0">
+                          <a:solidFill>
+                            <a:schemeClr val="bg1"/>
+                          </a:solidFill>
+                        </a:rPr>
+                        <a:t>0.71</a:t>
+                      </a:r>
+                      <a:endParaRPr lang="en-US" dirty="0">
+                        <a:solidFill>
+                          <a:schemeClr val="bg1"/>
+                        </a:solidFill>
+                      </a:endParaRPr>
                     </a:p>
                   </a:txBody>
                   <a:tcPr/>
@@ -8553,15 +9881,49 @@
                     <a:lstStyle/>
                     <a:p>
                       <a:r>
-                        <a:rPr lang="en-US" dirty="0"/>
-                        <a:t>Blue: 0.54</a:t>
-                      </a:r>
-                    </a:p>
-                    <a:p>
-                      <a:r>
-                        <a:rPr lang="en-US" dirty="0"/>
-                        <a:t>Red: 0.64</a:t>
-                      </a:r>
+                        <a:rPr lang="en-US" dirty="0">
+                          <a:solidFill>
+                            <a:schemeClr val="bg1"/>
+                          </a:solidFill>
+                        </a:rPr>
+                        <a:t>Blue: </a:t>
+                      </a:r>
+                      <a:r>
+                        <a:rPr lang="en-US" dirty="0" smtClean="0">
+                          <a:solidFill>
+                            <a:schemeClr val="bg1"/>
+                          </a:solidFill>
+                        </a:rPr>
+                        <a:t>0.69</a:t>
+                      </a:r>
+                      <a:endParaRPr lang="en-US" dirty="0">
+                        <a:solidFill>
+                          <a:schemeClr val="bg1"/>
+                        </a:solidFill>
+                      </a:endParaRPr>
+                    </a:p>
+                    <a:p>
+                      <a:r>
+                        <a:rPr lang="en-US" dirty="0">
+                          <a:solidFill>
+                            <a:schemeClr val="bg1"/>
+                          </a:solidFill>
+                        </a:rPr>
+                        <a:t>Red: </a:t>
+                      </a:r>
+                      <a:r>
+                        <a:rPr lang="en-US" dirty="0" smtClean="0">
+                          <a:solidFill>
+                            <a:schemeClr val="bg1"/>
+                          </a:solidFill>
+                        </a:rPr>
+                        <a:t>0.73</a:t>
+                      </a:r>
+                      <a:endParaRPr lang="en-US" dirty="0">
+                        <a:solidFill>
+                          <a:schemeClr val="bg1"/>
+                        </a:solidFill>
+                      </a:endParaRPr>
                     </a:p>
                   </a:txBody>
                   <a:tcPr/>
@@ -8572,15 +9934,49 @@
                     <a:lstStyle/>
                     <a:p>
                       <a:r>
-                        <a:rPr lang="en-US" dirty="0"/>
-                        <a:t>Blue: 0.37</a:t>
-                      </a:r>
-                    </a:p>
-                    <a:p>
-                      <a:r>
-                        <a:rPr lang="en-US" dirty="0"/>
-                        <a:t>Red: 0.78</a:t>
-                      </a:r>
+                        <a:rPr lang="en-US" dirty="0">
+                          <a:solidFill>
+                            <a:schemeClr val="bg1"/>
+                          </a:solidFill>
+                        </a:rPr>
+                        <a:t>Blue: </a:t>
+                      </a:r>
+                      <a:r>
+                        <a:rPr lang="en-US" dirty="0" smtClean="0">
+                          <a:solidFill>
+                            <a:schemeClr val="bg1"/>
+                          </a:solidFill>
+                        </a:rPr>
+                        <a:t>0.56</a:t>
+                      </a:r>
+                      <a:endParaRPr lang="en-US" dirty="0">
+                        <a:solidFill>
+                          <a:schemeClr val="bg1"/>
+                        </a:solidFill>
+                      </a:endParaRPr>
+                    </a:p>
+                    <a:p>
+                      <a:r>
+                        <a:rPr lang="en-US" dirty="0">
+                          <a:solidFill>
+                            <a:schemeClr val="bg1"/>
+                          </a:solidFill>
+                        </a:rPr>
+                        <a:t>Red: </a:t>
+                      </a:r>
+                      <a:r>
+                        <a:rPr lang="en-US" dirty="0" smtClean="0">
+                          <a:solidFill>
+                            <a:schemeClr val="bg1"/>
+                          </a:solidFill>
+                        </a:rPr>
+                        <a:t>0.83</a:t>
+                      </a:r>
+                      <a:endParaRPr lang="en-US" dirty="0">
+                        <a:solidFill>
+                          <a:schemeClr val="bg1"/>
+                        </a:solidFill>
+                      </a:endParaRPr>
                     </a:p>
                   </a:txBody>
                   <a:tcPr/>
@@ -8591,22 +9987,56 @@
                     <a:lstStyle/>
                     <a:p>
                       <a:r>
-                        <a:rPr lang="en-US" dirty="0"/>
-                        <a:t>Blue: 0.44</a:t>
-                      </a:r>
-                    </a:p>
-                    <a:p>
-                      <a:r>
-                        <a:rPr lang="en-US" dirty="0"/>
-                        <a:t>Red: 0.70</a:t>
-                      </a:r>
+                        <a:rPr lang="en-US" dirty="0">
+                          <a:solidFill>
+                            <a:schemeClr val="bg1"/>
+                          </a:solidFill>
+                        </a:rPr>
+                        <a:t>Blue: </a:t>
+                      </a:r>
+                      <a:r>
+                        <a:rPr lang="en-US" dirty="0" smtClean="0">
+                          <a:solidFill>
+                            <a:schemeClr val="bg1"/>
+                          </a:solidFill>
+                        </a:rPr>
+                        <a:t>0.62</a:t>
+                      </a:r>
+                      <a:endParaRPr lang="en-US" dirty="0">
+                        <a:solidFill>
+                          <a:schemeClr val="bg1"/>
+                        </a:solidFill>
+                      </a:endParaRPr>
+                    </a:p>
+                    <a:p>
+                      <a:r>
+                        <a:rPr lang="en-US" dirty="0">
+                          <a:solidFill>
+                            <a:schemeClr val="bg1"/>
+                          </a:solidFill>
+                        </a:rPr>
+                        <a:t>Red: </a:t>
+                      </a:r>
+                      <a:r>
+                        <a:rPr lang="en-US" dirty="0" smtClean="0">
+                          <a:solidFill>
+                            <a:schemeClr val="bg1"/>
+                          </a:solidFill>
+                        </a:rPr>
+                        <a:t>0.77</a:t>
+                      </a:r>
+                      <a:endParaRPr lang="en-US" dirty="0">
+                        <a:solidFill>
+                          <a:schemeClr val="bg1"/>
+                        </a:solidFill>
+                      </a:endParaRPr>
                     </a:p>
                   </a:txBody>
                   <a:tcPr/>
                 </a:tc>
                 <a:extLst>
                   <a:ext uri="{0D108BD9-81ED-4DB2-BD59-A6C34878D82A}">
-                    <a16:rowId xmlns:a16="http://schemas.microsoft.com/office/drawing/2014/main" val="1365646877"/>
+                    <a16:rowId xmlns:a16="http://schemas.microsoft.com/office/drawing/2014/main" val="3074769454"/>
                   </a:ext>
                 </a:extLst>
               </a:tr>
@@ -8634,9 +10064,26 @@
                         <a:defRPr/>
                       </a:pPr>
                       <a:r>
-                        <a:rPr lang="en-US" sz="1800" dirty="0"/>
-                        <a:t>Deep Learning</a:t>
-                      </a:r>
+                        <a:rPr lang="en-US" sz="1800" dirty="0">
+                          <a:solidFill>
+                            <a:schemeClr val="bg1"/>
+                          </a:solidFill>
+                        </a:rPr>
+                        <a:t>Neural </a:t>
+                      </a:r>
+                      <a:r>
+                        <a:rPr lang="en-US" sz="1800" dirty="0" smtClean="0">
+                          <a:solidFill>
+                            <a:schemeClr val="bg1"/>
+                          </a:solidFill>
+                        </a:rPr>
+                        <a:t>Networks (Scaled)</a:t>
+                      </a:r>
+                      <a:endParaRPr lang="en-US" sz="1800" dirty="0">
+                        <a:solidFill>
+                          <a:schemeClr val="bg1"/>
+                        </a:solidFill>
+                      </a:endParaRPr>
                     </a:p>
                   </a:txBody>
                   <a:tcPr/>
@@ -8647,9 +10094,124 @@
                     <a:lstStyle/>
                     <a:p>
                       <a:r>
-                        <a:rPr lang="en-US" dirty="0"/>
+                        <a:rPr lang="en-US" dirty="0" smtClean="0">
+                          <a:solidFill>
+                            <a:schemeClr val="bg1"/>
+                          </a:solidFill>
+                        </a:rPr>
+                        <a:t>0.71</a:t>
+                      </a:r>
+                      <a:endParaRPr lang="en-US" dirty="0">
+                        <a:solidFill>
+                          <a:schemeClr val="bg1"/>
+                        </a:solidFill>
+                      </a:endParaRPr>
+                    </a:p>
+                  </a:txBody>
+                  <a:tcPr/>
+                </a:tc>
+                <a:tc>
+                  <a:txBody>
+                    <a:bodyPr/>
+                    <a:lstStyle/>
+                    <a:p>
+                      <a:r>
+                        <a:rPr lang="en-US" dirty="0">
+                          <a:solidFill>
+                            <a:schemeClr val="bg1"/>
+                          </a:solidFill>
+                        </a:rPr>
+                        <a:t>Blue: </a:t>
+                      </a:r>
+                      <a:r>
+                        <a:rPr lang="en-US" dirty="0" smtClean="0">
+                          <a:solidFill>
+                            <a:schemeClr val="bg1"/>
+                          </a:solidFill>
+                        </a:rPr>
+                        <a:t>0.65</a:t>
+                      </a:r>
+                      <a:endParaRPr lang="en-US" dirty="0">
+                        <a:solidFill>
+                          <a:schemeClr val="bg1"/>
+                        </a:solidFill>
+                      </a:endParaRPr>
+                    </a:p>
+                    <a:p>
+                      <a:r>
+                        <a:rPr lang="en-US" dirty="0">
+                          <a:solidFill>
+                            <a:schemeClr val="bg1"/>
+                          </a:solidFill>
+                        </a:rPr>
+                        <a:t>Red: </a:t>
+                      </a:r>
+                      <a:r>
+                        <a:rPr lang="en-US" dirty="0" smtClean="0">
+                          <a:solidFill>
+                            <a:schemeClr val="bg1"/>
+                          </a:solidFill>
+                        </a:rPr>
+                        <a:t>0.75</a:t>
+                      </a:r>
+                      <a:endParaRPr lang="en-US" dirty="0">
+                        <a:solidFill>
+                          <a:schemeClr val="bg1"/>
+                        </a:solidFill>
+                      </a:endParaRPr>
+                    </a:p>
+                  </a:txBody>
+                  <a:tcPr/>
+                </a:tc>
+                <a:tc>
+                  <a:txBody>
+                    <a:bodyPr/>
+                    <a:lstStyle/>
+                    <a:p>
+                      <a:r>
+                        <a:rPr lang="en-US" dirty="0">
+                          <a:solidFill>
+                            <a:schemeClr val="bg1"/>
+                          </a:solidFill>
+                        </a:rPr>
+                        <a:t>Blue: </a:t>
+                      </a:r>
+                      <a:r>
+                        <a:rPr lang="en-US" dirty="0" smtClean="0">
+                          <a:solidFill>
+                            <a:schemeClr val="bg1"/>
+                          </a:solidFill>
+                        </a:rPr>
+                        <a:t>0.64</a:t>
+                      </a:r>
+                      <a:endParaRPr lang="en-US" dirty="0">
+                        <a:solidFill>
+                          <a:schemeClr val="bg1"/>
+                        </a:solidFill>
+                      </a:endParaRPr>
+                    </a:p>
+                    <a:p>
+                      <a:r>
+                        <a:rPr lang="en-US" dirty="0">
+                          <a:solidFill>
+                            <a:schemeClr val="bg1"/>
+                          </a:solidFill>
+                        </a:rPr>
+                        <a:t>Red: </a:t>
+                      </a:r>
+                      <a:r>
+                        <a:rPr lang="en-US" dirty="0" smtClean="0">
+                          <a:solidFill>
+                            <a:schemeClr val="bg1"/>
+                          </a:solidFill>
+                        </a:rPr>
                         <a:t>0.76</a:t>
                       </a:r>
+                      <a:endParaRPr lang="en-US" dirty="0">
+                        <a:solidFill>
+                          <a:schemeClr val="bg1"/>
+                        </a:solidFill>
+                      </a:endParaRPr>
                     </a:p>
                   </a:txBody>
                   <a:tcPr/>
@@ -8660,60 +10222,56 @@
                     <a:lstStyle/>
                     <a:p>
                       <a:r>
-                        <a:rPr lang="en-US" dirty="0"/>
-                        <a:t>Blue:</a:t>
-                      </a:r>
-                    </a:p>
-                    <a:p>
-                      <a:r>
-                        <a:rPr lang="en-US" dirty="0"/>
-                        <a:t>Red:</a:t>
-                      </a:r>
-                    </a:p>
-                  </a:txBody>
-                  <a:tcPr/>
-                </a:tc>
-                <a:tc>
-                  <a:txBody>
-                    <a:bodyPr/>
-                    <a:lstStyle/>
-                    <a:p>
-                      <a:r>
-                        <a:rPr lang="en-US" dirty="0"/>
-                        <a:t>Blue:</a:t>
-                      </a:r>
-                    </a:p>
-                    <a:p>
-                      <a:r>
-                        <a:rPr lang="en-US" dirty="0"/>
-                        <a:t>Red:</a:t>
-                      </a:r>
-                    </a:p>
-                  </a:txBody>
-                  <a:tcPr/>
-                </a:tc>
-                <a:tc>
-                  <a:txBody>
-                    <a:bodyPr/>
-                    <a:lstStyle/>
-                    <a:p>
-                      <a:r>
-                        <a:rPr lang="en-US" dirty="0"/>
-                        <a:t>Blue:</a:t>
-                      </a:r>
-                    </a:p>
-                    <a:p>
-                      <a:r>
-                        <a:rPr lang="en-US" dirty="0"/>
-                        <a:t>Red:</a:t>
-                      </a:r>
+                        <a:rPr lang="en-US" dirty="0">
+                          <a:solidFill>
+                            <a:schemeClr val="bg1"/>
+                          </a:solidFill>
+                        </a:rPr>
+                        <a:t>Blue: </a:t>
+                      </a:r>
+                      <a:r>
+                        <a:rPr lang="en-US" dirty="0" smtClean="0">
+                          <a:solidFill>
+                            <a:schemeClr val="bg1"/>
+                          </a:solidFill>
+                        </a:rPr>
+                        <a:t>0.65</a:t>
+                      </a:r>
+                      <a:endParaRPr lang="en-US" dirty="0">
+                        <a:solidFill>
+                          <a:schemeClr val="bg1"/>
+                        </a:solidFill>
+                      </a:endParaRPr>
+                    </a:p>
+                    <a:p>
+                      <a:r>
+                        <a:rPr lang="en-US" dirty="0">
+                          <a:solidFill>
+                            <a:schemeClr val="bg1"/>
+                          </a:solidFill>
+                        </a:rPr>
+                        <a:t>Red: </a:t>
+                      </a:r>
+                      <a:r>
+                        <a:rPr lang="en-US" dirty="0" smtClean="0">
+                          <a:solidFill>
+                            <a:schemeClr val="bg1"/>
+                          </a:solidFill>
+                        </a:rPr>
+                        <a:t>0.76</a:t>
+                      </a:r>
+                      <a:endParaRPr lang="en-US" dirty="0">
+                        <a:solidFill>
+                          <a:schemeClr val="bg1"/>
+                        </a:solidFill>
+                      </a:endParaRPr>
                     </a:p>
                   </a:txBody>
                   <a:tcPr/>
                 </a:tc>
                 <a:extLst>
                   <a:ext uri="{0D108BD9-81ED-4DB2-BD59-A6C34878D82A}">
-                    <a16:rowId xmlns:a16="http://schemas.microsoft.com/office/drawing/2014/main" val="440465818"/>
+                    <a16:rowId xmlns:a16="http://schemas.microsoft.com/office/drawing/2014/main" val="1365646877"/>
                   </a:ext>
                 </a:extLst>
               </a:tr>
@@ -8724,13 +10282,1779 @@
     </p:spTree>
     <p:extLst>
       <p:ext uri="{BB962C8B-B14F-4D97-AF65-F5344CB8AC3E}">
-        <p14:creationId xmlns:p14="http://schemas.microsoft.com/office/powerpoint/2010/main" val="1702794947"/>
+        <p14:creationId xmlns:p14="http://schemas.microsoft.com/office/powerpoint/2010/main" val="4042440601"/>
       </p:ext>
     </p:extLst>
   </p:cSld>
   <p:clrMapOvr>
     <a:masterClrMapping/>
   </p:clrMapOvr>
+  <p:timing>
+    <p:tnLst>
+      <p:par>
+        <p:cTn id="1" dur="indefinite" restart="never" nodeType="tmRoot"/>
+      </p:par>
+    </p:tnLst>
+  </p:timing>
+</p:sld>
+</file>
+
+<file path=ppt/slides/slide14.xml><?xml version="1.0" encoding="utf-8"?>
+<p:sld xmlns:a="http://schemas.openxmlformats.org/drawingml/2006/main" xmlns:r="http://schemas.openxmlformats.org/officeDocument/2006/relationships" xmlns:p="http://schemas.openxmlformats.org/presentationml/2006/main">
+  <p:cSld>
+    <p:bg>
+      <p:bgPr>
+        <a:blipFill dpi="0" rotWithShape="1">
+          <a:blip r:embed="rId3">
+            <a:lum/>
+          </a:blip>
+          <a:srcRect/>
+          <a:stretch>
+            <a:fillRect/>
+          </a:stretch>
+        </a:blipFill>
+        <a:effectLst/>
+      </p:bgPr>
+    </p:bg>
+    <p:spTree>
+      <p:nvGrpSpPr>
+        <p:cNvPr id="1" name=""/>
+        <p:cNvGrpSpPr/>
+        <p:nvPr/>
+      </p:nvGrpSpPr>
+      <p:grpSpPr>
+        <a:xfrm>
+          <a:off x="0" y="0"/>
+          <a:ext cx="0" cy="0"/>
+          <a:chOff x="0" y="0"/>
+          <a:chExt cx="0" cy="0"/>
+        </a:xfrm>
+      </p:grpSpPr>
+      <p:sp>
+        <p:nvSpPr>
+          <p:cNvPr id="22" name="Title 1"/>
+          <p:cNvSpPr txBox="1">
+            <a:spLocks/>
+          </p:cNvSpPr>
+          <p:nvPr/>
+        </p:nvSpPr>
+        <p:spPr>
+          <a:xfrm>
+            <a:off x="742950" y="1472134"/>
+            <a:ext cx="10515600" cy="1325563"/>
+          </a:xfrm>
+          <a:prstGeom prst="rect">
+            <a:avLst/>
+          </a:prstGeom>
+        </p:spPr>
+        <p:txBody>
+          <a:bodyPr>
+            <a:normAutofit/>
+          </a:bodyPr>
+          <a:lstStyle>
+            <a:lvl1pPr algn="l" defTabSz="914400" rtl="0" eaLnBrk="1" latinLnBrk="0" hangingPunct="1">
+              <a:lnSpc>
+                <a:spcPct val="90000"/>
+              </a:lnSpc>
+              <a:spcBef>
+                <a:spcPct val="0"/>
+              </a:spcBef>
+              <a:buNone/>
+              <a:defRPr sz="4400" kern="1200">
+                <a:solidFill>
+                  <a:schemeClr val="tx1"/>
+                </a:solidFill>
+                <a:latin typeface="+mj-lt"/>
+                <a:ea typeface="+mj-ea"/>
+                <a:cs typeface="+mj-cs"/>
+              </a:defRPr>
+            </a:lvl1pPr>
+          </a:lstStyle>
+          <a:p>
+            <a:pPr algn="ctr"/>
+            <a:r>
+              <a:rPr lang="en-US" sz="4800" dirty="0" smtClean="0">
+                <a:solidFill>
+                  <a:schemeClr val="bg1"/>
+                </a:solidFill>
+                <a:latin typeface="Sternbach" panose="02000500000000000000" pitchFamily="2" charset="0"/>
+              </a:rPr>
+              <a:t>Results</a:t>
+            </a:r>
+            <a:endParaRPr lang="en-US" sz="4800" dirty="0">
+              <a:solidFill>
+                <a:schemeClr val="bg1"/>
+              </a:solidFill>
+              <a:latin typeface="Sternbach" panose="02000500000000000000" pitchFamily="2" charset="0"/>
+            </a:endParaRPr>
+          </a:p>
+        </p:txBody>
+      </p:sp>
+      <p:graphicFrame>
+        <p:nvGraphicFramePr>
+          <p:cNvPr id="4" name="Table 5">
+            <a:extLst>
+              <a:ext uri="{FF2B5EF4-FFF2-40B4-BE49-F238E27FC236}">
+                <a16:creationId xmlns:a16="http://schemas.microsoft.com/office/drawing/2014/main" id="{8D33B745-DADF-3040-B21E-1364179175B3}"/>
+              </a:ext>
+            </a:extLst>
+          </p:cNvPr>
+          <p:cNvGraphicFramePr>
+            <a:graphicFrameLocks/>
+          </p:cNvGraphicFramePr>
+          <p:nvPr>
+            <p:extLst>
+              <p:ext uri="{D42A27DB-BD31-4B8C-83A1-F6EECF244321}">
+                <p14:modId xmlns:p14="http://schemas.microsoft.com/office/powerpoint/2010/main" val="3392442586"/>
+              </p:ext>
+            </p:extLst>
+          </p:nvPr>
+        </p:nvGraphicFramePr>
+        <p:xfrm>
+          <a:off x="742950" y="2278112"/>
+          <a:ext cx="10997946" cy="4312920"/>
+        </p:xfrm>
+        <a:graphic>
+          <a:graphicData uri="http://schemas.openxmlformats.org/drawingml/2006/table">
+            <a:tbl>
+              <a:tblPr firstRow="1" bandRow="1">
+                <a:tableStyleId>{D27102A9-8310-4765-A935-A1911B00CA55}</a:tableStyleId>
+              </a:tblPr>
+              <a:tblGrid>
+                <a:gridCol w="2585466">
+                  <a:extLst>
+                    <a:ext uri="{9D8B030D-6E8A-4147-A177-3AD203B41FA5}">
+                      <a16:colId xmlns:a16="http://schemas.microsoft.com/office/drawing/2014/main" val="978186728"/>
+                    </a:ext>
+                  </a:extLst>
+                </a:gridCol>
+                <a:gridCol w="2103120">
+                  <a:extLst>
+                    <a:ext uri="{9D8B030D-6E8A-4147-A177-3AD203B41FA5}">
+                      <a16:colId xmlns:a16="http://schemas.microsoft.com/office/drawing/2014/main" val="1650450688"/>
+                    </a:ext>
+                  </a:extLst>
+                </a:gridCol>
+                <a:gridCol w="2103120">
+                  <a:extLst>
+                    <a:ext uri="{9D8B030D-6E8A-4147-A177-3AD203B41FA5}">
+                      <a16:colId xmlns:a16="http://schemas.microsoft.com/office/drawing/2014/main" val="321731917"/>
+                    </a:ext>
+                  </a:extLst>
+                </a:gridCol>
+                <a:gridCol w="2103120">
+                  <a:extLst>
+                    <a:ext uri="{9D8B030D-6E8A-4147-A177-3AD203B41FA5}">
+                      <a16:colId xmlns:a16="http://schemas.microsoft.com/office/drawing/2014/main" val="3694452088"/>
+                    </a:ext>
+                  </a:extLst>
+                </a:gridCol>
+                <a:gridCol w="2103120">
+                  <a:extLst>
+                    <a:ext uri="{9D8B030D-6E8A-4147-A177-3AD203B41FA5}">
+                      <a16:colId xmlns:a16="http://schemas.microsoft.com/office/drawing/2014/main" val="1824075857"/>
+                    </a:ext>
+                  </a:extLst>
+                </a:gridCol>
+              </a:tblGrid>
+              <a:tr h="370840">
+                <a:tc gridSpan="5">
+                  <a:txBody>
+                    <a:bodyPr/>
+                    <a:lstStyle/>
+                    <a:p>
+                      <a:pPr algn="ctr"/>
+                      <a:r>
+                        <a:rPr lang="en-US" sz="1800" dirty="0" smtClean="0">
+                          <a:solidFill>
+                            <a:schemeClr val="bg1"/>
+                          </a:solidFill>
+                        </a:rPr>
+                        <a:t>Feature Set Random Forest</a:t>
+                      </a:r>
+                      <a:endParaRPr lang="en-US" sz="1800" dirty="0">
+                        <a:solidFill>
+                          <a:schemeClr val="bg1"/>
+                        </a:solidFill>
+                      </a:endParaRPr>
+                    </a:p>
+                  </a:txBody>
+                  <a:tcPr/>
+                </a:tc>
+                <a:tc hMerge="1">
+                  <a:txBody>
+                    <a:bodyPr/>
+                    <a:lstStyle/>
+                    <a:p>
+                      <a:pPr marL="0" marR="0" lvl="0" indent="0" algn="ctr" defTabSz="914400" rtl="0" eaLnBrk="1" fontAlgn="auto" latinLnBrk="0" hangingPunct="1">
+                        <a:lnSpc>
+                          <a:spcPct val="100000"/>
+                        </a:lnSpc>
+                        <a:spcBef>
+                          <a:spcPts val="0"/>
+                        </a:spcBef>
+                        <a:spcAft>
+                          <a:spcPts val="0"/>
+                        </a:spcAft>
+                        <a:buClrTx/>
+                        <a:buSzTx/>
+                        <a:buFontTx/>
+                        <a:buNone/>
+                        <a:tabLst/>
+                        <a:defRPr/>
+                      </a:pPr>
+                      <a:endParaRPr lang="en-US" sz="1800" dirty="0">
+                        <a:solidFill>
+                          <a:schemeClr val="bg1"/>
+                        </a:solidFill>
+                      </a:endParaRPr>
+                    </a:p>
+                  </a:txBody>
+                  <a:tcPr/>
+                </a:tc>
+                <a:tc hMerge="1">
+                  <a:txBody>
+                    <a:bodyPr/>
+                    <a:lstStyle/>
+                    <a:p>
+                      <a:pPr marL="0" marR="0" lvl="0" indent="0" algn="ctr" defTabSz="914400" rtl="0" eaLnBrk="1" fontAlgn="auto" latinLnBrk="0" hangingPunct="1">
+                        <a:lnSpc>
+                          <a:spcPct val="100000"/>
+                        </a:lnSpc>
+                        <a:spcBef>
+                          <a:spcPts val="0"/>
+                        </a:spcBef>
+                        <a:spcAft>
+                          <a:spcPts val="0"/>
+                        </a:spcAft>
+                        <a:buClrTx/>
+                        <a:buSzTx/>
+                        <a:buFontTx/>
+                        <a:buNone/>
+                        <a:tabLst/>
+                        <a:defRPr/>
+                      </a:pPr>
+                      <a:endParaRPr lang="en-US" sz="1800" dirty="0">
+                        <a:solidFill>
+                          <a:schemeClr val="bg1"/>
+                        </a:solidFill>
+                      </a:endParaRPr>
+                    </a:p>
+                  </a:txBody>
+                  <a:tcPr/>
+                </a:tc>
+                <a:tc hMerge="1">
+                  <a:txBody>
+                    <a:bodyPr/>
+                    <a:lstStyle/>
+                    <a:p>
+                      <a:pPr marL="0" marR="0" lvl="0" indent="0" algn="ctr" defTabSz="914400" rtl="0" eaLnBrk="1" fontAlgn="auto" latinLnBrk="0" hangingPunct="1">
+                        <a:lnSpc>
+                          <a:spcPct val="100000"/>
+                        </a:lnSpc>
+                        <a:spcBef>
+                          <a:spcPts val="0"/>
+                        </a:spcBef>
+                        <a:spcAft>
+                          <a:spcPts val="0"/>
+                        </a:spcAft>
+                        <a:buClrTx/>
+                        <a:buSzTx/>
+                        <a:buFontTx/>
+                        <a:buNone/>
+                        <a:tabLst/>
+                        <a:defRPr/>
+                      </a:pPr>
+                      <a:endParaRPr lang="en-US" sz="1800" dirty="0">
+                        <a:solidFill>
+                          <a:schemeClr val="bg1"/>
+                        </a:solidFill>
+                      </a:endParaRPr>
+                    </a:p>
+                  </a:txBody>
+                  <a:tcPr/>
+                </a:tc>
+                <a:tc hMerge="1">
+                  <a:txBody>
+                    <a:bodyPr/>
+                    <a:lstStyle/>
+                    <a:p>
+                      <a:pPr marL="0" marR="0" lvl="0" indent="0" algn="ctr" defTabSz="914400" rtl="0" eaLnBrk="1" fontAlgn="auto" latinLnBrk="0" hangingPunct="1">
+                        <a:lnSpc>
+                          <a:spcPct val="100000"/>
+                        </a:lnSpc>
+                        <a:spcBef>
+                          <a:spcPts val="0"/>
+                        </a:spcBef>
+                        <a:spcAft>
+                          <a:spcPts val="0"/>
+                        </a:spcAft>
+                        <a:buClrTx/>
+                        <a:buSzTx/>
+                        <a:buFontTx/>
+                        <a:buNone/>
+                        <a:tabLst/>
+                        <a:defRPr/>
+                      </a:pPr>
+                      <a:endParaRPr lang="en-US" sz="1800" dirty="0">
+                        <a:solidFill>
+                          <a:schemeClr val="bg1"/>
+                        </a:solidFill>
+                      </a:endParaRPr>
+                    </a:p>
+                  </a:txBody>
+                  <a:tcPr/>
+                </a:tc>
+                <a:extLst>
+                  <a:ext uri="{0D108BD9-81ED-4DB2-BD59-A6C34878D82A}">
+                    <a16:rowId xmlns:a16="http://schemas.microsoft.com/office/drawing/2014/main" val="3636761358"/>
+                  </a:ext>
+                </a:extLst>
+              </a:tr>
+              <a:tr h="370840">
+                <a:tc>
+                  <a:txBody>
+                    <a:bodyPr/>
+                    <a:lstStyle/>
+                    <a:p>
+                      <a:pPr algn="ctr"/>
+                      <a:r>
+                        <a:rPr lang="en-US" dirty="0">
+                          <a:solidFill>
+                            <a:schemeClr val="bg1"/>
+                          </a:solidFill>
+                        </a:rPr>
+                        <a:t>Models</a:t>
+                      </a:r>
+                    </a:p>
+                  </a:txBody>
+                  <a:tcPr/>
+                </a:tc>
+                <a:tc>
+                  <a:txBody>
+                    <a:bodyPr/>
+                    <a:lstStyle/>
+                    <a:p>
+                      <a:pPr marL="0" marR="0" lvl="0" indent="0" algn="ctr" defTabSz="914400" rtl="0" eaLnBrk="1" fontAlgn="auto" latinLnBrk="0" hangingPunct="1">
+                        <a:lnSpc>
+                          <a:spcPct val="100000"/>
+                        </a:lnSpc>
+                        <a:spcBef>
+                          <a:spcPts val="0"/>
+                        </a:spcBef>
+                        <a:spcAft>
+                          <a:spcPts val="0"/>
+                        </a:spcAft>
+                        <a:buClrTx/>
+                        <a:buSzTx/>
+                        <a:buFontTx/>
+                        <a:buNone/>
+                        <a:tabLst/>
+                        <a:defRPr/>
+                      </a:pPr>
+                      <a:r>
+                        <a:rPr lang="en-US" sz="1800" dirty="0">
+                          <a:solidFill>
+                            <a:schemeClr val="bg1"/>
+                          </a:solidFill>
+                        </a:rPr>
+                        <a:t>Test Accuracy</a:t>
+                      </a:r>
+                    </a:p>
+                  </a:txBody>
+                  <a:tcPr/>
+                </a:tc>
+                <a:tc>
+                  <a:txBody>
+                    <a:bodyPr/>
+                    <a:lstStyle/>
+                    <a:p>
+                      <a:pPr marL="0" marR="0" lvl="0" indent="0" algn="ctr" defTabSz="914400" rtl="0" eaLnBrk="1" fontAlgn="auto" latinLnBrk="0" hangingPunct="1">
+                        <a:lnSpc>
+                          <a:spcPct val="100000"/>
+                        </a:lnSpc>
+                        <a:spcBef>
+                          <a:spcPts val="0"/>
+                        </a:spcBef>
+                        <a:spcAft>
+                          <a:spcPts val="0"/>
+                        </a:spcAft>
+                        <a:buClrTx/>
+                        <a:buSzTx/>
+                        <a:buFontTx/>
+                        <a:buNone/>
+                        <a:tabLst/>
+                        <a:defRPr/>
+                      </a:pPr>
+                      <a:r>
+                        <a:rPr lang="en-US" sz="1800" dirty="0">
+                          <a:solidFill>
+                            <a:schemeClr val="bg1"/>
+                          </a:solidFill>
+                        </a:rPr>
+                        <a:t>Test Precision</a:t>
+                      </a:r>
+                    </a:p>
+                  </a:txBody>
+                  <a:tcPr/>
+                </a:tc>
+                <a:tc>
+                  <a:txBody>
+                    <a:bodyPr/>
+                    <a:lstStyle/>
+                    <a:p>
+                      <a:pPr marL="0" marR="0" lvl="0" indent="0" algn="ctr" defTabSz="914400" rtl="0" eaLnBrk="1" fontAlgn="auto" latinLnBrk="0" hangingPunct="1">
+                        <a:lnSpc>
+                          <a:spcPct val="100000"/>
+                        </a:lnSpc>
+                        <a:spcBef>
+                          <a:spcPts val="0"/>
+                        </a:spcBef>
+                        <a:spcAft>
+                          <a:spcPts val="0"/>
+                        </a:spcAft>
+                        <a:buClrTx/>
+                        <a:buSzTx/>
+                        <a:buFontTx/>
+                        <a:buNone/>
+                        <a:tabLst/>
+                        <a:defRPr/>
+                      </a:pPr>
+                      <a:r>
+                        <a:rPr lang="en-US" sz="1800" dirty="0">
+                          <a:solidFill>
+                            <a:schemeClr val="bg1"/>
+                          </a:solidFill>
+                        </a:rPr>
+                        <a:t>Test Recall</a:t>
+                      </a:r>
+                    </a:p>
+                  </a:txBody>
+                  <a:tcPr/>
+                </a:tc>
+                <a:tc>
+                  <a:txBody>
+                    <a:bodyPr/>
+                    <a:lstStyle/>
+                    <a:p>
+                      <a:pPr marL="0" marR="0" lvl="0" indent="0" algn="ctr" defTabSz="914400" rtl="0" eaLnBrk="1" fontAlgn="auto" latinLnBrk="0" hangingPunct="1">
+                        <a:lnSpc>
+                          <a:spcPct val="100000"/>
+                        </a:lnSpc>
+                        <a:spcBef>
+                          <a:spcPts val="0"/>
+                        </a:spcBef>
+                        <a:spcAft>
+                          <a:spcPts val="0"/>
+                        </a:spcAft>
+                        <a:buClrTx/>
+                        <a:buSzTx/>
+                        <a:buFontTx/>
+                        <a:buNone/>
+                        <a:tabLst/>
+                        <a:defRPr/>
+                      </a:pPr>
+                      <a:r>
+                        <a:rPr lang="en-US" sz="1800" dirty="0">
+                          <a:solidFill>
+                            <a:schemeClr val="bg1"/>
+                          </a:solidFill>
+                        </a:rPr>
+                        <a:t>Test F1 score</a:t>
+                      </a:r>
+                    </a:p>
+                  </a:txBody>
+                  <a:tcPr/>
+                </a:tc>
+                <a:extLst>
+                  <a:ext uri="{0D108BD9-81ED-4DB2-BD59-A6C34878D82A}">
+                    <a16:rowId xmlns:a16="http://schemas.microsoft.com/office/drawing/2014/main" val="3966892919"/>
+                  </a:ext>
+                </a:extLst>
+              </a:tr>
+              <a:tr h="370840">
+                <a:tc>
+                  <a:txBody>
+                    <a:bodyPr/>
+                    <a:lstStyle/>
+                    <a:p>
+                      <a:pPr marL="0" marR="0" lvl="0" indent="0" algn="l" defTabSz="914400" rtl="0" eaLnBrk="1" fontAlgn="auto" latinLnBrk="0" hangingPunct="1">
+                        <a:lnSpc>
+                          <a:spcPct val="100000"/>
+                        </a:lnSpc>
+                        <a:spcBef>
+                          <a:spcPts val="0"/>
+                        </a:spcBef>
+                        <a:spcAft>
+                          <a:spcPts val="0"/>
+                        </a:spcAft>
+                        <a:buClrTx/>
+                        <a:buSzTx/>
+                        <a:buFontTx/>
+                        <a:buNone/>
+                        <a:tabLst/>
+                        <a:defRPr/>
+                      </a:pPr>
+                      <a:r>
+                        <a:rPr lang="en-US" sz="1800" dirty="0">
+                          <a:solidFill>
+                            <a:schemeClr val="bg1"/>
+                          </a:solidFill>
+                        </a:rPr>
+                        <a:t>Support Vector </a:t>
+                      </a:r>
+                      <a:r>
+                        <a:rPr lang="en-US" sz="1800" dirty="0" smtClean="0">
+                          <a:solidFill>
+                            <a:schemeClr val="bg1"/>
+                          </a:solidFill>
+                        </a:rPr>
+                        <a:t>Machines (Scaled)</a:t>
+                      </a:r>
+                      <a:endParaRPr lang="en-US" sz="1800" dirty="0">
+                        <a:solidFill>
+                          <a:schemeClr val="bg1"/>
+                        </a:solidFill>
+                      </a:endParaRPr>
+                    </a:p>
+                  </a:txBody>
+                  <a:tcPr/>
+                </a:tc>
+                <a:tc>
+                  <a:txBody>
+                    <a:bodyPr/>
+                    <a:lstStyle/>
+                    <a:p>
+                      <a:r>
+                        <a:rPr lang="en-US" dirty="0">
+                          <a:solidFill>
+                            <a:schemeClr val="bg1"/>
+                          </a:solidFill>
+                        </a:rPr>
+                        <a:t>0.78</a:t>
+                      </a:r>
+                    </a:p>
+                  </a:txBody>
+                  <a:tcPr/>
+                </a:tc>
+                <a:tc>
+                  <a:txBody>
+                    <a:bodyPr/>
+                    <a:lstStyle/>
+                    <a:p>
+                      <a:r>
+                        <a:rPr lang="en-US" dirty="0">
+                          <a:solidFill>
+                            <a:schemeClr val="bg1"/>
+                          </a:solidFill>
+                        </a:rPr>
+                        <a:t>Blue: 0.81</a:t>
+                      </a:r>
+                    </a:p>
+                    <a:p>
+                      <a:r>
+                        <a:rPr lang="en-US" dirty="0">
+                          <a:solidFill>
+                            <a:schemeClr val="bg1"/>
+                          </a:solidFill>
+                        </a:rPr>
+                        <a:t>Red: 0.77</a:t>
+                      </a:r>
+                    </a:p>
+                  </a:txBody>
+                  <a:tcPr/>
+                </a:tc>
+                <a:tc>
+                  <a:txBody>
+                    <a:bodyPr/>
+                    <a:lstStyle/>
+                    <a:p>
+                      <a:r>
+                        <a:rPr lang="en-US" dirty="0">
+                          <a:solidFill>
+                            <a:schemeClr val="bg1"/>
+                          </a:solidFill>
+                        </a:rPr>
+                        <a:t>Blue: 0.61</a:t>
+                      </a:r>
+                    </a:p>
+                    <a:p>
+                      <a:r>
+                        <a:rPr lang="en-US" dirty="0">
+                          <a:solidFill>
+                            <a:schemeClr val="bg1"/>
+                          </a:solidFill>
+                        </a:rPr>
+                        <a:t>Red: 0.90</a:t>
+                      </a:r>
+                    </a:p>
+                  </a:txBody>
+                  <a:tcPr/>
+                </a:tc>
+                <a:tc>
+                  <a:txBody>
+                    <a:bodyPr/>
+                    <a:lstStyle/>
+                    <a:p>
+                      <a:r>
+                        <a:rPr lang="en-US" dirty="0">
+                          <a:solidFill>
+                            <a:schemeClr val="bg1"/>
+                          </a:solidFill>
+                        </a:rPr>
+                        <a:t>Blue: 0.69 </a:t>
+                      </a:r>
+                    </a:p>
+                    <a:p>
+                      <a:r>
+                        <a:rPr lang="en-US" dirty="0">
+                          <a:solidFill>
+                            <a:schemeClr val="bg1"/>
+                          </a:solidFill>
+                        </a:rPr>
+                        <a:t>Red: 0.83</a:t>
+                      </a:r>
+                    </a:p>
+                  </a:txBody>
+                  <a:tcPr/>
+                </a:tc>
+                <a:extLst>
+                  <a:ext uri="{0D108BD9-81ED-4DB2-BD59-A6C34878D82A}">
+                    <a16:rowId xmlns:a16="http://schemas.microsoft.com/office/drawing/2014/main" val="1194264582"/>
+                  </a:ext>
+                </a:extLst>
+              </a:tr>
+              <a:tr h="370840">
+                <a:tc>
+                  <a:txBody>
+                    <a:bodyPr/>
+                    <a:lstStyle/>
+                    <a:p>
+                      <a:pPr marL="0" marR="0" lvl="0" indent="0" algn="l" defTabSz="914400" rtl="0" eaLnBrk="1" fontAlgn="auto" latinLnBrk="0" hangingPunct="1">
+                        <a:lnSpc>
+                          <a:spcPct val="100000"/>
+                        </a:lnSpc>
+                        <a:spcBef>
+                          <a:spcPts val="0"/>
+                        </a:spcBef>
+                        <a:spcAft>
+                          <a:spcPts val="0"/>
+                        </a:spcAft>
+                        <a:buClrTx/>
+                        <a:buSzTx/>
+                        <a:buFontTx/>
+                        <a:buNone/>
+                        <a:tabLst/>
+                        <a:defRPr/>
+                      </a:pPr>
+                      <a:r>
+                        <a:rPr lang="en-US" sz="1800" dirty="0">
+                          <a:solidFill>
+                            <a:schemeClr val="bg1"/>
+                          </a:solidFill>
+                        </a:rPr>
+                        <a:t>Logistic Regression</a:t>
+                      </a:r>
+                    </a:p>
+                  </a:txBody>
+                  <a:tcPr/>
+                </a:tc>
+                <a:tc>
+                  <a:txBody>
+                    <a:bodyPr/>
+                    <a:lstStyle/>
+                    <a:p>
+                      <a:r>
+                        <a:rPr lang="en-US" dirty="0">
+                          <a:solidFill>
+                            <a:schemeClr val="bg1"/>
+                          </a:solidFill>
+                        </a:rPr>
+                        <a:t>0.77</a:t>
+                      </a:r>
+                    </a:p>
+                  </a:txBody>
+                  <a:tcPr/>
+                </a:tc>
+                <a:tc>
+                  <a:txBody>
+                    <a:bodyPr/>
+                    <a:lstStyle/>
+                    <a:p>
+                      <a:r>
+                        <a:rPr lang="en-US" dirty="0">
+                          <a:solidFill>
+                            <a:schemeClr val="bg1"/>
+                          </a:solidFill>
+                        </a:rPr>
+                        <a:t>Blue: 0.77</a:t>
+                      </a:r>
+                    </a:p>
+                    <a:p>
+                      <a:r>
+                        <a:rPr lang="en-US" dirty="0">
+                          <a:solidFill>
+                            <a:schemeClr val="bg1"/>
+                          </a:solidFill>
+                        </a:rPr>
+                        <a:t>Red: 0.77</a:t>
+                      </a:r>
+                    </a:p>
+                  </a:txBody>
+                  <a:tcPr/>
+                </a:tc>
+                <a:tc>
+                  <a:txBody>
+                    <a:bodyPr/>
+                    <a:lstStyle/>
+                    <a:p>
+                      <a:r>
+                        <a:rPr lang="en-US" dirty="0">
+                          <a:solidFill>
+                            <a:schemeClr val="bg1"/>
+                          </a:solidFill>
+                        </a:rPr>
+                        <a:t>Blue: 0.64</a:t>
+                      </a:r>
+                    </a:p>
+                    <a:p>
+                      <a:r>
+                        <a:rPr lang="en-US" dirty="0">
+                          <a:solidFill>
+                            <a:schemeClr val="bg1"/>
+                          </a:solidFill>
+                        </a:rPr>
+                        <a:t>Red: 0.87</a:t>
+                      </a:r>
+                    </a:p>
+                  </a:txBody>
+                  <a:tcPr/>
+                </a:tc>
+                <a:tc>
+                  <a:txBody>
+                    <a:bodyPr/>
+                    <a:lstStyle/>
+                    <a:p>
+                      <a:r>
+                        <a:rPr lang="en-US" dirty="0">
+                          <a:solidFill>
+                            <a:schemeClr val="bg1"/>
+                          </a:solidFill>
+                        </a:rPr>
+                        <a:t>Blue: 0.70</a:t>
+                      </a:r>
+                    </a:p>
+                    <a:p>
+                      <a:r>
+                        <a:rPr lang="en-US" dirty="0">
+                          <a:solidFill>
+                            <a:schemeClr val="bg1"/>
+                          </a:solidFill>
+                        </a:rPr>
+                        <a:t>Red: 0.82</a:t>
+                      </a:r>
+                    </a:p>
+                  </a:txBody>
+                  <a:tcPr/>
+                </a:tc>
+                <a:extLst>
+                  <a:ext uri="{0D108BD9-81ED-4DB2-BD59-A6C34878D82A}">
+                    <a16:rowId xmlns:a16="http://schemas.microsoft.com/office/drawing/2014/main" val="2473706855"/>
+                  </a:ext>
+                </a:extLst>
+              </a:tr>
+              <a:tr h="370840">
+                <a:tc>
+                  <a:txBody>
+                    <a:bodyPr/>
+                    <a:lstStyle/>
+                    <a:p>
+                      <a:pPr marL="0" marR="0" lvl="0" indent="0" algn="l" defTabSz="914400" rtl="0" eaLnBrk="1" fontAlgn="auto" latinLnBrk="0" hangingPunct="1">
+                        <a:lnSpc>
+                          <a:spcPct val="100000"/>
+                        </a:lnSpc>
+                        <a:spcBef>
+                          <a:spcPts val="0"/>
+                        </a:spcBef>
+                        <a:spcAft>
+                          <a:spcPts val="0"/>
+                        </a:spcAft>
+                        <a:buClrTx/>
+                        <a:buSzTx/>
+                        <a:buFontTx/>
+                        <a:buNone/>
+                        <a:tabLst/>
+                        <a:defRPr/>
+                      </a:pPr>
+                      <a:r>
+                        <a:rPr lang="en-US" sz="1800" dirty="0">
+                          <a:solidFill>
+                            <a:schemeClr val="bg1"/>
+                          </a:solidFill>
+                        </a:rPr>
+                        <a:t>Random Forests</a:t>
+                      </a:r>
+                    </a:p>
+                  </a:txBody>
+                  <a:tcPr/>
+                </a:tc>
+                <a:tc>
+                  <a:txBody>
+                    <a:bodyPr/>
+                    <a:lstStyle/>
+                    <a:p>
+                      <a:r>
+                        <a:rPr lang="en-US" dirty="0">
+                          <a:solidFill>
+                            <a:schemeClr val="bg1"/>
+                          </a:solidFill>
+                        </a:rPr>
+                        <a:t>0.77</a:t>
+                      </a:r>
+                    </a:p>
+                  </a:txBody>
+                  <a:tcPr/>
+                </a:tc>
+                <a:tc>
+                  <a:txBody>
+                    <a:bodyPr/>
+                    <a:lstStyle/>
+                    <a:p>
+                      <a:r>
+                        <a:rPr lang="en-US" dirty="0">
+                          <a:solidFill>
+                            <a:schemeClr val="bg1"/>
+                          </a:solidFill>
+                        </a:rPr>
+                        <a:t>Blue: 0.75</a:t>
+                      </a:r>
+                    </a:p>
+                    <a:p>
+                      <a:r>
+                        <a:rPr lang="en-US" dirty="0">
+                          <a:solidFill>
+                            <a:schemeClr val="bg1"/>
+                          </a:solidFill>
+                        </a:rPr>
+                        <a:t>Red: 0.78</a:t>
+                      </a:r>
+                    </a:p>
+                  </a:txBody>
+                  <a:tcPr/>
+                </a:tc>
+                <a:tc>
+                  <a:txBody>
+                    <a:bodyPr/>
+                    <a:lstStyle/>
+                    <a:p>
+                      <a:r>
+                        <a:rPr lang="en-US" dirty="0">
+                          <a:solidFill>
+                            <a:schemeClr val="bg1"/>
+                          </a:solidFill>
+                        </a:rPr>
+                        <a:t>Blue: 0.67</a:t>
+                      </a:r>
+                    </a:p>
+                    <a:p>
+                      <a:r>
+                        <a:rPr lang="en-US" dirty="0">
+                          <a:solidFill>
+                            <a:schemeClr val="bg1"/>
+                          </a:solidFill>
+                        </a:rPr>
+                        <a:t>Red: 0.84</a:t>
+                      </a:r>
+                    </a:p>
+                  </a:txBody>
+                  <a:tcPr/>
+                </a:tc>
+                <a:tc>
+                  <a:txBody>
+                    <a:bodyPr/>
+                    <a:lstStyle/>
+                    <a:p>
+                      <a:r>
+                        <a:rPr lang="en-US" dirty="0">
+                          <a:solidFill>
+                            <a:schemeClr val="bg1"/>
+                          </a:solidFill>
+                        </a:rPr>
+                        <a:t>Blue: 0.70</a:t>
+                      </a:r>
+                    </a:p>
+                    <a:p>
+                      <a:r>
+                        <a:rPr lang="en-US" dirty="0">
+                          <a:solidFill>
+                            <a:schemeClr val="bg1"/>
+                          </a:solidFill>
+                        </a:rPr>
+                        <a:t>Red: 0.81</a:t>
+                      </a:r>
+                    </a:p>
+                  </a:txBody>
+                  <a:tcPr/>
+                </a:tc>
+                <a:extLst>
+                  <a:ext uri="{0D108BD9-81ED-4DB2-BD59-A6C34878D82A}">
+                    <a16:rowId xmlns:a16="http://schemas.microsoft.com/office/drawing/2014/main" val="298382437"/>
+                  </a:ext>
+                </a:extLst>
+              </a:tr>
+              <a:tr h="370840">
+                <a:tc>
+                  <a:txBody>
+                    <a:bodyPr/>
+                    <a:lstStyle/>
+                    <a:p>
+                      <a:pPr marL="0" marR="0" lvl="0" indent="0" algn="l" defTabSz="914400" rtl="0" eaLnBrk="1" fontAlgn="auto" latinLnBrk="0" hangingPunct="1">
+                        <a:lnSpc>
+                          <a:spcPct val="100000"/>
+                        </a:lnSpc>
+                        <a:spcBef>
+                          <a:spcPts val="0"/>
+                        </a:spcBef>
+                        <a:spcAft>
+                          <a:spcPts val="0"/>
+                        </a:spcAft>
+                        <a:buClrTx/>
+                        <a:buSzTx/>
+                        <a:buFontTx/>
+                        <a:buNone/>
+                        <a:tabLst/>
+                        <a:defRPr/>
+                      </a:pPr>
+                      <a:r>
+                        <a:rPr lang="en-US" sz="1800" dirty="0">
+                          <a:solidFill>
+                            <a:schemeClr val="bg1"/>
+                          </a:solidFill>
+                        </a:rPr>
+                        <a:t>Deep Learning</a:t>
+                      </a:r>
+                    </a:p>
+                  </a:txBody>
+                  <a:tcPr/>
+                </a:tc>
+                <a:tc>
+                  <a:txBody>
+                    <a:bodyPr/>
+                    <a:lstStyle/>
+                    <a:p>
+                      <a:r>
+                        <a:rPr lang="en-US" dirty="0" smtClean="0">
+                          <a:solidFill>
+                            <a:schemeClr val="bg1"/>
+                          </a:solidFill>
+                        </a:rPr>
+                        <a:t>0.74</a:t>
+                      </a:r>
+                      <a:endParaRPr lang="en-US" dirty="0">
+                        <a:solidFill>
+                          <a:schemeClr val="bg1"/>
+                        </a:solidFill>
+                      </a:endParaRPr>
+                    </a:p>
+                  </a:txBody>
+                  <a:tcPr/>
+                </a:tc>
+                <a:tc>
+                  <a:txBody>
+                    <a:bodyPr/>
+                    <a:lstStyle/>
+                    <a:p>
+                      <a:r>
+                        <a:rPr lang="en-US" dirty="0" smtClean="0">
+                          <a:solidFill>
+                            <a:schemeClr val="bg1"/>
+                          </a:solidFill>
+                        </a:rPr>
+                        <a:t>NA</a:t>
+                      </a:r>
+                      <a:endParaRPr lang="en-US" dirty="0">
+                        <a:solidFill>
+                          <a:schemeClr val="bg1"/>
+                        </a:solidFill>
+                      </a:endParaRPr>
+                    </a:p>
+                  </a:txBody>
+                  <a:tcPr/>
+                </a:tc>
+                <a:tc>
+                  <a:txBody>
+                    <a:bodyPr/>
+                    <a:lstStyle/>
+                    <a:p>
+                      <a:r>
+                        <a:rPr lang="en-US" dirty="0" smtClean="0">
+                          <a:solidFill>
+                            <a:schemeClr val="bg1"/>
+                          </a:solidFill>
+                        </a:rPr>
+                        <a:t>NA</a:t>
+                      </a:r>
+                      <a:endParaRPr lang="en-US" dirty="0">
+                        <a:solidFill>
+                          <a:schemeClr val="bg1"/>
+                        </a:solidFill>
+                      </a:endParaRPr>
+                    </a:p>
+                  </a:txBody>
+                  <a:tcPr/>
+                </a:tc>
+                <a:tc>
+                  <a:txBody>
+                    <a:bodyPr/>
+                    <a:lstStyle/>
+                    <a:p>
+                      <a:r>
+                        <a:rPr lang="en-US" dirty="0" smtClean="0">
+                          <a:solidFill>
+                            <a:schemeClr val="bg1"/>
+                          </a:solidFill>
+                        </a:rPr>
+                        <a:t>NA</a:t>
+                      </a:r>
+                      <a:endParaRPr lang="en-US" dirty="0">
+                        <a:solidFill>
+                          <a:schemeClr val="bg1"/>
+                        </a:solidFill>
+                      </a:endParaRPr>
+                    </a:p>
+                  </a:txBody>
+                  <a:tcPr/>
+                </a:tc>
+                <a:extLst>
+                  <a:ext uri="{0D108BD9-81ED-4DB2-BD59-A6C34878D82A}">
+                    <a16:rowId xmlns:a16="http://schemas.microsoft.com/office/drawing/2014/main" val="1605119501"/>
+                  </a:ext>
+                </a:extLst>
+              </a:tr>
+              <a:tr h="370840">
+                <a:tc>
+                  <a:txBody>
+                    <a:bodyPr/>
+                    <a:lstStyle/>
+                    <a:p>
+                      <a:pPr marL="0" marR="0" lvl="0" indent="0" algn="l" defTabSz="914400" rtl="0" eaLnBrk="1" fontAlgn="auto" latinLnBrk="0" hangingPunct="1">
+                        <a:lnSpc>
+                          <a:spcPct val="100000"/>
+                        </a:lnSpc>
+                        <a:spcBef>
+                          <a:spcPts val="0"/>
+                        </a:spcBef>
+                        <a:spcAft>
+                          <a:spcPts val="0"/>
+                        </a:spcAft>
+                        <a:buClrTx/>
+                        <a:buSzTx/>
+                        <a:buFontTx/>
+                        <a:buNone/>
+                        <a:tabLst/>
+                        <a:defRPr/>
+                      </a:pPr>
+                      <a:r>
+                        <a:rPr lang="en-US" sz="1800" dirty="0">
+                          <a:solidFill>
+                            <a:schemeClr val="bg1"/>
+                          </a:solidFill>
+                        </a:rPr>
+                        <a:t>K-Nearest </a:t>
+                      </a:r>
+                      <a:r>
+                        <a:rPr lang="en-US" sz="1800" dirty="0" smtClean="0">
+                          <a:solidFill>
+                            <a:schemeClr val="bg1"/>
+                          </a:solidFill>
+                        </a:rPr>
+                        <a:t>Neighbors (Scaled)</a:t>
+                      </a:r>
+                      <a:endParaRPr lang="en-US" sz="1800" dirty="0">
+                        <a:solidFill>
+                          <a:schemeClr val="bg1"/>
+                        </a:solidFill>
+                      </a:endParaRPr>
+                    </a:p>
+                  </a:txBody>
+                  <a:tcPr/>
+                </a:tc>
+                <a:tc>
+                  <a:txBody>
+                    <a:bodyPr/>
+                    <a:lstStyle/>
+                    <a:p>
+                      <a:r>
+                        <a:rPr lang="en-US" dirty="0" smtClean="0">
+                          <a:solidFill>
+                            <a:schemeClr val="bg1"/>
+                          </a:solidFill>
+                        </a:rPr>
+                        <a:t>0.72</a:t>
+                      </a:r>
+                      <a:endParaRPr lang="en-US" dirty="0">
+                        <a:solidFill>
+                          <a:schemeClr val="bg1"/>
+                        </a:solidFill>
+                      </a:endParaRPr>
+                    </a:p>
+                  </a:txBody>
+                  <a:tcPr/>
+                </a:tc>
+                <a:tc>
+                  <a:txBody>
+                    <a:bodyPr/>
+                    <a:lstStyle/>
+                    <a:p>
+                      <a:r>
+                        <a:rPr lang="en-US" dirty="0">
+                          <a:solidFill>
+                            <a:schemeClr val="bg1"/>
+                          </a:solidFill>
+                        </a:rPr>
+                        <a:t>Blue: </a:t>
+                      </a:r>
+                      <a:r>
+                        <a:rPr lang="en-US" dirty="0" smtClean="0">
+                          <a:solidFill>
+                            <a:schemeClr val="bg1"/>
+                          </a:solidFill>
+                        </a:rPr>
+                        <a:t>0.69</a:t>
+                      </a:r>
+                      <a:endParaRPr lang="en-US" dirty="0">
+                        <a:solidFill>
+                          <a:schemeClr val="bg1"/>
+                        </a:solidFill>
+                      </a:endParaRPr>
+                    </a:p>
+                    <a:p>
+                      <a:r>
+                        <a:rPr lang="en-US" dirty="0">
+                          <a:solidFill>
+                            <a:schemeClr val="bg1"/>
+                          </a:solidFill>
+                        </a:rPr>
+                        <a:t>Red: </a:t>
+                      </a:r>
+                      <a:r>
+                        <a:rPr lang="en-US" dirty="0" smtClean="0">
+                          <a:solidFill>
+                            <a:schemeClr val="bg1"/>
+                          </a:solidFill>
+                        </a:rPr>
+                        <a:t>0.74</a:t>
+                      </a:r>
+                      <a:endParaRPr lang="en-US" dirty="0">
+                        <a:solidFill>
+                          <a:schemeClr val="bg1"/>
+                        </a:solidFill>
+                      </a:endParaRPr>
+                    </a:p>
+                  </a:txBody>
+                  <a:tcPr/>
+                </a:tc>
+                <a:tc>
+                  <a:txBody>
+                    <a:bodyPr/>
+                    <a:lstStyle/>
+                    <a:p>
+                      <a:r>
+                        <a:rPr lang="en-US" dirty="0">
+                          <a:solidFill>
+                            <a:schemeClr val="bg1"/>
+                          </a:solidFill>
+                        </a:rPr>
+                        <a:t>Blue: </a:t>
+                      </a:r>
+                      <a:r>
+                        <a:rPr lang="en-US" dirty="0" smtClean="0">
+                          <a:solidFill>
+                            <a:schemeClr val="bg1"/>
+                          </a:solidFill>
+                        </a:rPr>
+                        <a:t>0.58</a:t>
+                      </a:r>
+                      <a:endParaRPr lang="en-US" dirty="0">
+                        <a:solidFill>
+                          <a:schemeClr val="bg1"/>
+                        </a:solidFill>
+                      </a:endParaRPr>
+                    </a:p>
+                    <a:p>
+                      <a:r>
+                        <a:rPr lang="en-US" dirty="0">
+                          <a:solidFill>
+                            <a:schemeClr val="bg1"/>
+                          </a:solidFill>
+                        </a:rPr>
+                        <a:t>Red: </a:t>
+                      </a:r>
+                      <a:r>
+                        <a:rPr lang="en-US" dirty="0" smtClean="0">
+                          <a:solidFill>
+                            <a:schemeClr val="bg1"/>
+                          </a:solidFill>
+                        </a:rPr>
+                        <a:t>0.81</a:t>
+                      </a:r>
+                      <a:endParaRPr lang="en-US" dirty="0">
+                        <a:solidFill>
+                          <a:schemeClr val="bg1"/>
+                        </a:solidFill>
+                      </a:endParaRPr>
+                    </a:p>
+                  </a:txBody>
+                  <a:tcPr/>
+                </a:tc>
+                <a:tc>
+                  <a:txBody>
+                    <a:bodyPr/>
+                    <a:lstStyle/>
+                    <a:p>
+                      <a:r>
+                        <a:rPr lang="en-US" dirty="0">
+                          <a:solidFill>
+                            <a:schemeClr val="bg1"/>
+                          </a:solidFill>
+                        </a:rPr>
+                        <a:t>Blue: </a:t>
+                      </a:r>
+                      <a:r>
+                        <a:rPr lang="en-US" dirty="0" smtClean="0">
+                          <a:solidFill>
+                            <a:schemeClr val="bg1"/>
+                          </a:solidFill>
+                        </a:rPr>
+                        <a:t>0.63</a:t>
+                      </a:r>
+                      <a:endParaRPr lang="en-US" dirty="0">
+                        <a:solidFill>
+                          <a:schemeClr val="bg1"/>
+                        </a:solidFill>
+                      </a:endParaRPr>
+                    </a:p>
+                    <a:p>
+                      <a:r>
+                        <a:rPr lang="en-US" dirty="0">
+                          <a:solidFill>
+                            <a:schemeClr val="bg1"/>
+                          </a:solidFill>
+                        </a:rPr>
+                        <a:t>Red: </a:t>
+                      </a:r>
+                      <a:r>
+                        <a:rPr lang="en-US" dirty="0" smtClean="0">
+                          <a:solidFill>
+                            <a:schemeClr val="bg1"/>
+                          </a:solidFill>
+                        </a:rPr>
+                        <a:t>0.77</a:t>
+                      </a:r>
+                      <a:endParaRPr lang="en-US" dirty="0">
+                        <a:solidFill>
+                          <a:schemeClr val="bg1"/>
+                        </a:solidFill>
+                      </a:endParaRPr>
+                    </a:p>
+                  </a:txBody>
+                  <a:tcPr/>
+                </a:tc>
+                <a:extLst>
+                  <a:ext uri="{0D108BD9-81ED-4DB2-BD59-A6C34878D82A}">
+                    <a16:rowId xmlns:a16="http://schemas.microsoft.com/office/drawing/2014/main" val="3074769454"/>
+                  </a:ext>
+                </a:extLst>
+              </a:tr>
+              <a:tr h="370840">
+                <a:tc>
+                  <a:txBody>
+                    <a:bodyPr/>
+                    <a:lstStyle/>
+                    <a:p>
+                      <a:pPr marL="0" marR="0" lvl="0" indent="0" algn="l" defTabSz="914400" rtl="0" eaLnBrk="1" fontAlgn="auto" latinLnBrk="0" hangingPunct="1">
+                        <a:lnSpc>
+                          <a:spcPct val="100000"/>
+                        </a:lnSpc>
+                        <a:spcBef>
+                          <a:spcPts val="0"/>
+                        </a:spcBef>
+                        <a:spcAft>
+                          <a:spcPts val="0"/>
+                        </a:spcAft>
+                        <a:buClrTx/>
+                        <a:buSzTx/>
+                        <a:buFontTx/>
+                        <a:buNone/>
+                        <a:tabLst/>
+                        <a:defRPr/>
+                      </a:pPr>
+                      <a:r>
+                        <a:rPr lang="en-US" sz="1800" dirty="0">
+                          <a:solidFill>
+                            <a:schemeClr val="bg1"/>
+                          </a:solidFill>
+                        </a:rPr>
+                        <a:t>Neural </a:t>
+                      </a:r>
+                      <a:r>
+                        <a:rPr lang="en-US" sz="1800" dirty="0" smtClean="0">
+                          <a:solidFill>
+                            <a:schemeClr val="bg1"/>
+                          </a:solidFill>
+                        </a:rPr>
+                        <a:t>Networks (Scaled)</a:t>
+                      </a:r>
+                      <a:endParaRPr lang="en-US" sz="1800" dirty="0">
+                        <a:solidFill>
+                          <a:schemeClr val="bg1"/>
+                        </a:solidFill>
+                      </a:endParaRPr>
+                    </a:p>
+                  </a:txBody>
+                  <a:tcPr/>
+                </a:tc>
+                <a:tc>
+                  <a:txBody>
+                    <a:bodyPr/>
+                    <a:lstStyle/>
+                    <a:p>
+                      <a:r>
+                        <a:rPr lang="en-US" dirty="0" smtClean="0">
+                          <a:solidFill>
+                            <a:schemeClr val="bg1"/>
+                          </a:solidFill>
+                        </a:rPr>
+                        <a:t>0.72</a:t>
+                      </a:r>
+                      <a:endParaRPr lang="en-US" dirty="0">
+                        <a:solidFill>
+                          <a:schemeClr val="bg1"/>
+                        </a:solidFill>
+                      </a:endParaRPr>
+                    </a:p>
+                  </a:txBody>
+                  <a:tcPr/>
+                </a:tc>
+                <a:tc>
+                  <a:txBody>
+                    <a:bodyPr/>
+                    <a:lstStyle/>
+                    <a:p>
+                      <a:r>
+                        <a:rPr lang="en-US" dirty="0">
+                          <a:solidFill>
+                            <a:schemeClr val="bg1"/>
+                          </a:solidFill>
+                        </a:rPr>
+                        <a:t>Blue: </a:t>
+                      </a:r>
+                      <a:r>
+                        <a:rPr lang="en-US" dirty="0" smtClean="0">
+                          <a:solidFill>
+                            <a:schemeClr val="bg1"/>
+                          </a:solidFill>
+                        </a:rPr>
+                        <a:t>0.65</a:t>
+                      </a:r>
+                      <a:endParaRPr lang="en-US" dirty="0">
+                        <a:solidFill>
+                          <a:schemeClr val="bg1"/>
+                        </a:solidFill>
+                      </a:endParaRPr>
+                    </a:p>
+                    <a:p>
+                      <a:r>
+                        <a:rPr lang="en-US" dirty="0">
+                          <a:solidFill>
+                            <a:schemeClr val="bg1"/>
+                          </a:solidFill>
+                        </a:rPr>
+                        <a:t>Red: </a:t>
+                      </a:r>
+                      <a:r>
+                        <a:rPr lang="en-US" dirty="0" smtClean="0">
+                          <a:solidFill>
+                            <a:schemeClr val="bg1"/>
+                          </a:solidFill>
+                        </a:rPr>
+                        <a:t>0.77</a:t>
+                      </a:r>
+                      <a:endParaRPr lang="en-US" dirty="0">
+                        <a:solidFill>
+                          <a:schemeClr val="bg1"/>
+                        </a:solidFill>
+                      </a:endParaRPr>
+                    </a:p>
+                  </a:txBody>
+                  <a:tcPr/>
+                </a:tc>
+                <a:tc>
+                  <a:txBody>
+                    <a:bodyPr/>
+                    <a:lstStyle/>
+                    <a:p>
+                      <a:r>
+                        <a:rPr lang="en-US" dirty="0">
+                          <a:solidFill>
+                            <a:schemeClr val="bg1"/>
+                          </a:solidFill>
+                        </a:rPr>
+                        <a:t>Blue: </a:t>
+                      </a:r>
+                      <a:r>
+                        <a:rPr lang="en-US" dirty="0" smtClean="0">
+                          <a:solidFill>
+                            <a:schemeClr val="bg1"/>
+                          </a:solidFill>
+                        </a:rPr>
+                        <a:t>0.69</a:t>
+                      </a:r>
+                      <a:endParaRPr lang="en-US" dirty="0">
+                        <a:solidFill>
+                          <a:schemeClr val="bg1"/>
+                        </a:solidFill>
+                      </a:endParaRPr>
+                    </a:p>
+                    <a:p>
+                      <a:r>
+                        <a:rPr lang="en-US" dirty="0">
+                          <a:solidFill>
+                            <a:schemeClr val="bg1"/>
+                          </a:solidFill>
+                        </a:rPr>
+                        <a:t>Red: </a:t>
+                      </a:r>
+                      <a:r>
+                        <a:rPr lang="en-US" dirty="0" smtClean="0">
+                          <a:solidFill>
+                            <a:schemeClr val="bg1"/>
+                          </a:solidFill>
+                        </a:rPr>
+                        <a:t>0.74</a:t>
+                      </a:r>
+                      <a:endParaRPr lang="en-US" dirty="0">
+                        <a:solidFill>
+                          <a:schemeClr val="bg1"/>
+                        </a:solidFill>
+                      </a:endParaRPr>
+                    </a:p>
+                  </a:txBody>
+                  <a:tcPr/>
+                </a:tc>
+                <a:tc>
+                  <a:txBody>
+                    <a:bodyPr/>
+                    <a:lstStyle/>
+                    <a:p>
+                      <a:r>
+                        <a:rPr lang="en-US" dirty="0">
+                          <a:solidFill>
+                            <a:schemeClr val="bg1"/>
+                          </a:solidFill>
+                        </a:rPr>
+                        <a:t>Blue: </a:t>
+                      </a:r>
+                      <a:r>
+                        <a:rPr lang="en-US" dirty="0" smtClean="0">
+                          <a:solidFill>
+                            <a:schemeClr val="bg1"/>
+                          </a:solidFill>
+                        </a:rPr>
+                        <a:t>0.67</a:t>
+                      </a:r>
+                      <a:endParaRPr lang="en-US" dirty="0">
+                        <a:solidFill>
+                          <a:schemeClr val="bg1"/>
+                        </a:solidFill>
+                      </a:endParaRPr>
+                    </a:p>
+                    <a:p>
+                      <a:r>
+                        <a:rPr lang="en-US" dirty="0">
+                          <a:solidFill>
+                            <a:schemeClr val="bg1"/>
+                          </a:solidFill>
+                        </a:rPr>
+                        <a:t>Red: </a:t>
+                      </a:r>
+                      <a:r>
+                        <a:rPr lang="en-US" dirty="0" smtClean="0">
+                          <a:solidFill>
+                            <a:schemeClr val="bg1"/>
+                          </a:solidFill>
+                        </a:rPr>
+                        <a:t>0.76</a:t>
+                      </a:r>
+                      <a:endParaRPr lang="en-US" dirty="0">
+                        <a:solidFill>
+                          <a:schemeClr val="bg1"/>
+                        </a:solidFill>
+                      </a:endParaRPr>
+                    </a:p>
+                  </a:txBody>
+                  <a:tcPr/>
+                </a:tc>
+                <a:extLst>
+                  <a:ext uri="{0D108BD9-81ED-4DB2-BD59-A6C34878D82A}">
+                    <a16:rowId xmlns:a16="http://schemas.microsoft.com/office/drawing/2014/main" val="1365646877"/>
+                  </a:ext>
+                </a:extLst>
+              </a:tr>
+            </a:tbl>
+          </a:graphicData>
+        </a:graphic>
+      </p:graphicFrame>
+    </p:spTree>
+    <p:extLst>
+      <p:ext uri="{BB962C8B-B14F-4D97-AF65-F5344CB8AC3E}">
+        <p14:creationId xmlns:p14="http://schemas.microsoft.com/office/powerpoint/2010/main" val="1943269971"/>
+      </p:ext>
+    </p:extLst>
+  </p:cSld>
+  <p:clrMapOvr>
+    <a:masterClrMapping/>
+  </p:clrMapOvr>
+  <p:timing>
+    <p:tnLst>
+      <p:par>
+        <p:cTn id="1" dur="indefinite" restart="never" nodeType="tmRoot"/>
+      </p:par>
+    </p:tnLst>
+  </p:timing>
+</p:sld>
+</file>
+
+<file path=ppt/slides/slide15.xml><?xml version="1.0" encoding="utf-8"?>
+<p:sld xmlns:a="http://schemas.openxmlformats.org/drawingml/2006/main" xmlns:r="http://schemas.openxmlformats.org/officeDocument/2006/relationships" xmlns:p="http://schemas.openxmlformats.org/presentationml/2006/main">
+  <p:cSld>
+    <p:bg>
+      <p:bgPr>
+        <a:blipFill dpi="0" rotWithShape="1">
+          <a:blip r:embed="rId3">
+            <a:lum/>
+          </a:blip>
+          <a:srcRect/>
+          <a:stretch>
+            <a:fillRect/>
+          </a:stretch>
+        </a:blipFill>
+        <a:effectLst/>
+      </p:bgPr>
+    </p:bg>
+    <p:spTree>
+      <p:nvGrpSpPr>
+        <p:cNvPr id="1" name=""/>
+        <p:cNvGrpSpPr/>
+        <p:nvPr/>
+      </p:nvGrpSpPr>
+      <p:grpSpPr>
+        <a:xfrm>
+          <a:off x="0" y="0"/>
+          <a:ext cx="0" cy="0"/>
+          <a:chOff x="0" y="0"/>
+          <a:chExt cx="0" cy="0"/>
+        </a:xfrm>
+      </p:grpSpPr>
+      <p:sp>
+        <p:nvSpPr>
+          <p:cNvPr id="2" name="Title 1"/>
+          <p:cNvSpPr>
+            <a:spLocks noGrp="1"/>
+          </p:cNvSpPr>
+          <p:nvPr>
+            <p:ph type="title"/>
+          </p:nvPr>
+        </p:nvSpPr>
+        <p:spPr>
+          <a:xfrm>
+            <a:off x="838199" y="1565275"/>
+            <a:ext cx="10515600" cy="1325563"/>
+          </a:xfrm>
+        </p:spPr>
+        <p:txBody>
+          <a:bodyPr>
+            <a:normAutofit/>
+          </a:bodyPr>
+          <a:lstStyle/>
+          <a:p>
+            <a:pPr algn="ctr"/>
+            <a:r>
+              <a:rPr lang="en-US" b="1" dirty="0" smtClean="0">
+                <a:solidFill>
+                  <a:schemeClr val="bg1"/>
+                </a:solidFill>
+                <a:latin typeface="Sternbach" panose="02000500000000000000" pitchFamily="2" charset="0"/>
+              </a:rPr>
+              <a:t>Winner</a:t>
+            </a:r>
+            <a:endParaRPr lang="en-US" b="1" dirty="0">
+              <a:solidFill>
+                <a:schemeClr val="bg1"/>
+              </a:solidFill>
+              <a:latin typeface="Sternbach" panose="02000500000000000000" pitchFamily="2" charset="0"/>
+            </a:endParaRPr>
+          </a:p>
+        </p:txBody>
+      </p:sp>
+      <p:sp>
+        <p:nvSpPr>
+          <p:cNvPr id="3" name="Content Placeholder 2"/>
+          <p:cNvSpPr>
+            <a:spLocks noGrp="1"/>
+          </p:cNvSpPr>
+          <p:nvPr>
+            <p:ph idx="1"/>
+          </p:nvPr>
+        </p:nvSpPr>
+        <p:spPr>
+          <a:xfrm>
+            <a:off x="3062287" y="3219450"/>
+            <a:ext cx="6067425" cy="847726"/>
+          </a:xfrm>
+        </p:spPr>
+        <p:txBody>
+          <a:bodyPr>
+            <a:normAutofit fontScale="92500" lnSpcReduction="20000"/>
+          </a:bodyPr>
+          <a:lstStyle/>
+          <a:p>
+            <a:pPr marL="0" indent="0" algn="ctr">
+              <a:buNone/>
+            </a:pPr>
+            <a:r>
+              <a:rPr lang="en-US" dirty="0" smtClean="0">
+                <a:solidFill>
+                  <a:schemeClr val="bg1"/>
+                </a:solidFill>
+              </a:rPr>
+              <a:t>Random Forest Feature Set</a:t>
+            </a:r>
+          </a:p>
+          <a:p>
+            <a:pPr marL="0" indent="0" algn="ctr">
+              <a:buNone/>
+            </a:pPr>
+            <a:r>
+              <a:rPr lang="en-US" dirty="0" smtClean="0">
+                <a:solidFill>
+                  <a:schemeClr val="bg1"/>
+                </a:solidFill>
+              </a:rPr>
+              <a:t>Support Vector Machine</a:t>
+            </a:r>
+          </a:p>
+        </p:txBody>
+      </p:sp>
+    </p:spTree>
+    <p:extLst>
+      <p:ext uri="{BB962C8B-B14F-4D97-AF65-F5344CB8AC3E}">
+        <p14:creationId xmlns:p14="http://schemas.microsoft.com/office/powerpoint/2010/main" val="3473645274"/>
+      </p:ext>
+    </p:extLst>
+  </p:cSld>
+  <p:clrMapOvr>
+    <a:masterClrMapping/>
+  </p:clrMapOvr>
+  <p:timing>
+    <p:tnLst>
+      <p:par>
+        <p:cTn id="1" dur="indefinite" restart="never" nodeType="tmRoot"/>
+      </p:par>
+    </p:tnLst>
+  </p:timing>
+</p:sld>
+</file>
+
+<file path=ppt/slides/slide16.xml><?xml version="1.0" encoding="utf-8"?>
+<p:sld xmlns:a="http://schemas.openxmlformats.org/drawingml/2006/main" xmlns:r="http://schemas.openxmlformats.org/officeDocument/2006/relationships" xmlns:p="http://schemas.openxmlformats.org/presentationml/2006/main">
+  <p:cSld>
+    <p:bg>
+      <p:bgPr>
+        <a:blipFill dpi="0" rotWithShape="1">
+          <a:blip r:embed="rId3">
+            <a:lum/>
+          </a:blip>
+          <a:srcRect/>
+          <a:stretch>
+            <a:fillRect/>
+          </a:stretch>
+        </a:blipFill>
+        <a:effectLst/>
+      </p:bgPr>
+    </p:bg>
+    <p:spTree>
+      <p:nvGrpSpPr>
+        <p:cNvPr id="1" name=""/>
+        <p:cNvGrpSpPr/>
+        <p:nvPr/>
+      </p:nvGrpSpPr>
+      <p:grpSpPr>
+        <a:xfrm>
+          <a:off x="0" y="0"/>
+          <a:ext cx="0" cy="0"/>
+          <a:chOff x="0" y="0"/>
+          <a:chExt cx="0" cy="0"/>
+        </a:xfrm>
+      </p:grpSpPr>
+      <p:sp>
+        <p:nvSpPr>
+          <p:cNvPr id="2" name="Title 1"/>
+          <p:cNvSpPr>
+            <a:spLocks noGrp="1"/>
+          </p:cNvSpPr>
+          <p:nvPr>
+            <p:ph type="title"/>
+          </p:nvPr>
+        </p:nvSpPr>
+        <p:spPr>
+          <a:xfrm>
+            <a:off x="838199" y="1565275"/>
+            <a:ext cx="10515600" cy="1325563"/>
+          </a:xfrm>
+        </p:spPr>
+        <p:txBody>
+          <a:bodyPr>
+            <a:normAutofit/>
+          </a:bodyPr>
+          <a:lstStyle/>
+          <a:p>
+            <a:pPr algn="ctr"/>
+            <a:r>
+              <a:rPr lang="en-US" b="1" dirty="0" smtClean="0">
+                <a:solidFill>
+                  <a:schemeClr val="bg1"/>
+                </a:solidFill>
+                <a:latin typeface="Sternbach" panose="02000500000000000000" pitchFamily="2" charset="0"/>
+              </a:rPr>
+              <a:t>Questions</a:t>
+            </a:r>
+            <a:endParaRPr lang="en-US" b="1" dirty="0">
+              <a:solidFill>
+                <a:schemeClr val="bg1"/>
+              </a:solidFill>
+              <a:latin typeface="Sternbach" panose="02000500000000000000" pitchFamily="2" charset="0"/>
+            </a:endParaRPr>
+          </a:p>
+        </p:txBody>
+      </p:sp>
+    </p:spTree>
+    <p:extLst>
+      <p:ext uri="{BB962C8B-B14F-4D97-AF65-F5344CB8AC3E}">
+        <p14:creationId xmlns:p14="http://schemas.microsoft.com/office/powerpoint/2010/main" val="1542992952"/>
+      </p:ext>
+    </p:extLst>
+  </p:cSld>
+  <p:clrMapOvr>
+    <a:masterClrMapping/>
+  </p:clrMapOvr>
+  <p:timing>
+    <p:tnLst>
+      <p:par>
+        <p:cTn id="1" dur="indefinite" restart="never" nodeType="tmRoot"/>
+      </p:par>
+    </p:tnLst>
+  </p:timing>
 </p:sld>
 </file>
 

--- a/ufc.pptx
+++ b/ufc.pptx
@@ -212,7 +212,7 @@
           <a:p>
             <a:fld id="{D486035D-20A4-0D44-9361-E2F29387BE10}" type="datetimeFigureOut">
               <a:rPr lang="en-US" smtClean="0"/>
-              <a:t>4/24/2021</a:t>
+              <a:t>4/25/2021</a:t>
             </a:fld>
             <a:endParaRPr lang="en-US"/>
           </a:p>
@@ -2346,7 +2346,7 @@
           <a:p>
             <a:fld id="{606BA9FF-F087-5E4E-8AD9-D0111DCFFBDD}" type="datetimeFigureOut">
               <a:rPr lang="en-US" smtClean="0"/>
-              <a:t>4/24/2021</a:t>
+              <a:t>4/25/2021</a:t>
             </a:fld>
             <a:endParaRPr lang="en-US"/>
           </a:p>
@@ -2544,7 +2544,7 @@
           <a:p>
             <a:fld id="{606BA9FF-F087-5E4E-8AD9-D0111DCFFBDD}" type="datetimeFigureOut">
               <a:rPr lang="en-US" smtClean="0"/>
-              <a:t>4/24/2021</a:t>
+              <a:t>4/25/2021</a:t>
             </a:fld>
             <a:endParaRPr lang="en-US"/>
           </a:p>
@@ -2752,7 +2752,7 @@
           <a:p>
             <a:fld id="{606BA9FF-F087-5E4E-8AD9-D0111DCFFBDD}" type="datetimeFigureOut">
               <a:rPr lang="en-US" smtClean="0"/>
-              <a:t>4/24/2021</a:t>
+              <a:t>4/25/2021</a:t>
             </a:fld>
             <a:endParaRPr lang="en-US"/>
           </a:p>
@@ -2950,7 +2950,7 @@
           <a:p>
             <a:fld id="{606BA9FF-F087-5E4E-8AD9-D0111DCFFBDD}" type="datetimeFigureOut">
               <a:rPr lang="en-US" smtClean="0"/>
-              <a:t>4/24/2021</a:t>
+              <a:t>4/25/2021</a:t>
             </a:fld>
             <a:endParaRPr lang="en-US"/>
           </a:p>
@@ -3225,7 +3225,7 @@
           <a:p>
             <a:fld id="{606BA9FF-F087-5E4E-8AD9-D0111DCFFBDD}" type="datetimeFigureOut">
               <a:rPr lang="en-US" smtClean="0"/>
-              <a:t>4/24/2021</a:t>
+              <a:t>4/25/2021</a:t>
             </a:fld>
             <a:endParaRPr lang="en-US"/>
           </a:p>
@@ -3490,7 +3490,7 @@
           <a:p>
             <a:fld id="{606BA9FF-F087-5E4E-8AD9-D0111DCFFBDD}" type="datetimeFigureOut">
               <a:rPr lang="en-US" smtClean="0"/>
-              <a:t>4/24/2021</a:t>
+              <a:t>4/25/2021</a:t>
             </a:fld>
             <a:endParaRPr lang="en-US"/>
           </a:p>
@@ -3902,7 +3902,7 @@
           <a:p>
             <a:fld id="{606BA9FF-F087-5E4E-8AD9-D0111DCFFBDD}" type="datetimeFigureOut">
               <a:rPr lang="en-US" smtClean="0"/>
-              <a:t>4/24/2021</a:t>
+              <a:t>4/25/2021</a:t>
             </a:fld>
             <a:endParaRPr lang="en-US"/>
           </a:p>
@@ -4043,7 +4043,7 @@
           <a:p>
             <a:fld id="{606BA9FF-F087-5E4E-8AD9-D0111DCFFBDD}" type="datetimeFigureOut">
               <a:rPr lang="en-US" smtClean="0"/>
-              <a:t>4/24/2021</a:t>
+              <a:t>4/25/2021</a:t>
             </a:fld>
             <a:endParaRPr lang="en-US"/>
           </a:p>
@@ -4156,7 +4156,7 @@
           <a:p>
             <a:fld id="{606BA9FF-F087-5E4E-8AD9-D0111DCFFBDD}" type="datetimeFigureOut">
               <a:rPr lang="en-US" smtClean="0"/>
-              <a:t>4/24/2021</a:t>
+              <a:t>4/25/2021</a:t>
             </a:fld>
             <a:endParaRPr lang="en-US"/>
           </a:p>
@@ -4467,7 +4467,7 @@
           <a:p>
             <a:fld id="{606BA9FF-F087-5E4E-8AD9-D0111DCFFBDD}" type="datetimeFigureOut">
               <a:rPr lang="en-US" smtClean="0"/>
-              <a:t>4/24/2021</a:t>
+              <a:t>4/25/2021</a:t>
             </a:fld>
             <a:endParaRPr lang="en-US"/>
           </a:p>
@@ -4755,7 +4755,7 @@
           <a:p>
             <a:fld id="{606BA9FF-F087-5E4E-8AD9-D0111DCFFBDD}" type="datetimeFigureOut">
               <a:rPr lang="en-US" smtClean="0"/>
-              <a:t>4/24/2021</a:t>
+              <a:t>4/25/2021</a:t>
             </a:fld>
             <a:endParaRPr lang="en-US"/>
           </a:p>
@@ -4996,7 +4996,7 @@
           <a:p>
             <a:fld id="{606BA9FF-F087-5E4E-8AD9-D0111DCFFBDD}" type="datetimeFigureOut">
               <a:rPr lang="en-US" smtClean="0"/>
-              <a:t>4/24/2021</a:t>
+              <a:t>4/25/2021</a:t>
             </a:fld>
             <a:endParaRPr lang="en-US"/>
           </a:p>
@@ -6645,11 +6645,6 @@
                         </a:rPr>
                         <a:t>Reach - R</a:t>
                       </a:r>
-                      <a:endParaRPr lang="en-US" sz="1400" dirty="0" smtClean="0">
-                        <a:solidFill>
-                          <a:schemeClr val="bg1"/>
-                        </a:solidFill>
-                      </a:endParaRPr>
                     </a:p>
                   </a:txBody>
                   <a:tcPr/>
@@ -6785,15 +6780,7 @@
                             <a:schemeClr val="bg1"/>
                           </a:solidFill>
                         </a:rPr>
-                        <a:t>Average Takedowns Landed – </a:t>
-                      </a:r>
-                      <a:r>
-                        <a:rPr lang="en-US" sz="1400" dirty="0" smtClean="0">
-                          <a:solidFill>
-                            <a:schemeClr val="bg1"/>
-                          </a:solidFill>
-                        </a:rPr>
-                        <a:t>B</a:t>
+                        <a:t>Average Takedowns Landed – B</a:t>
                       </a:r>
                       <a:endParaRPr lang="en-US" sz="1400" dirty="0">
                         <a:solidFill>
@@ -7084,11 +7071,6 @@
                         </a:rPr>
                         <a:t>Pass – R</a:t>
                       </a:r>
-                      <a:endParaRPr lang="en-US" sz="1200" dirty="0" smtClean="0">
-                        <a:solidFill>
-                          <a:schemeClr val="bg1"/>
-                        </a:solidFill>
-                      </a:endParaRPr>
                     </a:p>
                   </a:txBody>
                   <a:tcPr/>
@@ -7112,23 +7094,7 @@
                             <a:schemeClr val="bg1"/>
                           </a:solidFill>
                         </a:rPr>
-                        <a:t>Percentage </a:t>
-                      </a:r>
-                      <a:r>
-                        <a:rPr lang="en-US" sz="1200" baseline="0" dirty="0" smtClean="0">
-                          <a:solidFill>
-                            <a:schemeClr val="bg1"/>
-                          </a:solidFill>
-                        </a:rPr>
-                        <a:t>– </a:t>
-                      </a:r>
-                      <a:r>
-                        <a:rPr lang="en-US" sz="1200" baseline="0" dirty="0" smtClean="0">
-                          <a:solidFill>
-                            <a:schemeClr val="bg1"/>
-                          </a:solidFill>
-                        </a:rPr>
-                        <a:t>B </a:t>
+                        <a:t>Percentage – B </a:t>
                       </a:r>
                       <a:endParaRPr lang="en-US" sz="1200" dirty="0">
                         <a:solidFill>
@@ -7198,11 +7164,6 @@
                         </a:rPr>
                         <a:t>Pass – B</a:t>
                       </a:r>
-                      <a:endParaRPr lang="en-US" sz="1200" dirty="0" smtClean="0">
-                        <a:solidFill>
-                          <a:schemeClr val="bg1"/>
-                        </a:solidFill>
-                      </a:endParaRPr>
                     </a:p>
                   </a:txBody>
                   <a:tcPr/>
@@ -7243,23 +7204,7 @@
                             <a:schemeClr val="bg1"/>
                           </a:solidFill>
                         </a:rPr>
-                        <a:t> Percentage </a:t>
-                      </a:r>
-                      <a:r>
-                        <a:rPr lang="en-US" sz="1200" baseline="0" dirty="0" smtClean="0">
-                          <a:solidFill>
-                            <a:schemeClr val="bg1"/>
-                          </a:solidFill>
-                        </a:rPr>
-                        <a:t>– </a:t>
-                      </a:r>
-                      <a:r>
-                        <a:rPr lang="en-US" sz="1200" baseline="0" dirty="0" smtClean="0">
-                          <a:solidFill>
-                            <a:schemeClr val="bg1"/>
-                          </a:solidFill>
-                        </a:rPr>
-                        <a:t>R </a:t>
+                        <a:t> Percentage – R </a:t>
                       </a:r>
                       <a:endParaRPr lang="en-US" sz="1200" dirty="0" smtClean="0">
                         <a:solidFill>
@@ -7296,15 +7241,7 @@
                             <a:schemeClr val="bg1"/>
                           </a:solidFill>
                         </a:rPr>
-                        <a:t> </a:t>
-                      </a:r>
-                      <a:r>
-                        <a:rPr lang="en-US" sz="1200" baseline="0" dirty="0" smtClean="0">
-                          <a:solidFill>
-                            <a:schemeClr val="bg1"/>
-                          </a:solidFill>
-                        </a:rPr>
-                        <a:t>– R</a:t>
+                        <a:t> – R</a:t>
                       </a:r>
                       <a:endParaRPr lang="en-US" sz="1200" dirty="0">
                         <a:solidFill>
@@ -7418,15 +7355,7 @@
                             <a:schemeClr val="bg1"/>
                           </a:solidFill>
                         </a:rPr>
-                        <a:t> </a:t>
-                      </a:r>
-                      <a:r>
-                        <a:rPr lang="en-US" sz="1200" dirty="0" smtClean="0">
-                          <a:solidFill>
-                            <a:schemeClr val="bg1"/>
-                          </a:solidFill>
-                        </a:rPr>
-                        <a:t>– B</a:t>
+                        <a:t> – B</a:t>
                       </a:r>
                     </a:p>
                   </a:txBody>
@@ -7655,15 +7584,7 @@
                             <a:schemeClr val="bg1"/>
                           </a:solidFill>
                         </a:rPr>
-                        <a:t>Attempted </a:t>
-                      </a:r>
-                      <a:r>
-                        <a:rPr lang="en-US" sz="1200" baseline="0" dirty="0" smtClean="0">
-                          <a:solidFill>
-                            <a:schemeClr val="bg1"/>
-                          </a:solidFill>
-                        </a:rPr>
-                        <a:t>– R </a:t>
+                        <a:t>Attempted – R </a:t>
                       </a:r>
                       <a:endParaRPr lang="en-US" sz="1200" dirty="0">
                         <a:solidFill>
@@ -7722,15 +7643,7 @@
                             <a:schemeClr val="bg1"/>
                           </a:solidFill>
                         </a:rPr>
-                        <a:t>Landed </a:t>
-                      </a:r>
-                      <a:r>
-                        <a:rPr lang="en-US" sz="1200" baseline="0" dirty="0" smtClean="0">
-                          <a:solidFill>
-                            <a:schemeClr val="bg1"/>
-                          </a:solidFill>
-                        </a:rPr>
-                        <a:t>– R </a:t>
+                        <a:t>Landed – R </a:t>
                       </a:r>
                       <a:endParaRPr lang="en-US" sz="1200" dirty="0">
                         <a:solidFill>
@@ -7777,23 +7690,7 @@
                             <a:schemeClr val="bg1"/>
                           </a:solidFill>
                         </a:rPr>
-                        <a:t> </a:t>
-                      </a:r>
-                      <a:r>
-                        <a:rPr lang="en-US" sz="1200" baseline="0" dirty="0" smtClean="0">
-                          <a:solidFill>
-                            <a:schemeClr val="bg1"/>
-                          </a:solidFill>
-                        </a:rPr>
-                        <a:t>Attempted </a:t>
-                      </a:r>
-                      <a:r>
-                        <a:rPr lang="en-US" sz="1200" baseline="0" dirty="0" smtClean="0">
-                          <a:solidFill>
-                            <a:schemeClr val="bg1"/>
-                          </a:solidFill>
-                        </a:rPr>
-                        <a:t>– B </a:t>
+                        <a:t> Attempted – B </a:t>
                       </a:r>
                       <a:endParaRPr lang="en-US" sz="1200" dirty="0" smtClean="0">
                         <a:solidFill>
@@ -7869,23 +7766,7 @@
                             <a:schemeClr val="bg1"/>
                           </a:solidFill>
                         </a:rPr>
-                        <a:t> </a:t>
-                      </a:r>
-                      <a:r>
-                        <a:rPr lang="en-US" sz="1200" baseline="0" dirty="0" smtClean="0">
-                          <a:solidFill>
-                            <a:schemeClr val="bg1"/>
-                          </a:solidFill>
-                        </a:rPr>
-                        <a:t>Landed </a:t>
-                      </a:r>
-                      <a:r>
-                        <a:rPr lang="en-US" sz="1200" baseline="0" dirty="0" smtClean="0">
-                          <a:solidFill>
-                            <a:schemeClr val="bg1"/>
-                          </a:solidFill>
-                        </a:rPr>
-                        <a:t>– B </a:t>
+                        <a:t> Landed – B </a:t>
                       </a:r>
                       <a:endParaRPr lang="en-US" sz="1200" dirty="0" smtClean="0">
                         <a:solidFill>
@@ -7907,23 +7788,7 @@
                             <a:schemeClr val="bg1"/>
                           </a:solidFill>
                         </a:rPr>
-                        <a:t>Average Significant Strikes </a:t>
-                      </a:r>
-                      <a:r>
-                        <a:rPr lang="en-US" sz="1200" dirty="0" smtClean="0">
-                          <a:solidFill>
-                            <a:schemeClr val="bg1"/>
-                          </a:solidFill>
-                        </a:rPr>
-                        <a:t>Percentage </a:t>
-                      </a:r>
-                      <a:r>
-                        <a:rPr lang="en-US" sz="1200" dirty="0" smtClean="0">
-                          <a:solidFill>
-                            <a:schemeClr val="bg1"/>
-                          </a:solidFill>
-                        </a:rPr>
-                        <a:t>– R </a:t>
+                        <a:t>Average Significant Strikes Percentage – R </a:t>
                       </a:r>
                       <a:endParaRPr lang="en-US" sz="1200" dirty="0">
                         <a:solidFill>
@@ -7980,15 +7845,7 @@
                             <a:schemeClr val="bg1"/>
                           </a:solidFill>
                         </a:rPr>
-                        <a:t>Significant </a:t>
-                      </a:r>
-                      <a:r>
-                        <a:rPr lang="en-US" sz="1200" dirty="0" smtClean="0">
-                          <a:solidFill>
-                            <a:schemeClr val="bg1"/>
-                          </a:solidFill>
-                        </a:rPr>
-                        <a:t>Strikes </a:t>
+                        <a:t>Significant Strikes </a:t>
                       </a:r>
                       <a:r>
                         <a:rPr lang="en-US" sz="1200" baseline="0" dirty="0" smtClean="0">
@@ -7996,15 +7853,7 @@
                             <a:schemeClr val="bg1"/>
                           </a:solidFill>
                         </a:rPr>
-                        <a:t>Percentage </a:t>
-                      </a:r>
-                      <a:r>
-                        <a:rPr lang="en-US" sz="1200" baseline="0" dirty="0" smtClean="0">
-                          <a:solidFill>
-                            <a:schemeClr val="bg1"/>
-                          </a:solidFill>
-                        </a:rPr>
-                        <a:t>– R </a:t>
+                        <a:t>Percentage – R </a:t>
                       </a:r>
                       <a:endParaRPr lang="en-US" sz="1200" dirty="0">
                         <a:solidFill>
@@ -8026,23 +7875,7 @@
                             <a:schemeClr val="bg1"/>
                           </a:solidFill>
                         </a:rPr>
-                        <a:t>Average Significant Strikes </a:t>
-                      </a:r>
-                      <a:r>
-                        <a:rPr lang="en-US" sz="1200" dirty="0" smtClean="0">
-                          <a:solidFill>
-                            <a:schemeClr val="bg1"/>
-                          </a:solidFill>
-                        </a:rPr>
-                        <a:t>Percentage </a:t>
-                      </a:r>
-                      <a:r>
-                        <a:rPr lang="en-US" sz="1200" dirty="0" smtClean="0">
-                          <a:solidFill>
-                            <a:schemeClr val="bg1"/>
-                          </a:solidFill>
-                        </a:rPr>
-                        <a:t>– B </a:t>
+                        <a:t>Average Significant Strikes Percentage – B </a:t>
                       </a:r>
                       <a:endParaRPr lang="en-US" sz="1200" dirty="0">
                         <a:solidFill>
@@ -8118,15 +7951,7 @@
                             <a:schemeClr val="bg1"/>
                           </a:solidFill>
                         </a:rPr>
-                        <a:t>Percentage – </a:t>
-                      </a:r>
-                      <a:r>
-                        <a:rPr lang="en-US" sz="1200" baseline="0" dirty="0" smtClean="0">
-                          <a:solidFill>
-                            <a:schemeClr val="bg1"/>
-                          </a:solidFill>
-                        </a:rPr>
-                        <a:t>B </a:t>
+                        <a:t>Percentage – B </a:t>
                       </a:r>
                       <a:endParaRPr lang="en-US" sz="1200" dirty="0" smtClean="0">
                         <a:solidFill>
@@ -8178,23 +8003,7 @@
                             <a:schemeClr val="bg1"/>
                           </a:solidFill>
                         </a:rPr>
-                        <a:t>Age </a:t>
-                      </a:r>
-                      <a:r>
-                        <a:rPr lang="en-US" sz="1200" dirty="0" smtClean="0">
-                          <a:solidFill>
-                            <a:schemeClr val="bg1"/>
-                          </a:solidFill>
-                        </a:rPr>
-                        <a:t>– </a:t>
-                      </a:r>
-                      <a:r>
-                        <a:rPr lang="en-US" sz="1200" dirty="0" smtClean="0">
-                          <a:solidFill>
-                            <a:schemeClr val="bg1"/>
-                          </a:solidFill>
-                        </a:rPr>
-                        <a:t>B</a:t>
+                        <a:t>Age – B</a:t>
                       </a:r>
                       <a:endParaRPr lang="en-US" sz="1200" dirty="0">
                         <a:solidFill>
@@ -8242,11 +8051,6 @@
                         </a:rPr>
                         <a:t>Takedowns Landed – B</a:t>
                       </a:r>
-                      <a:endParaRPr lang="en-US" sz="1200" dirty="0" smtClean="0">
-                        <a:solidFill>
-                          <a:schemeClr val="bg1"/>
-                        </a:solidFill>
-                      </a:endParaRPr>
                     </a:p>
                   </a:txBody>
                   <a:tcPr/>
@@ -8332,11 +8136,6 @@
                         </a:rPr>
                         <a:t>Significant Strikes Attempted – R</a:t>
                       </a:r>
-                      <a:endParaRPr lang="en-US" sz="1200" dirty="0" smtClean="0">
-                        <a:solidFill>
-                          <a:schemeClr val="bg1"/>
-                        </a:solidFill>
-                      </a:endParaRPr>
                     </a:p>
                   </a:txBody>
                   <a:tcPr/>
@@ -8661,14 +8460,14 @@
           <p:nvPr>
             <p:extLst>
               <p:ext uri="{D42A27DB-BD31-4B8C-83A1-F6EECF244321}">
-                <p14:modId xmlns:p14="http://schemas.microsoft.com/office/powerpoint/2010/main" val="657696867"/>
+                <p14:modId xmlns:p14="http://schemas.microsoft.com/office/powerpoint/2010/main" val="3294340884"/>
               </p:ext>
             </p:extLst>
           </p:nvPr>
         </p:nvGraphicFramePr>
         <p:xfrm>
           <a:off x="742950" y="2278112"/>
-          <a:ext cx="10997946" cy="4312920"/>
+          <a:ext cx="10997946" cy="4008120"/>
         </p:xfrm>
         <a:graphic>
           <a:graphicData uri="http://schemas.openxmlformats.org/drawingml/2006/table">
@@ -8721,14 +8520,14 @@
                     <a:p>
                       <a:pPr algn="ctr"/>
                       <a:r>
-                        <a:rPr lang="en-US" sz="1800" dirty="0" smtClean="0">
+                        <a:rPr lang="en-US" sz="1600" dirty="0" smtClean="0">
                           <a:solidFill>
                             <a:schemeClr val="bg1"/>
                           </a:solidFill>
                         </a:rPr>
                         <a:t>Feature Set Chosen</a:t>
                       </a:r>
-                      <a:endParaRPr lang="en-US" sz="1800" dirty="0">
+                      <a:endParaRPr lang="en-US" sz="1600" dirty="0">
                         <a:solidFill>
                           <a:schemeClr val="bg1"/>
                         </a:solidFill>
@@ -8875,7 +8674,7 @@
                     <a:p>
                       <a:pPr algn="ctr"/>
                       <a:r>
-                        <a:rPr lang="en-US" dirty="0">
+                        <a:rPr lang="en-US" sz="1600" dirty="0">
                           <a:solidFill>
                             <a:schemeClr val="bg1"/>
                           </a:solidFill>
@@ -8909,7 +8708,7 @@
                         <a:defRPr/>
                       </a:pPr>
                       <a:r>
-                        <a:rPr lang="en-US" sz="1800" dirty="0">
+                        <a:rPr lang="en-US" sz="1600" dirty="0">
                           <a:solidFill>
                             <a:schemeClr val="bg1"/>
                           </a:solidFill>
@@ -8943,7 +8742,7 @@
                         <a:defRPr/>
                       </a:pPr>
                       <a:r>
-                        <a:rPr lang="en-US" sz="1800" dirty="0">
+                        <a:rPr lang="en-US" sz="1600" dirty="0">
                           <a:solidFill>
                             <a:schemeClr val="bg1"/>
                           </a:solidFill>
@@ -8977,7 +8776,7 @@
                         <a:defRPr/>
                       </a:pPr>
                       <a:r>
-                        <a:rPr lang="en-US" sz="1800" dirty="0">
+                        <a:rPr lang="en-US" sz="1600" dirty="0">
                           <a:solidFill>
                             <a:schemeClr val="bg1"/>
                           </a:solidFill>
@@ -9011,7 +8810,7 @@
                         <a:defRPr/>
                       </a:pPr>
                       <a:r>
-                        <a:rPr lang="en-US" sz="1800" dirty="0">
+                        <a:rPr lang="en-US" sz="1600" dirty="0">
                           <a:solidFill>
                             <a:schemeClr val="bg1"/>
                           </a:solidFill>
@@ -9052,7 +8851,7 @@
                         <a:defRPr/>
                       </a:pPr>
                       <a:r>
-                        <a:rPr lang="en-US" sz="1800" dirty="0">
+                        <a:rPr lang="en-US" sz="1600" dirty="0">
                           <a:solidFill>
                             <a:schemeClr val="bg1"/>
                           </a:solidFill>
@@ -9060,14 +8859,14 @@
                         <a:t>Support Vector </a:t>
                       </a:r>
                       <a:r>
-                        <a:rPr lang="en-US" sz="1800" dirty="0" smtClean="0">
+                        <a:rPr lang="en-US" sz="1600" dirty="0" smtClean="0">
                           <a:solidFill>
                             <a:schemeClr val="bg1"/>
                           </a:solidFill>
                         </a:rPr>
                         <a:t>Machines (Scaled)</a:t>
                       </a:r>
-                      <a:endParaRPr lang="en-US" sz="1800" dirty="0">
+                      <a:endParaRPr lang="en-US" sz="1600" dirty="0">
                         <a:solidFill>
                           <a:schemeClr val="bg1"/>
                         </a:solidFill>
@@ -9082,14 +8881,14 @@
                     <a:lstStyle/>
                     <a:p>
                       <a:r>
-                        <a:rPr lang="en-US" dirty="0" smtClean="0">
+                        <a:rPr lang="en-US" sz="1600" dirty="0" smtClean="0">
                           <a:solidFill>
                             <a:schemeClr val="bg1"/>
                           </a:solidFill>
                         </a:rPr>
                         <a:t>0.76</a:t>
                       </a:r>
-                      <a:endParaRPr lang="en-US" dirty="0">
+                      <a:endParaRPr lang="en-US" sz="1600" dirty="0">
                         <a:solidFill>
                           <a:schemeClr val="bg1"/>
                         </a:solidFill>
@@ -9104,7 +8903,7 @@
                     <a:lstStyle/>
                     <a:p>
                       <a:r>
-                        <a:rPr lang="en-US" dirty="0">
+                        <a:rPr lang="en-US" sz="1600" dirty="0">
                           <a:solidFill>
                             <a:schemeClr val="bg1"/>
                           </a:solidFill>
@@ -9112,14 +8911,14 @@
                         <a:t>Blue: </a:t>
                       </a:r>
                       <a:r>
-                        <a:rPr lang="en-US" dirty="0" smtClean="0">
+                        <a:rPr lang="en-US" sz="1600" dirty="0" smtClean="0">
                           <a:solidFill>
                             <a:schemeClr val="bg1"/>
                           </a:solidFill>
                         </a:rPr>
                         <a:t>0.86</a:t>
                       </a:r>
-                      <a:endParaRPr lang="en-US" dirty="0">
+                      <a:endParaRPr lang="en-US" sz="1600" dirty="0">
                         <a:solidFill>
                           <a:schemeClr val="bg1"/>
                         </a:solidFill>
@@ -9127,7 +8926,7 @@
                     </a:p>
                     <a:p>
                       <a:r>
-                        <a:rPr lang="en-US" dirty="0">
+                        <a:rPr lang="en-US" sz="1600" dirty="0">
                           <a:solidFill>
                             <a:schemeClr val="bg1"/>
                           </a:solidFill>
@@ -9135,14 +8934,14 @@
                         <a:t>Red: </a:t>
                       </a:r>
                       <a:r>
-                        <a:rPr lang="en-US" dirty="0" smtClean="0">
+                        <a:rPr lang="en-US" sz="1600" dirty="0" smtClean="0">
                           <a:solidFill>
                             <a:schemeClr val="bg1"/>
                           </a:solidFill>
                         </a:rPr>
                         <a:t>0.73</a:t>
                       </a:r>
-                      <a:endParaRPr lang="en-US" dirty="0">
+                      <a:endParaRPr lang="en-US" sz="1600" dirty="0">
                         <a:solidFill>
                           <a:schemeClr val="bg1"/>
                         </a:solidFill>
@@ -9157,7 +8956,7 @@
                     <a:lstStyle/>
                     <a:p>
                       <a:r>
-                        <a:rPr lang="en-US" dirty="0">
+                        <a:rPr lang="en-US" sz="1600" dirty="0">
                           <a:solidFill>
                             <a:schemeClr val="bg1"/>
                           </a:solidFill>
@@ -9165,14 +8964,14 @@
                         <a:t>Blue: </a:t>
                       </a:r>
                       <a:r>
-                        <a:rPr lang="en-US" dirty="0" smtClean="0">
+                        <a:rPr lang="en-US" sz="1600" dirty="0" smtClean="0">
                           <a:solidFill>
                             <a:schemeClr val="bg1"/>
                           </a:solidFill>
                         </a:rPr>
                         <a:t>0.51</a:t>
                       </a:r>
-                      <a:endParaRPr lang="en-US" dirty="0">
+                      <a:endParaRPr lang="en-US" sz="1600" dirty="0">
                         <a:solidFill>
                           <a:schemeClr val="bg1"/>
                         </a:solidFill>
@@ -9180,7 +8979,7 @@
                     </a:p>
                     <a:p>
                       <a:r>
-                        <a:rPr lang="en-US" dirty="0">
+                        <a:rPr lang="en-US" sz="1600" dirty="0">
                           <a:solidFill>
                             <a:schemeClr val="bg1"/>
                           </a:solidFill>
@@ -9188,14 +8987,14 @@
                         <a:t>Red: </a:t>
                       </a:r>
                       <a:r>
-                        <a:rPr lang="en-US" dirty="0" smtClean="0">
+                        <a:rPr lang="en-US" sz="1600" dirty="0" smtClean="0">
                           <a:solidFill>
                             <a:schemeClr val="bg1"/>
                           </a:solidFill>
                         </a:rPr>
                         <a:t>0.94</a:t>
                       </a:r>
-                      <a:endParaRPr lang="en-US" dirty="0">
+                      <a:endParaRPr lang="en-US" sz="1600" dirty="0">
                         <a:solidFill>
                           <a:schemeClr val="bg1"/>
                         </a:solidFill>
@@ -9210,7 +9009,7 @@
                     <a:lstStyle/>
                     <a:p>
                       <a:r>
-                        <a:rPr lang="en-US" dirty="0">
+                        <a:rPr lang="en-US" sz="1600" dirty="0">
                           <a:solidFill>
                             <a:schemeClr val="bg1"/>
                           </a:solidFill>
@@ -9218,14 +9017,14 @@
                         <a:t>Blue: </a:t>
                       </a:r>
                       <a:r>
-                        <a:rPr lang="en-US" dirty="0" smtClean="0">
+                        <a:rPr lang="en-US" sz="1600" dirty="0" smtClean="0">
                           <a:solidFill>
                             <a:schemeClr val="bg1"/>
                           </a:solidFill>
                         </a:rPr>
                         <a:t>0.64 </a:t>
                       </a:r>
-                      <a:endParaRPr lang="en-US" dirty="0">
+                      <a:endParaRPr lang="en-US" sz="1600" dirty="0">
                         <a:solidFill>
                           <a:schemeClr val="bg1"/>
                         </a:solidFill>
@@ -9233,7 +9032,7 @@
                     </a:p>
                     <a:p>
                       <a:r>
-                        <a:rPr lang="en-US" dirty="0">
+                        <a:rPr lang="en-US" sz="1600" dirty="0">
                           <a:solidFill>
                             <a:schemeClr val="bg1"/>
                           </a:solidFill>
@@ -9241,14 +9040,14 @@
                         <a:t>Red: </a:t>
                       </a:r>
                       <a:r>
-                        <a:rPr lang="en-US" dirty="0" smtClean="0">
+                        <a:rPr lang="en-US" sz="1600" dirty="0" smtClean="0">
                           <a:solidFill>
                             <a:schemeClr val="bg1"/>
                           </a:solidFill>
                         </a:rPr>
                         <a:t>0.82</a:t>
                       </a:r>
-                      <a:endParaRPr lang="en-US" dirty="0">
+                      <a:endParaRPr lang="en-US" sz="1600" dirty="0">
                         <a:solidFill>
                           <a:schemeClr val="bg1"/>
                         </a:solidFill>
@@ -9287,7 +9086,7 @@
                         <a:defRPr/>
                       </a:pPr>
                       <a:r>
-                        <a:rPr lang="en-US" sz="1800" dirty="0">
+                        <a:rPr lang="en-US" sz="1600" dirty="0">
                           <a:solidFill>
                             <a:schemeClr val="bg1"/>
                           </a:solidFill>
@@ -9304,14 +9103,14 @@
                     <a:lstStyle/>
                     <a:p>
                       <a:r>
-                        <a:rPr lang="en-US" dirty="0" smtClean="0">
+                        <a:rPr lang="en-US" sz="1600" dirty="0" smtClean="0">
                           <a:solidFill>
                             <a:schemeClr val="bg1"/>
                           </a:solidFill>
                         </a:rPr>
                         <a:t>0.76</a:t>
                       </a:r>
-                      <a:endParaRPr lang="en-US" dirty="0">
+                      <a:endParaRPr lang="en-US" sz="1600" dirty="0">
                         <a:solidFill>
                           <a:schemeClr val="bg1"/>
                         </a:solidFill>
@@ -9326,7 +9125,7 @@
                     <a:lstStyle/>
                     <a:p>
                       <a:r>
-                        <a:rPr lang="en-US" dirty="0">
+                        <a:rPr lang="en-US" sz="1600" dirty="0">
                           <a:solidFill>
                             <a:schemeClr val="bg1"/>
                           </a:solidFill>
@@ -9334,14 +9133,14 @@
                         <a:t>Blue: </a:t>
                       </a:r>
                       <a:r>
-                        <a:rPr lang="en-US" dirty="0" smtClean="0">
+                        <a:rPr lang="en-US" sz="1600" dirty="0" smtClean="0">
                           <a:solidFill>
                             <a:schemeClr val="bg1"/>
                           </a:solidFill>
                         </a:rPr>
                         <a:t>0.80</a:t>
                       </a:r>
-                      <a:endParaRPr lang="en-US" dirty="0">
+                      <a:endParaRPr lang="en-US" sz="1600" dirty="0">
                         <a:solidFill>
                           <a:schemeClr val="bg1"/>
                         </a:solidFill>
@@ -9349,7 +9148,7 @@
                     </a:p>
                     <a:p>
                       <a:r>
-                        <a:rPr lang="en-US" dirty="0">
+                        <a:rPr lang="en-US" sz="1600" dirty="0">
                           <a:solidFill>
                             <a:schemeClr val="bg1"/>
                           </a:solidFill>
@@ -9357,14 +9156,14 @@
                         <a:t>Red: </a:t>
                       </a:r>
                       <a:r>
-                        <a:rPr lang="en-US" dirty="0" smtClean="0">
+                        <a:rPr lang="en-US" sz="1600" dirty="0" smtClean="0">
                           <a:solidFill>
                             <a:schemeClr val="bg1"/>
                           </a:solidFill>
                         </a:rPr>
                         <a:t>0.75</a:t>
                       </a:r>
-                      <a:endParaRPr lang="en-US" dirty="0">
+                      <a:endParaRPr lang="en-US" sz="1600" dirty="0">
                         <a:solidFill>
                           <a:schemeClr val="bg1"/>
                         </a:solidFill>
@@ -9379,7 +9178,7 @@
                     <a:lstStyle/>
                     <a:p>
                       <a:r>
-                        <a:rPr lang="en-US" dirty="0">
+                        <a:rPr lang="en-US" sz="1600" dirty="0">
                           <a:solidFill>
                             <a:schemeClr val="bg1"/>
                           </a:solidFill>
@@ -9387,14 +9186,14 @@
                         <a:t>Blue: </a:t>
                       </a:r>
                       <a:r>
-                        <a:rPr lang="en-US" dirty="0" smtClean="0">
+                        <a:rPr lang="en-US" sz="1600" dirty="0" smtClean="0">
                           <a:solidFill>
                             <a:schemeClr val="bg1"/>
                           </a:solidFill>
                         </a:rPr>
                         <a:t>0.56</a:t>
                       </a:r>
-                      <a:endParaRPr lang="en-US" dirty="0">
+                      <a:endParaRPr lang="en-US" sz="1600" dirty="0">
                         <a:solidFill>
                           <a:schemeClr val="bg1"/>
                         </a:solidFill>
@@ -9402,7 +9201,7 @@
                     </a:p>
                     <a:p>
                       <a:r>
-                        <a:rPr lang="en-US" dirty="0">
+                        <a:rPr lang="en-US" sz="1600" dirty="0">
                           <a:solidFill>
                             <a:schemeClr val="bg1"/>
                           </a:solidFill>
@@ -9410,14 +9209,14 @@
                         <a:t>Red: </a:t>
                       </a:r>
                       <a:r>
-                        <a:rPr lang="en-US" dirty="0" smtClean="0">
+                        <a:rPr lang="en-US" sz="1600" dirty="0" smtClean="0">
                           <a:solidFill>
                             <a:schemeClr val="bg1"/>
                           </a:solidFill>
                         </a:rPr>
                         <a:t>0.90</a:t>
                       </a:r>
-                      <a:endParaRPr lang="en-US" dirty="0">
+                      <a:endParaRPr lang="en-US" sz="1600" dirty="0">
                         <a:solidFill>
                           <a:schemeClr val="bg1"/>
                         </a:solidFill>
@@ -9432,7 +9231,7 @@
                     <a:lstStyle/>
                     <a:p>
                       <a:r>
-                        <a:rPr lang="en-US" dirty="0">
+                        <a:rPr lang="en-US" sz="1600" dirty="0">
                           <a:solidFill>
                             <a:schemeClr val="bg1"/>
                           </a:solidFill>
@@ -9440,14 +9239,14 @@
                         <a:t>Blue: </a:t>
                       </a:r>
                       <a:r>
-                        <a:rPr lang="en-US" dirty="0" smtClean="0">
+                        <a:rPr lang="en-US" sz="1600" dirty="0" smtClean="0">
                           <a:solidFill>
                             <a:schemeClr val="bg1"/>
                           </a:solidFill>
                         </a:rPr>
                         <a:t>0.66</a:t>
                       </a:r>
-                      <a:endParaRPr lang="en-US" dirty="0">
+                      <a:endParaRPr lang="en-US" sz="1600" dirty="0">
                         <a:solidFill>
                           <a:schemeClr val="bg1"/>
                         </a:solidFill>
@@ -9455,7 +9254,7 @@
                     </a:p>
                     <a:p>
                       <a:r>
-                        <a:rPr lang="en-US" dirty="0">
+                        <a:rPr lang="en-US" sz="1600" dirty="0">
                           <a:solidFill>
                             <a:schemeClr val="bg1"/>
                           </a:solidFill>
@@ -9496,7 +9295,7 @@
                         <a:defRPr/>
                       </a:pPr>
                       <a:r>
-                        <a:rPr lang="en-US" sz="1800" dirty="0">
+                        <a:rPr lang="en-US" sz="1600" dirty="0">
                           <a:solidFill>
                             <a:schemeClr val="bg1"/>
                           </a:solidFill>
@@ -9513,14 +9312,14 @@
                     <a:lstStyle/>
                     <a:p>
                       <a:r>
-                        <a:rPr lang="en-US" dirty="0" smtClean="0">
+                        <a:rPr lang="en-US" sz="1600" dirty="0" smtClean="0">
                           <a:solidFill>
                             <a:schemeClr val="bg1"/>
                           </a:solidFill>
                         </a:rPr>
                         <a:t>0.76</a:t>
                       </a:r>
-                      <a:endParaRPr lang="en-US" dirty="0">
+                      <a:endParaRPr lang="en-US" sz="1600" dirty="0">
                         <a:solidFill>
                           <a:schemeClr val="bg1"/>
                         </a:solidFill>
@@ -9535,7 +9334,7 @@
                     <a:lstStyle/>
                     <a:p>
                       <a:r>
-                        <a:rPr lang="en-US" dirty="0">
+                        <a:rPr lang="en-US" sz="1600" dirty="0">
                           <a:solidFill>
                             <a:schemeClr val="bg1"/>
                           </a:solidFill>
@@ -9545,7 +9344,7 @@
                     </a:p>
                     <a:p>
                       <a:r>
-                        <a:rPr lang="en-US" dirty="0">
+                        <a:rPr lang="en-US" sz="1600" dirty="0">
                           <a:solidFill>
                             <a:schemeClr val="bg1"/>
                           </a:solidFill>
@@ -9553,14 +9352,14 @@
                         <a:t>Red: </a:t>
                       </a:r>
                       <a:r>
-                        <a:rPr lang="en-US" dirty="0" smtClean="0">
+                        <a:rPr lang="en-US" sz="1600" dirty="0" smtClean="0">
                           <a:solidFill>
                             <a:schemeClr val="bg1"/>
                           </a:solidFill>
                         </a:rPr>
                         <a:t>0.76</a:t>
                       </a:r>
-                      <a:endParaRPr lang="en-US" dirty="0">
+                      <a:endParaRPr lang="en-US" sz="1600" dirty="0">
                         <a:solidFill>
                           <a:schemeClr val="bg1"/>
                         </a:solidFill>
@@ -9575,7 +9374,7 @@
                     <a:lstStyle/>
                     <a:p>
                       <a:r>
-                        <a:rPr lang="en-US" dirty="0">
+                        <a:rPr lang="en-US" sz="1600" dirty="0">
                           <a:solidFill>
                             <a:schemeClr val="bg1"/>
                           </a:solidFill>
@@ -9583,14 +9382,14 @@
                         <a:t>Blue: </a:t>
                       </a:r>
                       <a:r>
-                        <a:rPr lang="en-US" dirty="0" smtClean="0">
+                        <a:rPr lang="en-US" sz="1600" dirty="0" smtClean="0">
                           <a:solidFill>
                             <a:schemeClr val="bg1"/>
                           </a:solidFill>
                         </a:rPr>
                         <a:t>0.62</a:t>
                       </a:r>
-                      <a:endParaRPr lang="en-US" dirty="0">
+                      <a:endParaRPr lang="en-US" sz="1600" dirty="0">
                         <a:solidFill>
                           <a:schemeClr val="bg1"/>
                         </a:solidFill>
@@ -9598,7 +9397,7 @@
                     </a:p>
                     <a:p>
                       <a:r>
-                        <a:rPr lang="en-US" dirty="0">
+                        <a:rPr lang="en-US" sz="1600" dirty="0">
                           <a:solidFill>
                             <a:schemeClr val="bg1"/>
                           </a:solidFill>
@@ -9606,14 +9405,14 @@
                         <a:t>Red: </a:t>
                       </a:r>
                       <a:r>
-                        <a:rPr lang="en-US" dirty="0" smtClean="0">
+                        <a:rPr lang="en-US" sz="1600" dirty="0" smtClean="0">
                           <a:solidFill>
                             <a:schemeClr val="bg1"/>
                           </a:solidFill>
                         </a:rPr>
                         <a:t>0.85</a:t>
                       </a:r>
-                      <a:endParaRPr lang="en-US" dirty="0">
+                      <a:endParaRPr lang="en-US" sz="1600" dirty="0">
                         <a:solidFill>
                           <a:schemeClr val="bg1"/>
                         </a:solidFill>
@@ -9628,7 +9427,7 @@
                     <a:lstStyle/>
                     <a:p>
                       <a:r>
-                        <a:rPr lang="en-US" dirty="0">
+                        <a:rPr lang="en-US" sz="1600" dirty="0">
                           <a:solidFill>
                             <a:schemeClr val="bg1"/>
                           </a:solidFill>
@@ -9636,14 +9435,14 @@
                         <a:t>Blue: </a:t>
                       </a:r>
                       <a:r>
-                        <a:rPr lang="en-US" dirty="0" smtClean="0">
+                        <a:rPr lang="en-US" sz="1600" dirty="0" smtClean="0">
                           <a:solidFill>
                             <a:schemeClr val="bg1"/>
                           </a:solidFill>
                         </a:rPr>
                         <a:t>0.68</a:t>
                       </a:r>
-                      <a:endParaRPr lang="en-US" dirty="0">
+                      <a:endParaRPr lang="en-US" sz="1600" dirty="0">
                         <a:solidFill>
                           <a:schemeClr val="bg1"/>
                         </a:solidFill>
@@ -9651,7 +9450,7 @@
                     </a:p>
                     <a:p>
                       <a:r>
-                        <a:rPr lang="en-US" dirty="0">
+                        <a:rPr lang="en-US" sz="1600" dirty="0">
                           <a:solidFill>
                             <a:schemeClr val="bg1"/>
                           </a:solidFill>
@@ -9659,14 +9458,14 @@
                         <a:t>Red: </a:t>
                       </a:r>
                       <a:r>
-                        <a:rPr lang="en-US" dirty="0" smtClean="0">
+                        <a:rPr lang="en-US" sz="1600" dirty="0" smtClean="0">
                           <a:solidFill>
                             <a:schemeClr val="bg1"/>
                           </a:solidFill>
                         </a:rPr>
                         <a:t>0.80</a:t>
                       </a:r>
-                      <a:endParaRPr lang="en-US" dirty="0">
+                      <a:endParaRPr lang="en-US" sz="1600" dirty="0">
                         <a:solidFill>
                           <a:schemeClr val="bg1"/>
                         </a:solidFill>
@@ -9705,48 +9504,30 @@
                         <a:defRPr/>
                       </a:pPr>
                       <a:r>
-                        <a:rPr lang="en-US" sz="1800" dirty="0">
-                          <a:solidFill>
-                            <a:schemeClr val="bg1"/>
-                          </a:solidFill>
-                        </a:rPr>
-                        <a:t>Deep Learning</a:t>
-                      </a:r>
-                    </a:p>
-                  </a:txBody>
-                  <a:tcPr/>
-                </a:tc>
-                <a:tc>
-                  <a:txBody>
-                    <a:bodyPr/>
-                    <a:lstStyle/>
-                    <a:p>
-                      <a:r>
-                        <a:rPr lang="en-US" dirty="0">
-                          <a:solidFill>
-                            <a:schemeClr val="bg1"/>
-                          </a:solidFill>
-                        </a:rPr>
-                        <a:t>0.76</a:t>
-                      </a:r>
-                    </a:p>
-                  </a:txBody>
-                  <a:tcPr/>
-                </a:tc>
-                <a:tc>
-                  <a:txBody>
-                    <a:bodyPr/>
-                    <a:lstStyle/>
-                    <a:p>
-                      <a:r>
-                        <a:rPr lang="en-US" dirty="0" smtClean="0">
-                          <a:solidFill>
-                            <a:schemeClr val="bg1"/>
-                          </a:solidFill>
-                        </a:rPr>
-                        <a:t>NA</a:t>
-                      </a:r>
-                      <a:endParaRPr lang="en-US" dirty="0">
+                        <a:rPr lang="en-US" sz="1600" dirty="0" smtClean="0">
+                          <a:solidFill>
+                            <a:schemeClr val="bg1"/>
+                          </a:solidFill>
+                        </a:rPr>
+                        <a:t>Deep Learning (</a:t>
+                      </a:r>
+                      <a:r>
+                        <a:rPr lang="en-US" sz="1600" dirty="0" err="1" smtClean="0">
+                          <a:solidFill>
+                            <a:schemeClr val="bg1"/>
+                          </a:solidFill>
+                        </a:rPr>
+                        <a:t>Tensorflow</a:t>
+                      </a:r>
+                      <a:r>
+                        <a:rPr lang="en-US" sz="1600" dirty="0" smtClean="0">
+                          <a:solidFill>
+                            <a:schemeClr val="bg1"/>
+                          </a:solidFill>
+                        </a:rPr>
+                        <a:t>)</a:t>
+                      </a:r>
+                      <a:endParaRPr lang="en-US" sz="1600" dirty="0">
                         <a:solidFill>
                           <a:schemeClr val="bg1"/>
                         </a:solidFill>
@@ -9761,14 +9542,31 @@
                     <a:lstStyle/>
                     <a:p>
                       <a:r>
-                        <a:rPr lang="en-US" dirty="0" smtClean="0">
+                        <a:rPr lang="en-US" sz="1600" dirty="0">
+                          <a:solidFill>
+                            <a:schemeClr val="bg1"/>
+                          </a:solidFill>
+                        </a:rPr>
+                        <a:t>0.76</a:t>
+                      </a:r>
+                    </a:p>
+                  </a:txBody>
+                  <a:tcPr/>
+                </a:tc>
+                <a:tc>
+                  <a:txBody>
+                    <a:bodyPr/>
+                    <a:lstStyle/>
+                    <a:p>
+                      <a:r>
+                        <a:rPr lang="en-US" sz="1600" dirty="0" smtClean="0">
                           <a:solidFill>
                             <a:schemeClr val="bg1"/>
                           </a:solidFill>
                         </a:rPr>
                         <a:t>NA</a:t>
                       </a:r>
-                      <a:endParaRPr lang="en-US" dirty="0">
+                      <a:endParaRPr lang="en-US" sz="1600" dirty="0">
                         <a:solidFill>
                           <a:schemeClr val="bg1"/>
                         </a:solidFill>
@@ -9783,14 +9581,36 @@
                     <a:lstStyle/>
                     <a:p>
                       <a:r>
-                        <a:rPr lang="en-US" dirty="0" smtClean="0">
+                        <a:rPr lang="en-US" sz="1600" dirty="0" smtClean="0">
                           <a:solidFill>
                             <a:schemeClr val="bg1"/>
                           </a:solidFill>
                         </a:rPr>
                         <a:t>NA</a:t>
                       </a:r>
-                      <a:endParaRPr lang="en-US" dirty="0">
+                      <a:endParaRPr lang="en-US" sz="1600" dirty="0">
+                        <a:solidFill>
+                          <a:schemeClr val="bg1"/>
+                        </a:solidFill>
+                      </a:endParaRPr>
+                    </a:p>
+                  </a:txBody>
+                  <a:tcPr/>
+                </a:tc>
+                <a:tc>
+                  <a:txBody>
+                    <a:bodyPr/>
+                    <a:lstStyle/>
+                    <a:p>
+                      <a:r>
+                        <a:rPr lang="en-US" sz="1600" dirty="0" smtClean="0">
+                          <a:solidFill>
+                            <a:schemeClr val="bg1"/>
+                          </a:solidFill>
+                        </a:rPr>
+                        <a:t>NA</a:t>
+                      </a:r>
+                      <a:endParaRPr lang="en-US" sz="1600" dirty="0">
                         <a:solidFill>
                           <a:schemeClr val="bg1"/>
                         </a:solidFill>
@@ -9829,7 +9649,7 @@
                         <a:defRPr/>
                       </a:pPr>
                       <a:r>
-                        <a:rPr lang="en-US" sz="1800" dirty="0">
+                        <a:rPr lang="en-US" sz="1600" dirty="0">
                           <a:solidFill>
                             <a:schemeClr val="bg1"/>
                           </a:solidFill>
@@ -9837,14 +9657,14 @@
                         <a:t>K-Nearest </a:t>
                       </a:r>
                       <a:r>
-                        <a:rPr lang="en-US" sz="1800" dirty="0" smtClean="0">
+                        <a:rPr lang="en-US" sz="1600" dirty="0" smtClean="0">
                           <a:solidFill>
                             <a:schemeClr val="bg1"/>
                           </a:solidFill>
                         </a:rPr>
                         <a:t>Neighbors (Scaled)</a:t>
                       </a:r>
-                      <a:endParaRPr lang="en-US" sz="1800" dirty="0">
+                      <a:endParaRPr lang="en-US" sz="1600" dirty="0">
                         <a:solidFill>
                           <a:schemeClr val="bg1"/>
                         </a:solidFill>
@@ -9859,14 +9679,14 @@
                     <a:lstStyle/>
                     <a:p>
                       <a:r>
-                        <a:rPr lang="en-US" dirty="0" smtClean="0">
+                        <a:rPr lang="en-US" sz="1600" dirty="0" smtClean="0">
                           <a:solidFill>
                             <a:schemeClr val="bg1"/>
                           </a:solidFill>
                         </a:rPr>
                         <a:t>0.71</a:t>
                       </a:r>
-                      <a:endParaRPr lang="en-US" dirty="0">
+                      <a:endParaRPr lang="en-US" sz="1600" dirty="0">
                         <a:solidFill>
                           <a:schemeClr val="bg1"/>
                         </a:solidFill>
@@ -9881,7 +9701,7 @@
                     <a:lstStyle/>
                     <a:p>
                       <a:r>
-                        <a:rPr lang="en-US" dirty="0">
+                        <a:rPr lang="en-US" sz="1600" dirty="0">
                           <a:solidFill>
                             <a:schemeClr val="bg1"/>
                           </a:solidFill>
@@ -9889,14 +9709,14 @@
                         <a:t>Blue: </a:t>
                       </a:r>
                       <a:r>
-                        <a:rPr lang="en-US" dirty="0" smtClean="0">
+                        <a:rPr lang="en-US" sz="1600" dirty="0" smtClean="0">
                           <a:solidFill>
                             <a:schemeClr val="bg1"/>
                           </a:solidFill>
                         </a:rPr>
                         <a:t>0.69</a:t>
                       </a:r>
-                      <a:endParaRPr lang="en-US" dirty="0">
+                      <a:endParaRPr lang="en-US" sz="1600" dirty="0">
                         <a:solidFill>
                           <a:schemeClr val="bg1"/>
                         </a:solidFill>
@@ -9904,7 +9724,7 @@
                     </a:p>
                     <a:p>
                       <a:r>
-                        <a:rPr lang="en-US" dirty="0">
+                        <a:rPr lang="en-US" sz="1600" dirty="0">
                           <a:solidFill>
                             <a:schemeClr val="bg1"/>
                           </a:solidFill>
@@ -9912,14 +9732,14 @@
                         <a:t>Red: </a:t>
                       </a:r>
                       <a:r>
-                        <a:rPr lang="en-US" dirty="0" smtClean="0">
+                        <a:rPr lang="en-US" sz="1600" dirty="0" smtClean="0">
                           <a:solidFill>
                             <a:schemeClr val="bg1"/>
                           </a:solidFill>
                         </a:rPr>
                         <a:t>0.73</a:t>
                       </a:r>
-                      <a:endParaRPr lang="en-US" dirty="0">
+                      <a:endParaRPr lang="en-US" sz="1600" dirty="0">
                         <a:solidFill>
                           <a:schemeClr val="bg1"/>
                         </a:solidFill>
@@ -9934,7 +9754,7 @@
                     <a:lstStyle/>
                     <a:p>
                       <a:r>
-                        <a:rPr lang="en-US" dirty="0">
+                        <a:rPr lang="en-US" sz="1600" dirty="0">
                           <a:solidFill>
                             <a:schemeClr val="bg1"/>
                           </a:solidFill>
@@ -9942,14 +9762,14 @@
                         <a:t>Blue: </a:t>
                       </a:r>
                       <a:r>
-                        <a:rPr lang="en-US" dirty="0" smtClean="0">
+                        <a:rPr lang="en-US" sz="1600" dirty="0" smtClean="0">
                           <a:solidFill>
                             <a:schemeClr val="bg1"/>
                           </a:solidFill>
                         </a:rPr>
                         <a:t>0.56</a:t>
                       </a:r>
-                      <a:endParaRPr lang="en-US" dirty="0">
+                      <a:endParaRPr lang="en-US" sz="1600" dirty="0">
                         <a:solidFill>
                           <a:schemeClr val="bg1"/>
                         </a:solidFill>
@@ -9957,7 +9777,7 @@
                     </a:p>
                     <a:p>
                       <a:r>
-                        <a:rPr lang="en-US" dirty="0">
+                        <a:rPr lang="en-US" sz="1600" dirty="0">
                           <a:solidFill>
                             <a:schemeClr val="bg1"/>
                           </a:solidFill>
@@ -9965,14 +9785,14 @@
                         <a:t>Red: </a:t>
                       </a:r>
                       <a:r>
-                        <a:rPr lang="en-US" dirty="0" smtClean="0">
+                        <a:rPr lang="en-US" sz="1600" dirty="0" smtClean="0">
                           <a:solidFill>
                             <a:schemeClr val="bg1"/>
                           </a:solidFill>
                         </a:rPr>
                         <a:t>0.83</a:t>
                       </a:r>
-                      <a:endParaRPr lang="en-US" dirty="0">
+                      <a:endParaRPr lang="en-US" sz="1600" dirty="0">
                         <a:solidFill>
                           <a:schemeClr val="bg1"/>
                         </a:solidFill>
@@ -9987,7 +9807,7 @@
                     <a:lstStyle/>
                     <a:p>
                       <a:r>
-                        <a:rPr lang="en-US" dirty="0">
+                        <a:rPr lang="en-US" sz="1600" dirty="0">
                           <a:solidFill>
                             <a:schemeClr val="bg1"/>
                           </a:solidFill>
@@ -9995,14 +9815,14 @@
                         <a:t>Blue: </a:t>
                       </a:r>
                       <a:r>
-                        <a:rPr lang="en-US" dirty="0" smtClean="0">
+                        <a:rPr lang="en-US" sz="1600" dirty="0" smtClean="0">
                           <a:solidFill>
                             <a:schemeClr val="bg1"/>
                           </a:solidFill>
                         </a:rPr>
                         <a:t>0.62</a:t>
                       </a:r>
-                      <a:endParaRPr lang="en-US" dirty="0">
+                      <a:endParaRPr lang="en-US" sz="1600" dirty="0">
                         <a:solidFill>
                           <a:schemeClr val="bg1"/>
                         </a:solidFill>
@@ -10010,7 +9830,7 @@
                     </a:p>
                     <a:p>
                       <a:r>
-                        <a:rPr lang="en-US" dirty="0">
+                        <a:rPr lang="en-US" sz="1600" dirty="0">
                           <a:solidFill>
                             <a:schemeClr val="bg1"/>
                           </a:solidFill>
@@ -10018,14 +9838,14 @@
                         <a:t>Red: </a:t>
                       </a:r>
                       <a:r>
-                        <a:rPr lang="en-US" dirty="0" smtClean="0">
+                        <a:rPr lang="en-US" sz="1600" dirty="0" smtClean="0">
                           <a:solidFill>
                             <a:schemeClr val="bg1"/>
                           </a:solidFill>
                         </a:rPr>
                         <a:t>0.77</a:t>
                       </a:r>
-                      <a:endParaRPr lang="en-US" dirty="0">
+                      <a:endParaRPr lang="en-US" sz="1600" dirty="0">
                         <a:solidFill>
                           <a:schemeClr val="bg1"/>
                         </a:solidFill>
@@ -10064,7 +9884,7 @@
                         <a:defRPr/>
                       </a:pPr>
                       <a:r>
-                        <a:rPr lang="en-US" sz="1800" dirty="0">
+                        <a:rPr lang="en-US" sz="1600" dirty="0">
                           <a:solidFill>
                             <a:schemeClr val="bg1"/>
                           </a:solidFill>
@@ -10072,14 +9892,22 @@
                         <a:t>Neural </a:t>
                       </a:r>
                       <a:r>
-                        <a:rPr lang="en-US" sz="1800" dirty="0" smtClean="0">
-                          <a:solidFill>
-                            <a:schemeClr val="bg1"/>
-                          </a:solidFill>
-                        </a:rPr>
-                        <a:t>Networks (Scaled)</a:t>
-                      </a:r>
-                      <a:endParaRPr lang="en-US" sz="1800" dirty="0">
+                        <a:rPr lang="en-US" sz="1600" dirty="0" smtClean="0">
+                          <a:solidFill>
+                            <a:schemeClr val="bg1"/>
+                          </a:solidFill>
+                        </a:rPr>
+                        <a:t>Networks MLP </a:t>
+                      </a:r>
+                      <a:r>
+                        <a:rPr lang="en-US" sz="1600" dirty="0" smtClean="0">
+                          <a:solidFill>
+                            <a:schemeClr val="bg1"/>
+                          </a:solidFill>
+                        </a:rPr>
+                        <a:t>(Scaled)</a:t>
+                      </a:r>
+                      <a:endParaRPr lang="en-US" sz="1600" dirty="0">
                         <a:solidFill>
                           <a:schemeClr val="bg1"/>
                         </a:solidFill>
@@ -10094,14 +9922,14 @@
                     <a:lstStyle/>
                     <a:p>
                       <a:r>
-                        <a:rPr lang="en-US" dirty="0" smtClean="0">
+                        <a:rPr lang="en-US" sz="1600" dirty="0" smtClean="0">
                           <a:solidFill>
                             <a:schemeClr val="bg1"/>
                           </a:solidFill>
                         </a:rPr>
                         <a:t>0.71</a:t>
                       </a:r>
-                      <a:endParaRPr lang="en-US" dirty="0">
+                      <a:endParaRPr lang="en-US" sz="1600" dirty="0">
                         <a:solidFill>
                           <a:schemeClr val="bg1"/>
                         </a:solidFill>
@@ -10116,7 +9944,7 @@
                     <a:lstStyle/>
                     <a:p>
                       <a:r>
-                        <a:rPr lang="en-US" dirty="0">
+                        <a:rPr lang="en-US" sz="1600" dirty="0">
                           <a:solidFill>
                             <a:schemeClr val="bg1"/>
                           </a:solidFill>
@@ -10124,14 +9952,14 @@
                         <a:t>Blue: </a:t>
                       </a:r>
                       <a:r>
-                        <a:rPr lang="en-US" dirty="0" smtClean="0">
+                        <a:rPr lang="en-US" sz="1600" dirty="0" smtClean="0">
                           <a:solidFill>
                             <a:schemeClr val="bg1"/>
                           </a:solidFill>
                         </a:rPr>
                         <a:t>0.65</a:t>
                       </a:r>
-                      <a:endParaRPr lang="en-US" dirty="0">
+                      <a:endParaRPr lang="en-US" sz="1600" dirty="0">
                         <a:solidFill>
                           <a:schemeClr val="bg1"/>
                         </a:solidFill>
@@ -10139,7 +9967,7 @@
                     </a:p>
                     <a:p>
                       <a:r>
-                        <a:rPr lang="en-US" dirty="0">
+                        <a:rPr lang="en-US" sz="1600" dirty="0">
                           <a:solidFill>
                             <a:schemeClr val="bg1"/>
                           </a:solidFill>
@@ -10147,14 +9975,14 @@
                         <a:t>Red: </a:t>
                       </a:r>
                       <a:r>
-                        <a:rPr lang="en-US" dirty="0" smtClean="0">
+                        <a:rPr lang="en-US" sz="1600" dirty="0" smtClean="0">
                           <a:solidFill>
                             <a:schemeClr val="bg1"/>
                           </a:solidFill>
                         </a:rPr>
                         <a:t>0.75</a:t>
                       </a:r>
-                      <a:endParaRPr lang="en-US" dirty="0">
+                      <a:endParaRPr lang="en-US" sz="1600" dirty="0">
                         <a:solidFill>
                           <a:schemeClr val="bg1"/>
                         </a:solidFill>
@@ -10169,7 +9997,7 @@
                     <a:lstStyle/>
                     <a:p>
                       <a:r>
-                        <a:rPr lang="en-US" dirty="0">
+                        <a:rPr lang="en-US" sz="1600" dirty="0">
                           <a:solidFill>
                             <a:schemeClr val="bg1"/>
                           </a:solidFill>
@@ -10177,14 +10005,14 @@
                         <a:t>Blue: </a:t>
                       </a:r>
                       <a:r>
-                        <a:rPr lang="en-US" dirty="0" smtClean="0">
+                        <a:rPr lang="en-US" sz="1600" dirty="0" smtClean="0">
                           <a:solidFill>
                             <a:schemeClr val="bg1"/>
                           </a:solidFill>
                         </a:rPr>
                         <a:t>0.64</a:t>
                       </a:r>
-                      <a:endParaRPr lang="en-US" dirty="0">
+                      <a:endParaRPr lang="en-US" sz="1600" dirty="0">
                         <a:solidFill>
                           <a:schemeClr val="bg1"/>
                         </a:solidFill>
@@ -10192,7 +10020,7 @@
                     </a:p>
                     <a:p>
                       <a:r>
-                        <a:rPr lang="en-US" dirty="0">
+                        <a:rPr lang="en-US" sz="1600" dirty="0">
                           <a:solidFill>
                             <a:schemeClr val="bg1"/>
                           </a:solidFill>
@@ -10200,14 +10028,14 @@
                         <a:t>Red: </a:t>
                       </a:r>
                       <a:r>
-                        <a:rPr lang="en-US" dirty="0" smtClean="0">
+                        <a:rPr lang="en-US" sz="1600" dirty="0" smtClean="0">
                           <a:solidFill>
                             <a:schemeClr val="bg1"/>
                           </a:solidFill>
                         </a:rPr>
                         <a:t>0.76</a:t>
                       </a:r>
-                      <a:endParaRPr lang="en-US" dirty="0">
+                      <a:endParaRPr lang="en-US" sz="1600" dirty="0">
                         <a:solidFill>
                           <a:schemeClr val="bg1"/>
                         </a:solidFill>
@@ -10222,7 +10050,7 @@
                     <a:lstStyle/>
                     <a:p>
                       <a:r>
-                        <a:rPr lang="en-US" dirty="0">
+                        <a:rPr lang="en-US" sz="1600" dirty="0">
                           <a:solidFill>
                             <a:schemeClr val="bg1"/>
                           </a:solidFill>
@@ -10230,14 +10058,14 @@
                         <a:t>Blue: </a:t>
                       </a:r>
                       <a:r>
-                        <a:rPr lang="en-US" dirty="0" smtClean="0">
+                        <a:rPr lang="en-US" sz="1600" dirty="0" smtClean="0">
                           <a:solidFill>
                             <a:schemeClr val="bg1"/>
                           </a:solidFill>
                         </a:rPr>
                         <a:t>0.65</a:t>
                       </a:r>
-                      <a:endParaRPr lang="en-US" dirty="0">
+                      <a:endParaRPr lang="en-US" sz="1600" dirty="0">
                         <a:solidFill>
                           <a:schemeClr val="bg1"/>
                         </a:solidFill>
@@ -10245,7 +10073,7 @@
                     </a:p>
                     <a:p>
                       <a:r>
-                        <a:rPr lang="en-US" dirty="0">
+                        <a:rPr lang="en-US" sz="1600" dirty="0">
                           <a:solidFill>
                             <a:schemeClr val="bg1"/>
                           </a:solidFill>
@@ -10253,14 +10081,14 @@
                         <a:t>Red: </a:t>
                       </a:r>
                       <a:r>
-                        <a:rPr lang="en-US" dirty="0" smtClean="0">
+                        <a:rPr lang="en-US" sz="1600" dirty="0" smtClean="0">
                           <a:solidFill>
                             <a:schemeClr val="bg1"/>
                           </a:solidFill>
                         </a:rPr>
                         <a:t>0.76</a:t>
                       </a:r>
-                      <a:endParaRPr lang="en-US" dirty="0">
+                      <a:endParaRPr lang="en-US" sz="1600" dirty="0">
                         <a:solidFill>
                           <a:schemeClr val="bg1"/>
                         </a:solidFill>
@@ -10405,14 +10233,14 @@
           <p:nvPr>
             <p:extLst>
               <p:ext uri="{D42A27DB-BD31-4B8C-83A1-F6EECF244321}">
-                <p14:modId xmlns:p14="http://schemas.microsoft.com/office/powerpoint/2010/main" val="3392442586"/>
+                <p14:modId xmlns:p14="http://schemas.microsoft.com/office/powerpoint/2010/main" val="396899486"/>
               </p:ext>
             </p:extLst>
           </p:nvPr>
         </p:nvGraphicFramePr>
         <p:xfrm>
           <a:off x="742950" y="2278112"/>
-          <a:ext cx="10997946" cy="4312920"/>
+          <a:ext cx="10997946" cy="4008120"/>
         </p:xfrm>
         <a:graphic>
           <a:graphicData uri="http://schemas.openxmlformats.org/drawingml/2006/table">
@@ -10465,14 +10293,14 @@
                     <a:p>
                       <a:pPr algn="ctr"/>
                       <a:r>
-                        <a:rPr lang="en-US" sz="1800" dirty="0" smtClean="0">
+                        <a:rPr lang="en-US" sz="1600" dirty="0" smtClean="0">
                           <a:solidFill>
                             <a:schemeClr val="bg1"/>
                           </a:solidFill>
                         </a:rPr>
                         <a:t>Feature Set Random Forest</a:t>
                       </a:r>
-                      <a:endParaRPr lang="en-US" sz="1800" dirty="0">
+                      <a:endParaRPr lang="en-US" sz="1600" dirty="0">
                         <a:solidFill>
                           <a:schemeClr val="bg1"/>
                         </a:solidFill>
@@ -10619,7 +10447,7 @@
                     <a:p>
                       <a:pPr algn="ctr"/>
                       <a:r>
-                        <a:rPr lang="en-US" dirty="0">
+                        <a:rPr lang="en-US" sz="1600" dirty="0">
                           <a:solidFill>
                             <a:schemeClr val="bg1"/>
                           </a:solidFill>
@@ -10653,7 +10481,7 @@
                         <a:defRPr/>
                       </a:pPr>
                       <a:r>
-                        <a:rPr lang="en-US" sz="1800" dirty="0">
+                        <a:rPr lang="en-US" sz="1600" dirty="0">
                           <a:solidFill>
                             <a:schemeClr val="bg1"/>
                           </a:solidFill>
@@ -10687,7 +10515,7 @@
                         <a:defRPr/>
                       </a:pPr>
                       <a:r>
-                        <a:rPr lang="en-US" sz="1800" dirty="0">
+                        <a:rPr lang="en-US" sz="1600" dirty="0">
                           <a:solidFill>
                             <a:schemeClr val="bg1"/>
                           </a:solidFill>
@@ -10721,7 +10549,7 @@
                         <a:defRPr/>
                       </a:pPr>
                       <a:r>
-                        <a:rPr lang="en-US" sz="1800" dirty="0">
+                        <a:rPr lang="en-US" sz="1600" dirty="0">
                           <a:solidFill>
                             <a:schemeClr val="bg1"/>
                           </a:solidFill>
@@ -10755,7 +10583,7 @@
                         <a:defRPr/>
                       </a:pPr>
                       <a:r>
-                        <a:rPr lang="en-US" sz="1800" dirty="0">
+                        <a:rPr lang="en-US" sz="1600" dirty="0">
                           <a:solidFill>
                             <a:schemeClr val="bg1"/>
                           </a:solidFill>
@@ -10796,7 +10624,7 @@
                         <a:defRPr/>
                       </a:pPr>
                       <a:r>
-                        <a:rPr lang="en-US" sz="1800" dirty="0">
+                        <a:rPr lang="en-US" sz="1600" dirty="0">
                           <a:solidFill>
                             <a:schemeClr val="bg1"/>
                           </a:solidFill>
@@ -10804,14 +10632,14 @@
                         <a:t>Support Vector </a:t>
                       </a:r>
                       <a:r>
-                        <a:rPr lang="en-US" sz="1800" dirty="0" smtClean="0">
+                        <a:rPr lang="en-US" sz="1600" dirty="0" smtClean="0">
                           <a:solidFill>
                             <a:schemeClr val="bg1"/>
                           </a:solidFill>
                         </a:rPr>
                         <a:t>Machines (Scaled)</a:t>
                       </a:r>
-                      <a:endParaRPr lang="en-US" sz="1800" dirty="0">
+                      <a:endParaRPr lang="en-US" sz="1600" dirty="0">
                         <a:solidFill>
                           <a:schemeClr val="bg1"/>
                         </a:solidFill>
@@ -10826,7 +10654,7 @@
                     <a:lstStyle/>
                     <a:p>
                       <a:r>
-                        <a:rPr lang="en-US" dirty="0">
+                        <a:rPr lang="en-US" sz="1600" dirty="0">
                           <a:solidFill>
                             <a:schemeClr val="bg1"/>
                           </a:solidFill>
@@ -10843,7 +10671,7 @@
                     <a:lstStyle/>
                     <a:p>
                       <a:r>
-                        <a:rPr lang="en-US" dirty="0">
+                        <a:rPr lang="en-US" sz="1600" dirty="0">
                           <a:solidFill>
                             <a:schemeClr val="bg1"/>
                           </a:solidFill>
@@ -10853,7 +10681,7 @@
                     </a:p>
                     <a:p>
                       <a:r>
-                        <a:rPr lang="en-US" dirty="0">
+                        <a:rPr lang="en-US" sz="1600" dirty="0">
                           <a:solidFill>
                             <a:schemeClr val="bg1"/>
                           </a:solidFill>
@@ -10870,7 +10698,7 @@
                     <a:lstStyle/>
                     <a:p>
                       <a:r>
-                        <a:rPr lang="en-US" dirty="0">
+                        <a:rPr lang="en-US" sz="1600" dirty="0">
                           <a:solidFill>
                             <a:schemeClr val="bg1"/>
                           </a:solidFill>
@@ -10880,7 +10708,7 @@
                     </a:p>
                     <a:p>
                       <a:r>
-                        <a:rPr lang="en-US" dirty="0">
+                        <a:rPr lang="en-US" sz="1600" dirty="0">
                           <a:solidFill>
                             <a:schemeClr val="bg1"/>
                           </a:solidFill>
@@ -10897,7 +10725,7 @@
                     <a:lstStyle/>
                     <a:p>
                       <a:r>
-                        <a:rPr lang="en-US" dirty="0">
+                        <a:rPr lang="en-US" sz="1600" dirty="0">
                           <a:solidFill>
                             <a:schemeClr val="bg1"/>
                           </a:solidFill>
@@ -10907,7 +10735,7 @@
                     </a:p>
                     <a:p>
                       <a:r>
-                        <a:rPr lang="en-US" dirty="0">
+                        <a:rPr lang="en-US" sz="1600" dirty="0">
                           <a:solidFill>
                             <a:schemeClr val="bg1"/>
                           </a:solidFill>
@@ -10948,7 +10776,7 @@
                         <a:defRPr/>
                       </a:pPr>
                       <a:r>
-                        <a:rPr lang="en-US" sz="1800" dirty="0">
+                        <a:rPr lang="en-US" sz="1600" dirty="0">
                           <a:solidFill>
                             <a:schemeClr val="bg1"/>
                           </a:solidFill>
@@ -10965,7 +10793,7 @@
                     <a:lstStyle/>
                     <a:p>
                       <a:r>
-                        <a:rPr lang="en-US" dirty="0">
+                        <a:rPr lang="en-US" sz="1600" dirty="0">
                           <a:solidFill>
                             <a:schemeClr val="bg1"/>
                           </a:solidFill>
@@ -10982,7 +10810,7 @@
                     <a:lstStyle/>
                     <a:p>
                       <a:r>
-                        <a:rPr lang="en-US" dirty="0">
+                        <a:rPr lang="en-US" sz="1600" dirty="0">
                           <a:solidFill>
                             <a:schemeClr val="bg1"/>
                           </a:solidFill>
@@ -10992,7 +10820,7 @@
                     </a:p>
                     <a:p>
                       <a:r>
-                        <a:rPr lang="en-US" dirty="0">
+                        <a:rPr lang="en-US" sz="1600" dirty="0">
                           <a:solidFill>
                             <a:schemeClr val="bg1"/>
                           </a:solidFill>
@@ -11009,7 +10837,7 @@
                     <a:lstStyle/>
                     <a:p>
                       <a:r>
-                        <a:rPr lang="en-US" dirty="0">
+                        <a:rPr lang="en-US" sz="1600" dirty="0">
                           <a:solidFill>
                             <a:schemeClr val="bg1"/>
                           </a:solidFill>
@@ -11019,7 +10847,7 @@
                     </a:p>
                     <a:p>
                       <a:r>
-                        <a:rPr lang="en-US" dirty="0">
+                        <a:rPr lang="en-US" sz="1600" dirty="0">
                           <a:solidFill>
                             <a:schemeClr val="bg1"/>
                           </a:solidFill>
@@ -11036,7 +10864,7 @@
                     <a:lstStyle/>
                     <a:p>
                       <a:r>
-                        <a:rPr lang="en-US" dirty="0">
+                        <a:rPr lang="en-US" sz="1600" dirty="0">
                           <a:solidFill>
                             <a:schemeClr val="bg1"/>
                           </a:solidFill>
@@ -11046,7 +10874,7 @@
                     </a:p>
                     <a:p>
                       <a:r>
-                        <a:rPr lang="en-US" dirty="0">
+                        <a:rPr lang="en-US" sz="1600" dirty="0">
                           <a:solidFill>
                             <a:schemeClr val="bg1"/>
                           </a:solidFill>
@@ -11087,7 +10915,7 @@
                         <a:defRPr/>
                       </a:pPr>
                       <a:r>
-                        <a:rPr lang="en-US" sz="1800" dirty="0">
+                        <a:rPr lang="en-US" sz="1600" dirty="0">
                           <a:solidFill>
                             <a:schemeClr val="bg1"/>
                           </a:solidFill>
@@ -11104,7 +10932,7 @@
                     <a:lstStyle/>
                     <a:p>
                       <a:r>
-                        <a:rPr lang="en-US" dirty="0">
+                        <a:rPr lang="en-US" sz="1600" dirty="0">
                           <a:solidFill>
                             <a:schemeClr val="bg1"/>
                           </a:solidFill>
@@ -11121,7 +10949,7 @@
                     <a:lstStyle/>
                     <a:p>
                       <a:r>
-                        <a:rPr lang="en-US" dirty="0">
+                        <a:rPr lang="en-US" sz="1600" dirty="0">
                           <a:solidFill>
                             <a:schemeClr val="bg1"/>
                           </a:solidFill>
@@ -11131,7 +10959,7 @@
                     </a:p>
                     <a:p>
                       <a:r>
-                        <a:rPr lang="en-US" dirty="0">
+                        <a:rPr lang="en-US" sz="1600" dirty="0">
                           <a:solidFill>
                             <a:schemeClr val="bg1"/>
                           </a:solidFill>
@@ -11148,7 +10976,7 @@
                     <a:lstStyle/>
                     <a:p>
                       <a:r>
-                        <a:rPr lang="en-US" dirty="0">
+                        <a:rPr lang="en-US" sz="1600" dirty="0">
                           <a:solidFill>
                             <a:schemeClr val="bg1"/>
                           </a:solidFill>
@@ -11158,7 +10986,7 @@
                     </a:p>
                     <a:p>
                       <a:r>
-                        <a:rPr lang="en-US" dirty="0">
+                        <a:rPr lang="en-US" sz="1600" dirty="0">
                           <a:solidFill>
                             <a:schemeClr val="bg1"/>
                           </a:solidFill>
@@ -11175,7 +11003,7 @@
                     <a:lstStyle/>
                     <a:p>
                       <a:r>
-                        <a:rPr lang="en-US" dirty="0">
+                        <a:rPr lang="en-US" sz="1600" dirty="0">
                           <a:solidFill>
                             <a:schemeClr val="bg1"/>
                           </a:solidFill>
@@ -11185,7 +11013,7 @@
                     </a:p>
                     <a:p>
                       <a:r>
-                        <a:rPr lang="en-US" dirty="0">
+                        <a:rPr lang="en-US" sz="1600" dirty="0">
                           <a:solidFill>
                             <a:schemeClr val="bg1"/>
                           </a:solidFill>
@@ -11226,31 +11054,38 @@
                         <a:defRPr/>
                       </a:pPr>
                       <a:r>
-                        <a:rPr lang="en-US" sz="1800" dirty="0">
-                          <a:solidFill>
-                            <a:schemeClr val="bg1"/>
-                          </a:solidFill>
-                        </a:rPr>
-                        <a:t>Deep Learning</a:t>
-                      </a:r>
-                    </a:p>
-                  </a:txBody>
-                  <a:tcPr/>
-                </a:tc>
-                <a:tc>
-                  <a:txBody>
-                    <a:bodyPr/>
-                    <a:lstStyle/>
-                    <a:p>
-                      <a:r>
-                        <a:rPr lang="en-US" dirty="0" smtClean="0">
-                          <a:solidFill>
-                            <a:schemeClr val="bg1"/>
-                          </a:solidFill>
-                        </a:rPr>
-                        <a:t>0.74</a:t>
-                      </a:r>
-                      <a:endParaRPr lang="en-US" dirty="0">
+                        <a:rPr lang="en-US" sz="1600" dirty="0">
+                          <a:solidFill>
+                            <a:schemeClr val="bg1"/>
+                          </a:solidFill>
+                        </a:rPr>
+                        <a:t>Deep </a:t>
+                      </a:r>
+                      <a:r>
+                        <a:rPr lang="en-US" sz="1600" dirty="0" smtClean="0">
+                          <a:solidFill>
+                            <a:schemeClr val="bg1"/>
+                          </a:solidFill>
+                        </a:rPr>
+                        <a:t>Learning (</a:t>
+                      </a:r>
+                      <a:r>
+                        <a:rPr lang="en-US" sz="1600" dirty="0" err="1" smtClean="0">
+                          <a:solidFill>
+                            <a:schemeClr val="bg1"/>
+                          </a:solidFill>
+                        </a:rPr>
+                        <a:t>Tensorflow</a:t>
+                      </a:r>
+                      <a:r>
+                        <a:rPr lang="en-US" sz="1600" dirty="0" smtClean="0">
+                          <a:solidFill>
+                            <a:schemeClr val="bg1"/>
+                          </a:solidFill>
+                        </a:rPr>
+                        <a:t>)</a:t>
+                      </a:r>
+                      <a:endParaRPr lang="en-US" sz="1600" dirty="0">
                         <a:solidFill>
                           <a:schemeClr val="bg1"/>
                         </a:solidFill>
@@ -11265,14 +11100,14 @@
                     <a:lstStyle/>
                     <a:p>
                       <a:r>
-                        <a:rPr lang="en-US" dirty="0" smtClean="0">
-                          <a:solidFill>
-                            <a:schemeClr val="bg1"/>
-                          </a:solidFill>
-                        </a:rPr>
-                        <a:t>NA</a:t>
-                      </a:r>
-                      <a:endParaRPr lang="en-US" dirty="0">
+                        <a:rPr lang="en-US" sz="1600" dirty="0" smtClean="0">
+                          <a:solidFill>
+                            <a:schemeClr val="bg1"/>
+                          </a:solidFill>
+                        </a:rPr>
+                        <a:t>0.74</a:t>
+                      </a:r>
+                      <a:endParaRPr lang="en-US" sz="1600" dirty="0">
                         <a:solidFill>
                           <a:schemeClr val="bg1"/>
                         </a:solidFill>
@@ -11287,14 +11122,14 @@
                     <a:lstStyle/>
                     <a:p>
                       <a:r>
-                        <a:rPr lang="en-US" dirty="0" smtClean="0">
+                        <a:rPr lang="en-US" sz="1600" dirty="0" smtClean="0">
                           <a:solidFill>
                             <a:schemeClr val="bg1"/>
                           </a:solidFill>
                         </a:rPr>
                         <a:t>NA</a:t>
                       </a:r>
-                      <a:endParaRPr lang="en-US" dirty="0">
+                      <a:endParaRPr lang="en-US" sz="1600" dirty="0">
                         <a:solidFill>
                           <a:schemeClr val="bg1"/>
                         </a:solidFill>
@@ -11309,14 +11144,36 @@
                     <a:lstStyle/>
                     <a:p>
                       <a:r>
-                        <a:rPr lang="en-US" dirty="0" smtClean="0">
+                        <a:rPr lang="en-US" sz="1600" dirty="0" smtClean="0">
                           <a:solidFill>
                             <a:schemeClr val="bg1"/>
                           </a:solidFill>
                         </a:rPr>
                         <a:t>NA</a:t>
                       </a:r>
-                      <a:endParaRPr lang="en-US" dirty="0">
+                      <a:endParaRPr lang="en-US" sz="1600" dirty="0">
+                        <a:solidFill>
+                          <a:schemeClr val="bg1"/>
+                        </a:solidFill>
+                      </a:endParaRPr>
+                    </a:p>
+                  </a:txBody>
+                  <a:tcPr/>
+                </a:tc>
+                <a:tc>
+                  <a:txBody>
+                    <a:bodyPr/>
+                    <a:lstStyle/>
+                    <a:p>
+                      <a:r>
+                        <a:rPr lang="en-US" sz="1600" dirty="0" smtClean="0">
+                          <a:solidFill>
+                            <a:schemeClr val="bg1"/>
+                          </a:solidFill>
+                        </a:rPr>
+                        <a:t>NA</a:t>
+                      </a:r>
+                      <a:endParaRPr lang="en-US" sz="1600" dirty="0">
                         <a:solidFill>
                           <a:schemeClr val="bg1"/>
                         </a:solidFill>
@@ -11355,7 +11212,7 @@
                         <a:defRPr/>
                       </a:pPr>
                       <a:r>
-                        <a:rPr lang="en-US" sz="1800" dirty="0">
+                        <a:rPr lang="en-US" sz="1600" dirty="0">
                           <a:solidFill>
                             <a:schemeClr val="bg1"/>
                           </a:solidFill>
@@ -11363,14 +11220,14 @@
                         <a:t>K-Nearest </a:t>
                       </a:r>
                       <a:r>
-                        <a:rPr lang="en-US" sz="1800" dirty="0" smtClean="0">
+                        <a:rPr lang="en-US" sz="1600" dirty="0" smtClean="0">
                           <a:solidFill>
                             <a:schemeClr val="bg1"/>
                           </a:solidFill>
                         </a:rPr>
                         <a:t>Neighbors (Scaled)</a:t>
                       </a:r>
-                      <a:endParaRPr lang="en-US" sz="1800" dirty="0">
+                      <a:endParaRPr lang="en-US" sz="1600" dirty="0">
                         <a:solidFill>
                           <a:schemeClr val="bg1"/>
                         </a:solidFill>
@@ -11385,14 +11242,14 @@
                     <a:lstStyle/>
                     <a:p>
                       <a:r>
-                        <a:rPr lang="en-US" dirty="0" smtClean="0">
+                        <a:rPr lang="en-US" sz="1600" dirty="0" smtClean="0">
                           <a:solidFill>
                             <a:schemeClr val="bg1"/>
                           </a:solidFill>
                         </a:rPr>
                         <a:t>0.72</a:t>
                       </a:r>
-                      <a:endParaRPr lang="en-US" dirty="0">
+                      <a:endParaRPr lang="en-US" sz="1600" dirty="0">
                         <a:solidFill>
                           <a:schemeClr val="bg1"/>
                         </a:solidFill>
@@ -11407,7 +11264,7 @@
                     <a:lstStyle/>
                     <a:p>
                       <a:r>
-                        <a:rPr lang="en-US" dirty="0">
+                        <a:rPr lang="en-US" sz="1600" dirty="0">
                           <a:solidFill>
                             <a:schemeClr val="bg1"/>
                           </a:solidFill>
@@ -11415,14 +11272,14 @@
                         <a:t>Blue: </a:t>
                       </a:r>
                       <a:r>
-                        <a:rPr lang="en-US" dirty="0" smtClean="0">
+                        <a:rPr lang="en-US" sz="1600" dirty="0" smtClean="0">
                           <a:solidFill>
                             <a:schemeClr val="bg1"/>
                           </a:solidFill>
                         </a:rPr>
                         <a:t>0.69</a:t>
                       </a:r>
-                      <a:endParaRPr lang="en-US" dirty="0">
+                      <a:endParaRPr lang="en-US" sz="1600" dirty="0">
                         <a:solidFill>
                           <a:schemeClr val="bg1"/>
                         </a:solidFill>
@@ -11430,7 +11287,7 @@
                     </a:p>
                     <a:p>
                       <a:r>
-                        <a:rPr lang="en-US" dirty="0">
+                        <a:rPr lang="en-US" sz="1600" dirty="0">
                           <a:solidFill>
                             <a:schemeClr val="bg1"/>
                           </a:solidFill>
@@ -11438,14 +11295,14 @@
                         <a:t>Red: </a:t>
                       </a:r>
                       <a:r>
-                        <a:rPr lang="en-US" dirty="0" smtClean="0">
+                        <a:rPr lang="en-US" sz="1600" dirty="0" smtClean="0">
                           <a:solidFill>
                             <a:schemeClr val="bg1"/>
                           </a:solidFill>
                         </a:rPr>
                         <a:t>0.74</a:t>
                       </a:r>
-                      <a:endParaRPr lang="en-US" dirty="0">
+                      <a:endParaRPr lang="en-US" sz="1600" dirty="0">
                         <a:solidFill>
                           <a:schemeClr val="bg1"/>
                         </a:solidFill>
@@ -11460,7 +11317,7 @@
                     <a:lstStyle/>
                     <a:p>
                       <a:r>
-                        <a:rPr lang="en-US" dirty="0">
+                        <a:rPr lang="en-US" sz="1600" dirty="0">
                           <a:solidFill>
                             <a:schemeClr val="bg1"/>
                           </a:solidFill>
@@ -11468,14 +11325,14 @@
                         <a:t>Blue: </a:t>
                       </a:r>
                       <a:r>
-                        <a:rPr lang="en-US" dirty="0" smtClean="0">
+                        <a:rPr lang="en-US" sz="1600" dirty="0" smtClean="0">
                           <a:solidFill>
                             <a:schemeClr val="bg1"/>
                           </a:solidFill>
                         </a:rPr>
                         <a:t>0.58</a:t>
                       </a:r>
-                      <a:endParaRPr lang="en-US" dirty="0">
+                      <a:endParaRPr lang="en-US" sz="1600" dirty="0">
                         <a:solidFill>
                           <a:schemeClr val="bg1"/>
                         </a:solidFill>
@@ -11483,7 +11340,7 @@
                     </a:p>
                     <a:p>
                       <a:r>
-                        <a:rPr lang="en-US" dirty="0">
+                        <a:rPr lang="en-US" sz="1600" dirty="0">
                           <a:solidFill>
                             <a:schemeClr val="bg1"/>
                           </a:solidFill>
@@ -11491,14 +11348,14 @@
                         <a:t>Red: </a:t>
                       </a:r>
                       <a:r>
-                        <a:rPr lang="en-US" dirty="0" smtClean="0">
+                        <a:rPr lang="en-US" sz="1600" dirty="0" smtClean="0">
                           <a:solidFill>
                             <a:schemeClr val="bg1"/>
                           </a:solidFill>
                         </a:rPr>
                         <a:t>0.81</a:t>
                       </a:r>
-                      <a:endParaRPr lang="en-US" dirty="0">
+                      <a:endParaRPr lang="en-US" sz="1600" dirty="0">
                         <a:solidFill>
                           <a:schemeClr val="bg1"/>
                         </a:solidFill>
@@ -11513,7 +11370,7 @@
                     <a:lstStyle/>
                     <a:p>
                       <a:r>
-                        <a:rPr lang="en-US" dirty="0">
+                        <a:rPr lang="en-US" sz="1600" dirty="0">
                           <a:solidFill>
                             <a:schemeClr val="bg1"/>
                           </a:solidFill>
@@ -11521,14 +11378,14 @@
                         <a:t>Blue: </a:t>
                       </a:r>
                       <a:r>
-                        <a:rPr lang="en-US" dirty="0" smtClean="0">
+                        <a:rPr lang="en-US" sz="1600" dirty="0" smtClean="0">
                           <a:solidFill>
                             <a:schemeClr val="bg1"/>
                           </a:solidFill>
                         </a:rPr>
                         <a:t>0.63</a:t>
                       </a:r>
-                      <a:endParaRPr lang="en-US" dirty="0">
+                      <a:endParaRPr lang="en-US" sz="1600" dirty="0">
                         <a:solidFill>
                           <a:schemeClr val="bg1"/>
                         </a:solidFill>
@@ -11536,7 +11393,7 @@
                     </a:p>
                     <a:p>
                       <a:r>
-                        <a:rPr lang="en-US" dirty="0">
+                        <a:rPr lang="en-US" sz="1600" dirty="0">
                           <a:solidFill>
                             <a:schemeClr val="bg1"/>
                           </a:solidFill>
@@ -11544,14 +11401,14 @@
                         <a:t>Red: </a:t>
                       </a:r>
                       <a:r>
-                        <a:rPr lang="en-US" dirty="0" smtClean="0">
+                        <a:rPr lang="en-US" sz="1600" dirty="0" smtClean="0">
                           <a:solidFill>
                             <a:schemeClr val="bg1"/>
                           </a:solidFill>
                         </a:rPr>
                         <a:t>0.77</a:t>
                       </a:r>
-                      <a:endParaRPr lang="en-US" dirty="0">
+                      <a:endParaRPr lang="en-US" sz="1600" dirty="0">
                         <a:solidFill>
                           <a:schemeClr val="bg1"/>
                         </a:solidFill>
@@ -11590,7 +11447,7 @@
                         <a:defRPr/>
                       </a:pPr>
                       <a:r>
-                        <a:rPr lang="en-US" sz="1800" dirty="0">
+                        <a:rPr lang="en-US" sz="1600" dirty="0">
                           <a:solidFill>
                             <a:schemeClr val="bg1"/>
                           </a:solidFill>
@@ -11598,14 +11455,22 @@
                         <a:t>Neural </a:t>
                       </a:r>
                       <a:r>
-                        <a:rPr lang="en-US" sz="1800" dirty="0" smtClean="0">
-                          <a:solidFill>
-                            <a:schemeClr val="bg1"/>
-                          </a:solidFill>
-                        </a:rPr>
-                        <a:t>Networks (Scaled)</a:t>
-                      </a:r>
-                      <a:endParaRPr lang="en-US" sz="1800" dirty="0">
+                        <a:rPr lang="en-US" sz="1600" dirty="0" smtClean="0">
+                          <a:solidFill>
+                            <a:schemeClr val="bg1"/>
+                          </a:solidFill>
+                        </a:rPr>
+                        <a:t>Networks MLP </a:t>
+                      </a:r>
+                      <a:r>
+                        <a:rPr lang="en-US" sz="1600" dirty="0" smtClean="0">
+                          <a:solidFill>
+                            <a:schemeClr val="bg1"/>
+                          </a:solidFill>
+                        </a:rPr>
+                        <a:t>(Scaled)</a:t>
+                      </a:r>
+                      <a:endParaRPr lang="en-US" sz="1600" dirty="0">
                         <a:solidFill>
                           <a:schemeClr val="bg1"/>
                         </a:solidFill>
@@ -11620,14 +11485,14 @@
                     <a:lstStyle/>
                     <a:p>
                       <a:r>
-                        <a:rPr lang="en-US" dirty="0" smtClean="0">
+                        <a:rPr lang="en-US" sz="1600" dirty="0" smtClean="0">
                           <a:solidFill>
                             <a:schemeClr val="bg1"/>
                           </a:solidFill>
                         </a:rPr>
                         <a:t>0.72</a:t>
                       </a:r>
-                      <a:endParaRPr lang="en-US" dirty="0">
+                      <a:endParaRPr lang="en-US" sz="1600" dirty="0">
                         <a:solidFill>
                           <a:schemeClr val="bg1"/>
                         </a:solidFill>
@@ -11642,7 +11507,7 @@
                     <a:lstStyle/>
                     <a:p>
                       <a:r>
-                        <a:rPr lang="en-US" dirty="0">
+                        <a:rPr lang="en-US" sz="1600" dirty="0">
                           <a:solidFill>
                             <a:schemeClr val="bg1"/>
                           </a:solidFill>
@@ -11650,14 +11515,14 @@
                         <a:t>Blue: </a:t>
                       </a:r>
                       <a:r>
-                        <a:rPr lang="en-US" dirty="0" smtClean="0">
+                        <a:rPr lang="en-US" sz="1600" dirty="0" smtClean="0">
                           <a:solidFill>
                             <a:schemeClr val="bg1"/>
                           </a:solidFill>
                         </a:rPr>
                         <a:t>0.65</a:t>
                       </a:r>
-                      <a:endParaRPr lang="en-US" dirty="0">
+                      <a:endParaRPr lang="en-US" sz="1600" dirty="0">
                         <a:solidFill>
                           <a:schemeClr val="bg1"/>
                         </a:solidFill>
@@ -11665,7 +11530,7 @@
                     </a:p>
                     <a:p>
                       <a:r>
-                        <a:rPr lang="en-US" dirty="0">
+                        <a:rPr lang="en-US" sz="1600" dirty="0">
                           <a:solidFill>
                             <a:schemeClr val="bg1"/>
                           </a:solidFill>
@@ -11673,14 +11538,14 @@
                         <a:t>Red: </a:t>
                       </a:r>
                       <a:r>
-                        <a:rPr lang="en-US" dirty="0" smtClean="0">
+                        <a:rPr lang="en-US" sz="1600" dirty="0" smtClean="0">
                           <a:solidFill>
                             <a:schemeClr val="bg1"/>
                           </a:solidFill>
                         </a:rPr>
                         <a:t>0.77</a:t>
                       </a:r>
-                      <a:endParaRPr lang="en-US" dirty="0">
+                      <a:endParaRPr lang="en-US" sz="1600" dirty="0">
                         <a:solidFill>
                           <a:schemeClr val="bg1"/>
                         </a:solidFill>
@@ -11695,7 +11560,7 @@
                     <a:lstStyle/>
                     <a:p>
                       <a:r>
-                        <a:rPr lang="en-US" dirty="0">
+                        <a:rPr lang="en-US" sz="1600" dirty="0">
                           <a:solidFill>
                             <a:schemeClr val="bg1"/>
                           </a:solidFill>
@@ -11703,14 +11568,14 @@
                         <a:t>Blue: </a:t>
                       </a:r>
                       <a:r>
-                        <a:rPr lang="en-US" dirty="0" smtClean="0">
+                        <a:rPr lang="en-US" sz="1600" dirty="0" smtClean="0">
                           <a:solidFill>
                             <a:schemeClr val="bg1"/>
                           </a:solidFill>
                         </a:rPr>
                         <a:t>0.69</a:t>
                       </a:r>
-                      <a:endParaRPr lang="en-US" dirty="0">
+                      <a:endParaRPr lang="en-US" sz="1600" dirty="0">
                         <a:solidFill>
                           <a:schemeClr val="bg1"/>
                         </a:solidFill>
@@ -11718,7 +11583,7 @@
                     </a:p>
                     <a:p>
                       <a:r>
-                        <a:rPr lang="en-US" dirty="0">
+                        <a:rPr lang="en-US" sz="1600" dirty="0">
                           <a:solidFill>
                             <a:schemeClr val="bg1"/>
                           </a:solidFill>
@@ -11726,14 +11591,14 @@
                         <a:t>Red: </a:t>
                       </a:r>
                       <a:r>
-                        <a:rPr lang="en-US" dirty="0" smtClean="0">
+                        <a:rPr lang="en-US" sz="1600" dirty="0" smtClean="0">
                           <a:solidFill>
                             <a:schemeClr val="bg1"/>
                           </a:solidFill>
                         </a:rPr>
                         <a:t>0.74</a:t>
                       </a:r>
-                      <a:endParaRPr lang="en-US" dirty="0">
+                      <a:endParaRPr lang="en-US" sz="1600" dirty="0">
                         <a:solidFill>
                           <a:schemeClr val="bg1"/>
                         </a:solidFill>
@@ -11748,7 +11613,7 @@
                     <a:lstStyle/>
                     <a:p>
                       <a:r>
-                        <a:rPr lang="en-US" dirty="0">
+                        <a:rPr lang="en-US" sz="1600" dirty="0">
                           <a:solidFill>
                             <a:schemeClr val="bg1"/>
                           </a:solidFill>
@@ -11756,14 +11621,14 @@
                         <a:t>Blue: </a:t>
                       </a:r>
                       <a:r>
-                        <a:rPr lang="en-US" dirty="0" smtClean="0">
+                        <a:rPr lang="en-US" sz="1600" dirty="0" smtClean="0">
                           <a:solidFill>
                             <a:schemeClr val="bg1"/>
                           </a:solidFill>
                         </a:rPr>
                         <a:t>0.67</a:t>
                       </a:r>
-                      <a:endParaRPr lang="en-US" dirty="0">
+                      <a:endParaRPr lang="en-US" sz="1600" dirty="0">
                         <a:solidFill>
                           <a:schemeClr val="bg1"/>
                         </a:solidFill>
@@ -11771,7 +11636,7 @@
                     </a:p>
                     <a:p>
                       <a:r>
-                        <a:rPr lang="en-US" dirty="0">
+                        <a:rPr lang="en-US" sz="1600" dirty="0">
                           <a:solidFill>
                             <a:schemeClr val="bg1"/>
                           </a:solidFill>
@@ -11779,14 +11644,14 @@
                         <a:t>Red: </a:t>
                       </a:r>
                       <a:r>
-                        <a:rPr lang="en-US" dirty="0" smtClean="0">
+                        <a:rPr lang="en-US" sz="1600" dirty="0" smtClean="0">
                           <a:solidFill>
                             <a:schemeClr val="bg1"/>
                           </a:solidFill>
                         </a:rPr>
                         <a:t>0.76</a:t>
                       </a:r>
-                      <a:endParaRPr lang="en-US" dirty="0">
+                      <a:endParaRPr lang="en-US" sz="1600" dirty="0">
                         <a:solidFill>
                           <a:schemeClr val="bg1"/>
                         </a:solidFill>
@@ -14351,12 +14216,6 @@
               </a:rPr>
               <a:t>&amp; Feature Extraction</a:t>
             </a:r>
-            <a:endParaRPr lang="en-US" b="1" dirty="0">
-              <a:solidFill>
-                <a:schemeClr val="bg1"/>
-              </a:solidFill>
-              <a:latin typeface="Sternbach" panose="02000500000000000000" pitchFamily="2" charset="0"/>
-            </a:endParaRPr>
           </a:p>
         </p:txBody>
       </p:sp>

--- a/ufc.pptx
+++ b/ufc.pptx
@@ -9897,15 +9897,7 @@
                             <a:schemeClr val="bg1"/>
                           </a:solidFill>
                         </a:rPr>
-                        <a:t>Networks MLP </a:t>
-                      </a:r>
-                      <a:r>
-                        <a:rPr lang="en-US" sz="1600" dirty="0" smtClean="0">
-                          <a:solidFill>
-                            <a:schemeClr val="bg1"/>
-                          </a:solidFill>
-                        </a:rPr>
-                        <a:t>(Scaled)</a:t>
+                        <a:t>Networks MLP (Scaled)</a:t>
                       </a:r>
                       <a:endParaRPr lang="en-US" sz="1600" dirty="0">
                         <a:solidFill>
@@ -11460,15 +11452,7 @@
                             <a:schemeClr val="bg1"/>
                           </a:solidFill>
                         </a:rPr>
-                        <a:t>Networks MLP </a:t>
-                      </a:r>
-                      <a:r>
-                        <a:rPr lang="en-US" sz="1600" dirty="0" smtClean="0">
-                          <a:solidFill>
-                            <a:schemeClr val="bg1"/>
-                          </a:solidFill>
-                        </a:rPr>
-                        <a:t>(Scaled)</a:t>
+                        <a:t>Networks MLP (Scaled)</a:t>
                       </a:r>
                       <a:endParaRPr lang="en-US" sz="1600" dirty="0">
                         <a:solidFill>
@@ -13335,8 +13319,21 @@
                   <a:schemeClr val="tx1"/>
                 </a:solidFill>
               </a:rPr>
-              <a:t>Neural Networks</a:t>
-            </a:r>
+              <a:t>Neural </a:t>
+            </a:r>
+            <a:r>
+              <a:rPr lang="en-US" sz="1400" dirty="0" smtClean="0">
+                <a:solidFill>
+                  <a:schemeClr val="tx1"/>
+                </a:solidFill>
+              </a:rPr>
+              <a:t>Networks (MLP)</a:t>
+            </a:r>
+            <a:endParaRPr lang="en-US" sz="1400" dirty="0">
+              <a:solidFill>
+                <a:schemeClr val="tx1"/>
+              </a:solidFill>
+            </a:endParaRPr>
           </a:p>
           <a:p>
             <a:pPr marL="285750" indent="-285750">
@@ -13349,8 +13346,37 @@
                   <a:schemeClr val="tx1"/>
                 </a:solidFill>
               </a:rPr>
-              <a:t>Deep Learning</a:t>
-            </a:r>
+              <a:t>Deep </a:t>
+            </a:r>
+            <a:r>
+              <a:rPr lang="en-US" sz="1400" dirty="0" smtClean="0">
+                <a:solidFill>
+                  <a:schemeClr val="tx1"/>
+                </a:solidFill>
+              </a:rPr>
+              <a:t>Learning (</a:t>
+            </a:r>
+            <a:r>
+              <a:rPr lang="en-US" sz="1400" dirty="0" err="1" smtClean="0">
+                <a:solidFill>
+                  <a:schemeClr val="tx1"/>
+                </a:solidFill>
+              </a:rPr>
+              <a:t>Tensorflow</a:t>
+            </a:r>
+            <a:r>
+              <a:rPr lang="en-US" sz="1400" dirty="0" smtClean="0">
+                <a:solidFill>
+                  <a:schemeClr val="tx1"/>
+                </a:solidFill>
+              </a:rPr>
+              <a:t>)</a:t>
+            </a:r>
+            <a:endParaRPr lang="en-US" sz="1400" dirty="0">
+              <a:solidFill>
+                <a:schemeClr val="tx1"/>
+              </a:solidFill>
+            </a:endParaRPr>
           </a:p>
         </p:txBody>
       </p:sp>

--- a/ufc.pptx
+++ b/ufc.pptx
@@ -212,7 +212,7 @@
           <a:p>
             <a:fld id="{D486035D-20A4-0D44-9361-E2F29387BE10}" type="datetimeFigureOut">
               <a:rPr lang="en-US" smtClean="0"/>
-              <a:t>4/25/2021</a:t>
+              <a:t>4/26/2021</a:t>
             </a:fld>
             <a:endParaRPr lang="en-US"/>
           </a:p>
@@ -525,11 +525,7 @@
           <a:p>
             <a:r>
               <a:rPr lang="en-US" dirty="0" smtClean="0"/>
-              <a:t>Why</a:t>
-            </a:r>
-            <a:r>
-              <a:rPr lang="en-US" baseline="0" dirty="0" smtClean="0"/>
-              <a:t> we chose the dataset</a:t>
+              <a:t>Christina</a:t>
             </a:r>
             <a:endParaRPr lang="en-US" dirty="0"/>
           </a:p>
@@ -552,7 +548,7 @@
           <a:p>
             <a:fld id="{4B6E503A-4C47-9042-A9ED-0302F2EAC8AD}" type="slidenum">
               <a:rPr lang="en-US" smtClean="0"/>
-              <a:t>4</a:t>
+              <a:t>1</a:t>
             </a:fld>
             <a:endParaRPr lang="en-US"/>
           </a:p>
@@ -561,7 +557,7 @@
     </p:spTree>
     <p:extLst>
       <p:ext uri="{BB962C8B-B14F-4D97-AF65-F5344CB8AC3E}">
-        <p14:creationId xmlns:p14="http://schemas.microsoft.com/office/powerpoint/2010/main" val="4045022"/>
+        <p14:creationId xmlns:p14="http://schemas.microsoft.com/office/powerpoint/2010/main" val="1121792913"/>
       </p:ext>
     </p:extLst>
   </p:cSld>
@@ -615,477 +611,44 @@
           <a:bodyPr/>
           <a:lstStyle/>
           <a:p>
-            <a:pPr fontAlgn="base"/>
-            <a:r>
-              <a:rPr lang="en-US" sz="1200" b="0" i="0" kern="1200" dirty="0" smtClean="0">
-                <a:solidFill>
-                  <a:schemeClr val="tx1"/>
-                </a:solidFill>
-                <a:effectLst/>
-                <a:latin typeface="+mn-lt"/>
-                <a:ea typeface="+mn-ea"/>
-                <a:cs typeface="+mn-cs"/>
-              </a:rPr>
-              <a:t>There are four ways to check if the predictions are right or wrong:</a:t>
-            </a:r>
-          </a:p>
-          <a:p>
-            <a:pPr fontAlgn="base"/>
-            <a:r>
-              <a:rPr lang="en-US" sz="1200" b="1" i="0" kern="1200" dirty="0" smtClean="0">
-                <a:solidFill>
-                  <a:schemeClr val="tx1"/>
-                </a:solidFill>
-                <a:effectLst/>
-                <a:latin typeface="+mn-lt"/>
-                <a:ea typeface="+mn-ea"/>
-                <a:cs typeface="+mn-cs"/>
-              </a:rPr>
-              <a:t>TN / True Negative: </a:t>
-            </a:r>
-            <a:r>
-              <a:rPr lang="en-US" sz="1200" b="0" i="0" kern="1200" dirty="0" smtClean="0">
-                <a:solidFill>
-                  <a:schemeClr val="tx1"/>
-                </a:solidFill>
-                <a:effectLst/>
-                <a:latin typeface="+mn-lt"/>
-                <a:ea typeface="+mn-ea"/>
-                <a:cs typeface="+mn-cs"/>
-              </a:rPr>
-              <a:t>when a case was negative and predicted negative</a:t>
-            </a:r>
-          </a:p>
-          <a:p>
-            <a:pPr fontAlgn="base"/>
-            <a:r>
-              <a:rPr lang="en-US" sz="1200" b="1" i="0" kern="1200" dirty="0" smtClean="0">
-                <a:solidFill>
-                  <a:schemeClr val="tx1"/>
-                </a:solidFill>
-                <a:effectLst/>
-                <a:latin typeface="+mn-lt"/>
-                <a:ea typeface="+mn-ea"/>
-                <a:cs typeface="+mn-cs"/>
-              </a:rPr>
-              <a:t>TP / True Positive: </a:t>
-            </a:r>
-            <a:r>
-              <a:rPr lang="en-US" sz="1200" b="0" i="0" kern="1200" dirty="0" smtClean="0">
-                <a:solidFill>
-                  <a:schemeClr val="tx1"/>
-                </a:solidFill>
-                <a:effectLst/>
-                <a:latin typeface="+mn-lt"/>
-                <a:ea typeface="+mn-ea"/>
-                <a:cs typeface="+mn-cs"/>
-              </a:rPr>
-              <a:t>when a case was positive and predicted positive</a:t>
-            </a:r>
-          </a:p>
-          <a:p>
-            <a:pPr fontAlgn="base"/>
-            <a:r>
-              <a:rPr lang="en-US" sz="1200" b="1" i="0" kern="1200" dirty="0" smtClean="0">
-                <a:solidFill>
-                  <a:schemeClr val="tx1"/>
-                </a:solidFill>
-                <a:effectLst/>
-                <a:latin typeface="+mn-lt"/>
-                <a:ea typeface="+mn-ea"/>
-                <a:cs typeface="+mn-cs"/>
-              </a:rPr>
-              <a:t>FN / False Negative: </a:t>
-            </a:r>
-            <a:r>
-              <a:rPr lang="en-US" sz="1200" b="0" i="0" kern="1200" dirty="0" smtClean="0">
-                <a:solidFill>
-                  <a:schemeClr val="tx1"/>
-                </a:solidFill>
-                <a:effectLst/>
-                <a:latin typeface="+mn-lt"/>
-                <a:ea typeface="+mn-ea"/>
-                <a:cs typeface="+mn-cs"/>
-              </a:rPr>
-              <a:t>when a case was positive but predicted negative</a:t>
-            </a:r>
-          </a:p>
-          <a:p>
-            <a:pPr fontAlgn="base"/>
-            <a:r>
-              <a:rPr lang="en-US" sz="1200" b="1" i="0" kern="1200" dirty="0" smtClean="0">
-                <a:solidFill>
-                  <a:schemeClr val="tx1"/>
-                </a:solidFill>
-                <a:effectLst/>
-                <a:latin typeface="+mn-lt"/>
-                <a:ea typeface="+mn-ea"/>
-                <a:cs typeface="+mn-cs"/>
-              </a:rPr>
-              <a:t>FP / False Positive: </a:t>
-            </a:r>
-            <a:r>
-              <a:rPr lang="en-US" sz="1200" b="0" i="0" kern="1200" dirty="0" smtClean="0">
-                <a:solidFill>
-                  <a:schemeClr val="tx1"/>
-                </a:solidFill>
-                <a:effectLst/>
-                <a:latin typeface="+mn-lt"/>
-                <a:ea typeface="+mn-ea"/>
-                <a:cs typeface="+mn-cs"/>
-              </a:rPr>
-              <a:t>when a case was negative but predicted positive</a:t>
+            <a:pPr marL="0" marR="0" lvl="0" indent="0" algn="l" defTabSz="914400" rtl="0" eaLnBrk="1" fontAlgn="auto" latinLnBrk="0" hangingPunct="1">
+              <a:lnSpc>
+                <a:spcPct val="100000"/>
+              </a:lnSpc>
+              <a:spcBef>
+                <a:spcPts val="0"/>
+              </a:spcBef>
+              <a:spcAft>
+                <a:spcPts val="0"/>
+              </a:spcAft>
+              <a:buClrTx/>
+              <a:buSzTx/>
+              <a:buFontTx/>
+              <a:buNone/>
+              <a:tabLst/>
+              <a:defRPr/>
+            </a:pPr>
+            <a:r>
+              <a:rPr lang="en-US" dirty="0" smtClean="0"/>
+              <a:t>Nick</a:t>
             </a:r>
           </a:p>
           <a:p>
             <a:endParaRPr lang="en-US" dirty="0" smtClean="0"/>
           </a:p>
           <a:p>
-            <a:endParaRPr lang="en-US" dirty="0" smtClean="0"/>
-          </a:p>
-          <a:p>
-            <a:pPr fontAlgn="base"/>
-            <a:r>
-              <a:rPr lang="en-US" sz="1200" b="1" i="0" kern="1200" dirty="0" smtClean="0">
-                <a:solidFill>
-                  <a:schemeClr val="tx1"/>
-                </a:solidFill>
-                <a:effectLst/>
-                <a:latin typeface="+mn-lt"/>
-                <a:ea typeface="+mn-ea"/>
-                <a:cs typeface="+mn-cs"/>
-              </a:rPr>
-              <a:t>Precision – What percent of your predictions were correct?</a:t>
-            </a:r>
-          </a:p>
-          <a:p>
-            <a:pPr fontAlgn="base"/>
-            <a:r>
-              <a:rPr lang="en-US" sz="1200" b="0" i="0" kern="1200" dirty="0" smtClean="0">
-                <a:solidFill>
-                  <a:schemeClr val="tx1"/>
-                </a:solidFill>
-                <a:effectLst/>
-                <a:latin typeface="+mn-lt"/>
-                <a:ea typeface="+mn-ea"/>
-                <a:cs typeface="+mn-cs"/>
-              </a:rPr>
-              <a:t>Precision is the ability of a classifier not to label an instance positive that is actually negative. For each class it is defined as the ratio of true positives to the sum of true and false positives.</a:t>
-            </a:r>
-          </a:p>
-          <a:p>
-            <a:pPr fontAlgn="base"/>
-            <a:r>
-              <a:rPr lang="en-US" sz="1200" b="1" i="0" kern="1200" dirty="0" smtClean="0">
-                <a:solidFill>
-                  <a:schemeClr val="tx1"/>
-                </a:solidFill>
-                <a:effectLst/>
-                <a:latin typeface="+mn-lt"/>
-                <a:ea typeface="+mn-ea"/>
-                <a:cs typeface="+mn-cs"/>
-              </a:rPr>
-              <a:t>TP – True Positives</a:t>
-            </a:r>
-            <a:r>
-              <a:rPr lang="en-US" sz="1200" b="0" i="0" kern="1200" dirty="0" smtClean="0">
-                <a:solidFill>
-                  <a:schemeClr val="tx1"/>
-                </a:solidFill>
-                <a:effectLst/>
-                <a:latin typeface="+mn-lt"/>
-                <a:ea typeface="+mn-ea"/>
-                <a:cs typeface="+mn-cs"/>
-              </a:rPr>
-              <a:t/>
-            </a:r>
-            <a:br>
-              <a:rPr lang="en-US" sz="1200" b="0" i="0" kern="1200" dirty="0" smtClean="0">
-                <a:solidFill>
-                  <a:schemeClr val="tx1"/>
-                </a:solidFill>
-                <a:effectLst/>
-                <a:latin typeface="+mn-lt"/>
-                <a:ea typeface="+mn-ea"/>
-                <a:cs typeface="+mn-cs"/>
-              </a:rPr>
-            </a:br>
-            <a:r>
-              <a:rPr lang="en-US" sz="1200" b="1" i="0" kern="1200" dirty="0" smtClean="0">
-                <a:solidFill>
-                  <a:schemeClr val="tx1"/>
-                </a:solidFill>
-                <a:effectLst/>
-                <a:latin typeface="+mn-lt"/>
-                <a:ea typeface="+mn-ea"/>
-                <a:cs typeface="+mn-cs"/>
-              </a:rPr>
-              <a:t>FP – False Positives</a:t>
-            </a:r>
-            <a:endParaRPr lang="en-US" sz="1200" b="0" i="0" kern="1200" dirty="0" smtClean="0">
-              <a:solidFill>
-                <a:schemeClr val="tx1"/>
-              </a:solidFill>
-              <a:effectLst/>
-              <a:latin typeface="+mn-lt"/>
-              <a:ea typeface="+mn-ea"/>
-              <a:cs typeface="+mn-cs"/>
-            </a:endParaRPr>
-          </a:p>
-          <a:p>
-            <a:pPr fontAlgn="base"/>
-            <a:r>
-              <a:rPr lang="en-US" sz="1200" b="0" i="0" kern="1200" dirty="0" smtClean="0">
-                <a:solidFill>
-                  <a:schemeClr val="tx1"/>
-                </a:solidFill>
-                <a:effectLst/>
-                <a:latin typeface="+mn-lt"/>
-                <a:ea typeface="+mn-ea"/>
-                <a:cs typeface="+mn-cs"/>
-              </a:rPr>
-              <a:t>Precision – Accuracy of positive predictions.</a:t>
-            </a:r>
-            <a:br>
-              <a:rPr lang="en-US" sz="1200" b="0" i="0" kern="1200" dirty="0" smtClean="0">
-                <a:solidFill>
-                  <a:schemeClr val="tx1"/>
-                </a:solidFill>
-                <a:effectLst/>
-                <a:latin typeface="+mn-lt"/>
-                <a:ea typeface="+mn-ea"/>
-                <a:cs typeface="+mn-cs"/>
-              </a:rPr>
-            </a:br>
-            <a:r>
-              <a:rPr lang="en-US" sz="1200" b="0" i="0" kern="1200" dirty="0" smtClean="0">
-                <a:solidFill>
-                  <a:schemeClr val="tx1"/>
-                </a:solidFill>
-                <a:effectLst/>
-                <a:latin typeface="+mn-lt"/>
-                <a:ea typeface="+mn-ea"/>
-                <a:cs typeface="+mn-cs"/>
-              </a:rPr>
-              <a:t>Precision = TP/(TP + FP)</a:t>
-            </a:r>
-          </a:p>
-          <a:p>
-            <a:endParaRPr lang="en-US" dirty="0" smtClean="0"/>
-          </a:p>
-          <a:p>
-            <a:pPr fontAlgn="base"/>
-            <a:r>
-              <a:rPr lang="en-US" sz="1200" b="1" i="0" kern="1200" dirty="0" smtClean="0">
-                <a:solidFill>
-                  <a:schemeClr val="tx1"/>
-                </a:solidFill>
-                <a:effectLst/>
-                <a:latin typeface="+mn-lt"/>
-                <a:ea typeface="+mn-ea"/>
-                <a:cs typeface="+mn-cs"/>
-              </a:rPr>
-              <a:t>Recall – What percent of the positive cases did you catch? </a:t>
-            </a:r>
-          </a:p>
-          <a:p>
-            <a:pPr fontAlgn="base"/>
-            <a:r>
-              <a:rPr lang="en-US" sz="1200" b="0" i="0" kern="1200" dirty="0" smtClean="0">
-                <a:solidFill>
-                  <a:schemeClr val="tx1"/>
-                </a:solidFill>
-                <a:effectLst/>
-                <a:latin typeface="+mn-lt"/>
-                <a:ea typeface="+mn-ea"/>
-                <a:cs typeface="+mn-cs"/>
-              </a:rPr>
-              <a:t>Recall is the ability of a classifier to find all positive instances. For each class it is defined as the ratio of true positives to the sum of true positives and false negatives.</a:t>
-            </a:r>
-          </a:p>
-          <a:p>
-            <a:pPr fontAlgn="base"/>
-            <a:r>
-              <a:rPr lang="en-US" sz="1200" b="1" i="0" kern="1200" dirty="0" smtClean="0">
-                <a:solidFill>
-                  <a:schemeClr val="tx1"/>
-                </a:solidFill>
-                <a:effectLst/>
-                <a:latin typeface="+mn-lt"/>
-                <a:ea typeface="+mn-ea"/>
-                <a:cs typeface="+mn-cs"/>
-              </a:rPr>
-              <a:t>FN – False Negatives</a:t>
-            </a:r>
-            <a:endParaRPr lang="en-US" sz="1200" b="0" i="0" kern="1200" dirty="0" smtClean="0">
-              <a:solidFill>
-                <a:schemeClr val="tx1"/>
-              </a:solidFill>
-              <a:effectLst/>
-              <a:latin typeface="+mn-lt"/>
-              <a:ea typeface="+mn-ea"/>
-              <a:cs typeface="+mn-cs"/>
-            </a:endParaRPr>
-          </a:p>
-          <a:p>
-            <a:pPr fontAlgn="base"/>
-            <a:r>
-              <a:rPr lang="en-US" sz="1200" b="0" i="0" kern="1200" dirty="0" smtClean="0">
-                <a:solidFill>
-                  <a:schemeClr val="tx1"/>
-                </a:solidFill>
-                <a:effectLst/>
-                <a:latin typeface="+mn-lt"/>
-                <a:ea typeface="+mn-ea"/>
-                <a:cs typeface="+mn-cs"/>
-              </a:rPr>
-              <a:t>Recall: Fraction of positives that were correctly identified.</a:t>
-            </a:r>
-            <a:br>
-              <a:rPr lang="en-US" sz="1200" b="0" i="0" kern="1200" dirty="0" smtClean="0">
-                <a:solidFill>
-                  <a:schemeClr val="tx1"/>
-                </a:solidFill>
-                <a:effectLst/>
-                <a:latin typeface="+mn-lt"/>
-                <a:ea typeface="+mn-ea"/>
-                <a:cs typeface="+mn-cs"/>
-              </a:rPr>
-            </a:br>
-            <a:r>
-              <a:rPr lang="en-US" sz="1200" b="0" i="0" kern="1200" dirty="0" smtClean="0">
-                <a:solidFill>
-                  <a:schemeClr val="tx1"/>
-                </a:solidFill>
-                <a:effectLst/>
-                <a:latin typeface="+mn-lt"/>
-                <a:ea typeface="+mn-ea"/>
-                <a:cs typeface="+mn-cs"/>
-              </a:rPr>
-              <a:t>Recall = TP/(TP+FN)</a:t>
-            </a:r>
-          </a:p>
-          <a:p>
-            <a:endParaRPr lang="en-US" dirty="0" smtClean="0"/>
-          </a:p>
-          <a:p>
-            <a:pPr fontAlgn="base"/>
-            <a:r>
-              <a:rPr lang="en-US" sz="1200" b="1" i="0" kern="1200" dirty="0" smtClean="0">
-                <a:solidFill>
-                  <a:schemeClr val="tx1"/>
-                </a:solidFill>
-                <a:effectLst/>
-                <a:latin typeface="+mn-lt"/>
-                <a:ea typeface="+mn-ea"/>
-                <a:cs typeface="+mn-cs"/>
-              </a:rPr>
-              <a:t>F1 score – What percent of positive predictions were correct? </a:t>
-            </a:r>
-          </a:p>
-          <a:p>
-            <a:pPr fontAlgn="base"/>
-            <a:r>
-              <a:rPr lang="en-US" sz="1200" b="0" i="0" kern="1200" dirty="0" smtClean="0">
-                <a:solidFill>
-                  <a:schemeClr val="tx1"/>
-                </a:solidFill>
-                <a:effectLst/>
-                <a:latin typeface="+mn-lt"/>
-                <a:ea typeface="+mn-ea"/>
-                <a:cs typeface="+mn-cs"/>
-              </a:rPr>
-              <a:t>The F</a:t>
-            </a:r>
-            <a:r>
-              <a:rPr lang="en-US" sz="1200" b="0" i="0" kern="1200" baseline="-25000" dirty="0" smtClean="0">
-                <a:solidFill>
-                  <a:schemeClr val="tx1"/>
-                </a:solidFill>
-                <a:effectLst/>
-                <a:latin typeface="+mn-lt"/>
-                <a:ea typeface="+mn-ea"/>
-                <a:cs typeface="+mn-cs"/>
-              </a:rPr>
-              <a:t>1</a:t>
-            </a:r>
-            <a:r>
-              <a:rPr lang="en-US" sz="1200" b="0" i="0" kern="1200" dirty="0" smtClean="0">
-                <a:solidFill>
-                  <a:schemeClr val="tx1"/>
-                </a:solidFill>
-                <a:effectLst/>
-                <a:latin typeface="+mn-lt"/>
-                <a:ea typeface="+mn-ea"/>
-                <a:cs typeface="+mn-cs"/>
-              </a:rPr>
-              <a:t> score is a weighted harmonic mean of precision and recall such that the best score is 1.0 and the worst is 0.0. Generally speaking, F</a:t>
-            </a:r>
-            <a:r>
-              <a:rPr lang="en-US" sz="1200" b="0" i="0" kern="1200" baseline="-25000" dirty="0" smtClean="0">
-                <a:solidFill>
-                  <a:schemeClr val="tx1"/>
-                </a:solidFill>
-                <a:effectLst/>
-                <a:latin typeface="+mn-lt"/>
-                <a:ea typeface="+mn-ea"/>
-                <a:cs typeface="+mn-cs"/>
-              </a:rPr>
-              <a:t>1</a:t>
-            </a:r>
-            <a:r>
-              <a:rPr lang="en-US" sz="1200" b="0" i="0" kern="1200" dirty="0" smtClean="0">
-                <a:solidFill>
-                  <a:schemeClr val="tx1"/>
-                </a:solidFill>
-                <a:effectLst/>
-                <a:latin typeface="+mn-lt"/>
-                <a:ea typeface="+mn-ea"/>
-                <a:cs typeface="+mn-cs"/>
-              </a:rPr>
-              <a:t> scores are lower than accuracy measures as they embed precision and recall into their computation. As a rule of thumb, the weighted average of F</a:t>
-            </a:r>
-            <a:r>
-              <a:rPr lang="en-US" sz="1200" b="0" i="0" kern="1200" baseline="-25000" dirty="0" smtClean="0">
-                <a:solidFill>
-                  <a:schemeClr val="tx1"/>
-                </a:solidFill>
-                <a:effectLst/>
-                <a:latin typeface="+mn-lt"/>
-                <a:ea typeface="+mn-ea"/>
-                <a:cs typeface="+mn-cs"/>
-              </a:rPr>
-              <a:t>1</a:t>
-            </a:r>
-            <a:r>
-              <a:rPr lang="en-US" sz="1200" b="0" i="0" kern="1200" dirty="0" smtClean="0">
-                <a:solidFill>
-                  <a:schemeClr val="tx1"/>
-                </a:solidFill>
-                <a:effectLst/>
-                <a:latin typeface="+mn-lt"/>
-                <a:ea typeface="+mn-ea"/>
-                <a:cs typeface="+mn-cs"/>
-              </a:rPr>
-              <a:t> should be used to compare classifier models, not global accuracy.</a:t>
-            </a:r>
-          </a:p>
-          <a:p>
-            <a:pPr fontAlgn="base"/>
-            <a:r>
-              <a:rPr lang="en-US" sz="1200" b="0" i="0" kern="1200" dirty="0" smtClean="0">
-                <a:solidFill>
-                  <a:schemeClr val="tx1"/>
-                </a:solidFill>
-                <a:effectLst/>
-                <a:latin typeface="+mn-lt"/>
-                <a:ea typeface="+mn-ea"/>
-                <a:cs typeface="+mn-cs"/>
-              </a:rPr>
-              <a:t>F1 Score = 2*(Recall * Precision) / (Recall + Precision)</a:t>
-            </a:r>
-          </a:p>
-          <a:p>
+            <a:r>
+              <a:rPr lang="en-US" dirty="0" smtClean="0"/>
+              <a:t>The </a:t>
+            </a:r>
+            <a:r>
+              <a:rPr lang="en-US" dirty="0" smtClean="0"/>
+              <a:t>features</a:t>
+            </a:r>
+            <a:r>
+              <a:rPr lang="en-US" baseline="0" dirty="0" smtClean="0"/>
+              <a:t> we chose based on the data and knowledge of the dataset</a:t>
+            </a:r>
             <a:endParaRPr lang="en-US" dirty="0"/>
           </a:p>
         </p:txBody>
@@ -1107,7 +670,7 @@
           <a:p>
             <a:fld id="{4B6E503A-4C47-9042-A9ED-0302F2EAC8AD}" type="slidenum">
               <a:rPr lang="en-US" smtClean="0"/>
-              <a:t>13</a:t>
+              <a:t>10</a:t>
             </a:fld>
             <a:endParaRPr lang="en-US"/>
           </a:p>
@@ -1116,7 +679,7 @@
     </p:spTree>
     <p:extLst>
       <p:ext uri="{BB962C8B-B14F-4D97-AF65-F5344CB8AC3E}">
-        <p14:creationId xmlns:p14="http://schemas.microsoft.com/office/powerpoint/2010/main" val="159293616"/>
+        <p14:creationId xmlns:p14="http://schemas.microsoft.com/office/powerpoint/2010/main" val="3780113541"/>
       </p:ext>
     </p:extLst>
   </p:cSld>
@@ -1170,6 +733,48 @@
           <a:bodyPr/>
           <a:lstStyle/>
           <a:p>
+            <a:pPr marL="0" marR="0" lvl="0" indent="0" algn="l" defTabSz="914400" rtl="0" eaLnBrk="1" fontAlgn="auto" latinLnBrk="0" hangingPunct="1">
+              <a:lnSpc>
+                <a:spcPct val="100000"/>
+              </a:lnSpc>
+              <a:spcBef>
+                <a:spcPts val="0"/>
+              </a:spcBef>
+              <a:spcAft>
+                <a:spcPts val="0"/>
+              </a:spcAft>
+              <a:buClrTx/>
+              <a:buSzTx/>
+              <a:buFontTx/>
+              <a:buNone/>
+              <a:tabLst/>
+              <a:defRPr/>
+            </a:pPr>
+            <a:r>
+              <a:rPr lang="en-US" dirty="0" smtClean="0"/>
+              <a:t>Nick</a:t>
+            </a:r>
+          </a:p>
+          <a:p>
+            <a:endParaRPr lang="en-US" dirty="0" smtClean="0"/>
+          </a:p>
+          <a:p>
+            <a:r>
+              <a:rPr lang="en-US" dirty="0" smtClean="0"/>
+              <a:t>The</a:t>
+            </a:r>
+            <a:r>
+              <a:rPr lang="en-US" baseline="0" dirty="0" smtClean="0"/>
+              <a:t> </a:t>
+            </a:r>
+            <a:r>
+              <a:rPr lang="en-US" baseline="0" dirty="0" smtClean="0"/>
+              <a:t>Feature Set chosen by random </a:t>
+            </a:r>
+            <a:r>
+              <a:rPr lang="en-US" baseline="0" dirty="0" err="1" smtClean="0"/>
+              <a:t>forrest</a:t>
+            </a:r>
             <a:endParaRPr lang="en-US" dirty="0"/>
           </a:p>
         </p:txBody>
@@ -1191,7 +796,7 @@
           <a:p>
             <a:fld id="{4B6E503A-4C47-9042-A9ED-0302F2EAC8AD}" type="slidenum">
               <a:rPr lang="en-US" smtClean="0"/>
-              <a:t>14</a:t>
+              <a:t>11</a:t>
             </a:fld>
             <a:endParaRPr lang="en-US"/>
           </a:p>
@@ -1200,7 +805,7 @@
     </p:spTree>
     <p:extLst>
       <p:ext uri="{BB962C8B-B14F-4D97-AF65-F5344CB8AC3E}">
-        <p14:creationId xmlns:p14="http://schemas.microsoft.com/office/powerpoint/2010/main" val="2740513832"/>
+        <p14:creationId xmlns:p14="http://schemas.microsoft.com/office/powerpoint/2010/main" val="2136926032"/>
       </p:ext>
     </p:extLst>
   </p:cSld>
@@ -1258,7 +863,30 @@
               <a:buFont typeface="Arial" panose="020B0604020202020204" pitchFamily="34" charset="0"/>
               <a:buChar char="•"/>
             </a:pPr>
-            <a:endParaRPr lang="en-US" baseline="0" dirty="0" smtClean="0"/>
+            <a:r>
+              <a:rPr lang="en-US" baseline="0" dirty="0" smtClean="0"/>
+              <a:t>Discuss the models we chose</a:t>
+            </a:r>
+          </a:p>
+          <a:p>
+            <a:pPr marL="171450" indent="-171450">
+              <a:buFont typeface="Arial" panose="020B0604020202020204" pitchFamily="34" charset="0"/>
+              <a:buChar char="•"/>
+            </a:pPr>
+            <a:r>
+              <a:rPr lang="en-US" baseline="0" dirty="0" smtClean="0"/>
+              <a:t>Why we chose these models</a:t>
+            </a:r>
+          </a:p>
+          <a:p>
+            <a:pPr marL="171450" indent="-171450">
+              <a:buFont typeface="Arial" panose="020B0604020202020204" pitchFamily="34" charset="0"/>
+              <a:buChar char="•"/>
+            </a:pPr>
+            <a:r>
+              <a:rPr lang="en-US" baseline="0" dirty="0" smtClean="0"/>
+              <a:t>What we did</a:t>
+            </a:r>
           </a:p>
         </p:txBody>
       </p:sp>
@@ -1279,7 +907,7 @@
           <a:p>
             <a:fld id="{4B6E503A-4C47-9042-A9ED-0302F2EAC8AD}" type="slidenum">
               <a:rPr lang="en-US" smtClean="0"/>
-              <a:t>15</a:t>
+              <a:t>12</a:t>
             </a:fld>
             <a:endParaRPr lang="en-US"/>
           </a:p>
@@ -1288,7 +916,7 @@
     </p:spTree>
     <p:extLst>
       <p:ext uri="{BB962C8B-B14F-4D97-AF65-F5344CB8AC3E}">
-        <p14:creationId xmlns:p14="http://schemas.microsoft.com/office/powerpoint/2010/main" val="1512619474"/>
+        <p14:creationId xmlns:p14="http://schemas.microsoft.com/office/powerpoint/2010/main" val="3900542700"/>
       </p:ext>
     </p:extLst>
   </p:cSld>
@@ -1342,10 +970,842 @@
           <a:bodyPr/>
           <a:lstStyle/>
           <a:p>
+            <a:pPr fontAlgn="base"/>
+            <a:r>
+              <a:rPr lang="en-US" sz="1200" b="0" i="0" kern="1200" dirty="0" smtClean="0">
+                <a:solidFill>
+                  <a:schemeClr val="tx1"/>
+                </a:solidFill>
+                <a:effectLst/>
+                <a:latin typeface="+mn-lt"/>
+                <a:ea typeface="+mn-ea"/>
+                <a:cs typeface="+mn-cs"/>
+              </a:rPr>
+              <a:t>Min</a:t>
+            </a:r>
+          </a:p>
+          <a:p>
+            <a:pPr fontAlgn="base"/>
+            <a:endParaRPr lang="en-US" sz="1200" b="0" i="0" kern="1200" dirty="0" smtClean="0">
+              <a:solidFill>
+                <a:schemeClr val="tx1"/>
+              </a:solidFill>
+              <a:effectLst/>
+              <a:latin typeface="+mn-lt"/>
+              <a:ea typeface="+mn-ea"/>
+              <a:cs typeface="+mn-cs"/>
+            </a:endParaRPr>
+          </a:p>
+          <a:p>
+            <a:pPr fontAlgn="base"/>
+            <a:r>
+              <a:rPr lang="en-US" sz="1200" b="0" i="0" kern="1200" dirty="0" smtClean="0">
+                <a:solidFill>
+                  <a:schemeClr val="tx1"/>
+                </a:solidFill>
+                <a:effectLst/>
+                <a:latin typeface="+mn-lt"/>
+                <a:ea typeface="+mn-ea"/>
+                <a:cs typeface="+mn-cs"/>
+              </a:rPr>
+              <a:t>There </a:t>
+            </a:r>
+            <a:r>
+              <a:rPr lang="en-US" sz="1200" b="0" i="0" kern="1200" dirty="0" smtClean="0">
+                <a:solidFill>
+                  <a:schemeClr val="tx1"/>
+                </a:solidFill>
+                <a:effectLst/>
+                <a:latin typeface="+mn-lt"/>
+                <a:ea typeface="+mn-ea"/>
+                <a:cs typeface="+mn-cs"/>
+              </a:rPr>
+              <a:t>are four ways to check if the predictions are right or wrong:</a:t>
+            </a:r>
+          </a:p>
+          <a:p>
+            <a:pPr fontAlgn="base"/>
+            <a:r>
+              <a:rPr lang="en-US" sz="1200" b="1" i="0" kern="1200" dirty="0" smtClean="0">
+                <a:solidFill>
+                  <a:schemeClr val="tx1"/>
+                </a:solidFill>
+                <a:effectLst/>
+                <a:latin typeface="+mn-lt"/>
+                <a:ea typeface="+mn-ea"/>
+                <a:cs typeface="+mn-cs"/>
+              </a:rPr>
+              <a:t>TN / True Negative: </a:t>
+            </a:r>
+            <a:r>
+              <a:rPr lang="en-US" sz="1200" b="0" i="0" kern="1200" dirty="0" smtClean="0">
+                <a:solidFill>
+                  <a:schemeClr val="tx1"/>
+                </a:solidFill>
+                <a:effectLst/>
+                <a:latin typeface="+mn-lt"/>
+                <a:ea typeface="+mn-ea"/>
+                <a:cs typeface="+mn-cs"/>
+              </a:rPr>
+              <a:t>when a case was negative and predicted negative</a:t>
+            </a:r>
+          </a:p>
+          <a:p>
+            <a:pPr fontAlgn="base"/>
+            <a:r>
+              <a:rPr lang="en-US" sz="1200" b="1" i="0" kern="1200" dirty="0" smtClean="0">
+                <a:solidFill>
+                  <a:schemeClr val="tx1"/>
+                </a:solidFill>
+                <a:effectLst/>
+                <a:latin typeface="+mn-lt"/>
+                <a:ea typeface="+mn-ea"/>
+                <a:cs typeface="+mn-cs"/>
+              </a:rPr>
+              <a:t>TP / True Positive: </a:t>
+            </a:r>
+            <a:r>
+              <a:rPr lang="en-US" sz="1200" b="0" i="0" kern="1200" dirty="0" smtClean="0">
+                <a:solidFill>
+                  <a:schemeClr val="tx1"/>
+                </a:solidFill>
+                <a:effectLst/>
+                <a:latin typeface="+mn-lt"/>
+                <a:ea typeface="+mn-ea"/>
+                <a:cs typeface="+mn-cs"/>
+              </a:rPr>
+              <a:t>when a case was positive and predicted positive</a:t>
+            </a:r>
+          </a:p>
+          <a:p>
+            <a:pPr fontAlgn="base"/>
+            <a:r>
+              <a:rPr lang="en-US" sz="1200" b="1" i="0" kern="1200" dirty="0" smtClean="0">
+                <a:solidFill>
+                  <a:schemeClr val="tx1"/>
+                </a:solidFill>
+                <a:effectLst/>
+                <a:latin typeface="+mn-lt"/>
+                <a:ea typeface="+mn-ea"/>
+                <a:cs typeface="+mn-cs"/>
+              </a:rPr>
+              <a:t>FN / False Negative: </a:t>
+            </a:r>
+            <a:r>
+              <a:rPr lang="en-US" sz="1200" b="0" i="0" kern="1200" dirty="0" smtClean="0">
+                <a:solidFill>
+                  <a:schemeClr val="tx1"/>
+                </a:solidFill>
+                <a:effectLst/>
+                <a:latin typeface="+mn-lt"/>
+                <a:ea typeface="+mn-ea"/>
+                <a:cs typeface="+mn-cs"/>
+              </a:rPr>
+              <a:t>when a case was positive but predicted negative</a:t>
+            </a:r>
+          </a:p>
+          <a:p>
+            <a:pPr fontAlgn="base"/>
+            <a:r>
+              <a:rPr lang="en-US" sz="1200" b="1" i="0" kern="1200" dirty="0" smtClean="0">
+                <a:solidFill>
+                  <a:schemeClr val="tx1"/>
+                </a:solidFill>
+                <a:effectLst/>
+                <a:latin typeface="+mn-lt"/>
+                <a:ea typeface="+mn-ea"/>
+                <a:cs typeface="+mn-cs"/>
+              </a:rPr>
+              <a:t>FP / False Positive: </a:t>
+            </a:r>
+            <a:r>
+              <a:rPr lang="en-US" sz="1200" b="0" i="0" kern="1200" dirty="0" smtClean="0">
+                <a:solidFill>
+                  <a:schemeClr val="tx1"/>
+                </a:solidFill>
+                <a:effectLst/>
+                <a:latin typeface="+mn-lt"/>
+                <a:ea typeface="+mn-ea"/>
+                <a:cs typeface="+mn-cs"/>
+              </a:rPr>
+              <a:t>when a case was negative but predicted positive</a:t>
+            </a:r>
+          </a:p>
+          <a:p>
+            <a:endParaRPr lang="en-US" dirty="0" smtClean="0"/>
+          </a:p>
+          <a:p>
+            <a:endParaRPr lang="en-US" dirty="0" smtClean="0"/>
+          </a:p>
+          <a:p>
+            <a:pPr fontAlgn="base"/>
+            <a:r>
+              <a:rPr lang="en-US" sz="1200" b="1" i="0" kern="1200" dirty="0" smtClean="0">
+                <a:solidFill>
+                  <a:schemeClr val="tx1"/>
+                </a:solidFill>
+                <a:effectLst/>
+                <a:latin typeface="+mn-lt"/>
+                <a:ea typeface="+mn-ea"/>
+                <a:cs typeface="+mn-cs"/>
+              </a:rPr>
+              <a:t>Precision – What percent of your predictions were correct?</a:t>
+            </a:r>
+          </a:p>
+          <a:p>
+            <a:pPr fontAlgn="base"/>
+            <a:r>
+              <a:rPr lang="en-US" sz="1200" b="0" i="0" kern="1200" dirty="0" smtClean="0">
+                <a:solidFill>
+                  <a:schemeClr val="tx1"/>
+                </a:solidFill>
+                <a:effectLst/>
+                <a:latin typeface="+mn-lt"/>
+                <a:ea typeface="+mn-ea"/>
+                <a:cs typeface="+mn-cs"/>
+              </a:rPr>
+              <a:t>Precision is the ability of a classifier not to label an instance positive that is actually negative. For each class it is defined as the ratio of true positives to the sum of true and false positives.</a:t>
+            </a:r>
+          </a:p>
+          <a:p>
+            <a:pPr fontAlgn="base"/>
+            <a:r>
+              <a:rPr lang="en-US" sz="1200" b="1" i="0" kern="1200" dirty="0" smtClean="0">
+                <a:solidFill>
+                  <a:schemeClr val="tx1"/>
+                </a:solidFill>
+                <a:effectLst/>
+                <a:latin typeface="+mn-lt"/>
+                <a:ea typeface="+mn-ea"/>
+                <a:cs typeface="+mn-cs"/>
+              </a:rPr>
+              <a:t>TP – True Positives</a:t>
+            </a:r>
+            <a:r>
+              <a:rPr lang="en-US" sz="1200" b="0" i="0" kern="1200" dirty="0" smtClean="0">
+                <a:solidFill>
+                  <a:schemeClr val="tx1"/>
+                </a:solidFill>
+                <a:effectLst/>
+                <a:latin typeface="+mn-lt"/>
+                <a:ea typeface="+mn-ea"/>
+                <a:cs typeface="+mn-cs"/>
+              </a:rPr>
+              <a:t/>
+            </a:r>
+            <a:br>
+              <a:rPr lang="en-US" sz="1200" b="0" i="0" kern="1200" dirty="0" smtClean="0">
+                <a:solidFill>
+                  <a:schemeClr val="tx1"/>
+                </a:solidFill>
+                <a:effectLst/>
+                <a:latin typeface="+mn-lt"/>
+                <a:ea typeface="+mn-ea"/>
+                <a:cs typeface="+mn-cs"/>
+              </a:rPr>
+            </a:br>
+            <a:r>
+              <a:rPr lang="en-US" sz="1200" b="1" i="0" kern="1200" dirty="0" smtClean="0">
+                <a:solidFill>
+                  <a:schemeClr val="tx1"/>
+                </a:solidFill>
+                <a:effectLst/>
+                <a:latin typeface="+mn-lt"/>
+                <a:ea typeface="+mn-ea"/>
+                <a:cs typeface="+mn-cs"/>
+              </a:rPr>
+              <a:t>FP – False Positives</a:t>
+            </a:r>
+            <a:endParaRPr lang="en-US" sz="1200" b="0" i="0" kern="1200" dirty="0" smtClean="0">
+              <a:solidFill>
+                <a:schemeClr val="tx1"/>
+              </a:solidFill>
+              <a:effectLst/>
+              <a:latin typeface="+mn-lt"/>
+              <a:ea typeface="+mn-ea"/>
+              <a:cs typeface="+mn-cs"/>
+            </a:endParaRPr>
+          </a:p>
+          <a:p>
+            <a:pPr fontAlgn="base"/>
+            <a:r>
+              <a:rPr lang="en-US" sz="1200" b="0" i="0" kern="1200" dirty="0" smtClean="0">
+                <a:solidFill>
+                  <a:schemeClr val="tx1"/>
+                </a:solidFill>
+                <a:effectLst/>
+                <a:latin typeface="+mn-lt"/>
+                <a:ea typeface="+mn-ea"/>
+                <a:cs typeface="+mn-cs"/>
+              </a:rPr>
+              <a:t>Precision – Accuracy of positive predictions.</a:t>
+            </a:r>
+            <a:br>
+              <a:rPr lang="en-US" sz="1200" b="0" i="0" kern="1200" dirty="0" smtClean="0">
+                <a:solidFill>
+                  <a:schemeClr val="tx1"/>
+                </a:solidFill>
+                <a:effectLst/>
+                <a:latin typeface="+mn-lt"/>
+                <a:ea typeface="+mn-ea"/>
+                <a:cs typeface="+mn-cs"/>
+              </a:rPr>
+            </a:br>
+            <a:r>
+              <a:rPr lang="en-US" sz="1200" b="0" i="0" kern="1200" dirty="0" smtClean="0">
+                <a:solidFill>
+                  <a:schemeClr val="tx1"/>
+                </a:solidFill>
+                <a:effectLst/>
+                <a:latin typeface="+mn-lt"/>
+                <a:ea typeface="+mn-ea"/>
+                <a:cs typeface="+mn-cs"/>
+              </a:rPr>
+              <a:t>Precision = TP/(TP + FP)</a:t>
+            </a:r>
+          </a:p>
+          <a:p>
+            <a:endParaRPr lang="en-US" dirty="0" smtClean="0"/>
+          </a:p>
+          <a:p>
+            <a:pPr fontAlgn="base"/>
+            <a:r>
+              <a:rPr lang="en-US" sz="1200" b="1" i="0" kern="1200" dirty="0" smtClean="0">
+                <a:solidFill>
+                  <a:schemeClr val="tx1"/>
+                </a:solidFill>
+                <a:effectLst/>
+                <a:latin typeface="+mn-lt"/>
+                <a:ea typeface="+mn-ea"/>
+                <a:cs typeface="+mn-cs"/>
+              </a:rPr>
+              <a:t>Recall – What percent of the positive cases did you catch? </a:t>
+            </a:r>
+          </a:p>
+          <a:p>
+            <a:pPr fontAlgn="base"/>
+            <a:r>
+              <a:rPr lang="en-US" sz="1200" b="0" i="0" kern="1200" dirty="0" smtClean="0">
+                <a:solidFill>
+                  <a:schemeClr val="tx1"/>
+                </a:solidFill>
+                <a:effectLst/>
+                <a:latin typeface="+mn-lt"/>
+                <a:ea typeface="+mn-ea"/>
+                <a:cs typeface="+mn-cs"/>
+              </a:rPr>
+              <a:t>Recall is the ability of a classifier to find all positive instances. For each class it is defined as the ratio of true positives to the sum of true positives and false negatives.</a:t>
+            </a:r>
+          </a:p>
+          <a:p>
+            <a:pPr fontAlgn="base"/>
+            <a:r>
+              <a:rPr lang="en-US" sz="1200" b="1" i="0" kern="1200" dirty="0" smtClean="0">
+                <a:solidFill>
+                  <a:schemeClr val="tx1"/>
+                </a:solidFill>
+                <a:effectLst/>
+                <a:latin typeface="+mn-lt"/>
+                <a:ea typeface="+mn-ea"/>
+                <a:cs typeface="+mn-cs"/>
+              </a:rPr>
+              <a:t>FN – False Negatives</a:t>
+            </a:r>
+            <a:endParaRPr lang="en-US" sz="1200" b="0" i="0" kern="1200" dirty="0" smtClean="0">
+              <a:solidFill>
+                <a:schemeClr val="tx1"/>
+              </a:solidFill>
+              <a:effectLst/>
+              <a:latin typeface="+mn-lt"/>
+              <a:ea typeface="+mn-ea"/>
+              <a:cs typeface="+mn-cs"/>
+            </a:endParaRPr>
+          </a:p>
+          <a:p>
+            <a:pPr fontAlgn="base"/>
+            <a:r>
+              <a:rPr lang="en-US" sz="1200" b="0" i="0" kern="1200" dirty="0" smtClean="0">
+                <a:solidFill>
+                  <a:schemeClr val="tx1"/>
+                </a:solidFill>
+                <a:effectLst/>
+                <a:latin typeface="+mn-lt"/>
+                <a:ea typeface="+mn-ea"/>
+                <a:cs typeface="+mn-cs"/>
+              </a:rPr>
+              <a:t>Recall: Fraction of positives that were correctly identified.</a:t>
+            </a:r>
+            <a:br>
+              <a:rPr lang="en-US" sz="1200" b="0" i="0" kern="1200" dirty="0" smtClean="0">
+                <a:solidFill>
+                  <a:schemeClr val="tx1"/>
+                </a:solidFill>
+                <a:effectLst/>
+                <a:latin typeface="+mn-lt"/>
+                <a:ea typeface="+mn-ea"/>
+                <a:cs typeface="+mn-cs"/>
+              </a:rPr>
+            </a:br>
+            <a:r>
+              <a:rPr lang="en-US" sz="1200" b="0" i="0" kern="1200" dirty="0" smtClean="0">
+                <a:solidFill>
+                  <a:schemeClr val="tx1"/>
+                </a:solidFill>
+                <a:effectLst/>
+                <a:latin typeface="+mn-lt"/>
+                <a:ea typeface="+mn-ea"/>
+                <a:cs typeface="+mn-cs"/>
+              </a:rPr>
+              <a:t>Recall = TP/(TP+FN)</a:t>
+            </a:r>
+          </a:p>
+          <a:p>
+            <a:endParaRPr lang="en-US" dirty="0" smtClean="0"/>
+          </a:p>
+          <a:p>
+            <a:pPr fontAlgn="base"/>
+            <a:r>
+              <a:rPr lang="en-US" sz="1200" b="1" i="0" kern="1200" dirty="0" smtClean="0">
+                <a:solidFill>
+                  <a:schemeClr val="tx1"/>
+                </a:solidFill>
+                <a:effectLst/>
+                <a:latin typeface="+mn-lt"/>
+                <a:ea typeface="+mn-ea"/>
+                <a:cs typeface="+mn-cs"/>
+              </a:rPr>
+              <a:t>F1 score – What percent of positive predictions were correct? </a:t>
+            </a:r>
+          </a:p>
+          <a:p>
+            <a:pPr fontAlgn="base"/>
+            <a:r>
+              <a:rPr lang="en-US" sz="1200" b="0" i="0" kern="1200" dirty="0" smtClean="0">
+                <a:solidFill>
+                  <a:schemeClr val="tx1"/>
+                </a:solidFill>
+                <a:effectLst/>
+                <a:latin typeface="+mn-lt"/>
+                <a:ea typeface="+mn-ea"/>
+                <a:cs typeface="+mn-cs"/>
+              </a:rPr>
+              <a:t>The F</a:t>
+            </a:r>
+            <a:r>
+              <a:rPr lang="en-US" sz="1200" b="0" i="0" kern="1200" baseline="-25000" dirty="0" smtClean="0">
+                <a:solidFill>
+                  <a:schemeClr val="tx1"/>
+                </a:solidFill>
+                <a:effectLst/>
+                <a:latin typeface="+mn-lt"/>
+                <a:ea typeface="+mn-ea"/>
+                <a:cs typeface="+mn-cs"/>
+              </a:rPr>
+              <a:t>1</a:t>
+            </a:r>
+            <a:r>
+              <a:rPr lang="en-US" sz="1200" b="0" i="0" kern="1200" dirty="0" smtClean="0">
+                <a:solidFill>
+                  <a:schemeClr val="tx1"/>
+                </a:solidFill>
+                <a:effectLst/>
+                <a:latin typeface="+mn-lt"/>
+                <a:ea typeface="+mn-ea"/>
+                <a:cs typeface="+mn-cs"/>
+              </a:rPr>
+              <a:t> score is a weighted harmonic mean of precision and recall such that the best score is 1.0 and the worst is 0.0. Generally speaking, F</a:t>
+            </a:r>
+            <a:r>
+              <a:rPr lang="en-US" sz="1200" b="0" i="0" kern="1200" baseline="-25000" dirty="0" smtClean="0">
+                <a:solidFill>
+                  <a:schemeClr val="tx1"/>
+                </a:solidFill>
+                <a:effectLst/>
+                <a:latin typeface="+mn-lt"/>
+                <a:ea typeface="+mn-ea"/>
+                <a:cs typeface="+mn-cs"/>
+              </a:rPr>
+              <a:t>1</a:t>
+            </a:r>
+            <a:r>
+              <a:rPr lang="en-US" sz="1200" b="0" i="0" kern="1200" dirty="0" smtClean="0">
+                <a:solidFill>
+                  <a:schemeClr val="tx1"/>
+                </a:solidFill>
+                <a:effectLst/>
+                <a:latin typeface="+mn-lt"/>
+                <a:ea typeface="+mn-ea"/>
+                <a:cs typeface="+mn-cs"/>
+              </a:rPr>
+              <a:t> scores are lower than accuracy measures as they embed precision and recall into their computation. As a rule of thumb, the weighted average of F</a:t>
+            </a:r>
+            <a:r>
+              <a:rPr lang="en-US" sz="1200" b="0" i="0" kern="1200" baseline="-25000" dirty="0" smtClean="0">
+                <a:solidFill>
+                  <a:schemeClr val="tx1"/>
+                </a:solidFill>
+                <a:effectLst/>
+                <a:latin typeface="+mn-lt"/>
+                <a:ea typeface="+mn-ea"/>
+                <a:cs typeface="+mn-cs"/>
+              </a:rPr>
+              <a:t>1</a:t>
+            </a:r>
+            <a:r>
+              <a:rPr lang="en-US" sz="1200" b="0" i="0" kern="1200" dirty="0" smtClean="0">
+                <a:solidFill>
+                  <a:schemeClr val="tx1"/>
+                </a:solidFill>
+                <a:effectLst/>
+                <a:latin typeface="+mn-lt"/>
+                <a:ea typeface="+mn-ea"/>
+                <a:cs typeface="+mn-cs"/>
+              </a:rPr>
+              <a:t> should be used to compare classifier models, not global accuracy.</a:t>
+            </a:r>
+          </a:p>
+          <a:p>
+            <a:pPr fontAlgn="base"/>
+            <a:r>
+              <a:rPr lang="en-US" sz="1200" b="0" i="0" kern="1200" dirty="0" smtClean="0">
+                <a:solidFill>
+                  <a:schemeClr val="tx1"/>
+                </a:solidFill>
+                <a:effectLst/>
+                <a:latin typeface="+mn-lt"/>
+                <a:ea typeface="+mn-ea"/>
+                <a:cs typeface="+mn-cs"/>
+              </a:rPr>
+              <a:t>F1 Score = 2*(Recall * Precision) / (Recall + Precision)</a:t>
+            </a:r>
+          </a:p>
+          <a:p>
+            <a:endParaRPr lang="en-US" dirty="0"/>
+          </a:p>
+        </p:txBody>
+      </p:sp>
+      <p:sp>
+        <p:nvSpPr>
+          <p:cNvPr id="4" name="Slide Number Placeholder 3"/>
+          <p:cNvSpPr>
+            <a:spLocks noGrp="1"/>
+          </p:cNvSpPr>
+          <p:nvPr>
+            <p:ph type="sldNum" sz="quarter" idx="10"/>
+          </p:nvPr>
+        </p:nvSpPr>
+        <p:spPr/>
+        <p:txBody>
+          <a:bodyPr/>
+          <a:lstStyle/>
+          <a:p>
+            <a:fld id="{4B6E503A-4C47-9042-A9ED-0302F2EAC8AD}" type="slidenum">
+              <a:rPr lang="en-US" smtClean="0"/>
+              <a:t>13</a:t>
+            </a:fld>
+            <a:endParaRPr lang="en-US"/>
+          </a:p>
+        </p:txBody>
+      </p:sp>
+    </p:spTree>
+    <p:extLst>
+      <p:ext uri="{BB962C8B-B14F-4D97-AF65-F5344CB8AC3E}">
+        <p14:creationId xmlns:p14="http://schemas.microsoft.com/office/powerpoint/2010/main" val="159293616"/>
+      </p:ext>
+    </p:extLst>
+  </p:cSld>
+  <p:clrMapOvr>
+    <a:masterClrMapping/>
+  </p:clrMapOvr>
+</p:notes>
+</file>
+
+<file path=ppt/notesSlides/notesSlide14.xml><?xml version="1.0" encoding="utf-8"?>
+<p:notes xmlns:a="http://schemas.openxmlformats.org/drawingml/2006/main" xmlns:r="http://schemas.openxmlformats.org/officeDocument/2006/relationships" xmlns:p="http://schemas.openxmlformats.org/presentationml/2006/main">
+  <p:cSld>
+    <p:spTree>
+      <p:nvGrpSpPr>
+        <p:cNvPr id="1" name=""/>
+        <p:cNvGrpSpPr/>
+        <p:nvPr/>
+      </p:nvGrpSpPr>
+      <p:grpSpPr>
+        <a:xfrm>
+          <a:off x="0" y="0"/>
+          <a:ext cx="0" cy="0"/>
+          <a:chOff x="0" y="0"/>
+          <a:chExt cx="0" cy="0"/>
+        </a:xfrm>
+      </p:grpSpPr>
+      <p:sp>
+        <p:nvSpPr>
+          <p:cNvPr id="2" name="Slide Image Placeholder 1"/>
+          <p:cNvSpPr>
+            <a:spLocks noGrp="1" noRot="1" noChangeAspect="1"/>
+          </p:cNvSpPr>
+          <p:nvPr>
+            <p:ph type="sldImg"/>
+          </p:nvPr>
+        </p:nvSpPr>
+        <p:spPr/>
+      </p:sp>
+      <p:sp>
+        <p:nvSpPr>
+          <p:cNvPr id="3" name="Notes Placeholder 2"/>
+          <p:cNvSpPr>
+            <a:spLocks noGrp="1"/>
+          </p:cNvSpPr>
+          <p:nvPr>
+            <p:ph type="body" idx="1"/>
+          </p:nvPr>
+        </p:nvSpPr>
+        <p:spPr/>
+        <p:txBody>
+          <a:bodyPr/>
+          <a:lstStyle/>
+          <a:p>
+            <a:pPr marL="0" marR="0" lvl="0" indent="0" algn="l" defTabSz="914400" rtl="0" eaLnBrk="1" fontAlgn="auto" latinLnBrk="0" hangingPunct="1">
+              <a:lnSpc>
+                <a:spcPct val="100000"/>
+              </a:lnSpc>
+              <a:spcBef>
+                <a:spcPts val="0"/>
+              </a:spcBef>
+              <a:spcAft>
+                <a:spcPts val="0"/>
+              </a:spcAft>
+              <a:buClrTx/>
+              <a:buSzTx/>
+              <a:buFontTx/>
+              <a:buNone/>
+              <a:tabLst/>
+              <a:defRPr/>
+            </a:pPr>
+            <a:r>
+              <a:rPr lang="en-US" sz="1200" b="0" i="0" kern="1200" dirty="0" smtClean="0">
+                <a:solidFill>
+                  <a:schemeClr val="tx1"/>
+                </a:solidFill>
+                <a:effectLst/>
+                <a:latin typeface="+mn-lt"/>
+                <a:ea typeface="+mn-ea"/>
+                <a:cs typeface="+mn-cs"/>
+              </a:rPr>
+              <a:t>Min</a:t>
+            </a:r>
+          </a:p>
+          <a:p>
+            <a:endParaRPr lang="en-US" dirty="0"/>
+          </a:p>
+        </p:txBody>
+      </p:sp>
+      <p:sp>
+        <p:nvSpPr>
+          <p:cNvPr id="4" name="Slide Number Placeholder 3"/>
+          <p:cNvSpPr>
+            <a:spLocks noGrp="1"/>
+          </p:cNvSpPr>
+          <p:nvPr>
+            <p:ph type="sldNum" sz="quarter" idx="10"/>
+          </p:nvPr>
+        </p:nvSpPr>
+        <p:spPr/>
+        <p:txBody>
+          <a:bodyPr/>
+          <a:lstStyle/>
+          <a:p>
+            <a:fld id="{4B6E503A-4C47-9042-A9ED-0302F2EAC8AD}" type="slidenum">
+              <a:rPr lang="en-US" smtClean="0"/>
+              <a:t>14</a:t>
+            </a:fld>
+            <a:endParaRPr lang="en-US"/>
+          </a:p>
+        </p:txBody>
+      </p:sp>
+    </p:spTree>
+    <p:extLst>
+      <p:ext uri="{BB962C8B-B14F-4D97-AF65-F5344CB8AC3E}">
+        <p14:creationId xmlns:p14="http://schemas.microsoft.com/office/powerpoint/2010/main" val="2740513832"/>
+      </p:ext>
+    </p:extLst>
+  </p:cSld>
+  <p:clrMapOvr>
+    <a:masterClrMapping/>
+  </p:clrMapOvr>
+</p:notes>
+</file>
+
+<file path=ppt/notesSlides/notesSlide15.xml><?xml version="1.0" encoding="utf-8"?>
+<p:notes xmlns:a="http://schemas.openxmlformats.org/drawingml/2006/main" xmlns:r="http://schemas.openxmlformats.org/officeDocument/2006/relationships" xmlns:p="http://schemas.openxmlformats.org/presentationml/2006/main">
+  <p:cSld>
+    <p:spTree>
+      <p:nvGrpSpPr>
+        <p:cNvPr id="1" name=""/>
+        <p:cNvGrpSpPr/>
+        <p:nvPr/>
+      </p:nvGrpSpPr>
+      <p:grpSpPr>
+        <a:xfrm>
+          <a:off x="0" y="0"/>
+          <a:ext cx="0" cy="0"/>
+          <a:chOff x="0" y="0"/>
+          <a:chExt cx="0" cy="0"/>
+        </a:xfrm>
+      </p:grpSpPr>
+      <p:sp>
+        <p:nvSpPr>
+          <p:cNvPr id="2" name="Slide Image Placeholder 1"/>
+          <p:cNvSpPr>
+            <a:spLocks noGrp="1" noRot="1" noChangeAspect="1"/>
+          </p:cNvSpPr>
+          <p:nvPr>
+            <p:ph type="sldImg"/>
+          </p:nvPr>
+        </p:nvSpPr>
+        <p:spPr/>
+      </p:sp>
+      <p:sp>
+        <p:nvSpPr>
+          <p:cNvPr id="3" name="Notes Placeholder 2"/>
+          <p:cNvSpPr>
+            <a:spLocks noGrp="1"/>
+          </p:cNvSpPr>
+          <p:nvPr>
+            <p:ph type="body" idx="1"/>
+          </p:nvPr>
+        </p:nvSpPr>
+        <p:spPr/>
+        <p:txBody>
+          <a:bodyPr/>
+          <a:lstStyle/>
+          <a:p>
+            <a:pPr marL="171450" marR="0" lvl="0" indent="-171450" algn="l" defTabSz="914400" rtl="0" eaLnBrk="1" fontAlgn="auto" latinLnBrk="0" hangingPunct="1">
+              <a:lnSpc>
+                <a:spcPct val="100000"/>
+              </a:lnSpc>
+              <a:spcBef>
+                <a:spcPts val="0"/>
+              </a:spcBef>
+              <a:spcAft>
+                <a:spcPts val="0"/>
+              </a:spcAft>
+              <a:buClrTx/>
+              <a:buSzTx/>
+              <a:buFont typeface="Arial" panose="020B0604020202020204" pitchFamily="34" charset="0"/>
+              <a:buChar char="•"/>
+              <a:tabLst/>
+              <a:defRPr/>
+            </a:pPr>
+            <a:r>
+              <a:rPr lang="en-US" sz="1200" b="0" i="0" kern="1200" dirty="0" smtClean="0">
+                <a:solidFill>
+                  <a:schemeClr val="tx1"/>
+                </a:solidFill>
+                <a:effectLst/>
+                <a:latin typeface="+mn-lt"/>
+                <a:ea typeface="+mn-ea"/>
+                <a:cs typeface="+mn-cs"/>
+              </a:rPr>
+              <a:t>Min</a:t>
+            </a:r>
+          </a:p>
+          <a:p>
             <a:pPr marL="171450" indent="-171450">
               <a:buFont typeface="Arial" panose="020B0604020202020204" pitchFamily="34" charset="0"/>
               <a:buChar char="•"/>
             </a:pPr>
+            <a:endParaRPr lang="en-US" baseline="0" dirty="0" smtClean="0"/>
+          </a:p>
+        </p:txBody>
+      </p:sp>
+      <p:sp>
+        <p:nvSpPr>
+          <p:cNvPr id="4" name="Slide Number Placeholder 3"/>
+          <p:cNvSpPr>
+            <a:spLocks noGrp="1"/>
+          </p:cNvSpPr>
+          <p:nvPr>
+            <p:ph type="sldNum" sz="quarter" idx="10"/>
+          </p:nvPr>
+        </p:nvSpPr>
+        <p:spPr/>
+        <p:txBody>
+          <a:bodyPr/>
+          <a:lstStyle/>
+          <a:p>
+            <a:fld id="{4B6E503A-4C47-9042-A9ED-0302F2EAC8AD}" type="slidenum">
+              <a:rPr lang="en-US" smtClean="0"/>
+              <a:t>15</a:t>
+            </a:fld>
+            <a:endParaRPr lang="en-US"/>
+          </a:p>
+        </p:txBody>
+      </p:sp>
+    </p:spTree>
+    <p:extLst>
+      <p:ext uri="{BB962C8B-B14F-4D97-AF65-F5344CB8AC3E}">
+        <p14:creationId xmlns:p14="http://schemas.microsoft.com/office/powerpoint/2010/main" val="1512619474"/>
+      </p:ext>
+    </p:extLst>
+  </p:cSld>
+  <p:clrMapOvr>
+    <a:masterClrMapping/>
+  </p:clrMapOvr>
+</p:notes>
+</file>
+
+<file path=ppt/notesSlides/notesSlide16.xml><?xml version="1.0" encoding="utf-8"?>
+<p:notes xmlns:a="http://schemas.openxmlformats.org/drawingml/2006/main" xmlns:r="http://schemas.openxmlformats.org/officeDocument/2006/relationships" xmlns:p="http://schemas.openxmlformats.org/presentationml/2006/main">
+  <p:cSld>
+    <p:spTree>
+      <p:nvGrpSpPr>
+        <p:cNvPr id="1" name=""/>
+        <p:cNvGrpSpPr/>
+        <p:nvPr/>
+      </p:nvGrpSpPr>
+      <p:grpSpPr>
+        <a:xfrm>
+          <a:off x="0" y="0"/>
+          <a:ext cx="0" cy="0"/>
+          <a:chOff x="0" y="0"/>
+          <a:chExt cx="0" cy="0"/>
+        </a:xfrm>
+      </p:grpSpPr>
+      <p:sp>
+        <p:nvSpPr>
+          <p:cNvPr id="2" name="Slide Image Placeholder 1"/>
+          <p:cNvSpPr>
+            <a:spLocks noGrp="1" noRot="1" noChangeAspect="1"/>
+          </p:cNvSpPr>
+          <p:nvPr>
+            <p:ph type="sldImg"/>
+          </p:nvPr>
+        </p:nvSpPr>
+        <p:spPr/>
+      </p:sp>
+      <p:sp>
+        <p:nvSpPr>
+          <p:cNvPr id="3" name="Notes Placeholder 2"/>
+          <p:cNvSpPr>
+            <a:spLocks noGrp="1"/>
+          </p:cNvSpPr>
+          <p:nvPr>
+            <p:ph type="body" idx="1"/>
+          </p:nvPr>
+        </p:nvSpPr>
+        <p:spPr/>
+        <p:txBody>
+          <a:bodyPr/>
+          <a:lstStyle/>
+          <a:p>
+            <a:pPr marL="0" indent="0">
+              <a:buFont typeface="Arial" panose="020B0604020202020204" pitchFamily="34" charset="0"/>
+              <a:buNone/>
+            </a:pPr>
+            <a:r>
+              <a:rPr lang="en-US" baseline="0" dirty="0" smtClean="0"/>
+              <a:t>All</a:t>
+            </a:r>
             <a:endParaRPr lang="en-US" baseline="0" dirty="0" smtClean="0"/>
           </a:p>
         </p:txBody>
@@ -1430,14 +1890,29 @@
           <a:bodyPr/>
           <a:lstStyle/>
           <a:p>
+            <a:pPr marL="0" marR="0" lvl="0" indent="0" algn="l" defTabSz="914400" rtl="0" eaLnBrk="1" fontAlgn="auto" latinLnBrk="0" hangingPunct="1">
+              <a:lnSpc>
+                <a:spcPct val="100000"/>
+              </a:lnSpc>
+              <a:spcBef>
+                <a:spcPts val="0"/>
+              </a:spcBef>
+              <a:spcAft>
+                <a:spcPts val="0"/>
+              </a:spcAft>
+              <a:buClrTx/>
+              <a:buSzTx/>
+              <a:buFontTx/>
+              <a:buNone/>
+              <a:tabLst/>
+              <a:defRPr/>
+            </a:pPr>
             <a:r>
               <a:rPr lang="en-US" dirty="0" smtClean="0"/>
-              <a:t>What we are trying to accomplish</a:t>
-            </a:r>
-            <a:r>
-              <a:rPr lang="en-US" baseline="0" dirty="0" smtClean="0"/>
-              <a:t> with this project</a:t>
-            </a:r>
+              <a:t>Christina</a:t>
+            </a:r>
+          </a:p>
+          <a:p>
             <a:endParaRPr lang="en-US" dirty="0"/>
           </a:p>
         </p:txBody>
@@ -1459,7 +1934,7 @@
           <a:p>
             <a:fld id="{4B6E503A-4C47-9042-A9ED-0302F2EAC8AD}" type="slidenum">
               <a:rPr lang="en-US" smtClean="0"/>
-              <a:t>5</a:t>
+              <a:t>2</a:t>
             </a:fld>
             <a:endParaRPr lang="en-US"/>
           </a:p>
@@ -1468,7 +1943,7 @@
     </p:spTree>
     <p:extLst>
       <p:ext uri="{BB962C8B-B14F-4D97-AF65-F5344CB8AC3E}">
-        <p14:creationId xmlns:p14="http://schemas.microsoft.com/office/powerpoint/2010/main" val="723728190"/>
+        <p14:creationId xmlns:p14="http://schemas.microsoft.com/office/powerpoint/2010/main" val="3503573393"/>
       </p:ext>
     </p:extLst>
   </p:cSld>
@@ -1522,54 +1997,29 @@
           <a:bodyPr/>
           <a:lstStyle/>
           <a:p>
+            <a:pPr marL="0" marR="0" lvl="0" indent="0" algn="l" defTabSz="914400" rtl="0" eaLnBrk="1" fontAlgn="auto" latinLnBrk="0" hangingPunct="1">
+              <a:lnSpc>
+                <a:spcPct val="100000"/>
+              </a:lnSpc>
+              <a:spcBef>
+                <a:spcPts val="0"/>
+              </a:spcBef>
+              <a:spcAft>
+                <a:spcPts val="0"/>
+              </a:spcAft>
+              <a:buClrTx/>
+              <a:buSzTx/>
+              <a:buFontTx/>
+              <a:buNone/>
+              <a:tabLst/>
+              <a:defRPr/>
+            </a:pPr>
             <a:r>
               <a:rPr lang="en-US" dirty="0" smtClean="0"/>
-              <a:t>We</a:t>
-            </a:r>
-            <a:r>
-              <a:rPr lang="en-US" baseline="0" dirty="0" smtClean="0"/>
-              <a:t> are building two sets a features</a:t>
-            </a:r>
-          </a:p>
-          <a:p>
-            <a:pPr marL="171450" indent="-171450">
-              <a:buFont typeface="Arial" panose="020B0604020202020204" pitchFamily="34" charset="0"/>
-              <a:buChar char="•"/>
-            </a:pPr>
-            <a:r>
-              <a:rPr lang="en-US" baseline="0" dirty="0" smtClean="0"/>
-              <a:t>One based on we thought be a good set looking at the Data</a:t>
-            </a:r>
-          </a:p>
-          <a:p>
-            <a:pPr marL="171450" indent="-171450">
-              <a:buFont typeface="Arial" panose="020B0604020202020204" pitchFamily="34" charset="0"/>
-              <a:buChar char="•"/>
-            </a:pPr>
-            <a:r>
-              <a:rPr lang="en-US" baseline="0" dirty="0" smtClean="0"/>
-              <a:t>One based on features of importance from random forest</a:t>
-            </a:r>
-          </a:p>
-          <a:p>
-            <a:pPr marL="171450" indent="-171450">
-              <a:buFont typeface="Arial" panose="020B0604020202020204" pitchFamily="34" charset="0"/>
-              <a:buChar char="•"/>
-            </a:pPr>
-            <a:r>
-              <a:rPr lang="en-US" baseline="0" dirty="0" smtClean="0"/>
-              <a:t>Run them through the models</a:t>
-            </a:r>
-          </a:p>
-          <a:p>
-            <a:pPr marL="171450" indent="-171450">
-              <a:buFont typeface="Arial" panose="020B0604020202020204" pitchFamily="34" charset="0"/>
-              <a:buChar char="•"/>
-            </a:pPr>
-            <a:r>
-              <a:rPr lang="en-US" baseline="0" dirty="0" smtClean="0"/>
-              <a:t>Determine which features and model show us the best accuracy</a:t>
-            </a:r>
+              <a:t>Christina</a:t>
+            </a:r>
+          </a:p>
+          <a:p>
             <a:endParaRPr lang="en-US" dirty="0"/>
           </a:p>
         </p:txBody>
@@ -1591,7 +2041,7 @@
           <a:p>
             <a:fld id="{4B6E503A-4C47-9042-A9ED-0302F2EAC8AD}" type="slidenum">
               <a:rPr lang="en-US" smtClean="0"/>
-              <a:t>6</a:t>
+              <a:t>3</a:t>
             </a:fld>
             <a:endParaRPr lang="en-US"/>
           </a:p>
@@ -1600,7 +2050,7 @@
     </p:spTree>
     <p:extLst>
       <p:ext uri="{BB962C8B-B14F-4D97-AF65-F5344CB8AC3E}">
-        <p14:creationId xmlns:p14="http://schemas.microsoft.com/office/powerpoint/2010/main" val="4010392866"/>
+        <p14:creationId xmlns:p14="http://schemas.microsoft.com/office/powerpoint/2010/main" val="2331973469"/>
       </p:ext>
     </p:extLst>
   </p:cSld>
@@ -1654,6 +2104,47 @@
           <a:bodyPr/>
           <a:lstStyle/>
           <a:p>
+            <a:pPr marL="0" marR="0" lvl="0" indent="0" algn="l" defTabSz="914400" rtl="0" eaLnBrk="1" fontAlgn="auto" latinLnBrk="0" hangingPunct="1">
+              <a:lnSpc>
+                <a:spcPct val="100000"/>
+              </a:lnSpc>
+              <a:spcBef>
+                <a:spcPts val="0"/>
+              </a:spcBef>
+              <a:spcAft>
+                <a:spcPts val="0"/>
+              </a:spcAft>
+              <a:buClrTx/>
+              <a:buSzTx/>
+              <a:buFontTx/>
+              <a:buNone/>
+              <a:tabLst/>
+              <a:defRPr/>
+            </a:pPr>
+            <a:r>
+              <a:rPr lang="en-US" dirty="0" smtClean="0"/>
+              <a:t>Christina</a:t>
+            </a:r>
+          </a:p>
+          <a:p>
+            <a:endParaRPr lang="en-US" dirty="0" smtClean="0"/>
+          </a:p>
+          <a:p>
+            <a:endParaRPr lang="en-US" dirty="0" smtClean="0"/>
+          </a:p>
+          <a:p>
+            <a:r>
+              <a:rPr lang="en-US" dirty="0" smtClean="0"/>
+              <a:t>Why</a:t>
+            </a:r>
+            <a:r>
+              <a:rPr lang="en-US" baseline="0" dirty="0" smtClean="0"/>
+              <a:t> </a:t>
+            </a:r>
+            <a:r>
+              <a:rPr lang="en-US" baseline="0" dirty="0" smtClean="0"/>
+              <a:t>we chose the dataset</a:t>
+            </a:r>
             <a:endParaRPr lang="en-US" dirty="0"/>
           </a:p>
         </p:txBody>
@@ -1675,7 +2166,7 @@
           <a:p>
             <a:fld id="{4B6E503A-4C47-9042-A9ED-0302F2EAC8AD}" type="slidenum">
               <a:rPr lang="en-US" smtClean="0"/>
-              <a:t>7</a:t>
+              <a:t>4</a:t>
             </a:fld>
             <a:endParaRPr lang="en-US"/>
           </a:p>
@@ -1684,7 +2175,7 @@
     </p:spTree>
     <p:extLst>
       <p:ext uri="{BB962C8B-B14F-4D97-AF65-F5344CB8AC3E}">
-        <p14:creationId xmlns:p14="http://schemas.microsoft.com/office/powerpoint/2010/main" val="3951460976"/>
+        <p14:creationId xmlns:p14="http://schemas.microsoft.com/office/powerpoint/2010/main" val="4045022"/>
       </p:ext>
     </p:extLst>
   </p:cSld>
@@ -1738,15 +2229,43 @@
           <a:bodyPr/>
           <a:lstStyle/>
           <a:p>
+            <a:pPr marL="0" marR="0" lvl="0" indent="0" algn="l" defTabSz="914400" rtl="0" eaLnBrk="1" fontAlgn="auto" latinLnBrk="0" hangingPunct="1">
+              <a:lnSpc>
+                <a:spcPct val="100000"/>
+              </a:lnSpc>
+              <a:spcBef>
+                <a:spcPts val="0"/>
+              </a:spcBef>
+              <a:spcAft>
+                <a:spcPts val="0"/>
+              </a:spcAft>
+              <a:buClrTx/>
+              <a:buSzTx/>
+              <a:buFontTx/>
+              <a:buNone/>
+              <a:tabLst/>
+              <a:defRPr/>
+            </a:pPr>
             <a:r>
               <a:rPr lang="en-US" dirty="0" smtClean="0"/>
-              <a:t>Go to the website to discuss some of the graphs and data</a:t>
-            </a:r>
+              <a:t>Christina</a:t>
+            </a:r>
+          </a:p>
+          <a:p>
+            <a:endParaRPr lang="en-US" dirty="0" smtClean="0"/>
           </a:p>
           <a:p>
             <a:r>
               <a:rPr lang="en-US" dirty="0" smtClean="0"/>
-              <a:t>Look at some of the features we decided to choose</a:t>
+              <a:t>What </a:t>
+            </a:r>
+            <a:r>
+              <a:rPr lang="en-US" dirty="0" smtClean="0"/>
+              <a:t>we are trying to accomplish</a:t>
+            </a:r>
+            <a:r>
+              <a:rPr lang="en-US" baseline="0" dirty="0" smtClean="0"/>
+              <a:t> with this project</a:t>
             </a:r>
             <a:endParaRPr lang="en-US" dirty="0"/>
           </a:p>
@@ -1769,7 +2288,7 @@
           <a:p>
             <a:fld id="{4B6E503A-4C47-9042-A9ED-0302F2EAC8AD}" type="slidenum">
               <a:rPr lang="en-US" smtClean="0"/>
-              <a:t>8</a:t>
+              <a:t>5</a:t>
             </a:fld>
             <a:endParaRPr lang="en-US"/>
           </a:p>
@@ -1778,7 +2297,7 @@
     </p:spTree>
     <p:extLst>
       <p:ext uri="{BB962C8B-B14F-4D97-AF65-F5344CB8AC3E}">
-        <p14:creationId xmlns:p14="http://schemas.microsoft.com/office/powerpoint/2010/main" val="539367225"/>
+        <p14:creationId xmlns:p14="http://schemas.microsoft.com/office/powerpoint/2010/main" val="723728190"/>
       </p:ext>
     </p:extLst>
   </p:cSld>
@@ -1832,17 +2351,43 @@
           <a:bodyPr/>
           <a:lstStyle/>
           <a:p>
+            <a:pPr marL="0" marR="0" lvl="0" indent="0" algn="l" defTabSz="914400" rtl="0" eaLnBrk="1" fontAlgn="auto" latinLnBrk="0" hangingPunct="1">
+              <a:lnSpc>
+                <a:spcPct val="100000"/>
+              </a:lnSpc>
+              <a:spcBef>
+                <a:spcPts val="0"/>
+              </a:spcBef>
+              <a:spcAft>
+                <a:spcPts val="0"/>
+              </a:spcAft>
+              <a:buClrTx/>
+              <a:buSzTx/>
+              <a:buFontTx/>
+              <a:buNone/>
+              <a:tabLst/>
+              <a:defRPr/>
+            </a:pPr>
             <a:r>
               <a:rPr lang="en-US" dirty="0" smtClean="0"/>
-              <a:t>Go to the </a:t>
-            </a:r>
-            <a:r>
-              <a:rPr lang="en-US" dirty="0" err="1" smtClean="0"/>
-              <a:t>Jupyter</a:t>
+              <a:t>Christina</a:t>
+            </a:r>
+          </a:p>
+          <a:p>
+            <a:endParaRPr lang="en-US" dirty="0" smtClean="0"/>
+          </a:p>
+          <a:p>
+            <a:r>
+              <a:rPr lang="en-US" dirty="0" smtClean="0"/>
+              <a:t>We</a:t>
             </a:r>
             <a:r>
               <a:rPr lang="en-US" baseline="0" dirty="0" smtClean="0"/>
-              <a:t> Notebook</a:t>
+              <a:t> </a:t>
+            </a:r>
+            <a:r>
+              <a:rPr lang="en-US" baseline="0" dirty="0" smtClean="0"/>
+              <a:t>are building two sets a features</a:t>
             </a:r>
           </a:p>
           <a:p>
@@ -1852,7 +2397,7 @@
             </a:pPr>
             <a:r>
               <a:rPr lang="en-US" baseline="0" dirty="0" smtClean="0"/>
-              <a:t>Discuss the decision to use random forest and filling in Nulls with the mean during the cleanup rather than 0</a:t>
+              <a:t>One based on we thought be a good set looking at the Data</a:t>
             </a:r>
           </a:p>
           <a:p>
@@ -1860,6 +2405,30 @@
               <a:buFont typeface="Arial" panose="020B0604020202020204" pitchFamily="34" charset="0"/>
               <a:buChar char="•"/>
             </a:pPr>
+            <a:r>
+              <a:rPr lang="en-US" baseline="0" dirty="0" smtClean="0"/>
+              <a:t>One based on features of importance from random forest</a:t>
+            </a:r>
+          </a:p>
+          <a:p>
+            <a:pPr marL="171450" indent="-171450">
+              <a:buFont typeface="Arial" panose="020B0604020202020204" pitchFamily="34" charset="0"/>
+              <a:buChar char="•"/>
+            </a:pPr>
+            <a:r>
+              <a:rPr lang="en-US" baseline="0" dirty="0" smtClean="0"/>
+              <a:t>Run them through the models</a:t>
+            </a:r>
+          </a:p>
+          <a:p>
+            <a:pPr marL="171450" indent="-171450">
+              <a:buFont typeface="Arial" panose="020B0604020202020204" pitchFamily="34" charset="0"/>
+              <a:buChar char="•"/>
+            </a:pPr>
+            <a:r>
+              <a:rPr lang="en-US" baseline="0" dirty="0" smtClean="0"/>
+              <a:t>Determine which features and model show us the best accuracy</a:t>
+            </a:r>
             <a:endParaRPr lang="en-US" dirty="0"/>
           </a:p>
         </p:txBody>
@@ -1881,7 +2450,7 @@
           <a:p>
             <a:fld id="{4B6E503A-4C47-9042-A9ED-0302F2EAC8AD}" type="slidenum">
               <a:rPr lang="en-US" smtClean="0"/>
-              <a:t>9</a:t>
+              <a:t>6</a:t>
             </a:fld>
             <a:endParaRPr lang="en-US"/>
           </a:p>
@@ -1890,7 +2459,7 @@
     </p:spTree>
     <p:extLst>
       <p:ext uri="{BB962C8B-B14F-4D97-AF65-F5344CB8AC3E}">
-        <p14:creationId xmlns:p14="http://schemas.microsoft.com/office/powerpoint/2010/main" val="223857605"/>
+        <p14:creationId xmlns:p14="http://schemas.microsoft.com/office/powerpoint/2010/main" val="4010392866"/>
       </p:ext>
     </p:extLst>
   </p:cSld>
@@ -1946,11 +2515,7 @@
           <a:p>
             <a:r>
               <a:rPr lang="en-US" dirty="0" smtClean="0"/>
-              <a:t>The features</a:t>
-            </a:r>
-            <a:r>
-              <a:rPr lang="en-US" baseline="0" dirty="0" smtClean="0"/>
-              <a:t> we chose based on the data and knowledge of the dataset</a:t>
+              <a:t>Jordan</a:t>
             </a:r>
             <a:endParaRPr lang="en-US" dirty="0"/>
           </a:p>
@@ -1973,7 +2538,7 @@
           <a:p>
             <a:fld id="{4B6E503A-4C47-9042-A9ED-0302F2EAC8AD}" type="slidenum">
               <a:rPr lang="en-US" smtClean="0"/>
-              <a:t>10</a:t>
+              <a:t>7</a:t>
             </a:fld>
             <a:endParaRPr lang="en-US"/>
           </a:p>
@@ -1982,7 +2547,7 @@
     </p:spTree>
     <p:extLst>
       <p:ext uri="{BB962C8B-B14F-4D97-AF65-F5344CB8AC3E}">
-        <p14:creationId xmlns:p14="http://schemas.microsoft.com/office/powerpoint/2010/main" val="3780113541"/>
+        <p14:creationId xmlns:p14="http://schemas.microsoft.com/office/powerpoint/2010/main" val="3951460976"/>
       </p:ext>
     </p:extLst>
   </p:cSld>
@@ -2036,17 +2601,48 @@
           <a:bodyPr/>
           <a:lstStyle/>
           <a:p>
+            <a:pPr marL="0" marR="0" lvl="0" indent="0" algn="l" defTabSz="914400" rtl="0" eaLnBrk="1" fontAlgn="auto" latinLnBrk="0" hangingPunct="1">
+              <a:lnSpc>
+                <a:spcPct val="100000"/>
+              </a:lnSpc>
+              <a:spcBef>
+                <a:spcPts val="0"/>
+              </a:spcBef>
+              <a:spcAft>
+                <a:spcPts val="0"/>
+              </a:spcAft>
+              <a:buClrTx/>
+              <a:buSzTx/>
+              <a:buFontTx/>
+              <a:buNone/>
+              <a:tabLst/>
+              <a:defRPr/>
+            </a:pPr>
             <a:r>
               <a:rPr lang="en-US" dirty="0" smtClean="0"/>
-              <a:t>The</a:t>
-            </a:r>
-            <a:r>
-              <a:rPr lang="en-US" baseline="0" dirty="0" smtClean="0"/>
-              <a:t> Feature Set chosen by random </a:t>
-            </a:r>
-            <a:r>
-              <a:rPr lang="en-US" baseline="0" dirty="0" err="1" smtClean="0"/>
-              <a:t>forrest</a:t>
+              <a:t>Jordan</a:t>
+            </a:r>
+          </a:p>
+          <a:p>
+            <a:endParaRPr lang="en-US" dirty="0" smtClean="0"/>
+          </a:p>
+          <a:p>
+            <a:endParaRPr lang="en-US" dirty="0" smtClean="0"/>
+          </a:p>
+          <a:p>
+            <a:r>
+              <a:rPr lang="en-US" dirty="0" smtClean="0"/>
+              <a:t>Go </a:t>
+            </a:r>
+            <a:r>
+              <a:rPr lang="en-US" dirty="0" smtClean="0"/>
+              <a:t>to the website to discuss some of the graphs and data</a:t>
+            </a:r>
+          </a:p>
+          <a:p>
+            <a:r>
+              <a:rPr lang="en-US" dirty="0" smtClean="0"/>
+              <a:t>Look at some of the features we decided to choose</a:t>
             </a:r>
             <a:endParaRPr lang="en-US" dirty="0"/>
           </a:p>
@@ -2069,7 +2665,7 @@
           <a:p>
             <a:fld id="{4B6E503A-4C47-9042-A9ED-0302F2EAC8AD}" type="slidenum">
               <a:rPr lang="en-US" smtClean="0"/>
-              <a:t>11</a:t>
+              <a:t>8</a:t>
             </a:fld>
             <a:endParaRPr lang="en-US"/>
           </a:p>
@@ -2078,7 +2674,7 @@
     </p:spTree>
     <p:extLst>
       <p:ext uri="{BB962C8B-B14F-4D97-AF65-F5344CB8AC3E}">
-        <p14:creationId xmlns:p14="http://schemas.microsoft.com/office/powerpoint/2010/main" val="2136926032"/>
+        <p14:creationId xmlns:p14="http://schemas.microsoft.com/office/powerpoint/2010/main" val="539367225"/>
       </p:ext>
     </p:extLst>
   </p:cSld>
@@ -2132,13 +2728,40 @@
           <a:bodyPr/>
           <a:lstStyle/>
           <a:p>
+            <a:r>
+              <a:rPr lang="en-US" dirty="0" smtClean="0"/>
+              <a:t>Nick</a:t>
+            </a:r>
+          </a:p>
+          <a:p>
+            <a:endParaRPr lang="en-US" dirty="0" smtClean="0"/>
+          </a:p>
+          <a:p>
+            <a:r>
+              <a:rPr lang="en-US" dirty="0" smtClean="0"/>
+              <a:t>Go </a:t>
+            </a:r>
+            <a:r>
+              <a:rPr lang="en-US" dirty="0" smtClean="0"/>
+              <a:t>to the </a:t>
+            </a:r>
+            <a:r>
+              <a:rPr lang="en-US" dirty="0" err="1" smtClean="0"/>
+              <a:t>Jupyter</a:t>
+            </a:r>
+            <a:r>
+              <a:rPr lang="en-US" baseline="0" dirty="0" smtClean="0"/>
+              <a:t> Notebook</a:t>
+            </a:r>
+          </a:p>
+          <a:p>
             <a:pPr marL="171450" indent="-171450">
               <a:buFont typeface="Arial" panose="020B0604020202020204" pitchFamily="34" charset="0"/>
               <a:buChar char="•"/>
             </a:pPr>
             <a:r>
               <a:rPr lang="en-US" baseline="0" dirty="0" smtClean="0"/>
-              <a:t>Discuss the models we chose</a:t>
+              <a:t>Discuss the decision to use random forest and filling in Nulls with the mean during the cleanup rather than 0</a:t>
             </a:r>
           </a:p>
           <a:p>
@@ -2146,20 +2769,7 @@
               <a:buFont typeface="Arial" panose="020B0604020202020204" pitchFamily="34" charset="0"/>
               <a:buChar char="•"/>
             </a:pPr>
-            <a:r>
-              <a:rPr lang="en-US" baseline="0" dirty="0" smtClean="0"/>
-              <a:t>Why we chose these models</a:t>
-            </a:r>
-          </a:p>
-          <a:p>
-            <a:pPr marL="171450" indent="-171450">
-              <a:buFont typeface="Arial" panose="020B0604020202020204" pitchFamily="34" charset="0"/>
-              <a:buChar char="•"/>
-            </a:pPr>
-            <a:r>
-              <a:rPr lang="en-US" baseline="0" dirty="0" smtClean="0"/>
-              <a:t>What we did</a:t>
-            </a:r>
+            <a:endParaRPr lang="en-US" dirty="0"/>
           </a:p>
         </p:txBody>
       </p:sp>
@@ -2180,7 +2790,7 @@
           <a:p>
             <a:fld id="{4B6E503A-4C47-9042-A9ED-0302F2EAC8AD}" type="slidenum">
               <a:rPr lang="en-US" smtClean="0"/>
-              <a:t>12</a:t>
+              <a:t>9</a:t>
             </a:fld>
             <a:endParaRPr lang="en-US"/>
           </a:p>
@@ -2189,7 +2799,7 @@
     </p:spTree>
     <p:extLst>
       <p:ext uri="{BB962C8B-B14F-4D97-AF65-F5344CB8AC3E}">
-        <p14:creationId xmlns:p14="http://schemas.microsoft.com/office/powerpoint/2010/main" val="3900542700"/>
+        <p14:creationId xmlns:p14="http://schemas.microsoft.com/office/powerpoint/2010/main" val="223857605"/>
       </p:ext>
     </p:extLst>
   </p:cSld>
@@ -2346,7 +2956,7 @@
           <a:p>
             <a:fld id="{606BA9FF-F087-5E4E-8AD9-D0111DCFFBDD}" type="datetimeFigureOut">
               <a:rPr lang="en-US" smtClean="0"/>
-              <a:t>4/25/2021</a:t>
+              <a:t>4/26/2021</a:t>
             </a:fld>
             <a:endParaRPr lang="en-US"/>
           </a:p>
@@ -2544,7 +3154,7 @@
           <a:p>
             <a:fld id="{606BA9FF-F087-5E4E-8AD9-D0111DCFFBDD}" type="datetimeFigureOut">
               <a:rPr lang="en-US" smtClean="0"/>
-              <a:t>4/25/2021</a:t>
+              <a:t>4/26/2021</a:t>
             </a:fld>
             <a:endParaRPr lang="en-US"/>
           </a:p>
@@ -2752,7 +3362,7 @@
           <a:p>
             <a:fld id="{606BA9FF-F087-5E4E-8AD9-D0111DCFFBDD}" type="datetimeFigureOut">
               <a:rPr lang="en-US" smtClean="0"/>
-              <a:t>4/25/2021</a:t>
+              <a:t>4/26/2021</a:t>
             </a:fld>
             <a:endParaRPr lang="en-US"/>
           </a:p>
@@ -2950,7 +3560,7 @@
           <a:p>
             <a:fld id="{606BA9FF-F087-5E4E-8AD9-D0111DCFFBDD}" type="datetimeFigureOut">
               <a:rPr lang="en-US" smtClean="0"/>
-              <a:t>4/25/2021</a:t>
+              <a:t>4/26/2021</a:t>
             </a:fld>
             <a:endParaRPr lang="en-US"/>
           </a:p>
@@ -3225,7 +3835,7 @@
           <a:p>
             <a:fld id="{606BA9FF-F087-5E4E-8AD9-D0111DCFFBDD}" type="datetimeFigureOut">
               <a:rPr lang="en-US" smtClean="0"/>
-              <a:t>4/25/2021</a:t>
+              <a:t>4/26/2021</a:t>
             </a:fld>
             <a:endParaRPr lang="en-US"/>
           </a:p>
@@ -3490,7 +4100,7 @@
           <a:p>
             <a:fld id="{606BA9FF-F087-5E4E-8AD9-D0111DCFFBDD}" type="datetimeFigureOut">
               <a:rPr lang="en-US" smtClean="0"/>
-              <a:t>4/25/2021</a:t>
+              <a:t>4/26/2021</a:t>
             </a:fld>
             <a:endParaRPr lang="en-US"/>
           </a:p>
@@ -3902,7 +4512,7 @@
           <a:p>
             <a:fld id="{606BA9FF-F087-5E4E-8AD9-D0111DCFFBDD}" type="datetimeFigureOut">
               <a:rPr lang="en-US" smtClean="0"/>
-              <a:t>4/25/2021</a:t>
+              <a:t>4/26/2021</a:t>
             </a:fld>
             <a:endParaRPr lang="en-US"/>
           </a:p>
@@ -4043,7 +4653,7 @@
           <a:p>
             <a:fld id="{606BA9FF-F087-5E4E-8AD9-D0111DCFFBDD}" type="datetimeFigureOut">
               <a:rPr lang="en-US" smtClean="0"/>
-              <a:t>4/25/2021</a:t>
+              <a:t>4/26/2021</a:t>
             </a:fld>
             <a:endParaRPr lang="en-US"/>
           </a:p>
@@ -4156,7 +4766,7 @@
           <a:p>
             <a:fld id="{606BA9FF-F087-5E4E-8AD9-D0111DCFFBDD}" type="datetimeFigureOut">
               <a:rPr lang="en-US" smtClean="0"/>
-              <a:t>4/25/2021</a:t>
+              <a:t>4/26/2021</a:t>
             </a:fld>
             <a:endParaRPr lang="en-US"/>
           </a:p>
@@ -4467,7 +5077,7 @@
           <a:p>
             <a:fld id="{606BA9FF-F087-5E4E-8AD9-D0111DCFFBDD}" type="datetimeFigureOut">
               <a:rPr lang="en-US" smtClean="0"/>
-              <a:t>4/25/2021</a:t>
+              <a:t>4/26/2021</a:t>
             </a:fld>
             <a:endParaRPr lang="en-US"/>
           </a:p>
@@ -4755,7 +5365,7 @@
           <a:p>
             <a:fld id="{606BA9FF-F087-5E4E-8AD9-D0111DCFFBDD}" type="datetimeFigureOut">
               <a:rPr lang="en-US" smtClean="0"/>
-              <a:t>4/25/2021</a:t>
+              <a:t>4/26/2021</a:t>
             </a:fld>
             <a:endParaRPr lang="en-US"/>
           </a:p>
@@ -4996,7 +5606,7 @@
           <a:p>
             <a:fld id="{606BA9FF-F087-5E4E-8AD9-D0111DCFFBDD}" type="datetimeFigureOut">
               <a:rPr lang="en-US" smtClean="0"/>
-              <a:t>4/25/2021</a:t>
+              <a:t>4/26/2021</a:t>
             </a:fld>
             <a:endParaRPr lang="en-US"/>
           </a:p>
@@ -5436,7 +6046,7 @@
           <p:nvPr/>
         </p:nvPicPr>
         <p:blipFill rotWithShape="1">
-          <a:blip r:embed="rId2">
+          <a:blip r:embed="rId3">
             <a:alphaModFix amt="35000"/>
           </a:blip>
           <a:srcRect b="15730"/>
@@ -11913,7 +12523,7 @@
     <p:bg>
       <p:bgPr>
         <a:blipFill dpi="0" rotWithShape="1">
-          <a:blip r:embed="rId2">
+          <a:blip r:embed="rId3">
             <a:lum/>
           </a:blip>
           <a:srcRect/>
@@ -12094,7 +12704,7 @@
     <p:bg>
       <p:bgPr>
         <a:blipFill dpi="0" rotWithShape="1">
-          <a:blip r:embed="rId2">
+          <a:blip r:embed="rId3">
             <a:lum/>
           </a:blip>
           <a:srcRect/>
@@ -12527,7 +13137,31 @@
                   <a:schemeClr val="bg1"/>
                 </a:solidFill>
               </a:rPr>
-              <a:t>Based on a set of features, determine which fighter will win</a:t>
+              <a:t>Based on a set of features, </a:t>
+            </a:r>
+            <a:r>
+              <a:rPr lang="en-US" dirty="0" smtClean="0">
+                <a:solidFill>
+                  <a:schemeClr val="bg1"/>
+                </a:solidFill>
+              </a:rPr>
+              <a:t>pr</a:t>
+            </a:r>
+            <a:r>
+              <a:rPr lang="en-US" dirty="0" smtClean="0">
+                <a:solidFill>
+                  <a:schemeClr val="bg1"/>
+                </a:solidFill>
+              </a:rPr>
+              <a:t>edict </a:t>
+            </a:r>
+            <a:r>
+              <a:rPr lang="en-US" dirty="0" smtClean="0">
+                <a:solidFill>
+                  <a:schemeClr val="bg1"/>
+                </a:solidFill>
+              </a:rPr>
+              <a:t>which fighter will win</a:t>
             </a:r>
           </a:p>
           <a:p>

--- a/ufc.pptx
+++ b/ufc.pptx
@@ -5,7 +5,7 @@
     <p:sldMasterId id="2147483648" r:id="rId1"/>
   </p:sldMasterIdLst>
   <p:notesMasterIdLst>
-    <p:notesMasterId r:id="rId22"/>
+    <p:notesMasterId r:id="rId20"/>
   </p:notesMasterIdLst>
   <p:sldIdLst>
     <p:sldId id="258" r:id="rId2"/>
@@ -20,14 +20,12 @@
     <p:sldId id="270" r:id="rId11"/>
     <p:sldId id="271" r:id="rId12"/>
     <p:sldId id="272" r:id="rId13"/>
-    <p:sldId id="273" r:id="rId14"/>
-    <p:sldId id="274" r:id="rId15"/>
-    <p:sldId id="277" r:id="rId16"/>
-    <p:sldId id="278" r:id="rId17"/>
-    <p:sldId id="279" r:id="rId18"/>
-    <p:sldId id="280" r:id="rId19"/>
-    <p:sldId id="281" r:id="rId20"/>
-    <p:sldId id="276" r:id="rId21"/>
+    <p:sldId id="277" r:id="rId14"/>
+    <p:sldId id="278" r:id="rId15"/>
+    <p:sldId id="279" r:id="rId16"/>
+    <p:sldId id="280" r:id="rId17"/>
+    <p:sldId id="281" r:id="rId18"/>
+    <p:sldId id="276" r:id="rId19"/>
   </p:sldIdLst>
   <p:sldSz cx="12192000" cy="6858000"/>
   <p:notesSz cx="6858000" cy="9144000"/>
@@ -968,34 +966,7 @@
           <a:p>
             <a:pPr fontAlgn="base"/>
             <a:r>
-              <a:rPr lang="en-US" sz="1200" b="0" i="0" kern="1200" dirty="0" smtClean="0">
-                <a:solidFill>
-                  <a:schemeClr val="tx1"/>
-                </a:solidFill>
-                <a:effectLst/>
-                <a:latin typeface="+mn-lt"/>
-                <a:ea typeface="+mn-ea"/>
-                <a:cs typeface="+mn-cs"/>
-              </a:rPr>
-              <a:t>Min</a:t>
-            </a:r>
-          </a:p>
-          <a:p>
-            <a:pPr fontAlgn="base"/>
-            <a:endParaRPr lang="en-US" sz="1200" b="0" i="0" kern="1200" dirty="0" smtClean="0">
-              <a:solidFill>
-                <a:schemeClr val="tx1"/>
-              </a:solidFill>
-              <a:effectLst/>
-              <a:latin typeface="+mn-lt"/>
-              <a:ea typeface="+mn-ea"/>
-              <a:cs typeface="+mn-cs"/>
-            </a:endParaRPr>
-          </a:p>
-          <a:p>
-            <a:pPr fontAlgn="base"/>
-            <a:r>
-              <a:rPr lang="en-US" sz="1200" b="0" i="0" kern="1200" dirty="0" smtClean="0">
+              <a:rPr lang="en-US" sz="1200" b="0" i="0" kern="1200" dirty="0">
                 <a:solidFill>
                   <a:schemeClr val="tx1"/>
                 </a:solidFill>
@@ -1010,7 +981,7 @@
           <a:p>
             <a:pPr fontAlgn="base"/>
             <a:r>
-              <a:rPr lang="en-US" sz="1200" b="1" i="0" kern="1200" dirty="0" smtClean="0">
+              <a:rPr lang="en-US" sz="1200" b="1" i="0" kern="1200" dirty="0">
                 <a:solidFill>
                   <a:schemeClr val="tx1"/>
                 </a:solidFill>
@@ -1022,7 +993,7 @@
               <a:t>TN / True Negative: </a:t>
             </a:r>
             <a:r>
-              <a:rPr lang="en-US" sz="1200" b="0" i="0" kern="1200" dirty="0" smtClean="0">
+              <a:rPr lang="en-US" sz="1200" b="0" i="0" kern="1200" dirty="0">
                 <a:solidFill>
                   <a:schemeClr val="tx1"/>
                 </a:solidFill>
@@ -1037,7 +1008,7 @@
           <a:p>
             <a:pPr fontAlgn="base"/>
             <a:r>
-              <a:rPr lang="en-US" sz="1200" b="1" i="0" kern="1200" dirty="0" smtClean="0">
+              <a:rPr lang="en-US" sz="1200" b="1" i="0" kern="1200" dirty="0">
                 <a:solidFill>
                   <a:schemeClr val="tx1"/>
                 </a:solidFill>
@@ -1049,7 +1020,7 @@
               <a:t>TP / True Positive: </a:t>
             </a:r>
             <a:r>
-              <a:rPr lang="en-US" sz="1200" b="0" i="0" kern="1200" dirty="0" smtClean="0">
+              <a:rPr lang="en-US" sz="1200" b="0" i="0" kern="1200" dirty="0">
                 <a:solidFill>
                   <a:schemeClr val="tx1"/>
                 </a:solidFill>
@@ -1064,7 +1035,7 @@
           <a:p>
             <a:pPr fontAlgn="base"/>
             <a:r>
-              <a:rPr lang="en-US" sz="1200" b="1" i="0" kern="1200" dirty="0" smtClean="0">
+              <a:rPr lang="en-US" sz="1200" b="1" i="0" kern="1200" dirty="0">
                 <a:solidFill>
                   <a:schemeClr val="tx1"/>
                 </a:solidFill>
@@ -1076,7 +1047,7 @@
               <a:t>FN / False Negative: </a:t>
             </a:r>
             <a:r>
-              <a:rPr lang="en-US" sz="1200" b="0" i="0" kern="1200" dirty="0" smtClean="0">
+              <a:rPr lang="en-US" sz="1200" b="0" i="0" kern="1200" dirty="0">
                 <a:solidFill>
                   <a:schemeClr val="tx1"/>
                 </a:solidFill>
@@ -1091,7 +1062,7 @@
           <a:p>
             <a:pPr fontAlgn="base"/>
             <a:r>
-              <a:rPr lang="en-US" sz="1200" b="1" i="0" kern="1200" dirty="0" smtClean="0">
+              <a:rPr lang="en-US" sz="1200" b="1" i="0" kern="1200" dirty="0">
                 <a:solidFill>
                   <a:schemeClr val="tx1"/>
                 </a:solidFill>
@@ -1103,7 +1074,7 @@
               <a:t>FP / False Positive: </a:t>
             </a:r>
             <a:r>
-              <a:rPr lang="en-US" sz="1200" b="0" i="0" kern="1200" dirty="0" smtClean="0">
+              <a:rPr lang="en-US" sz="1200" b="0" i="0" kern="1200" dirty="0">
                 <a:solidFill>
                   <a:schemeClr val="tx1"/>
                 </a:solidFill>
@@ -1116,15 +1087,15 @@
             </a:r>
           </a:p>
           <a:p>
-            <a:endParaRPr lang="en-US" dirty="0" smtClean="0"/>
-          </a:p>
-          <a:p>
-            <a:endParaRPr lang="en-US" dirty="0" smtClean="0"/>
+            <a:endParaRPr lang="en-US" dirty="0"/>
+          </a:p>
+          <a:p>
+            <a:endParaRPr lang="en-US" dirty="0"/>
           </a:p>
           <a:p>
             <a:pPr fontAlgn="base"/>
             <a:r>
-              <a:rPr lang="en-US" sz="1200" b="1" i="0" kern="1200" dirty="0" smtClean="0">
+              <a:rPr lang="en-US" sz="1200" b="1" i="0" kern="1200" dirty="0">
                 <a:solidFill>
                   <a:schemeClr val="tx1"/>
                 </a:solidFill>
@@ -1139,7 +1110,7 @@
           <a:p>
             <a:pPr fontAlgn="base"/>
             <a:r>
-              <a:rPr lang="en-US" sz="1200" b="0" i="0" kern="1200" dirty="0" smtClean="0">
+              <a:rPr lang="en-US" sz="1200" b="0" i="0" kern="1200" dirty="0">
                 <a:solidFill>
                   <a:schemeClr val="tx1"/>
                 </a:solidFill>
@@ -1154,7 +1125,7 @@
           <a:p>
             <a:pPr fontAlgn="base"/>
             <a:r>
-              <a:rPr lang="en-US" sz="1200" b="1" i="0" kern="1200" dirty="0" smtClean="0">
+              <a:rPr lang="en-US" sz="1200" b="1" i="0" kern="1200" dirty="0">
                 <a:solidFill>
                   <a:schemeClr val="tx1"/>
                 </a:solidFill>
@@ -1166,7 +1137,7 @@
               <a:t>TP – True Positives</a:t>
             </a:r>
             <a:r>
-              <a:rPr lang="en-US" sz="1200" b="0" i="0" kern="1200" dirty="0" smtClean="0">
+              <a:rPr lang="en-US" sz="1200" b="0" i="0" kern="1200" dirty="0">
                 <a:solidFill>
                   <a:schemeClr val="tx1"/>
                 </a:solidFill>
@@ -1178,7 +1149,7 @@
               <a:t/>
             </a:r>
             <a:br>
-              <a:rPr lang="en-US" sz="1200" b="0" i="0" kern="1200" dirty="0" smtClean="0">
+              <a:rPr lang="en-US" sz="1200" b="0" i="0" kern="1200" dirty="0">
                 <a:solidFill>
                   <a:schemeClr val="tx1"/>
                 </a:solidFill>
@@ -1189,7 +1160,7 @@
               </a:rPr>
             </a:br>
             <a:r>
-              <a:rPr lang="en-US" sz="1200" b="1" i="0" kern="1200" dirty="0" smtClean="0">
+              <a:rPr lang="en-US" sz="1200" b="1" i="0" kern="1200" dirty="0">
                 <a:solidFill>
                   <a:schemeClr val="tx1"/>
                 </a:solidFill>
@@ -1200,7 +1171,7 @@
               </a:rPr>
               <a:t>FP – False Positives</a:t>
             </a:r>
-            <a:endParaRPr lang="en-US" sz="1200" b="0" i="0" kern="1200" dirty="0" smtClean="0">
+            <a:endParaRPr lang="en-US" sz="1200" b="0" i="0" kern="1200" dirty="0">
               <a:solidFill>
                 <a:schemeClr val="tx1"/>
               </a:solidFill>
@@ -1213,7 +1184,7 @@
           <a:p>
             <a:pPr fontAlgn="base"/>
             <a:r>
-              <a:rPr lang="en-US" sz="1200" b="0" i="0" kern="1200" dirty="0" smtClean="0">
+              <a:rPr lang="en-US" sz="1200" b="0" i="0" kern="1200" dirty="0">
                 <a:solidFill>
                   <a:schemeClr val="tx1"/>
                 </a:solidFill>
@@ -1225,7 +1196,7 @@
               <a:t>Precision – Accuracy of positive predictions.</a:t>
             </a:r>
             <a:br>
-              <a:rPr lang="en-US" sz="1200" b="0" i="0" kern="1200" dirty="0" smtClean="0">
+              <a:rPr lang="en-US" sz="1200" b="0" i="0" kern="1200" dirty="0">
                 <a:solidFill>
                   <a:schemeClr val="tx1"/>
                 </a:solidFill>
@@ -1236,7 +1207,7 @@
               </a:rPr>
             </a:br>
             <a:r>
-              <a:rPr lang="en-US" sz="1200" b="0" i="0" kern="1200" dirty="0" smtClean="0">
+              <a:rPr lang="en-US" sz="1200" b="0" i="0" kern="1200" dirty="0">
                 <a:solidFill>
                   <a:schemeClr val="tx1"/>
                 </a:solidFill>
@@ -1249,12 +1220,12 @@
             </a:r>
           </a:p>
           <a:p>
-            <a:endParaRPr lang="en-US" dirty="0" smtClean="0"/>
+            <a:endParaRPr lang="en-US" dirty="0"/>
           </a:p>
           <a:p>
             <a:pPr fontAlgn="base"/>
             <a:r>
-              <a:rPr lang="en-US" sz="1200" b="1" i="0" kern="1200" dirty="0" smtClean="0">
+              <a:rPr lang="en-US" sz="1200" b="1" i="0" kern="1200" dirty="0">
                 <a:solidFill>
                   <a:schemeClr val="tx1"/>
                 </a:solidFill>
@@ -1269,7 +1240,7 @@
           <a:p>
             <a:pPr fontAlgn="base"/>
             <a:r>
-              <a:rPr lang="en-US" sz="1200" b="0" i="0" kern="1200" dirty="0" smtClean="0">
+              <a:rPr lang="en-US" sz="1200" b="0" i="0" kern="1200" dirty="0">
                 <a:solidFill>
                   <a:schemeClr val="tx1"/>
                 </a:solidFill>
@@ -1284,7 +1255,7 @@
           <a:p>
             <a:pPr fontAlgn="base"/>
             <a:r>
-              <a:rPr lang="en-US" sz="1200" b="1" i="0" kern="1200" dirty="0" smtClean="0">
+              <a:rPr lang="en-US" sz="1200" b="1" i="0" kern="1200" dirty="0">
                 <a:solidFill>
                   <a:schemeClr val="tx1"/>
                 </a:solidFill>
@@ -1295,7 +1266,7 @@
               </a:rPr>
               <a:t>FN – False Negatives</a:t>
             </a:r>
-            <a:endParaRPr lang="en-US" sz="1200" b="0" i="0" kern="1200" dirty="0" smtClean="0">
+            <a:endParaRPr lang="en-US" sz="1200" b="0" i="0" kern="1200" dirty="0">
               <a:solidFill>
                 <a:schemeClr val="tx1"/>
               </a:solidFill>
@@ -1308,7 +1279,7 @@
           <a:p>
             <a:pPr fontAlgn="base"/>
             <a:r>
-              <a:rPr lang="en-US" sz="1200" b="0" i="0" kern="1200" dirty="0" smtClean="0">
+              <a:rPr lang="en-US" sz="1200" b="0" i="0" kern="1200" dirty="0">
                 <a:solidFill>
                   <a:schemeClr val="tx1"/>
                 </a:solidFill>
@@ -1320,7 +1291,7 @@
               <a:t>Recall: Fraction of positives that were correctly identified.</a:t>
             </a:r>
             <a:br>
-              <a:rPr lang="en-US" sz="1200" b="0" i="0" kern="1200" dirty="0" smtClean="0">
+              <a:rPr lang="en-US" sz="1200" b="0" i="0" kern="1200" dirty="0">
                 <a:solidFill>
                   <a:schemeClr val="tx1"/>
                 </a:solidFill>
@@ -1331,7 +1302,7 @@
               </a:rPr>
             </a:br>
             <a:r>
-              <a:rPr lang="en-US" sz="1200" b="0" i="0" kern="1200" dirty="0" smtClean="0">
+              <a:rPr lang="en-US" sz="1200" b="0" i="0" kern="1200" dirty="0">
                 <a:solidFill>
                   <a:schemeClr val="tx1"/>
                 </a:solidFill>
@@ -1344,12 +1315,12 @@
             </a:r>
           </a:p>
           <a:p>
-            <a:endParaRPr lang="en-US" dirty="0" smtClean="0"/>
+            <a:endParaRPr lang="en-US" dirty="0"/>
           </a:p>
           <a:p>
             <a:pPr fontAlgn="base"/>
             <a:r>
-              <a:rPr lang="en-US" sz="1200" b="1" i="0" kern="1200" dirty="0" smtClean="0">
+              <a:rPr lang="en-US" sz="1200" b="1" i="0" kern="1200" dirty="0">
                 <a:solidFill>
                   <a:schemeClr val="tx1"/>
                 </a:solidFill>
@@ -1364,7 +1335,7 @@
           <a:p>
             <a:pPr fontAlgn="base"/>
             <a:r>
-              <a:rPr lang="en-US" sz="1200" b="0" i="0" kern="1200" dirty="0" smtClean="0">
+              <a:rPr lang="en-US" sz="1200" b="0" i="0" kern="1200" dirty="0">
                 <a:solidFill>
                   <a:schemeClr val="tx1"/>
                 </a:solidFill>
@@ -1376,7 +1347,7 @@
               <a:t>The F</a:t>
             </a:r>
             <a:r>
-              <a:rPr lang="en-US" sz="1200" b="0" i="0" kern="1200" baseline="-25000" dirty="0" smtClean="0">
+              <a:rPr lang="en-US" sz="1200" b="0" i="0" kern="1200" baseline="-25000" dirty="0">
                 <a:solidFill>
                   <a:schemeClr val="tx1"/>
                 </a:solidFill>
@@ -1388,7 +1359,7 @@
               <a:t>1</a:t>
             </a:r>
             <a:r>
-              <a:rPr lang="en-US" sz="1200" b="0" i="0" kern="1200" dirty="0" smtClean="0">
+              <a:rPr lang="en-US" sz="1200" b="0" i="0" kern="1200" dirty="0">
                 <a:solidFill>
                   <a:schemeClr val="tx1"/>
                 </a:solidFill>
@@ -1400,7 +1371,7 @@
               <a:t> score is a weighted harmonic mean of precision and recall such that the best score is 1.0 and the worst is 0.0. Generally speaking, F</a:t>
             </a:r>
             <a:r>
-              <a:rPr lang="en-US" sz="1200" b="0" i="0" kern="1200" baseline="-25000" dirty="0" smtClean="0">
+              <a:rPr lang="en-US" sz="1200" b="0" i="0" kern="1200" baseline="-25000" dirty="0">
                 <a:solidFill>
                   <a:schemeClr val="tx1"/>
                 </a:solidFill>
@@ -1412,7 +1383,7 @@
               <a:t>1</a:t>
             </a:r>
             <a:r>
-              <a:rPr lang="en-US" sz="1200" b="0" i="0" kern="1200" dirty="0" smtClean="0">
+              <a:rPr lang="en-US" sz="1200" b="0" i="0" kern="1200" dirty="0">
                 <a:solidFill>
                   <a:schemeClr val="tx1"/>
                 </a:solidFill>
@@ -1424,7 +1395,7 @@
               <a:t> scores are lower than accuracy measures as they embed precision and recall into their computation. As a rule of thumb, the weighted average of F</a:t>
             </a:r>
             <a:r>
-              <a:rPr lang="en-US" sz="1200" b="0" i="0" kern="1200" baseline="-25000" dirty="0" smtClean="0">
+              <a:rPr lang="en-US" sz="1200" b="0" i="0" kern="1200" baseline="-25000" dirty="0">
                 <a:solidFill>
                   <a:schemeClr val="tx1"/>
                 </a:solidFill>
@@ -1436,7 +1407,7 @@
               <a:t>1</a:t>
             </a:r>
             <a:r>
-              <a:rPr lang="en-US" sz="1200" b="0" i="0" kern="1200" dirty="0" smtClean="0">
+              <a:rPr lang="en-US" sz="1200" b="0" i="0" kern="1200" dirty="0">
                 <a:solidFill>
                   <a:schemeClr val="tx1"/>
                 </a:solidFill>
@@ -1451,7 +1422,7 @@
           <a:p>
             <a:pPr fontAlgn="base"/>
             <a:r>
-              <a:rPr lang="en-US" sz="1200" b="0" i="0" kern="1200" dirty="0" smtClean="0">
+              <a:rPr lang="en-US" sz="1200" b="0" i="0" kern="1200" dirty="0">
                 <a:solidFill>
                   <a:schemeClr val="tx1"/>
                 </a:solidFill>
@@ -1494,7 +1465,7 @@
     </p:spTree>
     <p:extLst>
       <p:ext uri="{BB962C8B-B14F-4D97-AF65-F5344CB8AC3E}">
-        <p14:creationId xmlns:p14="http://schemas.microsoft.com/office/powerpoint/2010/main" val="159293616"/>
+        <p14:creationId xmlns:p14="http://schemas.microsoft.com/office/powerpoint/2010/main" val="3263725434"/>
       </p:ext>
     </p:extLst>
   </p:cSld>
@@ -1548,37 +1519,6 @@
           <a:bodyPr/>
           <a:lstStyle/>
           <a:p>
-            <a:pPr marL="0" marR="0" lvl="0" indent="0" algn="l" defTabSz="914400" rtl="0" eaLnBrk="1" fontAlgn="auto" latinLnBrk="0" hangingPunct="1">
-              <a:lnSpc>
-                <a:spcPct val="100000"/>
-              </a:lnSpc>
-              <a:spcBef>
-                <a:spcPts val="0"/>
-              </a:spcBef>
-              <a:spcAft>
-                <a:spcPts val="0"/>
-              </a:spcAft>
-              <a:buClrTx/>
-              <a:buSzTx/>
-              <a:buFontTx/>
-              <a:buNone/>
-              <a:tabLst/>
-              <a:defRPr/>
-            </a:pPr>
-            <a:r>
-              <a:rPr lang="en-US" sz="1200" b="0" i="0" kern="1200" dirty="0" smtClean="0">
-                <a:solidFill>
-                  <a:schemeClr val="tx1"/>
-                </a:solidFill>
-                <a:effectLst/>
-                <a:latin typeface="+mn-lt"/>
-                <a:ea typeface="+mn-ea"/>
-                <a:cs typeface="+mn-cs"/>
-              </a:rPr>
-              <a:t>Min</a:t>
-            </a:r>
-          </a:p>
-          <a:p>
             <a:endParaRPr lang="en-US" dirty="0"/>
           </a:p>
         </p:txBody>
@@ -1609,7 +1549,7 @@
     </p:spTree>
     <p:extLst>
       <p:ext uri="{BB962C8B-B14F-4D97-AF65-F5344CB8AC3E}">
-        <p14:creationId xmlns:p14="http://schemas.microsoft.com/office/powerpoint/2010/main" val="2740513832"/>
+        <p14:creationId xmlns:p14="http://schemas.microsoft.com/office/powerpoint/2010/main" val="1103937903"/>
       </p:ext>
     </p:extLst>
   </p:cSld>
@@ -1663,478 +1603,11 @@
           <a:bodyPr/>
           <a:lstStyle/>
           <a:p>
-            <a:pPr fontAlgn="base"/>
-            <a:r>
-              <a:rPr lang="en-US" sz="1200" b="0" i="0" kern="1200" dirty="0">
-                <a:solidFill>
-                  <a:schemeClr val="tx1"/>
-                </a:solidFill>
-                <a:effectLst/>
-                <a:latin typeface="+mn-lt"/>
-                <a:ea typeface="+mn-ea"/>
-                <a:cs typeface="+mn-cs"/>
-              </a:rPr>
-              <a:t>There are four ways to check if the predictions are right or wrong:</a:t>
-            </a:r>
-          </a:p>
-          <a:p>
-            <a:pPr fontAlgn="base"/>
-            <a:r>
-              <a:rPr lang="en-US" sz="1200" b="1" i="0" kern="1200" dirty="0">
-                <a:solidFill>
-                  <a:schemeClr val="tx1"/>
-                </a:solidFill>
-                <a:effectLst/>
-                <a:latin typeface="+mn-lt"/>
-                <a:ea typeface="+mn-ea"/>
-                <a:cs typeface="+mn-cs"/>
-              </a:rPr>
-              <a:t>TN / True Negative: </a:t>
-            </a:r>
-            <a:r>
-              <a:rPr lang="en-US" sz="1200" b="0" i="0" kern="1200" dirty="0">
-                <a:solidFill>
-                  <a:schemeClr val="tx1"/>
-                </a:solidFill>
-                <a:effectLst/>
-                <a:latin typeface="+mn-lt"/>
-                <a:ea typeface="+mn-ea"/>
-                <a:cs typeface="+mn-cs"/>
-              </a:rPr>
-              <a:t>when a case was negative and predicted negative</a:t>
-            </a:r>
-          </a:p>
-          <a:p>
-            <a:pPr fontAlgn="base"/>
-            <a:r>
-              <a:rPr lang="en-US" sz="1200" b="1" i="0" kern="1200" dirty="0">
-                <a:solidFill>
-                  <a:schemeClr val="tx1"/>
-                </a:solidFill>
-                <a:effectLst/>
-                <a:latin typeface="+mn-lt"/>
-                <a:ea typeface="+mn-ea"/>
-                <a:cs typeface="+mn-cs"/>
-              </a:rPr>
-              <a:t>TP / True Positive: </a:t>
-            </a:r>
-            <a:r>
-              <a:rPr lang="en-US" sz="1200" b="0" i="0" kern="1200" dirty="0">
-                <a:solidFill>
-                  <a:schemeClr val="tx1"/>
-                </a:solidFill>
-                <a:effectLst/>
-                <a:latin typeface="+mn-lt"/>
-                <a:ea typeface="+mn-ea"/>
-                <a:cs typeface="+mn-cs"/>
-              </a:rPr>
-              <a:t>when a case was positive and predicted positive</a:t>
-            </a:r>
-          </a:p>
-          <a:p>
-            <a:pPr fontAlgn="base"/>
-            <a:r>
-              <a:rPr lang="en-US" sz="1200" b="1" i="0" kern="1200" dirty="0">
-                <a:solidFill>
-                  <a:schemeClr val="tx1"/>
-                </a:solidFill>
-                <a:effectLst/>
-                <a:latin typeface="+mn-lt"/>
-                <a:ea typeface="+mn-ea"/>
-                <a:cs typeface="+mn-cs"/>
-              </a:rPr>
-              <a:t>FN / False Negative: </a:t>
-            </a:r>
-            <a:r>
-              <a:rPr lang="en-US" sz="1200" b="0" i="0" kern="1200" dirty="0">
-                <a:solidFill>
-                  <a:schemeClr val="tx1"/>
-                </a:solidFill>
-                <a:effectLst/>
-                <a:latin typeface="+mn-lt"/>
-                <a:ea typeface="+mn-ea"/>
-                <a:cs typeface="+mn-cs"/>
-              </a:rPr>
-              <a:t>when a case was positive but predicted negative</a:t>
-            </a:r>
-          </a:p>
-          <a:p>
-            <a:pPr fontAlgn="base"/>
-            <a:r>
-              <a:rPr lang="en-US" sz="1200" b="1" i="0" kern="1200" dirty="0">
-                <a:solidFill>
-                  <a:schemeClr val="tx1"/>
-                </a:solidFill>
-                <a:effectLst/>
-                <a:latin typeface="+mn-lt"/>
-                <a:ea typeface="+mn-ea"/>
-                <a:cs typeface="+mn-cs"/>
-              </a:rPr>
-              <a:t>FP / False Positive: </a:t>
-            </a:r>
-            <a:r>
-              <a:rPr lang="en-US" sz="1200" b="0" i="0" kern="1200" dirty="0">
-                <a:solidFill>
-                  <a:schemeClr val="tx1"/>
-                </a:solidFill>
-                <a:effectLst/>
-                <a:latin typeface="+mn-lt"/>
-                <a:ea typeface="+mn-ea"/>
-                <a:cs typeface="+mn-cs"/>
-              </a:rPr>
-              <a:t>when a case was negative but predicted positive</a:t>
-            </a:r>
-          </a:p>
-          <a:p>
-            <a:endParaRPr lang="en-US" dirty="0"/>
-          </a:p>
-          <a:p>
-            <a:endParaRPr lang="en-US" dirty="0"/>
-          </a:p>
-          <a:p>
-            <a:pPr fontAlgn="base"/>
-            <a:r>
-              <a:rPr lang="en-US" sz="1200" b="1" i="0" kern="1200" dirty="0">
-                <a:solidFill>
-                  <a:schemeClr val="tx1"/>
-                </a:solidFill>
-                <a:effectLst/>
-                <a:latin typeface="+mn-lt"/>
-                <a:ea typeface="+mn-ea"/>
-                <a:cs typeface="+mn-cs"/>
-              </a:rPr>
-              <a:t>Precision – What percent of your predictions were correct?</a:t>
-            </a:r>
-          </a:p>
-          <a:p>
-            <a:pPr fontAlgn="base"/>
-            <a:r>
-              <a:rPr lang="en-US" sz="1200" b="0" i="0" kern="1200" dirty="0">
-                <a:solidFill>
-                  <a:schemeClr val="tx1"/>
-                </a:solidFill>
-                <a:effectLst/>
-                <a:latin typeface="+mn-lt"/>
-                <a:ea typeface="+mn-ea"/>
-                <a:cs typeface="+mn-cs"/>
-              </a:rPr>
-              <a:t>Precision is the ability of a classifier not to label an instance positive that is actually negative. For each class it is defined as the ratio of true positives to the sum of true and false positives.</a:t>
-            </a:r>
-          </a:p>
-          <a:p>
-            <a:pPr fontAlgn="base"/>
-            <a:r>
-              <a:rPr lang="en-US" sz="1200" b="1" i="0" kern="1200" dirty="0">
-                <a:solidFill>
-                  <a:schemeClr val="tx1"/>
-                </a:solidFill>
-                <a:effectLst/>
-                <a:latin typeface="+mn-lt"/>
-                <a:ea typeface="+mn-ea"/>
-                <a:cs typeface="+mn-cs"/>
-              </a:rPr>
-              <a:t>TP – True Positives</a:t>
-            </a:r>
-            <a:r>
-              <a:rPr lang="en-US" sz="1200" b="0" i="0" kern="1200" dirty="0">
-                <a:solidFill>
-                  <a:schemeClr val="tx1"/>
-                </a:solidFill>
-                <a:effectLst/>
-                <a:latin typeface="+mn-lt"/>
-                <a:ea typeface="+mn-ea"/>
-                <a:cs typeface="+mn-cs"/>
-              </a:rPr>
-              <a:t/>
-            </a:r>
-            <a:br>
-              <a:rPr lang="en-US" sz="1200" b="0" i="0" kern="1200" dirty="0">
-                <a:solidFill>
-                  <a:schemeClr val="tx1"/>
-                </a:solidFill>
-                <a:effectLst/>
-                <a:latin typeface="+mn-lt"/>
-                <a:ea typeface="+mn-ea"/>
-                <a:cs typeface="+mn-cs"/>
-              </a:rPr>
-            </a:br>
-            <a:r>
-              <a:rPr lang="en-US" sz="1200" b="1" i="0" kern="1200" dirty="0">
-                <a:solidFill>
-                  <a:schemeClr val="tx1"/>
-                </a:solidFill>
-                <a:effectLst/>
-                <a:latin typeface="+mn-lt"/>
-                <a:ea typeface="+mn-ea"/>
-                <a:cs typeface="+mn-cs"/>
-              </a:rPr>
-              <a:t>FP – False Positives</a:t>
-            </a:r>
-            <a:endParaRPr lang="en-US" sz="1200" b="0" i="0" kern="1200" dirty="0">
-              <a:solidFill>
-                <a:schemeClr val="tx1"/>
-              </a:solidFill>
-              <a:effectLst/>
-              <a:latin typeface="+mn-lt"/>
-              <a:ea typeface="+mn-ea"/>
-              <a:cs typeface="+mn-cs"/>
-            </a:endParaRPr>
-          </a:p>
-          <a:p>
-            <a:pPr fontAlgn="base"/>
-            <a:r>
-              <a:rPr lang="en-US" sz="1200" b="0" i="0" kern="1200" dirty="0">
-                <a:solidFill>
-                  <a:schemeClr val="tx1"/>
-                </a:solidFill>
-                <a:effectLst/>
-                <a:latin typeface="+mn-lt"/>
-                <a:ea typeface="+mn-ea"/>
-                <a:cs typeface="+mn-cs"/>
-              </a:rPr>
-              <a:t>Precision – Accuracy of positive predictions.</a:t>
-            </a:r>
-            <a:br>
-              <a:rPr lang="en-US" sz="1200" b="0" i="0" kern="1200" dirty="0">
-                <a:solidFill>
-                  <a:schemeClr val="tx1"/>
-                </a:solidFill>
-                <a:effectLst/>
-                <a:latin typeface="+mn-lt"/>
-                <a:ea typeface="+mn-ea"/>
-                <a:cs typeface="+mn-cs"/>
-              </a:rPr>
-            </a:br>
-            <a:r>
-              <a:rPr lang="en-US" sz="1200" b="0" i="0" kern="1200" dirty="0">
-                <a:solidFill>
-                  <a:schemeClr val="tx1"/>
-                </a:solidFill>
-                <a:effectLst/>
-                <a:latin typeface="+mn-lt"/>
-                <a:ea typeface="+mn-ea"/>
-                <a:cs typeface="+mn-cs"/>
-              </a:rPr>
-              <a:t>Precision = TP/(TP + FP)</a:t>
-            </a:r>
-          </a:p>
-          <a:p>
-            <a:endParaRPr lang="en-US" dirty="0"/>
-          </a:p>
-          <a:p>
-            <a:pPr fontAlgn="base"/>
-            <a:r>
-              <a:rPr lang="en-US" sz="1200" b="1" i="0" kern="1200" dirty="0">
-                <a:solidFill>
-                  <a:schemeClr val="tx1"/>
-                </a:solidFill>
-                <a:effectLst/>
-                <a:latin typeface="+mn-lt"/>
-                <a:ea typeface="+mn-ea"/>
-                <a:cs typeface="+mn-cs"/>
-              </a:rPr>
-              <a:t>Recall – What percent of the positive cases did you catch? </a:t>
-            </a:r>
-          </a:p>
-          <a:p>
-            <a:pPr fontAlgn="base"/>
-            <a:r>
-              <a:rPr lang="en-US" sz="1200" b="0" i="0" kern="1200" dirty="0">
-                <a:solidFill>
-                  <a:schemeClr val="tx1"/>
-                </a:solidFill>
-                <a:effectLst/>
-                <a:latin typeface="+mn-lt"/>
-                <a:ea typeface="+mn-ea"/>
-                <a:cs typeface="+mn-cs"/>
-              </a:rPr>
-              <a:t>Recall is the ability of a classifier to find all positive instances. For each class it is defined as the ratio of true positives to the sum of true positives and false negatives.</a:t>
-            </a:r>
-          </a:p>
-          <a:p>
-            <a:pPr fontAlgn="base"/>
-            <a:r>
-              <a:rPr lang="en-US" sz="1200" b="1" i="0" kern="1200" dirty="0">
-                <a:solidFill>
-                  <a:schemeClr val="tx1"/>
-                </a:solidFill>
-                <a:effectLst/>
-                <a:latin typeface="+mn-lt"/>
-                <a:ea typeface="+mn-ea"/>
-                <a:cs typeface="+mn-cs"/>
-              </a:rPr>
-              <a:t>FN – False Negatives</a:t>
-            </a:r>
-            <a:endParaRPr lang="en-US" sz="1200" b="0" i="0" kern="1200" dirty="0">
-              <a:solidFill>
-                <a:schemeClr val="tx1"/>
-              </a:solidFill>
-              <a:effectLst/>
-              <a:latin typeface="+mn-lt"/>
-              <a:ea typeface="+mn-ea"/>
-              <a:cs typeface="+mn-cs"/>
-            </a:endParaRPr>
-          </a:p>
-          <a:p>
-            <a:pPr fontAlgn="base"/>
-            <a:r>
-              <a:rPr lang="en-US" sz="1200" b="0" i="0" kern="1200" dirty="0">
-                <a:solidFill>
-                  <a:schemeClr val="tx1"/>
-                </a:solidFill>
-                <a:effectLst/>
-                <a:latin typeface="+mn-lt"/>
-                <a:ea typeface="+mn-ea"/>
-                <a:cs typeface="+mn-cs"/>
-              </a:rPr>
-              <a:t>Recall: Fraction of positives that were correctly identified.</a:t>
-            </a:r>
-            <a:br>
-              <a:rPr lang="en-US" sz="1200" b="0" i="0" kern="1200" dirty="0">
-                <a:solidFill>
-                  <a:schemeClr val="tx1"/>
-                </a:solidFill>
-                <a:effectLst/>
-                <a:latin typeface="+mn-lt"/>
-                <a:ea typeface="+mn-ea"/>
-                <a:cs typeface="+mn-cs"/>
-              </a:rPr>
-            </a:br>
-            <a:r>
-              <a:rPr lang="en-US" sz="1200" b="0" i="0" kern="1200" dirty="0">
-                <a:solidFill>
-                  <a:schemeClr val="tx1"/>
-                </a:solidFill>
-                <a:effectLst/>
-                <a:latin typeface="+mn-lt"/>
-                <a:ea typeface="+mn-ea"/>
-                <a:cs typeface="+mn-cs"/>
-              </a:rPr>
-              <a:t>Recall = TP/(TP+FN)</a:t>
-            </a:r>
-          </a:p>
-          <a:p>
-            <a:endParaRPr lang="en-US" dirty="0"/>
-          </a:p>
-          <a:p>
-            <a:pPr fontAlgn="base"/>
-            <a:r>
-              <a:rPr lang="en-US" sz="1200" b="1" i="0" kern="1200" dirty="0">
-                <a:solidFill>
-                  <a:schemeClr val="tx1"/>
-                </a:solidFill>
-                <a:effectLst/>
-                <a:latin typeface="+mn-lt"/>
-                <a:ea typeface="+mn-ea"/>
-                <a:cs typeface="+mn-cs"/>
-              </a:rPr>
-              <a:t>F1 score – What percent of positive predictions were correct? </a:t>
-            </a:r>
-          </a:p>
-          <a:p>
-            <a:pPr fontAlgn="base"/>
-            <a:r>
-              <a:rPr lang="en-US" sz="1200" b="0" i="0" kern="1200" dirty="0">
-                <a:solidFill>
-                  <a:schemeClr val="tx1"/>
-                </a:solidFill>
-                <a:effectLst/>
-                <a:latin typeface="+mn-lt"/>
-                <a:ea typeface="+mn-ea"/>
-                <a:cs typeface="+mn-cs"/>
-              </a:rPr>
-              <a:t>The F</a:t>
-            </a:r>
-            <a:r>
-              <a:rPr lang="en-US" sz="1200" b="0" i="0" kern="1200" baseline="-25000" dirty="0">
-                <a:solidFill>
-                  <a:schemeClr val="tx1"/>
-                </a:solidFill>
-                <a:effectLst/>
-                <a:latin typeface="+mn-lt"/>
-                <a:ea typeface="+mn-ea"/>
-                <a:cs typeface="+mn-cs"/>
-              </a:rPr>
-              <a:t>1</a:t>
-            </a:r>
-            <a:r>
-              <a:rPr lang="en-US" sz="1200" b="0" i="0" kern="1200" dirty="0">
-                <a:solidFill>
-                  <a:schemeClr val="tx1"/>
-                </a:solidFill>
-                <a:effectLst/>
-                <a:latin typeface="+mn-lt"/>
-                <a:ea typeface="+mn-ea"/>
-                <a:cs typeface="+mn-cs"/>
-              </a:rPr>
-              <a:t> score is a weighted harmonic mean of precision and recall such that the best score is 1.0 and the worst is 0.0. Generally speaking, F</a:t>
-            </a:r>
-            <a:r>
-              <a:rPr lang="en-US" sz="1200" b="0" i="0" kern="1200" baseline="-25000" dirty="0">
-                <a:solidFill>
-                  <a:schemeClr val="tx1"/>
-                </a:solidFill>
-                <a:effectLst/>
-                <a:latin typeface="+mn-lt"/>
-                <a:ea typeface="+mn-ea"/>
-                <a:cs typeface="+mn-cs"/>
-              </a:rPr>
-              <a:t>1</a:t>
-            </a:r>
-            <a:r>
-              <a:rPr lang="en-US" sz="1200" b="0" i="0" kern="1200" dirty="0">
-                <a:solidFill>
-                  <a:schemeClr val="tx1"/>
-                </a:solidFill>
-                <a:effectLst/>
-                <a:latin typeface="+mn-lt"/>
-                <a:ea typeface="+mn-ea"/>
-                <a:cs typeface="+mn-cs"/>
-              </a:rPr>
-              <a:t> scores are lower than accuracy measures as they embed precision and recall into their computation. As a rule of thumb, the weighted average of F</a:t>
-            </a:r>
-            <a:r>
-              <a:rPr lang="en-US" sz="1200" b="0" i="0" kern="1200" baseline="-25000" dirty="0">
-                <a:solidFill>
-                  <a:schemeClr val="tx1"/>
-                </a:solidFill>
-                <a:effectLst/>
-                <a:latin typeface="+mn-lt"/>
-                <a:ea typeface="+mn-ea"/>
-                <a:cs typeface="+mn-cs"/>
-              </a:rPr>
-              <a:t>1</a:t>
-            </a:r>
-            <a:r>
-              <a:rPr lang="en-US" sz="1200" b="0" i="0" kern="1200" dirty="0">
-                <a:solidFill>
-                  <a:schemeClr val="tx1"/>
-                </a:solidFill>
-                <a:effectLst/>
-                <a:latin typeface="+mn-lt"/>
-                <a:ea typeface="+mn-ea"/>
-                <a:cs typeface="+mn-cs"/>
-              </a:rPr>
-              <a:t> should be used to compare classifier models, not global accuracy.</a:t>
-            </a:r>
-          </a:p>
-          <a:p>
-            <a:pPr fontAlgn="base"/>
-            <a:r>
-              <a:rPr lang="en-US" sz="1200" b="0" i="0" kern="1200" dirty="0">
-                <a:solidFill>
-                  <a:schemeClr val="tx1"/>
-                </a:solidFill>
-                <a:effectLst/>
-                <a:latin typeface="+mn-lt"/>
-                <a:ea typeface="+mn-ea"/>
-                <a:cs typeface="+mn-cs"/>
-              </a:rPr>
-              <a:t>F1 Score = 2*(Recall * Precision) / (Recall + Precision)</a:t>
-            </a:r>
-          </a:p>
-          <a:p>
-            <a:endParaRPr lang="en-US" dirty="0"/>
+            <a:pPr marL="171450" indent="-171450">
+              <a:buFont typeface="Arial" panose="020B0604020202020204" pitchFamily="34" charset="0"/>
+              <a:buChar char="•"/>
+            </a:pPr>
+            <a:endParaRPr lang="en-US" baseline="0" dirty="0"/>
           </a:p>
         </p:txBody>
       </p:sp>
@@ -2155,7 +1628,7 @@
           <a:p>
             <a:fld id="{4B6E503A-4C47-9042-A9ED-0302F2EAC8AD}" type="slidenum">
               <a:rPr lang="en-US" smtClean="0"/>
-              <a:t>15</a:t>
+              <a:t>16</a:t>
             </a:fld>
             <a:endParaRPr lang="en-US"/>
           </a:p>
@@ -2164,7 +1637,7 @@
     </p:spTree>
     <p:extLst>
       <p:ext uri="{BB962C8B-B14F-4D97-AF65-F5344CB8AC3E}">
-        <p14:creationId xmlns:p14="http://schemas.microsoft.com/office/powerpoint/2010/main" val="3263725434"/>
+        <p14:creationId xmlns:p14="http://schemas.microsoft.com/office/powerpoint/2010/main" val="3495695660"/>
       </p:ext>
     </p:extLst>
   </p:cSld>
@@ -2218,7 +1691,14 @@
           <a:bodyPr/>
           <a:lstStyle/>
           <a:p>
-            <a:endParaRPr lang="en-US" dirty="0"/>
+            <a:pPr marL="0" indent="0">
+              <a:buFont typeface="Arial" panose="020B0604020202020204" pitchFamily="34" charset="0"/>
+              <a:buNone/>
+            </a:pPr>
+            <a:r>
+              <a:rPr lang="en-US" baseline="0" dirty="0" smtClean="0"/>
+              <a:t>All</a:t>
+            </a:r>
           </a:p>
         </p:txBody>
       </p:sp>
@@ -2239,186 +1719,7 @@
           <a:p>
             <a:fld id="{4B6E503A-4C47-9042-A9ED-0302F2EAC8AD}" type="slidenum">
               <a:rPr lang="en-US" smtClean="0"/>
-              <a:t>16</a:t>
-            </a:fld>
-            <a:endParaRPr lang="en-US"/>
-          </a:p>
-        </p:txBody>
-      </p:sp>
-    </p:spTree>
-    <p:extLst>
-      <p:ext uri="{BB962C8B-B14F-4D97-AF65-F5344CB8AC3E}">
-        <p14:creationId xmlns:p14="http://schemas.microsoft.com/office/powerpoint/2010/main" val="1103937903"/>
-      </p:ext>
-    </p:extLst>
-  </p:cSld>
-  <p:clrMapOvr>
-    <a:masterClrMapping/>
-  </p:clrMapOvr>
-</p:notes>
-</file>
-
-<file path=ppt/notesSlides/notesSlide17.xml><?xml version="1.0" encoding="utf-8"?>
-<p:notes xmlns:a="http://schemas.openxmlformats.org/drawingml/2006/main" xmlns:r="http://schemas.openxmlformats.org/officeDocument/2006/relationships" xmlns:p="http://schemas.openxmlformats.org/presentationml/2006/main">
-  <p:cSld>
-    <p:spTree>
-      <p:nvGrpSpPr>
-        <p:cNvPr id="1" name=""/>
-        <p:cNvGrpSpPr/>
-        <p:nvPr/>
-      </p:nvGrpSpPr>
-      <p:grpSpPr>
-        <a:xfrm>
-          <a:off x="0" y="0"/>
-          <a:ext cx="0" cy="0"/>
-          <a:chOff x="0" y="0"/>
-          <a:chExt cx="0" cy="0"/>
-        </a:xfrm>
-      </p:grpSpPr>
-      <p:sp>
-        <p:nvSpPr>
-          <p:cNvPr id="2" name="Slide Image Placeholder 1"/>
-          <p:cNvSpPr>
-            <a:spLocks noGrp="1" noRot="1" noChangeAspect="1"/>
-          </p:cNvSpPr>
-          <p:nvPr>
-            <p:ph type="sldImg"/>
-          </p:nvPr>
-        </p:nvSpPr>
-        <p:spPr/>
-      </p:sp>
-      <p:sp>
-        <p:nvSpPr>
-          <p:cNvPr id="3" name="Notes Placeholder 2"/>
-          <p:cNvSpPr>
-            <a:spLocks noGrp="1"/>
-          </p:cNvSpPr>
-          <p:nvPr>
-            <p:ph type="body" idx="1"/>
-          </p:nvPr>
-        </p:nvSpPr>
-        <p:spPr/>
-        <p:txBody>
-          <a:bodyPr/>
-          <a:lstStyle/>
-          <a:p>
-            <a:pPr marL="171450" indent="-171450">
-              <a:buFont typeface="Arial" panose="020B0604020202020204" pitchFamily="34" charset="0"/>
-              <a:buChar char="•"/>
-            </a:pPr>
-            <a:endParaRPr lang="en-US" baseline="0" dirty="0"/>
-          </a:p>
-        </p:txBody>
-      </p:sp>
-      <p:sp>
-        <p:nvSpPr>
-          <p:cNvPr id="4" name="Slide Number Placeholder 3"/>
-          <p:cNvSpPr>
-            <a:spLocks noGrp="1"/>
-          </p:cNvSpPr>
-          <p:nvPr>
-            <p:ph type="sldNum" sz="quarter" idx="10"/>
-          </p:nvPr>
-        </p:nvSpPr>
-        <p:spPr/>
-        <p:txBody>
-          <a:bodyPr/>
-          <a:lstStyle/>
-          <a:p>
-            <a:fld id="{4B6E503A-4C47-9042-A9ED-0302F2EAC8AD}" type="slidenum">
-              <a:rPr lang="en-US" smtClean="0"/>
               <a:t>18</a:t>
-            </a:fld>
-            <a:endParaRPr lang="en-US"/>
-          </a:p>
-        </p:txBody>
-      </p:sp>
-    </p:spTree>
-    <p:extLst>
-      <p:ext uri="{BB962C8B-B14F-4D97-AF65-F5344CB8AC3E}">
-        <p14:creationId xmlns:p14="http://schemas.microsoft.com/office/powerpoint/2010/main" val="3495695660"/>
-      </p:ext>
-    </p:extLst>
-  </p:cSld>
-  <p:clrMapOvr>
-    <a:masterClrMapping/>
-  </p:clrMapOvr>
-</p:notes>
-</file>
-
-<file path=ppt/notesSlides/notesSlide18.xml><?xml version="1.0" encoding="utf-8"?>
-<p:notes xmlns:a="http://schemas.openxmlformats.org/drawingml/2006/main" xmlns:r="http://schemas.openxmlformats.org/officeDocument/2006/relationships" xmlns:p="http://schemas.openxmlformats.org/presentationml/2006/main">
-  <p:cSld>
-    <p:spTree>
-      <p:nvGrpSpPr>
-        <p:cNvPr id="1" name=""/>
-        <p:cNvGrpSpPr/>
-        <p:nvPr/>
-      </p:nvGrpSpPr>
-      <p:grpSpPr>
-        <a:xfrm>
-          <a:off x="0" y="0"/>
-          <a:ext cx="0" cy="0"/>
-          <a:chOff x="0" y="0"/>
-          <a:chExt cx="0" cy="0"/>
-        </a:xfrm>
-      </p:grpSpPr>
-      <p:sp>
-        <p:nvSpPr>
-          <p:cNvPr id="2" name="Slide Image Placeholder 1"/>
-          <p:cNvSpPr>
-            <a:spLocks noGrp="1" noRot="1" noChangeAspect="1"/>
-          </p:cNvSpPr>
-          <p:nvPr>
-            <p:ph type="sldImg"/>
-          </p:nvPr>
-        </p:nvSpPr>
-        <p:spPr/>
-      </p:sp>
-      <p:sp>
-        <p:nvSpPr>
-          <p:cNvPr id="3" name="Notes Placeholder 2"/>
-          <p:cNvSpPr>
-            <a:spLocks noGrp="1"/>
-          </p:cNvSpPr>
-          <p:nvPr>
-            <p:ph type="body" idx="1"/>
-          </p:nvPr>
-        </p:nvSpPr>
-        <p:spPr/>
-        <p:txBody>
-          <a:bodyPr/>
-          <a:lstStyle/>
-          <a:p>
-            <a:pPr marL="0" indent="0">
-              <a:buFont typeface="Arial" panose="020B0604020202020204" pitchFamily="34" charset="0"/>
-              <a:buNone/>
-            </a:pPr>
-            <a:r>
-              <a:rPr lang="en-US" baseline="0" dirty="0" smtClean="0"/>
-              <a:t>All</a:t>
-            </a:r>
-          </a:p>
-        </p:txBody>
-      </p:sp>
-      <p:sp>
-        <p:nvSpPr>
-          <p:cNvPr id="4" name="Slide Number Placeholder 3"/>
-          <p:cNvSpPr>
-            <a:spLocks noGrp="1"/>
-          </p:cNvSpPr>
-          <p:nvPr>
-            <p:ph type="sldNum" sz="quarter" idx="10"/>
-          </p:nvPr>
-        </p:nvSpPr>
-        <p:spPr/>
-        <p:txBody>
-          <a:bodyPr/>
-          <a:lstStyle/>
-          <a:p>
-            <a:fld id="{4B6E503A-4C47-9042-A9ED-0302F2EAC8AD}" type="slidenum">
-              <a:rPr lang="en-US" smtClean="0"/>
-              <a:t>20</a:t>
             </a:fld>
             <a:endParaRPr lang="en-US"/>
           </a:p>
@@ -9679,3326 +8980,6 @@
           <a:chExt cx="0" cy="0"/>
         </a:xfrm>
       </p:grpSpPr>
-      <p:sp>
-        <p:nvSpPr>
-          <p:cNvPr id="22" name="Title 1"/>
-          <p:cNvSpPr txBox="1">
-            <a:spLocks/>
-          </p:cNvSpPr>
-          <p:nvPr/>
-        </p:nvSpPr>
-        <p:spPr>
-          <a:xfrm>
-            <a:off x="742950" y="1472134"/>
-            <a:ext cx="10515600" cy="1325563"/>
-          </a:xfrm>
-          <a:prstGeom prst="rect">
-            <a:avLst/>
-          </a:prstGeom>
-        </p:spPr>
-        <p:txBody>
-          <a:bodyPr>
-            <a:normAutofit/>
-          </a:bodyPr>
-          <a:lstStyle>
-            <a:lvl1pPr algn="l" defTabSz="914400" rtl="0" eaLnBrk="1" latinLnBrk="0" hangingPunct="1">
-              <a:lnSpc>
-                <a:spcPct val="90000"/>
-              </a:lnSpc>
-              <a:spcBef>
-                <a:spcPct val="0"/>
-              </a:spcBef>
-              <a:buNone/>
-              <a:defRPr sz="4400" kern="1200">
-                <a:solidFill>
-                  <a:schemeClr val="tx1"/>
-                </a:solidFill>
-                <a:latin typeface="+mj-lt"/>
-                <a:ea typeface="+mj-ea"/>
-                <a:cs typeface="+mj-cs"/>
-              </a:defRPr>
-            </a:lvl1pPr>
-          </a:lstStyle>
-          <a:p>
-            <a:pPr algn="ctr"/>
-            <a:r>
-              <a:rPr lang="en-US" sz="4800" dirty="0" smtClean="0">
-                <a:solidFill>
-                  <a:schemeClr val="bg1"/>
-                </a:solidFill>
-                <a:latin typeface="Sternbach" panose="02000500000000000000" pitchFamily="2" charset="0"/>
-              </a:rPr>
-              <a:t>Results</a:t>
-            </a:r>
-            <a:endParaRPr lang="en-US" sz="4800" dirty="0">
-              <a:solidFill>
-                <a:schemeClr val="bg1"/>
-              </a:solidFill>
-              <a:latin typeface="Sternbach" panose="02000500000000000000" pitchFamily="2" charset="0"/>
-            </a:endParaRPr>
-          </a:p>
-        </p:txBody>
-      </p:sp>
-      <p:graphicFrame>
-        <p:nvGraphicFramePr>
-          <p:cNvPr id="4" name="Table 5">
-            <a:extLst>
-              <a:ext uri="{FF2B5EF4-FFF2-40B4-BE49-F238E27FC236}">
-                <a16:creationId xmlns:a16="http://schemas.microsoft.com/office/drawing/2014/main" id="{8D33B745-DADF-3040-B21E-1364179175B3}"/>
-              </a:ext>
-            </a:extLst>
-          </p:cNvPr>
-          <p:cNvGraphicFramePr>
-            <a:graphicFrameLocks/>
-          </p:cNvGraphicFramePr>
-          <p:nvPr>
-            <p:extLst>
-              <p:ext uri="{D42A27DB-BD31-4B8C-83A1-F6EECF244321}">
-                <p14:modId xmlns:p14="http://schemas.microsoft.com/office/powerpoint/2010/main" val="3294340884"/>
-              </p:ext>
-            </p:extLst>
-          </p:nvPr>
-        </p:nvGraphicFramePr>
-        <p:xfrm>
-          <a:off x="742950" y="2278112"/>
-          <a:ext cx="10997946" cy="4008120"/>
-        </p:xfrm>
-        <a:graphic>
-          <a:graphicData uri="http://schemas.openxmlformats.org/drawingml/2006/table">
-            <a:tbl>
-              <a:tblPr firstRow="1" bandRow="1">
-                <a:tableStyleId>{D27102A9-8310-4765-A935-A1911B00CA55}</a:tableStyleId>
-              </a:tblPr>
-              <a:tblGrid>
-                <a:gridCol w="2585466">
-                  <a:extLst>
-                    <a:ext uri="{9D8B030D-6E8A-4147-A177-3AD203B41FA5}">
-                      <a16:colId xmlns:a16="http://schemas.microsoft.com/office/drawing/2014/main" val="978186728"/>
-                    </a:ext>
-                  </a:extLst>
-                </a:gridCol>
-                <a:gridCol w="2103120">
-                  <a:extLst>
-                    <a:ext uri="{9D8B030D-6E8A-4147-A177-3AD203B41FA5}">
-                      <a16:colId xmlns:a16="http://schemas.microsoft.com/office/drawing/2014/main" val="1650450688"/>
-                    </a:ext>
-                  </a:extLst>
-                </a:gridCol>
-                <a:gridCol w="2103120">
-                  <a:extLst>
-                    <a:ext uri="{9D8B030D-6E8A-4147-A177-3AD203B41FA5}">
-                      <a16:colId xmlns:a16="http://schemas.microsoft.com/office/drawing/2014/main" val="321731917"/>
-                    </a:ext>
-                  </a:extLst>
-                </a:gridCol>
-                <a:gridCol w="2103120">
-                  <a:extLst>
-                    <a:ext uri="{9D8B030D-6E8A-4147-A177-3AD203B41FA5}">
-                      <a16:colId xmlns:a16="http://schemas.microsoft.com/office/drawing/2014/main" val="3694452088"/>
-                    </a:ext>
-                  </a:extLst>
-                </a:gridCol>
-                <a:gridCol w="2103120">
-                  <a:extLst>
-                    <a:ext uri="{9D8B030D-6E8A-4147-A177-3AD203B41FA5}">
-                      <a16:colId xmlns:a16="http://schemas.microsoft.com/office/drawing/2014/main" val="1824075857"/>
-                    </a:ext>
-                  </a:extLst>
-                </a:gridCol>
-              </a:tblGrid>
-              <a:tr h="370840">
-                <a:tc gridSpan="5">
-                  <a:txBody>
-                    <a:bodyPr/>
-                    <a:lstStyle/>
-                    <a:p>
-                      <a:pPr algn="ctr"/>
-                      <a:r>
-                        <a:rPr lang="en-US" sz="1600" dirty="0" smtClean="0">
-                          <a:solidFill>
-                            <a:schemeClr val="bg1"/>
-                          </a:solidFill>
-                        </a:rPr>
-                        <a:t>Feature Set Chosen</a:t>
-                      </a:r>
-                      <a:endParaRPr lang="en-US" sz="1600" dirty="0">
-                        <a:solidFill>
-                          <a:schemeClr val="bg1"/>
-                        </a:solidFill>
-                      </a:endParaRPr>
-                    </a:p>
-                  </a:txBody>
-                  <a:tcPr/>
-                </a:tc>
-                <a:tc hMerge="1">
-                  <a:txBody>
-                    <a:bodyPr/>
-                    <a:lstStyle/>
-                    <a:p>
-                      <a:pPr marL="0" marR="0" lvl="0" indent="0" algn="ctr" defTabSz="914400" rtl="0" eaLnBrk="1" fontAlgn="auto" latinLnBrk="0" hangingPunct="1">
-                        <a:lnSpc>
-                          <a:spcPct val="100000"/>
-                        </a:lnSpc>
-                        <a:spcBef>
-                          <a:spcPts val="0"/>
-                        </a:spcBef>
-                        <a:spcAft>
-                          <a:spcPts val="0"/>
-                        </a:spcAft>
-                        <a:buClrTx/>
-                        <a:buSzTx/>
-                        <a:buFontTx/>
-                        <a:buNone/>
-                        <a:tabLst/>
-                        <a:defRPr/>
-                      </a:pPr>
-                      <a:endParaRPr lang="en-US" sz="1800" dirty="0">
-                        <a:solidFill>
-                          <a:schemeClr val="bg1"/>
-                        </a:solidFill>
-                      </a:endParaRPr>
-                    </a:p>
-                  </a:txBody>
-                  <a:tcPr/>
-                </a:tc>
-                <a:tc hMerge="1">
-                  <a:txBody>
-                    <a:bodyPr/>
-                    <a:lstStyle/>
-                    <a:p>
-                      <a:pPr marL="0" marR="0" lvl="0" indent="0" algn="ctr" defTabSz="914400" rtl="0" eaLnBrk="1" fontAlgn="auto" latinLnBrk="0" hangingPunct="1">
-                        <a:lnSpc>
-                          <a:spcPct val="100000"/>
-                        </a:lnSpc>
-                        <a:spcBef>
-                          <a:spcPts val="0"/>
-                        </a:spcBef>
-                        <a:spcAft>
-                          <a:spcPts val="0"/>
-                        </a:spcAft>
-                        <a:buClrTx/>
-                        <a:buSzTx/>
-                        <a:buFontTx/>
-                        <a:buNone/>
-                        <a:tabLst/>
-                        <a:defRPr/>
-                      </a:pPr>
-                      <a:endParaRPr lang="en-US" sz="1800" dirty="0">
-                        <a:solidFill>
-                          <a:schemeClr val="bg1"/>
-                        </a:solidFill>
-                      </a:endParaRPr>
-                    </a:p>
-                  </a:txBody>
-                  <a:tcPr/>
-                </a:tc>
-                <a:tc hMerge="1">
-                  <a:txBody>
-                    <a:bodyPr/>
-                    <a:lstStyle/>
-                    <a:p>
-                      <a:pPr marL="0" marR="0" lvl="0" indent="0" algn="ctr" defTabSz="914400" rtl="0" eaLnBrk="1" fontAlgn="auto" latinLnBrk="0" hangingPunct="1">
-                        <a:lnSpc>
-                          <a:spcPct val="100000"/>
-                        </a:lnSpc>
-                        <a:spcBef>
-                          <a:spcPts val="0"/>
-                        </a:spcBef>
-                        <a:spcAft>
-                          <a:spcPts val="0"/>
-                        </a:spcAft>
-                        <a:buClrTx/>
-                        <a:buSzTx/>
-                        <a:buFontTx/>
-                        <a:buNone/>
-                        <a:tabLst/>
-                        <a:defRPr/>
-                      </a:pPr>
-                      <a:endParaRPr lang="en-US" sz="1800" dirty="0">
-                        <a:solidFill>
-                          <a:schemeClr val="bg1"/>
-                        </a:solidFill>
-                      </a:endParaRPr>
-                    </a:p>
-                  </a:txBody>
-                  <a:tcPr/>
-                </a:tc>
-                <a:tc hMerge="1">
-                  <a:txBody>
-                    <a:bodyPr/>
-                    <a:lstStyle/>
-                    <a:p>
-                      <a:pPr marL="0" marR="0" lvl="0" indent="0" algn="ctr" defTabSz="914400" rtl="0" eaLnBrk="1" fontAlgn="auto" latinLnBrk="0" hangingPunct="1">
-                        <a:lnSpc>
-                          <a:spcPct val="100000"/>
-                        </a:lnSpc>
-                        <a:spcBef>
-                          <a:spcPts val="0"/>
-                        </a:spcBef>
-                        <a:spcAft>
-                          <a:spcPts val="0"/>
-                        </a:spcAft>
-                        <a:buClrTx/>
-                        <a:buSzTx/>
-                        <a:buFontTx/>
-                        <a:buNone/>
-                        <a:tabLst/>
-                        <a:defRPr/>
-                      </a:pPr>
-                      <a:endParaRPr lang="en-US" sz="1800" dirty="0">
-                        <a:solidFill>
-                          <a:schemeClr val="bg1"/>
-                        </a:solidFill>
-                      </a:endParaRPr>
-                    </a:p>
-                  </a:txBody>
-                  <a:tcPr/>
-                </a:tc>
-                <a:extLst>
-                  <a:ext uri="{0D108BD9-81ED-4DB2-BD59-A6C34878D82A}">
-                    <a16:rowId xmlns:a16="http://schemas.microsoft.com/office/drawing/2014/main" val="3636761358"/>
-                  </a:ext>
-                </a:extLst>
-              </a:tr>
-              <a:tr h="370840">
-                <a:tc>
-                  <a:txBody>
-                    <a:bodyPr/>
-                    <a:lstStyle/>
-                    <a:p>
-                      <a:pPr algn="ctr"/>
-                      <a:r>
-                        <a:rPr lang="en-US" sz="1600" dirty="0">
-                          <a:solidFill>
-                            <a:schemeClr val="bg1"/>
-                          </a:solidFill>
-                        </a:rPr>
-                        <a:t>Models</a:t>
-                      </a:r>
-                    </a:p>
-                  </a:txBody>
-                  <a:tcPr/>
-                </a:tc>
-                <a:tc>
-                  <a:txBody>
-                    <a:bodyPr/>
-                    <a:lstStyle/>
-                    <a:p>
-                      <a:pPr marL="0" marR="0" lvl="0" indent="0" algn="ctr" defTabSz="914400" rtl="0" eaLnBrk="1" fontAlgn="auto" latinLnBrk="0" hangingPunct="1">
-                        <a:lnSpc>
-                          <a:spcPct val="100000"/>
-                        </a:lnSpc>
-                        <a:spcBef>
-                          <a:spcPts val="0"/>
-                        </a:spcBef>
-                        <a:spcAft>
-                          <a:spcPts val="0"/>
-                        </a:spcAft>
-                        <a:buClrTx/>
-                        <a:buSzTx/>
-                        <a:buFontTx/>
-                        <a:buNone/>
-                        <a:tabLst/>
-                        <a:defRPr/>
-                      </a:pPr>
-                      <a:r>
-                        <a:rPr lang="en-US" sz="1600" dirty="0">
-                          <a:solidFill>
-                            <a:schemeClr val="bg1"/>
-                          </a:solidFill>
-                        </a:rPr>
-                        <a:t>Test Accuracy</a:t>
-                      </a:r>
-                    </a:p>
-                  </a:txBody>
-                  <a:tcPr/>
-                </a:tc>
-                <a:tc>
-                  <a:txBody>
-                    <a:bodyPr/>
-                    <a:lstStyle/>
-                    <a:p>
-                      <a:pPr marL="0" marR="0" lvl="0" indent="0" algn="ctr" defTabSz="914400" rtl="0" eaLnBrk="1" fontAlgn="auto" latinLnBrk="0" hangingPunct="1">
-                        <a:lnSpc>
-                          <a:spcPct val="100000"/>
-                        </a:lnSpc>
-                        <a:spcBef>
-                          <a:spcPts val="0"/>
-                        </a:spcBef>
-                        <a:spcAft>
-                          <a:spcPts val="0"/>
-                        </a:spcAft>
-                        <a:buClrTx/>
-                        <a:buSzTx/>
-                        <a:buFontTx/>
-                        <a:buNone/>
-                        <a:tabLst/>
-                        <a:defRPr/>
-                      </a:pPr>
-                      <a:r>
-                        <a:rPr lang="en-US" sz="1600" dirty="0">
-                          <a:solidFill>
-                            <a:schemeClr val="bg1"/>
-                          </a:solidFill>
-                        </a:rPr>
-                        <a:t>Test Precision</a:t>
-                      </a:r>
-                    </a:p>
-                  </a:txBody>
-                  <a:tcPr/>
-                </a:tc>
-                <a:tc>
-                  <a:txBody>
-                    <a:bodyPr/>
-                    <a:lstStyle/>
-                    <a:p>
-                      <a:pPr marL="0" marR="0" lvl="0" indent="0" algn="ctr" defTabSz="914400" rtl="0" eaLnBrk="1" fontAlgn="auto" latinLnBrk="0" hangingPunct="1">
-                        <a:lnSpc>
-                          <a:spcPct val="100000"/>
-                        </a:lnSpc>
-                        <a:spcBef>
-                          <a:spcPts val="0"/>
-                        </a:spcBef>
-                        <a:spcAft>
-                          <a:spcPts val="0"/>
-                        </a:spcAft>
-                        <a:buClrTx/>
-                        <a:buSzTx/>
-                        <a:buFontTx/>
-                        <a:buNone/>
-                        <a:tabLst/>
-                        <a:defRPr/>
-                      </a:pPr>
-                      <a:r>
-                        <a:rPr lang="en-US" sz="1600" dirty="0">
-                          <a:solidFill>
-                            <a:schemeClr val="bg1"/>
-                          </a:solidFill>
-                        </a:rPr>
-                        <a:t>Test Recall</a:t>
-                      </a:r>
-                    </a:p>
-                  </a:txBody>
-                  <a:tcPr/>
-                </a:tc>
-                <a:tc>
-                  <a:txBody>
-                    <a:bodyPr/>
-                    <a:lstStyle/>
-                    <a:p>
-                      <a:pPr marL="0" marR="0" lvl="0" indent="0" algn="ctr" defTabSz="914400" rtl="0" eaLnBrk="1" fontAlgn="auto" latinLnBrk="0" hangingPunct="1">
-                        <a:lnSpc>
-                          <a:spcPct val="100000"/>
-                        </a:lnSpc>
-                        <a:spcBef>
-                          <a:spcPts val="0"/>
-                        </a:spcBef>
-                        <a:spcAft>
-                          <a:spcPts val="0"/>
-                        </a:spcAft>
-                        <a:buClrTx/>
-                        <a:buSzTx/>
-                        <a:buFontTx/>
-                        <a:buNone/>
-                        <a:tabLst/>
-                        <a:defRPr/>
-                      </a:pPr>
-                      <a:r>
-                        <a:rPr lang="en-US" sz="1600" dirty="0">
-                          <a:solidFill>
-                            <a:schemeClr val="bg1"/>
-                          </a:solidFill>
-                        </a:rPr>
-                        <a:t>Test F1 score</a:t>
-                      </a:r>
-                    </a:p>
-                  </a:txBody>
-                  <a:tcPr/>
-                </a:tc>
-                <a:extLst>
-                  <a:ext uri="{0D108BD9-81ED-4DB2-BD59-A6C34878D82A}">
-                    <a16:rowId xmlns:a16="http://schemas.microsoft.com/office/drawing/2014/main" val="3966892919"/>
-                  </a:ext>
-                </a:extLst>
-              </a:tr>
-              <a:tr h="370840">
-                <a:tc>
-                  <a:txBody>
-                    <a:bodyPr/>
-                    <a:lstStyle/>
-                    <a:p>
-                      <a:pPr marL="0" marR="0" lvl="0" indent="0" algn="l" defTabSz="914400" rtl="0" eaLnBrk="1" fontAlgn="auto" latinLnBrk="0" hangingPunct="1">
-                        <a:lnSpc>
-                          <a:spcPct val="100000"/>
-                        </a:lnSpc>
-                        <a:spcBef>
-                          <a:spcPts val="0"/>
-                        </a:spcBef>
-                        <a:spcAft>
-                          <a:spcPts val="0"/>
-                        </a:spcAft>
-                        <a:buClrTx/>
-                        <a:buSzTx/>
-                        <a:buFontTx/>
-                        <a:buNone/>
-                        <a:tabLst/>
-                        <a:defRPr/>
-                      </a:pPr>
-                      <a:r>
-                        <a:rPr lang="en-US" sz="1600" dirty="0">
-                          <a:solidFill>
-                            <a:schemeClr val="bg1"/>
-                          </a:solidFill>
-                        </a:rPr>
-                        <a:t>Support Vector </a:t>
-                      </a:r>
-                      <a:r>
-                        <a:rPr lang="en-US" sz="1600" dirty="0" smtClean="0">
-                          <a:solidFill>
-                            <a:schemeClr val="bg1"/>
-                          </a:solidFill>
-                        </a:rPr>
-                        <a:t>Machines (Scaled)</a:t>
-                      </a:r>
-                      <a:endParaRPr lang="en-US" sz="1600" dirty="0">
-                        <a:solidFill>
-                          <a:schemeClr val="bg1"/>
-                        </a:solidFill>
-                      </a:endParaRPr>
-                    </a:p>
-                  </a:txBody>
-                  <a:tcPr/>
-                </a:tc>
-                <a:tc>
-                  <a:txBody>
-                    <a:bodyPr/>
-                    <a:lstStyle/>
-                    <a:p>
-                      <a:r>
-                        <a:rPr lang="en-US" sz="1600" dirty="0" smtClean="0">
-                          <a:solidFill>
-                            <a:schemeClr val="bg1"/>
-                          </a:solidFill>
-                        </a:rPr>
-                        <a:t>0.76</a:t>
-                      </a:r>
-                      <a:endParaRPr lang="en-US" sz="1600" dirty="0">
-                        <a:solidFill>
-                          <a:schemeClr val="bg1"/>
-                        </a:solidFill>
-                      </a:endParaRPr>
-                    </a:p>
-                  </a:txBody>
-                  <a:tcPr/>
-                </a:tc>
-                <a:tc>
-                  <a:txBody>
-                    <a:bodyPr/>
-                    <a:lstStyle/>
-                    <a:p>
-                      <a:r>
-                        <a:rPr lang="en-US" sz="1600" dirty="0">
-                          <a:solidFill>
-                            <a:schemeClr val="bg1"/>
-                          </a:solidFill>
-                        </a:rPr>
-                        <a:t>Blue: </a:t>
-                      </a:r>
-                      <a:r>
-                        <a:rPr lang="en-US" sz="1600" dirty="0" smtClean="0">
-                          <a:solidFill>
-                            <a:schemeClr val="bg1"/>
-                          </a:solidFill>
-                        </a:rPr>
-                        <a:t>0.86</a:t>
-                      </a:r>
-                      <a:endParaRPr lang="en-US" sz="1600" dirty="0">
-                        <a:solidFill>
-                          <a:schemeClr val="bg1"/>
-                        </a:solidFill>
-                      </a:endParaRPr>
-                    </a:p>
-                    <a:p>
-                      <a:r>
-                        <a:rPr lang="en-US" sz="1600" dirty="0">
-                          <a:solidFill>
-                            <a:schemeClr val="bg1"/>
-                          </a:solidFill>
-                        </a:rPr>
-                        <a:t>Red: </a:t>
-                      </a:r>
-                      <a:r>
-                        <a:rPr lang="en-US" sz="1600" dirty="0" smtClean="0">
-                          <a:solidFill>
-                            <a:schemeClr val="bg1"/>
-                          </a:solidFill>
-                        </a:rPr>
-                        <a:t>0.73</a:t>
-                      </a:r>
-                      <a:endParaRPr lang="en-US" sz="1600" dirty="0">
-                        <a:solidFill>
-                          <a:schemeClr val="bg1"/>
-                        </a:solidFill>
-                      </a:endParaRPr>
-                    </a:p>
-                  </a:txBody>
-                  <a:tcPr/>
-                </a:tc>
-                <a:tc>
-                  <a:txBody>
-                    <a:bodyPr/>
-                    <a:lstStyle/>
-                    <a:p>
-                      <a:r>
-                        <a:rPr lang="en-US" sz="1600" dirty="0">
-                          <a:solidFill>
-                            <a:schemeClr val="bg1"/>
-                          </a:solidFill>
-                        </a:rPr>
-                        <a:t>Blue: </a:t>
-                      </a:r>
-                      <a:r>
-                        <a:rPr lang="en-US" sz="1600" dirty="0" smtClean="0">
-                          <a:solidFill>
-                            <a:schemeClr val="bg1"/>
-                          </a:solidFill>
-                        </a:rPr>
-                        <a:t>0.51</a:t>
-                      </a:r>
-                      <a:endParaRPr lang="en-US" sz="1600" dirty="0">
-                        <a:solidFill>
-                          <a:schemeClr val="bg1"/>
-                        </a:solidFill>
-                      </a:endParaRPr>
-                    </a:p>
-                    <a:p>
-                      <a:r>
-                        <a:rPr lang="en-US" sz="1600" dirty="0">
-                          <a:solidFill>
-                            <a:schemeClr val="bg1"/>
-                          </a:solidFill>
-                        </a:rPr>
-                        <a:t>Red: </a:t>
-                      </a:r>
-                      <a:r>
-                        <a:rPr lang="en-US" sz="1600" dirty="0" smtClean="0">
-                          <a:solidFill>
-                            <a:schemeClr val="bg1"/>
-                          </a:solidFill>
-                        </a:rPr>
-                        <a:t>0.94</a:t>
-                      </a:r>
-                      <a:endParaRPr lang="en-US" sz="1600" dirty="0">
-                        <a:solidFill>
-                          <a:schemeClr val="bg1"/>
-                        </a:solidFill>
-                      </a:endParaRPr>
-                    </a:p>
-                  </a:txBody>
-                  <a:tcPr/>
-                </a:tc>
-                <a:tc>
-                  <a:txBody>
-                    <a:bodyPr/>
-                    <a:lstStyle/>
-                    <a:p>
-                      <a:r>
-                        <a:rPr lang="en-US" sz="1600" dirty="0">
-                          <a:solidFill>
-                            <a:schemeClr val="bg1"/>
-                          </a:solidFill>
-                        </a:rPr>
-                        <a:t>Blue: </a:t>
-                      </a:r>
-                      <a:r>
-                        <a:rPr lang="en-US" sz="1600" dirty="0" smtClean="0">
-                          <a:solidFill>
-                            <a:schemeClr val="bg1"/>
-                          </a:solidFill>
-                        </a:rPr>
-                        <a:t>0.64 </a:t>
-                      </a:r>
-                      <a:endParaRPr lang="en-US" sz="1600" dirty="0">
-                        <a:solidFill>
-                          <a:schemeClr val="bg1"/>
-                        </a:solidFill>
-                      </a:endParaRPr>
-                    </a:p>
-                    <a:p>
-                      <a:r>
-                        <a:rPr lang="en-US" sz="1600" dirty="0">
-                          <a:solidFill>
-                            <a:schemeClr val="bg1"/>
-                          </a:solidFill>
-                        </a:rPr>
-                        <a:t>Red: </a:t>
-                      </a:r>
-                      <a:r>
-                        <a:rPr lang="en-US" sz="1600" dirty="0" smtClean="0">
-                          <a:solidFill>
-                            <a:schemeClr val="bg1"/>
-                          </a:solidFill>
-                        </a:rPr>
-                        <a:t>0.82</a:t>
-                      </a:r>
-                      <a:endParaRPr lang="en-US" sz="1600" dirty="0">
-                        <a:solidFill>
-                          <a:schemeClr val="bg1"/>
-                        </a:solidFill>
-                      </a:endParaRPr>
-                    </a:p>
-                  </a:txBody>
-                  <a:tcPr/>
-                </a:tc>
-                <a:extLst>
-                  <a:ext uri="{0D108BD9-81ED-4DB2-BD59-A6C34878D82A}">
-                    <a16:rowId xmlns:a16="http://schemas.microsoft.com/office/drawing/2014/main" val="1194264582"/>
-                  </a:ext>
-                </a:extLst>
-              </a:tr>
-              <a:tr h="370840">
-                <a:tc>
-                  <a:txBody>
-                    <a:bodyPr/>
-                    <a:lstStyle/>
-                    <a:p>
-                      <a:pPr marL="0" marR="0" lvl="0" indent="0" algn="l" defTabSz="914400" rtl="0" eaLnBrk="1" fontAlgn="auto" latinLnBrk="0" hangingPunct="1">
-                        <a:lnSpc>
-                          <a:spcPct val="100000"/>
-                        </a:lnSpc>
-                        <a:spcBef>
-                          <a:spcPts val="0"/>
-                        </a:spcBef>
-                        <a:spcAft>
-                          <a:spcPts val="0"/>
-                        </a:spcAft>
-                        <a:buClrTx/>
-                        <a:buSzTx/>
-                        <a:buFontTx/>
-                        <a:buNone/>
-                        <a:tabLst/>
-                        <a:defRPr/>
-                      </a:pPr>
-                      <a:r>
-                        <a:rPr lang="en-US" sz="1600" dirty="0">
-                          <a:solidFill>
-                            <a:schemeClr val="bg1"/>
-                          </a:solidFill>
-                        </a:rPr>
-                        <a:t>Logistic Regression</a:t>
-                      </a:r>
-                    </a:p>
-                  </a:txBody>
-                  <a:tcPr/>
-                </a:tc>
-                <a:tc>
-                  <a:txBody>
-                    <a:bodyPr/>
-                    <a:lstStyle/>
-                    <a:p>
-                      <a:r>
-                        <a:rPr lang="en-US" sz="1600" dirty="0" smtClean="0">
-                          <a:solidFill>
-                            <a:schemeClr val="bg1"/>
-                          </a:solidFill>
-                        </a:rPr>
-                        <a:t>0.76</a:t>
-                      </a:r>
-                      <a:endParaRPr lang="en-US" sz="1600" dirty="0">
-                        <a:solidFill>
-                          <a:schemeClr val="bg1"/>
-                        </a:solidFill>
-                      </a:endParaRPr>
-                    </a:p>
-                  </a:txBody>
-                  <a:tcPr/>
-                </a:tc>
-                <a:tc>
-                  <a:txBody>
-                    <a:bodyPr/>
-                    <a:lstStyle/>
-                    <a:p>
-                      <a:r>
-                        <a:rPr lang="en-US" sz="1600" dirty="0">
-                          <a:solidFill>
-                            <a:schemeClr val="bg1"/>
-                          </a:solidFill>
-                        </a:rPr>
-                        <a:t>Blue: </a:t>
-                      </a:r>
-                      <a:r>
-                        <a:rPr lang="en-US" sz="1600" dirty="0" smtClean="0">
-                          <a:solidFill>
-                            <a:schemeClr val="bg1"/>
-                          </a:solidFill>
-                        </a:rPr>
-                        <a:t>0.80</a:t>
-                      </a:r>
-                      <a:endParaRPr lang="en-US" sz="1600" dirty="0">
-                        <a:solidFill>
-                          <a:schemeClr val="bg1"/>
-                        </a:solidFill>
-                      </a:endParaRPr>
-                    </a:p>
-                    <a:p>
-                      <a:r>
-                        <a:rPr lang="en-US" sz="1600" dirty="0">
-                          <a:solidFill>
-                            <a:schemeClr val="bg1"/>
-                          </a:solidFill>
-                        </a:rPr>
-                        <a:t>Red: </a:t>
-                      </a:r>
-                      <a:r>
-                        <a:rPr lang="en-US" sz="1600" dirty="0" smtClean="0">
-                          <a:solidFill>
-                            <a:schemeClr val="bg1"/>
-                          </a:solidFill>
-                        </a:rPr>
-                        <a:t>0.75</a:t>
-                      </a:r>
-                      <a:endParaRPr lang="en-US" sz="1600" dirty="0">
-                        <a:solidFill>
-                          <a:schemeClr val="bg1"/>
-                        </a:solidFill>
-                      </a:endParaRPr>
-                    </a:p>
-                  </a:txBody>
-                  <a:tcPr/>
-                </a:tc>
-                <a:tc>
-                  <a:txBody>
-                    <a:bodyPr/>
-                    <a:lstStyle/>
-                    <a:p>
-                      <a:r>
-                        <a:rPr lang="en-US" sz="1600" dirty="0">
-                          <a:solidFill>
-                            <a:schemeClr val="bg1"/>
-                          </a:solidFill>
-                        </a:rPr>
-                        <a:t>Blue: </a:t>
-                      </a:r>
-                      <a:r>
-                        <a:rPr lang="en-US" sz="1600" dirty="0" smtClean="0">
-                          <a:solidFill>
-                            <a:schemeClr val="bg1"/>
-                          </a:solidFill>
-                        </a:rPr>
-                        <a:t>0.56</a:t>
-                      </a:r>
-                      <a:endParaRPr lang="en-US" sz="1600" dirty="0">
-                        <a:solidFill>
-                          <a:schemeClr val="bg1"/>
-                        </a:solidFill>
-                      </a:endParaRPr>
-                    </a:p>
-                    <a:p>
-                      <a:r>
-                        <a:rPr lang="en-US" sz="1600" dirty="0">
-                          <a:solidFill>
-                            <a:schemeClr val="bg1"/>
-                          </a:solidFill>
-                        </a:rPr>
-                        <a:t>Red: </a:t>
-                      </a:r>
-                      <a:r>
-                        <a:rPr lang="en-US" sz="1600" dirty="0" smtClean="0">
-                          <a:solidFill>
-                            <a:schemeClr val="bg1"/>
-                          </a:solidFill>
-                        </a:rPr>
-                        <a:t>0.90</a:t>
-                      </a:r>
-                      <a:endParaRPr lang="en-US" sz="1600" dirty="0">
-                        <a:solidFill>
-                          <a:schemeClr val="bg1"/>
-                        </a:solidFill>
-                      </a:endParaRPr>
-                    </a:p>
-                  </a:txBody>
-                  <a:tcPr/>
-                </a:tc>
-                <a:tc>
-                  <a:txBody>
-                    <a:bodyPr/>
-                    <a:lstStyle/>
-                    <a:p>
-                      <a:r>
-                        <a:rPr lang="en-US" sz="1600" dirty="0">
-                          <a:solidFill>
-                            <a:schemeClr val="bg1"/>
-                          </a:solidFill>
-                        </a:rPr>
-                        <a:t>Blue: </a:t>
-                      </a:r>
-                      <a:r>
-                        <a:rPr lang="en-US" sz="1600" dirty="0" smtClean="0">
-                          <a:solidFill>
-                            <a:schemeClr val="bg1"/>
-                          </a:solidFill>
-                        </a:rPr>
-                        <a:t>0.66</a:t>
-                      </a:r>
-                      <a:endParaRPr lang="en-US" sz="1600" dirty="0">
-                        <a:solidFill>
-                          <a:schemeClr val="bg1"/>
-                        </a:solidFill>
-                      </a:endParaRPr>
-                    </a:p>
-                    <a:p>
-                      <a:r>
-                        <a:rPr lang="en-US" sz="1600" dirty="0">
-                          <a:solidFill>
-                            <a:schemeClr val="bg1"/>
-                          </a:solidFill>
-                        </a:rPr>
-                        <a:t>Red: 0.82</a:t>
-                      </a:r>
-                    </a:p>
-                  </a:txBody>
-                  <a:tcPr/>
-                </a:tc>
-                <a:extLst>
-                  <a:ext uri="{0D108BD9-81ED-4DB2-BD59-A6C34878D82A}">
-                    <a16:rowId xmlns:a16="http://schemas.microsoft.com/office/drawing/2014/main" val="2473706855"/>
-                  </a:ext>
-                </a:extLst>
-              </a:tr>
-              <a:tr h="370840">
-                <a:tc>
-                  <a:txBody>
-                    <a:bodyPr/>
-                    <a:lstStyle/>
-                    <a:p>
-                      <a:pPr marL="0" marR="0" lvl="0" indent="0" algn="l" defTabSz="914400" rtl="0" eaLnBrk="1" fontAlgn="auto" latinLnBrk="0" hangingPunct="1">
-                        <a:lnSpc>
-                          <a:spcPct val="100000"/>
-                        </a:lnSpc>
-                        <a:spcBef>
-                          <a:spcPts val="0"/>
-                        </a:spcBef>
-                        <a:spcAft>
-                          <a:spcPts val="0"/>
-                        </a:spcAft>
-                        <a:buClrTx/>
-                        <a:buSzTx/>
-                        <a:buFontTx/>
-                        <a:buNone/>
-                        <a:tabLst/>
-                        <a:defRPr/>
-                      </a:pPr>
-                      <a:r>
-                        <a:rPr lang="en-US" sz="1600" dirty="0">
-                          <a:solidFill>
-                            <a:schemeClr val="bg1"/>
-                          </a:solidFill>
-                        </a:rPr>
-                        <a:t>Random Forests</a:t>
-                      </a:r>
-                    </a:p>
-                  </a:txBody>
-                  <a:tcPr/>
-                </a:tc>
-                <a:tc>
-                  <a:txBody>
-                    <a:bodyPr/>
-                    <a:lstStyle/>
-                    <a:p>
-                      <a:r>
-                        <a:rPr lang="en-US" sz="1600" dirty="0" smtClean="0">
-                          <a:solidFill>
-                            <a:schemeClr val="bg1"/>
-                          </a:solidFill>
-                        </a:rPr>
-                        <a:t>0.76</a:t>
-                      </a:r>
-                      <a:endParaRPr lang="en-US" sz="1600" dirty="0">
-                        <a:solidFill>
-                          <a:schemeClr val="bg1"/>
-                        </a:solidFill>
-                      </a:endParaRPr>
-                    </a:p>
-                  </a:txBody>
-                  <a:tcPr/>
-                </a:tc>
-                <a:tc>
-                  <a:txBody>
-                    <a:bodyPr/>
-                    <a:lstStyle/>
-                    <a:p>
-                      <a:r>
-                        <a:rPr lang="en-US" sz="1600" dirty="0">
-                          <a:solidFill>
-                            <a:schemeClr val="bg1"/>
-                          </a:solidFill>
-                        </a:rPr>
-                        <a:t>Blue: 0.75</a:t>
-                      </a:r>
-                    </a:p>
-                    <a:p>
-                      <a:r>
-                        <a:rPr lang="en-US" sz="1600" dirty="0">
-                          <a:solidFill>
-                            <a:schemeClr val="bg1"/>
-                          </a:solidFill>
-                        </a:rPr>
-                        <a:t>Red: </a:t>
-                      </a:r>
-                      <a:r>
-                        <a:rPr lang="en-US" sz="1600" dirty="0" smtClean="0">
-                          <a:solidFill>
-                            <a:schemeClr val="bg1"/>
-                          </a:solidFill>
-                        </a:rPr>
-                        <a:t>0.76</a:t>
-                      </a:r>
-                      <a:endParaRPr lang="en-US" sz="1600" dirty="0">
-                        <a:solidFill>
-                          <a:schemeClr val="bg1"/>
-                        </a:solidFill>
-                      </a:endParaRPr>
-                    </a:p>
-                  </a:txBody>
-                  <a:tcPr/>
-                </a:tc>
-                <a:tc>
-                  <a:txBody>
-                    <a:bodyPr/>
-                    <a:lstStyle/>
-                    <a:p>
-                      <a:r>
-                        <a:rPr lang="en-US" sz="1600" dirty="0">
-                          <a:solidFill>
-                            <a:schemeClr val="bg1"/>
-                          </a:solidFill>
-                        </a:rPr>
-                        <a:t>Blue: </a:t>
-                      </a:r>
-                      <a:r>
-                        <a:rPr lang="en-US" sz="1600" dirty="0" smtClean="0">
-                          <a:solidFill>
-                            <a:schemeClr val="bg1"/>
-                          </a:solidFill>
-                        </a:rPr>
-                        <a:t>0.62</a:t>
-                      </a:r>
-                      <a:endParaRPr lang="en-US" sz="1600" dirty="0">
-                        <a:solidFill>
-                          <a:schemeClr val="bg1"/>
-                        </a:solidFill>
-                      </a:endParaRPr>
-                    </a:p>
-                    <a:p>
-                      <a:r>
-                        <a:rPr lang="en-US" sz="1600" dirty="0">
-                          <a:solidFill>
-                            <a:schemeClr val="bg1"/>
-                          </a:solidFill>
-                        </a:rPr>
-                        <a:t>Red: </a:t>
-                      </a:r>
-                      <a:r>
-                        <a:rPr lang="en-US" sz="1600" dirty="0" smtClean="0">
-                          <a:solidFill>
-                            <a:schemeClr val="bg1"/>
-                          </a:solidFill>
-                        </a:rPr>
-                        <a:t>0.85</a:t>
-                      </a:r>
-                      <a:endParaRPr lang="en-US" sz="1600" dirty="0">
-                        <a:solidFill>
-                          <a:schemeClr val="bg1"/>
-                        </a:solidFill>
-                      </a:endParaRPr>
-                    </a:p>
-                  </a:txBody>
-                  <a:tcPr/>
-                </a:tc>
-                <a:tc>
-                  <a:txBody>
-                    <a:bodyPr/>
-                    <a:lstStyle/>
-                    <a:p>
-                      <a:r>
-                        <a:rPr lang="en-US" sz="1600" dirty="0">
-                          <a:solidFill>
-                            <a:schemeClr val="bg1"/>
-                          </a:solidFill>
-                        </a:rPr>
-                        <a:t>Blue: </a:t>
-                      </a:r>
-                      <a:r>
-                        <a:rPr lang="en-US" sz="1600" dirty="0" smtClean="0">
-                          <a:solidFill>
-                            <a:schemeClr val="bg1"/>
-                          </a:solidFill>
-                        </a:rPr>
-                        <a:t>0.68</a:t>
-                      </a:r>
-                      <a:endParaRPr lang="en-US" sz="1600" dirty="0">
-                        <a:solidFill>
-                          <a:schemeClr val="bg1"/>
-                        </a:solidFill>
-                      </a:endParaRPr>
-                    </a:p>
-                    <a:p>
-                      <a:r>
-                        <a:rPr lang="en-US" sz="1600" dirty="0">
-                          <a:solidFill>
-                            <a:schemeClr val="bg1"/>
-                          </a:solidFill>
-                        </a:rPr>
-                        <a:t>Red: </a:t>
-                      </a:r>
-                      <a:r>
-                        <a:rPr lang="en-US" sz="1600" dirty="0" smtClean="0">
-                          <a:solidFill>
-                            <a:schemeClr val="bg1"/>
-                          </a:solidFill>
-                        </a:rPr>
-                        <a:t>0.80</a:t>
-                      </a:r>
-                      <a:endParaRPr lang="en-US" sz="1600" dirty="0">
-                        <a:solidFill>
-                          <a:schemeClr val="bg1"/>
-                        </a:solidFill>
-                      </a:endParaRPr>
-                    </a:p>
-                  </a:txBody>
-                  <a:tcPr/>
-                </a:tc>
-                <a:extLst>
-                  <a:ext uri="{0D108BD9-81ED-4DB2-BD59-A6C34878D82A}">
-                    <a16:rowId xmlns:a16="http://schemas.microsoft.com/office/drawing/2014/main" val="298382437"/>
-                  </a:ext>
-                </a:extLst>
-              </a:tr>
-              <a:tr h="370840">
-                <a:tc>
-                  <a:txBody>
-                    <a:bodyPr/>
-                    <a:lstStyle/>
-                    <a:p>
-                      <a:pPr marL="0" marR="0" lvl="0" indent="0" algn="l" defTabSz="914400" rtl="0" eaLnBrk="1" fontAlgn="auto" latinLnBrk="0" hangingPunct="1">
-                        <a:lnSpc>
-                          <a:spcPct val="100000"/>
-                        </a:lnSpc>
-                        <a:spcBef>
-                          <a:spcPts val="0"/>
-                        </a:spcBef>
-                        <a:spcAft>
-                          <a:spcPts val="0"/>
-                        </a:spcAft>
-                        <a:buClrTx/>
-                        <a:buSzTx/>
-                        <a:buFontTx/>
-                        <a:buNone/>
-                        <a:tabLst/>
-                        <a:defRPr/>
-                      </a:pPr>
-                      <a:r>
-                        <a:rPr lang="en-US" sz="1600" dirty="0" smtClean="0">
-                          <a:solidFill>
-                            <a:schemeClr val="bg1"/>
-                          </a:solidFill>
-                        </a:rPr>
-                        <a:t>Deep Learning (</a:t>
-                      </a:r>
-                      <a:r>
-                        <a:rPr lang="en-US" sz="1600" dirty="0" err="1" smtClean="0">
-                          <a:solidFill>
-                            <a:schemeClr val="bg1"/>
-                          </a:solidFill>
-                        </a:rPr>
-                        <a:t>Tensorflow</a:t>
-                      </a:r>
-                      <a:r>
-                        <a:rPr lang="en-US" sz="1600" dirty="0" smtClean="0">
-                          <a:solidFill>
-                            <a:schemeClr val="bg1"/>
-                          </a:solidFill>
-                        </a:rPr>
-                        <a:t>)</a:t>
-                      </a:r>
-                      <a:endParaRPr lang="en-US" sz="1600" dirty="0">
-                        <a:solidFill>
-                          <a:schemeClr val="bg1"/>
-                        </a:solidFill>
-                      </a:endParaRPr>
-                    </a:p>
-                  </a:txBody>
-                  <a:tcPr/>
-                </a:tc>
-                <a:tc>
-                  <a:txBody>
-                    <a:bodyPr/>
-                    <a:lstStyle/>
-                    <a:p>
-                      <a:r>
-                        <a:rPr lang="en-US" sz="1600" dirty="0">
-                          <a:solidFill>
-                            <a:schemeClr val="bg1"/>
-                          </a:solidFill>
-                        </a:rPr>
-                        <a:t>0.76</a:t>
-                      </a:r>
-                    </a:p>
-                  </a:txBody>
-                  <a:tcPr/>
-                </a:tc>
-                <a:tc>
-                  <a:txBody>
-                    <a:bodyPr/>
-                    <a:lstStyle/>
-                    <a:p>
-                      <a:r>
-                        <a:rPr lang="en-US" sz="1600" dirty="0" smtClean="0">
-                          <a:solidFill>
-                            <a:schemeClr val="bg1"/>
-                          </a:solidFill>
-                        </a:rPr>
-                        <a:t>NA</a:t>
-                      </a:r>
-                      <a:endParaRPr lang="en-US" sz="1600" dirty="0">
-                        <a:solidFill>
-                          <a:schemeClr val="bg1"/>
-                        </a:solidFill>
-                      </a:endParaRPr>
-                    </a:p>
-                  </a:txBody>
-                  <a:tcPr/>
-                </a:tc>
-                <a:tc>
-                  <a:txBody>
-                    <a:bodyPr/>
-                    <a:lstStyle/>
-                    <a:p>
-                      <a:r>
-                        <a:rPr lang="en-US" sz="1600" dirty="0" smtClean="0">
-                          <a:solidFill>
-                            <a:schemeClr val="bg1"/>
-                          </a:solidFill>
-                        </a:rPr>
-                        <a:t>NA</a:t>
-                      </a:r>
-                      <a:endParaRPr lang="en-US" sz="1600" dirty="0">
-                        <a:solidFill>
-                          <a:schemeClr val="bg1"/>
-                        </a:solidFill>
-                      </a:endParaRPr>
-                    </a:p>
-                  </a:txBody>
-                  <a:tcPr/>
-                </a:tc>
-                <a:tc>
-                  <a:txBody>
-                    <a:bodyPr/>
-                    <a:lstStyle/>
-                    <a:p>
-                      <a:r>
-                        <a:rPr lang="en-US" sz="1600" dirty="0" smtClean="0">
-                          <a:solidFill>
-                            <a:schemeClr val="bg1"/>
-                          </a:solidFill>
-                        </a:rPr>
-                        <a:t>NA</a:t>
-                      </a:r>
-                      <a:endParaRPr lang="en-US" sz="1600" dirty="0">
-                        <a:solidFill>
-                          <a:schemeClr val="bg1"/>
-                        </a:solidFill>
-                      </a:endParaRPr>
-                    </a:p>
-                  </a:txBody>
-                  <a:tcPr/>
-                </a:tc>
-                <a:extLst>
-                  <a:ext uri="{0D108BD9-81ED-4DB2-BD59-A6C34878D82A}">
-                    <a16:rowId xmlns:a16="http://schemas.microsoft.com/office/drawing/2014/main" val="1605119501"/>
-                  </a:ext>
-                </a:extLst>
-              </a:tr>
-              <a:tr h="370840">
-                <a:tc>
-                  <a:txBody>
-                    <a:bodyPr/>
-                    <a:lstStyle/>
-                    <a:p>
-                      <a:pPr marL="0" marR="0" lvl="0" indent="0" algn="l" defTabSz="914400" rtl="0" eaLnBrk="1" fontAlgn="auto" latinLnBrk="0" hangingPunct="1">
-                        <a:lnSpc>
-                          <a:spcPct val="100000"/>
-                        </a:lnSpc>
-                        <a:spcBef>
-                          <a:spcPts val="0"/>
-                        </a:spcBef>
-                        <a:spcAft>
-                          <a:spcPts val="0"/>
-                        </a:spcAft>
-                        <a:buClrTx/>
-                        <a:buSzTx/>
-                        <a:buFontTx/>
-                        <a:buNone/>
-                        <a:tabLst/>
-                        <a:defRPr/>
-                      </a:pPr>
-                      <a:r>
-                        <a:rPr lang="en-US" sz="1600" dirty="0">
-                          <a:solidFill>
-                            <a:schemeClr val="bg1"/>
-                          </a:solidFill>
-                        </a:rPr>
-                        <a:t>K-Nearest </a:t>
-                      </a:r>
-                      <a:r>
-                        <a:rPr lang="en-US" sz="1600" dirty="0" smtClean="0">
-                          <a:solidFill>
-                            <a:schemeClr val="bg1"/>
-                          </a:solidFill>
-                        </a:rPr>
-                        <a:t>Neighbors (Scaled)</a:t>
-                      </a:r>
-                      <a:endParaRPr lang="en-US" sz="1600" dirty="0">
-                        <a:solidFill>
-                          <a:schemeClr val="bg1"/>
-                        </a:solidFill>
-                      </a:endParaRPr>
-                    </a:p>
-                  </a:txBody>
-                  <a:tcPr/>
-                </a:tc>
-                <a:tc>
-                  <a:txBody>
-                    <a:bodyPr/>
-                    <a:lstStyle/>
-                    <a:p>
-                      <a:r>
-                        <a:rPr lang="en-US" sz="1600" dirty="0" smtClean="0">
-                          <a:solidFill>
-                            <a:schemeClr val="bg1"/>
-                          </a:solidFill>
-                        </a:rPr>
-                        <a:t>0.71</a:t>
-                      </a:r>
-                      <a:endParaRPr lang="en-US" sz="1600" dirty="0">
-                        <a:solidFill>
-                          <a:schemeClr val="bg1"/>
-                        </a:solidFill>
-                      </a:endParaRPr>
-                    </a:p>
-                  </a:txBody>
-                  <a:tcPr/>
-                </a:tc>
-                <a:tc>
-                  <a:txBody>
-                    <a:bodyPr/>
-                    <a:lstStyle/>
-                    <a:p>
-                      <a:r>
-                        <a:rPr lang="en-US" sz="1600" dirty="0">
-                          <a:solidFill>
-                            <a:schemeClr val="bg1"/>
-                          </a:solidFill>
-                        </a:rPr>
-                        <a:t>Blue: </a:t>
-                      </a:r>
-                      <a:r>
-                        <a:rPr lang="en-US" sz="1600" dirty="0" smtClean="0">
-                          <a:solidFill>
-                            <a:schemeClr val="bg1"/>
-                          </a:solidFill>
-                        </a:rPr>
-                        <a:t>0.69</a:t>
-                      </a:r>
-                      <a:endParaRPr lang="en-US" sz="1600" dirty="0">
-                        <a:solidFill>
-                          <a:schemeClr val="bg1"/>
-                        </a:solidFill>
-                      </a:endParaRPr>
-                    </a:p>
-                    <a:p>
-                      <a:r>
-                        <a:rPr lang="en-US" sz="1600" dirty="0">
-                          <a:solidFill>
-                            <a:schemeClr val="bg1"/>
-                          </a:solidFill>
-                        </a:rPr>
-                        <a:t>Red: </a:t>
-                      </a:r>
-                      <a:r>
-                        <a:rPr lang="en-US" sz="1600" dirty="0" smtClean="0">
-                          <a:solidFill>
-                            <a:schemeClr val="bg1"/>
-                          </a:solidFill>
-                        </a:rPr>
-                        <a:t>0.73</a:t>
-                      </a:r>
-                      <a:endParaRPr lang="en-US" sz="1600" dirty="0">
-                        <a:solidFill>
-                          <a:schemeClr val="bg1"/>
-                        </a:solidFill>
-                      </a:endParaRPr>
-                    </a:p>
-                  </a:txBody>
-                  <a:tcPr/>
-                </a:tc>
-                <a:tc>
-                  <a:txBody>
-                    <a:bodyPr/>
-                    <a:lstStyle/>
-                    <a:p>
-                      <a:r>
-                        <a:rPr lang="en-US" sz="1600" dirty="0">
-                          <a:solidFill>
-                            <a:schemeClr val="bg1"/>
-                          </a:solidFill>
-                        </a:rPr>
-                        <a:t>Blue: </a:t>
-                      </a:r>
-                      <a:r>
-                        <a:rPr lang="en-US" sz="1600" dirty="0" smtClean="0">
-                          <a:solidFill>
-                            <a:schemeClr val="bg1"/>
-                          </a:solidFill>
-                        </a:rPr>
-                        <a:t>0.56</a:t>
-                      </a:r>
-                      <a:endParaRPr lang="en-US" sz="1600" dirty="0">
-                        <a:solidFill>
-                          <a:schemeClr val="bg1"/>
-                        </a:solidFill>
-                      </a:endParaRPr>
-                    </a:p>
-                    <a:p>
-                      <a:r>
-                        <a:rPr lang="en-US" sz="1600" dirty="0">
-                          <a:solidFill>
-                            <a:schemeClr val="bg1"/>
-                          </a:solidFill>
-                        </a:rPr>
-                        <a:t>Red: </a:t>
-                      </a:r>
-                      <a:r>
-                        <a:rPr lang="en-US" sz="1600" dirty="0" smtClean="0">
-                          <a:solidFill>
-                            <a:schemeClr val="bg1"/>
-                          </a:solidFill>
-                        </a:rPr>
-                        <a:t>0.83</a:t>
-                      </a:r>
-                      <a:endParaRPr lang="en-US" sz="1600" dirty="0">
-                        <a:solidFill>
-                          <a:schemeClr val="bg1"/>
-                        </a:solidFill>
-                      </a:endParaRPr>
-                    </a:p>
-                  </a:txBody>
-                  <a:tcPr/>
-                </a:tc>
-                <a:tc>
-                  <a:txBody>
-                    <a:bodyPr/>
-                    <a:lstStyle/>
-                    <a:p>
-                      <a:r>
-                        <a:rPr lang="en-US" sz="1600" dirty="0">
-                          <a:solidFill>
-                            <a:schemeClr val="bg1"/>
-                          </a:solidFill>
-                        </a:rPr>
-                        <a:t>Blue: </a:t>
-                      </a:r>
-                      <a:r>
-                        <a:rPr lang="en-US" sz="1600" dirty="0" smtClean="0">
-                          <a:solidFill>
-                            <a:schemeClr val="bg1"/>
-                          </a:solidFill>
-                        </a:rPr>
-                        <a:t>0.62</a:t>
-                      </a:r>
-                      <a:endParaRPr lang="en-US" sz="1600" dirty="0">
-                        <a:solidFill>
-                          <a:schemeClr val="bg1"/>
-                        </a:solidFill>
-                      </a:endParaRPr>
-                    </a:p>
-                    <a:p>
-                      <a:r>
-                        <a:rPr lang="en-US" sz="1600" dirty="0">
-                          <a:solidFill>
-                            <a:schemeClr val="bg1"/>
-                          </a:solidFill>
-                        </a:rPr>
-                        <a:t>Red: </a:t>
-                      </a:r>
-                      <a:r>
-                        <a:rPr lang="en-US" sz="1600" dirty="0" smtClean="0">
-                          <a:solidFill>
-                            <a:schemeClr val="bg1"/>
-                          </a:solidFill>
-                        </a:rPr>
-                        <a:t>0.77</a:t>
-                      </a:r>
-                      <a:endParaRPr lang="en-US" sz="1600" dirty="0">
-                        <a:solidFill>
-                          <a:schemeClr val="bg1"/>
-                        </a:solidFill>
-                      </a:endParaRPr>
-                    </a:p>
-                  </a:txBody>
-                  <a:tcPr/>
-                </a:tc>
-                <a:extLst>
-                  <a:ext uri="{0D108BD9-81ED-4DB2-BD59-A6C34878D82A}">
-                    <a16:rowId xmlns:a16="http://schemas.microsoft.com/office/drawing/2014/main" val="3074769454"/>
-                  </a:ext>
-                </a:extLst>
-              </a:tr>
-              <a:tr h="370840">
-                <a:tc>
-                  <a:txBody>
-                    <a:bodyPr/>
-                    <a:lstStyle/>
-                    <a:p>
-                      <a:pPr marL="0" marR="0" lvl="0" indent="0" algn="l" defTabSz="914400" rtl="0" eaLnBrk="1" fontAlgn="auto" latinLnBrk="0" hangingPunct="1">
-                        <a:lnSpc>
-                          <a:spcPct val="100000"/>
-                        </a:lnSpc>
-                        <a:spcBef>
-                          <a:spcPts val="0"/>
-                        </a:spcBef>
-                        <a:spcAft>
-                          <a:spcPts val="0"/>
-                        </a:spcAft>
-                        <a:buClrTx/>
-                        <a:buSzTx/>
-                        <a:buFontTx/>
-                        <a:buNone/>
-                        <a:tabLst/>
-                        <a:defRPr/>
-                      </a:pPr>
-                      <a:r>
-                        <a:rPr lang="en-US" sz="1600" dirty="0">
-                          <a:solidFill>
-                            <a:schemeClr val="bg1"/>
-                          </a:solidFill>
-                        </a:rPr>
-                        <a:t>Neural </a:t>
-                      </a:r>
-                      <a:r>
-                        <a:rPr lang="en-US" sz="1600" dirty="0" smtClean="0">
-                          <a:solidFill>
-                            <a:schemeClr val="bg1"/>
-                          </a:solidFill>
-                        </a:rPr>
-                        <a:t>Networks MLP (Scaled)</a:t>
-                      </a:r>
-                      <a:endParaRPr lang="en-US" sz="1600" dirty="0">
-                        <a:solidFill>
-                          <a:schemeClr val="bg1"/>
-                        </a:solidFill>
-                      </a:endParaRPr>
-                    </a:p>
-                  </a:txBody>
-                  <a:tcPr/>
-                </a:tc>
-                <a:tc>
-                  <a:txBody>
-                    <a:bodyPr/>
-                    <a:lstStyle/>
-                    <a:p>
-                      <a:r>
-                        <a:rPr lang="en-US" sz="1600" dirty="0" smtClean="0">
-                          <a:solidFill>
-                            <a:schemeClr val="bg1"/>
-                          </a:solidFill>
-                        </a:rPr>
-                        <a:t>0.71</a:t>
-                      </a:r>
-                      <a:endParaRPr lang="en-US" sz="1600" dirty="0">
-                        <a:solidFill>
-                          <a:schemeClr val="bg1"/>
-                        </a:solidFill>
-                      </a:endParaRPr>
-                    </a:p>
-                  </a:txBody>
-                  <a:tcPr/>
-                </a:tc>
-                <a:tc>
-                  <a:txBody>
-                    <a:bodyPr/>
-                    <a:lstStyle/>
-                    <a:p>
-                      <a:r>
-                        <a:rPr lang="en-US" sz="1600" dirty="0">
-                          <a:solidFill>
-                            <a:schemeClr val="bg1"/>
-                          </a:solidFill>
-                        </a:rPr>
-                        <a:t>Blue: </a:t>
-                      </a:r>
-                      <a:r>
-                        <a:rPr lang="en-US" sz="1600" dirty="0" smtClean="0">
-                          <a:solidFill>
-                            <a:schemeClr val="bg1"/>
-                          </a:solidFill>
-                        </a:rPr>
-                        <a:t>0.65</a:t>
-                      </a:r>
-                      <a:endParaRPr lang="en-US" sz="1600" dirty="0">
-                        <a:solidFill>
-                          <a:schemeClr val="bg1"/>
-                        </a:solidFill>
-                      </a:endParaRPr>
-                    </a:p>
-                    <a:p>
-                      <a:r>
-                        <a:rPr lang="en-US" sz="1600" dirty="0">
-                          <a:solidFill>
-                            <a:schemeClr val="bg1"/>
-                          </a:solidFill>
-                        </a:rPr>
-                        <a:t>Red: </a:t>
-                      </a:r>
-                      <a:r>
-                        <a:rPr lang="en-US" sz="1600" dirty="0" smtClean="0">
-                          <a:solidFill>
-                            <a:schemeClr val="bg1"/>
-                          </a:solidFill>
-                        </a:rPr>
-                        <a:t>0.75</a:t>
-                      </a:r>
-                      <a:endParaRPr lang="en-US" sz="1600" dirty="0">
-                        <a:solidFill>
-                          <a:schemeClr val="bg1"/>
-                        </a:solidFill>
-                      </a:endParaRPr>
-                    </a:p>
-                  </a:txBody>
-                  <a:tcPr/>
-                </a:tc>
-                <a:tc>
-                  <a:txBody>
-                    <a:bodyPr/>
-                    <a:lstStyle/>
-                    <a:p>
-                      <a:r>
-                        <a:rPr lang="en-US" sz="1600" dirty="0">
-                          <a:solidFill>
-                            <a:schemeClr val="bg1"/>
-                          </a:solidFill>
-                        </a:rPr>
-                        <a:t>Blue: </a:t>
-                      </a:r>
-                      <a:r>
-                        <a:rPr lang="en-US" sz="1600" dirty="0" smtClean="0">
-                          <a:solidFill>
-                            <a:schemeClr val="bg1"/>
-                          </a:solidFill>
-                        </a:rPr>
-                        <a:t>0.64</a:t>
-                      </a:r>
-                      <a:endParaRPr lang="en-US" sz="1600" dirty="0">
-                        <a:solidFill>
-                          <a:schemeClr val="bg1"/>
-                        </a:solidFill>
-                      </a:endParaRPr>
-                    </a:p>
-                    <a:p>
-                      <a:r>
-                        <a:rPr lang="en-US" sz="1600" dirty="0">
-                          <a:solidFill>
-                            <a:schemeClr val="bg1"/>
-                          </a:solidFill>
-                        </a:rPr>
-                        <a:t>Red: </a:t>
-                      </a:r>
-                      <a:r>
-                        <a:rPr lang="en-US" sz="1600" dirty="0" smtClean="0">
-                          <a:solidFill>
-                            <a:schemeClr val="bg1"/>
-                          </a:solidFill>
-                        </a:rPr>
-                        <a:t>0.76</a:t>
-                      </a:r>
-                      <a:endParaRPr lang="en-US" sz="1600" dirty="0">
-                        <a:solidFill>
-                          <a:schemeClr val="bg1"/>
-                        </a:solidFill>
-                      </a:endParaRPr>
-                    </a:p>
-                  </a:txBody>
-                  <a:tcPr/>
-                </a:tc>
-                <a:tc>
-                  <a:txBody>
-                    <a:bodyPr/>
-                    <a:lstStyle/>
-                    <a:p>
-                      <a:r>
-                        <a:rPr lang="en-US" sz="1600" dirty="0">
-                          <a:solidFill>
-                            <a:schemeClr val="bg1"/>
-                          </a:solidFill>
-                        </a:rPr>
-                        <a:t>Blue: </a:t>
-                      </a:r>
-                      <a:r>
-                        <a:rPr lang="en-US" sz="1600" dirty="0" smtClean="0">
-                          <a:solidFill>
-                            <a:schemeClr val="bg1"/>
-                          </a:solidFill>
-                        </a:rPr>
-                        <a:t>0.65</a:t>
-                      </a:r>
-                      <a:endParaRPr lang="en-US" sz="1600" dirty="0">
-                        <a:solidFill>
-                          <a:schemeClr val="bg1"/>
-                        </a:solidFill>
-                      </a:endParaRPr>
-                    </a:p>
-                    <a:p>
-                      <a:r>
-                        <a:rPr lang="en-US" sz="1600" dirty="0">
-                          <a:solidFill>
-                            <a:schemeClr val="bg1"/>
-                          </a:solidFill>
-                        </a:rPr>
-                        <a:t>Red: </a:t>
-                      </a:r>
-                      <a:r>
-                        <a:rPr lang="en-US" sz="1600" dirty="0" smtClean="0">
-                          <a:solidFill>
-                            <a:schemeClr val="bg1"/>
-                          </a:solidFill>
-                        </a:rPr>
-                        <a:t>0.76</a:t>
-                      </a:r>
-                      <a:endParaRPr lang="en-US" sz="1600" dirty="0">
-                        <a:solidFill>
-                          <a:schemeClr val="bg1"/>
-                        </a:solidFill>
-                      </a:endParaRPr>
-                    </a:p>
-                  </a:txBody>
-                  <a:tcPr/>
-                </a:tc>
-                <a:extLst>
-                  <a:ext uri="{0D108BD9-81ED-4DB2-BD59-A6C34878D82A}">
-                    <a16:rowId xmlns:a16="http://schemas.microsoft.com/office/drawing/2014/main" val="1365646877"/>
-                  </a:ext>
-                </a:extLst>
-              </a:tr>
-            </a:tbl>
-          </a:graphicData>
-        </a:graphic>
-      </p:graphicFrame>
-    </p:spTree>
-    <p:extLst>
-      <p:ext uri="{BB962C8B-B14F-4D97-AF65-F5344CB8AC3E}">
-        <p14:creationId xmlns:p14="http://schemas.microsoft.com/office/powerpoint/2010/main" val="4042440601"/>
-      </p:ext>
-    </p:extLst>
-  </p:cSld>
-  <p:clrMapOvr>
-    <a:masterClrMapping/>
-  </p:clrMapOvr>
-  <p:timing>
-    <p:tnLst>
-      <p:par>
-        <p:cTn id="1" dur="indefinite" restart="never" nodeType="tmRoot"/>
-      </p:par>
-    </p:tnLst>
-  </p:timing>
-</p:sld>
-</file>
-
-<file path=ppt/slides/slide14.xml><?xml version="1.0" encoding="utf-8"?>
-<p:sld xmlns:a="http://schemas.openxmlformats.org/drawingml/2006/main" xmlns:r="http://schemas.openxmlformats.org/officeDocument/2006/relationships" xmlns:p="http://schemas.openxmlformats.org/presentationml/2006/main">
-  <p:cSld>
-    <p:bg>
-      <p:bgPr>
-        <a:blipFill dpi="0" rotWithShape="1">
-          <a:blip r:embed="rId3">
-            <a:lum/>
-          </a:blip>
-          <a:srcRect/>
-          <a:stretch>
-            <a:fillRect/>
-          </a:stretch>
-        </a:blipFill>
-        <a:effectLst/>
-      </p:bgPr>
-    </p:bg>
-    <p:spTree>
-      <p:nvGrpSpPr>
-        <p:cNvPr id="1" name=""/>
-        <p:cNvGrpSpPr/>
-        <p:nvPr/>
-      </p:nvGrpSpPr>
-      <p:grpSpPr>
-        <a:xfrm>
-          <a:off x="0" y="0"/>
-          <a:ext cx="0" cy="0"/>
-          <a:chOff x="0" y="0"/>
-          <a:chExt cx="0" cy="0"/>
-        </a:xfrm>
-      </p:grpSpPr>
-      <p:sp>
-        <p:nvSpPr>
-          <p:cNvPr id="22" name="Title 1"/>
-          <p:cNvSpPr txBox="1">
-            <a:spLocks/>
-          </p:cNvSpPr>
-          <p:nvPr/>
-        </p:nvSpPr>
-        <p:spPr>
-          <a:xfrm>
-            <a:off x="742950" y="1472134"/>
-            <a:ext cx="10515600" cy="1325563"/>
-          </a:xfrm>
-          <a:prstGeom prst="rect">
-            <a:avLst/>
-          </a:prstGeom>
-        </p:spPr>
-        <p:txBody>
-          <a:bodyPr>
-            <a:normAutofit/>
-          </a:bodyPr>
-          <a:lstStyle>
-            <a:lvl1pPr algn="l" defTabSz="914400" rtl="0" eaLnBrk="1" latinLnBrk="0" hangingPunct="1">
-              <a:lnSpc>
-                <a:spcPct val="90000"/>
-              </a:lnSpc>
-              <a:spcBef>
-                <a:spcPct val="0"/>
-              </a:spcBef>
-              <a:buNone/>
-              <a:defRPr sz="4400" kern="1200">
-                <a:solidFill>
-                  <a:schemeClr val="tx1"/>
-                </a:solidFill>
-                <a:latin typeface="+mj-lt"/>
-                <a:ea typeface="+mj-ea"/>
-                <a:cs typeface="+mj-cs"/>
-              </a:defRPr>
-            </a:lvl1pPr>
-          </a:lstStyle>
-          <a:p>
-            <a:pPr algn="ctr"/>
-            <a:r>
-              <a:rPr lang="en-US" sz="4800" dirty="0" smtClean="0">
-                <a:solidFill>
-                  <a:schemeClr val="bg1"/>
-                </a:solidFill>
-                <a:latin typeface="Sternbach" panose="02000500000000000000" pitchFamily="2" charset="0"/>
-              </a:rPr>
-              <a:t>Results</a:t>
-            </a:r>
-            <a:endParaRPr lang="en-US" sz="4800" dirty="0">
-              <a:solidFill>
-                <a:schemeClr val="bg1"/>
-              </a:solidFill>
-              <a:latin typeface="Sternbach" panose="02000500000000000000" pitchFamily="2" charset="0"/>
-            </a:endParaRPr>
-          </a:p>
-        </p:txBody>
-      </p:sp>
-      <p:graphicFrame>
-        <p:nvGraphicFramePr>
-          <p:cNvPr id="4" name="Table 5">
-            <a:extLst>
-              <a:ext uri="{FF2B5EF4-FFF2-40B4-BE49-F238E27FC236}">
-                <a16:creationId xmlns:a16="http://schemas.microsoft.com/office/drawing/2014/main" id="{8D33B745-DADF-3040-B21E-1364179175B3}"/>
-              </a:ext>
-            </a:extLst>
-          </p:cNvPr>
-          <p:cNvGraphicFramePr>
-            <a:graphicFrameLocks/>
-          </p:cNvGraphicFramePr>
-          <p:nvPr>
-            <p:extLst>
-              <p:ext uri="{D42A27DB-BD31-4B8C-83A1-F6EECF244321}">
-                <p14:modId xmlns:p14="http://schemas.microsoft.com/office/powerpoint/2010/main" val="396899486"/>
-              </p:ext>
-            </p:extLst>
-          </p:nvPr>
-        </p:nvGraphicFramePr>
-        <p:xfrm>
-          <a:off x="742950" y="2278112"/>
-          <a:ext cx="10997946" cy="4008120"/>
-        </p:xfrm>
-        <a:graphic>
-          <a:graphicData uri="http://schemas.openxmlformats.org/drawingml/2006/table">
-            <a:tbl>
-              <a:tblPr firstRow="1" bandRow="1">
-                <a:tableStyleId>{D27102A9-8310-4765-A935-A1911B00CA55}</a:tableStyleId>
-              </a:tblPr>
-              <a:tblGrid>
-                <a:gridCol w="2585466">
-                  <a:extLst>
-                    <a:ext uri="{9D8B030D-6E8A-4147-A177-3AD203B41FA5}">
-                      <a16:colId xmlns:a16="http://schemas.microsoft.com/office/drawing/2014/main" val="978186728"/>
-                    </a:ext>
-                  </a:extLst>
-                </a:gridCol>
-                <a:gridCol w="2103120">
-                  <a:extLst>
-                    <a:ext uri="{9D8B030D-6E8A-4147-A177-3AD203B41FA5}">
-                      <a16:colId xmlns:a16="http://schemas.microsoft.com/office/drawing/2014/main" val="1650450688"/>
-                    </a:ext>
-                  </a:extLst>
-                </a:gridCol>
-                <a:gridCol w="2103120">
-                  <a:extLst>
-                    <a:ext uri="{9D8B030D-6E8A-4147-A177-3AD203B41FA5}">
-                      <a16:colId xmlns:a16="http://schemas.microsoft.com/office/drawing/2014/main" val="321731917"/>
-                    </a:ext>
-                  </a:extLst>
-                </a:gridCol>
-                <a:gridCol w="2103120">
-                  <a:extLst>
-                    <a:ext uri="{9D8B030D-6E8A-4147-A177-3AD203B41FA5}">
-                      <a16:colId xmlns:a16="http://schemas.microsoft.com/office/drawing/2014/main" val="3694452088"/>
-                    </a:ext>
-                  </a:extLst>
-                </a:gridCol>
-                <a:gridCol w="2103120">
-                  <a:extLst>
-                    <a:ext uri="{9D8B030D-6E8A-4147-A177-3AD203B41FA5}">
-                      <a16:colId xmlns:a16="http://schemas.microsoft.com/office/drawing/2014/main" val="1824075857"/>
-                    </a:ext>
-                  </a:extLst>
-                </a:gridCol>
-              </a:tblGrid>
-              <a:tr h="370840">
-                <a:tc gridSpan="5">
-                  <a:txBody>
-                    <a:bodyPr/>
-                    <a:lstStyle/>
-                    <a:p>
-                      <a:pPr algn="ctr"/>
-                      <a:r>
-                        <a:rPr lang="en-US" sz="1600" dirty="0" smtClean="0">
-                          <a:solidFill>
-                            <a:schemeClr val="bg1"/>
-                          </a:solidFill>
-                        </a:rPr>
-                        <a:t>Feature Set Random Forest</a:t>
-                      </a:r>
-                      <a:endParaRPr lang="en-US" sz="1600" dirty="0">
-                        <a:solidFill>
-                          <a:schemeClr val="bg1"/>
-                        </a:solidFill>
-                      </a:endParaRPr>
-                    </a:p>
-                  </a:txBody>
-                  <a:tcPr/>
-                </a:tc>
-                <a:tc hMerge="1">
-                  <a:txBody>
-                    <a:bodyPr/>
-                    <a:lstStyle/>
-                    <a:p>
-                      <a:pPr marL="0" marR="0" lvl="0" indent="0" algn="ctr" defTabSz="914400" rtl="0" eaLnBrk="1" fontAlgn="auto" latinLnBrk="0" hangingPunct="1">
-                        <a:lnSpc>
-                          <a:spcPct val="100000"/>
-                        </a:lnSpc>
-                        <a:spcBef>
-                          <a:spcPts val="0"/>
-                        </a:spcBef>
-                        <a:spcAft>
-                          <a:spcPts val="0"/>
-                        </a:spcAft>
-                        <a:buClrTx/>
-                        <a:buSzTx/>
-                        <a:buFontTx/>
-                        <a:buNone/>
-                        <a:tabLst/>
-                        <a:defRPr/>
-                      </a:pPr>
-                      <a:endParaRPr lang="en-US" sz="1800" dirty="0">
-                        <a:solidFill>
-                          <a:schemeClr val="bg1"/>
-                        </a:solidFill>
-                      </a:endParaRPr>
-                    </a:p>
-                  </a:txBody>
-                  <a:tcPr/>
-                </a:tc>
-                <a:tc hMerge="1">
-                  <a:txBody>
-                    <a:bodyPr/>
-                    <a:lstStyle/>
-                    <a:p>
-                      <a:pPr marL="0" marR="0" lvl="0" indent="0" algn="ctr" defTabSz="914400" rtl="0" eaLnBrk="1" fontAlgn="auto" latinLnBrk="0" hangingPunct="1">
-                        <a:lnSpc>
-                          <a:spcPct val="100000"/>
-                        </a:lnSpc>
-                        <a:spcBef>
-                          <a:spcPts val="0"/>
-                        </a:spcBef>
-                        <a:spcAft>
-                          <a:spcPts val="0"/>
-                        </a:spcAft>
-                        <a:buClrTx/>
-                        <a:buSzTx/>
-                        <a:buFontTx/>
-                        <a:buNone/>
-                        <a:tabLst/>
-                        <a:defRPr/>
-                      </a:pPr>
-                      <a:endParaRPr lang="en-US" sz="1800" dirty="0">
-                        <a:solidFill>
-                          <a:schemeClr val="bg1"/>
-                        </a:solidFill>
-                      </a:endParaRPr>
-                    </a:p>
-                  </a:txBody>
-                  <a:tcPr/>
-                </a:tc>
-                <a:tc hMerge="1">
-                  <a:txBody>
-                    <a:bodyPr/>
-                    <a:lstStyle/>
-                    <a:p>
-                      <a:pPr marL="0" marR="0" lvl="0" indent="0" algn="ctr" defTabSz="914400" rtl="0" eaLnBrk="1" fontAlgn="auto" latinLnBrk="0" hangingPunct="1">
-                        <a:lnSpc>
-                          <a:spcPct val="100000"/>
-                        </a:lnSpc>
-                        <a:spcBef>
-                          <a:spcPts val="0"/>
-                        </a:spcBef>
-                        <a:spcAft>
-                          <a:spcPts val="0"/>
-                        </a:spcAft>
-                        <a:buClrTx/>
-                        <a:buSzTx/>
-                        <a:buFontTx/>
-                        <a:buNone/>
-                        <a:tabLst/>
-                        <a:defRPr/>
-                      </a:pPr>
-                      <a:endParaRPr lang="en-US" sz="1800" dirty="0">
-                        <a:solidFill>
-                          <a:schemeClr val="bg1"/>
-                        </a:solidFill>
-                      </a:endParaRPr>
-                    </a:p>
-                  </a:txBody>
-                  <a:tcPr/>
-                </a:tc>
-                <a:tc hMerge="1">
-                  <a:txBody>
-                    <a:bodyPr/>
-                    <a:lstStyle/>
-                    <a:p>
-                      <a:pPr marL="0" marR="0" lvl="0" indent="0" algn="ctr" defTabSz="914400" rtl="0" eaLnBrk="1" fontAlgn="auto" latinLnBrk="0" hangingPunct="1">
-                        <a:lnSpc>
-                          <a:spcPct val="100000"/>
-                        </a:lnSpc>
-                        <a:spcBef>
-                          <a:spcPts val="0"/>
-                        </a:spcBef>
-                        <a:spcAft>
-                          <a:spcPts val="0"/>
-                        </a:spcAft>
-                        <a:buClrTx/>
-                        <a:buSzTx/>
-                        <a:buFontTx/>
-                        <a:buNone/>
-                        <a:tabLst/>
-                        <a:defRPr/>
-                      </a:pPr>
-                      <a:endParaRPr lang="en-US" sz="1800" dirty="0">
-                        <a:solidFill>
-                          <a:schemeClr val="bg1"/>
-                        </a:solidFill>
-                      </a:endParaRPr>
-                    </a:p>
-                  </a:txBody>
-                  <a:tcPr/>
-                </a:tc>
-                <a:extLst>
-                  <a:ext uri="{0D108BD9-81ED-4DB2-BD59-A6C34878D82A}">
-                    <a16:rowId xmlns:a16="http://schemas.microsoft.com/office/drawing/2014/main" val="3636761358"/>
-                  </a:ext>
-                </a:extLst>
-              </a:tr>
-              <a:tr h="370840">
-                <a:tc>
-                  <a:txBody>
-                    <a:bodyPr/>
-                    <a:lstStyle/>
-                    <a:p>
-                      <a:pPr algn="ctr"/>
-                      <a:r>
-                        <a:rPr lang="en-US" sz="1600" dirty="0">
-                          <a:solidFill>
-                            <a:schemeClr val="bg1"/>
-                          </a:solidFill>
-                        </a:rPr>
-                        <a:t>Models</a:t>
-                      </a:r>
-                    </a:p>
-                  </a:txBody>
-                  <a:tcPr/>
-                </a:tc>
-                <a:tc>
-                  <a:txBody>
-                    <a:bodyPr/>
-                    <a:lstStyle/>
-                    <a:p>
-                      <a:pPr marL="0" marR="0" lvl="0" indent="0" algn="ctr" defTabSz="914400" rtl="0" eaLnBrk="1" fontAlgn="auto" latinLnBrk="0" hangingPunct="1">
-                        <a:lnSpc>
-                          <a:spcPct val="100000"/>
-                        </a:lnSpc>
-                        <a:spcBef>
-                          <a:spcPts val="0"/>
-                        </a:spcBef>
-                        <a:spcAft>
-                          <a:spcPts val="0"/>
-                        </a:spcAft>
-                        <a:buClrTx/>
-                        <a:buSzTx/>
-                        <a:buFontTx/>
-                        <a:buNone/>
-                        <a:tabLst/>
-                        <a:defRPr/>
-                      </a:pPr>
-                      <a:r>
-                        <a:rPr lang="en-US" sz="1600" dirty="0">
-                          <a:solidFill>
-                            <a:schemeClr val="bg1"/>
-                          </a:solidFill>
-                        </a:rPr>
-                        <a:t>Test Accuracy</a:t>
-                      </a:r>
-                    </a:p>
-                  </a:txBody>
-                  <a:tcPr/>
-                </a:tc>
-                <a:tc>
-                  <a:txBody>
-                    <a:bodyPr/>
-                    <a:lstStyle/>
-                    <a:p>
-                      <a:pPr marL="0" marR="0" lvl="0" indent="0" algn="ctr" defTabSz="914400" rtl="0" eaLnBrk="1" fontAlgn="auto" latinLnBrk="0" hangingPunct="1">
-                        <a:lnSpc>
-                          <a:spcPct val="100000"/>
-                        </a:lnSpc>
-                        <a:spcBef>
-                          <a:spcPts val="0"/>
-                        </a:spcBef>
-                        <a:spcAft>
-                          <a:spcPts val="0"/>
-                        </a:spcAft>
-                        <a:buClrTx/>
-                        <a:buSzTx/>
-                        <a:buFontTx/>
-                        <a:buNone/>
-                        <a:tabLst/>
-                        <a:defRPr/>
-                      </a:pPr>
-                      <a:r>
-                        <a:rPr lang="en-US" sz="1600" dirty="0">
-                          <a:solidFill>
-                            <a:schemeClr val="bg1"/>
-                          </a:solidFill>
-                        </a:rPr>
-                        <a:t>Test Precision</a:t>
-                      </a:r>
-                    </a:p>
-                  </a:txBody>
-                  <a:tcPr/>
-                </a:tc>
-                <a:tc>
-                  <a:txBody>
-                    <a:bodyPr/>
-                    <a:lstStyle/>
-                    <a:p>
-                      <a:pPr marL="0" marR="0" lvl="0" indent="0" algn="ctr" defTabSz="914400" rtl="0" eaLnBrk="1" fontAlgn="auto" latinLnBrk="0" hangingPunct="1">
-                        <a:lnSpc>
-                          <a:spcPct val="100000"/>
-                        </a:lnSpc>
-                        <a:spcBef>
-                          <a:spcPts val="0"/>
-                        </a:spcBef>
-                        <a:spcAft>
-                          <a:spcPts val="0"/>
-                        </a:spcAft>
-                        <a:buClrTx/>
-                        <a:buSzTx/>
-                        <a:buFontTx/>
-                        <a:buNone/>
-                        <a:tabLst/>
-                        <a:defRPr/>
-                      </a:pPr>
-                      <a:r>
-                        <a:rPr lang="en-US" sz="1600" dirty="0">
-                          <a:solidFill>
-                            <a:schemeClr val="bg1"/>
-                          </a:solidFill>
-                        </a:rPr>
-                        <a:t>Test Recall</a:t>
-                      </a:r>
-                    </a:p>
-                  </a:txBody>
-                  <a:tcPr/>
-                </a:tc>
-                <a:tc>
-                  <a:txBody>
-                    <a:bodyPr/>
-                    <a:lstStyle/>
-                    <a:p>
-                      <a:pPr marL="0" marR="0" lvl="0" indent="0" algn="ctr" defTabSz="914400" rtl="0" eaLnBrk="1" fontAlgn="auto" latinLnBrk="0" hangingPunct="1">
-                        <a:lnSpc>
-                          <a:spcPct val="100000"/>
-                        </a:lnSpc>
-                        <a:spcBef>
-                          <a:spcPts val="0"/>
-                        </a:spcBef>
-                        <a:spcAft>
-                          <a:spcPts val="0"/>
-                        </a:spcAft>
-                        <a:buClrTx/>
-                        <a:buSzTx/>
-                        <a:buFontTx/>
-                        <a:buNone/>
-                        <a:tabLst/>
-                        <a:defRPr/>
-                      </a:pPr>
-                      <a:r>
-                        <a:rPr lang="en-US" sz="1600" dirty="0">
-                          <a:solidFill>
-                            <a:schemeClr val="bg1"/>
-                          </a:solidFill>
-                        </a:rPr>
-                        <a:t>Test F1 score</a:t>
-                      </a:r>
-                    </a:p>
-                  </a:txBody>
-                  <a:tcPr/>
-                </a:tc>
-                <a:extLst>
-                  <a:ext uri="{0D108BD9-81ED-4DB2-BD59-A6C34878D82A}">
-                    <a16:rowId xmlns:a16="http://schemas.microsoft.com/office/drawing/2014/main" val="3966892919"/>
-                  </a:ext>
-                </a:extLst>
-              </a:tr>
-              <a:tr h="370840">
-                <a:tc>
-                  <a:txBody>
-                    <a:bodyPr/>
-                    <a:lstStyle/>
-                    <a:p>
-                      <a:pPr marL="0" marR="0" lvl="0" indent="0" algn="l" defTabSz="914400" rtl="0" eaLnBrk="1" fontAlgn="auto" latinLnBrk="0" hangingPunct="1">
-                        <a:lnSpc>
-                          <a:spcPct val="100000"/>
-                        </a:lnSpc>
-                        <a:spcBef>
-                          <a:spcPts val="0"/>
-                        </a:spcBef>
-                        <a:spcAft>
-                          <a:spcPts val="0"/>
-                        </a:spcAft>
-                        <a:buClrTx/>
-                        <a:buSzTx/>
-                        <a:buFontTx/>
-                        <a:buNone/>
-                        <a:tabLst/>
-                        <a:defRPr/>
-                      </a:pPr>
-                      <a:r>
-                        <a:rPr lang="en-US" sz="1600" dirty="0">
-                          <a:solidFill>
-                            <a:schemeClr val="bg1"/>
-                          </a:solidFill>
-                        </a:rPr>
-                        <a:t>Support Vector </a:t>
-                      </a:r>
-                      <a:r>
-                        <a:rPr lang="en-US" sz="1600" dirty="0" smtClean="0">
-                          <a:solidFill>
-                            <a:schemeClr val="bg1"/>
-                          </a:solidFill>
-                        </a:rPr>
-                        <a:t>Machines (Scaled)</a:t>
-                      </a:r>
-                      <a:endParaRPr lang="en-US" sz="1600" dirty="0">
-                        <a:solidFill>
-                          <a:schemeClr val="bg1"/>
-                        </a:solidFill>
-                      </a:endParaRPr>
-                    </a:p>
-                  </a:txBody>
-                  <a:tcPr/>
-                </a:tc>
-                <a:tc>
-                  <a:txBody>
-                    <a:bodyPr/>
-                    <a:lstStyle/>
-                    <a:p>
-                      <a:r>
-                        <a:rPr lang="en-US" sz="1600" dirty="0">
-                          <a:solidFill>
-                            <a:schemeClr val="bg1"/>
-                          </a:solidFill>
-                        </a:rPr>
-                        <a:t>0.78</a:t>
-                      </a:r>
-                    </a:p>
-                  </a:txBody>
-                  <a:tcPr/>
-                </a:tc>
-                <a:tc>
-                  <a:txBody>
-                    <a:bodyPr/>
-                    <a:lstStyle/>
-                    <a:p>
-                      <a:r>
-                        <a:rPr lang="en-US" sz="1600" dirty="0">
-                          <a:solidFill>
-                            <a:schemeClr val="bg1"/>
-                          </a:solidFill>
-                        </a:rPr>
-                        <a:t>Blue: 0.81</a:t>
-                      </a:r>
-                    </a:p>
-                    <a:p>
-                      <a:r>
-                        <a:rPr lang="en-US" sz="1600" dirty="0">
-                          <a:solidFill>
-                            <a:schemeClr val="bg1"/>
-                          </a:solidFill>
-                        </a:rPr>
-                        <a:t>Red: 0.77</a:t>
-                      </a:r>
-                    </a:p>
-                  </a:txBody>
-                  <a:tcPr/>
-                </a:tc>
-                <a:tc>
-                  <a:txBody>
-                    <a:bodyPr/>
-                    <a:lstStyle/>
-                    <a:p>
-                      <a:r>
-                        <a:rPr lang="en-US" sz="1600" dirty="0">
-                          <a:solidFill>
-                            <a:schemeClr val="bg1"/>
-                          </a:solidFill>
-                        </a:rPr>
-                        <a:t>Blue: 0.61</a:t>
-                      </a:r>
-                    </a:p>
-                    <a:p>
-                      <a:r>
-                        <a:rPr lang="en-US" sz="1600" dirty="0">
-                          <a:solidFill>
-                            <a:schemeClr val="bg1"/>
-                          </a:solidFill>
-                        </a:rPr>
-                        <a:t>Red: 0.90</a:t>
-                      </a:r>
-                    </a:p>
-                  </a:txBody>
-                  <a:tcPr/>
-                </a:tc>
-                <a:tc>
-                  <a:txBody>
-                    <a:bodyPr/>
-                    <a:lstStyle/>
-                    <a:p>
-                      <a:r>
-                        <a:rPr lang="en-US" sz="1600" dirty="0">
-                          <a:solidFill>
-                            <a:schemeClr val="bg1"/>
-                          </a:solidFill>
-                        </a:rPr>
-                        <a:t>Blue: 0.69 </a:t>
-                      </a:r>
-                    </a:p>
-                    <a:p>
-                      <a:r>
-                        <a:rPr lang="en-US" sz="1600" dirty="0">
-                          <a:solidFill>
-                            <a:schemeClr val="bg1"/>
-                          </a:solidFill>
-                        </a:rPr>
-                        <a:t>Red: 0.83</a:t>
-                      </a:r>
-                    </a:p>
-                  </a:txBody>
-                  <a:tcPr/>
-                </a:tc>
-                <a:extLst>
-                  <a:ext uri="{0D108BD9-81ED-4DB2-BD59-A6C34878D82A}">
-                    <a16:rowId xmlns:a16="http://schemas.microsoft.com/office/drawing/2014/main" val="1194264582"/>
-                  </a:ext>
-                </a:extLst>
-              </a:tr>
-              <a:tr h="370840">
-                <a:tc>
-                  <a:txBody>
-                    <a:bodyPr/>
-                    <a:lstStyle/>
-                    <a:p>
-                      <a:pPr marL="0" marR="0" lvl="0" indent="0" algn="l" defTabSz="914400" rtl="0" eaLnBrk="1" fontAlgn="auto" latinLnBrk="0" hangingPunct="1">
-                        <a:lnSpc>
-                          <a:spcPct val="100000"/>
-                        </a:lnSpc>
-                        <a:spcBef>
-                          <a:spcPts val="0"/>
-                        </a:spcBef>
-                        <a:spcAft>
-                          <a:spcPts val="0"/>
-                        </a:spcAft>
-                        <a:buClrTx/>
-                        <a:buSzTx/>
-                        <a:buFontTx/>
-                        <a:buNone/>
-                        <a:tabLst/>
-                        <a:defRPr/>
-                      </a:pPr>
-                      <a:r>
-                        <a:rPr lang="en-US" sz="1600" dirty="0">
-                          <a:solidFill>
-                            <a:schemeClr val="bg1"/>
-                          </a:solidFill>
-                        </a:rPr>
-                        <a:t>Logistic Regression</a:t>
-                      </a:r>
-                    </a:p>
-                  </a:txBody>
-                  <a:tcPr/>
-                </a:tc>
-                <a:tc>
-                  <a:txBody>
-                    <a:bodyPr/>
-                    <a:lstStyle/>
-                    <a:p>
-                      <a:r>
-                        <a:rPr lang="en-US" sz="1600" dirty="0">
-                          <a:solidFill>
-                            <a:schemeClr val="bg1"/>
-                          </a:solidFill>
-                        </a:rPr>
-                        <a:t>0.77</a:t>
-                      </a:r>
-                    </a:p>
-                  </a:txBody>
-                  <a:tcPr/>
-                </a:tc>
-                <a:tc>
-                  <a:txBody>
-                    <a:bodyPr/>
-                    <a:lstStyle/>
-                    <a:p>
-                      <a:r>
-                        <a:rPr lang="en-US" sz="1600" dirty="0">
-                          <a:solidFill>
-                            <a:schemeClr val="bg1"/>
-                          </a:solidFill>
-                        </a:rPr>
-                        <a:t>Blue: 0.77</a:t>
-                      </a:r>
-                    </a:p>
-                    <a:p>
-                      <a:r>
-                        <a:rPr lang="en-US" sz="1600" dirty="0">
-                          <a:solidFill>
-                            <a:schemeClr val="bg1"/>
-                          </a:solidFill>
-                        </a:rPr>
-                        <a:t>Red: 0.77</a:t>
-                      </a:r>
-                    </a:p>
-                  </a:txBody>
-                  <a:tcPr/>
-                </a:tc>
-                <a:tc>
-                  <a:txBody>
-                    <a:bodyPr/>
-                    <a:lstStyle/>
-                    <a:p>
-                      <a:r>
-                        <a:rPr lang="en-US" sz="1600" dirty="0">
-                          <a:solidFill>
-                            <a:schemeClr val="bg1"/>
-                          </a:solidFill>
-                        </a:rPr>
-                        <a:t>Blue: 0.64</a:t>
-                      </a:r>
-                    </a:p>
-                    <a:p>
-                      <a:r>
-                        <a:rPr lang="en-US" sz="1600" dirty="0">
-                          <a:solidFill>
-                            <a:schemeClr val="bg1"/>
-                          </a:solidFill>
-                        </a:rPr>
-                        <a:t>Red: 0.87</a:t>
-                      </a:r>
-                    </a:p>
-                  </a:txBody>
-                  <a:tcPr/>
-                </a:tc>
-                <a:tc>
-                  <a:txBody>
-                    <a:bodyPr/>
-                    <a:lstStyle/>
-                    <a:p>
-                      <a:r>
-                        <a:rPr lang="en-US" sz="1600" dirty="0">
-                          <a:solidFill>
-                            <a:schemeClr val="bg1"/>
-                          </a:solidFill>
-                        </a:rPr>
-                        <a:t>Blue: 0.70</a:t>
-                      </a:r>
-                    </a:p>
-                    <a:p>
-                      <a:r>
-                        <a:rPr lang="en-US" sz="1600" dirty="0">
-                          <a:solidFill>
-                            <a:schemeClr val="bg1"/>
-                          </a:solidFill>
-                        </a:rPr>
-                        <a:t>Red: 0.82</a:t>
-                      </a:r>
-                    </a:p>
-                  </a:txBody>
-                  <a:tcPr/>
-                </a:tc>
-                <a:extLst>
-                  <a:ext uri="{0D108BD9-81ED-4DB2-BD59-A6C34878D82A}">
-                    <a16:rowId xmlns:a16="http://schemas.microsoft.com/office/drawing/2014/main" val="2473706855"/>
-                  </a:ext>
-                </a:extLst>
-              </a:tr>
-              <a:tr h="370840">
-                <a:tc>
-                  <a:txBody>
-                    <a:bodyPr/>
-                    <a:lstStyle/>
-                    <a:p>
-                      <a:pPr marL="0" marR="0" lvl="0" indent="0" algn="l" defTabSz="914400" rtl="0" eaLnBrk="1" fontAlgn="auto" latinLnBrk="0" hangingPunct="1">
-                        <a:lnSpc>
-                          <a:spcPct val="100000"/>
-                        </a:lnSpc>
-                        <a:spcBef>
-                          <a:spcPts val="0"/>
-                        </a:spcBef>
-                        <a:spcAft>
-                          <a:spcPts val="0"/>
-                        </a:spcAft>
-                        <a:buClrTx/>
-                        <a:buSzTx/>
-                        <a:buFontTx/>
-                        <a:buNone/>
-                        <a:tabLst/>
-                        <a:defRPr/>
-                      </a:pPr>
-                      <a:r>
-                        <a:rPr lang="en-US" sz="1600" dirty="0">
-                          <a:solidFill>
-                            <a:schemeClr val="bg1"/>
-                          </a:solidFill>
-                        </a:rPr>
-                        <a:t>Random Forests</a:t>
-                      </a:r>
-                    </a:p>
-                  </a:txBody>
-                  <a:tcPr/>
-                </a:tc>
-                <a:tc>
-                  <a:txBody>
-                    <a:bodyPr/>
-                    <a:lstStyle/>
-                    <a:p>
-                      <a:r>
-                        <a:rPr lang="en-US" sz="1600" dirty="0">
-                          <a:solidFill>
-                            <a:schemeClr val="bg1"/>
-                          </a:solidFill>
-                        </a:rPr>
-                        <a:t>0.77</a:t>
-                      </a:r>
-                    </a:p>
-                  </a:txBody>
-                  <a:tcPr/>
-                </a:tc>
-                <a:tc>
-                  <a:txBody>
-                    <a:bodyPr/>
-                    <a:lstStyle/>
-                    <a:p>
-                      <a:r>
-                        <a:rPr lang="en-US" sz="1600" dirty="0">
-                          <a:solidFill>
-                            <a:schemeClr val="bg1"/>
-                          </a:solidFill>
-                        </a:rPr>
-                        <a:t>Blue: 0.75</a:t>
-                      </a:r>
-                    </a:p>
-                    <a:p>
-                      <a:r>
-                        <a:rPr lang="en-US" sz="1600" dirty="0">
-                          <a:solidFill>
-                            <a:schemeClr val="bg1"/>
-                          </a:solidFill>
-                        </a:rPr>
-                        <a:t>Red: 0.78</a:t>
-                      </a:r>
-                    </a:p>
-                  </a:txBody>
-                  <a:tcPr/>
-                </a:tc>
-                <a:tc>
-                  <a:txBody>
-                    <a:bodyPr/>
-                    <a:lstStyle/>
-                    <a:p>
-                      <a:r>
-                        <a:rPr lang="en-US" sz="1600" dirty="0">
-                          <a:solidFill>
-                            <a:schemeClr val="bg1"/>
-                          </a:solidFill>
-                        </a:rPr>
-                        <a:t>Blue: 0.67</a:t>
-                      </a:r>
-                    </a:p>
-                    <a:p>
-                      <a:r>
-                        <a:rPr lang="en-US" sz="1600" dirty="0">
-                          <a:solidFill>
-                            <a:schemeClr val="bg1"/>
-                          </a:solidFill>
-                        </a:rPr>
-                        <a:t>Red: 0.84</a:t>
-                      </a:r>
-                    </a:p>
-                  </a:txBody>
-                  <a:tcPr/>
-                </a:tc>
-                <a:tc>
-                  <a:txBody>
-                    <a:bodyPr/>
-                    <a:lstStyle/>
-                    <a:p>
-                      <a:r>
-                        <a:rPr lang="en-US" sz="1600" dirty="0">
-                          <a:solidFill>
-                            <a:schemeClr val="bg1"/>
-                          </a:solidFill>
-                        </a:rPr>
-                        <a:t>Blue: 0.70</a:t>
-                      </a:r>
-                    </a:p>
-                    <a:p>
-                      <a:r>
-                        <a:rPr lang="en-US" sz="1600" dirty="0">
-                          <a:solidFill>
-                            <a:schemeClr val="bg1"/>
-                          </a:solidFill>
-                        </a:rPr>
-                        <a:t>Red: 0.81</a:t>
-                      </a:r>
-                    </a:p>
-                  </a:txBody>
-                  <a:tcPr/>
-                </a:tc>
-                <a:extLst>
-                  <a:ext uri="{0D108BD9-81ED-4DB2-BD59-A6C34878D82A}">
-                    <a16:rowId xmlns:a16="http://schemas.microsoft.com/office/drawing/2014/main" val="298382437"/>
-                  </a:ext>
-                </a:extLst>
-              </a:tr>
-              <a:tr h="370840">
-                <a:tc>
-                  <a:txBody>
-                    <a:bodyPr/>
-                    <a:lstStyle/>
-                    <a:p>
-                      <a:pPr marL="0" marR="0" lvl="0" indent="0" algn="l" defTabSz="914400" rtl="0" eaLnBrk="1" fontAlgn="auto" latinLnBrk="0" hangingPunct="1">
-                        <a:lnSpc>
-                          <a:spcPct val="100000"/>
-                        </a:lnSpc>
-                        <a:spcBef>
-                          <a:spcPts val="0"/>
-                        </a:spcBef>
-                        <a:spcAft>
-                          <a:spcPts val="0"/>
-                        </a:spcAft>
-                        <a:buClrTx/>
-                        <a:buSzTx/>
-                        <a:buFontTx/>
-                        <a:buNone/>
-                        <a:tabLst/>
-                        <a:defRPr/>
-                      </a:pPr>
-                      <a:r>
-                        <a:rPr lang="en-US" sz="1600" dirty="0">
-                          <a:solidFill>
-                            <a:schemeClr val="bg1"/>
-                          </a:solidFill>
-                        </a:rPr>
-                        <a:t>Deep </a:t>
-                      </a:r>
-                      <a:r>
-                        <a:rPr lang="en-US" sz="1600" dirty="0" smtClean="0">
-                          <a:solidFill>
-                            <a:schemeClr val="bg1"/>
-                          </a:solidFill>
-                        </a:rPr>
-                        <a:t>Learning (</a:t>
-                      </a:r>
-                      <a:r>
-                        <a:rPr lang="en-US" sz="1600" dirty="0" err="1" smtClean="0">
-                          <a:solidFill>
-                            <a:schemeClr val="bg1"/>
-                          </a:solidFill>
-                        </a:rPr>
-                        <a:t>Tensorflow</a:t>
-                      </a:r>
-                      <a:r>
-                        <a:rPr lang="en-US" sz="1600" dirty="0" smtClean="0">
-                          <a:solidFill>
-                            <a:schemeClr val="bg1"/>
-                          </a:solidFill>
-                        </a:rPr>
-                        <a:t>)</a:t>
-                      </a:r>
-                      <a:endParaRPr lang="en-US" sz="1600" dirty="0">
-                        <a:solidFill>
-                          <a:schemeClr val="bg1"/>
-                        </a:solidFill>
-                      </a:endParaRPr>
-                    </a:p>
-                  </a:txBody>
-                  <a:tcPr/>
-                </a:tc>
-                <a:tc>
-                  <a:txBody>
-                    <a:bodyPr/>
-                    <a:lstStyle/>
-                    <a:p>
-                      <a:r>
-                        <a:rPr lang="en-US" sz="1600" dirty="0" smtClean="0">
-                          <a:solidFill>
-                            <a:schemeClr val="bg1"/>
-                          </a:solidFill>
-                        </a:rPr>
-                        <a:t>0.74</a:t>
-                      </a:r>
-                      <a:endParaRPr lang="en-US" sz="1600" dirty="0">
-                        <a:solidFill>
-                          <a:schemeClr val="bg1"/>
-                        </a:solidFill>
-                      </a:endParaRPr>
-                    </a:p>
-                  </a:txBody>
-                  <a:tcPr/>
-                </a:tc>
-                <a:tc>
-                  <a:txBody>
-                    <a:bodyPr/>
-                    <a:lstStyle/>
-                    <a:p>
-                      <a:r>
-                        <a:rPr lang="en-US" sz="1600" dirty="0" smtClean="0">
-                          <a:solidFill>
-                            <a:schemeClr val="bg1"/>
-                          </a:solidFill>
-                        </a:rPr>
-                        <a:t>NA</a:t>
-                      </a:r>
-                      <a:endParaRPr lang="en-US" sz="1600" dirty="0">
-                        <a:solidFill>
-                          <a:schemeClr val="bg1"/>
-                        </a:solidFill>
-                      </a:endParaRPr>
-                    </a:p>
-                  </a:txBody>
-                  <a:tcPr/>
-                </a:tc>
-                <a:tc>
-                  <a:txBody>
-                    <a:bodyPr/>
-                    <a:lstStyle/>
-                    <a:p>
-                      <a:r>
-                        <a:rPr lang="en-US" sz="1600" dirty="0" smtClean="0">
-                          <a:solidFill>
-                            <a:schemeClr val="bg1"/>
-                          </a:solidFill>
-                        </a:rPr>
-                        <a:t>NA</a:t>
-                      </a:r>
-                      <a:endParaRPr lang="en-US" sz="1600" dirty="0">
-                        <a:solidFill>
-                          <a:schemeClr val="bg1"/>
-                        </a:solidFill>
-                      </a:endParaRPr>
-                    </a:p>
-                  </a:txBody>
-                  <a:tcPr/>
-                </a:tc>
-                <a:tc>
-                  <a:txBody>
-                    <a:bodyPr/>
-                    <a:lstStyle/>
-                    <a:p>
-                      <a:r>
-                        <a:rPr lang="en-US" sz="1600" dirty="0" smtClean="0">
-                          <a:solidFill>
-                            <a:schemeClr val="bg1"/>
-                          </a:solidFill>
-                        </a:rPr>
-                        <a:t>NA</a:t>
-                      </a:r>
-                      <a:endParaRPr lang="en-US" sz="1600" dirty="0">
-                        <a:solidFill>
-                          <a:schemeClr val="bg1"/>
-                        </a:solidFill>
-                      </a:endParaRPr>
-                    </a:p>
-                  </a:txBody>
-                  <a:tcPr/>
-                </a:tc>
-                <a:extLst>
-                  <a:ext uri="{0D108BD9-81ED-4DB2-BD59-A6C34878D82A}">
-                    <a16:rowId xmlns:a16="http://schemas.microsoft.com/office/drawing/2014/main" val="1605119501"/>
-                  </a:ext>
-                </a:extLst>
-              </a:tr>
-              <a:tr h="370840">
-                <a:tc>
-                  <a:txBody>
-                    <a:bodyPr/>
-                    <a:lstStyle/>
-                    <a:p>
-                      <a:pPr marL="0" marR="0" lvl="0" indent="0" algn="l" defTabSz="914400" rtl="0" eaLnBrk="1" fontAlgn="auto" latinLnBrk="0" hangingPunct="1">
-                        <a:lnSpc>
-                          <a:spcPct val="100000"/>
-                        </a:lnSpc>
-                        <a:spcBef>
-                          <a:spcPts val="0"/>
-                        </a:spcBef>
-                        <a:spcAft>
-                          <a:spcPts val="0"/>
-                        </a:spcAft>
-                        <a:buClrTx/>
-                        <a:buSzTx/>
-                        <a:buFontTx/>
-                        <a:buNone/>
-                        <a:tabLst/>
-                        <a:defRPr/>
-                      </a:pPr>
-                      <a:r>
-                        <a:rPr lang="en-US" sz="1600" dirty="0">
-                          <a:solidFill>
-                            <a:schemeClr val="bg1"/>
-                          </a:solidFill>
-                        </a:rPr>
-                        <a:t>K-Nearest </a:t>
-                      </a:r>
-                      <a:r>
-                        <a:rPr lang="en-US" sz="1600" dirty="0" smtClean="0">
-                          <a:solidFill>
-                            <a:schemeClr val="bg1"/>
-                          </a:solidFill>
-                        </a:rPr>
-                        <a:t>Neighbors (Scaled)</a:t>
-                      </a:r>
-                      <a:endParaRPr lang="en-US" sz="1600" dirty="0">
-                        <a:solidFill>
-                          <a:schemeClr val="bg1"/>
-                        </a:solidFill>
-                      </a:endParaRPr>
-                    </a:p>
-                  </a:txBody>
-                  <a:tcPr/>
-                </a:tc>
-                <a:tc>
-                  <a:txBody>
-                    <a:bodyPr/>
-                    <a:lstStyle/>
-                    <a:p>
-                      <a:r>
-                        <a:rPr lang="en-US" sz="1600" dirty="0" smtClean="0">
-                          <a:solidFill>
-                            <a:schemeClr val="bg1"/>
-                          </a:solidFill>
-                        </a:rPr>
-                        <a:t>0.72</a:t>
-                      </a:r>
-                      <a:endParaRPr lang="en-US" sz="1600" dirty="0">
-                        <a:solidFill>
-                          <a:schemeClr val="bg1"/>
-                        </a:solidFill>
-                      </a:endParaRPr>
-                    </a:p>
-                  </a:txBody>
-                  <a:tcPr/>
-                </a:tc>
-                <a:tc>
-                  <a:txBody>
-                    <a:bodyPr/>
-                    <a:lstStyle/>
-                    <a:p>
-                      <a:r>
-                        <a:rPr lang="en-US" sz="1600" dirty="0">
-                          <a:solidFill>
-                            <a:schemeClr val="bg1"/>
-                          </a:solidFill>
-                        </a:rPr>
-                        <a:t>Blue: </a:t>
-                      </a:r>
-                      <a:r>
-                        <a:rPr lang="en-US" sz="1600" dirty="0" smtClean="0">
-                          <a:solidFill>
-                            <a:schemeClr val="bg1"/>
-                          </a:solidFill>
-                        </a:rPr>
-                        <a:t>0.69</a:t>
-                      </a:r>
-                      <a:endParaRPr lang="en-US" sz="1600" dirty="0">
-                        <a:solidFill>
-                          <a:schemeClr val="bg1"/>
-                        </a:solidFill>
-                      </a:endParaRPr>
-                    </a:p>
-                    <a:p>
-                      <a:r>
-                        <a:rPr lang="en-US" sz="1600" dirty="0">
-                          <a:solidFill>
-                            <a:schemeClr val="bg1"/>
-                          </a:solidFill>
-                        </a:rPr>
-                        <a:t>Red: </a:t>
-                      </a:r>
-                      <a:r>
-                        <a:rPr lang="en-US" sz="1600" dirty="0" smtClean="0">
-                          <a:solidFill>
-                            <a:schemeClr val="bg1"/>
-                          </a:solidFill>
-                        </a:rPr>
-                        <a:t>0.74</a:t>
-                      </a:r>
-                      <a:endParaRPr lang="en-US" sz="1600" dirty="0">
-                        <a:solidFill>
-                          <a:schemeClr val="bg1"/>
-                        </a:solidFill>
-                      </a:endParaRPr>
-                    </a:p>
-                  </a:txBody>
-                  <a:tcPr/>
-                </a:tc>
-                <a:tc>
-                  <a:txBody>
-                    <a:bodyPr/>
-                    <a:lstStyle/>
-                    <a:p>
-                      <a:r>
-                        <a:rPr lang="en-US" sz="1600" dirty="0">
-                          <a:solidFill>
-                            <a:schemeClr val="bg1"/>
-                          </a:solidFill>
-                        </a:rPr>
-                        <a:t>Blue: </a:t>
-                      </a:r>
-                      <a:r>
-                        <a:rPr lang="en-US" sz="1600" dirty="0" smtClean="0">
-                          <a:solidFill>
-                            <a:schemeClr val="bg1"/>
-                          </a:solidFill>
-                        </a:rPr>
-                        <a:t>0.58</a:t>
-                      </a:r>
-                      <a:endParaRPr lang="en-US" sz="1600" dirty="0">
-                        <a:solidFill>
-                          <a:schemeClr val="bg1"/>
-                        </a:solidFill>
-                      </a:endParaRPr>
-                    </a:p>
-                    <a:p>
-                      <a:r>
-                        <a:rPr lang="en-US" sz="1600" dirty="0">
-                          <a:solidFill>
-                            <a:schemeClr val="bg1"/>
-                          </a:solidFill>
-                        </a:rPr>
-                        <a:t>Red: </a:t>
-                      </a:r>
-                      <a:r>
-                        <a:rPr lang="en-US" sz="1600" dirty="0" smtClean="0">
-                          <a:solidFill>
-                            <a:schemeClr val="bg1"/>
-                          </a:solidFill>
-                        </a:rPr>
-                        <a:t>0.81</a:t>
-                      </a:r>
-                      <a:endParaRPr lang="en-US" sz="1600" dirty="0">
-                        <a:solidFill>
-                          <a:schemeClr val="bg1"/>
-                        </a:solidFill>
-                      </a:endParaRPr>
-                    </a:p>
-                  </a:txBody>
-                  <a:tcPr/>
-                </a:tc>
-                <a:tc>
-                  <a:txBody>
-                    <a:bodyPr/>
-                    <a:lstStyle/>
-                    <a:p>
-                      <a:r>
-                        <a:rPr lang="en-US" sz="1600" dirty="0">
-                          <a:solidFill>
-                            <a:schemeClr val="bg1"/>
-                          </a:solidFill>
-                        </a:rPr>
-                        <a:t>Blue: </a:t>
-                      </a:r>
-                      <a:r>
-                        <a:rPr lang="en-US" sz="1600" dirty="0" smtClean="0">
-                          <a:solidFill>
-                            <a:schemeClr val="bg1"/>
-                          </a:solidFill>
-                        </a:rPr>
-                        <a:t>0.63</a:t>
-                      </a:r>
-                      <a:endParaRPr lang="en-US" sz="1600" dirty="0">
-                        <a:solidFill>
-                          <a:schemeClr val="bg1"/>
-                        </a:solidFill>
-                      </a:endParaRPr>
-                    </a:p>
-                    <a:p>
-                      <a:r>
-                        <a:rPr lang="en-US" sz="1600" dirty="0">
-                          <a:solidFill>
-                            <a:schemeClr val="bg1"/>
-                          </a:solidFill>
-                        </a:rPr>
-                        <a:t>Red: </a:t>
-                      </a:r>
-                      <a:r>
-                        <a:rPr lang="en-US" sz="1600" dirty="0" smtClean="0">
-                          <a:solidFill>
-                            <a:schemeClr val="bg1"/>
-                          </a:solidFill>
-                        </a:rPr>
-                        <a:t>0.77</a:t>
-                      </a:r>
-                      <a:endParaRPr lang="en-US" sz="1600" dirty="0">
-                        <a:solidFill>
-                          <a:schemeClr val="bg1"/>
-                        </a:solidFill>
-                      </a:endParaRPr>
-                    </a:p>
-                  </a:txBody>
-                  <a:tcPr/>
-                </a:tc>
-                <a:extLst>
-                  <a:ext uri="{0D108BD9-81ED-4DB2-BD59-A6C34878D82A}">
-                    <a16:rowId xmlns:a16="http://schemas.microsoft.com/office/drawing/2014/main" val="3074769454"/>
-                  </a:ext>
-                </a:extLst>
-              </a:tr>
-              <a:tr h="370840">
-                <a:tc>
-                  <a:txBody>
-                    <a:bodyPr/>
-                    <a:lstStyle/>
-                    <a:p>
-                      <a:pPr marL="0" marR="0" lvl="0" indent="0" algn="l" defTabSz="914400" rtl="0" eaLnBrk="1" fontAlgn="auto" latinLnBrk="0" hangingPunct="1">
-                        <a:lnSpc>
-                          <a:spcPct val="100000"/>
-                        </a:lnSpc>
-                        <a:spcBef>
-                          <a:spcPts val="0"/>
-                        </a:spcBef>
-                        <a:spcAft>
-                          <a:spcPts val="0"/>
-                        </a:spcAft>
-                        <a:buClrTx/>
-                        <a:buSzTx/>
-                        <a:buFontTx/>
-                        <a:buNone/>
-                        <a:tabLst/>
-                        <a:defRPr/>
-                      </a:pPr>
-                      <a:r>
-                        <a:rPr lang="en-US" sz="1600" dirty="0">
-                          <a:solidFill>
-                            <a:schemeClr val="bg1"/>
-                          </a:solidFill>
-                        </a:rPr>
-                        <a:t>Neural </a:t>
-                      </a:r>
-                      <a:r>
-                        <a:rPr lang="en-US" sz="1600" dirty="0" smtClean="0">
-                          <a:solidFill>
-                            <a:schemeClr val="bg1"/>
-                          </a:solidFill>
-                        </a:rPr>
-                        <a:t>Networks MLP (Scaled)</a:t>
-                      </a:r>
-                      <a:endParaRPr lang="en-US" sz="1600" dirty="0">
-                        <a:solidFill>
-                          <a:schemeClr val="bg1"/>
-                        </a:solidFill>
-                      </a:endParaRPr>
-                    </a:p>
-                  </a:txBody>
-                  <a:tcPr/>
-                </a:tc>
-                <a:tc>
-                  <a:txBody>
-                    <a:bodyPr/>
-                    <a:lstStyle/>
-                    <a:p>
-                      <a:r>
-                        <a:rPr lang="en-US" sz="1600" dirty="0" smtClean="0">
-                          <a:solidFill>
-                            <a:schemeClr val="bg1"/>
-                          </a:solidFill>
-                        </a:rPr>
-                        <a:t>0.72</a:t>
-                      </a:r>
-                      <a:endParaRPr lang="en-US" sz="1600" dirty="0">
-                        <a:solidFill>
-                          <a:schemeClr val="bg1"/>
-                        </a:solidFill>
-                      </a:endParaRPr>
-                    </a:p>
-                  </a:txBody>
-                  <a:tcPr/>
-                </a:tc>
-                <a:tc>
-                  <a:txBody>
-                    <a:bodyPr/>
-                    <a:lstStyle/>
-                    <a:p>
-                      <a:r>
-                        <a:rPr lang="en-US" sz="1600" dirty="0">
-                          <a:solidFill>
-                            <a:schemeClr val="bg1"/>
-                          </a:solidFill>
-                        </a:rPr>
-                        <a:t>Blue: </a:t>
-                      </a:r>
-                      <a:r>
-                        <a:rPr lang="en-US" sz="1600" dirty="0" smtClean="0">
-                          <a:solidFill>
-                            <a:schemeClr val="bg1"/>
-                          </a:solidFill>
-                        </a:rPr>
-                        <a:t>0.65</a:t>
-                      </a:r>
-                      <a:endParaRPr lang="en-US" sz="1600" dirty="0">
-                        <a:solidFill>
-                          <a:schemeClr val="bg1"/>
-                        </a:solidFill>
-                      </a:endParaRPr>
-                    </a:p>
-                    <a:p>
-                      <a:r>
-                        <a:rPr lang="en-US" sz="1600" dirty="0">
-                          <a:solidFill>
-                            <a:schemeClr val="bg1"/>
-                          </a:solidFill>
-                        </a:rPr>
-                        <a:t>Red: </a:t>
-                      </a:r>
-                      <a:r>
-                        <a:rPr lang="en-US" sz="1600" dirty="0" smtClean="0">
-                          <a:solidFill>
-                            <a:schemeClr val="bg1"/>
-                          </a:solidFill>
-                        </a:rPr>
-                        <a:t>0.77</a:t>
-                      </a:r>
-                      <a:endParaRPr lang="en-US" sz="1600" dirty="0">
-                        <a:solidFill>
-                          <a:schemeClr val="bg1"/>
-                        </a:solidFill>
-                      </a:endParaRPr>
-                    </a:p>
-                  </a:txBody>
-                  <a:tcPr/>
-                </a:tc>
-                <a:tc>
-                  <a:txBody>
-                    <a:bodyPr/>
-                    <a:lstStyle/>
-                    <a:p>
-                      <a:r>
-                        <a:rPr lang="en-US" sz="1600" dirty="0">
-                          <a:solidFill>
-                            <a:schemeClr val="bg1"/>
-                          </a:solidFill>
-                        </a:rPr>
-                        <a:t>Blue: </a:t>
-                      </a:r>
-                      <a:r>
-                        <a:rPr lang="en-US" sz="1600" dirty="0" smtClean="0">
-                          <a:solidFill>
-                            <a:schemeClr val="bg1"/>
-                          </a:solidFill>
-                        </a:rPr>
-                        <a:t>0.69</a:t>
-                      </a:r>
-                      <a:endParaRPr lang="en-US" sz="1600" dirty="0">
-                        <a:solidFill>
-                          <a:schemeClr val="bg1"/>
-                        </a:solidFill>
-                      </a:endParaRPr>
-                    </a:p>
-                    <a:p>
-                      <a:r>
-                        <a:rPr lang="en-US" sz="1600" dirty="0">
-                          <a:solidFill>
-                            <a:schemeClr val="bg1"/>
-                          </a:solidFill>
-                        </a:rPr>
-                        <a:t>Red: </a:t>
-                      </a:r>
-                      <a:r>
-                        <a:rPr lang="en-US" sz="1600" dirty="0" smtClean="0">
-                          <a:solidFill>
-                            <a:schemeClr val="bg1"/>
-                          </a:solidFill>
-                        </a:rPr>
-                        <a:t>0.74</a:t>
-                      </a:r>
-                      <a:endParaRPr lang="en-US" sz="1600" dirty="0">
-                        <a:solidFill>
-                          <a:schemeClr val="bg1"/>
-                        </a:solidFill>
-                      </a:endParaRPr>
-                    </a:p>
-                  </a:txBody>
-                  <a:tcPr/>
-                </a:tc>
-                <a:tc>
-                  <a:txBody>
-                    <a:bodyPr/>
-                    <a:lstStyle/>
-                    <a:p>
-                      <a:r>
-                        <a:rPr lang="en-US" sz="1600" dirty="0">
-                          <a:solidFill>
-                            <a:schemeClr val="bg1"/>
-                          </a:solidFill>
-                        </a:rPr>
-                        <a:t>Blue: </a:t>
-                      </a:r>
-                      <a:r>
-                        <a:rPr lang="en-US" sz="1600" dirty="0" smtClean="0">
-                          <a:solidFill>
-                            <a:schemeClr val="bg1"/>
-                          </a:solidFill>
-                        </a:rPr>
-                        <a:t>0.67</a:t>
-                      </a:r>
-                      <a:endParaRPr lang="en-US" sz="1600" dirty="0">
-                        <a:solidFill>
-                          <a:schemeClr val="bg1"/>
-                        </a:solidFill>
-                      </a:endParaRPr>
-                    </a:p>
-                    <a:p>
-                      <a:r>
-                        <a:rPr lang="en-US" sz="1600" dirty="0">
-                          <a:solidFill>
-                            <a:schemeClr val="bg1"/>
-                          </a:solidFill>
-                        </a:rPr>
-                        <a:t>Red: </a:t>
-                      </a:r>
-                      <a:r>
-                        <a:rPr lang="en-US" sz="1600" dirty="0" smtClean="0">
-                          <a:solidFill>
-                            <a:schemeClr val="bg1"/>
-                          </a:solidFill>
-                        </a:rPr>
-                        <a:t>0.76</a:t>
-                      </a:r>
-                      <a:endParaRPr lang="en-US" sz="1600" dirty="0">
-                        <a:solidFill>
-                          <a:schemeClr val="bg1"/>
-                        </a:solidFill>
-                      </a:endParaRPr>
-                    </a:p>
-                  </a:txBody>
-                  <a:tcPr/>
-                </a:tc>
-                <a:extLst>
-                  <a:ext uri="{0D108BD9-81ED-4DB2-BD59-A6C34878D82A}">
-                    <a16:rowId xmlns:a16="http://schemas.microsoft.com/office/drawing/2014/main" val="1365646877"/>
-                  </a:ext>
-                </a:extLst>
-              </a:tr>
-            </a:tbl>
-          </a:graphicData>
-        </a:graphic>
-      </p:graphicFrame>
-    </p:spTree>
-    <p:extLst>
-      <p:ext uri="{BB962C8B-B14F-4D97-AF65-F5344CB8AC3E}">
-        <p14:creationId xmlns:p14="http://schemas.microsoft.com/office/powerpoint/2010/main" val="1943269971"/>
-      </p:ext>
-    </p:extLst>
-  </p:cSld>
-  <p:clrMapOvr>
-    <a:masterClrMapping/>
-  </p:clrMapOvr>
-  <p:timing>
-    <p:tnLst>
-      <p:par>
-        <p:cTn id="1" dur="indefinite" restart="never" nodeType="tmRoot"/>
-      </p:par>
-    </p:tnLst>
-  </p:timing>
-</p:sld>
-</file>
-
-<file path=ppt/slides/slide15.xml><?xml version="1.0" encoding="utf-8"?>
-<p:sld xmlns:a="http://schemas.openxmlformats.org/drawingml/2006/main" xmlns:r="http://schemas.openxmlformats.org/officeDocument/2006/relationships" xmlns:p="http://schemas.openxmlformats.org/presentationml/2006/main">
-  <p:cSld>
-    <p:bg>
-      <p:bgPr>
-        <a:blipFill dpi="0" rotWithShape="1">
-          <a:blip r:embed="rId3">
-            <a:lum/>
-          </a:blip>
-          <a:srcRect/>
-          <a:stretch>
-            <a:fillRect/>
-          </a:stretch>
-        </a:blipFill>
-        <a:effectLst/>
-      </p:bgPr>
-    </p:bg>
-    <p:spTree>
-      <p:nvGrpSpPr>
-        <p:cNvPr id="1" name=""/>
-        <p:cNvGrpSpPr/>
-        <p:nvPr/>
-      </p:nvGrpSpPr>
-      <p:grpSpPr>
-        <a:xfrm>
-          <a:off x="0" y="0"/>
-          <a:ext cx="0" cy="0"/>
-          <a:chOff x="0" y="0"/>
-          <a:chExt cx="0" cy="0"/>
-        </a:xfrm>
-      </p:grpSpPr>
       <p:graphicFrame>
         <p:nvGraphicFramePr>
           <p:cNvPr id="4" name="Table 5">
@@ -15439,7 +11420,7 @@
 </p:sld>
 </file>
 
-<file path=ppt/slides/slide16.xml><?xml version="1.0" encoding="utf-8"?>
+<file path=ppt/slides/slide14.xml><?xml version="1.0" encoding="utf-8"?>
 <p:sld xmlns:a="http://schemas.openxmlformats.org/drawingml/2006/main" xmlns:r="http://schemas.openxmlformats.org/officeDocument/2006/relationships" xmlns:p="http://schemas.openxmlformats.org/presentationml/2006/main">
   <p:cSld>
     <p:bg>
@@ -17765,7 +13746,7 @@
 </p:sld>
 </file>
 
-<file path=ppt/slides/slide17.xml><?xml version="1.0" encoding="utf-8"?>
+<file path=ppt/slides/slide15.xml><?xml version="1.0" encoding="utf-8"?>
 <p:sld xmlns:a="http://schemas.openxmlformats.org/drawingml/2006/main" xmlns:r="http://schemas.openxmlformats.org/officeDocument/2006/relationships" xmlns:p="http://schemas.openxmlformats.org/presentationml/2006/main">
   <p:cSld>
     <p:bg>
@@ -21883,7 +17864,7 @@
 </p:sld>
 </file>
 
-<file path=ppt/slides/slide18.xml><?xml version="1.0" encoding="utf-8"?>
+<file path=ppt/slides/slide16.xml><?xml version="1.0" encoding="utf-8"?>
 <p:sld xmlns:a="http://schemas.openxmlformats.org/drawingml/2006/main" xmlns:r="http://schemas.openxmlformats.org/officeDocument/2006/relationships" xmlns:p="http://schemas.openxmlformats.org/presentationml/2006/main">
   <p:cSld>
     <p:bg>
@@ -22018,7 +17999,7 @@
 </p:sld>
 </file>
 
-<file path=ppt/slides/slide19.xml><?xml version="1.0" encoding="utf-8"?>
+<file path=ppt/slides/slide17.xml><?xml version="1.0" encoding="utf-8"?>
 <p:sld xmlns:a="http://schemas.openxmlformats.org/drawingml/2006/main" xmlns:r="http://schemas.openxmlformats.org/officeDocument/2006/relationships" xmlns:p="http://schemas.openxmlformats.org/presentationml/2006/main">
   <p:cSld>
     <p:bg>
@@ -22252,6 +18233,98 @@
 </p:sld>
 </file>
 
+<file path=ppt/slides/slide18.xml><?xml version="1.0" encoding="utf-8"?>
+<p:sld xmlns:a="http://schemas.openxmlformats.org/drawingml/2006/main" xmlns:r="http://schemas.openxmlformats.org/officeDocument/2006/relationships" xmlns:p="http://schemas.openxmlformats.org/presentationml/2006/main">
+  <p:cSld>
+    <p:bg>
+      <p:bgPr>
+        <a:blipFill dpi="0" rotWithShape="1">
+          <a:blip r:embed="rId3">
+            <a:lum/>
+          </a:blip>
+          <a:srcRect/>
+          <a:stretch>
+            <a:fillRect/>
+          </a:stretch>
+        </a:blipFill>
+        <a:effectLst/>
+      </p:bgPr>
+    </p:bg>
+    <p:spTree>
+      <p:nvGrpSpPr>
+        <p:cNvPr id="1" name=""/>
+        <p:cNvGrpSpPr/>
+        <p:nvPr/>
+      </p:nvGrpSpPr>
+      <p:grpSpPr>
+        <a:xfrm>
+          <a:off x="0" y="0"/>
+          <a:ext cx="0" cy="0"/>
+          <a:chOff x="0" y="0"/>
+          <a:chExt cx="0" cy="0"/>
+        </a:xfrm>
+      </p:grpSpPr>
+      <p:sp>
+        <p:nvSpPr>
+          <p:cNvPr id="2" name="Title 1"/>
+          <p:cNvSpPr>
+            <a:spLocks noGrp="1"/>
+          </p:cNvSpPr>
+          <p:nvPr>
+            <p:ph type="title"/>
+          </p:nvPr>
+        </p:nvSpPr>
+        <p:spPr>
+          <a:xfrm>
+            <a:off x="838199" y="1565275"/>
+            <a:ext cx="10515600" cy="1325563"/>
+          </a:xfrm>
+        </p:spPr>
+        <p:txBody>
+          <a:bodyPr>
+            <a:normAutofit/>
+          </a:bodyPr>
+          <a:lstStyle/>
+          <a:p>
+            <a:pPr algn="ctr"/>
+            <a:r>
+              <a:rPr lang="en-US" b="1" dirty="0" smtClean="0">
+                <a:solidFill>
+                  <a:schemeClr val="bg1"/>
+                </a:solidFill>
+                <a:latin typeface="Sternbach" panose="02000500000000000000" pitchFamily="2" charset="0"/>
+              </a:rPr>
+              <a:t>Questions</a:t>
+            </a:r>
+            <a:endParaRPr lang="en-US" b="1" dirty="0">
+              <a:solidFill>
+                <a:schemeClr val="bg1"/>
+              </a:solidFill>
+              <a:latin typeface="Sternbach" panose="02000500000000000000" pitchFamily="2" charset="0"/>
+            </a:endParaRPr>
+          </a:p>
+        </p:txBody>
+      </p:sp>
+    </p:spTree>
+    <p:extLst>
+      <p:ext uri="{BB962C8B-B14F-4D97-AF65-F5344CB8AC3E}">
+        <p14:creationId xmlns:p14="http://schemas.microsoft.com/office/powerpoint/2010/main" val="1542992952"/>
+      </p:ext>
+    </p:extLst>
+  </p:cSld>
+  <p:clrMapOvr>
+    <a:masterClrMapping/>
+  </p:clrMapOvr>
+  <p:timing>
+    <p:tnLst>
+      <p:par>
+        <p:cTn id="1" dur="indefinite" restart="never" nodeType="tmRoot"/>
+      </p:par>
+    </p:tnLst>
+  </p:timing>
+</p:sld>
+</file>
+
 <file path=ppt/slides/slide2.xml><?xml version="1.0" encoding="utf-8"?>
 <p:sld xmlns:a="http://schemas.openxmlformats.org/drawingml/2006/main" xmlns:r="http://schemas.openxmlformats.org/officeDocument/2006/relationships" xmlns:p="http://schemas.openxmlformats.org/presentationml/2006/main">
   <p:cSld>
@@ -22417,98 +18490,6 @@
     <p:extLst>
       <p:ext uri="{BB962C8B-B14F-4D97-AF65-F5344CB8AC3E}">
         <p14:creationId xmlns:p14="http://schemas.microsoft.com/office/powerpoint/2010/main" val="3887076783"/>
-      </p:ext>
-    </p:extLst>
-  </p:cSld>
-  <p:clrMapOvr>
-    <a:masterClrMapping/>
-  </p:clrMapOvr>
-  <p:timing>
-    <p:tnLst>
-      <p:par>
-        <p:cTn id="1" dur="indefinite" restart="never" nodeType="tmRoot"/>
-      </p:par>
-    </p:tnLst>
-  </p:timing>
-</p:sld>
-</file>
-
-<file path=ppt/slides/slide20.xml><?xml version="1.0" encoding="utf-8"?>
-<p:sld xmlns:a="http://schemas.openxmlformats.org/drawingml/2006/main" xmlns:r="http://schemas.openxmlformats.org/officeDocument/2006/relationships" xmlns:p="http://schemas.openxmlformats.org/presentationml/2006/main">
-  <p:cSld>
-    <p:bg>
-      <p:bgPr>
-        <a:blipFill dpi="0" rotWithShape="1">
-          <a:blip r:embed="rId3">
-            <a:lum/>
-          </a:blip>
-          <a:srcRect/>
-          <a:stretch>
-            <a:fillRect/>
-          </a:stretch>
-        </a:blipFill>
-        <a:effectLst/>
-      </p:bgPr>
-    </p:bg>
-    <p:spTree>
-      <p:nvGrpSpPr>
-        <p:cNvPr id="1" name=""/>
-        <p:cNvGrpSpPr/>
-        <p:nvPr/>
-      </p:nvGrpSpPr>
-      <p:grpSpPr>
-        <a:xfrm>
-          <a:off x="0" y="0"/>
-          <a:ext cx="0" cy="0"/>
-          <a:chOff x="0" y="0"/>
-          <a:chExt cx="0" cy="0"/>
-        </a:xfrm>
-      </p:grpSpPr>
-      <p:sp>
-        <p:nvSpPr>
-          <p:cNvPr id="2" name="Title 1"/>
-          <p:cNvSpPr>
-            <a:spLocks noGrp="1"/>
-          </p:cNvSpPr>
-          <p:nvPr>
-            <p:ph type="title"/>
-          </p:nvPr>
-        </p:nvSpPr>
-        <p:spPr>
-          <a:xfrm>
-            <a:off x="838199" y="1565275"/>
-            <a:ext cx="10515600" cy="1325563"/>
-          </a:xfrm>
-        </p:spPr>
-        <p:txBody>
-          <a:bodyPr>
-            <a:normAutofit/>
-          </a:bodyPr>
-          <a:lstStyle/>
-          <a:p>
-            <a:pPr algn="ctr"/>
-            <a:r>
-              <a:rPr lang="en-US" b="1" dirty="0" smtClean="0">
-                <a:solidFill>
-                  <a:schemeClr val="bg1"/>
-                </a:solidFill>
-                <a:latin typeface="Sternbach" panose="02000500000000000000" pitchFamily="2" charset="0"/>
-              </a:rPr>
-              <a:t>Questions</a:t>
-            </a:r>
-            <a:endParaRPr lang="en-US" b="1" dirty="0">
-              <a:solidFill>
-                <a:schemeClr val="bg1"/>
-              </a:solidFill>
-              <a:latin typeface="Sternbach" panose="02000500000000000000" pitchFamily="2" charset="0"/>
-            </a:endParaRPr>
-          </a:p>
-        </p:txBody>
-      </p:sp>
-    </p:spTree>
-    <p:extLst>
-      <p:ext uri="{BB962C8B-B14F-4D97-AF65-F5344CB8AC3E}">
-        <p14:creationId xmlns:p14="http://schemas.microsoft.com/office/powerpoint/2010/main" val="1542992952"/>
       </p:ext>
     </p:extLst>
   </p:cSld>

--- a/ufc.pptx
+++ b/ufc.pptx
@@ -18945,7 +18945,23 @@
                   <a:schemeClr val="bg1"/>
                 </a:solidFill>
               </a:rPr>
-              <a:t>Based on a set of features, predict which fighter will win</a:t>
+              <a:t>Based on a set of features</a:t>
+            </a:r>
+            <a:r>
+              <a:rPr lang="en-US" dirty="0" smtClean="0">
+                <a:solidFill>
+                  <a:schemeClr val="bg1"/>
+                </a:solidFill>
+              </a:rPr>
+              <a:t>, we will try to </a:t>
+            </a:r>
+            <a:r>
+              <a:rPr lang="en-US" dirty="0" smtClean="0">
+                <a:solidFill>
+                  <a:schemeClr val="bg1"/>
+                </a:solidFill>
+              </a:rPr>
+              <a:t>predict which fighter will win</a:t>
             </a:r>
           </a:p>
           <a:p>
@@ -19098,7 +19114,23 @@
                   <a:schemeClr val="bg1"/>
                 </a:solidFill>
               </a:rPr>
-              <a:t>determined to Supervised </a:t>
+              <a:t>determined </a:t>
+            </a:r>
+            <a:r>
+              <a:rPr lang="en-US" dirty="0" smtClean="0">
+                <a:solidFill>
+                  <a:schemeClr val="bg1"/>
+                </a:solidFill>
+              </a:rPr>
+              <a:t>we would use </a:t>
+            </a:r>
+            <a:r>
+              <a:rPr lang="en-US" dirty="0" smtClean="0">
+                <a:solidFill>
+                  <a:schemeClr val="bg1"/>
+                </a:solidFill>
+              </a:rPr>
+              <a:t>Supervised </a:t>
             </a:r>
             <a:r>
               <a:rPr lang="en-US" dirty="0">
@@ -19134,7 +19166,23 @@
                   <a:schemeClr val="bg1"/>
                 </a:solidFill>
               </a:rPr>
-              <a:t>Run same models on each Feature Set</a:t>
+              <a:t>Run </a:t>
+            </a:r>
+            <a:r>
+              <a:rPr lang="en-US" dirty="0" smtClean="0">
+                <a:solidFill>
+                  <a:schemeClr val="bg1"/>
+                </a:solidFill>
+              </a:rPr>
+              <a:t>the same </a:t>
+            </a:r>
+            <a:r>
+              <a:rPr lang="en-US" dirty="0" smtClean="0">
+                <a:solidFill>
+                  <a:schemeClr val="bg1"/>
+                </a:solidFill>
+              </a:rPr>
+              <a:t>models on each Feature Set</a:t>
             </a:r>
           </a:p>
           <a:p>
